--- a/slides/2016180042_진윤성_2DGP_1차발표.pptx
+++ b/slides/2016180042_진윤성_2DGP_1차발표.pptx
@@ -5,10 +5,10 @@
     <p:sldMasterId id="2147484044" r:id="rId1"/>
   </p:sldMasterIdLst>
   <p:notesMasterIdLst>
-    <p:notesMasterId r:id="rId17"/>
+    <p:notesMasterId r:id="rId16"/>
   </p:notesMasterIdLst>
   <p:handoutMasterIdLst>
-    <p:handoutMasterId r:id="rId18"/>
+    <p:handoutMasterId r:id="rId17"/>
   </p:handoutMasterIdLst>
   <p:sldIdLst>
     <p:sldId id="256" r:id="rId2"/>
@@ -16,60 +16,59 @@
     <p:sldId id="261" r:id="rId4"/>
     <p:sldId id="259" r:id="rId5"/>
     <p:sldId id="276" r:id="rId6"/>
-    <p:sldId id="278" r:id="rId7"/>
+    <p:sldId id="279" r:id="rId7"/>
     <p:sldId id="277" r:id="rId8"/>
     <p:sldId id="268" r:id="rId9"/>
     <p:sldId id="267" r:id="rId10"/>
-    <p:sldId id="265" r:id="rId11"/>
-    <p:sldId id="270" r:id="rId12"/>
-    <p:sldId id="271" r:id="rId13"/>
-    <p:sldId id="275" r:id="rId14"/>
-    <p:sldId id="274" r:id="rId15"/>
-    <p:sldId id="269" r:id="rId16"/>
+    <p:sldId id="270" r:id="rId11"/>
+    <p:sldId id="271" r:id="rId12"/>
+    <p:sldId id="275" r:id="rId13"/>
+    <p:sldId id="274" r:id="rId14"/>
+    <p:sldId id="269" r:id="rId15"/>
   </p:sldIdLst>
   <p:sldSz cx="9144000" cy="6858000" type="screen4x3"/>
   <p:notesSz cx="6858000" cy="9144000"/>
   <p:embeddedFontLst>
     <p:embeddedFont>
       <p:font typeface="Franklin Gothic Book" panose="020B0503020102020204" pitchFamily="34" charset="0"/>
-      <p:regular r:id="rId19"/>
-      <p:italic r:id="rId20"/>
+      <p:regular r:id="rId18"/>
+      <p:italic r:id="rId19"/>
     </p:embeddedFont>
     <p:embeddedFont>
       <p:font typeface="HY신명조" panose="02030600000101010101" pitchFamily="18" charset="-127"/>
+      <p:regular r:id="rId20"/>
+    </p:embeddedFont>
+    <p:embeddedFont>
+      <p:font typeface="-윤고딕320" panose="02030504000101010101" pitchFamily="18" charset="-127"/>
       <p:regular r:id="rId21"/>
     </p:embeddedFont>
     <p:embeddedFont>
-      <p:font typeface="-윤고딕320" panose="02030504000101010101" pitchFamily="18" charset="-127"/>
+      <p:font typeface="Constantia" panose="02030602050306030303" pitchFamily="18" charset="0"/>
       <p:regular r:id="rId22"/>
-    </p:embeddedFont>
-    <p:embeddedFont>
-      <p:font typeface="Constantia" panose="02030602050306030303" pitchFamily="18" charset="0"/>
-      <p:regular r:id="rId23"/>
-      <p:bold r:id="rId24"/>
-      <p:italic r:id="rId25"/>
-      <p:boldItalic r:id="rId26"/>
+      <p:bold r:id="rId23"/>
+      <p:italic r:id="rId24"/>
+      <p:boldItalic r:id="rId25"/>
     </p:embeddedFont>
     <p:embeddedFont>
       <p:font typeface="-윤고딕330" panose="02030504000101010101" pitchFamily="18" charset="-127"/>
+      <p:regular r:id="rId26"/>
+    </p:embeddedFont>
+    <p:embeddedFont>
+      <p:font typeface="Rage Italic" panose="03070502040507070304" pitchFamily="66" charset="0"/>
       <p:regular r:id="rId27"/>
     </p:embeddedFont>
     <p:embeddedFont>
-      <p:font typeface="Rage Italic" panose="03070502040507070304" pitchFamily="66" charset="0"/>
+      <p:font typeface="-윤고딕310" panose="02030504000101010101" pitchFamily="18" charset="-127"/>
       <p:regular r:id="rId28"/>
     </p:embeddedFont>
     <p:embeddedFont>
-      <p:font typeface="-윤고딕310" panose="02030504000101010101" pitchFamily="18" charset="-127"/>
-      <p:regular r:id="rId29"/>
-    </p:embeddedFont>
-    <p:embeddedFont>
       <p:font typeface="Brush Script MT" panose="03060802040406070304" pitchFamily="66" charset="0"/>
-      <p:italic r:id="rId30"/>
+      <p:italic r:id="rId29"/>
     </p:embeddedFont>
     <p:embeddedFont>
       <p:font typeface="맑은 고딕" panose="020B0503020000020004" pitchFamily="50" charset="-127"/>
-      <p:regular r:id="rId31"/>
-      <p:bold r:id="rId32"/>
+      <p:regular r:id="rId30"/>
+      <p:bold r:id="rId31"/>
     </p:embeddedFont>
   </p:embeddedFontLst>
   <p:defaultTextStyle>
@@ -8721,215 +8720,992 @@
             <p:ph type="title"/>
           </p:nvPr>
         </p:nvSpPr>
-        <p:spPr/>
+        <p:spPr>
+          <a:xfrm>
+            <a:off x="1115616" y="980728"/>
+            <a:ext cx="6965245" cy="1202485"/>
+          </a:xfrm>
+        </p:spPr>
         <p:txBody>
-          <a:bodyPr/>
+          <a:bodyPr anchor="t"/>
           <a:lstStyle/>
           <a:p>
             <a:r>
-              <a:rPr lang="ko-KR" altLang="en-US" smtClean="0">
+              <a:rPr lang="ko-KR" altLang="en-US" dirty="0" smtClean="0">
                 <a:latin typeface="-윤고딕320" panose="02030504000101010101" pitchFamily="18" charset="-127"/>
                 <a:ea typeface="-윤고딕320" panose="02030504000101010101" pitchFamily="18" charset="-127"/>
               </a:rPr>
-              <a:t>개발 범위 </a:t>
-            </a:r>
-            <a:r>
-              <a:rPr lang="en-US" altLang="ko-KR" smtClean="0">
+              <a:t>개발 일정 </a:t>
+            </a:r>
+            <a:r>
+              <a:rPr lang="en-US" altLang="ko-KR" dirty="0" smtClean="0">
                 <a:latin typeface="-윤고딕320" panose="02030504000101010101" pitchFamily="18" charset="-127"/>
                 <a:ea typeface="-윤고딕320" panose="02030504000101010101" pitchFamily="18" charset="-127"/>
               </a:rPr>
-              <a:t>(</a:t>
-            </a:r>
-            <a:r>
-              <a:rPr lang="ko-KR" altLang="en-US" smtClean="0">
-                <a:latin typeface="-윤고딕320" panose="02030504000101010101" pitchFamily="18" charset="-127"/>
-                <a:ea typeface="-윤고딕320" panose="02030504000101010101" pitchFamily="18" charset="-127"/>
-              </a:rPr>
-              <a:t>요약</a:t>
-            </a:r>
-            <a:r>
-              <a:rPr lang="en-US" altLang="ko-KR" smtClean="0">
-                <a:latin typeface="-윤고딕320" panose="02030504000101010101" pitchFamily="18" charset="-127"/>
-                <a:ea typeface="-윤고딕320" panose="02030504000101010101" pitchFamily="18" charset="-127"/>
-              </a:rPr>
-              <a:t>)</a:t>
-            </a:r>
-            <a:endParaRPr lang="ko-KR" altLang="en-US">
+              <a:t>(1)</a:t>
+            </a:r>
+            <a:endParaRPr lang="ko-KR" altLang="en-US" dirty="0">
               <a:latin typeface="-윤고딕320" panose="02030504000101010101" pitchFamily="18" charset="-127"/>
               <a:ea typeface="-윤고딕320" panose="02030504000101010101" pitchFamily="18" charset="-127"/>
             </a:endParaRPr>
           </a:p>
         </p:txBody>
       </p:sp>
-      <p:sp>
-        <p:nvSpPr>
-          <p:cNvPr id="3" name="내용 개체 틀 2"/>
-          <p:cNvSpPr>
-            <a:spLocks noGrp="1"/>
-          </p:cNvSpPr>
+      <p:graphicFrame>
+        <p:nvGraphicFramePr>
+          <p:cNvPr id="7" name="내용 개체 틀 6"/>
+          <p:cNvGraphicFramePr>
+            <a:graphicFrameLocks noGrp="1"/>
+          </p:cNvGraphicFramePr>
           <p:nvPr>
             <p:ph idx="1"/>
+            <p:extLst>
+              <p:ext uri="{D42A27DB-BD31-4B8C-83A1-F6EECF244321}">
+                <p14:modId xmlns:p14="http://schemas.microsoft.com/office/powerpoint/2010/main" val="250437262"/>
+              </p:ext>
+            </p:extLst>
           </p:nvPr>
-        </p:nvSpPr>
-        <p:spPr/>
-        <p:txBody>
-          <a:bodyPr>
-            <a:normAutofit/>
-          </a:bodyPr>
-          <a:lstStyle/>
-          <a:p>
-            <a:pPr marL="457200" indent="-457200">
-              <a:buFont typeface="+mj-lt"/>
-              <a:buAutoNum type="arabicPeriod"/>
-            </a:pPr>
-            <a:r>
-              <a:rPr lang="ko-KR" altLang="en-US" sz="2300" dirty="0" smtClean="0">
-                <a:latin typeface="-윤고딕310" panose="02030504000101010101" pitchFamily="18" charset="-127"/>
-                <a:ea typeface="-윤고딕310" panose="02030504000101010101" pitchFamily="18" charset="-127"/>
-              </a:rPr>
-              <a:t>플랫폼 게임이므로 중력이 작용하는 물체</a:t>
-            </a:r>
-            <a:r>
-              <a:rPr lang="en-US" altLang="ko-KR" sz="2300" dirty="0" smtClean="0">
-                <a:latin typeface="-윤고딕310" panose="02030504000101010101" pitchFamily="18" charset="-127"/>
-                <a:ea typeface="-윤고딕310" panose="02030504000101010101" pitchFamily="18" charset="-127"/>
-              </a:rPr>
-              <a:t>, </a:t>
-            </a:r>
-            <a:r>
-              <a:rPr lang="ko-KR" altLang="en-US" sz="2300" dirty="0" smtClean="0">
-                <a:latin typeface="-윤고딕310" panose="02030504000101010101" pitchFamily="18" charset="-127"/>
-                <a:ea typeface="-윤고딕310" panose="02030504000101010101" pitchFamily="18" charset="-127"/>
-              </a:rPr>
-              <a:t>그리고</a:t>
-            </a:r>
-            <a:r>
-              <a:rPr lang="en-US" altLang="ko-KR" sz="2300" dirty="0" smtClean="0">
-                <a:latin typeface="-윤고딕310" panose="02030504000101010101" pitchFamily="18" charset="-127"/>
-                <a:ea typeface="-윤고딕310" panose="02030504000101010101" pitchFamily="18" charset="-127"/>
-              </a:rPr>
-              <a:t> </a:t>
-            </a:r>
-            <a:r>
-              <a:rPr lang="ko-KR" altLang="en-US" sz="2300" dirty="0" smtClean="0">
-                <a:latin typeface="-윤고딕310" panose="02030504000101010101" pitchFamily="18" charset="-127"/>
-                <a:ea typeface="-윤고딕310" panose="02030504000101010101" pitchFamily="18" charset="-127"/>
-              </a:rPr>
-              <a:t>블록과 블록</a:t>
-            </a:r>
-            <a:r>
-              <a:rPr lang="en-US" altLang="ko-KR" sz="2300" dirty="0" smtClean="0">
-                <a:latin typeface="-윤고딕310" panose="02030504000101010101" pitchFamily="18" charset="-127"/>
-                <a:ea typeface="-윤고딕310" panose="02030504000101010101" pitchFamily="18" charset="-127"/>
-              </a:rPr>
-              <a:t>, </a:t>
-            </a:r>
-            <a:r>
-              <a:rPr lang="ko-KR" altLang="en-US" sz="2300" dirty="0" smtClean="0">
-                <a:latin typeface="-윤고딕310" panose="02030504000101010101" pitchFamily="18" charset="-127"/>
-                <a:ea typeface="-윤고딕310" panose="02030504000101010101" pitchFamily="18" charset="-127"/>
-              </a:rPr>
-              <a:t>물체와 물체의 충돌을 구현해야 한다</a:t>
-            </a:r>
-            <a:r>
-              <a:rPr lang="en-US" altLang="ko-KR" sz="2300" dirty="0" smtClean="0">
-                <a:latin typeface="-윤고딕310" panose="02030504000101010101" pitchFamily="18" charset="-127"/>
-                <a:ea typeface="-윤고딕310" panose="02030504000101010101" pitchFamily="18" charset="-127"/>
-              </a:rPr>
-              <a:t>.</a:t>
-            </a:r>
-            <a:endParaRPr lang="en-US" altLang="ko-KR" sz="2300" dirty="0">
-              <a:latin typeface="-윤고딕310" panose="02030504000101010101" pitchFamily="18" charset="-127"/>
-              <a:ea typeface="-윤고딕310" panose="02030504000101010101" pitchFamily="18" charset="-127"/>
-            </a:endParaRPr>
-          </a:p>
-          <a:p>
-            <a:pPr marL="457200" indent="-457200">
-              <a:buFont typeface="+mj-lt"/>
-              <a:buAutoNum type="arabicPeriod"/>
-            </a:pPr>
-            <a:r>
-              <a:rPr lang="ko-KR" altLang="en-US" sz="2300" dirty="0" smtClean="0">
-                <a:latin typeface="-윤고딕310" panose="02030504000101010101" pitchFamily="18" charset="-127"/>
-                <a:ea typeface="-윤고딕310" panose="02030504000101010101" pitchFamily="18" charset="-127"/>
-              </a:rPr>
-              <a:t>플레이어 캐릭터의 조작 구현</a:t>
-            </a:r>
-            <a:endParaRPr lang="en-US" altLang="ko-KR" sz="2300" dirty="0">
-              <a:latin typeface="-윤고딕310" panose="02030504000101010101" pitchFamily="18" charset="-127"/>
-              <a:ea typeface="-윤고딕310" panose="02030504000101010101" pitchFamily="18" charset="-127"/>
-            </a:endParaRPr>
-          </a:p>
-          <a:p>
-            <a:pPr marL="457200" indent="-457200">
-              <a:buFont typeface="+mj-lt"/>
-              <a:buAutoNum type="arabicPeriod"/>
-            </a:pPr>
-            <a:r>
-              <a:rPr lang="ko-KR" altLang="en-US" sz="2300" dirty="0" smtClean="0">
-                <a:latin typeface="-윤고딕310" panose="02030504000101010101" pitchFamily="18" charset="-127"/>
-                <a:ea typeface="-윤고딕310" panose="02030504000101010101" pitchFamily="18" charset="-127"/>
-              </a:rPr>
-              <a:t>적들의 인공지능</a:t>
-            </a:r>
-            <a:r>
-              <a:rPr lang="en-US" altLang="ko-KR" sz="2300" dirty="0">
-                <a:latin typeface="-윤고딕310" panose="02030504000101010101" pitchFamily="18" charset="-127"/>
-                <a:ea typeface="-윤고딕310" panose="02030504000101010101" pitchFamily="18" charset="-127"/>
-              </a:rPr>
-              <a:t> </a:t>
-            </a:r>
-            <a:r>
-              <a:rPr lang="ko-KR" altLang="en-US" sz="2300" dirty="0" smtClean="0">
-                <a:latin typeface="-윤고딕310" panose="02030504000101010101" pitchFamily="18" charset="-127"/>
-                <a:ea typeface="-윤고딕310" panose="02030504000101010101" pitchFamily="18" charset="-127"/>
-              </a:rPr>
-              <a:t>구현</a:t>
-            </a:r>
-            <a:endParaRPr lang="en-US" altLang="ko-KR" sz="2300" dirty="0">
-              <a:latin typeface="-윤고딕310" panose="02030504000101010101" pitchFamily="18" charset="-127"/>
-              <a:ea typeface="-윤고딕310" panose="02030504000101010101" pitchFamily="18" charset="-127"/>
-            </a:endParaRPr>
-          </a:p>
-          <a:p>
-            <a:pPr marL="457200" indent="-457200">
-              <a:buFont typeface="+mj-lt"/>
-              <a:buAutoNum type="arabicPeriod"/>
-            </a:pPr>
-            <a:r>
-              <a:rPr lang="ko-KR" altLang="en-US" sz="2300" dirty="0" smtClean="0">
-                <a:latin typeface="-윤고딕310" panose="02030504000101010101" pitchFamily="18" charset="-127"/>
-                <a:ea typeface="-윤고딕310" panose="02030504000101010101" pitchFamily="18" charset="-127"/>
-              </a:rPr>
-              <a:t>리소스 제작 혹은 공수해오기</a:t>
-            </a:r>
-            <a:r>
-              <a:rPr lang="en-US" altLang="ko-KR" sz="2300" dirty="0" smtClean="0">
-                <a:latin typeface="-윤고딕310" panose="02030504000101010101" pitchFamily="18" charset="-127"/>
-                <a:ea typeface="-윤고딕310" panose="02030504000101010101" pitchFamily="18" charset="-127"/>
-              </a:rPr>
-              <a:t>.</a:t>
-            </a:r>
-          </a:p>
-          <a:p>
-            <a:pPr marL="457200" indent="-457200">
-              <a:buFont typeface="+mj-lt"/>
-              <a:buAutoNum type="arabicPeriod"/>
-            </a:pPr>
-            <a:r>
-              <a:rPr lang="ko-KR" altLang="en-US" sz="2300" dirty="0" smtClean="0">
-                <a:latin typeface="-윤고딕310" panose="02030504000101010101" pitchFamily="18" charset="-127"/>
-                <a:ea typeface="-윤고딕310" panose="02030504000101010101" pitchFamily="18" charset="-127"/>
-              </a:rPr>
-              <a:t>유저 인터페이스</a:t>
-            </a:r>
-            <a:endParaRPr lang="en-US" altLang="ko-KR" sz="2300" dirty="0">
-              <a:latin typeface="-윤고딕310" panose="02030504000101010101" pitchFamily="18" charset="-127"/>
-              <a:ea typeface="-윤고딕310" panose="02030504000101010101" pitchFamily="18" charset="-127"/>
-            </a:endParaRPr>
-          </a:p>
-        </p:txBody>
-      </p:sp>
+        </p:nvGraphicFramePr>
+        <p:xfrm>
+          <a:off x="827584" y="1844818"/>
+          <a:ext cx="7488832" cy="3888437"/>
+        </p:xfrm>
+        <a:graphic>
+          <a:graphicData uri="http://schemas.openxmlformats.org/drawingml/2006/table">
+            <a:tbl>
+              <a:tblPr firstRow="1" bandRow="1">
+                <a:effectLst>
+                  <a:innerShdw blurRad="228600">
+                    <a:prstClr val="black">
+                      <a:alpha val="98000"/>
+                    </a:prstClr>
+                  </a:innerShdw>
+                </a:effectLst>
+                <a:tableStyleId>{5C22544A-7EE6-4342-B048-85BDC9FD1C3A}</a:tableStyleId>
+              </a:tblPr>
+              <a:tblGrid>
+                <a:gridCol w="706347"/>
+                <a:gridCol w="1695233"/>
+                <a:gridCol w="5087252"/>
+              </a:tblGrid>
+              <a:tr h="442817">
+                <a:tc>
+                  <a:txBody>
+                    <a:bodyPr/>
+                    <a:lstStyle/>
+                    <a:p>
+                      <a:pPr algn="ctr" latinLnBrk="1"/>
+                      <a:r>
+                        <a:rPr lang="ko-KR" altLang="en-US" sz="2000" b="0" dirty="0" smtClean="0">
+                          <a:latin typeface="-윤고딕320" panose="02030504000101010101" pitchFamily="18" charset="-127"/>
+                          <a:ea typeface="-윤고딕320" panose="02030504000101010101" pitchFamily="18" charset="-127"/>
+                        </a:rPr>
+                        <a:t>주차</a:t>
+                      </a:r>
+                      <a:endParaRPr lang="ko-KR" altLang="en-US" sz="2000" b="0" dirty="0">
+                        <a:latin typeface="-윤고딕320" panose="02030504000101010101" pitchFamily="18" charset="-127"/>
+                        <a:ea typeface="-윤고딕320" panose="02030504000101010101" pitchFamily="18" charset="-127"/>
+                      </a:endParaRPr>
+                    </a:p>
+                  </a:txBody>
+                  <a:tcPr marL="111605" marR="111605" marT="55802" marB="55802" anchor="ctr">
+                    <a:solidFill>
+                      <a:schemeClr val="accent1">
+                        <a:tint val="40000"/>
+                        <a:alpha val="35000"/>
+                      </a:schemeClr>
+                    </a:solidFill>
+                  </a:tcPr>
+                </a:tc>
+                <a:tc>
+                  <a:txBody>
+                    <a:bodyPr/>
+                    <a:lstStyle/>
+                    <a:p>
+                      <a:pPr algn="ctr" latinLnBrk="1"/>
+                      <a:r>
+                        <a:rPr lang="ko-KR" altLang="en-US" sz="2000" b="0" dirty="0" smtClean="0">
+                          <a:latin typeface="-윤고딕320" panose="02030504000101010101" pitchFamily="18" charset="-127"/>
+                          <a:ea typeface="-윤고딕320" panose="02030504000101010101" pitchFamily="18" charset="-127"/>
+                        </a:rPr>
+                        <a:t>주제</a:t>
+                      </a:r>
+                      <a:endParaRPr lang="ko-KR" altLang="en-US" sz="2000" b="0" dirty="0">
+                        <a:latin typeface="-윤고딕320" panose="02030504000101010101" pitchFamily="18" charset="-127"/>
+                        <a:ea typeface="-윤고딕320" panose="02030504000101010101" pitchFamily="18" charset="-127"/>
+                      </a:endParaRPr>
+                    </a:p>
+                  </a:txBody>
+                  <a:tcPr marL="111605" marR="111605" marT="55802" marB="55802" anchor="ctr"/>
+                </a:tc>
+                <a:tc>
+                  <a:txBody>
+                    <a:bodyPr/>
+                    <a:lstStyle/>
+                    <a:p>
+                      <a:pPr algn="ctr" latinLnBrk="1"/>
+                      <a:r>
+                        <a:rPr lang="ko-KR" altLang="en-US" sz="2000" b="0" dirty="0" smtClean="0">
+                          <a:latin typeface="-윤고딕320" panose="02030504000101010101" pitchFamily="18" charset="-127"/>
+                          <a:ea typeface="-윤고딕320" panose="02030504000101010101" pitchFamily="18" charset="-127"/>
+                        </a:rPr>
+                        <a:t>상세</a:t>
+                      </a:r>
+                      <a:endParaRPr lang="ko-KR" altLang="en-US" sz="2000" b="0" dirty="0">
+                        <a:latin typeface="-윤고딕320" panose="02030504000101010101" pitchFamily="18" charset="-127"/>
+                        <a:ea typeface="-윤고딕320" panose="02030504000101010101" pitchFamily="18" charset="-127"/>
+                      </a:endParaRPr>
+                    </a:p>
+                  </a:txBody>
+                  <a:tcPr marL="111605" marR="111605" marT="55802" marB="55802" anchor="ctr"/>
+                </a:tc>
+              </a:tr>
+              <a:tr h="1165274">
+                <a:tc>
+                  <a:txBody>
+                    <a:bodyPr/>
+                    <a:lstStyle/>
+                    <a:p>
+                      <a:pPr algn="ctr" latinLnBrk="1"/>
+                      <a:r>
+                        <a:rPr lang="en-US" altLang="ko-KR" sz="1900" dirty="0" smtClean="0">
+                          <a:latin typeface="-윤고딕310" panose="02030504000101010101" pitchFamily="18" charset="-127"/>
+                          <a:ea typeface="-윤고딕310" panose="02030504000101010101" pitchFamily="18" charset="-127"/>
+                        </a:rPr>
+                        <a:t>1</a:t>
+                      </a:r>
+                      <a:endParaRPr lang="ko-KR" altLang="en-US" sz="1900" dirty="0">
+                        <a:latin typeface="-윤고딕310" panose="02030504000101010101" pitchFamily="18" charset="-127"/>
+                        <a:ea typeface="-윤고딕310" panose="02030504000101010101" pitchFamily="18" charset="-127"/>
+                      </a:endParaRPr>
+                    </a:p>
+                  </a:txBody>
+                  <a:tcPr marL="111605" marR="111605" marT="55802" marB="55802" anchor="ctr">
+                    <a:solidFill>
+                      <a:schemeClr val="accent1">
+                        <a:tint val="40000"/>
+                        <a:alpha val="35000"/>
+                      </a:schemeClr>
+                    </a:solidFill>
+                  </a:tcPr>
+                </a:tc>
+                <a:tc>
+                  <a:txBody>
+                    <a:bodyPr/>
+                    <a:lstStyle/>
+                    <a:p>
+                      <a:pPr marL="0" indent="0" algn="ctr" latinLnBrk="1">
+                        <a:buFont typeface="Arial" panose="020B0604020202020204" pitchFamily="34" charset="0"/>
+                        <a:buNone/>
+                      </a:pPr>
+                      <a:r>
+                        <a:rPr lang="ko-KR" altLang="en-US" sz="1200" dirty="0" smtClean="0">
+                          <a:latin typeface="-윤고딕310" panose="02030504000101010101" pitchFamily="18" charset="-127"/>
+                          <a:ea typeface="-윤고딕310" panose="02030504000101010101" pitchFamily="18" charset="-127"/>
+                        </a:rPr>
+                        <a:t>기본적 메커니즘</a:t>
+                      </a:r>
+                      <a:endParaRPr lang="en-US" altLang="ko-KR" sz="1200" dirty="0" smtClean="0">
+                        <a:latin typeface="-윤고딕310" panose="02030504000101010101" pitchFamily="18" charset="-127"/>
+                        <a:ea typeface="-윤고딕310" panose="02030504000101010101" pitchFamily="18" charset="-127"/>
+                      </a:endParaRPr>
+                    </a:p>
+                    <a:p>
+                      <a:pPr marL="0" indent="0" algn="ctr" latinLnBrk="1">
+                        <a:buFont typeface="Arial" panose="020B0604020202020204" pitchFamily="34" charset="0"/>
+                        <a:buNone/>
+                      </a:pPr>
+                      <a:r>
+                        <a:rPr lang="ko-KR" altLang="en-US" sz="1200" dirty="0" smtClean="0">
+                          <a:latin typeface="-윤고딕310" panose="02030504000101010101" pitchFamily="18" charset="-127"/>
+                          <a:ea typeface="-윤고딕310" panose="02030504000101010101" pitchFamily="18" charset="-127"/>
+                        </a:rPr>
+                        <a:t>지형과 중력</a:t>
+                      </a:r>
+                      <a:endParaRPr lang="ko-KR" altLang="en-US" sz="1200" dirty="0">
+                        <a:latin typeface="-윤고딕310" panose="02030504000101010101" pitchFamily="18" charset="-127"/>
+                        <a:ea typeface="-윤고딕310" panose="02030504000101010101" pitchFamily="18" charset="-127"/>
+                      </a:endParaRPr>
+                    </a:p>
+                  </a:txBody>
+                  <a:tcPr marL="111605" marR="111605" marT="55802" marB="55802" anchor="ctr"/>
+                </a:tc>
+                <a:tc>
+                  <a:txBody>
+                    <a:bodyPr/>
+                    <a:lstStyle/>
+                    <a:p>
+                      <a:pPr marL="171450" indent="-171450" latinLnBrk="1">
+                        <a:buFont typeface="Arial" panose="020B0604020202020204" pitchFamily="34" charset="0"/>
+                        <a:buChar char="•"/>
+                      </a:pPr>
+                      <a:r>
+                        <a:rPr lang="ko-KR" altLang="en-US" sz="1200" dirty="0" smtClean="0">
+                          <a:latin typeface="-윤고딕310" panose="02030504000101010101" pitchFamily="18" charset="-127"/>
+                          <a:ea typeface="-윤고딕310" panose="02030504000101010101" pitchFamily="18" charset="-127"/>
+                        </a:rPr>
+                        <a:t>필요한 객체를 모두 정의하고 상속 관계를 분명히 한다</a:t>
+                      </a:r>
+                      <a:r>
+                        <a:rPr lang="en-US" altLang="ko-KR" sz="1200" dirty="0" smtClean="0">
+                          <a:latin typeface="-윤고딕310" panose="02030504000101010101" pitchFamily="18" charset="-127"/>
+                          <a:ea typeface="-윤고딕310" panose="02030504000101010101" pitchFamily="18" charset="-127"/>
+                        </a:rPr>
+                        <a:t>.  </a:t>
+                      </a:r>
+                      <a:r>
+                        <a:rPr lang="ko-KR" altLang="en-US" sz="1200" dirty="0" smtClean="0">
+                          <a:latin typeface="-윤고딕310" panose="02030504000101010101" pitchFamily="18" charset="-127"/>
+                          <a:ea typeface="-윤고딕310" panose="02030504000101010101" pitchFamily="18" charset="-127"/>
+                        </a:rPr>
+                        <a:t>모든 객체들은 하나의 중력 객체를 상속한다</a:t>
+                      </a:r>
+                      <a:r>
+                        <a:rPr lang="en-US" altLang="ko-KR" sz="1200" dirty="0" smtClean="0">
+                          <a:latin typeface="-윤고딕310" panose="02030504000101010101" pitchFamily="18" charset="-127"/>
+                          <a:ea typeface="-윤고딕310" panose="02030504000101010101" pitchFamily="18" charset="-127"/>
+                        </a:rPr>
+                        <a:t>.</a:t>
+                      </a:r>
+                      <a:r>
+                        <a:rPr lang="en-US" altLang="ko-KR" sz="1200" baseline="0" dirty="0" smtClean="0">
+                          <a:latin typeface="-윤고딕310" panose="02030504000101010101" pitchFamily="18" charset="-127"/>
+                          <a:ea typeface="-윤고딕310" panose="02030504000101010101" pitchFamily="18" charset="-127"/>
+                        </a:rPr>
+                        <a:t> </a:t>
+                      </a:r>
+                      <a:r>
+                        <a:rPr lang="ko-KR" altLang="en-US" sz="1200" baseline="0" dirty="0" smtClean="0">
+                          <a:latin typeface="-윤고딕310" panose="02030504000101010101" pitchFamily="18" charset="-127"/>
+                          <a:ea typeface="-윤고딕310" panose="02030504000101010101" pitchFamily="18" charset="-127"/>
+                        </a:rPr>
+                        <a:t>메소드들 역시 규격화된 이름으로 정리한다</a:t>
+                      </a:r>
+                      <a:r>
+                        <a:rPr lang="en-US" altLang="ko-KR" sz="1200" baseline="0" dirty="0" smtClean="0">
+                          <a:latin typeface="-윤고딕310" panose="02030504000101010101" pitchFamily="18" charset="-127"/>
+                          <a:ea typeface="-윤고딕310" panose="02030504000101010101" pitchFamily="18" charset="-127"/>
+                        </a:rPr>
+                        <a:t>.</a:t>
+                      </a:r>
+                    </a:p>
+                    <a:p>
+                      <a:pPr marL="171450" marR="0" indent="-171450" algn="l" defTabSz="914400" rtl="0" eaLnBrk="1" fontAlgn="auto" latinLnBrk="1" hangingPunct="1">
+                        <a:lnSpc>
+                          <a:spcPct val="100000"/>
+                        </a:lnSpc>
+                        <a:spcBef>
+                          <a:spcPts val="0"/>
+                        </a:spcBef>
+                        <a:spcAft>
+                          <a:spcPts val="0"/>
+                        </a:spcAft>
+                        <a:buClrTx/>
+                        <a:buSzTx/>
+                        <a:buFont typeface="Arial" panose="020B0604020202020204" pitchFamily="34" charset="0"/>
+                        <a:buChar char="•"/>
+                        <a:tabLst/>
+                        <a:defRPr/>
+                      </a:pPr>
+                      <a:r>
+                        <a:rPr lang="ko-KR" altLang="en-US" sz="1200" dirty="0" smtClean="0">
+                          <a:latin typeface="-윤고딕310" panose="02030504000101010101" pitchFamily="18" charset="-127"/>
+                          <a:ea typeface="-윤고딕310" panose="02030504000101010101" pitchFamily="18" charset="-127"/>
+                        </a:rPr>
+                        <a:t>지형 객체의 특수화를 한다</a:t>
+                      </a:r>
+                      <a:r>
+                        <a:rPr lang="en-US" altLang="ko-KR" sz="1200" dirty="0" smtClean="0">
+                          <a:latin typeface="-윤고딕310" panose="02030504000101010101" pitchFamily="18" charset="-127"/>
+                          <a:ea typeface="-윤고딕310" panose="02030504000101010101" pitchFamily="18" charset="-127"/>
+                        </a:rPr>
+                        <a:t>.</a:t>
+                      </a:r>
+                      <a:r>
+                        <a:rPr lang="ko-KR" altLang="en-US" sz="1200" dirty="0" smtClean="0">
+                          <a:latin typeface="-윤고딕310" panose="02030504000101010101" pitchFamily="18" charset="-127"/>
+                          <a:ea typeface="-윤고딕310" panose="02030504000101010101" pitchFamily="18" charset="-127"/>
+                        </a:rPr>
+                        <a:t> 중력 객체</a:t>
+                      </a:r>
+                      <a:r>
+                        <a:rPr lang="en-US" altLang="ko-KR" sz="1200" dirty="0" smtClean="0">
+                          <a:latin typeface="-윤고딕310" panose="02030504000101010101" pitchFamily="18" charset="-127"/>
+                          <a:ea typeface="-윤고딕310" panose="02030504000101010101" pitchFamily="18" charset="-127"/>
+                        </a:rPr>
+                        <a:t>-&gt;</a:t>
+                      </a:r>
+                      <a:r>
+                        <a:rPr lang="ko-KR" altLang="en-US" sz="1200" dirty="0" smtClean="0">
+                          <a:latin typeface="-윤고딕310" panose="02030504000101010101" pitchFamily="18" charset="-127"/>
+                          <a:ea typeface="-윤고딕310" panose="02030504000101010101" pitchFamily="18" charset="-127"/>
+                        </a:rPr>
+                        <a:t>블록</a:t>
+                      </a:r>
+                      <a:r>
+                        <a:rPr lang="en-US" altLang="ko-KR" sz="1200" dirty="0" smtClean="0">
+                          <a:latin typeface="-윤고딕310" panose="02030504000101010101" pitchFamily="18" charset="-127"/>
+                          <a:ea typeface="-윤고딕310" panose="02030504000101010101" pitchFamily="18" charset="-127"/>
+                        </a:rPr>
+                        <a:t>-&gt;</a:t>
+                      </a:r>
+                      <a:r>
+                        <a:rPr lang="ko-KR" altLang="en-US" sz="1200" dirty="0" smtClean="0">
+                          <a:latin typeface="-윤고딕310" panose="02030504000101010101" pitchFamily="18" charset="-127"/>
+                          <a:ea typeface="-윤고딕310" panose="02030504000101010101" pitchFamily="18" charset="-127"/>
+                        </a:rPr>
+                        <a:t>나무</a:t>
+                      </a:r>
+                      <a:r>
+                        <a:rPr lang="en-US" altLang="ko-KR" sz="1200" dirty="0" smtClean="0">
+                          <a:latin typeface="-윤고딕310" panose="02030504000101010101" pitchFamily="18" charset="-127"/>
+                          <a:ea typeface="-윤고딕310" panose="02030504000101010101" pitchFamily="18" charset="-127"/>
+                        </a:rPr>
+                        <a:t>, </a:t>
+                      </a:r>
+                      <a:r>
+                        <a:rPr lang="ko-KR" altLang="en-US" sz="1200" dirty="0" smtClean="0">
+                          <a:latin typeface="-윤고딕310" panose="02030504000101010101" pitchFamily="18" charset="-127"/>
+                          <a:ea typeface="-윤고딕310" panose="02030504000101010101" pitchFamily="18" charset="-127"/>
+                        </a:rPr>
+                        <a:t>벽돌</a:t>
+                      </a:r>
+                      <a:r>
+                        <a:rPr lang="en-US" altLang="ko-KR" sz="1200" dirty="0" smtClean="0">
+                          <a:latin typeface="-윤고딕310" panose="02030504000101010101" pitchFamily="18" charset="-127"/>
+                          <a:ea typeface="-윤고딕310" panose="02030504000101010101" pitchFamily="18" charset="-127"/>
+                        </a:rPr>
+                        <a:t>, </a:t>
+                      </a:r>
+                      <a:r>
+                        <a:rPr lang="ko-KR" altLang="en-US" sz="1200" dirty="0" smtClean="0">
+                          <a:latin typeface="-윤고딕310" panose="02030504000101010101" pitchFamily="18" charset="-127"/>
+                          <a:ea typeface="-윤고딕310" panose="02030504000101010101" pitchFamily="18" charset="-127"/>
+                        </a:rPr>
+                        <a:t>땅</a:t>
+                      </a:r>
+                      <a:r>
+                        <a:rPr lang="en-US" altLang="ko-KR" sz="1200" dirty="0" smtClean="0">
+                          <a:latin typeface="-윤고딕310" panose="02030504000101010101" pitchFamily="18" charset="-127"/>
+                          <a:ea typeface="-윤고딕310" panose="02030504000101010101" pitchFamily="18" charset="-127"/>
+                        </a:rPr>
+                        <a:t>, …</a:t>
+                      </a:r>
+                    </a:p>
+                    <a:p>
+                      <a:pPr marL="171450" marR="0" indent="-171450" algn="l" defTabSz="914400" rtl="0" eaLnBrk="1" fontAlgn="auto" latinLnBrk="1" hangingPunct="1">
+                        <a:lnSpc>
+                          <a:spcPct val="100000"/>
+                        </a:lnSpc>
+                        <a:spcBef>
+                          <a:spcPts val="0"/>
+                        </a:spcBef>
+                        <a:spcAft>
+                          <a:spcPts val="0"/>
+                        </a:spcAft>
+                        <a:buClrTx/>
+                        <a:buSzTx/>
+                        <a:buFont typeface="Arial" panose="020B0604020202020204" pitchFamily="34" charset="0"/>
+                        <a:buChar char="•"/>
+                        <a:tabLst/>
+                        <a:defRPr/>
+                      </a:pPr>
+                      <a:r>
+                        <a:rPr lang="ko-KR" altLang="en-US" sz="1200" dirty="0" smtClean="0">
+                          <a:latin typeface="-윤고딕310" panose="02030504000101010101" pitchFamily="18" charset="-127"/>
+                          <a:ea typeface="-윤고딕310" panose="02030504000101010101" pitchFamily="18" charset="-127"/>
+                        </a:rPr>
+                        <a:t>모든 개체는 중력이 작동한다</a:t>
+                      </a:r>
+                      <a:r>
+                        <a:rPr lang="en-US" altLang="ko-KR" sz="1200" dirty="0" smtClean="0">
+                          <a:latin typeface="-윤고딕310" panose="02030504000101010101" pitchFamily="18" charset="-127"/>
+                          <a:ea typeface="-윤고딕310" panose="02030504000101010101" pitchFamily="18" charset="-127"/>
+                        </a:rPr>
+                        <a:t>. </a:t>
+                      </a:r>
+                      <a:r>
+                        <a:rPr lang="ko-KR" altLang="en-US" sz="1200" dirty="0" smtClean="0">
+                          <a:latin typeface="-윤고딕310" panose="02030504000101010101" pitchFamily="18" charset="-127"/>
+                          <a:ea typeface="-윤고딕310" panose="02030504000101010101" pitchFamily="18" charset="-127"/>
+                        </a:rPr>
+                        <a:t>충돌 처리를 위해 개체 리스트가 들어있는 이름으로 구분된 사전에서 반복문을 돌려서 처리한다</a:t>
+                      </a:r>
+                      <a:endParaRPr lang="ko-KR" altLang="en-US" sz="1200" dirty="0">
+                        <a:latin typeface="-윤고딕310" panose="02030504000101010101" pitchFamily="18" charset="-127"/>
+                        <a:ea typeface="-윤고딕310" panose="02030504000101010101" pitchFamily="18" charset="-127"/>
+                      </a:endParaRPr>
+                    </a:p>
+                  </a:txBody>
+                  <a:tcPr marL="111605" marR="111605" marT="55802" marB="55802"/>
+                </a:tc>
+              </a:tr>
+              <a:tr h="702124">
+                <a:tc>
+                  <a:txBody>
+                    <a:bodyPr/>
+                    <a:lstStyle/>
+                    <a:p>
+                      <a:pPr algn="ctr" latinLnBrk="1"/>
+                      <a:r>
+                        <a:rPr lang="en-US" altLang="ko-KR" sz="1900" dirty="0" smtClean="0">
+                          <a:latin typeface="-윤고딕310" panose="02030504000101010101" pitchFamily="18" charset="-127"/>
+                          <a:ea typeface="-윤고딕310" panose="02030504000101010101" pitchFamily="18" charset="-127"/>
+                        </a:rPr>
+                        <a:t>2</a:t>
+                      </a:r>
+                      <a:endParaRPr lang="ko-KR" altLang="en-US" sz="1900" dirty="0">
+                        <a:latin typeface="-윤고딕310" panose="02030504000101010101" pitchFamily="18" charset="-127"/>
+                        <a:ea typeface="-윤고딕310" panose="02030504000101010101" pitchFamily="18" charset="-127"/>
+                      </a:endParaRPr>
+                    </a:p>
+                  </a:txBody>
+                  <a:tcPr marL="111605" marR="111605" marT="55802" marB="55802" anchor="ctr">
+                    <a:solidFill>
+                      <a:schemeClr val="accent1">
+                        <a:tint val="40000"/>
+                        <a:alpha val="35000"/>
+                      </a:schemeClr>
+                    </a:solidFill>
+                  </a:tcPr>
+                </a:tc>
+                <a:tc>
+                  <a:txBody>
+                    <a:bodyPr/>
+                    <a:lstStyle/>
+                    <a:p>
+                      <a:pPr marL="0" indent="0" algn="ctr" latinLnBrk="1">
+                        <a:buFont typeface="Arial" panose="020B0604020202020204" pitchFamily="34" charset="0"/>
+                        <a:buNone/>
+                      </a:pPr>
+                      <a:r>
+                        <a:rPr lang="ko-KR" altLang="en-US" sz="1200" dirty="0" smtClean="0">
+                          <a:latin typeface="-윤고딕310" panose="02030504000101010101" pitchFamily="18" charset="-127"/>
+                          <a:ea typeface="-윤고딕310" panose="02030504000101010101" pitchFamily="18" charset="-127"/>
+                        </a:rPr>
+                        <a:t>리소스 수집과 테스트</a:t>
+                      </a:r>
+                      <a:endParaRPr lang="ko-KR" altLang="en-US" sz="1200" dirty="0">
+                        <a:latin typeface="-윤고딕310" panose="02030504000101010101" pitchFamily="18" charset="-127"/>
+                        <a:ea typeface="-윤고딕310" panose="02030504000101010101" pitchFamily="18" charset="-127"/>
+                      </a:endParaRPr>
+                    </a:p>
+                  </a:txBody>
+                  <a:tcPr marL="111605" marR="111605" marT="55802" marB="55802" anchor="ctr"/>
+                </a:tc>
+                <a:tc>
+                  <a:txBody>
+                    <a:bodyPr/>
+                    <a:lstStyle/>
+                    <a:p>
+                      <a:pPr marL="171450" marR="0" indent="-171450" algn="l" defTabSz="914400" rtl="0" eaLnBrk="1" fontAlgn="auto" latinLnBrk="1" hangingPunct="1">
+                        <a:lnSpc>
+                          <a:spcPct val="100000"/>
+                        </a:lnSpc>
+                        <a:spcBef>
+                          <a:spcPts val="0"/>
+                        </a:spcBef>
+                        <a:spcAft>
+                          <a:spcPts val="0"/>
+                        </a:spcAft>
+                        <a:buClrTx/>
+                        <a:buSzTx/>
+                        <a:buFont typeface="Arial" panose="020B0604020202020204" pitchFamily="34" charset="0"/>
+                        <a:buChar char="•"/>
+                        <a:tabLst/>
+                        <a:defRPr/>
+                      </a:pPr>
+                      <a:r>
+                        <a:rPr lang="ko-KR" altLang="en-US" sz="1200" dirty="0" smtClean="0">
+                          <a:latin typeface="-윤고딕310" panose="02030504000101010101" pitchFamily="18" charset="-127"/>
+                          <a:ea typeface="-윤고딕310" panose="02030504000101010101" pitchFamily="18" charset="-127"/>
+                        </a:rPr>
+                        <a:t>필요한 리소스를 구하고 객체들에 적용한다</a:t>
+                      </a:r>
+                      <a:r>
+                        <a:rPr lang="en-US" altLang="ko-KR" sz="1200" dirty="0" smtClean="0">
+                          <a:latin typeface="-윤고딕310" panose="02030504000101010101" pitchFamily="18" charset="-127"/>
+                          <a:ea typeface="-윤고딕310" panose="02030504000101010101" pitchFamily="18" charset="-127"/>
+                        </a:rPr>
+                        <a:t>. </a:t>
+                      </a:r>
+                      <a:r>
+                        <a:rPr lang="ko-KR" altLang="en-US" sz="1200" dirty="0" smtClean="0">
+                          <a:latin typeface="-윤고딕310" panose="02030504000101010101" pitchFamily="18" charset="-127"/>
+                          <a:ea typeface="-윤고딕310" panose="02030504000101010101" pitchFamily="18" charset="-127"/>
+                        </a:rPr>
+                        <a:t>중력을 영향을 받는 객체들이 이미지와 잘 맞는지 테스트한다</a:t>
+                      </a:r>
+                      <a:r>
+                        <a:rPr lang="en-US" altLang="ko-KR" sz="1200" dirty="0" smtClean="0">
+                          <a:latin typeface="-윤고딕310" panose="02030504000101010101" pitchFamily="18" charset="-127"/>
+                          <a:ea typeface="-윤고딕310" panose="02030504000101010101" pitchFamily="18" charset="-127"/>
+                        </a:rPr>
+                        <a:t>. </a:t>
+                      </a:r>
+                      <a:r>
+                        <a:rPr lang="ko-KR" altLang="en-US" sz="1200" dirty="0" smtClean="0">
+                          <a:latin typeface="-윤고딕310" panose="02030504000101010101" pitchFamily="18" charset="-127"/>
+                          <a:ea typeface="-윤고딕310" panose="02030504000101010101" pitchFamily="18" charset="-127"/>
+                        </a:rPr>
+                        <a:t>객체들을 배치하여 실제로 어울리는지</a:t>
+                      </a:r>
+                      <a:r>
+                        <a:rPr lang="en-US" altLang="ko-KR" sz="1200" dirty="0" smtClean="0">
+                          <a:latin typeface="-윤고딕310" panose="02030504000101010101" pitchFamily="18" charset="-127"/>
+                          <a:ea typeface="-윤고딕310" panose="02030504000101010101" pitchFamily="18" charset="-127"/>
+                        </a:rPr>
+                        <a:t>,</a:t>
+                      </a:r>
+                      <a:r>
+                        <a:rPr lang="ko-KR" altLang="en-US" sz="1200" dirty="0" smtClean="0">
+                          <a:latin typeface="-윤고딕310" panose="02030504000101010101" pitchFamily="18" charset="-127"/>
+                          <a:ea typeface="-윤고딕310" panose="02030504000101010101" pitchFamily="18" charset="-127"/>
+                        </a:rPr>
+                        <a:t> 그리고 중력</a:t>
+                      </a:r>
+                      <a:r>
+                        <a:rPr lang="en-US" altLang="ko-KR" sz="1200" dirty="0" smtClean="0">
+                          <a:latin typeface="-윤고딕310" panose="02030504000101010101" pitchFamily="18" charset="-127"/>
+                          <a:ea typeface="-윤고딕310" panose="02030504000101010101" pitchFamily="18" charset="-127"/>
+                        </a:rPr>
+                        <a:t>, </a:t>
+                      </a:r>
+                      <a:r>
+                        <a:rPr lang="ko-KR" altLang="en-US" sz="1200" dirty="0" smtClean="0">
+                          <a:latin typeface="-윤고딕310" panose="02030504000101010101" pitchFamily="18" charset="-127"/>
+                          <a:ea typeface="-윤고딕310" panose="02030504000101010101" pitchFamily="18" charset="-127"/>
+                        </a:rPr>
+                        <a:t>충돌과 속도가 작동하는지 확인한다</a:t>
+                      </a:r>
+                      <a:r>
+                        <a:rPr lang="en-US" altLang="ko-KR" sz="1200" dirty="0" smtClean="0">
+                          <a:latin typeface="-윤고딕310" panose="02030504000101010101" pitchFamily="18" charset="-127"/>
+                          <a:ea typeface="-윤고딕310" panose="02030504000101010101" pitchFamily="18" charset="-127"/>
+                        </a:rPr>
+                        <a:t>.</a:t>
+                      </a:r>
+                      <a:endParaRPr lang="ko-KR" altLang="en-US" sz="1200" dirty="0" smtClean="0">
+                        <a:latin typeface="-윤고딕310" panose="02030504000101010101" pitchFamily="18" charset="-127"/>
+                        <a:ea typeface="-윤고딕310" panose="02030504000101010101" pitchFamily="18" charset="-127"/>
+                      </a:endParaRPr>
+                    </a:p>
+                  </a:txBody>
+                  <a:tcPr marL="111605" marR="111605" marT="55802" marB="55802"/>
+                </a:tc>
+              </a:tr>
+              <a:tr h="519108">
+                <a:tc>
+                  <a:txBody>
+                    <a:bodyPr/>
+                    <a:lstStyle/>
+                    <a:p>
+                      <a:pPr algn="ctr" latinLnBrk="1"/>
+                      <a:r>
+                        <a:rPr lang="en-US" altLang="ko-KR" sz="1900" dirty="0" smtClean="0">
+                          <a:latin typeface="-윤고딕310" panose="02030504000101010101" pitchFamily="18" charset="-127"/>
+                          <a:ea typeface="-윤고딕310" panose="02030504000101010101" pitchFamily="18" charset="-127"/>
+                        </a:rPr>
+                        <a:t>3</a:t>
+                      </a:r>
+                      <a:endParaRPr lang="ko-KR" altLang="en-US" sz="1900" dirty="0">
+                        <a:latin typeface="-윤고딕310" panose="02030504000101010101" pitchFamily="18" charset="-127"/>
+                        <a:ea typeface="-윤고딕310" panose="02030504000101010101" pitchFamily="18" charset="-127"/>
+                      </a:endParaRPr>
+                    </a:p>
+                  </a:txBody>
+                  <a:tcPr marL="111605" marR="111605" marT="55802" marB="55802" anchor="ctr">
+                    <a:solidFill>
+                      <a:schemeClr val="accent1">
+                        <a:tint val="40000"/>
+                        <a:alpha val="35000"/>
+                      </a:schemeClr>
+                    </a:solidFill>
+                  </a:tcPr>
+                </a:tc>
+                <a:tc>
+                  <a:txBody>
+                    <a:bodyPr/>
+                    <a:lstStyle/>
+                    <a:p>
+                      <a:pPr marL="0" indent="0" algn="ctr" latinLnBrk="1">
+                        <a:buFont typeface="Arial" panose="020B0604020202020204" pitchFamily="34" charset="0"/>
+                        <a:buNone/>
+                      </a:pPr>
+                      <a:r>
+                        <a:rPr lang="ko-KR" altLang="en-US" sz="1200" dirty="0" smtClean="0">
+                          <a:latin typeface="-윤고딕310" panose="02030504000101010101" pitchFamily="18" charset="-127"/>
+                          <a:ea typeface="-윤고딕310" panose="02030504000101010101" pitchFamily="18" charset="-127"/>
+                        </a:rPr>
+                        <a:t>플레이어</a:t>
+                      </a:r>
+                      <a:r>
+                        <a:rPr lang="en-US" altLang="ko-KR" sz="1200" baseline="0" dirty="0" smtClean="0">
+                          <a:latin typeface="-윤고딕310" panose="02030504000101010101" pitchFamily="18" charset="-127"/>
+                          <a:ea typeface="-윤고딕310" panose="02030504000101010101" pitchFamily="18" charset="-127"/>
+                        </a:rPr>
+                        <a:t> </a:t>
+                      </a:r>
+                      <a:r>
+                        <a:rPr lang="ko-KR" altLang="en-US" sz="1200" baseline="0" dirty="0" smtClean="0">
+                          <a:latin typeface="-윤고딕310" panose="02030504000101010101" pitchFamily="18" charset="-127"/>
+                          <a:ea typeface="-윤고딕310" panose="02030504000101010101" pitchFamily="18" charset="-127"/>
+                        </a:rPr>
+                        <a:t>객체</a:t>
+                      </a:r>
+                      <a:endParaRPr lang="ko-KR" altLang="en-US" sz="1200" dirty="0">
+                        <a:latin typeface="-윤고딕310" panose="02030504000101010101" pitchFamily="18" charset="-127"/>
+                        <a:ea typeface="-윤고딕310" panose="02030504000101010101" pitchFamily="18" charset="-127"/>
+                      </a:endParaRPr>
+                    </a:p>
+                  </a:txBody>
+                  <a:tcPr marL="111605" marR="111605" marT="55802" marB="55802" anchor="ctr"/>
+                </a:tc>
+                <a:tc>
+                  <a:txBody>
+                    <a:bodyPr/>
+                    <a:lstStyle/>
+                    <a:p>
+                      <a:pPr marL="171450" indent="-171450" latinLnBrk="1">
+                        <a:buFont typeface="Arial" panose="020B0604020202020204" pitchFamily="34" charset="0"/>
+                        <a:buChar char="•"/>
+                      </a:pPr>
+                      <a:r>
+                        <a:rPr lang="ko-KR" altLang="en-US" sz="1200" dirty="0" smtClean="0">
+                          <a:latin typeface="-윤고딕310" panose="02030504000101010101" pitchFamily="18" charset="-127"/>
+                          <a:ea typeface="-윤고딕310" panose="02030504000101010101" pitchFamily="18" charset="-127"/>
+                        </a:rPr>
+                        <a:t>플레이어는 키 입력 이벤트를 받아 움직인다</a:t>
+                      </a:r>
+                      <a:r>
+                        <a:rPr lang="en-US" altLang="ko-KR" sz="1200" dirty="0" smtClean="0">
+                          <a:latin typeface="-윤고딕310" panose="02030504000101010101" pitchFamily="18" charset="-127"/>
+                          <a:ea typeface="-윤고딕310" panose="02030504000101010101" pitchFamily="18" charset="-127"/>
+                        </a:rPr>
+                        <a:t>. </a:t>
+                      </a:r>
+                      <a:r>
+                        <a:rPr lang="ko-KR" altLang="en-US" sz="1200" dirty="0" smtClean="0">
+                          <a:latin typeface="-윤고딕310" panose="02030504000101010101" pitchFamily="18" charset="-127"/>
+                          <a:ea typeface="-윤고딕310" panose="02030504000101010101" pitchFamily="18" charset="-127"/>
+                        </a:rPr>
+                        <a:t>누른 키에 따라 행동을 취하는데 일단 움직임만 취하도록 한다</a:t>
+                      </a:r>
+                      <a:r>
+                        <a:rPr lang="en-US" altLang="ko-KR" sz="1200" dirty="0" smtClean="0">
+                          <a:latin typeface="-윤고딕310" panose="02030504000101010101" pitchFamily="18" charset="-127"/>
+                          <a:ea typeface="-윤고딕310" panose="02030504000101010101" pitchFamily="18" charset="-127"/>
+                        </a:rPr>
+                        <a:t>.</a:t>
+                      </a:r>
+                      <a:endParaRPr lang="ko-KR" altLang="en-US" sz="1200" dirty="0">
+                        <a:latin typeface="-윤고딕310" panose="02030504000101010101" pitchFamily="18" charset="-127"/>
+                        <a:ea typeface="-윤고딕310" panose="02030504000101010101" pitchFamily="18" charset="-127"/>
+                      </a:endParaRPr>
+                    </a:p>
+                  </a:txBody>
+                  <a:tcPr marL="111605" marR="111605" marT="55802" marB="55802"/>
+                </a:tc>
+              </a:tr>
+              <a:tr h="519108">
+                <a:tc>
+                  <a:txBody>
+                    <a:bodyPr/>
+                    <a:lstStyle/>
+                    <a:p>
+                      <a:pPr algn="ctr" latinLnBrk="1"/>
+                      <a:r>
+                        <a:rPr lang="en-US" altLang="ko-KR" sz="1900" dirty="0" smtClean="0">
+                          <a:latin typeface="-윤고딕310" panose="02030504000101010101" pitchFamily="18" charset="-127"/>
+                          <a:ea typeface="-윤고딕310" panose="02030504000101010101" pitchFamily="18" charset="-127"/>
+                        </a:rPr>
+                        <a:t>4</a:t>
+                      </a:r>
+                      <a:endParaRPr lang="ko-KR" altLang="en-US" sz="1900" dirty="0">
+                        <a:latin typeface="-윤고딕310" panose="02030504000101010101" pitchFamily="18" charset="-127"/>
+                        <a:ea typeface="-윤고딕310" panose="02030504000101010101" pitchFamily="18" charset="-127"/>
+                      </a:endParaRPr>
+                    </a:p>
+                  </a:txBody>
+                  <a:tcPr marL="111605" marR="111605" marT="55802" marB="55802" anchor="ctr">
+                    <a:solidFill>
+                      <a:schemeClr val="accent1">
+                        <a:tint val="40000"/>
+                        <a:alpha val="35000"/>
+                      </a:schemeClr>
+                    </a:solidFill>
+                  </a:tcPr>
+                </a:tc>
+                <a:tc>
+                  <a:txBody>
+                    <a:bodyPr/>
+                    <a:lstStyle/>
+                    <a:p>
+                      <a:pPr marL="0" indent="0" algn="ctr" latinLnBrk="1">
+                        <a:buFont typeface="Arial" panose="020B0604020202020204" pitchFamily="34" charset="0"/>
+                        <a:buNone/>
+                      </a:pPr>
+                      <a:r>
+                        <a:rPr lang="en-US" altLang="ko-KR" sz="1200" dirty="0" smtClean="0">
+                          <a:latin typeface="-윤고딕310" panose="02030504000101010101" pitchFamily="18" charset="-127"/>
+                          <a:ea typeface="-윤고딕310" panose="02030504000101010101" pitchFamily="18" charset="-127"/>
+                        </a:rPr>
+                        <a:t>NPC</a:t>
+                      </a:r>
+                      <a:r>
+                        <a:rPr lang="en-US" altLang="ko-KR" sz="1200" baseline="0" dirty="0" smtClean="0">
+                          <a:latin typeface="-윤고딕310" panose="02030504000101010101" pitchFamily="18" charset="-127"/>
+                          <a:ea typeface="-윤고딕310" panose="02030504000101010101" pitchFamily="18" charset="-127"/>
+                        </a:rPr>
+                        <a:t> </a:t>
+                      </a:r>
+                      <a:r>
+                        <a:rPr lang="ko-KR" altLang="en-US" sz="1200" baseline="0" dirty="0" smtClean="0">
+                          <a:latin typeface="-윤고딕310" panose="02030504000101010101" pitchFamily="18" charset="-127"/>
+                          <a:ea typeface="-윤고딕310" panose="02030504000101010101" pitchFamily="18" charset="-127"/>
+                        </a:rPr>
+                        <a:t>객체와 인공지능</a:t>
+                      </a:r>
+                      <a:endParaRPr lang="ko-KR" altLang="en-US" sz="1200" dirty="0">
+                        <a:latin typeface="-윤고딕310" panose="02030504000101010101" pitchFamily="18" charset="-127"/>
+                        <a:ea typeface="-윤고딕310" panose="02030504000101010101" pitchFamily="18" charset="-127"/>
+                      </a:endParaRPr>
+                    </a:p>
+                  </a:txBody>
+                  <a:tcPr marL="111605" marR="111605" marT="55802" marB="55802" anchor="ctr"/>
+                </a:tc>
+                <a:tc>
+                  <a:txBody>
+                    <a:bodyPr/>
+                    <a:lstStyle/>
+                    <a:p>
+                      <a:pPr marL="171450" marR="0" indent="-171450" algn="l" defTabSz="914400" rtl="0" eaLnBrk="1" fontAlgn="auto" latinLnBrk="1" hangingPunct="1">
+                        <a:lnSpc>
+                          <a:spcPct val="100000"/>
+                        </a:lnSpc>
+                        <a:spcBef>
+                          <a:spcPts val="0"/>
+                        </a:spcBef>
+                        <a:spcAft>
+                          <a:spcPts val="0"/>
+                        </a:spcAft>
+                        <a:buClrTx/>
+                        <a:buSzTx/>
+                        <a:buFont typeface="Arial" panose="020B0604020202020204" pitchFamily="34" charset="0"/>
+                        <a:buChar char="•"/>
+                        <a:tabLst/>
+                        <a:defRPr/>
+                      </a:pPr>
+                      <a:r>
+                        <a:rPr lang="ko-KR" altLang="en-US" sz="1200" dirty="0" smtClean="0">
+                          <a:latin typeface="-윤고딕310" panose="02030504000101010101" pitchFamily="18" charset="-127"/>
+                          <a:ea typeface="-윤고딕310" panose="02030504000101010101" pitchFamily="18" charset="-127"/>
+                        </a:rPr>
+                        <a:t>적들은 시야가 있으며 플레이어를 발견하면 다가와 공격한다</a:t>
+                      </a:r>
+                      <a:r>
+                        <a:rPr lang="en-US" altLang="ko-KR" sz="1200" dirty="0" smtClean="0">
+                          <a:latin typeface="-윤고딕310" panose="02030504000101010101" pitchFamily="18" charset="-127"/>
+                          <a:ea typeface="-윤고딕310" panose="02030504000101010101" pitchFamily="18" charset="-127"/>
+                        </a:rPr>
+                        <a:t>. </a:t>
+                      </a:r>
+                      <a:r>
+                        <a:rPr lang="ko-KR" altLang="en-US" sz="1200" dirty="0" smtClean="0">
+                          <a:latin typeface="-윤고딕310" panose="02030504000101010101" pitchFamily="18" charset="-127"/>
+                          <a:ea typeface="-윤고딕310" panose="02030504000101010101" pitchFamily="18" charset="-127"/>
+                        </a:rPr>
+                        <a:t>적들은 대체로 단순하지만 일부 적은 까다로운 </a:t>
+                      </a:r>
+                      <a:r>
+                        <a:rPr lang="en-US" altLang="ko-KR" sz="1200" dirty="0" smtClean="0">
+                          <a:latin typeface="-윤고딕310" panose="02030504000101010101" pitchFamily="18" charset="-127"/>
+                          <a:ea typeface="-윤고딕310" panose="02030504000101010101" pitchFamily="18" charset="-127"/>
+                        </a:rPr>
+                        <a:t>(</a:t>
+                      </a:r>
+                      <a:r>
+                        <a:rPr lang="ko-KR" altLang="en-US" sz="1200" dirty="0" smtClean="0">
+                          <a:latin typeface="-윤고딕310" panose="02030504000101010101" pitchFamily="18" charset="-127"/>
+                          <a:ea typeface="-윤고딕310" panose="02030504000101010101" pitchFamily="18" charset="-127"/>
+                        </a:rPr>
+                        <a:t>하지만 반복적인</a:t>
+                      </a:r>
+                      <a:r>
+                        <a:rPr lang="en-US" altLang="ko-KR" sz="1200" dirty="0" smtClean="0">
+                          <a:latin typeface="-윤고딕310" panose="02030504000101010101" pitchFamily="18" charset="-127"/>
+                          <a:ea typeface="-윤고딕310" panose="02030504000101010101" pitchFamily="18" charset="-127"/>
+                        </a:rPr>
+                        <a:t>) </a:t>
+                      </a:r>
+                      <a:r>
+                        <a:rPr lang="ko-KR" altLang="en-US" sz="1200" dirty="0" smtClean="0">
+                          <a:latin typeface="-윤고딕310" panose="02030504000101010101" pitchFamily="18" charset="-127"/>
+                          <a:ea typeface="-윤고딕310" panose="02030504000101010101" pitchFamily="18" charset="-127"/>
+                        </a:rPr>
+                        <a:t>행동을 한다</a:t>
+                      </a:r>
+                      <a:r>
+                        <a:rPr lang="en-US" altLang="ko-KR" sz="1200" dirty="0" smtClean="0">
+                          <a:latin typeface="-윤고딕310" panose="02030504000101010101" pitchFamily="18" charset="-127"/>
+                          <a:ea typeface="-윤고딕310" panose="02030504000101010101" pitchFamily="18" charset="-127"/>
+                        </a:rPr>
+                        <a:t>.</a:t>
+                      </a:r>
+                      <a:endParaRPr lang="ko-KR" altLang="en-US" sz="1200" dirty="0" smtClean="0">
+                        <a:latin typeface="-윤고딕310" panose="02030504000101010101" pitchFamily="18" charset="-127"/>
+                        <a:ea typeface="-윤고딕310" panose="02030504000101010101" pitchFamily="18" charset="-127"/>
+                      </a:endParaRPr>
+                    </a:p>
+                  </a:txBody>
+                  <a:tcPr marL="111605" marR="111605" marT="55802" marB="55802"/>
+                </a:tc>
+              </a:tr>
+              <a:tr h="540006">
+                <a:tc>
+                  <a:txBody>
+                    <a:bodyPr/>
+                    <a:lstStyle/>
+                    <a:p>
+                      <a:pPr algn="ctr" latinLnBrk="1"/>
+                      <a:r>
+                        <a:rPr lang="en-US" altLang="ko-KR" sz="1900" dirty="0" smtClean="0">
+                          <a:latin typeface="-윤고딕310" panose="02030504000101010101" pitchFamily="18" charset="-127"/>
+                          <a:ea typeface="-윤고딕310" panose="02030504000101010101" pitchFamily="18" charset="-127"/>
+                        </a:rPr>
+                        <a:t>5</a:t>
+                      </a:r>
+                      <a:endParaRPr lang="ko-KR" altLang="en-US" sz="1900" dirty="0">
+                        <a:latin typeface="-윤고딕310" panose="02030504000101010101" pitchFamily="18" charset="-127"/>
+                        <a:ea typeface="-윤고딕310" panose="02030504000101010101" pitchFamily="18" charset="-127"/>
+                      </a:endParaRPr>
+                    </a:p>
+                  </a:txBody>
+                  <a:tcPr marL="111605" marR="111605" marT="55802" marB="55802" anchor="ctr">
+                    <a:solidFill>
+                      <a:schemeClr val="accent1">
+                        <a:tint val="40000"/>
+                        <a:alpha val="35000"/>
+                      </a:schemeClr>
+                    </a:solidFill>
+                  </a:tcPr>
+                </a:tc>
+                <a:tc>
+                  <a:txBody>
+                    <a:bodyPr/>
+                    <a:lstStyle/>
+                    <a:p>
+                      <a:pPr marL="0" indent="0" algn="ctr" latinLnBrk="1">
+                        <a:buFont typeface="Arial" panose="020B0604020202020204" pitchFamily="34" charset="0"/>
+                        <a:buNone/>
+                      </a:pPr>
+                      <a:r>
+                        <a:rPr lang="ko-KR" altLang="en-US" sz="1200" dirty="0" smtClean="0">
+                          <a:latin typeface="-윤고딕310" panose="02030504000101010101" pitchFamily="18" charset="-127"/>
+                          <a:ea typeface="-윤고딕310" panose="02030504000101010101" pitchFamily="18" charset="-127"/>
+                        </a:rPr>
+                        <a:t>객체 상호 작용 </a:t>
+                      </a:r>
+                      <a:r>
+                        <a:rPr lang="en-US" altLang="ko-KR" sz="1200" dirty="0" smtClean="0">
+                          <a:latin typeface="-윤고딕310" panose="02030504000101010101" pitchFamily="18" charset="-127"/>
+                          <a:ea typeface="-윤고딕310" panose="02030504000101010101" pitchFamily="18" charset="-127"/>
+                        </a:rPr>
+                        <a:t>1</a:t>
+                      </a:r>
+                      <a:endParaRPr lang="ko-KR" altLang="en-US" sz="1200" dirty="0">
+                        <a:latin typeface="-윤고딕310" panose="02030504000101010101" pitchFamily="18" charset="-127"/>
+                        <a:ea typeface="-윤고딕310" panose="02030504000101010101" pitchFamily="18" charset="-127"/>
+                      </a:endParaRPr>
+                    </a:p>
+                  </a:txBody>
+                  <a:tcPr marL="111605" marR="111605" marT="55802" marB="55802" anchor="ctr">
+                    <a:solidFill>
+                      <a:srgbClr val="FFF0E8"/>
+                    </a:solidFill>
+                  </a:tcPr>
+                </a:tc>
+                <a:tc>
+                  <a:txBody>
+                    <a:bodyPr/>
+                    <a:lstStyle/>
+                    <a:p>
+                      <a:pPr marL="171450" indent="-171450" latinLnBrk="1">
+                        <a:buFont typeface="Arial" panose="020B0604020202020204" pitchFamily="34" charset="0"/>
+                        <a:buChar char="•"/>
+                      </a:pPr>
+                      <a:r>
+                        <a:rPr lang="ko-KR" altLang="en-US" sz="1200" dirty="0" smtClean="0">
+                          <a:latin typeface="-윤고딕310" panose="02030504000101010101" pitchFamily="18" charset="-127"/>
+                          <a:ea typeface="-윤고딕310" panose="02030504000101010101" pitchFamily="18" charset="-127"/>
+                        </a:rPr>
+                        <a:t>플레이어와 </a:t>
+                      </a:r>
+                      <a:r>
+                        <a:rPr lang="en-US" altLang="ko-KR" sz="1200" dirty="0" smtClean="0">
+                          <a:latin typeface="-윤고딕310" panose="02030504000101010101" pitchFamily="18" charset="-127"/>
+                          <a:ea typeface="-윤고딕310" panose="02030504000101010101" pitchFamily="18" charset="-127"/>
+                        </a:rPr>
+                        <a:t>NPC, NPC </a:t>
+                      </a:r>
+                      <a:r>
+                        <a:rPr lang="ko-KR" altLang="en-US" sz="1200" dirty="0" smtClean="0">
+                          <a:latin typeface="-윤고딕310" panose="02030504000101010101" pitchFamily="18" charset="-127"/>
+                          <a:ea typeface="-윤고딕310" panose="02030504000101010101" pitchFamily="18" charset="-127"/>
+                        </a:rPr>
+                        <a:t>와 </a:t>
+                      </a:r>
+                      <a:r>
+                        <a:rPr lang="en-US" altLang="ko-KR" sz="1200" dirty="0" smtClean="0">
+                          <a:latin typeface="-윤고딕310" panose="02030504000101010101" pitchFamily="18" charset="-127"/>
+                          <a:ea typeface="-윤고딕310" panose="02030504000101010101" pitchFamily="18" charset="-127"/>
+                        </a:rPr>
+                        <a:t>NPC </a:t>
+                      </a:r>
+                      <a:r>
+                        <a:rPr lang="ko-KR" altLang="en-US" sz="1200" dirty="0" smtClean="0">
+                          <a:latin typeface="-윤고딕310" panose="02030504000101010101" pitchFamily="18" charset="-127"/>
+                          <a:ea typeface="-윤고딕310" panose="02030504000101010101" pitchFamily="18" charset="-127"/>
+                        </a:rPr>
+                        <a:t>등등 객체들끼리의 상호 작용을</a:t>
+                      </a:r>
+                      <a:r>
+                        <a:rPr lang="ko-KR" altLang="en-US" sz="1200" baseline="0" dirty="0" smtClean="0">
+                          <a:latin typeface="-윤고딕310" panose="02030504000101010101" pitchFamily="18" charset="-127"/>
+                          <a:ea typeface="-윤고딕310" panose="02030504000101010101" pitchFamily="18" charset="-127"/>
+                        </a:rPr>
+                        <a:t> 구현한다</a:t>
+                      </a:r>
+                      <a:r>
+                        <a:rPr lang="en-US" altLang="ko-KR" sz="1200" baseline="0" dirty="0" smtClean="0">
+                          <a:latin typeface="-윤고딕310" panose="02030504000101010101" pitchFamily="18" charset="-127"/>
+                          <a:ea typeface="-윤고딕310" panose="02030504000101010101" pitchFamily="18" charset="-127"/>
+                        </a:rPr>
+                        <a:t>.</a:t>
+                      </a:r>
+                    </a:p>
+                    <a:p>
+                      <a:pPr marL="171450" indent="-171450" latinLnBrk="1">
+                        <a:buFont typeface="Arial" panose="020B0604020202020204" pitchFamily="34" charset="0"/>
+                        <a:buChar char="•"/>
+                      </a:pPr>
+                      <a:endParaRPr lang="ko-KR" altLang="en-US" sz="1200" dirty="0">
+                        <a:latin typeface="-윤고딕310" panose="02030504000101010101" pitchFamily="18" charset="-127"/>
+                        <a:ea typeface="-윤고딕310" panose="02030504000101010101" pitchFamily="18" charset="-127"/>
+                      </a:endParaRPr>
+                    </a:p>
+                  </a:txBody>
+                  <a:tcPr marL="111605" marR="111605" marT="55802" marB="55802">
+                    <a:solidFill>
+                      <a:srgbClr val="FFF0E8"/>
+                    </a:solidFill>
+                  </a:tcPr>
+                </a:tc>
+              </a:tr>
+            </a:tbl>
+          </a:graphicData>
+        </a:graphic>
+      </p:graphicFrame>
       <p:sp>
         <p:nvSpPr>
           <p:cNvPr id="4" name="날짜 개체 틀 3"/>
@@ -8942,7 +9718,7 @@
         </p:nvSpPr>
         <p:spPr>
           <a:xfrm>
-            <a:off x="6439779" y="5877272"/>
+            <a:off x="6452730" y="5877272"/>
             <a:ext cx="1213821" cy="365125"/>
           </a:xfrm>
         </p:spPr>
@@ -8970,7 +9746,7 @@
         </p:nvSpPr>
         <p:spPr>
           <a:xfrm>
-            <a:off x="7655393" y="5877272"/>
+            <a:off x="7668344" y="5877272"/>
             <a:ext cx="554023" cy="365125"/>
           </a:xfrm>
         </p:spPr>
@@ -8998,7 +9774,7 @@
         </p:nvSpPr>
         <p:spPr>
           <a:xfrm>
-            <a:off x="899592" y="5877272"/>
+            <a:off x="912543" y="5877272"/>
             <a:ext cx="5540188" cy="365125"/>
           </a:xfrm>
         </p:spPr>
@@ -9007,7 +9783,7 @@
           <a:lstStyle/>
           <a:p>
             <a:r>
-              <a:rPr lang="en-US" altLang="ko-KR" smtClean="0">
+              <a:rPr lang="en-US" altLang="ko-KR" dirty="0" smtClean="0">
                 <a:solidFill>
                   <a:srgbClr val="C00000"/>
                 </a:solidFill>
@@ -9017,7 +9793,7 @@
               <a:t>2D </a:t>
             </a:r>
             <a:r>
-              <a:rPr lang="ko-KR" altLang="en-US" smtClean="0">
+              <a:rPr lang="ko-KR" altLang="en-US" dirty="0" smtClean="0">
                 <a:solidFill>
                   <a:srgbClr val="C00000"/>
                 </a:solidFill>
@@ -9026,7 +9802,7 @@
               </a:rPr>
               <a:t>게임 프로그래밍</a:t>
             </a:r>
-            <a:endParaRPr lang="ko-KR" altLang="en-US">
+            <a:endParaRPr lang="ko-KR" altLang="en-US" dirty="0">
               <a:solidFill>
                 <a:srgbClr val="C00000"/>
               </a:solidFill>
@@ -9039,7 +9815,7 @@
     </p:spTree>
     <p:extLst>
       <p:ext uri="{BB962C8B-B14F-4D97-AF65-F5344CB8AC3E}">
-        <p14:creationId xmlns:p14="http://schemas.microsoft.com/office/powerpoint/2010/main" val="1941970599"/>
+        <p14:creationId xmlns:p14="http://schemas.microsoft.com/office/powerpoint/2010/main" val="362600760"/>
       </p:ext>
     </p:extLst>
   </p:cSld>
@@ -9105,7 +9881,7 @@
                 <a:latin typeface="-윤고딕320" panose="02030504000101010101" pitchFamily="18" charset="-127"/>
                 <a:ea typeface="-윤고딕320" panose="02030504000101010101" pitchFamily="18" charset="-127"/>
               </a:rPr>
-              <a:t>(1)</a:t>
+              <a:t>(2)</a:t>
             </a:r>
             <a:endParaRPr lang="ko-KR" altLang="en-US" dirty="0">
               <a:latin typeface="-윤고딕320" panose="02030504000101010101" pitchFamily="18" charset="-127"/>
@@ -9124,1146 +9900,7 @@
             <p:ph idx="1"/>
             <p:extLst>
               <p:ext uri="{D42A27DB-BD31-4B8C-83A1-F6EECF244321}">
-                <p14:modId xmlns:p14="http://schemas.microsoft.com/office/powerpoint/2010/main" val="250437262"/>
-              </p:ext>
-            </p:extLst>
-          </p:nvPr>
-        </p:nvGraphicFramePr>
-        <p:xfrm>
-          <a:off x="827584" y="1844818"/>
-          <a:ext cx="7488832" cy="3888437"/>
-        </p:xfrm>
-        <a:graphic>
-          <a:graphicData uri="http://schemas.openxmlformats.org/drawingml/2006/table">
-            <a:tbl>
-              <a:tblPr firstRow="1" bandRow="1">
-                <a:effectLst>
-                  <a:innerShdw blurRad="228600">
-                    <a:prstClr val="black">
-                      <a:alpha val="98000"/>
-                    </a:prstClr>
-                  </a:innerShdw>
-                </a:effectLst>
-                <a:tableStyleId>{5C22544A-7EE6-4342-B048-85BDC9FD1C3A}</a:tableStyleId>
-              </a:tblPr>
-              <a:tblGrid>
-                <a:gridCol w="706347"/>
-                <a:gridCol w="1695233"/>
-                <a:gridCol w="5087252"/>
-              </a:tblGrid>
-              <a:tr h="442817">
-                <a:tc>
-                  <a:txBody>
-                    <a:bodyPr/>
-                    <a:lstStyle/>
-                    <a:p>
-                      <a:pPr algn="ctr" latinLnBrk="1"/>
-                      <a:r>
-                        <a:rPr lang="ko-KR" altLang="en-US" sz="2000" b="0" dirty="0" smtClean="0">
-                          <a:latin typeface="-윤고딕320" panose="02030504000101010101" pitchFamily="18" charset="-127"/>
-                          <a:ea typeface="-윤고딕320" panose="02030504000101010101" pitchFamily="18" charset="-127"/>
-                        </a:rPr>
-                        <a:t>주차</a:t>
-                      </a:r>
-                      <a:endParaRPr lang="ko-KR" altLang="en-US" sz="2000" b="0" dirty="0">
-                        <a:latin typeface="-윤고딕320" panose="02030504000101010101" pitchFamily="18" charset="-127"/>
-                        <a:ea typeface="-윤고딕320" panose="02030504000101010101" pitchFamily="18" charset="-127"/>
-                      </a:endParaRPr>
-                    </a:p>
-                  </a:txBody>
-                  <a:tcPr marL="111605" marR="111605" marT="55802" marB="55802" anchor="ctr">
-                    <a:solidFill>
-                      <a:schemeClr val="accent1">
-                        <a:tint val="40000"/>
-                        <a:alpha val="35000"/>
-                      </a:schemeClr>
-                    </a:solidFill>
-                  </a:tcPr>
-                </a:tc>
-                <a:tc>
-                  <a:txBody>
-                    <a:bodyPr/>
-                    <a:lstStyle/>
-                    <a:p>
-                      <a:pPr algn="ctr" latinLnBrk="1"/>
-                      <a:r>
-                        <a:rPr lang="ko-KR" altLang="en-US" sz="2000" b="0" dirty="0" smtClean="0">
-                          <a:latin typeface="-윤고딕320" panose="02030504000101010101" pitchFamily="18" charset="-127"/>
-                          <a:ea typeface="-윤고딕320" panose="02030504000101010101" pitchFamily="18" charset="-127"/>
-                        </a:rPr>
-                        <a:t>주제</a:t>
-                      </a:r>
-                      <a:endParaRPr lang="ko-KR" altLang="en-US" sz="2000" b="0" dirty="0">
-                        <a:latin typeface="-윤고딕320" panose="02030504000101010101" pitchFamily="18" charset="-127"/>
-                        <a:ea typeface="-윤고딕320" panose="02030504000101010101" pitchFamily="18" charset="-127"/>
-                      </a:endParaRPr>
-                    </a:p>
-                  </a:txBody>
-                  <a:tcPr marL="111605" marR="111605" marT="55802" marB="55802" anchor="ctr"/>
-                </a:tc>
-                <a:tc>
-                  <a:txBody>
-                    <a:bodyPr/>
-                    <a:lstStyle/>
-                    <a:p>
-                      <a:pPr algn="ctr" latinLnBrk="1"/>
-                      <a:r>
-                        <a:rPr lang="ko-KR" altLang="en-US" sz="2000" b="0" dirty="0" smtClean="0">
-                          <a:latin typeface="-윤고딕320" panose="02030504000101010101" pitchFamily="18" charset="-127"/>
-                          <a:ea typeface="-윤고딕320" panose="02030504000101010101" pitchFamily="18" charset="-127"/>
-                        </a:rPr>
-                        <a:t>상세</a:t>
-                      </a:r>
-                      <a:endParaRPr lang="ko-KR" altLang="en-US" sz="2000" b="0" dirty="0">
-                        <a:latin typeface="-윤고딕320" panose="02030504000101010101" pitchFamily="18" charset="-127"/>
-                        <a:ea typeface="-윤고딕320" panose="02030504000101010101" pitchFamily="18" charset="-127"/>
-                      </a:endParaRPr>
-                    </a:p>
-                  </a:txBody>
-                  <a:tcPr marL="111605" marR="111605" marT="55802" marB="55802" anchor="ctr"/>
-                </a:tc>
-              </a:tr>
-              <a:tr h="1165274">
-                <a:tc>
-                  <a:txBody>
-                    <a:bodyPr/>
-                    <a:lstStyle/>
-                    <a:p>
-                      <a:pPr algn="ctr" latinLnBrk="1"/>
-                      <a:r>
-                        <a:rPr lang="en-US" altLang="ko-KR" sz="1900" dirty="0" smtClean="0">
-                          <a:latin typeface="-윤고딕310" panose="02030504000101010101" pitchFamily="18" charset="-127"/>
-                          <a:ea typeface="-윤고딕310" panose="02030504000101010101" pitchFamily="18" charset="-127"/>
-                        </a:rPr>
-                        <a:t>1</a:t>
-                      </a:r>
-                      <a:endParaRPr lang="ko-KR" altLang="en-US" sz="1900" dirty="0">
-                        <a:latin typeface="-윤고딕310" panose="02030504000101010101" pitchFamily="18" charset="-127"/>
-                        <a:ea typeface="-윤고딕310" panose="02030504000101010101" pitchFamily="18" charset="-127"/>
-                      </a:endParaRPr>
-                    </a:p>
-                  </a:txBody>
-                  <a:tcPr marL="111605" marR="111605" marT="55802" marB="55802" anchor="ctr">
-                    <a:solidFill>
-                      <a:schemeClr val="accent1">
-                        <a:tint val="40000"/>
-                        <a:alpha val="35000"/>
-                      </a:schemeClr>
-                    </a:solidFill>
-                  </a:tcPr>
-                </a:tc>
-                <a:tc>
-                  <a:txBody>
-                    <a:bodyPr/>
-                    <a:lstStyle/>
-                    <a:p>
-                      <a:pPr marL="0" indent="0" algn="ctr" latinLnBrk="1">
-                        <a:buFont typeface="Arial" panose="020B0604020202020204" pitchFamily="34" charset="0"/>
-                        <a:buNone/>
-                      </a:pPr>
-                      <a:r>
-                        <a:rPr lang="ko-KR" altLang="en-US" sz="1200" dirty="0" smtClean="0">
-                          <a:latin typeface="-윤고딕310" panose="02030504000101010101" pitchFamily="18" charset="-127"/>
-                          <a:ea typeface="-윤고딕310" panose="02030504000101010101" pitchFamily="18" charset="-127"/>
-                        </a:rPr>
-                        <a:t>기본적 메커니즘</a:t>
-                      </a:r>
-                      <a:endParaRPr lang="en-US" altLang="ko-KR" sz="1200" dirty="0" smtClean="0">
-                        <a:latin typeface="-윤고딕310" panose="02030504000101010101" pitchFamily="18" charset="-127"/>
-                        <a:ea typeface="-윤고딕310" panose="02030504000101010101" pitchFamily="18" charset="-127"/>
-                      </a:endParaRPr>
-                    </a:p>
-                    <a:p>
-                      <a:pPr marL="0" indent="0" algn="ctr" latinLnBrk="1">
-                        <a:buFont typeface="Arial" panose="020B0604020202020204" pitchFamily="34" charset="0"/>
-                        <a:buNone/>
-                      </a:pPr>
-                      <a:r>
-                        <a:rPr lang="ko-KR" altLang="en-US" sz="1200" dirty="0" smtClean="0">
-                          <a:latin typeface="-윤고딕310" panose="02030504000101010101" pitchFamily="18" charset="-127"/>
-                          <a:ea typeface="-윤고딕310" panose="02030504000101010101" pitchFamily="18" charset="-127"/>
-                        </a:rPr>
-                        <a:t>지형과 중력</a:t>
-                      </a:r>
-                      <a:endParaRPr lang="ko-KR" altLang="en-US" sz="1200" dirty="0">
-                        <a:latin typeface="-윤고딕310" panose="02030504000101010101" pitchFamily="18" charset="-127"/>
-                        <a:ea typeface="-윤고딕310" panose="02030504000101010101" pitchFamily="18" charset="-127"/>
-                      </a:endParaRPr>
-                    </a:p>
-                  </a:txBody>
-                  <a:tcPr marL="111605" marR="111605" marT="55802" marB="55802" anchor="ctr"/>
-                </a:tc>
-                <a:tc>
-                  <a:txBody>
-                    <a:bodyPr/>
-                    <a:lstStyle/>
-                    <a:p>
-                      <a:pPr marL="171450" indent="-171450" latinLnBrk="1">
-                        <a:buFont typeface="Arial" panose="020B0604020202020204" pitchFamily="34" charset="0"/>
-                        <a:buChar char="•"/>
-                      </a:pPr>
-                      <a:r>
-                        <a:rPr lang="ko-KR" altLang="en-US" sz="1200" dirty="0" smtClean="0">
-                          <a:latin typeface="-윤고딕310" panose="02030504000101010101" pitchFamily="18" charset="-127"/>
-                          <a:ea typeface="-윤고딕310" panose="02030504000101010101" pitchFamily="18" charset="-127"/>
-                        </a:rPr>
-                        <a:t>필요한 객체를 모두 정의하고 상속 관계를 분명히 한다</a:t>
-                      </a:r>
-                      <a:r>
-                        <a:rPr lang="en-US" altLang="ko-KR" sz="1200" dirty="0" smtClean="0">
-                          <a:latin typeface="-윤고딕310" panose="02030504000101010101" pitchFamily="18" charset="-127"/>
-                          <a:ea typeface="-윤고딕310" panose="02030504000101010101" pitchFamily="18" charset="-127"/>
-                        </a:rPr>
-                        <a:t>.  </a:t>
-                      </a:r>
-                      <a:r>
-                        <a:rPr lang="ko-KR" altLang="en-US" sz="1200" dirty="0" smtClean="0">
-                          <a:latin typeface="-윤고딕310" panose="02030504000101010101" pitchFamily="18" charset="-127"/>
-                          <a:ea typeface="-윤고딕310" panose="02030504000101010101" pitchFamily="18" charset="-127"/>
-                        </a:rPr>
-                        <a:t>모든 객체들은 하나의 중력 객체를 상속한다</a:t>
-                      </a:r>
-                      <a:r>
-                        <a:rPr lang="en-US" altLang="ko-KR" sz="1200" dirty="0" smtClean="0">
-                          <a:latin typeface="-윤고딕310" panose="02030504000101010101" pitchFamily="18" charset="-127"/>
-                          <a:ea typeface="-윤고딕310" panose="02030504000101010101" pitchFamily="18" charset="-127"/>
-                        </a:rPr>
-                        <a:t>.</a:t>
-                      </a:r>
-                      <a:r>
-                        <a:rPr lang="en-US" altLang="ko-KR" sz="1200" baseline="0" dirty="0" smtClean="0">
-                          <a:latin typeface="-윤고딕310" panose="02030504000101010101" pitchFamily="18" charset="-127"/>
-                          <a:ea typeface="-윤고딕310" panose="02030504000101010101" pitchFamily="18" charset="-127"/>
-                        </a:rPr>
-                        <a:t> </a:t>
-                      </a:r>
-                      <a:r>
-                        <a:rPr lang="ko-KR" altLang="en-US" sz="1200" baseline="0" dirty="0" smtClean="0">
-                          <a:latin typeface="-윤고딕310" panose="02030504000101010101" pitchFamily="18" charset="-127"/>
-                          <a:ea typeface="-윤고딕310" panose="02030504000101010101" pitchFamily="18" charset="-127"/>
-                        </a:rPr>
-                        <a:t>메소드들 역시 규격화된 이름으로 정리한다</a:t>
-                      </a:r>
-                      <a:r>
-                        <a:rPr lang="en-US" altLang="ko-KR" sz="1200" baseline="0" dirty="0" smtClean="0">
-                          <a:latin typeface="-윤고딕310" panose="02030504000101010101" pitchFamily="18" charset="-127"/>
-                          <a:ea typeface="-윤고딕310" panose="02030504000101010101" pitchFamily="18" charset="-127"/>
-                        </a:rPr>
-                        <a:t>.</a:t>
-                      </a:r>
-                    </a:p>
-                    <a:p>
-                      <a:pPr marL="171450" marR="0" indent="-171450" algn="l" defTabSz="914400" rtl="0" eaLnBrk="1" fontAlgn="auto" latinLnBrk="1" hangingPunct="1">
-                        <a:lnSpc>
-                          <a:spcPct val="100000"/>
-                        </a:lnSpc>
-                        <a:spcBef>
-                          <a:spcPts val="0"/>
-                        </a:spcBef>
-                        <a:spcAft>
-                          <a:spcPts val="0"/>
-                        </a:spcAft>
-                        <a:buClrTx/>
-                        <a:buSzTx/>
-                        <a:buFont typeface="Arial" panose="020B0604020202020204" pitchFamily="34" charset="0"/>
-                        <a:buChar char="•"/>
-                        <a:tabLst/>
-                        <a:defRPr/>
-                      </a:pPr>
-                      <a:r>
-                        <a:rPr lang="ko-KR" altLang="en-US" sz="1200" dirty="0" smtClean="0">
-                          <a:latin typeface="-윤고딕310" panose="02030504000101010101" pitchFamily="18" charset="-127"/>
-                          <a:ea typeface="-윤고딕310" panose="02030504000101010101" pitchFamily="18" charset="-127"/>
-                        </a:rPr>
-                        <a:t>지형 객체의 특수화를 한다</a:t>
-                      </a:r>
-                      <a:r>
-                        <a:rPr lang="en-US" altLang="ko-KR" sz="1200" dirty="0" smtClean="0">
-                          <a:latin typeface="-윤고딕310" panose="02030504000101010101" pitchFamily="18" charset="-127"/>
-                          <a:ea typeface="-윤고딕310" panose="02030504000101010101" pitchFamily="18" charset="-127"/>
-                        </a:rPr>
-                        <a:t>.</a:t>
-                      </a:r>
-                      <a:r>
-                        <a:rPr lang="ko-KR" altLang="en-US" sz="1200" dirty="0" smtClean="0">
-                          <a:latin typeface="-윤고딕310" panose="02030504000101010101" pitchFamily="18" charset="-127"/>
-                          <a:ea typeface="-윤고딕310" panose="02030504000101010101" pitchFamily="18" charset="-127"/>
-                        </a:rPr>
-                        <a:t> 중력 객체</a:t>
-                      </a:r>
-                      <a:r>
-                        <a:rPr lang="en-US" altLang="ko-KR" sz="1200" dirty="0" smtClean="0">
-                          <a:latin typeface="-윤고딕310" panose="02030504000101010101" pitchFamily="18" charset="-127"/>
-                          <a:ea typeface="-윤고딕310" panose="02030504000101010101" pitchFamily="18" charset="-127"/>
-                        </a:rPr>
-                        <a:t>-&gt;</a:t>
-                      </a:r>
-                      <a:r>
-                        <a:rPr lang="ko-KR" altLang="en-US" sz="1200" dirty="0" smtClean="0">
-                          <a:latin typeface="-윤고딕310" panose="02030504000101010101" pitchFamily="18" charset="-127"/>
-                          <a:ea typeface="-윤고딕310" panose="02030504000101010101" pitchFamily="18" charset="-127"/>
-                        </a:rPr>
-                        <a:t>블록</a:t>
-                      </a:r>
-                      <a:r>
-                        <a:rPr lang="en-US" altLang="ko-KR" sz="1200" dirty="0" smtClean="0">
-                          <a:latin typeface="-윤고딕310" panose="02030504000101010101" pitchFamily="18" charset="-127"/>
-                          <a:ea typeface="-윤고딕310" panose="02030504000101010101" pitchFamily="18" charset="-127"/>
-                        </a:rPr>
-                        <a:t>-&gt;</a:t>
-                      </a:r>
-                      <a:r>
-                        <a:rPr lang="ko-KR" altLang="en-US" sz="1200" dirty="0" smtClean="0">
-                          <a:latin typeface="-윤고딕310" panose="02030504000101010101" pitchFamily="18" charset="-127"/>
-                          <a:ea typeface="-윤고딕310" panose="02030504000101010101" pitchFamily="18" charset="-127"/>
-                        </a:rPr>
-                        <a:t>나무</a:t>
-                      </a:r>
-                      <a:r>
-                        <a:rPr lang="en-US" altLang="ko-KR" sz="1200" dirty="0" smtClean="0">
-                          <a:latin typeface="-윤고딕310" panose="02030504000101010101" pitchFamily="18" charset="-127"/>
-                          <a:ea typeface="-윤고딕310" panose="02030504000101010101" pitchFamily="18" charset="-127"/>
-                        </a:rPr>
-                        <a:t>, </a:t>
-                      </a:r>
-                      <a:r>
-                        <a:rPr lang="ko-KR" altLang="en-US" sz="1200" dirty="0" smtClean="0">
-                          <a:latin typeface="-윤고딕310" panose="02030504000101010101" pitchFamily="18" charset="-127"/>
-                          <a:ea typeface="-윤고딕310" panose="02030504000101010101" pitchFamily="18" charset="-127"/>
-                        </a:rPr>
-                        <a:t>벽돌</a:t>
-                      </a:r>
-                      <a:r>
-                        <a:rPr lang="en-US" altLang="ko-KR" sz="1200" dirty="0" smtClean="0">
-                          <a:latin typeface="-윤고딕310" panose="02030504000101010101" pitchFamily="18" charset="-127"/>
-                          <a:ea typeface="-윤고딕310" panose="02030504000101010101" pitchFamily="18" charset="-127"/>
-                        </a:rPr>
-                        <a:t>, </a:t>
-                      </a:r>
-                      <a:r>
-                        <a:rPr lang="ko-KR" altLang="en-US" sz="1200" dirty="0" smtClean="0">
-                          <a:latin typeface="-윤고딕310" panose="02030504000101010101" pitchFamily="18" charset="-127"/>
-                          <a:ea typeface="-윤고딕310" panose="02030504000101010101" pitchFamily="18" charset="-127"/>
-                        </a:rPr>
-                        <a:t>땅</a:t>
-                      </a:r>
-                      <a:r>
-                        <a:rPr lang="en-US" altLang="ko-KR" sz="1200" dirty="0" smtClean="0">
-                          <a:latin typeface="-윤고딕310" panose="02030504000101010101" pitchFamily="18" charset="-127"/>
-                          <a:ea typeface="-윤고딕310" panose="02030504000101010101" pitchFamily="18" charset="-127"/>
-                        </a:rPr>
-                        <a:t>, …</a:t>
-                      </a:r>
-                    </a:p>
-                    <a:p>
-                      <a:pPr marL="171450" marR="0" indent="-171450" algn="l" defTabSz="914400" rtl="0" eaLnBrk="1" fontAlgn="auto" latinLnBrk="1" hangingPunct="1">
-                        <a:lnSpc>
-                          <a:spcPct val="100000"/>
-                        </a:lnSpc>
-                        <a:spcBef>
-                          <a:spcPts val="0"/>
-                        </a:spcBef>
-                        <a:spcAft>
-                          <a:spcPts val="0"/>
-                        </a:spcAft>
-                        <a:buClrTx/>
-                        <a:buSzTx/>
-                        <a:buFont typeface="Arial" panose="020B0604020202020204" pitchFamily="34" charset="0"/>
-                        <a:buChar char="•"/>
-                        <a:tabLst/>
-                        <a:defRPr/>
-                      </a:pPr>
-                      <a:r>
-                        <a:rPr lang="ko-KR" altLang="en-US" sz="1200" dirty="0" smtClean="0">
-                          <a:latin typeface="-윤고딕310" panose="02030504000101010101" pitchFamily="18" charset="-127"/>
-                          <a:ea typeface="-윤고딕310" panose="02030504000101010101" pitchFamily="18" charset="-127"/>
-                        </a:rPr>
-                        <a:t>모든 개체는 중력이 작동한다</a:t>
-                      </a:r>
-                      <a:r>
-                        <a:rPr lang="en-US" altLang="ko-KR" sz="1200" dirty="0" smtClean="0">
-                          <a:latin typeface="-윤고딕310" panose="02030504000101010101" pitchFamily="18" charset="-127"/>
-                          <a:ea typeface="-윤고딕310" panose="02030504000101010101" pitchFamily="18" charset="-127"/>
-                        </a:rPr>
-                        <a:t>. </a:t>
-                      </a:r>
-                      <a:r>
-                        <a:rPr lang="ko-KR" altLang="en-US" sz="1200" dirty="0" smtClean="0">
-                          <a:latin typeface="-윤고딕310" panose="02030504000101010101" pitchFamily="18" charset="-127"/>
-                          <a:ea typeface="-윤고딕310" panose="02030504000101010101" pitchFamily="18" charset="-127"/>
-                        </a:rPr>
-                        <a:t>충돌 처리를 위해 개체 리스트가 들어있는 이름으로 구분된 사전에서 반복문을 돌려서 처리한다</a:t>
-                      </a:r>
-                      <a:endParaRPr lang="ko-KR" altLang="en-US" sz="1200" dirty="0">
-                        <a:latin typeface="-윤고딕310" panose="02030504000101010101" pitchFamily="18" charset="-127"/>
-                        <a:ea typeface="-윤고딕310" panose="02030504000101010101" pitchFamily="18" charset="-127"/>
-                      </a:endParaRPr>
-                    </a:p>
-                  </a:txBody>
-                  <a:tcPr marL="111605" marR="111605" marT="55802" marB="55802"/>
-                </a:tc>
-              </a:tr>
-              <a:tr h="702124">
-                <a:tc>
-                  <a:txBody>
-                    <a:bodyPr/>
-                    <a:lstStyle/>
-                    <a:p>
-                      <a:pPr algn="ctr" latinLnBrk="1"/>
-                      <a:r>
-                        <a:rPr lang="en-US" altLang="ko-KR" sz="1900" dirty="0" smtClean="0">
-                          <a:latin typeface="-윤고딕310" panose="02030504000101010101" pitchFamily="18" charset="-127"/>
-                          <a:ea typeface="-윤고딕310" panose="02030504000101010101" pitchFamily="18" charset="-127"/>
-                        </a:rPr>
-                        <a:t>2</a:t>
-                      </a:r>
-                      <a:endParaRPr lang="ko-KR" altLang="en-US" sz="1900" dirty="0">
-                        <a:latin typeface="-윤고딕310" panose="02030504000101010101" pitchFamily="18" charset="-127"/>
-                        <a:ea typeface="-윤고딕310" panose="02030504000101010101" pitchFamily="18" charset="-127"/>
-                      </a:endParaRPr>
-                    </a:p>
-                  </a:txBody>
-                  <a:tcPr marL="111605" marR="111605" marT="55802" marB="55802" anchor="ctr">
-                    <a:solidFill>
-                      <a:schemeClr val="accent1">
-                        <a:tint val="40000"/>
-                        <a:alpha val="35000"/>
-                      </a:schemeClr>
-                    </a:solidFill>
-                  </a:tcPr>
-                </a:tc>
-                <a:tc>
-                  <a:txBody>
-                    <a:bodyPr/>
-                    <a:lstStyle/>
-                    <a:p>
-                      <a:pPr marL="0" indent="0" algn="ctr" latinLnBrk="1">
-                        <a:buFont typeface="Arial" panose="020B0604020202020204" pitchFamily="34" charset="0"/>
-                        <a:buNone/>
-                      </a:pPr>
-                      <a:r>
-                        <a:rPr lang="ko-KR" altLang="en-US" sz="1200" dirty="0" smtClean="0">
-                          <a:latin typeface="-윤고딕310" panose="02030504000101010101" pitchFamily="18" charset="-127"/>
-                          <a:ea typeface="-윤고딕310" panose="02030504000101010101" pitchFamily="18" charset="-127"/>
-                        </a:rPr>
-                        <a:t>리소스 수집과 테스트</a:t>
-                      </a:r>
-                      <a:endParaRPr lang="ko-KR" altLang="en-US" sz="1200" dirty="0">
-                        <a:latin typeface="-윤고딕310" panose="02030504000101010101" pitchFamily="18" charset="-127"/>
-                        <a:ea typeface="-윤고딕310" panose="02030504000101010101" pitchFamily="18" charset="-127"/>
-                      </a:endParaRPr>
-                    </a:p>
-                  </a:txBody>
-                  <a:tcPr marL="111605" marR="111605" marT="55802" marB="55802" anchor="ctr"/>
-                </a:tc>
-                <a:tc>
-                  <a:txBody>
-                    <a:bodyPr/>
-                    <a:lstStyle/>
-                    <a:p>
-                      <a:pPr marL="171450" marR="0" indent="-171450" algn="l" defTabSz="914400" rtl="0" eaLnBrk="1" fontAlgn="auto" latinLnBrk="1" hangingPunct="1">
-                        <a:lnSpc>
-                          <a:spcPct val="100000"/>
-                        </a:lnSpc>
-                        <a:spcBef>
-                          <a:spcPts val="0"/>
-                        </a:spcBef>
-                        <a:spcAft>
-                          <a:spcPts val="0"/>
-                        </a:spcAft>
-                        <a:buClrTx/>
-                        <a:buSzTx/>
-                        <a:buFont typeface="Arial" panose="020B0604020202020204" pitchFamily="34" charset="0"/>
-                        <a:buChar char="•"/>
-                        <a:tabLst/>
-                        <a:defRPr/>
-                      </a:pPr>
-                      <a:r>
-                        <a:rPr lang="ko-KR" altLang="en-US" sz="1200" dirty="0" smtClean="0">
-                          <a:latin typeface="-윤고딕310" panose="02030504000101010101" pitchFamily="18" charset="-127"/>
-                          <a:ea typeface="-윤고딕310" panose="02030504000101010101" pitchFamily="18" charset="-127"/>
-                        </a:rPr>
-                        <a:t>필요한 리소스를 구하고 객체들에 적용한다</a:t>
-                      </a:r>
-                      <a:r>
-                        <a:rPr lang="en-US" altLang="ko-KR" sz="1200" dirty="0" smtClean="0">
-                          <a:latin typeface="-윤고딕310" panose="02030504000101010101" pitchFamily="18" charset="-127"/>
-                          <a:ea typeface="-윤고딕310" panose="02030504000101010101" pitchFamily="18" charset="-127"/>
-                        </a:rPr>
-                        <a:t>. </a:t>
-                      </a:r>
-                      <a:r>
-                        <a:rPr lang="ko-KR" altLang="en-US" sz="1200" dirty="0" smtClean="0">
-                          <a:latin typeface="-윤고딕310" panose="02030504000101010101" pitchFamily="18" charset="-127"/>
-                          <a:ea typeface="-윤고딕310" panose="02030504000101010101" pitchFamily="18" charset="-127"/>
-                        </a:rPr>
-                        <a:t>중력을 영향을 받는 객체들이 이미지와 잘 맞는지 테스트한다</a:t>
-                      </a:r>
-                      <a:r>
-                        <a:rPr lang="en-US" altLang="ko-KR" sz="1200" dirty="0" smtClean="0">
-                          <a:latin typeface="-윤고딕310" panose="02030504000101010101" pitchFamily="18" charset="-127"/>
-                          <a:ea typeface="-윤고딕310" panose="02030504000101010101" pitchFamily="18" charset="-127"/>
-                        </a:rPr>
-                        <a:t>. </a:t>
-                      </a:r>
-                      <a:r>
-                        <a:rPr lang="ko-KR" altLang="en-US" sz="1200" dirty="0" smtClean="0">
-                          <a:latin typeface="-윤고딕310" panose="02030504000101010101" pitchFamily="18" charset="-127"/>
-                          <a:ea typeface="-윤고딕310" panose="02030504000101010101" pitchFamily="18" charset="-127"/>
-                        </a:rPr>
-                        <a:t>객체들을 배치하여 실제로 어울리는지</a:t>
-                      </a:r>
-                      <a:r>
-                        <a:rPr lang="en-US" altLang="ko-KR" sz="1200" dirty="0" smtClean="0">
-                          <a:latin typeface="-윤고딕310" panose="02030504000101010101" pitchFamily="18" charset="-127"/>
-                          <a:ea typeface="-윤고딕310" panose="02030504000101010101" pitchFamily="18" charset="-127"/>
-                        </a:rPr>
-                        <a:t>,</a:t>
-                      </a:r>
-                      <a:r>
-                        <a:rPr lang="ko-KR" altLang="en-US" sz="1200" dirty="0" smtClean="0">
-                          <a:latin typeface="-윤고딕310" panose="02030504000101010101" pitchFamily="18" charset="-127"/>
-                          <a:ea typeface="-윤고딕310" panose="02030504000101010101" pitchFamily="18" charset="-127"/>
-                        </a:rPr>
-                        <a:t> 그리고 중력</a:t>
-                      </a:r>
-                      <a:r>
-                        <a:rPr lang="en-US" altLang="ko-KR" sz="1200" dirty="0" smtClean="0">
-                          <a:latin typeface="-윤고딕310" panose="02030504000101010101" pitchFamily="18" charset="-127"/>
-                          <a:ea typeface="-윤고딕310" panose="02030504000101010101" pitchFamily="18" charset="-127"/>
-                        </a:rPr>
-                        <a:t>, </a:t>
-                      </a:r>
-                      <a:r>
-                        <a:rPr lang="ko-KR" altLang="en-US" sz="1200" dirty="0" smtClean="0">
-                          <a:latin typeface="-윤고딕310" panose="02030504000101010101" pitchFamily="18" charset="-127"/>
-                          <a:ea typeface="-윤고딕310" panose="02030504000101010101" pitchFamily="18" charset="-127"/>
-                        </a:rPr>
-                        <a:t>충돌과 속도가 작동하는지 확인한다</a:t>
-                      </a:r>
-                      <a:r>
-                        <a:rPr lang="en-US" altLang="ko-KR" sz="1200" dirty="0" smtClean="0">
-                          <a:latin typeface="-윤고딕310" panose="02030504000101010101" pitchFamily="18" charset="-127"/>
-                          <a:ea typeface="-윤고딕310" panose="02030504000101010101" pitchFamily="18" charset="-127"/>
-                        </a:rPr>
-                        <a:t>.</a:t>
-                      </a:r>
-                      <a:endParaRPr lang="ko-KR" altLang="en-US" sz="1200" dirty="0" smtClean="0">
-                        <a:latin typeface="-윤고딕310" panose="02030504000101010101" pitchFamily="18" charset="-127"/>
-                        <a:ea typeface="-윤고딕310" panose="02030504000101010101" pitchFamily="18" charset="-127"/>
-                      </a:endParaRPr>
-                    </a:p>
-                  </a:txBody>
-                  <a:tcPr marL="111605" marR="111605" marT="55802" marB="55802"/>
-                </a:tc>
-              </a:tr>
-              <a:tr h="519108">
-                <a:tc>
-                  <a:txBody>
-                    <a:bodyPr/>
-                    <a:lstStyle/>
-                    <a:p>
-                      <a:pPr algn="ctr" latinLnBrk="1"/>
-                      <a:r>
-                        <a:rPr lang="en-US" altLang="ko-KR" sz="1900" dirty="0" smtClean="0">
-                          <a:latin typeface="-윤고딕310" panose="02030504000101010101" pitchFamily="18" charset="-127"/>
-                          <a:ea typeface="-윤고딕310" panose="02030504000101010101" pitchFamily="18" charset="-127"/>
-                        </a:rPr>
-                        <a:t>3</a:t>
-                      </a:r>
-                      <a:endParaRPr lang="ko-KR" altLang="en-US" sz="1900" dirty="0">
-                        <a:latin typeface="-윤고딕310" panose="02030504000101010101" pitchFamily="18" charset="-127"/>
-                        <a:ea typeface="-윤고딕310" panose="02030504000101010101" pitchFamily="18" charset="-127"/>
-                      </a:endParaRPr>
-                    </a:p>
-                  </a:txBody>
-                  <a:tcPr marL="111605" marR="111605" marT="55802" marB="55802" anchor="ctr">
-                    <a:solidFill>
-                      <a:schemeClr val="accent1">
-                        <a:tint val="40000"/>
-                        <a:alpha val="35000"/>
-                      </a:schemeClr>
-                    </a:solidFill>
-                  </a:tcPr>
-                </a:tc>
-                <a:tc>
-                  <a:txBody>
-                    <a:bodyPr/>
-                    <a:lstStyle/>
-                    <a:p>
-                      <a:pPr marL="0" indent="0" algn="ctr" latinLnBrk="1">
-                        <a:buFont typeface="Arial" panose="020B0604020202020204" pitchFamily="34" charset="0"/>
-                        <a:buNone/>
-                      </a:pPr>
-                      <a:r>
-                        <a:rPr lang="ko-KR" altLang="en-US" sz="1200" dirty="0" smtClean="0">
-                          <a:latin typeface="-윤고딕310" panose="02030504000101010101" pitchFamily="18" charset="-127"/>
-                          <a:ea typeface="-윤고딕310" panose="02030504000101010101" pitchFamily="18" charset="-127"/>
-                        </a:rPr>
-                        <a:t>플레이어</a:t>
-                      </a:r>
-                      <a:r>
-                        <a:rPr lang="en-US" altLang="ko-KR" sz="1200" baseline="0" dirty="0" smtClean="0">
-                          <a:latin typeface="-윤고딕310" panose="02030504000101010101" pitchFamily="18" charset="-127"/>
-                          <a:ea typeface="-윤고딕310" panose="02030504000101010101" pitchFamily="18" charset="-127"/>
-                        </a:rPr>
-                        <a:t> </a:t>
-                      </a:r>
-                      <a:r>
-                        <a:rPr lang="ko-KR" altLang="en-US" sz="1200" baseline="0" dirty="0" smtClean="0">
-                          <a:latin typeface="-윤고딕310" panose="02030504000101010101" pitchFamily="18" charset="-127"/>
-                          <a:ea typeface="-윤고딕310" panose="02030504000101010101" pitchFamily="18" charset="-127"/>
-                        </a:rPr>
-                        <a:t>객체</a:t>
-                      </a:r>
-                      <a:endParaRPr lang="ko-KR" altLang="en-US" sz="1200" dirty="0">
-                        <a:latin typeface="-윤고딕310" panose="02030504000101010101" pitchFamily="18" charset="-127"/>
-                        <a:ea typeface="-윤고딕310" panose="02030504000101010101" pitchFamily="18" charset="-127"/>
-                      </a:endParaRPr>
-                    </a:p>
-                  </a:txBody>
-                  <a:tcPr marL="111605" marR="111605" marT="55802" marB="55802" anchor="ctr"/>
-                </a:tc>
-                <a:tc>
-                  <a:txBody>
-                    <a:bodyPr/>
-                    <a:lstStyle/>
-                    <a:p>
-                      <a:pPr marL="171450" indent="-171450" latinLnBrk="1">
-                        <a:buFont typeface="Arial" panose="020B0604020202020204" pitchFamily="34" charset="0"/>
-                        <a:buChar char="•"/>
-                      </a:pPr>
-                      <a:r>
-                        <a:rPr lang="ko-KR" altLang="en-US" sz="1200" dirty="0" smtClean="0">
-                          <a:latin typeface="-윤고딕310" panose="02030504000101010101" pitchFamily="18" charset="-127"/>
-                          <a:ea typeface="-윤고딕310" panose="02030504000101010101" pitchFamily="18" charset="-127"/>
-                        </a:rPr>
-                        <a:t>플레이어는 키 입력 이벤트를 받아 움직인다</a:t>
-                      </a:r>
-                      <a:r>
-                        <a:rPr lang="en-US" altLang="ko-KR" sz="1200" dirty="0" smtClean="0">
-                          <a:latin typeface="-윤고딕310" panose="02030504000101010101" pitchFamily="18" charset="-127"/>
-                          <a:ea typeface="-윤고딕310" panose="02030504000101010101" pitchFamily="18" charset="-127"/>
-                        </a:rPr>
-                        <a:t>. </a:t>
-                      </a:r>
-                      <a:r>
-                        <a:rPr lang="ko-KR" altLang="en-US" sz="1200" dirty="0" smtClean="0">
-                          <a:latin typeface="-윤고딕310" panose="02030504000101010101" pitchFamily="18" charset="-127"/>
-                          <a:ea typeface="-윤고딕310" panose="02030504000101010101" pitchFamily="18" charset="-127"/>
-                        </a:rPr>
-                        <a:t>누른 키에 따라 행동을 취하는데 일단 움직임만 취하도록 한다</a:t>
-                      </a:r>
-                      <a:r>
-                        <a:rPr lang="en-US" altLang="ko-KR" sz="1200" dirty="0" smtClean="0">
-                          <a:latin typeface="-윤고딕310" panose="02030504000101010101" pitchFamily="18" charset="-127"/>
-                          <a:ea typeface="-윤고딕310" panose="02030504000101010101" pitchFamily="18" charset="-127"/>
-                        </a:rPr>
-                        <a:t>.</a:t>
-                      </a:r>
-                      <a:endParaRPr lang="ko-KR" altLang="en-US" sz="1200" dirty="0">
-                        <a:latin typeface="-윤고딕310" panose="02030504000101010101" pitchFamily="18" charset="-127"/>
-                        <a:ea typeface="-윤고딕310" panose="02030504000101010101" pitchFamily="18" charset="-127"/>
-                      </a:endParaRPr>
-                    </a:p>
-                  </a:txBody>
-                  <a:tcPr marL="111605" marR="111605" marT="55802" marB="55802"/>
-                </a:tc>
-              </a:tr>
-              <a:tr h="519108">
-                <a:tc>
-                  <a:txBody>
-                    <a:bodyPr/>
-                    <a:lstStyle/>
-                    <a:p>
-                      <a:pPr algn="ctr" latinLnBrk="1"/>
-                      <a:r>
-                        <a:rPr lang="en-US" altLang="ko-KR" sz="1900" dirty="0" smtClean="0">
-                          <a:latin typeface="-윤고딕310" panose="02030504000101010101" pitchFamily="18" charset="-127"/>
-                          <a:ea typeface="-윤고딕310" panose="02030504000101010101" pitchFamily="18" charset="-127"/>
-                        </a:rPr>
-                        <a:t>4</a:t>
-                      </a:r>
-                      <a:endParaRPr lang="ko-KR" altLang="en-US" sz="1900" dirty="0">
-                        <a:latin typeface="-윤고딕310" panose="02030504000101010101" pitchFamily="18" charset="-127"/>
-                        <a:ea typeface="-윤고딕310" panose="02030504000101010101" pitchFamily="18" charset="-127"/>
-                      </a:endParaRPr>
-                    </a:p>
-                  </a:txBody>
-                  <a:tcPr marL="111605" marR="111605" marT="55802" marB="55802" anchor="ctr">
-                    <a:solidFill>
-                      <a:schemeClr val="accent1">
-                        <a:tint val="40000"/>
-                        <a:alpha val="35000"/>
-                      </a:schemeClr>
-                    </a:solidFill>
-                  </a:tcPr>
-                </a:tc>
-                <a:tc>
-                  <a:txBody>
-                    <a:bodyPr/>
-                    <a:lstStyle/>
-                    <a:p>
-                      <a:pPr marL="0" indent="0" algn="ctr" latinLnBrk="1">
-                        <a:buFont typeface="Arial" panose="020B0604020202020204" pitchFamily="34" charset="0"/>
-                        <a:buNone/>
-                      </a:pPr>
-                      <a:r>
-                        <a:rPr lang="en-US" altLang="ko-KR" sz="1200" dirty="0" smtClean="0">
-                          <a:latin typeface="-윤고딕310" panose="02030504000101010101" pitchFamily="18" charset="-127"/>
-                          <a:ea typeface="-윤고딕310" panose="02030504000101010101" pitchFamily="18" charset="-127"/>
-                        </a:rPr>
-                        <a:t>NPC</a:t>
-                      </a:r>
-                      <a:r>
-                        <a:rPr lang="en-US" altLang="ko-KR" sz="1200" baseline="0" dirty="0" smtClean="0">
-                          <a:latin typeface="-윤고딕310" panose="02030504000101010101" pitchFamily="18" charset="-127"/>
-                          <a:ea typeface="-윤고딕310" panose="02030504000101010101" pitchFamily="18" charset="-127"/>
-                        </a:rPr>
-                        <a:t> </a:t>
-                      </a:r>
-                      <a:r>
-                        <a:rPr lang="ko-KR" altLang="en-US" sz="1200" baseline="0" dirty="0" smtClean="0">
-                          <a:latin typeface="-윤고딕310" panose="02030504000101010101" pitchFamily="18" charset="-127"/>
-                          <a:ea typeface="-윤고딕310" panose="02030504000101010101" pitchFamily="18" charset="-127"/>
-                        </a:rPr>
-                        <a:t>객체와 인공지능</a:t>
-                      </a:r>
-                      <a:endParaRPr lang="ko-KR" altLang="en-US" sz="1200" dirty="0">
-                        <a:latin typeface="-윤고딕310" panose="02030504000101010101" pitchFamily="18" charset="-127"/>
-                        <a:ea typeface="-윤고딕310" panose="02030504000101010101" pitchFamily="18" charset="-127"/>
-                      </a:endParaRPr>
-                    </a:p>
-                  </a:txBody>
-                  <a:tcPr marL="111605" marR="111605" marT="55802" marB="55802" anchor="ctr"/>
-                </a:tc>
-                <a:tc>
-                  <a:txBody>
-                    <a:bodyPr/>
-                    <a:lstStyle/>
-                    <a:p>
-                      <a:pPr marL="171450" marR="0" indent="-171450" algn="l" defTabSz="914400" rtl="0" eaLnBrk="1" fontAlgn="auto" latinLnBrk="1" hangingPunct="1">
-                        <a:lnSpc>
-                          <a:spcPct val="100000"/>
-                        </a:lnSpc>
-                        <a:spcBef>
-                          <a:spcPts val="0"/>
-                        </a:spcBef>
-                        <a:spcAft>
-                          <a:spcPts val="0"/>
-                        </a:spcAft>
-                        <a:buClrTx/>
-                        <a:buSzTx/>
-                        <a:buFont typeface="Arial" panose="020B0604020202020204" pitchFamily="34" charset="0"/>
-                        <a:buChar char="•"/>
-                        <a:tabLst/>
-                        <a:defRPr/>
-                      </a:pPr>
-                      <a:r>
-                        <a:rPr lang="ko-KR" altLang="en-US" sz="1200" dirty="0" smtClean="0">
-                          <a:latin typeface="-윤고딕310" panose="02030504000101010101" pitchFamily="18" charset="-127"/>
-                          <a:ea typeface="-윤고딕310" panose="02030504000101010101" pitchFamily="18" charset="-127"/>
-                        </a:rPr>
-                        <a:t>적들은 시야가 있으며 플레이어를 발견하면 다가와 공격한다</a:t>
-                      </a:r>
-                      <a:r>
-                        <a:rPr lang="en-US" altLang="ko-KR" sz="1200" dirty="0" smtClean="0">
-                          <a:latin typeface="-윤고딕310" panose="02030504000101010101" pitchFamily="18" charset="-127"/>
-                          <a:ea typeface="-윤고딕310" panose="02030504000101010101" pitchFamily="18" charset="-127"/>
-                        </a:rPr>
-                        <a:t>. </a:t>
-                      </a:r>
-                      <a:r>
-                        <a:rPr lang="ko-KR" altLang="en-US" sz="1200" dirty="0" smtClean="0">
-                          <a:latin typeface="-윤고딕310" panose="02030504000101010101" pitchFamily="18" charset="-127"/>
-                          <a:ea typeface="-윤고딕310" panose="02030504000101010101" pitchFamily="18" charset="-127"/>
-                        </a:rPr>
-                        <a:t>적들은 대체로 단순하지만 일부 적은 까다로운 </a:t>
-                      </a:r>
-                      <a:r>
-                        <a:rPr lang="en-US" altLang="ko-KR" sz="1200" dirty="0" smtClean="0">
-                          <a:latin typeface="-윤고딕310" panose="02030504000101010101" pitchFamily="18" charset="-127"/>
-                          <a:ea typeface="-윤고딕310" panose="02030504000101010101" pitchFamily="18" charset="-127"/>
-                        </a:rPr>
-                        <a:t>(</a:t>
-                      </a:r>
-                      <a:r>
-                        <a:rPr lang="ko-KR" altLang="en-US" sz="1200" dirty="0" smtClean="0">
-                          <a:latin typeface="-윤고딕310" panose="02030504000101010101" pitchFamily="18" charset="-127"/>
-                          <a:ea typeface="-윤고딕310" panose="02030504000101010101" pitchFamily="18" charset="-127"/>
-                        </a:rPr>
-                        <a:t>하지만 반복적인</a:t>
-                      </a:r>
-                      <a:r>
-                        <a:rPr lang="en-US" altLang="ko-KR" sz="1200" dirty="0" smtClean="0">
-                          <a:latin typeface="-윤고딕310" panose="02030504000101010101" pitchFamily="18" charset="-127"/>
-                          <a:ea typeface="-윤고딕310" panose="02030504000101010101" pitchFamily="18" charset="-127"/>
-                        </a:rPr>
-                        <a:t>) </a:t>
-                      </a:r>
-                      <a:r>
-                        <a:rPr lang="ko-KR" altLang="en-US" sz="1200" dirty="0" smtClean="0">
-                          <a:latin typeface="-윤고딕310" panose="02030504000101010101" pitchFamily="18" charset="-127"/>
-                          <a:ea typeface="-윤고딕310" panose="02030504000101010101" pitchFamily="18" charset="-127"/>
-                        </a:rPr>
-                        <a:t>행동을 한다</a:t>
-                      </a:r>
-                      <a:r>
-                        <a:rPr lang="en-US" altLang="ko-KR" sz="1200" dirty="0" smtClean="0">
-                          <a:latin typeface="-윤고딕310" panose="02030504000101010101" pitchFamily="18" charset="-127"/>
-                          <a:ea typeface="-윤고딕310" panose="02030504000101010101" pitchFamily="18" charset="-127"/>
-                        </a:rPr>
-                        <a:t>.</a:t>
-                      </a:r>
-                      <a:endParaRPr lang="ko-KR" altLang="en-US" sz="1200" dirty="0" smtClean="0">
-                        <a:latin typeface="-윤고딕310" panose="02030504000101010101" pitchFamily="18" charset="-127"/>
-                        <a:ea typeface="-윤고딕310" panose="02030504000101010101" pitchFamily="18" charset="-127"/>
-                      </a:endParaRPr>
-                    </a:p>
-                  </a:txBody>
-                  <a:tcPr marL="111605" marR="111605" marT="55802" marB="55802"/>
-                </a:tc>
-              </a:tr>
-              <a:tr h="540006">
-                <a:tc>
-                  <a:txBody>
-                    <a:bodyPr/>
-                    <a:lstStyle/>
-                    <a:p>
-                      <a:pPr algn="ctr" latinLnBrk="1"/>
-                      <a:r>
-                        <a:rPr lang="en-US" altLang="ko-KR" sz="1900" dirty="0" smtClean="0">
-                          <a:latin typeface="-윤고딕310" panose="02030504000101010101" pitchFamily="18" charset="-127"/>
-                          <a:ea typeface="-윤고딕310" panose="02030504000101010101" pitchFamily="18" charset="-127"/>
-                        </a:rPr>
-                        <a:t>5</a:t>
-                      </a:r>
-                      <a:endParaRPr lang="ko-KR" altLang="en-US" sz="1900" dirty="0">
-                        <a:latin typeface="-윤고딕310" panose="02030504000101010101" pitchFamily="18" charset="-127"/>
-                        <a:ea typeface="-윤고딕310" panose="02030504000101010101" pitchFamily="18" charset="-127"/>
-                      </a:endParaRPr>
-                    </a:p>
-                  </a:txBody>
-                  <a:tcPr marL="111605" marR="111605" marT="55802" marB="55802" anchor="ctr">
-                    <a:solidFill>
-                      <a:schemeClr val="accent1">
-                        <a:tint val="40000"/>
-                        <a:alpha val="35000"/>
-                      </a:schemeClr>
-                    </a:solidFill>
-                  </a:tcPr>
-                </a:tc>
-                <a:tc>
-                  <a:txBody>
-                    <a:bodyPr/>
-                    <a:lstStyle/>
-                    <a:p>
-                      <a:pPr marL="0" indent="0" algn="ctr" latinLnBrk="1">
-                        <a:buFont typeface="Arial" panose="020B0604020202020204" pitchFamily="34" charset="0"/>
-                        <a:buNone/>
-                      </a:pPr>
-                      <a:r>
-                        <a:rPr lang="ko-KR" altLang="en-US" sz="1200" dirty="0" smtClean="0">
-                          <a:latin typeface="-윤고딕310" panose="02030504000101010101" pitchFamily="18" charset="-127"/>
-                          <a:ea typeface="-윤고딕310" panose="02030504000101010101" pitchFamily="18" charset="-127"/>
-                        </a:rPr>
-                        <a:t>객체 상호 작용 </a:t>
-                      </a:r>
-                      <a:r>
-                        <a:rPr lang="en-US" altLang="ko-KR" sz="1200" dirty="0" smtClean="0">
-                          <a:latin typeface="-윤고딕310" panose="02030504000101010101" pitchFamily="18" charset="-127"/>
-                          <a:ea typeface="-윤고딕310" panose="02030504000101010101" pitchFamily="18" charset="-127"/>
-                        </a:rPr>
-                        <a:t>1</a:t>
-                      </a:r>
-                      <a:endParaRPr lang="ko-KR" altLang="en-US" sz="1200" dirty="0">
-                        <a:latin typeface="-윤고딕310" panose="02030504000101010101" pitchFamily="18" charset="-127"/>
-                        <a:ea typeface="-윤고딕310" panose="02030504000101010101" pitchFamily="18" charset="-127"/>
-                      </a:endParaRPr>
-                    </a:p>
-                  </a:txBody>
-                  <a:tcPr marL="111605" marR="111605" marT="55802" marB="55802" anchor="ctr">
-                    <a:solidFill>
-                      <a:srgbClr val="FFF0E8"/>
-                    </a:solidFill>
-                  </a:tcPr>
-                </a:tc>
-                <a:tc>
-                  <a:txBody>
-                    <a:bodyPr/>
-                    <a:lstStyle/>
-                    <a:p>
-                      <a:pPr marL="171450" indent="-171450" latinLnBrk="1">
-                        <a:buFont typeface="Arial" panose="020B0604020202020204" pitchFamily="34" charset="0"/>
-                        <a:buChar char="•"/>
-                      </a:pPr>
-                      <a:r>
-                        <a:rPr lang="ko-KR" altLang="en-US" sz="1200" dirty="0" smtClean="0">
-                          <a:latin typeface="-윤고딕310" panose="02030504000101010101" pitchFamily="18" charset="-127"/>
-                          <a:ea typeface="-윤고딕310" panose="02030504000101010101" pitchFamily="18" charset="-127"/>
-                        </a:rPr>
-                        <a:t>플레이어와 </a:t>
-                      </a:r>
-                      <a:r>
-                        <a:rPr lang="en-US" altLang="ko-KR" sz="1200" dirty="0" smtClean="0">
-                          <a:latin typeface="-윤고딕310" panose="02030504000101010101" pitchFamily="18" charset="-127"/>
-                          <a:ea typeface="-윤고딕310" panose="02030504000101010101" pitchFamily="18" charset="-127"/>
-                        </a:rPr>
-                        <a:t>NPC, NPC </a:t>
-                      </a:r>
-                      <a:r>
-                        <a:rPr lang="ko-KR" altLang="en-US" sz="1200" dirty="0" smtClean="0">
-                          <a:latin typeface="-윤고딕310" panose="02030504000101010101" pitchFamily="18" charset="-127"/>
-                          <a:ea typeface="-윤고딕310" panose="02030504000101010101" pitchFamily="18" charset="-127"/>
-                        </a:rPr>
-                        <a:t>와 </a:t>
-                      </a:r>
-                      <a:r>
-                        <a:rPr lang="en-US" altLang="ko-KR" sz="1200" dirty="0" smtClean="0">
-                          <a:latin typeface="-윤고딕310" panose="02030504000101010101" pitchFamily="18" charset="-127"/>
-                          <a:ea typeface="-윤고딕310" panose="02030504000101010101" pitchFamily="18" charset="-127"/>
-                        </a:rPr>
-                        <a:t>NPC </a:t>
-                      </a:r>
-                      <a:r>
-                        <a:rPr lang="ko-KR" altLang="en-US" sz="1200" dirty="0" smtClean="0">
-                          <a:latin typeface="-윤고딕310" panose="02030504000101010101" pitchFamily="18" charset="-127"/>
-                          <a:ea typeface="-윤고딕310" panose="02030504000101010101" pitchFamily="18" charset="-127"/>
-                        </a:rPr>
-                        <a:t>등등 객체들끼리의 상호 작용을</a:t>
-                      </a:r>
-                      <a:r>
-                        <a:rPr lang="ko-KR" altLang="en-US" sz="1200" baseline="0" dirty="0" smtClean="0">
-                          <a:latin typeface="-윤고딕310" panose="02030504000101010101" pitchFamily="18" charset="-127"/>
-                          <a:ea typeface="-윤고딕310" panose="02030504000101010101" pitchFamily="18" charset="-127"/>
-                        </a:rPr>
-                        <a:t> 구현한다</a:t>
-                      </a:r>
-                      <a:r>
-                        <a:rPr lang="en-US" altLang="ko-KR" sz="1200" baseline="0" dirty="0" smtClean="0">
-                          <a:latin typeface="-윤고딕310" panose="02030504000101010101" pitchFamily="18" charset="-127"/>
-                          <a:ea typeface="-윤고딕310" panose="02030504000101010101" pitchFamily="18" charset="-127"/>
-                        </a:rPr>
-                        <a:t>.</a:t>
-                      </a:r>
-                    </a:p>
-                    <a:p>
-                      <a:pPr marL="171450" indent="-171450" latinLnBrk="1">
-                        <a:buFont typeface="Arial" panose="020B0604020202020204" pitchFamily="34" charset="0"/>
-                        <a:buChar char="•"/>
-                      </a:pPr>
-                      <a:endParaRPr lang="ko-KR" altLang="en-US" sz="1200" dirty="0">
-                        <a:latin typeface="-윤고딕310" panose="02030504000101010101" pitchFamily="18" charset="-127"/>
-                        <a:ea typeface="-윤고딕310" panose="02030504000101010101" pitchFamily="18" charset="-127"/>
-                      </a:endParaRPr>
-                    </a:p>
-                  </a:txBody>
-                  <a:tcPr marL="111605" marR="111605" marT="55802" marB="55802">
-                    <a:solidFill>
-                      <a:srgbClr val="FFF0E8"/>
-                    </a:solidFill>
-                  </a:tcPr>
-                </a:tc>
-              </a:tr>
-            </a:tbl>
-          </a:graphicData>
-        </a:graphic>
-      </p:graphicFrame>
-      <p:sp>
-        <p:nvSpPr>
-          <p:cNvPr id="4" name="날짜 개체 틀 3"/>
-          <p:cNvSpPr>
-            <a:spLocks noGrp="1"/>
-          </p:cNvSpPr>
-          <p:nvPr>
-            <p:ph type="dt" sz="half" idx="10"/>
-          </p:nvPr>
-        </p:nvSpPr>
-        <p:spPr>
-          <a:xfrm>
-            <a:off x="6452730" y="5877272"/>
-            <a:ext cx="1213821" cy="365125"/>
-          </a:xfrm>
-        </p:spPr>
-        <p:txBody>
-          <a:bodyPr/>
-          <a:lstStyle/>
-          <a:p>
-            <a:fld id="{E63BED42-B56B-487C-A576-F8E55AE26EFB}" type="datetime1">
-              <a:rPr lang="ko-KR" altLang="en-US" smtClean="0"/>
-              <a:t>2017-10-19</a:t>
-            </a:fld>
-            <a:endParaRPr lang="ko-KR" altLang="en-US"/>
-          </a:p>
-        </p:txBody>
-      </p:sp>
-      <p:sp>
-        <p:nvSpPr>
-          <p:cNvPr id="5" name="슬라이드 번호 개체 틀 4"/>
-          <p:cNvSpPr>
-            <a:spLocks noGrp="1"/>
-          </p:cNvSpPr>
-          <p:nvPr>
-            <p:ph type="sldNum" sz="quarter" idx="12"/>
-          </p:nvPr>
-        </p:nvSpPr>
-        <p:spPr>
-          <a:xfrm>
-            <a:off x="7668344" y="5877272"/>
-            <a:ext cx="554023" cy="365125"/>
-          </a:xfrm>
-        </p:spPr>
-        <p:txBody>
-          <a:bodyPr/>
-          <a:lstStyle/>
-          <a:p>
-            <a:fld id="{8ED71C24-08E4-4AF3-BCF3-1A22B934883E}" type="slidenum">
-              <a:rPr lang="ko-KR" altLang="en-US" smtClean="0"/>
-              <a:t>11</a:t>
-            </a:fld>
-            <a:endParaRPr lang="ko-KR" altLang="en-US"/>
-          </a:p>
-        </p:txBody>
-      </p:sp>
-      <p:sp>
-        <p:nvSpPr>
-          <p:cNvPr id="6" name="바닥글 개체 틀 5"/>
-          <p:cNvSpPr>
-            <a:spLocks noGrp="1"/>
-          </p:cNvSpPr>
-          <p:nvPr>
-            <p:ph type="ftr" sz="quarter" idx="11"/>
-          </p:nvPr>
-        </p:nvSpPr>
-        <p:spPr>
-          <a:xfrm>
-            <a:off x="912543" y="5877272"/>
-            <a:ext cx="5540188" cy="365125"/>
-          </a:xfrm>
-        </p:spPr>
-        <p:txBody>
-          <a:bodyPr/>
-          <a:lstStyle/>
-          <a:p>
-            <a:r>
-              <a:rPr lang="en-US" altLang="ko-KR" dirty="0" smtClean="0">
-                <a:solidFill>
-                  <a:srgbClr val="C00000"/>
-                </a:solidFill>
-                <a:latin typeface="-윤고딕310" panose="02030504000101010101" pitchFamily="18" charset="-127"/>
-                <a:ea typeface="-윤고딕310" panose="02030504000101010101" pitchFamily="18" charset="-127"/>
-              </a:rPr>
-              <a:t>2D </a:t>
-            </a:r>
-            <a:r>
-              <a:rPr lang="ko-KR" altLang="en-US" dirty="0" smtClean="0">
-                <a:solidFill>
-                  <a:srgbClr val="C00000"/>
-                </a:solidFill>
-                <a:latin typeface="-윤고딕310" panose="02030504000101010101" pitchFamily="18" charset="-127"/>
-                <a:ea typeface="-윤고딕310" panose="02030504000101010101" pitchFamily="18" charset="-127"/>
-              </a:rPr>
-              <a:t>게임 프로그래밍</a:t>
-            </a:r>
-            <a:endParaRPr lang="ko-KR" altLang="en-US" dirty="0">
-              <a:solidFill>
-                <a:srgbClr val="C00000"/>
-              </a:solidFill>
-              <a:latin typeface="-윤고딕310" panose="02030504000101010101" pitchFamily="18" charset="-127"/>
-              <a:ea typeface="-윤고딕310" panose="02030504000101010101" pitchFamily="18" charset="-127"/>
-            </a:endParaRPr>
-          </a:p>
-        </p:txBody>
-      </p:sp>
-    </p:spTree>
-    <p:extLst>
-      <p:ext uri="{BB962C8B-B14F-4D97-AF65-F5344CB8AC3E}">
-        <p14:creationId xmlns:p14="http://schemas.microsoft.com/office/powerpoint/2010/main" val="362600760"/>
-      </p:ext>
-    </p:extLst>
-  </p:cSld>
-  <p:clrMapOvr>
-    <a:masterClrMapping/>
-  </p:clrMapOvr>
-  <p:timing>
-    <p:tnLst>
-      <p:par>
-        <p:cTn id="1" dur="indefinite" restart="never" nodeType="tmRoot"/>
-      </p:par>
-    </p:tnLst>
-  </p:timing>
-</p:sld>
-</file>
-
-<file path=ppt/slides/slide12.xml><?xml version="1.0" encoding="utf-8"?>
-<p:sld xmlns:a="http://schemas.openxmlformats.org/drawingml/2006/main" xmlns:r="http://schemas.openxmlformats.org/officeDocument/2006/relationships" xmlns:p="http://schemas.openxmlformats.org/presentationml/2006/main">
-  <p:cSld>
-    <p:spTree>
-      <p:nvGrpSpPr>
-        <p:cNvPr id="1" name=""/>
-        <p:cNvGrpSpPr/>
-        <p:nvPr/>
-      </p:nvGrpSpPr>
-      <p:grpSpPr>
-        <a:xfrm>
-          <a:off x="0" y="0"/>
-          <a:ext cx="0" cy="0"/>
-          <a:chOff x="0" y="0"/>
-          <a:chExt cx="0" cy="0"/>
-        </a:xfrm>
-      </p:grpSpPr>
-      <p:sp>
-        <p:nvSpPr>
-          <p:cNvPr id="2" name="제목 1"/>
-          <p:cNvSpPr>
-            <a:spLocks noGrp="1"/>
-          </p:cNvSpPr>
-          <p:nvPr>
-            <p:ph type="title"/>
-          </p:nvPr>
-        </p:nvSpPr>
-        <p:spPr>
-          <a:xfrm>
-            <a:off x="1115616" y="980728"/>
-            <a:ext cx="6965245" cy="1202485"/>
-          </a:xfrm>
-        </p:spPr>
-        <p:txBody>
-          <a:bodyPr anchor="t"/>
-          <a:lstStyle/>
-          <a:p>
-            <a:r>
-              <a:rPr lang="ko-KR" altLang="en-US" dirty="0" smtClean="0">
-                <a:latin typeface="-윤고딕320" panose="02030504000101010101" pitchFamily="18" charset="-127"/>
-                <a:ea typeface="-윤고딕320" panose="02030504000101010101" pitchFamily="18" charset="-127"/>
-              </a:rPr>
-              <a:t>개발 일정 </a:t>
-            </a:r>
-            <a:r>
-              <a:rPr lang="en-US" altLang="ko-KR" dirty="0" smtClean="0">
-                <a:latin typeface="-윤고딕320" panose="02030504000101010101" pitchFamily="18" charset="-127"/>
-                <a:ea typeface="-윤고딕320" panose="02030504000101010101" pitchFamily="18" charset="-127"/>
-              </a:rPr>
-              <a:t>(2)</a:t>
-            </a:r>
-            <a:endParaRPr lang="ko-KR" altLang="en-US" dirty="0">
-              <a:latin typeface="-윤고딕320" panose="02030504000101010101" pitchFamily="18" charset="-127"/>
-              <a:ea typeface="-윤고딕320" panose="02030504000101010101" pitchFamily="18" charset="-127"/>
-            </a:endParaRPr>
-          </a:p>
-        </p:txBody>
-      </p:sp>
-      <p:graphicFrame>
-        <p:nvGraphicFramePr>
-          <p:cNvPr id="7" name="내용 개체 틀 6"/>
-          <p:cNvGraphicFramePr>
-            <a:graphicFrameLocks noGrp="1"/>
-          </p:cNvGraphicFramePr>
-          <p:nvPr>
-            <p:ph idx="1"/>
-            <p:extLst>
-              <p:ext uri="{D42A27DB-BD31-4B8C-83A1-F6EECF244321}">
-                <p14:modId xmlns:p14="http://schemas.microsoft.com/office/powerpoint/2010/main" val="2089294043"/>
+                <p14:modId xmlns:p14="http://schemas.microsoft.com/office/powerpoint/2010/main" val="378201967"/>
               </p:ext>
             </p:extLst>
           </p:nvPr>
@@ -11210,7 +10847,10 @@
                     <a:bodyPr/>
                     <a:lstStyle/>
                     <a:p>
-                      <a:pPr latinLnBrk="1"/>
+                      <a:pPr marL="171450" indent="-171450" latinLnBrk="1">
+                        <a:buFont typeface="Arial" panose="020B0604020202020204" pitchFamily="34" charset="0"/>
+                        <a:buChar char="•"/>
+                      </a:pPr>
                       <a:r>
                         <a:rPr lang="ko-KR" altLang="en-US" sz="1200" dirty="0" smtClean="0">
                           <a:latin typeface="-윤고딕310" panose="02030504000101010101" pitchFamily="18" charset="-127"/>
@@ -11281,7 +10921,7 @@
           <a:p>
             <a:fld id="{8ED71C24-08E4-4AF3-BCF3-1A22B934883E}" type="slidenum">
               <a:rPr lang="ko-KR" altLang="en-US" smtClean="0"/>
-              <a:t>12</a:t>
+              <a:t>11</a:t>
             </a:fld>
             <a:endParaRPr lang="ko-KR" altLang="en-US"/>
           </a:p>
@@ -11341,6 +10981,268 @@
     <p:extLst>
       <p:ext uri="{BB962C8B-B14F-4D97-AF65-F5344CB8AC3E}">
         <p14:creationId xmlns:p14="http://schemas.microsoft.com/office/powerpoint/2010/main" val="4146251140"/>
+      </p:ext>
+    </p:extLst>
+  </p:cSld>
+  <p:clrMapOvr>
+    <a:masterClrMapping/>
+  </p:clrMapOvr>
+  <p:timing>
+    <p:tnLst>
+      <p:par>
+        <p:cTn id="1" dur="indefinite" restart="never" nodeType="tmRoot"/>
+      </p:par>
+    </p:tnLst>
+  </p:timing>
+</p:sld>
+</file>
+
+<file path=ppt/slides/slide12.xml><?xml version="1.0" encoding="utf-8"?>
+<p:sld xmlns:a="http://schemas.openxmlformats.org/drawingml/2006/main" xmlns:r="http://schemas.openxmlformats.org/officeDocument/2006/relationships" xmlns:p="http://schemas.openxmlformats.org/presentationml/2006/main">
+  <p:cSld>
+    <p:spTree>
+      <p:nvGrpSpPr>
+        <p:cNvPr id="1" name=""/>
+        <p:cNvGrpSpPr/>
+        <p:nvPr/>
+      </p:nvGrpSpPr>
+      <p:grpSpPr>
+        <a:xfrm>
+          <a:off x="0" y="0"/>
+          <a:ext cx="0" cy="0"/>
+          <a:chOff x="0" y="0"/>
+          <a:chExt cx="0" cy="0"/>
+        </a:xfrm>
+      </p:grpSpPr>
+      <p:sp>
+        <p:nvSpPr>
+          <p:cNvPr id="2" name="제목 1"/>
+          <p:cNvSpPr>
+            <a:spLocks noGrp="1"/>
+          </p:cNvSpPr>
+          <p:nvPr>
+            <p:ph type="title"/>
+          </p:nvPr>
+        </p:nvSpPr>
+        <p:spPr/>
+        <p:txBody>
+          <a:bodyPr/>
+          <a:lstStyle/>
+          <a:p>
+            <a:r>
+              <a:rPr lang="ko-KR" altLang="en-US" dirty="0" smtClean="0">
+                <a:latin typeface="-윤고딕320" panose="02030504000101010101" pitchFamily="18" charset="-127"/>
+                <a:ea typeface="-윤고딕320" panose="02030504000101010101" pitchFamily="18" charset="-127"/>
+              </a:rPr>
+              <a:t>자료 출처</a:t>
+            </a:r>
+            <a:endParaRPr lang="ko-KR" altLang="en-US" dirty="0">
+              <a:latin typeface="-윤고딕320" panose="02030504000101010101" pitchFamily="18" charset="-127"/>
+              <a:ea typeface="-윤고딕320" panose="02030504000101010101" pitchFamily="18" charset="-127"/>
+            </a:endParaRPr>
+          </a:p>
+        </p:txBody>
+      </p:sp>
+      <p:sp>
+        <p:nvSpPr>
+          <p:cNvPr id="3" name="내용 개체 틀 2"/>
+          <p:cNvSpPr>
+            <a:spLocks noGrp="1"/>
+          </p:cNvSpPr>
+          <p:nvPr>
+            <p:ph idx="1"/>
+          </p:nvPr>
+        </p:nvSpPr>
+        <p:spPr/>
+        <p:txBody>
+          <a:bodyPr>
+            <a:normAutofit/>
+          </a:bodyPr>
+          <a:lstStyle/>
+          <a:p>
+            <a:r>
+              <a:rPr lang="ko-KR" altLang="en-US" sz="2100" dirty="0" smtClean="0">
+                <a:latin typeface="-윤고딕310" panose="02030504000101010101" pitchFamily="18" charset="-127"/>
+                <a:ea typeface="-윤고딕310" panose="02030504000101010101" pitchFamily="18" charset="-127"/>
+              </a:rPr>
+              <a:t>동굴 이야기</a:t>
+            </a:r>
+            <a:r>
+              <a:rPr lang="en-US" altLang="ko-KR" sz="2100" dirty="0">
+                <a:latin typeface="-윤고딕310" panose="02030504000101010101" pitchFamily="18" charset="-127"/>
+                <a:ea typeface="-윤고딕310" panose="02030504000101010101" pitchFamily="18" charset="-127"/>
+              </a:rPr>
+              <a:t>:</a:t>
+            </a:r>
+            <a:br>
+              <a:rPr lang="en-US" altLang="ko-KR" sz="2100" dirty="0">
+                <a:latin typeface="-윤고딕310" panose="02030504000101010101" pitchFamily="18" charset="-127"/>
+                <a:ea typeface="-윤고딕310" panose="02030504000101010101" pitchFamily="18" charset="-127"/>
+              </a:rPr>
+            </a:br>
+            <a:r>
+              <a:rPr lang="en-US" altLang="ko-KR" sz="2100" dirty="0">
+                <a:latin typeface="-윤고딕310" panose="02030504000101010101" pitchFamily="18" charset="-127"/>
+                <a:ea typeface="-윤고딕310" panose="02030504000101010101" pitchFamily="18" charset="-127"/>
+                <a:hlinkClick r:id="rId2"/>
+              </a:rPr>
+              <a:t>http://team-sm.tistory.com/category/?page=2</a:t>
+            </a:r>
+            <a:r>
+              <a:rPr lang="en-US" altLang="ko-KR" sz="2100" dirty="0">
+                <a:latin typeface="-윤고딕310" panose="02030504000101010101" pitchFamily="18" charset="-127"/>
+                <a:ea typeface="-윤고딕310" panose="02030504000101010101" pitchFamily="18" charset="-127"/>
+              </a:rPr>
+              <a:t/>
+            </a:r>
+            <a:br>
+              <a:rPr lang="en-US" altLang="ko-KR" sz="2100" dirty="0">
+                <a:latin typeface="-윤고딕310" panose="02030504000101010101" pitchFamily="18" charset="-127"/>
+                <a:ea typeface="-윤고딕310" panose="02030504000101010101" pitchFamily="18" charset="-127"/>
+              </a:rPr>
+            </a:br>
+            <a:r>
+              <a:rPr lang="en-US" altLang="ko-KR" sz="2100" dirty="0" smtClean="0">
+                <a:latin typeface="-윤고딕310" panose="02030504000101010101" pitchFamily="18" charset="-127"/>
+                <a:ea typeface="-윤고딕310" panose="02030504000101010101" pitchFamily="18" charset="-127"/>
+                <a:hlinkClick r:id="rId3"/>
+              </a:rPr>
+              <a:t>https</a:t>
+            </a:r>
+            <a:r>
+              <a:rPr lang="en-US" altLang="ko-KR" sz="2100" dirty="0">
+                <a:latin typeface="-윤고딕310" panose="02030504000101010101" pitchFamily="18" charset="-127"/>
+                <a:ea typeface="-윤고딕310" panose="02030504000101010101" pitchFamily="18" charset="-127"/>
+                <a:hlinkClick r:id="rId3"/>
+              </a:rPr>
+              <a:t>://</a:t>
+            </a:r>
+            <a:r>
+              <a:rPr lang="en-US" altLang="ko-KR" sz="2100" dirty="0" smtClean="0">
+                <a:latin typeface="-윤고딕310" panose="02030504000101010101" pitchFamily="18" charset="-127"/>
+                <a:ea typeface="-윤고딕310" panose="02030504000101010101" pitchFamily="18" charset="-127"/>
+                <a:hlinkClick r:id="rId3"/>
+              </a:rPr>
+              <a:t>www31.atwiki.jp/cavestory006/pages/77.html</a:t>
+            </a:r>
+            <a:endParaRPr lang="en-US" altLang="ko-KR" sz="2100" dirty="0" smtClean="0">
+              <a:latin typeface="-윤고딕310" panose="02030504000101010101" pitchFamily="18" charset="-127"/>
+              <a:ea typeface="-윤고딕310" panose="02030504000101010101" pitchFamily="18" charset="-127"/>
+            </a:endParaRPr>
+          </a:p>
+          <a:p>
+            <a:endParaRPr lang="en-US" altLang="ko-KR" sz="2100" dirty="0" smtClean="0">
+              <a:latin typeface="-윤고딕310" panose="02030504000101010101" pitchFamily="18" charset="-127"/>
+              <a:ea typeface="-윤고딕310" panose="02030504000101010101" pitchFamily="18" charset="-127"/>
+            </a:endParaRPr>
+          </a:p>
+          <a:p>
+            <a:r>
+              <a:rPr lang="ko-KR" altLang="en-US" sz="2100" dirty="0" smtClean="0">
+                <a:latin typeface="-윤고딕310" panose="02030504000101010101" pitchFamily="18" charset="-127"/>
+                <a:ea typeface="-윤고딕310" panose="02030504000101010101" pitchFamily="18" charset="-127"/>
+              </a:rPr>
+              <a:t>스펠런키</a:t>
+            </a:r>
+            <a:r>
+              <a:rPr lang="en-US" altLang="ko-KR" sz="2100" dirty="0">
+                <a:latin typeface="-윤고딕310" panose="02030504000101010101" pitchFamily="18" charset="-127"/>
+                <a:ea typeface="-윤고딕310" panose="02030504000101010101" pitchFamily="18" charset="-127"/>
+              </a:rPr>
+              <a:t>: </a:t>
+            </a:r>
+            <a:r>
+              <a:rPr lang="en-US" altLang="ko-KR" sz="2100" dirty="0">
+                <a:latin typeface="-윤고딕310" panose="02030504000101010101" pitchFamily="18" charset="-127"/>
+                <a:ea typeface="-윤고딕310" panose="02030504000101010101" pitchFamily="18" charset="-127"/>
+                <a:hlinkClick r:id="rId4"/>
+              </a:rPr>
+              <a:t>http://www.mobygames.com/game/windows/spelunky/screenshots/gameShotId,401827/</a:t>
+            </a:r>
+            <a:endParaRPr lang="ko-KR" altLang="en-US" sz="2100" dirty="0">
+              <a:latin typeface="-윤고딕310" panose="02030504000101010101" pitchFamily="18" charset="-127"/>
+              <a:ea typeface="-윤고딕310" panose="02030504000101010101" pitchFamily="18" charset="-127"/>
+            </a:endParaRPr>
+          </a:p>
+        </p:txBody>
+      </p:sp>
+      <p:sp>
+        <p:nvSpPr>
+          <p:cNvPr id="4" name="날짜 개체 틀 3"/>
+          <p:cNvSpPr>
+            <a:spLocks noGrp="1"/>
+          </p:cNvSpPr>
+          <p:nvPr>
+            <p:ph type="dt" sz="half" idx="10"/>
+          </p:nvPr>
+        </p:nvSpPr>
+        <p:spPr/>
+        <p:txBody>
+          <a:bodyPr/>
+          <a:lstStyle/>
+          <a:p>
+            <a:fld id="{8998F1EC-F01B-4CCC-A0E8-CD7012E5E6C0}" type="datetime1">
+              <a:rPr lang="ko-KR" altLang="en-US" smtClean="0"/>
+              <a:t>2017-10-19</a:t>
+            </a:fld>
+            <a:endParaRPr lang="ko-KR" altLang="en-US" dirty="0"/>
+          </a:p>
+        </p:txBody>
+      </p:sp>
+      <p:sp>
+        <p:nvSpPr>
+          <p:cNvPr id="5" name="바닥글 개체 틀 4"/>
+          <p:cNvSpPr>
+            <a:spLocks noGrp="1"/>
+          </p:cNvSpPr>
+          <p:nvPr>
+            <p:ph type="ftr" sz="quarter" idx="11"/>
+          </p:nvPr>
+        </p:nvSpPr>
+        <p:spPr/>
+        <p:txBody>
+          <a:bodyPr/>
+          <a:lstStyle/>
+          <a:p>
+            <a:r>
+              <a:rPr lang="en-US" altLang="ko-KR" smtClean="0"/>
+              <a:t>2D </a:t>
+            </a:r>
+            <a:r>
+              <a:rPr lang="ko-KR" altLang="en-US" smtClean="0"/>
+              <a:t>게임 프로그래밍</a:t>
+            </a:r>
+            <a:endParaRPr lang="ko-KR" altLang="en-US"/>
+          </a:p>
+        </p:txBody>
+      </p:sp>
+      <p:sp>
+        <p:nvSpPr>
+          <p:cNvPr id="6" name="슬라이드 번호 개체 틀 5"/>
+          <p:cNvSpPr>
+            <a:spLocks noGrp="1"/>
+          </p:cNvSpPr>
+          <p:nvPr>
+            <p:ph type="sldNum" sz="quarter" idx="12"/>
+          </p:nvPr>
+        </p:nvSpPr>
+        <p:spPr/>
+        <p:txBody>
+          <a:bodyPr/>
+          <a:lstStyle/>
+          <a:p>
+            <a:fld id="{8ED71C24-08E4-4AF3-BCF3-1A22B934883E}" type="slidenum">
+              <a:rPr lang="ko-KR" altLang="en-US" smtClean="0"/>
+              <a:t>12</a:t>
+            </a:fld>
+            <a:endParaRPr lang="ko-KR" altLang="en-US"/>
+          </a:p>
+        </p:txBody>
+      </p:sp>
+    </p:spTree>
+    <p:extLst>
+      <p:ext uri="{BB962C8B-B14F-4D97-AF65-F5344CB8AC3E}">
+        <p14:creationId xmlns:p14="http://schemas.microsoft.com/office/powerpoint/2010/main" val="1392379696"/>
       </p:ext>
     </p:extLst>
   </p:cSld>
@@ -11381,36 +11283,7 @@
             <a:spLocks noGrp="1"/>
           </p:cNvSpPr>
           <p:nvPr>
-            <p:ph type="title"/>
-          </p:nvPr>
-        </p:nvSpPr>
-        <p:spPr/>
-        <p:txBody>
-          <a:bodyPr/>
-          <a:lstStyle/>
-          <a:p>
-            <a:r>
-              <a:rPr lang="ko-KR" altLang="en-US" dirty="0" smtClean="0">
-                <a:latin typeface="-윤고딕320" panose="02030504000101010101" pitchFamily="18" charset="-127"/>
-                <a:ea typeface="-윤고딕320" panose="02030504000101010101" pitchFamily="18" charset="-127"/>
-              </a:rPr>
-              <a:t>자료 출처</a:t>
-            </a:r>
-            <a:endParaRPr lang="ko-KR" altLang="en-US" dirty="0">
-              <a:latin typeface="-윤고딕320" panose="02030504000101010101" pitchFamily="18" charset="-127"/>
-              <a:ea typeface="-윤고딕320" panose="02030504000101010101" pitchFamily="18" charset="-127"/>
-            </a:endParaRPr>
-          </a:p>
-        </p:txBody>
-      </p:sp>
-      <p:sp>
-        <p:nvSpPr>
-          <p:cNvPr id="3" name="내용 개체 틀 2"/>
-          <p:cNvSpPr>
-            <a:spLocks noGrp="1"/>
-          </p:cNvSpPr>
-          <p:nvPr>
-            <p:ph idx="1"/>
+            <p:ph type="ctrTitle"/>
           </p:nvPr>
         </p:nvSpPr>
         <p:spPr/>
@@ -11421,119 +11294,34 @@
           <a:lstStyle/>
           <a:p>
             <a:r>
-              <a:rPr lang="ko-KR" altLang="en-US" sz="2100" dirty="0" smtClean="0">
-                <a:latin typeface="-윤고딕310" panose="02030504000101010101" pitchFamily="18" charset="-127"/>
-                <a:ea typeface="-윤고딕310" panose="02030504000101010101" pitchFamily="18" charset="-127"/>
+              <a:rPr lang="ko-KR" altLang="en-US" sz="4000" dirty="0" smtClean="0">
+                <a:latin typeface="-윤고딕330" panose="02030504000101010101" pitchFamily="18" charset="-127"/>
+                <a:ea typeface="-윤고딕330" panose="02030504000101010101" pitchFamily="18" charset="-127"/>
               </a:rPr>
-              <a:t>동굴 이야기</a:t>
-            </a:r>
-            <a:r>
-              <a:rPr lang="en-US" altLang="ko-KR" sz="2100" dirty="0">
-                <a:latin typeface="-윤고딕310" panose="02030504000101010101" pitchFamily="18" charset="-127"/>
-                <a:ea typeface="-윤고딕310" panose="02030504000101010101" pitchFamily="18" charset="-127"/>
+              <a:t>봐주셔서 감사합니다</a:t>
+            </a:r>
+            <a:r>
+              <a:rPr lang="en-US" altLang="ko-KR" sz="4000" dirty="0" smtClean="0">
+                <a:latin typeface="-윤고딕330" panose="02030504000101010101" pitchFamily="18" charset="-127"/>
+                <a:ea typeface="-윤고딕330" panose="02030504000101010101" pitchFamily="18" charset="-127"/>
               </a:rPr>
-              <a:t>:</a:t>
-            </a:r>
-            <a:br>
-              <a:rPr lang="en-US" altLang="ko-KR" sz="2100" dirty="0">
-                <a:latin typeface="-윤고딕310" panose="02030504000101010101" pitchFamily="18" charset="-127"/>
-                <a:ea typeface="-윤고딕310" panose="02030504000101010101" pitchFamily="18" charset="-127"/>
-              </a:rPr>
-            </a:br>
-            <a:r>
-              <a:rPr lang="en-US" altLang="ko-KR" sz="2100" dirty="0">
-                <a:latin typeface="-윤고딕310" panose="02030504000101010101" pitchFamily="18" charset="-127"/>
-                <a:ea typeface="-윤고딕310" panose="02030504000101010101" pitchFamily="18" charset="-127"/>
-                <a:hlinkClick r:id="rId2"/>
-              </a:rPr>
-              <a:t>http://team-sm.tistory.com/category/?page=2</a:t>
-            </a:r>
-            <a:r>
-              <a:rPr lang="en-US" altLang="ko-KR" sz="2100" dirty="0">
-                <a:latin typeface="-윤고딕310" panose="02030504000101010101" pitchFamily="18" charset="-127"/>
-                <a:ea typeface="-윤고딕310" panose="02030504000101010101" pitchFamily="18" charset="-127"/>
-              </a:rPr>
-              <a:t/>
-            </a:r>
-            <a:br>
-              <a:rPr lang="en-US" altLang="ko-KR" sz="2100" dirty="0">
-                <a:latin typeface="-윤고딕310" panose="02030504000101010101" pitchFamily="18" charset="-127"/>
-                <a:ea typeface="-윤고딕310" panose="02030504000101010101" pitchFamily="18" charset="-127"/>
-              </a:rPr>
-            </a:br>
-            <a:r>
-              <a:rPr lang="en-US" altLang="ko-KR" sz="2100" dirty="0" smtClean="0">
-                <a:latin typeface="-윤고딕310" panose="02030504000101010101" pitchFamily="18" charset="-127"/>
-                <a:ea typeface="-윤고딕310" panose="02030504000101010101" pitchFamily="18" charset="-127"/>
-                <a:hlinkClick r:id="rId3"/>
-              </a:rPr>
-              <a:t>https</a:t>
-            </a:r>
-            <a:r>
-              <a:rPr lang="en-US" altLang="ko-KR" sz="2100" dirty="0">
-                <a:latin typeface="-윤고딕310" panose="02030504000101010101" pitchFamily="18" charset="-127"/>
-                <a:ea typeface="-윤고딕310" panose="02030504000101010101" pitchFamily="18" charset="-127"/>
-                <a:hlinkClick r:id="rId3"/>
-              </a:rPr>
-              <a:t>://</a:t>
-            </a:r>
-            <a:r>
-              <a:rPr lang="en-US" altLang="ko-KR" sz="2100" dirty="0" smtClean="0">
-                <a:latin typeface="-윤고딕310" panose="02030504000101010101" pitchFamily="18" charset="-127"/>
-                <a:ea typeface="-윤고딕310" panose="02030504000101010101" pitchFamily="18" charset="-127"/>
-                <a:hlinkClick r:id="rId3"/>
-              </a:rPr>
-              <a:t>www31.atwiki.jp/cavestory006/pages/77.html</a:t>
-            </a:r>
-            <a:endParaRPr lang="en-US" altLang="ko-KR" sz="2100" dirty="0" smtClean="0">
-              <a:latin typeface="-윤고딕310" panose="02030504000101010101" pitchFamily="18" charset="-127"/>
-              <a:ea typeface="-윤고딕310" panose="02030504000101010101" pitchFamily="18" charset="-127"/>
-            </a:endParaRPr>
-          </a:p>
-          <a:p>
-            <a:endParaRPr lang="en-US" altLang="ko-KR" sz="2100" dirty="0" smtClean="0">
-              <a:latin typeface="-윤고딕310" panose="02030504000101010101" pitchFamily="18" charset="-127"/>
-              <a:ea typeface="-윤고딕310" panose="02030504000101010101" pitchFamily="18" charset="-127"/>
-            </a:endParaRPr>
-          </a:p>
-          <a:p>
-            <a:r>
-              <a:rPr lang="ko-KR" altLang="en-US" sz="2100" dirty="0" smtClean="0">
-                <a:latin typeface="-윤고딕310" panose="02030504000101010101" pitchFamily="18" charset="-127"/>
-                <a:ea typeface="-윤고딕310" panose="02030504000101010101" pitchFamily="18" charset="-127"/>
-              </a:rPr>
-              <a:t>스펠런키</a:t>
-            </a:r>
-            <a:r>
-              <a:rPr lang="en-US" altLang="ko-KR" sz="2100" dirty="0">
-                <a:latin typeface="-윤고딕310" panose="02030504000101010101" pitchFamily="18" charset="-127"/>
-                <a:ea typeface="-윤고딕310" panose="02030504000101010101" pitchFamily="18" charset="-127"/>
-              </a:rPr>
-              <a:t>: </a:t>
-            </a:r>
-            <a:r>
-              <a:rPr lang="en-US" altLang="ko-KR" sz="2100" dirty="0">
-                <a:latin typeface="-윤고딕310" panose="02030504000101010101" pitchFamily="18" charset="-127"/>
-                <a:ea typeface="-윤고딕310" panose="02030504000101010101" pitchFamily="18" charset="-127"/>
-                <a:hlinkClick r:id="rId4"/>
-              </a:rPr>
-              <a:t>http://www.mobygames.com/game/windows/spelunky/screenshots/gameShotId,401827/</a:t>
-            </a:r>
-            <a:endParaRPr lang="ko-KR" altLang="en-US" sz="2100" dirty="0">
-              <a:latin typeface="-윤고딕310" panose="02030504000101010101" pitchFamily="18" charset="-127"/>
-              <a:ea typeface="-윤고딕310" panose="02030504000101010101" pitchFamily="18" charset="-127"/>
+              <a:t>.</a:t>
+            </a:r>
+            <a:endParaRPr lang="ko-KR" altLang="en-US" sz="4000" dirty="0">
+              <a:latin typeface="-윤고딕330" panose="02030504000101010101" pitchFamily="18" charset="-127"/>
+              <a:ea typeface="-윤고딕330" panose="02030504000101010101" pitchFamily="18" charset="-127"/>
             </a:endParaRPr>
           </a:p>
         </p:txBody>
       </p:sp>
       <p:sp>
         <p:nvSpPr>
-          <p:cNvPr id="4" name="날짜 개체 틀 3"/>
+          <p:cNvPr id="3" name="부제목 2"/>
           <p:cNvSpPr>
             <a:spLocks noGrp="1"/>
           </p:cNvSpPr>
           <p:nvPr>
-            <p:ph type="dt" sz="half" idx="10"/>
+            <p:ph type="subTitle" idx="1"/>
           </p:nvPr>
         </p:nvSpPr>
         <p:spPr/>
@@ -11541,60 +11329,6 @@
           <a:bodyPr/>
           <a:lstStyle/>
           <a:p>
-            <a:fld id="{8998F1EC-F01B-4CCC-A0E8-CD7012E5E6C0}" type="datetime1">
-              <a:rPr lang="ko-KR" altLang="en-US" smtClean="0"/>
-              <a:t>2017-10-19</a:t>
-            </a:fld>
-            <a:endParaRPr lang="ko-KR" altLang="en-US" dirty="0"/>
-          </a:p>
-        </p:txBody>
-      </p:sp>
-      <p:sp>
-        <p:nvSpPr>
-          <p:cNvPr id="5" name="바닥글 개체 틀 4"/>
-          <p:cNvSpPr>
-            <a:spLocks noGrp="1"/>
-          </p:cNvSpPr>
-          <p:nvPr>
-            <p:ph type="ftr" sz="quarter" idx="11"/>
-          </p:nvPr>
-        </p:nvSpPr>
-        <p:spPr/>
-        <p:txBody>
-          <a:bodyPr/>
-          <a:lstStyle/>
-          <a:p>
-            <a:r>
-              <a:rPr lang="en-US" altLang="ko-KR" smtClean="0"/>
-              <a:t>2D </a:t>
-            </a:r>
-            <a:r>
-              <a:rPr lang="ko-KR" altLang="en-US" smtClean="0"/>
-              <a:t>게임 프로그래밍</a:t>
-            </a:r>
-            <a:endParaRPr lang="ko-KR" altLang="en-US"/>
-          </a:p>
-        </p:txBody>
-      </p:sp>
-      <p:sp>
-        <p:nvSpPr>
-          <p:cNvPr id="6" name="슬라이드 번호 개체 틀 5"/>
-          <p:cNvSpPr>
-            <a:spLocks noGrp="1"/>
-          </p:cNvSpPr>
-          <p:nvPr>
-            <p:ph type="sldNum" sz="quarter" idx="12"/>
-          </p:nvPr>
-        </p:nvSpPr>
-        <p:spPr/>
-        <p:txBody>
-          <a:bodyPr/>
-          <a:lstStyle/>
-          <a:p>
-            <a:fld id="{8ED71C24-08E4-4AF3-BCF3-1A22B934883E}" type="slidenum">
-              <a:rPr lang="ko-KR" altLang="en-US" smtClean="0"/>
-              <a:t>13</a:t>
-            </a:fld>
             <a:endParaRPr lang="ko-KR" altLang="en-US"/>
           </a:p>
         </p:txBody>
@@ -11602,7 +11336,7 @@
     </p:spTree>
     <p:extLst>
       <p:ext uri="{BB962C8B-B14F-4D97-AF65-F5344CB8AC3E}">
-        <p14:creationId xmlns:p14="http://schemas.microsoft.com/office/powerpoint/2010/main" val="1392379696"/>
+        <p14:creationId xmlns:p14="http://schemas.microsoft.com/office/powerpoint/2010/main" val="3055984076"/>
       </p:ext>
     </p:extLst>
   </p:cSld>
@@ -11643,100 +11377,6 @@
             <a:spLocks noGrp="1"/>
           </p:cNvSpPr>
           <p:nvPr>
-            <p:ph type="ctrTitle"/>
-          </p:nvPr>
-        </p:nvSpPr>
-        <p:spPr/>
-        <p:txBody>
-          <a:bodyPr>
-            <a:normAutofit/>
-          </a:bodyPr>
-          <a:lstStyle/>
-          <a:p>
-            <a:r>
-              <a:rPr lang="ko-KR" altLang="en-US" sz="4000" dirty="0" smtClean="0">
-                <a:latin typeface="-윤고딕330" panose="02030504000101010101" pitchFamily="18" charset="-127"/>
-                <a:ea typeface="-윤고딕330" panose="02030504000101010101" pitchFamily="18" charset="-127"/>
-              </a:rPr>
-              <a:t>봐주셔서 감사합니다</a:t>
-            </a:r>
-            <a:r>
-              <a:rPr lang="en-US" altLang="ko-KR" sz="4000" dirty="0" smtClean="0">
-                <a:latin typeface="-윤고딕330" panose="02030504000101010101" pitchFamily="18" charset="-127"/>
-                <a:ea typeface="-윤고딕330" panose="02030504000101010101" pitchFamily="18" charset="-127"/>
-              </a:rPr>
-              <a:t>.</a:t>
-            </a:r>
-            <a:endParaRPr lang="ko-KR" altLang="en-US" sz="4000" dirty="0">
-              <a:latin typeface="-윤고딕330" panose="02030504000101010101" pitchFamily="18" charset="-127"/>
-              <a:ea typeface="-윤고딕330" panose="02030504000101010101" pitchFamily="18" charset="-127"/>
-            </a:endParaRPr>
-          </a:p>
-        </p:txBody>
-      </p:sp>
-      <p:sp>
-        <p:nvSpPr>
-          <p:cNvPr id="3" name="부제목 2"/>
-          <p:cNvSpPr>
-            <a:spLocks noGrp="1"/>
-          </p:cNvSpPr>
-          <p:nvPr>
-            <p:ph type="subTitle" idx="1"/>
-          </p:nvPr>
-        </p:nvSpPr>
-        <p:spPr/>
-        <p:txBody>
-          <a:bodyPr/>
-          <a:lstStyle/>
-          <a:p>
-            <a:endParaRPr lang="ko-KR" altLang="en-US"/>
-          </a:p>
-        </p:txBody>
-      </p:sp>
-    </p:spTree>
-    <p:extLst>
-      <p:ext uri="{BB962C8B-B14F-4D97-AF65-F5344CB8AC3E}">
-        <p14:creationId xmlns:p14="http://schemas.microsoft.com/office/powerpoint/2010/main" val="3055984076"/>
-      </p:ext>
-    </p:extLst>
-  </p:cSld>
-  <p:clrMapOvr>
-    <a:masterClrMapping/>
-  </p:clrMapOvr>
-  <p:timing>
-    <p:tnLst>
-      <p:par>
-        <p:cTn id="1" dur="indefinite" restart="never" nodeType="tmRoot"/>
-      </p:par>
-    </p:tnLst>
-  </p:timing>
-</p:sld>
-</file>
-
-<file path=ppt/slides/slide15.xml><?xml version="1.0" encoding="utf-8"?>
-<p:sld xmlns:a="http://schemas.openxmlformats.org/drawingml/2006/main" xmlns:r="http://schemas.openxmlformats.org/officeDocument/2006/relationships" xmlns:p="http://schemas.openxmlformats.org/presentationml/2006/main">
-  <p:cSld>
-    <p:spTree>
-      <p:nvGrpSpPr>
-        <p:cNvPr id="1" name=""/>
-        <p:cNvGrpSpPr/>
-        <p:nvPr/>
-      </p:nvGrpSpPr>
-      <p:grpSpPr>
-        <a:xfrm>
-          <a:off x="0" y="0"/>
-          <a:ext cx="0" cy="0"/>
-          <a:chOff x="0" y="0"/>
-          <a:chExt cx="0" cy="0"/>
-        </a:xfrm>
-      </p:grpSpPr>
-      <p:sp>
-        <p:nvSpPr>
-          <p:cNvPr id="2" name="제목 1"/>
-          <p:cNvSpPr>
-            <a:spLocks noGrp="1"/>
-          </p:cNvSpPr>
-          <p:nvPr>
             <p:ph type="title"/>
           </p:nvPr>
         </p:nvSpPr>
@@ -11769,7 +11409,7 @@
             <p:ph idx="1"/>
             <p:extLst>
               <p:ext uri="{D42A27DB-BD31-4B8C-83A1-F6EECF244321}">
-                <p14:modId xmlns:p14="http://schemas.microsoft.com/office/powerpoint/2010/main" val="3863471502"/>
+                <p14:modId xmlns:p14="http://schemas.microsoft.com/office/powerpoint/2010/main" val="380084145"/>
               </p:ext>
             </p:extLst>
           </p:nvPr>
@@ -11908,7 +11548,7 @@
                           <a:latin typeface="-윤고딕310" panose="02030504000101010101" pitchFamily="18" charset="-127"/>
                           <a:ea typeface="-윤고딕310" panose="02030504000101010101" pitchFamily="18" charset="-127"/>
                         </a:rPr>
-                        <a:t>A</a:t>
+                        <a:t>B</a:t>
                       </a:r>
                       <a:endParaRPr lang="ko-KR" altLang="en-US" dirty="0">
                         <a:latin typeface="-윤고딕310" panose="02030504000101010101" pitchFamily="18" charset="-127"/>
@@ -12066,7 +11706,7 @@
                           <a:latin typeface="-윤고딕310" panose="02030504000101010101" pitchFamily="18" charset="-127"/>
                           <a:ea typeface="-윤고딕310" panose="02030504000101010101" pitchFamily="18" charset="-127"/>
                         </a:rPr>
-                        <a:t>C</a:t>
+                        <a:t>B</a:t>
                       </a:r>
                       <a:endParaRPr lang="ko-KR" altLang="en-US" dirty="0">
                         <a:latin typeface="-윤고딕310" panose="02030504000101010101" pitchFamily="18" charset="-127"/>
@@ -12315,7 +11955,7 @@
           <a:p>
             <a:fld id="{8ED71C24-08E4-4AF3-BCF3-1A22B934883E}" type="slidenum">
               <a:rPr lang="ko-KR" altLang="en-US" smtClean="0"/>
-              <a:t>15</a:t>
+              <a:t>14</a:t>
             </a:fld>
             <a:endParaRPr lang="ko-KR" altLang="en-US"/>
           </a:p>
@@ -14936,7 +14576,7 @@
         </p:blipFill>
         <p:spPr>
           <a:xfrm>
-            <a:off x="2771800" y="4293096"/>
+            <a:off x="2699711" y="4377913"/>
             <a:ext cx="406349" cy="406349"/>
           </a:xfrm>
           <a:prstGeom prst="rect">
@@ -15349,6 +14989,35 @@
           </a:p>
         </p:txBody>
       </p:sp>
+      <p:pic>
+        <p:nvPicPr>
+          <p:cNvPr id="7" name="내용 개체 틀 6"/>
+          <p:cNvPicPr>
+            <a:picLocks noGrp="1" noChangeAspect="1"/>
+          </p:cNvPicPr>
+          <p:nvPr>
+            <p:ph idx="1"/>
+          </p:nvPr>
+        </p:nvPicPr>
+        <p:blipFill>
+          <a:blip r:embed="rId2">
+            <a:extLst>
+              <a:ext uri="{28A0092B-C50C-407E-A947-70E740481C1C}">
+                <a14:useLocalDpi xmlns:a14="http://schemas.microsoft.com/office/drawing/2010/main" val="0"/>
+              </a:ext>
+            </a:extLst>
+          </a:blip>
+          <a:stretch>
+            <a:fillRect/>
+          </a:stretch>
+        </p:blipFill>
+        <p:spPr>
+          <a:xfrm>
+            <a:off x="2051720" y="2603311"/>
+            <a:ext cx="1625397" cy="1625397"/>
+          </a:xfrm>
+        </p:spPr>
+      </p:pic>
       <p:sp>
         <p:nvSpPr>
           <p:cNvPr id="3" name="직사각형 2"/>
@@ -16048,7 +15717,7 @@
               <a:buChar char="•"/>
             </a:pPr>
             <a:r>
-              <a:rPr lang="ko-KR" altLang="en-US" dirty="0" smtClean="0">
+              <a:rPr lang="ko-KR" altLang="en-US" dirty="0">
                 <a:solidFill>
                   <a:schemeClr val="bg1"/>
                 </a:solidFill>
@@ -16056,7 +15725,7 @@
               <a:t>하지만 마을 사람들에게 쫓기게 되고</a:t>
             </a:r>
             <a:r>
-              <a:rPr lang="en-US" altLang="ko-KR" dirty="0" smtClean="0">
+              <a:rPr lang="en-US" altLang="ko-KR" dirty="0">
                 <a:solidFill>
                   <a:schemeClr val="bg1"/>
                 </a:solidFill>
@@ -16064,7 +15733,7 @@
               <a:t>, </a:t>
             </a:r>
             <a:r>
-              <a:rPr lang="ko-KR" altLang="en-US" dirty="0" smtClean="0">
+              <a:rPr lang="ko-KR" altLang="en-US" dirty="0">
                 <a:solidFill>
                   <a:schemeClr val="bg1"/>
                 </a:solidFill>
@@ -16072,7 +15741,7 @@
               <a:t>그러다가 일이 커져 군인들</a:t>
             </a:r>
             <a:r>
-              <a:rPr lang="en-US" altLang="ko-KR" dirty="0" smtClean="0">
+              <a:rPr lang="en-US" altLang="ko-KR" dirty="0">
                 <a:solidFill>
                   <a:schemeClr val="bg1"/>
                 </a:solidFill>
@@ -16080,7 +15749,7 @@
               <a:t>, </a:t>
             </a:r>
             <a:r>
-              <a:rPr lang="ko-KR" altLang="en-US" dirty="0" smtClean="0">
+              <a:rPr lang="ko-KR" altLang="en-US" dirty="0">
                 <a:solidFill>
                   <a:schemeClr val="bg1"/>
                 </a:solidFill>
@@ -16289,36 +15958,7 @@
       </p:sp>
       <p:pic>
         <p:nvPicPr>
-          <p:cNvPr id="16" name="내용 개체 틀 15"/>
-          <p:cNvPicPr>
-            <a:picLocks noGrp="1" noChangeAspect="1"/>
-          </p:cNvPicPr>
-          <p:nvPr>
-            <p:ph idx="1"/>
-          </p:nvPr>
-        </p:nvPicPr>
-        <p:blipFill>
-          <a:blip r:embed="rId2">
-            <a:extLst>
-              <a:ext uri="{28A0092B-C50C-407E-A947-70E740481C1C}">
-                <a14:useLocalDpi xmlns:a14="http://schemas.microsoft.com/office/drawing/2010/main" val="0"/>
-              </a:ext>
-            </a:extLst>
-          </a:blip>
-          <a:stretch>
-            <a:fillRect/>
-          </a:stretch>
-        </p:blipFill>
-        <p:spPr>
-          <a:xfrm>
-            <a:off x="2973735" y="4377913"/>
-            <a:ext cx="406349" cy="406349"/>
-          </a:xfrm>
-        </p:spPr>
-      </p:pic>
-      <p:pic>
-        <p:nvPicPr>
-          <p:cNvPr id="31" name="내용 개체 틀 6"/>
+          <p:cNvPr id="33" name="내용 개체 틀 15"/>
           <p:cNvPicPr>
             <a:picLocks noChangeAspect="1"/>
           </p:cNvPicPr>
@@ -16338,48 +15978,19 @@
         </p:blipFill>
         <p:spPr>
           <a:xfrm>
-            <a:off x="2051720" y="2603311"/>
-            <a:ext cx="1625397" cy="1625397"/>
+            <a:off x="2699711" y="4377913"/>
+            <a:ext cx="406349" cy="406349"/>
           </a:xfrm>
           <a:prstGeom prst="rect">
             <a:avLst/>
           </a:prstGeom>
-        </p:spPr>
-      </p:pic>
-      <p:pic>
-        <p:nvPicPr>
-          <p:cNvPr id="33" name="그림 32"/>
-          <p:cNvPicPr>
-            <a:picLocks noChangeAspect="1"/>
-          </p:cNvPicPr>
-          <p:nvPr/>
-        </p:nvPicPr>
-        <p:blipFill>
-          <a:blip r:embed="rId4">
-            <a:extLst>
-              <a:ext uri="{28A0092B-C50C-407E-A947-70E740481C1C}">
-                <a14:useLocalDpi xmlns:a14="http://schemas.microsoft.com/office/drawing/2010/main" val="0"/>
-              </a:ext>
-            </a:extLst>
-          </a:blip>
-          <a:stretch>
-            <a:fillRect/>
-          </a:stretch>
-        </p:blipFill>
-        <p:spPr>
-          <a:xfrm>
-            <a:off x="2081094" y="4463682"/>
-            <a:ext cx="285750" cy="285750"/>
-          </a:xfrm>
-          <a:prstGeom prst="rect">
-            <a:avLst/>
-          </a:prstGeom>
+          <a:noFill/>
         </p:spPr>
       </p:pic>
     </p:spTree>
     <p:extLst>
       <p:ext uri="{BB962C8B-B14F-4D97-AF65-F5344CB8AC3E}">
-        <p14:creationId xmlns:p14="http://schemas.microsoft.com/office/powerpoint/2010/main" val="3819632602"/>
+        <p14:creationId xmlns:p14="http://schemas.microsoft.com/office/powerpoint/2010/main" val="1162375412"/>
       </p:ext>
     </p:extLst>
   </p:cSld>
@@ -18867,18 +18478,11 @@
                         <a:t>. </a:t>
                       </a:r>
                       <a:r>
-                        <a:rPr lang="ko-KR" altLang="en-US" sz="1400" baseline="0" smtClean="0">
-                          <a:latin typeface="-윤고딕310" panose="02030504000101010101" pitchFamily="18" charset="-127"/>
-                          <a:ea typeface="-윤고딕310" panose="02030504000101010101" pitchFamily="18" charset="-127"/>
-                        </a:rPr>
-                        <a:t>낱장이 아닌 타일로 </a:t>
-                      </a:r>
-                      <a:r>
                         <a:rPr lang="ko-KR" altLang="en-US" sz="1400" baseline="0" dirty="0" smtClean="0">
                           <a:latin typeface="-윤고딕310" panose="02030504000101010101" pitchFamily="18" charset="-127"/>
                           <a:ea typeface="-윤고딕310" panose="02030504000101010101" pitchFamily="18" charset="-127"/>
                         </a:rPr>
-                        <a:t>채운다</a:t>
+                        <a:t>낱장이 아닌 타일로 채운다</a:t>
                       </a:r>
                       <a:r>
                         <a:rPr lang="en-US" altLang="ko-KR" sz="1400" baseline="0" dirty="0" smtClean="0">

--- a/slides/2016180042_진윤성_2DGP_1차발표.pptx
+++ b/slides/2016180042_진윤성_2DGP_1차발표.pptx
@@ -30,32 +30,29 @@
   <p:notesSz cx="6858000" cy="9144000"/>
   <p:embeddedFontLst>
     <p:embeddedFont>
+      <p:font typeface="맑은 고딕" panose="020B0503020000020004" pitchFamily="50" charset="-127"/>
+      <p:regular r:id="rId18"/>
+      <p:bold r:id="rId19"/>
+    </p:embeddedFont>
+    <p:embeddedFont>
       <p:font typeface="Franklin Gothic Book" panose="020B0503020102020204" pitchFamily="34" charset="0"/>
-      <p:regular r:id="rId18"/>
-      <p:italic r:id="rId19"/>
+      <p:regular r:id="rId20"/>
+      <p:italic r:id="rId21"/>
     </p:embeddedFont>
     <p:embeddedFont>
       <p:font typeface="HY신명조" panose="02030600000101010101" pitchFamily="18" charset="-127"/>
-      <p:regular r:id="rId20"/>
+      <p:regular r:id="rId22"/>
     </p:embeddedFont>
     <p:embeddedFont>
-      <p:font typeface="-윤고딕320" panose="02030504000101010101" pitchFamily="18" charset="-127"/>
-      <p:regular r:id="rId21"/>
+      <p:font typeface="Rage Italic" panose="03070502040507070304" pitchFamily="66" charset="0"/>
+      <p:regular r:id="rId23"/>
     </p:embeddedFont>
     <p:embeddedFont>
       <p:font typeface="Constantia" panose="02030602050306030303" pitchFamily="18" charset="0"/>
-      <p:regular r:id="rId22"/>
-      <p:bold r:id="rId23"/>
-      <p:italic r:id="rId24"/>
-      <p:boldItalic r:id="rId25"/>
-    </p:embeddedFont>
-    <p:embeddedFont>
-      <p:font typeface="-윤고딕330" panose="02030504000101010101" pitchFamily="18" charset="-127"/>
-      <p:regular r:id="rId26"/>
-    </p:embeddedFont>
-    <p:embeddedFont>
-      <p:font typeface="Rage Italic" panose="03070502040507070304" pitchFamily="66" charset="0"/>
-      <p:regular r:id="rId27"/>
+      <p:regular r:id="rId24"/>
+      <p:bold r:id="rId25"/>
+      <p:italic r:id="rId26"/>
+      <p:boldItalic r:id="rId27"/>
     </p:embeddedFont>
     <p:embeddedFont>
       <p:font typeface="-윤고딕310" panose="02030504000101010101" pitchFamily="18" charset="-127"/>
@@ -66,9 +63,12 @@
       <p:italic r:id="rId29"/>
     </p:embeddedFont>
     <p:embeddedFont>
-      <p:font typeface="맑은 고딕" panose="020B0503020000020004" pitchFamily="50" charset="-127"/>
+      <p:font typeface="-윤고딕320" panose="02030504000101010101" pitchFamily="18" charset="-127"/>
       <p:regular r:id="rId30"/>
-      <p:bold r:id="rId31"/>
+    </p:embeddedFont>
+    <p:embeddedFont>
+      <p:font typeface="-윤고딕330" panose="02030504000101010101" pitchFamily="18" charset="-127"/>
+      <p:regular r:id="rId31"/>
     </p:embeddedFont>
   </p:embeddedFontLst>
   <p:defaultTextStyle>
@@ -1148,6 +1148,14 @@
         </dgm:presLayoutVars>
       </dgm:prSet>
       <dgm:spPr/>
+      <dgm:t>
+        <a:bodyPr/>
+        <a:lstStyle/>
+        <a:p>
+          <a:pPr latinLnBrk="1"/>
+          <a:endParaRPr lang="ko-KR" altLang="en-US"/>
+        </a:p>
+      </dgm:t>
     </dgm:pt>
     <dgm:pt modelId="{7183F29F-60F8-46E0-B92E-C6ED7E8258A3}" type="pres">
       <dgm:prSet presAssocID="{68301ADE-A0C1-4A5C-9D8C-670739699220}" presName="parTxOnlySpace" presStyleCnt="0"/>
@@ -1184,17 +1192,25 @@
         </dgm:presLayoutVars>
       </dgm:prSet>
       <dgm:spPr/>
+      <dgm:t>
+        <a:bodyPr/>
+        <a:lstStyle/>
+        <a:p>
+          <a:pPr latinLnBrk="1"/>
+          <a:endParaRPr lang="ko-KR" altLang="en-US"/>
+        </a:p>
+      </dgm:t>
     </dgm:pt>
   </dgm:ptLst>
   <dgm:cxnLst>
+    <dgm:cxn modelId="{9ADE0834-DA56-400E-915A-D06140752DDE}" srcId="{5E738011-FB67-4582-8937-F36700771655}" destId="{E1E11F11-460F-4642-8170-027E992E5504}" srcOrd="0" destOrd="0" parTransId="{9432C2BD-2090-41A5-BF8A-41CA6185BCD2}" sibTransId="{6F9D89A6-3CED-4719-BB3E-181816962A0D}"/>
     <dgm:cxn modelId="{22B73848-2CCC-493B-92AD-55C737CFF91F}" srcId="{5E738011-FB67-4582-8937-F36700771655}" destId="{37FD558C-83C9-405F-B01D-231045B3550A}" srcOrd="3" destOrd="0" parTransId="{0CCDC7A7-AAD8-4361-97F5-2DAADFEB0CC5}" sibTransId="{F45C51D1-C36F-4FDE-ADE1-4E50983D4140}"/>
-    <dgm:cxn modelId="{D2CB4570-D346-441C-93BA-56E89CF0DB28}" type="presOf" srcId="{5E738011-FB67-4582-8937-F36700771655}" destId="{22B06056-4513-431F-9135-F9A7EBE87776}" srcOrd="0" destOrd="0" presId="urn:microsoft.com/office/officeart/2005/8/layout/chevron1"/>
+    <dgm:cxn modelId="{FEA3AD3F-459C-4582-897A-DC60DBC2F89C}" srcId="{5E738011-FB67-4582-8937-F36700771655}" destId="{CE5C21E9-BDFB-4D50-9D0C-FFF9978E017A}" srcOrd="1" destOrd="0" parTransId="{8DDF2240-313B-4150-9BBF-228853B08401}" sibTransId="{68301ADE-A0C1-4A5C-9D8C-670739699220}"/>
     <dgm:cxn modelId="{F4BA41E0-17DF-46D2-94C3-B26A4DB50B60}" type="presOf" srcId="{E1E11F11-460F-4642-8170-027E992E5504}" destId="{BEEE5D1E-6E57-4B6B-ADFF-486E40E21CE5}" srcOrd="0" destOrd="0" presId="urn:microsoft.com/office/officeart/2005/8/layout/chevron1"/>
     <dgm:cxn modelId="{44D655F5-0D0A-4534-80BD-FE21C7D10B62}" srcId="{5E738011-FB67-4582-8937-F36700771655}" destId="{142B3241-5A94-4EC3-B857-ECF6E08EFC0A}" srcOrd="2" destOrd="0" parTransId="{0D8EB79F-DAEF-4997-BE7B-AD15DC27017E}" sibTransId="{D5589E03-13B8-46D6-965E-3948153E7799}"/>
+    <dgm:cxn modelId="{0C16288E-AE99-421F-8A35-860F706C58A3}" type="presOf" srcId="{37FD558C-83C9-405F-B01D-231045B3550A}" destId="{A42E80D1-0B45-402C-9D87-BB3D130759EC}" srcOrd="0" destOrd="0" presId="urn:microsoft.com/office/officeart/2005/8/layout/chevron1"/>
     <dgm:cxn modelId="{BC087028-08B3-4080-A50B-233B17CCCF20}" type="presOf" srcId="{CE5C21E9-BDFB-4D50-9D0C-FFF9978E017A}" destId="{EC17EAD6-B5BF-4441-BAFE-7E0A771E07AF}" srcOrd="0" destOrd="0" presId="urn:microsoft.com/office/officeart/2005/8/layout/chevron1"/>
-    <dgm:cxn modelId="{0C16288E-AE99-421F-8A35-860F706C58A3}" type="presOf" srcId="{37FD558C-83C9-405F-B01D-231045B3550A}" destId="{A42E80D1-0B45-402C-9D87-BB3D130759EC}" srcOrd="0" destOrd="0" presId="urn:microsoft.com/office/officeart/2005/8/layout/chevron1"/>
-    <dgm:cxn modelId="{9ADE0834-DA56-400E-915A-D06140752DDE}" srcId="{5E738011-FB67-4582-8937-F36700771655}" destId="{E1E11F11-460F-4642-8170-027E992E5504}" srcOrd="0" destOrd="0" parTransId="{9432C2BD-2090-41A5-BF8A-41CA6185BCD2}" sibTransId="{6F9D89A6-3CED-4719-BB3E-181816962A0D}"/>
-    <dgm:cxn modelId="{FEA3AD3F-459C-4582-897A-DC60DBC2F89C}" srcId="{5E738011-FB67-4582-8937-F36700771655}" destId="{CE5C21E9-BDFB-4D50-9D0C-FFF9978E017A}" srcOrd="1" destOrd="0" parTransId="{8DDF2240-313B-4150-9BBF-228853B08401}" sibTransId="{68301ADE-A0C1-4A5C-9D8C-670739699220}"/>
+    <dgm:cxn modelId="{D2CB4570-D346-441C-93BA-56E89CF0DB28}" type="presOf" srcId="{5E738011-FB67-4582-8937-F36700771655}" destId="{22B06056-4513-431F-9135-F9A7EBE87776}" srcOrd="0" destOrd="0" presId="urn:microsoft.com/office/officeart/2005/8/layout/chevron1"/>
     <dgm:cxn modelId="{2F36EA41-BE11-42E4-A0BE-C654ADE1DE2A}" type="presOf" srcId="{142B3241-5A94-4EC3-B857-ECF6E08EFC0A}" destId="{2D703FCF-6F7D-492B-ABB1-5711FA93BEB2}" srcOrd="0" destOrd="0" presId="urn:microsoft.com/office/officeart/2005/8/layout/chevron1"/>
     <dgm:cxn modelId="{BF6BE62D-AF01-4B76-9F1C-4073B805A9D1}" type="presParOf" srcId="{22B06056-4513-431F-9135-F9A7EBE87776}" destId="{BEEE5D1E-6E57-4B6B-ADFF-486E40E21CE5}" srcOrd="0" destOrd="0" presId="urn:microsoft.com/office/officeart/2005/8/layout/chevron1"/>
     <dgm:cxn modelId="{5259D984-BF1E-4A3B-9568-2BC0FA64FC01}" type="presParOf" srcId="{22B06056-4513-431F-9135-F9A7EBE87776}" destId="{28A4CCFD-9447-418E-88F9-33D94C069CD4}" srcOrd="1" destOrd="0" presId="urn:microsoft.com/office/officeart/2005/8/layout/chevron1"/>
@@ -2921,7 +2937,7 @@
           <a:p>
             <a:fld id="{8F1DCB68-D71C-4438-9E18-1A39E8F98C0B}" type="datetime1">
               <a:rPr lang="ko-KR" altLang="en-US" smtClean="0"/>
-              <a:t>2017-10-19</a:t>
+              <a:t>2017-10-20</a:t>
             </a:fld>
             <a:endParaRPr lang="ko-KR" altLang="en-US"/>
           </a:p>
@@ -3087,7 +3103,7 @@
           <a:p>
             <a:fld id="{63FC2A86-C442-46A0-A683-343668E3757C}" type="datetime1">
               <a:rPr lang="ko-KR" altLang="en-US" smtClean="0"/>
-              <a:t>2017-10-19</a:t>
+              <a:t>2017-10-20</a:t>
             </a:fld>
             <a:endParaRPr lang="ko-KR" altLang="en-US"/>
           </a:p>
@@ -4067,7 +4083,7 @@
           <a:p>
             <a:fld id="{C4C21969-2D44-4836-8054-FEC5EC083A94}" type="datetime1">
               <a:rPr lang="ko-KR" altLang="en-US" smtClean="0"/>
-              <a:t>2017-10-19</a:t>
+              <a:t>2017-10-20</a:t>
             </a:fld>
             <a:endParaRPr lang="ko-KR" altLang="en-US"/>
           </a:p>
@@ -4254,7 +4270,7 @@
           <a:p>
             <a:fld id="{32EDA418-6416-4039-85B1-BA4CF1FD94DE}" type="datetime1">
               <a:rPr lang="ko-KR" altLang="en-US" smtClean="0"/>
-              <a:t>2017-10-19</a:t>
+              <a:t>2017-10-20</a:t>
             </a:fld>
             <a:endParaRPr lang="ko-KR" altLang="en-US"/>
           </a:p>
@@ -4441,7 +4457,7 @@
           <a:p>
             <a:fld id="{879D85B1-5D19-4B8C-B403-10E52B96C9A2}" type="datetime1">
               <a:rPr lang="ko-KR" altLang="en-US" smtClean="0"/>
-              <a:t>2017-10-19</a:t>
+              <a:t>2017-10-20</a:t>
             </a:fld>
             <a:endParaRPr lang="ko-KR" altLang="en-US"/>
           </a:p>
@@ -4614,7 +4630,7 @@
           <a:p>
             <a:fld id="{8998F1EC-F01B-4CCC-A0E8-CD7012E5E6C0}" type="datetime1">
               <a:rPr lang="ko-KR" altLang="en-US" smtClean="0"/>
-              <a:t>2017-10-19</a:t>
+              <a:t>2017-10-20</a:t>
             </a:fld>
             <a:endParaRPr lang="ko-KR" altLang="en-US"/>
           </a:p>
@@ -4861,7 +4877,7 @@
           <a:p>
             <a:fld id="{52787909-DE3C-4D58-A58F-9F026A606388}" type="datetime1">
               <a:rPr lang="ko-KR" altLang="en-US" smtClean="0"/>
-              <a:t>2017-10-19</a:t>
+              <a:t>2017-10-20</a:t>
             </a:fld>
             <a:endParaRPr lang="ko-KR" altLang="en-US"/>
           </a:p>
@@ -4982,7 +4998,7 @@
           <a:p>
             <a:fld id="{7666CBAD-7B00-470A-90AD-5135048686B9}" type="datetime1">
               <a:rPr lang="ko-KR" altLang="en-US" smtClean="0"/>
-              <a:t>2017-10-19</a:t>
+              <a:t>2017-10-20</a:t>
             </a:fld>
             <a:endParaRPr lang="ko-KR" altLang="en-US"/>
           </a:p>
@@ -5363,7 +5379,7 @@
           <a:p>
             <a:fld id="{0CF463A9-D5DB-4824-87E2-C1D0AC51B4AF}" type="datetime1">
               <a:rPr lang="ko-KR" altLang="en-US" smtClean="0"/>
-              <a:t>2017-10-19</a:t>
+              <a:t>2017-10-20</a:t>
             </a:fld>
             <a:endParaRPr lang="ko-KR" altLang="en-US"/>
           </a:p>
@@ -5598,7 +5614,7 @@
           <a:p>
             <a:fld id="{C70BB2E4-12BC-438F-94A6-F50FE8A3D88C}" type="datetime1">
               <a:rPr lang="ko-KR" altLang="en-US" smtClean="0"/>
-              <a:t>2017-10-19</a:t>
+              <a:t>2017-10-20</a:t>
             </a:fld>
             <a:endParaRPr lang="ko-KR" altLang="en-US"/>
           </a:p>
@@ -5696,7 +5712,7 @@
           <a:p>
             <a:fld id="{9544425C-B7EA-494A-BDEE-4AA66243A9BD}" type="datetime1">
               <a:rPr lang="ko-KR" altLang="en-US" smtClean="0"/>
-              <a:t>2017-10-19</a:t>
+              <a:t>2017-10-20</a:t>
             </a:fld>
             <a:endParaRPr lang="ko-KR" altLang="en-US"/>
           </a:p>
@@ -6531,7 +6547,7 @@
           <a:p>
             <a:fld id="{EC5C1134-AEED-45C1-AFDF-DDF26E0C6587}" type="datetime1">
               <a:rPr lang="ko-KR" altLang="en-US" smtClean="0"/>
-              <a:t>2017-10-19</a:t>
+              <a:t>2017-10-20</a:t>
             </a:fld>
             <a:endParaRPr lang="ko-KR" altLang="en-US"/>
           </a:p>
@@ -7370,7 +7386,7 @@
           <a:p>
             <a:fld id="{971A1825-C447-468B-B9C9-6B7674910854}" type="datetime1">
               <a:rPr lang="ko-KR" altLang="en-US" smtClean="0"/>
-              <a:t>2017-10-19</a:t>
+              <a:t>2017-10-20</a:t>
             </a:fld>
             <a:endParaRPr lang="ko-KR" altLang="en-US"/>
           </a:p>
@@ -8032,7 +8048,7 @@
           <a:p>
             <a:fld id="{4E0EA9FF-3011-4849-B3DE-625476BF3408}" type="datetime1">
               <a:rPr lang="ko-KR" altLang="en-US" smtClean="0"/>
-              <a:t>2017-10-19</a:t>
+              <a:t>2017-10-20</a:t>
             </a:fld>
             <a:endParaRPr lang="ko-KR" altLang="en-US"/>
           </a:p>
@@ -8761,14 +8777,14 @@
             <p:ph idx="1"/>
             <p:extLst>
               <p:ext uri="{D42A27DB-BD31-4B8C-83A1-F6EECF244321}">
-                <p14:modId xmlns:p14="http://schemas.microsoft.com/office/powerpoint/2010/main" val="250437262"/>
+                <p14:modId xmlns:p14="http://schemas.microsoft.com/office/powerpoint/2010/main" val="1302906887"/>
               </p:ext>
             </p:extLst>
           </p:nvPr>
         </p:nvGraphicFramePr>
         <p:xfrm>
           <a:off x="827584" y="1844818"/>
-          <a:ext cx="7488832" cy="3888437"/>
+          <a:ext cx="7488832" cy="4008675"/>
         </p:xfrm>
         <a:graphic>
           <a:graphicData uri="http://schemas.openxmlformats.org/drawingml/2006/table">
@@ -9389,7 +9405,21 @@
                           <a:latin typeface="-윤고딕310" panose="02030504000101010101" pitchFamily="18" charset="-127"/>
                           <a:ea typeface="-윤고딕310" panose="02030504000101010101" pitchFamily="18" charset="-127"/>
                         </a:rPr>
-                        <a:t>누른 키에 따라 행동을 취하는데 일단 움직임만 취하도록 한다</a:t>
+                        <a:t>누른 키에 따라 행동을 취하는데 </a:t>
+                      </a:r>
+                      <a:r>
+                        <a:rPr lang="ko-KR" altLang="en-US" sz="1200" dirty="0" smtClean="0">
+                          <a:latin typeface="-윤고딕310" panose="02030504000101010101" pitchFamily="18" charset="-127"/>
+                          <a:ea typeface="-윤고딕310" panose="02030504000101010101" pitchFamily="18" charset="-127"/>
+                        </a:rPr>
+                        <a:t>처음엔 </a:t>
+                      </a:r>
+                      <a:r>
+                        <a:rPr lang="ko-KR" altLang="en-US" sz="1200" dirty="0" smtClean="0">
+                          <a:latin typeface="-윤고딕310" panose="02030504000101010101" pitchFamily="18" charset="-127"/>
+                          <a:ea typeface="-윤고딕310" panose="02030504000101010101" pitchFamily="18" charset="-127"/>
+                        </a:rPr>
+                        <a:t>움직임만 취하도록 한다</a:t>
                       </a:r>
                       <a:r>
                         <a:rPr lang="en-US" altLang="ko-KR" sz="1200" dirty="0" smtClean="0">
@@ -9681,8 +9711,68 @@
                           <a:latin typeface="-윤고딕310" panose="02030504000101010101" pitchFamily="18" charset="-127"/>
                           <a:ea typeface="-윤고딕310" panose="02030504000101010101" pitchFamily="18" charset="-127"/>
                         </a:rPr>
+                        <a:t>. </a:t>
+                      </a:r>
+                      <a:r>
+                        <a:rPr lang="ko-KR" altLang="en-US" sz="1200" baseline="0" dirty="0" smtClean="0">
+                          <a:latin typeface="-윤고딕310" panose="02030504000101010101" pitchFamily="18" charset="-127"/>
+                          <a:ea typeface="-윤고딕310" panose="02030504000101010101" pitchFamily="18" charset="-127"/>
+                        </a:rPr>
+                        <a:t>피격</a:t>
+                      </a:r>
+                      <a:r>
+                        <a:rPr lang="en-US" altLang="ko-KR" sz="1200" baseline="0" dirty="0" smtClean="0">
+                          <a:latin typeface="-윤고딕310" panose="02030504000101010101" pitchFamily="18" charset="-127"/>
+                          <a:ea typeface="-윤고딕310" panose="02030504000101010101" pitchFamily="18" charset="-127"/>
+                        </a:rPr>
+                        <a:t>, </a:t>
+                      </a:r>
+                      <a:r>
+                        <a:rPr lang="ko-KR" altLang="en-US" sz="1200" baseline="0" dirty="0" smtClean="0">
+                          <a:latin typeface="-윤고딕310" panose="02030504000101010101" pitchFamily="18" charset="-127"/>
+                          <a:ea typeface="-윤고딕310" panose="02030504000101010101" pitchFamily="18" charset="-127"/>
+                        </a:rPr>
+                        <a:t>공격</a:t>
+                      </a:r>
+                      <a:r>
+                        <a:rPr lang="en-US" altLang="ko-KR" sz="1200" baseline="0" dirty="0" smtClean="0">
+                          <a:latin typeface="-윤고딕310" panose="02030504000101010101" pitchFamily="18" charset="-127"/>
+                          <a:ea typeface="-윤고딕310" panose="02030504000101010101" pitchFamily="18" charset="-127"/>
+                        </a:rPr>
+                        <a:t>, </a:t>
+                      </a:r>
+                      <a:r>
+                        <a:rPr lang="ko-KR" altLang="en-US" sz="1200" baseline="0" dirty="0" smtClean="0">
+                          <a:latin typeface="-윤고딕310" panose="02030504000101010101" pitchFamily="18" charset="-127"/>
+                          <a:ea typeface="-윤고딕310" panose="02030504000101010101" pitchFamily="18" charset="-127"/>
+                        </a:rPr>
+                        <a:t>사망</a:t>
+                      </a:r>
+                      <a:r>
+                        <a:rPr lang="en-US" altLang="ko-KR" sz="1200" baseline="0" dirty="0" smtClean="0">
+                          <a:latin typeface="-윤고딕310" panose="02030504000101010101" pitchFamily="18" charset="-127"/>
+                          <a:ea typeface="-윤고딕310" panose="02030504000101010101" pitchFamily="18" charset="-127"/>
+                        </a:rPr>
+                        <a:t>, </a:t>
+                      </a:r>
+                      <a:r>
+                        <a:rPr lang="ko-KR" altLang="en-US" sz="1200" baseline="0" dirty="0" smtClean="0">
+                          <a:latin typeface="-윤고딕310" panose="02030504000101010101" pitchFamily="18" charset="-127"/>
+                          <a:ea typeface="-윤고딕310" panose="02030504000101010101" pitchFamily="18" charset="-127"/>
+                        </a:rPr>
+                        <a:t>등의 상호작용은 충돌할 때 일어난다</a:t>
+                      </a:r>
+                      <a:r>
+                        <a:rPr lang="en-US" altLang="ko-KR" sz="1200" baseline="0" dirty="0" smtClean="0">
+                          <a:latin typeface="-윤고딕310" panose="02030504000101010101" pitchFamily="18" charset="-127"/>
+                          <a:ea typeface="-윤고딕310" panose="02030504000101010101" pitchFamily="18" charset="-127"/>
+                        </a:rPr>
                         <a:t>.</a:t>
                       </a:r>
+                      <a:endParaRPr lang="en-US" altLang="ko-KR" sz="1200" baseline="0" dirty="0" smtClean="0">
+                        <a:latin typeface="-윤고딕310" panose="02030504000101010101" pitchFamily="18" charset="-127"/>
+                        <a:ea typeface="-윤고딕310" panose="02030504000101010101" pitchFamily="18" charset="-127"/>
+                      </a:endParaRPr>
                     </a:p>
                     <a:p>
                       <a:pPr marL="171450" indent="-171450" latinLnBrk="1">
@@ -9728,7 +9818,7 @@
           <a:p>
             <a:fld id="{E63BED42-B56B-487C-A576-F8E55AE26EFB}" type="datetime1">
               <a:rPr lang="ko-KR" altLang="en-US" smtClean="0"/>
-              <a:t>2017-10-19</a:t>
+              <a:t>2017-10-20</a:t>
             </a:fld>
             <a:endParaRPr lang="ko-KR" altLang="en-US"/>
           </a:p>
@@ -10893,7 +10983,7 @@
           <a:p>
             <a:fld id="{E63BED42-B56B-487C-A576-F8E55AE26EFB}" type="datetime1">
               <a:rPr lang="ko-KR" altLang="en-US" smtClean="0"/>
-              <a:t>2017-10-19</a:t>
+              <a:t>2017-10-20</a:t>
             </a:fld>
             <a:endParaRPr lang="ko-KR" altLang="en-US"/>
           </a:p>
@@ -11110,7 +11200,7 @@
               <a:t>https</a:t>
             </a:r>
             <a:r>
-              <a:rPr lang="en-US" altLang="ko-KR" sz="2100" dirty="0">
+              <a:rPr lang="en-US" altLang="ko-KR" sz="2100">
                 <a:latin typeface="-윤고딕310" panose="02030504000101010101" pitchFamily="18" charset="-127"/>
                 <a:ea typeface="-윤고딕310" panose="02030504000101010101" pitchFamily="18" charset="-127"/>
                 <a:hlinkClick r:id="rId3"/>
@@ -11118,7 +11208,7 @@
               <a:t>://</a:t>
             </a:r>
             <a:r>
-              <a:rPr lang="en-US" altLang="ko-KR" sz="2100" dirty="0" smtClean="0">
+              <a:rPr lang="en-US" altLang="ko-KR" sz="2100" smtClean="0">
                 <a:latin typeface="-윤고딕310" panose="02030504000101010101" pitchFamily="18" charset="-127"/>
                 <a:ea typeface="-윤고딕310" panose="02030504000101010101" pitchFamily="18" charset="-127"/>
                 <a:hlinkClick r:id="rId3"/>
@@ -11126,40 +11216,6 @@
               <a:t>www31.atwiki.jp/cavestory006/pages/77.html</a:t>
             </a:r>
             <a:endParaRPr lang="en-US" altLang="ko-KR" sz="2100" dirty="0" smtClean="0">
-              <a:latin typeface="-윤고딕310" panose="02030504000101010101" pitchFamily="18" charset="-127"/>
-              <a:ea typeface="-윤고딕310" panose="02030504000101010101" pitchFamily="18" charset="-127"/>
-            </a:endParaRPr>
-          </a:p>
-          <a:p>
-            <a:endParaRPr lang="en-US" altLang="ko-KR" sz="2100" dirty="0" smtClean="0">
-              <a:latin typeface="-윤고딕310" panose="02030504000101010101" pitchFamily="18" charset="-127"/>
-              <a:ea typeface="-윤고딕310" panose="02030504000101010101" pitchFamily="18" charset="-127"/>
-            </a:endParaRPr>
-          </a:p>
-          <a:p>
-            <a:r>
-              <a:rPr lang="ko-KR" altLang="en-US" sz="2100" dirty="0" smtClean="0">
-                <a:latin typeface="-윤고딕310" panose="02030504000101010101" pitchFamily="18" charset="-127"/>
-                <a:ea typeface="-윤고딕310" panose="02030504000101010101" pitchFamily="18" charset="-127"/>
-              </a:rPr>
-              <a:t>스펠런키</a:t>
-            </a:r>
-            <a:r>
-              <a:rPr lang="en-US" altLang="ko-KR" sz="2100" dirty="0">
-                <a:latin typeface="-윤고딕310" panose="02030504000101010101" pitchFamily="18" charset="-127"/>
-                <a:ea typeface="-윤고딕310" panose="02030504000101010101" pitchFamily="18" charset="-127"/>
-              </a:rPr>
-              <a:t>: </a:t>
-            </a:r>
-            <a:r>
-              <a:rPr lang="en-US" altLang="ko-KR" sz="2100" dirty="0">
-                <a:latin typeface="-윤고딕310" panose="02030504000101010101" pitchFamily="18" charset="-127"/>
-                <a:ea typeface="-윤고딕310" panose="02030504000101010101" pitchFamily="18" charset="-127"/>
-                <a:hlinkClick r:id="rId4"/>
-              </a:rPr>
-              <a:t>http://www.mobygames.com/game/windows/spelunky/screenshots/gameShotId,401827/</a:t>
-            </a:r>
-            <a:endParaRPr lang="ko-KR" altLang="en-US" sz="2100" dirty="0">
               <a:latin typeface="-윤고딕310" panose="02030504000101010101" pitchFamily="18" charset="-127"/>
               <a:ea typeface="-윤고딕310" panose="02030504000101010101" pitchFamily="18" charset="-127"/>
             </a:endParaRPr>
@@ -11183,7 +11239,7 @@
           <a:p>
             <a:fld id="{8998F1EC-F01B-4CCC-A0E8-CD7012E5E6C0}" type="datetime1">
               <a:rPr lang="ko-KR" altLang="en-US" smtClean="0"/>
-              <a:t>2017-10-19</a:t>
+              <a:t>2017-10-20</a:t>
             </a:fld>
             <a:endParaRPr lang="ko-KR" altLang="en-US" dirty="0"/>
           </a:p>
@@ -11927,7 +11983,7 @@
           <a:p>
             <a:fld id="{E64E4686-FFDF-4469-BE9B-A5EC149CF7A5}" type="datetime1">
               <a:rPr lang="ko-KR" altLang="en-US" smtClean="0"/>
-              <a:t>2017-10-19</a:t>
+              <a:t>2017-10-20</a:t>
             </a:fld>
             <a:endParaRPr lang="ko-KR" altLang="en-US"/>
           </a:p>
@@ -12130,14 +12186,24 @@
                 <a:latin typeface="-윤고딕310" panose="02030504000101010101" pitchFamily="18" charset="-127"/>
                 <a:ea typeface="-윤고딕310" panose="02030504000101010101" pitchFamily="18" charset="-127"/>
               </a:rPr>
-              <a:t>예시 게임 </a:t>
-            </a:r>
+              <a:t>예상 게임 진행</a:t>
+            </a:r>
+            <a:endParaRPr lang="en-US" altLang="ko-KR" sz="2300" dirty="0" smtClean="0">
+              <a:latin typeface="-윤고딕310" panose="02030504000101010101" pitchFamily="18" charset="-127"/>
+              <a:ea typeface="-윤고딕310" panose="02030504000101010101" pitchFamily="18" charset="-127"/>
+            </a:endParaRPr>
+          </a:p>
+          <a:p>
+            <a:pPr marL="457200" indent="-457200">
+              <a:buFont typeface="+mj-lt"/>
+              <a:buAutoNum type="arabicPeriod"/>
+            </a:pPr>
             <a:r>
               <a:rPr lang="ko-KR" altLang="en-US" sz="2300" dirty="0" smtClean="0">
                 <a:latin typeface="-윤고딕310" panose="02030504000101010101" pitchFamily="18" charset="-127"/>
                 <a:ea typeface="-윤고딕310" panose="02030504000101010101" pitchFamily="18" charset="-127"/>
               </a:rPr>
-              <a:t>스크린샷</a:t>
+              <a:t>개발 범위</a:t>
             </a:r>
             <a:endParaRPr lang="en-US" altLang="ko-KR" sz="2300" dirty="0" smtClean="0">
               <a:latin typeface="-윤고딕310" panose="02030504000101010101" pitchFamily="18" charset="-127"/>
@@ -12154,62 +12220,7 @@
                 <a:latin typeface="-윤고딕310" panose="02030504000101010101" pitchFamily="18" charset="-127"/>
                 <a:ea typeface="-윤고딕310" panose="02030504000101010101" pitchFamily="18" charset="-127"/>
               </a:rPr>
-              <a:t>예상 게임 </a:t>
-            </a:r>
-            <a:r>
-              <a:rPr lang="ko-KR" altLang="en-US" sz="2300" dirty="0" smtClean="0">
-                <a:latin typeface="-윤고딕310" panose="02030504000101010101" pitchFamily="18" charset="-127"/>
-                <a:ea typeface="-윤고딕310" panose="02030504000101010101" pitchFamily="18" charset="-127"/>
-              </a:rPr>
-              <a:t>진행</a:t>
-            </a:r>
-            <a:endParaRPr lang="en-US" altLang="ko-KR" sz="2300" dirty="0" smtClean="0">
-              <a:latin typeface="-윤고딕310" panose="02030504000101010101" pitchFamily="18" charset="-127"/>
-              <a:ea typeface="-윤고딕310" panose="02030504000101010101" pitchFamily="18" charset="-127"/>
-            </a:endParaRPr>
-          </a:p>
-          <a:p>
-            <a:pPr marL="457200" indent="-457200">
-              <a:buFont typeface="+mj-lt"/>
-              <a:buAutoNum type="arabicPeriod"/>
-            </a:pPr>
-            <a:r>
-              <a:rPr lang="ko-KR" altLang="en-US" sz="2300" dirty="0" smtClean="0">
-                <a:latin typeface="-윤고딕310" panose="02030504000101010101" pitchFamily="18" charset="-127"/>
-                <a:ea typeface="-윤고딕310" panose="02030504000101010101" pitchFamily="18" charset="-127"/>
-              </a:rPr>
-              <a:t>개발 </a:t>
-            </a:r>
-            <a:r>
-              <a:rPr lang="ko-KR" altLang="en-US" sz="2300" dirty="0" smtClean="0">
-                <a:latin typeface="-윤고딕310" panose="02030504000101010101" pitchFamily="18" charset="-127"/>
-                <a:ea typeface="-윤고딕310" panose="02030504000101010101" pitchFamily="18" charset="-127"/>
-              </a:rPr>
-              <a:t>범위</a:t>
-            </a:r>
-            <a:endParaRPr lang="en-US" altLang="ko-KR" sz="2300" dirty="0" smtClean="0">
-              <a:latin typeface="-윤고딕310" panose="02030504000101010101" pitchFamily="18" charset="-127"/>
-              <a:ea typeface="-윤고딕310" panose="02030504000101010101" pitchFamily="18" charset="-127"/>
-            </a:endParaRPr>
-          </a:p>
-          <a:p>
-            <a:pPr marL="457200" indent="-457200">
-              <a:buFont typeface="+mj-lt"/>
-              <a:buAutoNum type="arabicPeriod"/>
-            </a:pPr>
-            <a:r>
-              <a:rPr lang="ko-KR" altLang="en-US" sz="2300" dirty="0" smtClean="0">
-                <a:latin typeface="-윤고딕310" panose="02030504000101010101" pitchFamily="18" charset="-127"/>
-                <a:ea typeface="-윤고딕310" panose="02030504000101010101" pitchFamily="18" charset="-127"/>
-              </a:rPr>
-              <a:t>개발 </a:t>
-            </a:r>
-            <a:r>
-              <a:rPr lang="ko-KR" altLang="en-US" sz="2300" dirty="0" smtClean="0">
-                <a:latin typeface="-윤고딕310" panose="02030504000101010101" pitchFamily="18" charset="-127"/>
-                <a:ea typeface="-윤고딕310" panose="02030504000101010101" pitchFamily="18" charset="-127"/>
-              </a:rPr>
-              <a:t>일정</a:t>
+              <a:t>개발 일정</a:t>
             </a:r>
             <a:endParaRPr lang="en-US" altLang="ko-KR" sz="2300" dirty="0" smtClean="0">
               <a:latin typeface="-윤고딕310" panose="02030504000101010101" pitchFamily="18" charset="-127"/>
@@ -12240,7 +12251,7 @@
           <a:p>
             <a:fld id="{99C85210-9BD9-410B-8B60-1A01FEADF4C9}" type="datetime1">
               <a:rPr lang="ko-KR" altLang="en-US" smtClean="0"/>
-              <a:t>2017-10-19</a:t>
+              <a:t>2017-10-20</a:t>
             </a:fld>
             <a:endParaRPr lang="ko-KR" altLang="en-US"/>
           </a:p>
@@ -12381,14 +12392,7 @@
                 <a:latin typeface="-윤고딕320" panose="02030504000101010101" pitchFamily="18" charset="-127"/>
                 <a:ea typeface="-윤고딕320" panose="02030504000101010101" pitchFamily="18" charset="-127"/>
               </a:rPr>
-              <a:t>게임 </a:t>
-            </a:r>
-            <a:r>
-              <a:rPr lang="ko-KR" altLang="en-US" dirty="0" smtClean="0">
-                <a:latin typeface="-윤고딕320" panose="02030504000101010101" pitchFamily="18" charset="-127"/>
-                <a:ea typeface="-윤고딕320" panose="02030504000101010101" pitchFamily="18" charset="-127"/>
-              </a:rPr>
-              <a:t>컨셉트</a:t>
+              <a:t>게임 컨셉트</a:t>
             </a:r>
             <a:endParaRPr lang="ko-KR" altLang="en-US" dirty="0">
               <a:latin typeface="-윤고딕320" panose="02030504000101010101" pitchFamily="18" charset="-127"/>
@@ -12500,7 +12504,7 @@
           </a:p>
           <a:p>
             <a:r>
-              <a:rPr lang="ko-KR" altLang="en-US" sz="2000" dirty="0" smtClean="0">
+              <a:rPr lang="ko-KR" altLang="en-US" sz="2000" b="1" dirty="0" smtClean="0">
                 <a:latin typeface="-윤고딕310" panose="02030504000101010101" pitchFamily="18" charset="-127"/>
                 <a:ea typeface="-윤고딕310" panose="02030504000101010101" pitchFamily="18" charset="-127"/>
               </a:rPr>
@@ -12518,21 +12522,56 @@
                 <a:latin typeface="-윤고딕310" panose="02030504000101010101" pitchFamily="18" charset="-127"/>
                 <a:ea typeface="-윤고딕310" panose="02030504000101010101" pitchFamily="18" charset="-127"/>
               </a:rPr>
-              <a:t>플랫폼 어드벤처</a:t>
+              <a:t>플랫폼 </a:t>
+            </a:r>
+            <a:r>
+              <a:rPr lang="ko-KR" altLang="en-US" sz="2000" dirty="0" smtClean="0">
+                <a:latin typeface="-윤고딕310" panose="02030504000101010101" pitchFamily="18" charset="-127"/>
+                <a:ea typeface="-윤고딕310" panose="02030504000101010101" pitchFamily="18" charset="-127"/>
+              </a:rPr>
+              <a:t>어드벤처</a:t>
+            </a:r>
+            <a:r>
+              <a:rPr lang="en-US" altLang="ko-KR" sz="2000" dirty="0">
+                <a:latin typeface="-윤고딕310" panose="02030504000101010101" pitchFamily="18" charset="-127"/>
+                <a:ea typeface="-윤고딕310" panose="02030504000101010101" pitchFamily="18" charset="-127"/>
+              </a:rPr>
+              <a:t> </a:t>
             </a:r>
             <a:r>
               <a:rPr lang="en-US" altLang="ko-KR" sz="2000" dirty="0" smtClean="0">
                 <a:latin typeface="-윤고딕310" panose="02030504000101010101" pitchFamily="18" charset="-127"/>
                 <a:ea typeface="-윤고딕310" panose="02030504000101010101" pitchFamily="18" charset="-127"/>
               </a:rPr>
-              <a:t>: </a:t>
+              <a:t>–</a:t>
+            </a:r>
+            <a:r>
+              <a:rPr lang="en-US" altLang="ko-KR" sz="2000" dirty="0" smtClean="0">
+                <a:latin typeface="-윤고딕310" panose="02030504000101010101" pitchFamily="18" charset="-127"/>
+                <a:ea typeface="-윤고딕310" panose="02030504000101010101" pitchFamily="18" charset="-127"/>
+              </a:rPr>
+              <a:t> </a:t>
             </a:r>
             <a:r>
               <a:rPr lang="ko-KR" altLang="en-US" sz="2000" dirty="0" smtClean="0">
                 <a:latin typeface="-윤고딕310" panose="02030504000101010101" pitchFamily="18" charset="-127"/>
                 <a:ea typeface="-윤고딕310" panose="02030504000101010101" pitchFamily="18" charset="-127"/>
               </a:rPr>
-              <a:t>플레이어 캐릭터는 중력이 작용하는 세계에 있다</a:t>
+              <a:t>모든 개체는 </a:t>
+            </a:r>
+            <a:r>
+              <a:rPr lang="ko-KR" altLang="en-US" sz="2000" dirty="0" smtClean="0">
+                <a:latin typeface="-윤고딕310" panose="02030504000101010101" pitchFamily="18" charset="-127"/>
+                <a:ea typeface="-윤고딕310" panose="02030504000101010101" pitchFamily="18" charset="-127"/>
+              </a:rPr>
+              <a:t>중력이 작용하는 </a:t>
+            </a:r>
+            <a:r>
+              <a:rPr lang="ko-KR" altLang="en-US" sz="2000" dirty="0" smtClean="0">
+                <a:latin typeface="-윤고딕310" panose="02030504000101010101" pitchFamily="18" charset="-127"/>
+                <a:ea typeface="-윤고딕310" panose="02030504000101010101" pitchFamily="18" charset="-127"/>
+              </a:rPr>
+              <a:t>세계이다</a:t>
             </a:r>
             <a:r>
               <a:rPr lang="en-US" altLang="ko-KR" sz="2000" dirty="0" smtClean="0">
@@ -12546,21 +12585,7 @@
                 <a:latin typeface="-윤고딕310" panose="02030504000101010101" pitchFamily="18" charset="-127"/>
                 <a:ea typeface="-윤고딕310" panose="02030504000101010101" pitchFamily="18" charset="-127"/>
               </a:rPr>
-              <a:t>점프와 이동</a:t>
-            </a:r>
-            <a:r>
-              <a:rPr lang="en-US" altLang="ko-KR" sz="2000" dirty="0" smtClean="0">
-                <a:latin typeface="-윤고딕310" panose="02030504000101010101" pitchFamily="18" charset="-127"/>
-                <a:ea typeface="-윤고딕310" panose="02030504000101010101" pitchFamily="18" charset="-127"/>
-              </a:rPr>
-              <a:t>, </a:t>
-            </a:r>
-            <a:r>
-              <a:rPr lang="ko-KR" altLang="en-US" sz="2000" dirty="0" smtClean="0">
-                <a:latin typeface="-윤고딕310" panose="02030504000101010101" pitchFamily="18" charset="-127"/>
-                <a:ea typeface="-윤고딕310" panose="02030504000101010101" pitchFamily="18" charset="-127"/>
-              </a:rPr>
-              <a:t>기타 행동으로 게임이 진행된다</a:t>
+              <a:t>모든 개체는 중력 때문에 좌우 이동과 점프에 의한 수직 이동만 있을 뿐이다</a:t>
             </a:r>
             <a:r>
               <a:rPr lang="en-US" altLang="ko-KR" sz="2000" dirty="0" smtClean="0">
@@ -12569,6 +12594,10 @@
               </a:rPr>
               <a:t>.</a:t>
             </a:r>
+            <a:endParaRPr lang="en-US" altLang="ko-KR" sz="2000" dirty="0" smtClean="0">
+              <a:latin typeface="-윤고딕310" panose="02030504000101010101" pitchFamily="18" charset="-127"/>
+              <a:ea typeface="-윤고딕310" panose="02030504000101010101" pitchFamily="18" charset="-127"/>
+            </a:endParaRPr>
           </a:p>
           <a:p>
             <a:endParaRPr lang="en-US" altLang="ko-KR" sz="2000" dirty="0" smtClean="0">
@@ -12585,6 +12614,13 @@
               <a:t> </a:t>
             </a:r>
             <a:r>
+              <a:rPr lang="ko-KR" altLang="en-US" sz="2000" dirty="0" smtClean="0">
+                <a:latin typeface="-윤고딕310" panose="02030504000101010101" pitchFamily="18" charset="-127"/>
+                <a:ea typeface="-윤고딕310" panose="02030504000101010101" pitchFamily="18" charset="-127"/>
+              </a:rPr>
+              <a:t>키보드의 </a:t>
+            </a:r>
+            <a:r>
               <a:rPr lang="ko-KR" altLang="en-US" sz="2000" b="1" dirty="0" smtClean="0">
                 <a:latin typeface="-윤고딕310" panose="02030504000101010101" pitchFamily="18" charset="-127"/>
                 <a:ea typeface="-윤고딕310" panose="02030504000101010101" pitchFamily="18" charset="-127"/>
@@ -12596,21 +12632,7 @@
                 <a:latin typeface="-윤고딕310" panose="02030504000101010101" pitchFamily="18" charset="-127"/>
                 <a:ea typeface="-윤고딕310" panose="02030504000101010101" pitchFamily="18" charset="-127"/>
               </a:rPr>
-              <a:t>다른 </a:t>
-            </a:r>
-            <a:r>
-              <a:rPr lang="ko-KR" altLang="en-US" sz="2000" b="1" dirty="0" smtClean="0">
-                <a:latin typeface="-윤고딕310" panose="02030504000101010101" pitchFamily="18" charset="-127"/>
-                <a:ea typeface="-윤고딕310" panose="02030504000101010101" pitchFamily="18" charset="-127"/>
-              </a:rPr>
-              <a:t>키 </a:t>
-            </a:r>
-            <a:r>
-              <a:rPr lang="ko-KR" altLang="en-US" sz="2000" b="1" dirty="0" smtClean="0">
-                <a:latin typeface="-윤고딕310" panose="02030504000101010101" pitchFamily="18" charset="-127"/>
-                <a:ea typeface="-윤고딕310" panose="02030504000101010101" pitchFamily="18" charset="-127"/>
-              </a:rPr>
-              <a:t>조합</a:t>
+              <a:t>다른 키 조합</a:t>
             </a:r>
             <a:r>
               <a:rPr lang="ko-KR" altLang="en-US" sz="2000" dirty="0" smtClean="0">
@@ -12645,7 +12667,14 @@
                 <a:latin typeface="-윤고딕310" panose="02030504000101010101" pitchFamily="18" charset="-127"/>
                 <a:ea typeface="-윤고딕310" panose="02030504000101010101" pitchFamily="18" charset="-127"/>
               </a:rPr>
-              <a:t>마우스를 쓰지 않는다</a:t>
+              <a:t>편리함을 위해 마우스를 </a:t>
+            </a:r>
+            <a:r>
+              <a:rPr lang="ko-KR" altLang="en-US" sz="2000" dirty="0" smtClean="0">
+                <a:latin typeface="-윤고딕310" panose="02030504000101010101" pitchFamily="18" charset="-127"/>
+                <a:ea typeface="-윤고딕310" panose="02030504000101010101" pitchFamily="18" charset="-127"/>
+              </a:rPr>
+              <a:t>쓰지 않는다</a:t>
             </a:r>
             <a:r>
               <a:rPr lang="en-US" altLang="ko-KR" sz="2000" dirty="0" smtClean="0">
@@ -12679,7 +12708,7 @@
           <a:p>
             <a:fld id="{80913EDC-9206-426E-951D-E7E0B75694AE}" type="datetime1">
               <a:rPr lang="ko-KR" altLang="en-US" smtClean="0"/>
-              <a:t>2017-10-19</a:t>
+              <a:t>2017-10-20</a:t>
             </a:fld>
             <a:endParaRPr lang="ko-KR" altLang="en-US"/>
           </a:p>
@@ -12910,21 +12939,12 @@
               </a:rPr>
               <a:t>. </a:t>
             </a:r>
-            <a:endParaRPr lang="en-US" altLang="ko-KR" sz="2000" dirty="0" smtClean="0">
-              <a:latin typeface="-윤고딕310" panose="02030504000101010101" pitchFamily="18" charset="-127"/>
-              <a:ea typeface="-윤고딕310" panose="02030504000101010101" pitchFamily="18" charset="-127"/>
-            </a:endParaRPr>
-          </a:p>
-          <a:p>
-            <a:pPr marL="0" indent="0">
-              <a:buNone/>
-            </a:pPr>
             <a:r>
               <a:rPr lang="ko-KR" altLang="en-US" sz="2000" dirty="0" smtClean="0">
                 <a:latin typeface="-윤고딕310" panose="02030504000101010101" pitchFamily="18" charset="-127"/>
                 <a:ea typeface="-윤고딕310" panose="02030504000101010101" pitchFamily="18" charset="-127"/>
               </a:rPr>
-              <a:t> 체력</a:t>
+              <a:t>현실감을 부여하고</a:t>
             </a:r>
             <a:r>
               <a:rPr lang="en-US" altLang="ko-KR" sz="2000" dirty="0" smtClean="0">
@@ -12934,32 +12954,46 @@
               <a:t> </a:t>
             </a:r>
             <a:r>
+              <a:rPr lang="ko-KR" altLang="en-US" sz="2000" dirty="0" smtClean="0">
+                <a:latin typeface="-윤고딕310" panose="02030504000101010101" pitchFamily="18" charset="-127"/>
+                <a:ea typeface="-윤고딕310" panose="02030504000101010101" pitchFamily="18" charset="-127"/>
+              </a:rPr>
+              <a:t>게임의 </a:t>
+            </a:r>
+            <a:r>
+              <a:rPr lang="ko-KR" altLang="en-US" sz="2000" dirty="0" err="1" smtClean="0">
+                <a:latin typeface="-윤고딕310" panose="02030504000101010101" pitchFamily="18" charset="-127"/>
+                <a:ea typeface="-윤고딕310" panose="02030504000101010101" pitchFamily="18" charset="-127"/>
+              </a:rPr>
+              <a:t>조작감과</a:t>
+            </a:r>
+            <a:r>
+              <a:rPr lang="ko-KR" altLang="en-US" sz="2000" dirty="0" smtClean="0">
+                <a:latin typeface="-윤고딕310" panose="02030504000101010101" pitchFamily="18" charset="-127"/>
+                <a:ea typeface="-윤고딕310" panose="02030504000101010101" pitchFamily="18" charset="-127"/>
+              </a:rPr>
+              <a:t> </a:t>
+            </a:r>
+            <a:r>
+              <a:rPr lang="ko-KR" altLang="en-US" sz="2000" dirty="0" err="1" smtClean="0">
+                <a:latin typeface="-윤고딕310" panose="02030504000101010101" pitchFamily="18" charset="-127"/>
+                <a:ea typeface="-윤고딕310" panose="02030504000101010101" pitchFamily="18" charset="-127"/>
+              </a:rPr>
+              <a:t>게임성을</a:t>
+            </a:r>
+            <a:r>
               <a:rPr lang="ko-KR" altLang="en-US" sz="2000" dirty="0">
                 <a:latin typeface="-윤고딕310" panose="02030504000101010101" pitchFamily="18" charset="-127"/>
                 <a:ea typeface="-윤고딕310" panose="02030504000101010101" pitchFamily="18" charset="-127"/>
               </a:rPr>
-              <a:t>바</a:t>
+              <a:t> </a:t>
             </a:r>
             <a:r>
               <a:rPr lang="ko-KR" altLang="en-US" sz="2000" dirty="0" smtClean="0">
                 <a:latin typeface="-윤고딕310" panose="02030504000101010101" pitchFamily="18" charset="-127"/>
                 <a:ea typeface="-윤고딕310" panose="02030504000101010101" pitchFamily="18" charset="-127"/>
               </a:rPr>
-              <a:t>와 소지 아이템을 제외한 인터페이스가 없어</a:t>
-            </a:r>
-            <a:r>
-              <a:rPr lang="en-US" altLang="ko-KR" sz="2000" dirty="0" smtClean="0">
-                <a:latin typeface="-윤고딕310" panose="02030504000101010101" pitchFamily="18" charset="-127"/>
-                <a:ea typeface="-윤고딕310" panose="02030504000101010101" pitchFamily="18" charset="-127"/>
-              </a:rPr>
-              <a:t> </a:t>
-            </a:r>
-            <a:r>
-              <a:rPr lang="ko-KR" altLang="en-US" sz="2000" dirty="0" smtClean="0">
-                <a:latin typeface="-윤고딕310" panose="02030504000101010101" pitchFamily="18" charset="-127"/>
-                <a:ea typeface="-윤고딕310" panose="02030504000101010101" pitchFamily="18" charset="-127"/>
-              </a:rPr>
-              <a:t>게임에 집중할 수 있다</a:t>
+              <a:t>상대적으로 쉽게 끌어올릴 수 있다</a:t>
             </a:r>
             <a:r>
               <a:rPr lang="en-US" altLang="ko-KR" sz="2000" dirty="0" smtClean="0">
@@ -12968,6 +13002,10 @@
               </a:rPr>
               <a:t>.</a:t>
             </a:r>
+            <a:endParaRPr lang="en-US" altLang="ko-KR" sz="2000" dirty="0" smtClean="0">
+              <a:latin typeface="-윤고딕310" panose="02030504000101010101" pitchFamily="18" charset="-127"/>
+              <a:ea typeface="-윤고딕310" panose="02030504000101010101" pitchFamily="18" charset="-127"/>
+            </a:endParaRPr>
           </a:p>
           <a:p>
             <a:pPr marL="0" indent="0">
@@ -13002,7 +13040,7 @@
           <a:p>
             <a:fld id="{1DFADF30-901F-49C8-A3B5-BD350A95808D}" type="datetime1">
               <a:rPr lang="ko-KR" altLang="en-US" smtClean="0"/>
-              <a:t>2017-10-19</a:t>
+              <a:t>2017-10-20</a:t>
             </a:fld>
             <a:endParaRPr lang="ko-KR" altLang="en-US"/>
           </a:p>
@@ -13256,67 +13294,6 @@
                       </p:childTnLst>
                     </p:cTn>
                   </p:par>
-                  <p:par>
-                    <p:cTn id="13" fill="hold">
-                      <p:stCondLst>
-                        <p:cond delay="indefinite"/>
-                      </p:stCondLst>
-                      <p:childTnLst>
-                        <p:par>
-                          <p:cTn id="14" fill="hold">
-                            <p:stCondLst>
-                              <p:cond delay="0"/>
-                            </p:stCondLst>
-                            <p:childTnLst>
-                              <p:par>
-                                <p:cTn id="15" presetID="10" presetClass="entr" presetSubtype="0" fill="hold" grpId="0" nodeType="clickEffect">
-                                  <p:stCondLst>
-                                    <p:cond delay="0"/>
-                                  </p:stCondLst>
-                                  <p:childTnLst>
-                                    <p:set>
-                                      <p:cBhvr>
-                                        <p:cTn id="16" dur="1" fill="hold">
-                                          <p:stCondLst>
-                                            <p:cond delay="0"/>
-                                          </p:stCondLst>
-                                        </p:cTn>
-                                        <p:tgtEl>
-                                          <p:spTgt spid="3">
-                                            <p:txEl>
-                                              <p:pRg st="2" end="2"/>
-                                            </p:txEl>
-                                          </p:spTgt>
-                                        </p:tgtEl>
-                                        <p:attrNameLst>
-                                          <p:attrName>style.visibility</p:attrName>
-                                        </p:attrNameLst>
-                                      </p:cBhvr>
-                                      <p:to>
-                                        <p:strVal val="visible"/>
-                                      </p:to>
-                                    </p:set>
-                                    <p:animEffect transition="in" filter="fade">
-                                      <p:cBhvr>
-                                        <p:cTn id="17" dur="500"/>
-                                        <p:tgtEl>
-                                          <p:spTgt spid="3">
-                                            <p:txEl>
-                                              <p:pRg st="2" end="2"/>
-                                            </p:txEl>
-                                          </p:spTgt>
-                                        </p:tgtEl>
-                                      </p:cBhvr>
-                                    </p:animEffect>
-                                  </p:childTnLst>
-                                </p:cTn>
-                              </p:par>
-                            </p:childTnLst>
-                          </p:cTn>
-                        </p:par>
-                      </p:childTnLst>
-                    </p:cTn>
-                  </p:par>
                 </p:childTnLst>
               </p:cTn>
               <p:prevCondLst>
@@ -13477,7 +13454,7 @@
           <a:p>
             <a:fld id="{1DFADF30-901F-49C8-A3B5-BD350A95808D}" type="datetime1">
               <a:rPr lang="ko-KR" altLang="en-US" smtClean="0"/>
-              <a:t>2017-10-19</a:t>
+              <a:t>2017-10-20</a:t>
             </a:fld>
             <a:endParaRPr lang="ko-KR" altLang="en-US"/>
           </a:p>
@@ -14905,7 +14882,7 @@
           <a:p>
             <a:fld id="{1DFADF30-901F-49C8-A3B5-BD350A95808D}" type="datetime1">
               <a:rPr lang="ko-KR" altLang="en-US" smtClean="0"/>
-              <a:t>2017-10-19</a:t>
+              <a:t>2017-10-20</a:t>
             </a:fld>
             <a:endParaRPr lang="ko-KR" altLang="en-US"/>
           </a:p>
@@ -15756,11 +15733,6 @@
               </a:rPr>
               <a:t>사냥꾼들에게서 도망치는 것이 게임의 내용</a:t>
             </a:r>
-            <a:endParaRPr lang="ko-KR" altLang="en-US" dirty="0">
-              <a:solidFill>
-                <a:schemeClr val="bg1"/>
-              </a:solidFill>
-            </a:endParaRPr>
           </a:p>
         </p:txBody>
       </p:sp>
@@ -16175,7 +16147,7 @@
           <a:p>
             <a:fld id="{1DFADF30-901F-49C8-A3B5-BD350A95808D}" type="datetime1">
               <a:rPr lang="ko-KR" altLang="en-US" smtClean="0"/>
-              <a:t>2017-10-19</a:t>
+              <a:t>2017-10-20</a:t>
             </a:fld>
             <a:endParaRPr lang="ko-KR" altLang="en-US"/>
           </a:p>
@@ -16384,13 +16356,12 @@
               <a:t>가지 지역을 방문하게 된다</a:t>
             </a:r>
             <a:r>
-              <a:rPr lang="en-US" altLang="ko-KR" dirty="0">
+              <a:rPr lang="en-US" altLang="ko-KR" dirty="0" smtClean="0">
                 <a:latin typeface="-윤고딕310" panose="02030504000101010101" pitchFamily="18" charset="-127"/>
                 <a:ea typeface="-윤고딕310" panose="02030504000101010101" pitchFamily="18" charset="-127"/>
               </a:rPr>
               <a:t>.</a:t>
             </a:r>
-            <a:endParaRPr lang="ko-KR" altLang="en-US" dirty="0"/>
           </a:p>
         </p:txBody>
       </p:sp>
@@ -16403,7 +16374,7 @@
         <p:spPr>
           <a:xfrm>
             <a:off x="1948860" y="2276872"/>
-            <a:ext cx="5400600" cy="646331"/>
+            <a:ext cx="5400600" cy="369332"/>
           </a:xfrm>
           <a:prstGeom prst="rect">
             <a:avLst/>
@@ -16435,20 +16406,14 @@
                 <a:latin typeface="-윤고딕310" panose="02030504000101010101" pitchFamily="18" charset="-127"/>
                 <a:ea typeface="-윤고딕310" panose="02030504000101010101" pitchFamily="18" charset="-127"/>
               </a:rPr>
-              <a:t>갈수록 난이도가 상승하며</a:t>
-            </a:r>
-            <a:endParaRPr lang="en-US" altLang="ko-KR" dirty="0" smtClean="0">
-              <a:latin typeface="-윤고딕310" panose="02030504000101010101" pitchFamily="18" charset="-127"/>
-              <a:ea typeface="-윤고딕310" panose="02030504000101010101" pitchFamily="18" charset="-127"/>
-            </a:endParaRPr>
-          </a:p>
-          <a:p>
+              <a:t>갈수록 난이도가 </a:t>
+            </a:r>
             <a:r>
               <a:rPr lang="ko-KR" altLang="en-US" dirty="0" smtClean="0">
                 <a:latin typeface="-윤고딕310" panose="02030504000101010101" pitchFamily="18" charset="-127"/>
                 <a:ea typeface="-윤고딕310" panose="02030504000101010101" pitchFamily="18" charset="-127"/>
               </a:rPr>
-              <a:t>스토리 역시 절정으로 치닫는다</a:t>
+              <a:t>상승한다</a:t>
             </a:r>
             <a:r>
               <a:rPr lang="en-US" altLang="ko-KR" dirty="0" smtClean="0">
@@ -16457,10 +16422,6 @@
               </a:rPr>
               <a:t>.</a:t>
             </a:r>
-            <a:endParaRPr lang="ko-KR" altLang="en-US" dirty="0">
-              <a:latin typeface="-윤고딕310" panose="02030504000101010101" pitchFamily="18" charset="-127"/>
-              <a:ea typeface="-윤고딕310" panose="02030504000101010101" pitchFamily="18" charset="-127"/>
-            </a:endParaRPr>
           </a:p>
         </p:txBody>
       </p:sp>
@@ -16785,7 +16746,7 @@
             <p:ph idx="1"/>
             <p:extLst>
               <p:ext uri="{D42A27DB-BD31-4B8C-83A1-F6EECF244321}">
-                <p14:modId xmlns:p14="http://schemas.microsoft.com/office/powerpoint/2010/main" val="3963687757"/>
+                <p14:modId xmlns:p14="http://schemas.microsoft.com/office/powerpoint/2010/main" val="3685737050"/>
               </p:ext>
             </p:extLst>
           </p:nvPr>
@@ -16927,29 +16888,19 @@
                           <a:latin typeface="-윤고딕310" panose="02030504000101010101" pitchFamily="18" charset="-127"/>
                           <a:ea typeface="-윤고딕310" panose="02030504000101010101" pitchFamily="18" charset="-127"/>
                         </a:rPr>
-                        <a:t>방향키로 좌우 이동</a:t>
-                      </a:r>
-                      <a:r>
-                        <a:rPr lang="en-US" altLang="ko-KR" sz="1200" dirty="0" smtClean="0">
-                          <a:latin typeface="-윤고딕310" panose="02030504000101010101" pitchFamily="18" charset="-127"/>
-                          <a:ea typeface="-윤고딕310" panose="02030504000101010101" pitchFamily="18" charset="-127"/>
-                        </a:rPr>
-                        <a:t>, </a:t>
+                        <a:t>방향키로 좌우 </a:t>
                       </a:r>
                       <a:r>
                         <a:rPr lang="ko-KR" altLang="en-US" sz="1200" dirty="0" smtClean="0">
                           <a:latin typeface="-윤고딕310" panose="02030504000101010101" pitchFamily="18" charset="-127"/>
                           <a:ea typeface="-윤고딕310" panose="02030504000101010101" pitchFamily="18" charset="-127"/>
                         </a:rPr>
-                        <a:t>기타 움직임 조작</a:t>
-                      </a:r>
-                      <a:r>
-                        <a:rPr lang="en-US" altLang="ko-KR" sz="1200" dirty="0" smtClean="0">
-                          <a:latin typeface="-윤고딕310" panose="02030504000101010101" pitchFamily="18" charset="-127"/>
-                          <a:ea typeface="-윤고딕310" panose="02030504000101010101" pitchFamily="18" charset="-127"/>
-                        </a:rPr>
-                        <a:t>.</a:t>
-                      </a:r>
+                        <a:t>이동</a:t>
+                      </a:r>
+                      <a:endParaRPr lang="en-US" altLang="ko-KR" sz="1200" dirty="0" smtClean="0">
+                        <a:latin typeface="-윤고딕310" panose="02030504000101010101" pitchFamily="18" charset="-127"/>
+                        <a:ea typeface="-윤고딕310" panose="02030504000101010101" pitchFamily="18" charset="-127"/>
+                      </a:endParaRPr>
                     </a:p>
                     <a:p>
                       <a:pPr marL="285750" marR="0" indent="-285750" algn="l" defTabSz="914400" rtl="0" eaLnBrk="1" fontAlgn="auto" latinLnBrk="1" hangingPunct="1">
@@ -17217,14 +17168,7 @@
                           <a:latin typeface="-윤고딕310" panose="02030504000101010101" pitchFamily="18" charset="-127"/>
                           <a:ea typeface="-윤고딕310" panose="02030504000101010101" pitchFamily="18" charset="-127"/>
                         </a:rPr>
-                        <a:t>스토리를 </a:t>
-                      </a:r>
-                      <a:r>
-                        <a:rPr lang="ko-KR" altLang="en-US" sz="1200" dirty="0" smtClean="0">
-                          <a:latin typeface="-윤고딕310" panose="02030504000101010101" pitchFamily="18" charset="-127"/>
-                          <a:ea typeface="-윤고딕310" panose="02030504000101010101" pitchFamily="18" charset="-127"/>
-                        </a:rPr>
-                        <a:t>진행하면서 몸이 회복되면서 예전의 신체 능력을 되찾게 된다</a:t>
+                        <a:t>스토리를 진행하면서 몸이 회복되면서 예전의 신체 능력을 되찾게 된다</a:t>
                       </a:r>
                       <a:r>
                         <a:rPr lang="en-US" altLang="ko-KR" sz="1200" dirty="0" smtClean="0">
@@ -17389,14 +17333,7 @@
                           <a:latin typeface="-윤고딕310" panose="02030504000101010101" pitchFamily="18" charset="-127"/>
                           <a:ea typeface="-윤고딕310" panose="02030504000101010101" pitchFamily="18" charset="-127"/>
                         </a:rPr>
-                        <a:t>대화 메시지 </a:t>
-                      </a:r>
-                      <a:r>
-                        <a:rPr lang="ko-KR" altLang="en-US" sz="1200" baseline="0" dirty="0" smtClean="0">
-                          <a:latin typeface="-윤고딕310" panose="02030504000101010101" pitchFamily="18" charset="-127"/>
-                          <a:ea typeface="-윤고딕310" panose="02030504000101010101" pitchFamily="18" charset="-127"/>
-                        </a:rPr>
-                        <a:t>띄우기</a:t>
+                        <a:t>대화 메시지 띄우기</a:t>
                       </a:r>
                       <a:r>
                         <a:rPr lang="en-US" altLang="ko-KR" sz="1200" baseline="0" dirty="0" smtClean="0">
@@ -17405,10 +17342,6 @@
                         </a:rPr>
                         <a:t>.</a:t>
                       </a:r>
-                      <a:endParaRPr lang="en-US" altLang="ko-KR" sz="1200" baseline="0" dirty="0" smtClean="0">
-                        <a:latin typeface="-윤고딕310" panose="02030504000101010101" pitchFamily="18" charset="-127"/>
-                        <a:ea typeface="-윤고딕310" panose="02030504000101010101" pitchFamily="18" charset="-127"/>
-                      </a:endParaRPr>
                     </a:p>
                     <a:p>
                       <a:pPr marL="285750" indent="-285750" latinLnBrk="1">
@@ -17666,49 +17599,35 @@
                           <a:latin typeface="-윤고딕310" panose="02030504000101010101" pitchFamily="18" charset="-127"/>
                           <a:ea typeface="-윤고딕310" panose="02030504000101010101" pitchFamily="18" charset="-127"/>
                         </a:rPr>
-                        <a:t>각 </a:t>
+                        <a:t>각 테마는 </a:t>
+                      </a:r>
+                      <a:r>
+                        <a:rPr lang="en-US" altLang="ko-KR" sz="1200" dirty="0" smtClean="0">
+                          <a:latin typeface="-윤고딕310" panose="02030504000101010101" pitchFamily="18" charset="-127"/>
+                          <a:ea typeface="-윤고딕310" panose="02030504000101010101" pitchFamily="18" charset="-127"/>
+                        </a:rPr>
+                        <a:t>2~3 </a:t>
                       </a:r>
                       <a:r>
                         <a:rPr lang="ko-KR" altLang="en-US" sz="1200" dirty="0" smtClean="0">
                           <a:latin typeface="-윤고딕310" panose="02030504000101010101" pitchFamily="18" charset="-127"/>
                           <a:ea typeface="-윤고딕310" panose="02030504000101010101" pitchFamily="18" charset="-127"/>
                         </a:rPr>
-                        <a:t>테마는 </a:t>
+                        <a:t>스테이지 정도</a:t>
                       </a:r>
                       <a:r>
                         <a:rPr lang="en-US" altLang="ko-KR" sz="1200" dirty="0" smtClean="0">
                           <a:latin typeface="-윤고딕310" panose="02030504000101010101" pitchFamily="18" charset="-127"/>
                           <a:ea typeface="-윤고딕310" panose="02030504000101010101" pitchFamily="18" charset="-127"/>
                         </a:rPr>
-                        <a:t>2~3 </a:t>
+                        <a:t>. </a:t>
                       </a:r>
                       <a:r>
                         <a:rPr lang="ko-KR" altLang="en-US" sz="1200" dirty="0" smtClean="0">
                           <a:latin typeface="-윤고딕310" panose="02030504000101010101" pitchFamily="18" charset="-127"/>
                           <a:ea typeface="-윤고딕310" panose="02030504000101010101" pitchFamily="18" charset="-127"/>
                         </a:rPr>
-                        <a:t>스테이지 정도</a:t>
-                      </a:r>
-                      <a:r>
-                        <a:rPr lang="en-US" altLang="ko-KR" sz="1200" dirty="0" smtClean="0">
-                          <a:latin typeface="-윤고딕310" panose="02030504000101010101" pitchFamily="18" charset="-127"/>
-                          <a:ea typeface="-윤고딕310" panose="02030504000101010101" pitchFamily="18" charset="-127"/>
-                        </a:rPr>
-                        <a:t>. </a:t>
-                      </a:r>
-                      <a:r>
-                        <a:rPr lang="ko-KR" altLang="en-US" sz="1200" dirty="0" smtClean="0">
-                          <a:latin typeface="-윤고딕310" panose="02030504000101010101" pitchFamily="18" charset="-127"/>
-                          <a:ea typeface="-윤고딕310" panose="02030504000101010101" pitchFamily="18" charset="-127"/>
-                        </a:rPr>
-                        <a:t>각 테마는 다른 컨셉을 가지고 </a:t>
-                      </a:r>
-                      <a:r>
-                        <a:rPr lang="ko-KR" altLang="en-US" sz="1200" dirty="0" smtClean="0">
-                          <a:latin typeface="-윤고딕310" panose="02030504000101010101" pitchFamily="18" charset="-127"/>
-                          <a:ea typeface="-윤고딕310" panose="02030504000101010101" pitchFamily="18" charset="-127"/>
-                        </a:rPr>
-                        <a:t>있음</a:t>
+                        <a:t>각 테마는 다른 컨셉을 가지고 있음</a:t>
                       </a:r>
                       <a:r>
                         <a:rPr lang="en-US" altLang="ko-KR" sz="1200" dirty="0" smtClean="0">
@@ -17750,21 +17669,7 @@
                           <a:latin typeface="-윤고딕310" panose="02030504000101010101" pitchFamily="18" charset="-127"/>
                           <a:ea typeface="-윤고딕310" panose="02030504000101010101" pitchFamily="18" charset="-127"/>
                         </a:rPr>
-                        <a:t>스테이지 별로도 </a:t>
-                      </a:r>
-                      <a:r>
-                        <a:rPr lang="ko-KR" altLang="en-US" sz="1200" dirty="0" smtClean="0">
-                          <a:latin typeface="-윤고딕310" panose="02030504000101010101" pitchFamily="18" charset="-127"/>
-                          <a:ea typeface="-윤고딕310" panose="02030504000101010101" pitchFamily="18" charset="-127"/>
-                        </a:rPr>
-                        <a:t>특색 </a:t>
-                      </a:r>
-                      <a:r>
-                        <a:rPr lang="ko-KR" altLang="en-US" sz="1200" dirty="0" smtClean="0">
-                          <a:latin typeface="-윤고딕310" panose="02030504000101010101" pitchFamily="18" charset="-127"/>
-                          <a:ea typeface="-윤고딕310" panose="02030504000101010101" pitchFamily="18" charset="-127"/>
-                        </a:rPr>
-                        <a:t>부여</a:t>
+                        <a:t>스테이지 별로도 특색 부여</a:t>
                       </a:r>
                       <a:endParaRPr lang="ko-KR" altLang="en-US" sz="1200" dirty="0">
                         <a:latin typeface="-윤고딕310" panose="02030504000101010101" pitchFamily="18" charset="-127"/>
@@ -17801,7 +17706,7 @@
           <a:p>
             <a:fld id="{E63BED42-B56B-487C-A576-F8E55AE26EFB}" type="datetime1">
               <a:rPr lang="ko-KR" altLang="en-US" smtClean="0"/>
-              <a:t>2017-10-19</a:t>
+              <a:t>2017-10-20</a:t>
             </a:fld>
             <a:endParaRPr lang="ko-KR" altLang="en-US"/>
           </a:p>
@@ -17968,14 +17873,14 @@
             <p:ph idx="1"/>
             <p:extLst>
               <p:ext uri="{D42A27DB-BD31-4B8C-83A1-F6EECF244321}">
-                <p14:modId xmlns:p14="http://schemas.microsoft.com/office/powerpoint/2010/main" val="1159877530"/>
+                <p14:modId xmlns:p14="http://schemas.microsoft.com/office/powerpoint/2010/main" val="1808414980"/>
               </p:ext>
             </p:extLst>
           </p:nvPr>
         </p:nvGraphicFramePr>
         <p:xfrm>
           <a:off x="808508" y="1844822"/>
-          <a:ext cx="7562424" cy="4006045"/>
+          <a:ext cx="7562424" cy="4082292"/>
         </p:xfrm>
         <a:graphic>
           <a:graphicData uri="http://schemas.openxmlformats.org/drawingml/2006/table">
@@ -18168,14 +18073,28 @@
                           <a:latin typeface="-윤고딕310" panose="02030504000101010101" pitchFamily="18" charset="-127"/>
                           <a:ea typeface="-윤고딕310" panose="02030504000101010101" pitchFamily="18" charset="-127"/>
                         </a:rPr>
-                        <a:t>AI: </a:t>
+                        <a:t>NPC</a:t>
+                      </a:r>
+                      <a:r>
+                        <a:rPr lang="en-US" altLang="ko-KR" sz="1400" baseline="0" dirty="0" smtClean="0">
+                          <a:latin typeface="-윤고딕310" panose="02030504000101010101" pitchFamily="18" charset="-127"/>
+                          <a:ea typeface="-윤고딕310" panose="02030504000101010101" pitchFamily="18" charset="-127"/>
+                        </a:rPr>
+                        <a:t> </a:t>
                       </a:r>
                       <a:r>
                         <a:rPr lang="ko-KR" altLang="en-US" sz="1400" dirty="0" smtClean="0">
                           <a:latin typeface="-윤고딕310" panose="02030504000101010101" pitchFamily="18" charset="-127"/>
                           <a:ea typeface="-윤고딕310" panose="02030504000101010101" pitchFamily="18" charset="-127"/>
                         </a:rPr>
-                        <a:t>적들도 중력에 영향을 받으며</a:t>
+                        <a:t>들도 </a:t>
+                      </a:r>
+                      <a:r>
+                        <a:rPr lang="ko-KR" altLang="en-US" sz="1400" dirty="0" smtClean="0">
+                          <a:latin typeface="-윤고딕310" panose="02030504000101010101" pitchFamily="18" charset="-127"/>
+                          <a:ea typeface="-윤고딕310" panose="02030504000101010101" pitchFamily="18" charset="-127"/>
+                        </a:rPr>
+                        <a:t>중력에 영향을 받으며</a:t>
                       </a:r>
                       <a:r>
                         <a:rPr lang="en-US" altLang="ko-KR" sz="1400" dirty="0" smtClean="0">
@@ -18423,14 +18342,7 @@
                           <a:latin typeface="-윤고딕310" panose="02030504000101010101" pitchFamily="18" charset="-127"/>
                           <a:ea typeface="-윤고딕310" panose="02030504000101010101" pitchFamily="18" charset="-127"/>
                         </a:rPr>
-                        <a:t>종류의 블록 </a:t>
-                      </a:r>
-                      <a:r>
-                        <a:rPr lang="ko-KR" altLang="en-US" sz="1400" dirty="0" smtClean="0">
-                          <a:latin typeface="-윤고딕310" panose="02030504000101010101" pitchFamily="18" charset="-127"/>
-                          <a:ea typeface="-윤고딕310" panose="02030504000101010101" pitchFamily="18" charset="-127"/>
-                        </a:rPr>
-                        <a:t>그래픽</a:t>
+                        <a:t>종류의 블록 그래픽</a:t>
                       </a:r>
                       <a:endParaRPr lang="en-US" altLang="ko-KR" sz="1400" dirty="0" smtClean="0">
                         <a:latin typeface="-윤고딕310" panose="02030504000101010101" pitchFamily="18" charset="-127"/>
@@ -18468,21 +18380,21 @@
                           <a:latin typeface="-윤고딕310" panose="02030504000101010101" pitchFamily="18" charset="-127"/>
                           <a:ea typeface="-윤고딕310" panose="02030504000101010101" pitchFamily="18" charset="-127"/>
                         </a:rPr>
-                        <a:t>종류 정도</a:t>
-                      </a:r>
-                      <a:r>
-                        <a:rPr lang="en-US" altLang="ko-KR" sz="1400" baseline="0" dirty="0" smtClean="0">
-                          <a:latin typeface="-윤고딕310" panose="02030504000101010101" pitchFamily="18" charset="-127"/>
-                          <a:ea typeface="-윤고딕310" panose="02030504000101010101" pitchFamily="18" charset="-127"/>
-                        </a:rPr>
-                        <a:t>. </a:t>
+                        <a:t>종류 </a:t>
                       </a:r>
                       <a:r>
                         <a:rPr lang="ko-KR" altLang="en-US" sz="1400" baseline="0" dirty="0" smtClean="0">
                           <a:latin typeface="-윤고딕310" panose="02030504000101010101" pitchFamily="18" charset="-127"/>
                           <a:ea typeface="-윤고딕310" panose="02030504000101010101" pitchFamily="18" charset="-127"/>
                         </a:rPr>
-                        <a:t>낱장이 아닌 타일로 채운다</a:t>
+                        <a:t>정도로 배경은 낱장이 </a:t>
+                      </a:r>
+                      <a:r>
+                        <a:rPr lang="ko-KR" altLang="en-US" sz="1400" baseline="0" dirty="0" smtClean="0">
+                          <a:latin typeface="-윤고딕310" panose="02030504000101010101" pitchFamily="18" charset="-127"/>
+                          <a:ea typeface="-윤고딕310" panose="02030504000101010101" pitchFamily="18" charset="-127"/>
+                        </a:rPr>
+                        <a:t>아닌 타일로 채운다</a:t>
                       </a:r>
                       <a:r>
                         <a:rPr lang="en-US" altLang="ko-KR" sz="1400" baseline="0" dirty="0" smtClean="0">
@@ -18723,7 +18635,7 @@
           <a:p>
             <a:fld id="{E63BED42-B56B-487C-A576-F8E55AE26EFB}" type="datetime1">
               <a:rPr lang="ko-KR" altLang="en-US" smtClean="0"/>
-              <a:t>2017-10-19</a:t>
+              <a:t>2017-10-20</a:t>
             </a:fld>
             <a:endParaRPr lang="ko-KR" altLang="en-US"/>
           </a:p>

--- a/slides/2016180042_진윤성_2DGP_1차발표.pptx
+++ b/slides/2016180042_진윤성_2DGP_1차발표.pptx
@@ -30,44 +30,44 @@
   <p:notesSz cx="6858000" cy="9144000"/>
   <p:embeddedFontLst>
     <p:embeddedFont>
-      <p:font typeface="맑은 고딕" panose="020B0503020000020004" pitchFamily="50" charset="-127"/>
+      <p:font typeface="-윤고딕320" panose="02030504000101010101" pitchFamily="18" charset="-127"/>
       <p:regular r:id="rId18"/>
-      <p:bold r:id="rId19"/>
     </p:embeddedFont>
     <p:embeddedFont>
-      <p:font typeface="Franklin Gothic Book" panose="020B0503020102020204" pitchFamily="34" charset="0"/>
-      <p:regular r:id="rId20"/>
+      <p:font typeface="Constantia" panose="02030602050306030303" pitchFamily="18" charset="0"/>
+      <p:regular r:id="rId19"/>
+      <p:bold r:id="rId20"/>
       <p:italic r:id="rId21"/>
-    </p:embeddedFont>
-    <p:embeddedFont>
-      <p:font typeface="HY신명조" panose="02030600000101010101" pitchFamily="18" charset="-127"/>
-      <p:regular r:id="rId22"/>
+      <p:boldItalic r:id="rId22"/>
     </p:embeddedFont>
     <p:embeddedFont>
       <p:font typeface="Rage Italic" panose="03070502040507070304" pitchFamily="66" charset="0"/>
       <p:regular r:id="rId23"/>
     </p:embeddedFont>
     <p:embeddedFont>
-      <p:font typeface="Constantia" panose="02030602050306030303" pitchFamily="18" charset="0"/>
+      <p:font typeface="-윤고딕310" panose="02030504000101010101" pitchFamily="18" charset="-127"/>
       <p:regular r:id="rId24"/>
-      <p:bold r:id="rId25"/>
-      <p:italic r:id="rId26"/>
-      <p:boldItalic r:id="rId27"/>
     </p:embeddedFont>
     <p:embeddedFont>
-      <p:font typeface="-윤고딕310" panose="02030504000101010101" pitchFamily="18" charset="-127"/>
-      <p:regular r:id="rId28"/>
+      <p:font typeface="-윤고딕330" panose="02030504000101010101" pitchFamily="18" charset="-127"/>
+      <p:regular r:id="rId25"/>
     </p:embeddedFont>
     <p:embeddedFont>
       <p:font typeface="Brush Script MT" panose="03060802040406070304" pitchFamily="66" charset="0"/>
-      <p:italic r:id="rId29"/>
+      <p:italic r:id="rId26"/>
     </p:embeddedFont>
     <p:embeddedFont>
-      <p:font typeface="-윤고딕320" panose="02030504000101010101" pitchFamily="18" charset="-127"/>
-      <p:regular r:id="rId30"/>
+      <p:font typeface="맑은 고딕" panose="020B0503020000020004" pitchFamily="50" charset="-127"/>
+      <p:regular r:id="rId27"/>
+      <p:bold r:id="rId28"/>
     </p:embeddedFont>
     <p:embeddedFont>
-      <p:font typeface="-윤고딕330" panose="02030504000101010101" pitchFamily="18" charset="-127"/>
+      <p:font typeface="Franklin Gothic Book" panose="020B0503020102020204" pitchFamily="34" charset="0"/>
+      <p:regular r:id="rId29"/>
+      <p:italic r:id="rId30"/>
+    </p:embeddedFont>
+    <p:embeddedFont>
+      <p:font typeface="HY신명조" panose="02030600000101010101" pitchFamily="18" charset="-127"/>
       <p:regular r:id="rId31"/>
     </p:embeddedFont>
   </p:embeddedFontLst>
@@ -8620,20 +8620,27 @@
           <a:p>
             <a:pPr algn="r"/>
             <a:r>
-              <a:rPr lang="en-US" altLang="ko-KR" sz="2500" smtClean="0">
+              <a:rPr lang="ko-KR" altLang="en-US" sz="2500" dirty="0" smtClean="0">
+                <a:latin typeface="-윤고딕310" panose="02030504000101010101" pitchFamily="18" charset="-127"/>
+                <a:ea typeface="-윤고딕310" panose="02030504000101010101" pitchFamily="18" charset="-127"/>
+              </a:rPr>
+              <a:t>게임공학과 </a:t>
+            </a:r>
+            <a:r>
+              <a:rPr lang="en-US" altLang="ko-KR" sz="2500" dirty="0" smtClean="0">
                 <a:latin typeface="-윤고딕310" panose="02030504000101010101" pitchFamily="18" charset="-127"/>
                 <a:ea typeface="-윤고딕310" panose="02030504000101010101" pitchFamily="18" charset="-127"/>
               </a:rPr>
               <a:t>2016180042 </a:t>
             </a:r>
             <a:r>
-              <a:rPr lang="ko-KR" altLang="en-US" sz="2500" smtClean="0">
+              <a:rPr lang="ko-KR" altLang="en-US" sz="2500" dirty="0" smtClean="0">
                 <a:latin typeface="-윤고딕310" panose="02030504000101010101" pitchFamily="18" charset="-127"/>
                 <a:ea typeface="-윤고딕310" panose="02030504000101010101" pitchFamily="18" charset="-127"/>
               </a:rPr>
               <a:t>진윤성</a:t>
             </a:r>
-            <a:endParaRPr lang="ko-KR" altLang="en-US" sz="2500">
+            <a:endParaRPr lang="ko-KR" altLang="en-US" sz="2500" dirty="0">
               <a:latin typeface="-윤고딕310" panose="02030504000101010101" pitchFamily="18" charset="-127"/>
               <a:ea typeface="-윤고딕310" panose="02030504000101010101" pitchFamily="18" charset="-127"/>
             </a:endParaRPr>
@@ -9405,21 +9412,7 @@
                           <a:latin typeface="-윤고딕310" panose="02030504000101010101" pitchFamily="18" charset="-127"/>
                           <a:ea typeface="-윤고딕310" panose="02030504000101010101" pitchFamily="18" charset="-127"/>
                         </a:rPr>
-                        <a:t>누른 키에 따라 행동을 취하는데 </a:t>
-                      </a:r>
-                      <a:r>
-                        <a:rPr lang="ko-KR" altLang="en-US" sz="1200" dirty="0" smtClean="0">
-                          <a:latin typeface="-윤고딕310" panose="02030504000101010101" pitchFamily="18" charset="-127"/>
-                          <a:ea typeface="-윤고딕310" panose="02030504000101010101" pitchFamily="18" charset="-127"/>
-                        </a:rPr>
-                        <a:t>처음엔 </a:t>
-                      </a:r>
-                      <a:r>
-                        <a:rPr lang="ko-KR" altLang="en-US" sz="1200" dirty="0" smtClean="0">
-                          <a:latin typeface="-윤고딕310" panose="02030504000101010101" pitchFamily="18" charset="-127"/>
-                          <a:ea typeface="-윤고딕310" panose="02030504000101010101" pitchFamily="18" charset="-127"/>
-                        </a:rPr>
-                        <a:t>움직임만 취하도록 한다</a:t>
+                        <a:t>누른 키에 따라 행동을 취하는데 처음엔 움직임만 취하도록 한다</a:t>
                       </a:r>
                       <a:r>
                         <a:rPr lang="en-US" altLang="ko-KR" sz="1200" dirty="0" smtClean="0">
@@ -9769,10 +9762,6 @@
                         </a:rPr>
                         <a:t>.</a:t>
                       </a:r>
-                      <a:endParaRPr lang="en-US" altLang="ko-KR" sz="1200" baseline="0" dirty="0" smtClean="0">
-                        <a:latin typeface="-윤고딕310" panose="02030504000101010101" pitchFamily="18" charset="-127"/>
-                        <a:ea typeface="-윤고딕310" panose="02030504000101010101" pitchFamily="18" charset="-127"/>
-                      </a:endParaRPr>
                     </a:p>
                     <a:p>
                       <a:pPr marL="171450" indent="-171450" latinLnBrk="1">
@@ -12162,14 +12151,7 @@
                 <a:latin typeface="-윤고딕310" panose="02030504000101010101" pitchFamily="18" charset="-127"/>
                 <a:ea typeface="-윤고딕310" panose="02030504000101010101" pitchFamily="18" charset="-127"/>
               </a:rPr>
-              <a:t>게임 </a:t>
-            </a:r>
-            <a:r>
-              <a:rPr lang="ko-KR" altLang="en-US" sz="2300" dirty="0" smtClean="0">
-                <a:latin typeface="-윤고딕310" panose="02030504000101010101" pitchFamily="18" charset="-127"/>
-                <a:ea typeface="-윤고딕310" panose="02030504000101010101" pitchFamily="18" charset="-127"/>
-              </a:rPr>
-              <a:t>컨셉트</a:t>
+              <a:t>게임 컨셉트</a:t>
             </a:r>
             <a:endParaRPr lang="en-US" altLang="ko-KR" sz="2300" dirty="0" smtClean="0">
               <a:latin typeface="-윤고딕310" panose="02030504000101010101" pitchFamily="18" charset="-127"/>
@@ -12522,14 +12504,7 @@
                 <a:latin typeface="-윤고딕310" panose="02030504000101010101" pitchFamily="18" charset="-127"/>
                 <a:ea typeface="-윤고딕310" panose="02030504000101010101" pitchFamily="18" charset="-127"/>
               </a:rPr>
-              <a:t>플랫폼 </a:t>
-            </a:r>
-            <a:r>
-              <a:rPr lang="ko-KR" altLang="en-US" sz="2000" dirty="0" smtClean="0">
-                <a:latin typeface="-윤고딕310" panose="02030504000101010101" pitchFamily="18" charset="-127"/>
-                <a:ea typeface="-윤고딕310" panose="02030504000101010101" pitchFamily="18" charset="-127"/>
-              </a:rPr>
-              <a:t>어드벤처</a:t>
+              <a:t>플랫폼 어드벤처</a:t>
             </a:r>
             <a:r>
               <a:rPr lang="en-US" altLang="ko-KR" sz="2000" dirty="0">
@@ -12543,14 +12518,21 @@
                 <a:latin typeface="-윤고딕310" panose="02030504000101010101" pitchFamily="18" charset="-127"/>
                 <a:ea typeface="-윤고딕310" panose="02030504000101010101" pitchFamily="18" charset="-127"/>
               </a:rPr>
-              <a:t>–</a:t>
+              <a:t>– </a:t>
+            </a:r>
+            <a:r>
+              <a:rPr lang="ko-KR" altLang="en-US" sz="2000" dirty="0" smtClean="0">
+                <a:latin typeface="-윤고딕310" panose="02030504000101010101" pitchFamily="18" charset="-127"/>
+                <a:ea typeface="-윤고딕310" panose="02030504000101010101" pitchFamily="18" charset="-127"/>
+              </a:rPr>
+              <a:t>모든 개체는 중력이 작용하는 세계이다</a:t>
             </a:r>
             <a:r>
               <a:rPr lang="en-US" altLang="ko-KR" sz="2000" dirty="0" smtClean="0">
                 <a:latin typeface="-윤고딕310" panose="02030504000101010101" pitchFamily="18" charset="-127"/>
                 <a:ea typeface="-윤고딕310" panose="02030504000101010101" pitchFamily="18" charset="-127"/>
               </a:rPr>
-              <a:t> </a:t>
+              <a:t>. </a:t>
             </a:r>
             <a:r>
               <a:rPr lang="ko-KR" altLang="en-US" sz="2000" dirty="0" smtClean="0">
@@ -12564,14 +12546,7 @@
                 <a:latin typeface="-윤고딕310" panose="02030504000101010101" pitchFamily="18" charset="-127"/>
                 <a:ea typeface="-윤고딕310" panose="02030504000101010101" pitchFamily="18" charset="-127"/>
               </a:rPr>
-              <a:t>중력이 작용하는 </a:t>
-            </a:r>
-            <a:r>
-              <a:rPr lang="ko-KR" altLang="en-US" sz="2000" dirty="0" smtClean="0">
-                <a:latin typeface="-윤고딕310" panose="02030504000101010101" pitchFamily="18" charset="-127"/>
-                <a:ea typeface="-윤고딕310" panose="02030504000101010101" pitchFamily="18" charset="-127"/>
-              </a:rPr>
-              <a:t>세계이다</a:t>
+              <a:t>중력 때문에 움직이기 위해서 좌우 이동과 점프만이 가능합니다</a:t>
             </a:r>
             <a:r>
               <a:rPr lang="en-US" altLang="ko-KR" sz="2000" dirty="0" smtClean="0">
@@ -12580,59 +12555,25 @@
               </a:rPr>
               <a:t>. </a:t>
             </a:r>
+            <a:endParaRPr lang="en-US" altLang="ko-KR" sz="2000" dirty="0" smtClean="0">
+              <a:latin typeface="-윤고딕310" panose="02030504000101010101" pitchFamily="18" charset="-127"/>
+              <a:ea typeface="-윤고딕310" panose="02030504000101010101" pitchFamily="18" charset="-127"/>
+            </a:endParaRPr>
+          </a:p>
+          <a:p>
             <a:r>
               <a:rPr lang="ko-KR" altLang="en-US" sz="2000" dirty="0" smtClean="0">
                 <a:latin typeface="-윤고딕310" panose="02030504000101010101" pitchFamily="18" charset="-127"/>
                 <a:ea typeface="-윤고딕310" panose="02030504000101010101" pitchFamily="18" charset="-127"/>
               </a:rPr>
-              <a:t>모든 개체는 중력 때문에 좌우 이동과 점프에 의한 수직 이동만 있을 뿐이다</a:t>
-            </a:r>
-            <a:r>
-              <a:rPr lang="en-US" altLang="ko-KR" sz="2000" dirty="0" smtClean="0">
-                <a:latin typeface="-윤고딕310" panose="02030504000101010101" pitchFamily="18" charset="-127"/>
-                <a:ea typeface="-윤고딕310" panose="02030504000101010101" pitchFamily="18" charset="-127"/>
-              </a:rPr>
-              <a:t>.</a:t>
-            </a:r>
-            <a:endParaRPr lang="en-US" altLang="ko-KR" sz="2000" dirty="0" smtClean="0">
-              <a:latin typeface="-윤고딕310" panose="02030504000101010101" pitchFamily="18" charset="-127"/>
-              <a:ea typeface="-윤고딕310" panose="02030504000101010101" pitchFamily="18" charset="-127"/>
-            </a:endParaRPr>
-          </a:p>
-          <a:p>
-            <a:endParaRPr lang="en-US" altLang="ko-KR" sz="2000" dirty="0" smtClean="0">
-              <a:latin typeface="-윤고딕310" panose="02030504000101010101" pitchFamily="18" charset="-127"/>
-              <a:ea typeface="-윤고딕310" panose="02030504000101010101" pitchFamily="18" charset="-127"/>
-            </a:endParaRPr>
-          </a:p>
-          <a:p>
-            <a:r>
-              <a:rPr lang="ko-KR" altLang="en-US" sz="2000" dirty="0" smtClean="0">
-                <a:latin typeface="-윤고딕310" panose="02030504000101010101" pitchFamily="18" charset="-127"/>
-                <a:ea typeface="-윤고딕310" panose="02030504000101010101" pitchFamily="18" charset="-127"/>
-              </a:rPr>
-              <a:t> </a:t>
-            </a:r>
-            <a:r>
-              <a:rPr lang="ko-KR" altLang="en-US" sz="2000" dirty="0" smtClean="0">
-                <a:latin typeface="-윤고딕310" panose="02030504000101010101" pitchFamily="18" charset="-127"/>
-                <a:ea typeface="-윤고딕310" panose="02030504000101010101" pitchFamily="18" charset="-127"/>
-              </a:rPr>
-              <a:t>키보드의 </a:t>
+              <a:t> 키보드의 </a:t>
             </a:r>
             <a:r>
               <a:rPr lang="ko-KR" altLang="en-US" sz="2000" b="1" dirty="0" smtClean="0">
                 <a:latin typeface="-윤고딕310" panose="02030504000101010101" pitchFamily="18" charset="-127"/>
                 <a:ea typeface="-윤고딕310" panose="02030504000101010101" pitchFamily="18" charset="-127"/>
               </a:rPr>
-              <a:t>방향키와 </a:t>
-            </a:r>
-            <a:r>
-              <a:rPr lang="ko-KR" altLang="en-US" sz="2000" b="1" dirty="0" smtClean="0">
-                <a:latin typeface="-윤고딕310" panose="02030504000101010101" pitchFamily="18" charset="-127"/>
-                <a:ea typeface="-윤고딕310" panose="02030504000101010101" pitchFamily="18" charset="-127"/>
-              </a:rPr>
-              <a:t>다른 키 조합</a:t>
+              <a:t>방향키와 다른 키 조합</a:t>
             </a:r>
             <a:r>
               <a:rPr lang="ko-KR" altLang="en-US" sz="2000" dirty="0" smtClean="0">
@@ -12667,14 +12608,7 @@
                 <a:latin typeface="-윤고딕310" panose="02030504000101010101" pitchFamily="18" charset="-127"/>
                 <a:ea typeface="-윤고딕310" panose="02030504000101010101" pitchFamily="18" charset="-127"/>
               </a:rPr>
-              <a:t>편리함을 위해 마우스를 </a:t>
-            </a:r>
-            <a:r>
-              <a:rPr lang="ko-KR" altLang="en-US" sz="2000" dirty="0" smtClean="0">
-                <a:latin typeface="-윤고딕310" panose="02030504000101010101" pitchFamily="18" charset="-127"/>
-                <a:ea typeface="-윤고딕310" panose="02030504000101010101" pitchFamily="18" charset="-127"/>
-              </a:rPr>
-              <a:t>쓰지 않는다</a:t>
+              <a:t>편리함을 위해 마우스를 쓰지 않는다</a:t>
             </a:r>
             <a:r>
               <a:rPr lang="en-US" altLang="ko-KR" sz="2000" dirty="0" smtClean="0">
@@ -13002,10 +12936,6 @@
               </a:rPr>
               <a:t>.</a:t>
             </a:r>
-            <a:endParaRPr lang="en-US" altLang="ko-KR" sz="2000" dirty="0" smtClean="0">
-              <a:latin typeface="-윤고딕310" panose="02030504000101010101" pitchFamily="18" charset="-127"/>
-              <a:ea typeface="-윤고딕310" panose="02030504000101010101" pitchFamily="18" charset="-127"/>
-            </a:endParaRPr>
           </a:p>
           <a:p>
             <a:pPr marL="0" indent="0">
@@ -14513,7 +14443,23 @@
                   <a:schemeClr val="bg1"/>
                 </a:solidFill>
               </a:rPr>
-              <a:t>조력자 포지션의 소녀가 플레이어를 도와 나오면서 게임이 시작된다</a:t>
+              <a:t>조력자 포지션의 소녀가 플레이어를 도와 </a:t>
+            </a:r>
+            <a:r>
+              <a:rPr lang="ko-KR" altLang="en-US" dirty="0" smtClean="0">
+                <a:solidFill>
+                  <a:schemeClr val="bg1"/>
+                </a:solidFill>
+              </a:rPr>
+              <a:t>탈출하면서 </a:t>
+            </a:r>
+            <a:r>
+              <a:rPr lang="ko-KR" altLang="en-US" dirty="0" smtClean="0">
+                <a:solidFill>
+                  <a:schemeClr val="bg1"/>
+                </a:solidFill>
+              </a:rPr>
+              <a:t>게임이 시작된다</a:t>
             </a:r>
             <a:r>
               <a:rPr lang="en-US" altLang="ko-KR" dirty="0" smtClean="0">
@@ -15676,7 +15622,7 @@
         <p:spPr>
           <a:xfrm>
             <a:off x="3384648" y="2047627"/>
-            <a:ext cx="4176464" cy="923330"/>
+            <a:ext cx="4176464" cy="1200329"/>
           </a:xfrm>
           <a:prstGeom prst="rect">
             <a:avLst/>
@@ -15715,10 +15661,18 @@
                   <a:schemeClr val="bg1"/>
                 </a:solidFill>
               </a:rPr>
-              <a:t>그러다가 일이 커져 군인들</a:t>
-            </a:r>
-            <a:r>
-              <a:rPr lang="en-US" altLang="ko-KR" dirty="0">
+              <a:t>그러다가 일이 커져 </a:t>
+            </a:r>
+            <a:r>
+              <a:rPr lang="ko-KR" altLang="en-US" dirty="0" smtClean="0">
+                <a:solidFill>
+                  <a:schemeClr val="bg1"/>
+                </a:solidFill>
+              </a:rPr>
+              <a:t>사냥꾼들</a:t>
+            </a:r>
+            <a:r>
+              <a:rPr lang="en-US" altLang="ko-KR" dirty="0" smtClean="0">
                 <a:solidFill>
                   <a:schemeClr val="bg1"/>
                 </a:solidFill>
@@ -15726,12 +15680,20 @@
               <a:t>, </a:t>
             </a:r>
             <a:r>
+              <a:rPr lang="ko-KR" altLang="en-US" dirty="0" smtClean="0">
+                <a:solidFill>
+                  <a:schemeClr val="bg1"/>
+                </a:solidFill>
+              </a:rPr>
+              <a:t>나아가 군대에게서 </a:t>
+            </a:r>
+            <a:r>
               <a:rPr lang="ko-KR" altLang="en-US" dirty="0">
                 <a:solidFill>
                   <a:schemeClr val="bg1"/>
                 </a:solidFill>
               </a:rPr>
-              <a:t>사냥꾼들에게서 도망치는 것이 게임의 내용</a:t>
+              <a:t>도망치는 것이 게임의 내용</a:t>
             </a:r>
           </a:p>
         </p:txBody>
@@ -16374,7 +16336,7 @@
         <p:spPr>
           <a:xfrm>
             <a:off x="1948860" y="2276872"/>
-            <a:ext cx="5400600" cy="369332"/>
+            <a:ext cx="5400600" cy="1200329"/>
           </a:xfrm>
           <a:prstGeom prst="rect">
             <a:avLst/>
@@ -16406,22 +16368,68 @@
                 <a:latin typeface="-윤고딕310" panose="02030504000101010101" pitchFamily="18" charset="-127"/>
                 <a:ea typeface="-윤고딕310" panose="02030504000101010101" pitchFamily="18" charset="-127"/>
               </a:rPr>
-              <a:t>갈수록 난이도가 </a:t>
+              <a:t>갈수록 난이도가 상승한다</a:t>
+            </a:r>
+            <a:r>
+              <a:rPr lang="en-US" altLang="ko-KR" dirty="0" smtClean="0">
+                <a:latin typeface="-윤고딕310" panose="02030504000101010101" pitchFamily="18" charset="-127"/>
+                <a:ea typeface="-윤고딕310" panose="02030504000101010101" pitchFamily="18" charset="-127"/>
+              </a:rPr>
+              <a:t>. </a:t>
             </a:r>
             <a:r>
               <a:rPr lang="ko-KR" altLang="en-US" dirty="0" smtClean="0">
                 <a:latin typeface="-윤고딕310" panose="02030504000101010101" pitchFamily="18" charset="-127"/>
                 <a:ea typeface="-윤고딕310" panose="02030504000101010101" pitchFamily="18" charset="-127"/>
               </a:rPr>
-              <a:t>상승한다</a:t>
+              <a:t>스토리의 내용 역시 이 순서로 갈등이 심화된다</a:t>
             </a:r>
             <a:r>
               <a:rPr lang="en-US" altLang="ko-KR" dirty="0" smtClean="0">
                 <a:latin typeface="-윤고딕310" panose="02030504000101010101" pitchFamily="18" charset="-127"/>
                 <a:ea typeface="-윤고딕310" panose="02030504000101010101" pitchFamily="18" charset="-127"/>
               </a:rPr>
+              <a:t>. </a:t>
+            </a:r>
+            <a:r>
+              <a:rPr lang="ko-KR" altLang="en-US" dirty="0" smtClean="0">
+                <a:latin typeface="-윤고딕310" panose="02030504000101010101" pitchFamily="18" charset="-127"/>
+                <a:ea typeface="-윤고딕310" panose="02030504000101010101" pitchFamily="18" charset="-127"/>
+              </a:rPr>
+              <a:t>플레이어를 추격해오는 세력이 강해지고</a:t>
+            </a:r>
+            <a:r>
+              <a:rPr lang="en-US" altLang="ko-KR" dirty="0" smtClean="0">
+                <a:latin typeface="-윤고딕310" panose="02030504000101010101" pitchFamily="18" charset="-127"/>
+                <a:ea typeface="-윤고딕310" panose="02030504000101010101" pitchFamily="18" charset="-127"/>
+              </a:rPr>
+              <a:t>, </a:t>
+            </a:r>
+            <a:r>
+              <a:rPr lang="ko-KR" altLang="en-US" dirty="0" smtClean="0">
+                <a:latin typeface="-윤고딕310" panose="02030504000101010101" pitchFamily="18" charset="-127"/>
+                <a:ea typeface="-윤고딕310" panose="02030504000101010101" pitchFamily="18" charset="-127"/>
+              </a:rPr>
+              <a:t>소녀와 </a:t>
+            </a:r>
+            <a:r>
+              <a:rPr lang="ko-KR" altLang="en-US" dirty="0" smtClean="0">
+                <a:latin typeface="-윤고딕310" panose="02030504000101010101" pitchFamily="18" charset="-127"/>
+                <a:ea typeface="-윤고딕310" panose="02030504000101010101" pitchFamily="18" charset="-127"/>
+              </a:rPr>
+              <a:t>플레이어의 관계도 변합니다</a:t>
+            </a:r>
+            <a:r>
+              <a:rPr lang="en-US" altLang="ko-KR" smtClean="0">
+                <a:latin typeface="-윤고딕310" panose="02030504000101010101" pitchFamily="18" charset="-127"/>
+                <a:ea typeface="-윤고딕310" panose="02030504000101010101" pitchFamily="18" charset="-127"/>
+              </a:rPr>
               <a:t>.</a:t>
             </a:r>
+            <a:endParaRPr lang="en-US" altLang="ko-KR" dirty="0" smtClean="0">
+              <a:latin typeface="-윤고딕310" panose="02030504000101010101" pitchFamily="18" charset="-127"/>
+              <a:ea typeface="-윤고딕310" panose="02030504000101010101" pitchFamily="18" charset="-127"/>
+            </a:endParaRPr>
           </a:p>
         </p:txBody>
       </p:sp>
@@ -16888,14 +16896,7 @@
                           <a:latin typeface="-윤고딕310" panose="02030504000101010101" pitchFamily="18" charset="-127"/>
                           <a:ea typeface="-윤고딕310" panose="02030504000101010101" pitchFamily="18" charset="-127"/>
                         </a:rPr>
-                        <a:t>방향키로 좌우 </a:t>
-                      </a:r>
-                      <a:r>
-                        <a:rPr lang="ko-KR" altLang="en-US" sz="1200" dirty="0" smtClean="0">
-                          <a:latin typeface="-윤고딕310" panose="02030504000101010101" pitchFamily="18" charset="-127"/>
-                          <a:ea typeface="-윤고딕310" panose="02030504000101010101" pitchFamily="18" charset="-127"/>
-                        </a:rPr>
-                        <a:t>이동</a:t>
+                        <a:t>방향키로 좌우 이동</a:t>
                       </a:r>
                       <a:endParaRPr lang="en-US" altLang="ko-KR" sz="1200" dirty="0" smtClean="0">
                         <a:latin typeface="-윤고딕310" panose="02030504000101010101" pitchFamily="18" charset="-127"/>
@@ -18087,14 +18088,7 @@
                           <a:latin typeface="-윤고딕310" panose="02030504000101010101" pitchFamily="18" charset="-127"/>
                           <a:ea typeface="-윤고딕310" panose="02030504000101010101" pitchFamily="18" charset="-127"/>
                         </a:rPr>
-                        <a:t>들도 </a:t>
-                      </a:r>
-                      <a:r>
-                        <a:rPr lang="ko-KR" altLang="en-US" sz="1400" dirty="0" smtClean="0">
-                          <a:latin typeface="-윤고딕310" panose="02030504000101010101" pitchFamily="18" charset="-127"/>
-                          <a:ea typeface="-윤고딕310" panose="02030504000101010101" pitchFamily="18" charset="-127"/>
-                        </a:rPr>
-                        <a:t>중력에 영향을 받으며</a:t>
+                        <a:t>들도 중력에 영향을 받으며</a:t>
                       </a:r>
                       <a:r>
                         <a:rPr lang="en-US" altLang="ko-KR" sz="1400" dirty="0" smtClean="0">
@@ -18380,21 +18374,7 @@
                           <a:latin typeface="-윤고딕310" panose="02030504000101010101" pitchFamily="18" charset="-127"/>
                           <a:ea typeface="-윤고딕310" panose="02030504000101010101" pitchFamily="18" charset="-127"/>
                         </a:rPr>
-                        <a:t>종류 </a:t>
-                      </a:r>
-                      <a:r>
-                        <a:rPr lang="ko-KR" altLang="en-US" sz="1400" baseline="0" dirty="0" smtClean="0">
-                          <a:latin typeface="-윤고딕310" panose="02030504000101010101" pitchFamily="18" charset="-127"/>
-                          <a:ea typeface="-윤고딕310" panose="02030504000101010101" pitchFamily="18" charset="-127"/>
-                        </a:rPr>
-                        <a:t>정도로 배경은 낱장이 </a:t>
-                      </a:r>
-                      <a:r>
-                        <a:rPr lang="ko-KR" altLang="en-US" sz="1400" baseline="0" dirty="0" smtClean="0">
-                          <a:latin typeface="-윤고딕310" panose="02030504000101010101" pitchFamily="18" charset="-127"/>
-                          <a:ea typeface="-윤고딕310" panose="02030504000101010101" pitchFamily="18" charset="-127"/>
-                        </a:rPr>
-                        <a:t>아닌 타일로 채운다</a:t>
+                        <a:t>종류 정도로 배경은 낱장이 아닌 타일로 채운다</a:t>
                       </a:r>
                       <a:r>
                         <a:rPr lang="en-US" altLang="ko-KR" sz="1400" baseline="0" dirty="0" smtClean="0">

--- a/slides/2016180042_진윤성_2DGP_1차발표.pptx
+++ b/slides/2016180042_진윤성_2DGP_1차발표.pptx
@@ -30,7 +30,7 @@
   <p:notesSz cx="6858000" cy="9144000"/>
   <p:embeddedFontLst>
     <p:embeddedFont>
-      <p:font typeface="-윤고딕320" panose="02030504000101010101" pitchFamily="18" charset="-127"/>
+      <p:font typeface="Rage Italic" panose="03070502040507070304" pitchFamily="66" charset="0"/>
       <p:regular r:id="rId18"/>
     </p:embeddedFont>
     <p:embeddedFont>
@@ -41,33 +41,33 @@
       <p:boldItalic r:id="rId22"/>
     </p:embeddedFont>
     <p:embeddedFont>
-      <p:font typeface="Rage Italic" panose="03070502040507070304" pitchFamily="66" charset="0"/>
+      <p:font typeface="-윤고딕330" panose="02030504000101010101" pitchFamily="18" charset="-127"/>
       <p:regular r:id="rId23"/>
     </p:embeddedFont>
     <p:embeddedFont>
-      <p:font typeface="-윤고딕310" panose="02030504000101010101" pitchFamily="18" charset="-127"/>
-      <p:regular r:id="rId24"/>
-    </p:embeddedFont>
-    <p:embeddedFont>
-      <p:font typeface="-윤고딕330" panose="02030504000101010101" pitchFamily="18" charset="-127"/>
-      <p:regular r:id="rId25"/>
-    </p:embeddedFont>
-    <p:embeddedFont>
       <p:font typeface="Brush Script MT" panose="03060802040406070304" pitchFamily="66" charset="0"/>
-      <p:italic r:id="rId26"/>
+      <p:italic r:id="rId24"/>
     </p:embeddedFont>
     <p:embeddedFont>
       <p:font typeface="맑은 고딕" panose="020B0503020000020004" pitchFamily="50" charset="-127"/>
-      <p:regular r:id="rId27"/>
-      <p:bold r:id="rId28"/>
+      <p:regular r:id="rId25"/>
+      <p:bold r:id="rId26"/>
     </p:embeddedFont>
     <p:embeddedFont>
       <p:font typeface="Franklin Gothic Book" panose="020B0503020102020204" pitchFamily="34" charset="0"/>
-      <p:regular r:id="rId29"/>
-      <p:italic r:id="rId30"/>
+      <p:regular r:id="rId27"/>
+      <p:italic r:id="rId28"/>
     </p:embeddedFont>
     <p:embeddedFont>
       <p:font typeface="HY신명조" panose="02030600000101010101" pitchFamily="18" charset="-127"/>
+      <p:regular r:id="rId29"/>
+    </p:embeddedFont>
+    <p:embeddedFont>
+      <p:font typeface="-윤고딕310" panose="02030504000101010101" pitchFamily="18" charset="-127"/>
+      <p:regular r:id="rId30"/>
+    </p:embeddedFont>
+    <p:embeddedFont>
+      <p:font typeface="-윤고딕320" panose="02030504000101010101" pitchFamily="18" charset="-127"/>
       <p:regular r:id="rId31"/>
     </p:embeddedFont>
   </p:embeddedFontLst>
@@ -2937,7 +2937,7 @@
           <a:p>
             <a:fld id="{8F1DCB68-D71C-4438-9E18-1A39E8F98C0B}" type="datetime1">
               <a:rPr lang="ko-KR" altLang="en-US" smtClean="0"/>
-              <a:t>2017-10-20</a:t>
+              <a:t>2017-10-23</a:t>
             </a:fld>
             <a:endParaRPr lang="ko-KR" altLang="en-US"/>
           </a:p>
@@ -3103,7 +3103,7 @@
           <a:p>
             <a:fld id="{63FC2A86-C442-46A0-A683-343668E3757C}" type="datetime1">
               <a:rPr lang="ko-KR" altLang="en-US" smtClean="0"/>
-              <a:t>2017-10-20</a:t>
+              <a:t>2017-10-23</a:t>
             </a:fld>
             <a:endParaRPr lang="ko-KR" altLang="en-US"/>
           </a:p>
@@ -4083,7 +4083,7 @@
           <a:p>
             <a:fld id="{C4C21969-2D44-4836-8054-FEC5EC083A94}" type="datetime1">
               <a:rPr lang="ko-KR" altLang="en-US" smtClean="0"/>
-              <a:t>2017-10-20</a:t>
+              <a:t>2017-10-23</a:t>
             </a:fld>
             <a:endParaRPr lang="ko-KR" altLang="en-US"/>
           </a:p>
@@ -4270,7 +4270,7 @@
           <a:p>
             <a:fld id="{32EDA418-6416-4039-85B1-BA4CF1FD94DE}" type="datetime1">
               <a:rPr lang="ko-KR" altLang="en-US" smtClean="0"/>
-              <a:t>2017-10-20</a:t>
+              <a:t>2017-10-23</a:t>
             </a:fld>
             <a:endParaRPr lang="ko-KR" altLang="en-US"/>
           </a:p>
@@ -4457,7 +4457,7 @@
           <a:p>
             <a:fld id="{879D85B1-5D19-4B8C-B403-10E52B96C9A2}" type="datetime1">
               <a:rPr lang="ko-KR" altLang="en-US" smtClean="0"/>
-              <a:t>2017-10-20</a:t>
+              <a:t>2017-10-23</a:t>
             </a:fld>
             <a:endParaRPr lang="ko-KR" altLang="en-US"/>
           </a:p>
@@ -4630,7 +4630,7 @@
           <a:p>
             <a:fld id="{8998F1EC-F01B-4CCC-A0E8-CD7012E5E6C0}" type="datetime1">
               <a:rPr lang="ko-KR" altLang="en-US" smtClean="0"/>
-              <a:t>2017-10-20</a:t>
+              <a:t>2017-10-23</a:t>
             </a:fld>
             <a:endParaRPr lang="ko-KR" altLang="en-US"/>
           </a:p>
@@ -4877,7 +4877,7 @@
           <a:p>
             <a:fld id="{52787909-DE3C-4D58-A58F-9F026A606388}" type="datetime1">
               <a:rPr lang="ko-KR" altLang="en-US" smtClean="0"/>
-              <a:t>2017-10-20</a:t>
+              <a:t>2017-10-23</a:t>
             </a:fld>
             <a:endParaRPr lang="ko-KR" altLang="en-US"/>
           </a:p>
@@ -4998,7 +4998,7 @@
           <a:p>
             <a:fld id="{7666CBAD-7B00-470A-90AD-5135048686B9}" type="datetime1">
               <a:rPr lang="ko-KR" altLang="en-US" smtClean="0"/>
-              <a:t>2017-10-20</a:t>
+              <a:t>2017-10-23</a:t>
             </a:fld>
             <a:endParaRPr lang="ko-KR" altLang="en-US"/>
           </a:p>
@@ -5379,7 +5379,7 @@
           <a:p>
             <a:fld id="{0CF463A9-D5DB-4824-87E2-C1D0AC51B4AF}" type="datetime1">
               <a:rPr lang="ko-KR" altLang="en-US" smtClean="0"/>
-              <a:t>2017-10-20</a:t>
+              <a:t>2017-10-23</a:t>
             </a:fld>
             <a:endParaRPr lang="ko-KR" altLang="en-US"/>
           </a:p>
@@ -5614,7 +5614,7 @@
           <a:p>
             <a:fld id="{C70BB2E4-12BC-438F-94A6-F50FE8A3D88C}" type="datetime1">
               <a:rPr lang="ko-KR" altLang="en-US" smtClean="0"/>
-              <a:t>2017-10-20</a:t>
+              <a:t>2017-10-23</a:t>
             </a:fld>
             <a:endParaRPr lang="ko-KR" altLang="en-US"/>
           </a:p>
@@ -5712,7 +5712,7 @@
           <a:p>
             <a:fld id="{9544425C-B7EA-494A-BDEE-4AA66243A9BD}" type="datetime1">
               <a:rPr lang="ko-KR" altLang="en-US" smtClean="0"/>
-              <a:t>2017-10-20</a:t>
+              <a:t>2017-10-23</a:t>
             </a:fld>
             <a:endParaRPr lang="ko-KR" altLang="en-US"/>
           </a:p>
@@ -6547,7 +6547,7 @@
           <a:p>
             <a:fld id="{EC5C1134-AEED-45C1-AFDF-DDF26E0C6587}" type="datetime1">
               <a:rPr lang="ko-KR" altLang="en-US" smtClean="0"/>
-              <a:t>2017-10-20</a:t>
+              <a:t>2017-10-23</a:t>
             </a:fld>
             <a:endParaRPr lang="ko-KR" altLang="en-US"/>
           </a:p>
@@ -7386,7 +7386,7 @@
           <a:p>
             <a:fld id="{971A1825-C447-468B-B9C9-6B7674910854}" type="datetime1">
               <a:rPr lang="ko-KR" altLang="en-US" smtClean="0"/>
-              <a:t>2017-10-20</a:t>
+              <a:t>2017-10-23</a:t>
             </a:fld>
             <a:endParaRPr lang="ko-KR" altLang="en-US"/>
           </a:p>
@@ -8048,7 +8048,7 @@
           <a:p>
             <a:fld id="{4E0EA9FF-3011-4849-B3DE-625476BF3408}" type="datetime1">
               <a:rPr lang="ko-KR" altLang="en-US" smtClean="0"/>
-              <a:t>2017-10-20</a:t>
+              <a:t>2017-10-23</a:t>
             </a:fld>
             <a:endParaRPr lang="ko-KR" altLang="en-US"/>
           </a:p>
@@ -9807,7 +9807,7 @@
           <a:p>
             <a:fld id="{E63BED42-B56B-487C-A576-F8E55AE26EFB}" type="datetime1">
               <a:rPr lang="ko-KR" altLang="en-US" smtClean="0"/>
-              <a:t>2017-10-20</a:t>
+              <a:t>2017-10-23</a:t>
             </a:fld>
             <a:endParaRPr lang="ko-KR" altLang="en-US"/>
           </a:p>
@@ -10972,7 +10972,7 @@
           <a:p>
             <a:fld id="{E63BED42-B56B-487C-A576-F8E55AE26EFB}" type="datetime1">
               <a:rPr lang="ko-KR" altLang="en-US" smtClean="0"/>
-              <a:t>2017-10-20</a:t>
+              <a:t>2017-10-23</a:t>
             </a:fld>
             <a:endParaRPr lang="ko-KR" altLang="en-US"/>
           </a:p>
@@ -11228,7 +11228,7 @@
           <a:p>
             <a:fld id="{8998F1EC-F01B-4CCC-A0E8-CD7012E5E6C0}" type="datetime1">
               <a:rPr lang="ko-KR" altLang="en-US" smtClean="0"/>
-              <a:t>2017-10-20</a:t>
+              <a:t>2017-10-23</a:t>
             </a:fld>
             <a:endParaRPr lang="ko-KR" altLang="en-US" dirty="0"/>
           </a:p>
@@ -11454,7 +11454,7 @@
             <p:ph idx="1"/>
             <p:extLst>
               <p:ext uri="{D42A27DB-BD31-4B8C-83A1-F6EECF244321}">
-                <p14:modId xmlns:p14="http://schemas.microsoft.com/office/powerpoint/2010/main" val="380084145"/>
+                <p14:modId xmlns:p14="http://schemas.microsoft.com/office/powerpoint/2010/main" val="2527907543"/>
               </p:ext>
             </p:extLst>
           </p:nvPr>
@@ -11668,11 +11668,11 @@
                     <a:p>
                       <a:pPr latinLnBrk="1"/>
                       <a:r>
-                        <a:rPr lang="en-US" altLang="ko-KR" dirty="0" smtClean="0">
-                          <a:latin typeface="-윤고딕310" panose="02030504000101010101" pitchFamily="18" charset="-127"/>
-                          <a:ea typeface="-윤고딕310" panose="02030504000101010101" pitchFamily="18" charset="-127"/>
-                        </a:rPr>
-                        <a:t>A</a:t>
+                        <a:rPr lang="en-US" altLang="ko-KR" smtClean="0">
+                          <a:latin typeface="-윤고딕310" panose="02030504000101010101" pitchFamily="18" charset="-127"/>
+                          <a:ea typeface="-윤고딕310" panose="02030504000101010101" pitchFamily="18" charset="-127"/>
+                        </a:rPr>
+                        <a:t>B</a:t>
                       </a:r>
                       <a:endParaRPr lang="ko-KR" altLang="en-US" dirty="0">
                         <a:latin typeface="-윤고딕310" panose="02030504000101010101" pitchFamily="18" charset="-127"/>
@@ -11751,7 +11751,7 @@
                           <a:latin typeface="-윤고딕310" panose="02030504000101010101" pitchFamily="18" charset="-127"/>
                           <a:ea typeface="-윤고딕310" panose="02030504000101010101" pitchFamily="18" charset="-127"/>
                         </a:rPr>
-                        <a:t>B</a:t>
+                        <a:t>C</a:t>
                       </a:r>
                       <a:endParaRPr lang="ko-KR" altLang="en-US" dirty="0">
                         <a:latin typeface="-윤고딕310" panose="02030504000101010101" pitchFamily="18" charset="-127"/>
@@ -11972,7 +11972,7 @@
           <a:p>
             <a:fld id="{E64E4686-FFDF-4469-BE9B-A5EC149CF7A5}" type="datetime1">
               <a:rPr lang="ko-KR" altLang="en-US" smtClean="0"/>
-              <a:t>2017-10-20</a:t>
+              <a:t>2017-10-23</a:t>
             </a:fld>
             <a:endParaRPr lang="ko-KR" altLang="en-US"/>
           </a:p>
@@ -12233,7 +12233,7 @@
           <a:p>
             <a:fld id="{99C85210-9BD9-410B-8B60-1A01FEADF4C9}" type="datetime1">
               <a:rPr lang="ko-KR" altLang="en-US" smtClean="0"/>
-              <a:t>2017-10-20</a:t>
+              <a:t>2017-10-23</a:t>
             </a:fld>
             <a:endParaRPr lang="ko-KR" altLang="en-US"/>
           </a:p>
@@ -12539,14 +12539,7 @@
                 <a:latin typeface="-윤고딕310" panose="02030504000101010101" pitchFamily="18" charset="-127"/>
                 <a:ea typeface="-윤고딕310" panose="02030504000101010101" pitchFamily="18" charset="-127"/>
               </a:rPr>
-              <a:t>모든 개체는 </a:t>
-            </a:r>
-            <a:r>
-              <a:rPr lang="ko-KR" altLang="en-US" sz="2000" dirty="0" smtClean="0">
-                <a:latin typeface="-윤고딕310" panose="02030504000101010101" pitchFamily="18" charset="-127"/>
-                <a:ea typeface="-윤고딕310" panose="02030504000101010101" pitchFamily="18" charset="-127"/>
-              </a:rPr>
-              <a:t>중력 때문에 움직이기 위해서 좌우 이동과 점프만이 가능합니다</a:t>
+              <a:t>모든 개체는 중력 때문에 움직이기 위해서 좌우 이동과 점프만이 가능합니다</a:t>
             </a:r>
             <a:r>
               <a:rPr lang="en-US" altLang="ko-KR" sz="2000" dirty="0" smtClean="0">
@@ -12555,10 +12548,6 @@
               </a:rPr>
               <a:t>. </a:t>
             </a:r>
-            <a:endParaRPr lang="en-US" altLang="ko-KR" sz="2000" dirty="0" smtClean="0">
-              <a:latin typeface="-윤고딕310" panose="02030504000101010101" pitchFamily="18" charset="-127"/>
-              <a:ea typeface="-윤고딕310" panose="02030504000101010101" pitchFamily="18" charset="-127"/>
-            </a:endParaRPr>
           </a:p>
           <a:p>
             <a:r>
@@ -12642,7 +12631,7 @@
           <a:p>
             <a:fld id="{80913EDC-9206-426E-951D-E7E0B75694AE}" type="datetime1">
               <a:rPr lang="ko-KR" altLang="en-US" smtClean="0"/>
-              <a:t>2017-10-20</a:t>
+              <a:t>2017-10-23</a:t>
             </a:fld>
             <a:endParaRPr lang="ko-KR" altLang="en-US"/>
           </a:p>
@@ -12970,7 +12959,7 @@
           <a:p>
             <a:fld id="{1DFADF30-901F-49C8-A3B5-BD350A95808D}" type="datetime1">
               <a:rPr lang="ko-KR" altLang="en-US" smtClean="0"/>
-              <a:t>2017-10-20</a:t>
+              <a:t>2017-10-23</a:t>
             </a:fld>
             <a:endParaRPr lang="ko-KR" altLang="en-US"/>
           </a:p>
@@ -13384,7 +13373,7 @@
           <a:p>
             <a:fld id="{1DFADF30-901F-49C8-A3B5-BD350A95808D}" type="datetime1">
               <a:rPr lang="ko-KR" altLang="en-US" smtClean="0"/>
-              <a:t>2017-10-20</a:t>
+              <a:t>2017-10-23</a:t>
             </a:fld>
             <a:endParaRPr lang="ko-KR" altLang="en-US"/>
           </a:p>
@@ -14443,23 +14432,7 @@
                   <a:schemeClr val="bg1"/>
                 </a:solidFill>
               </a:rPr>
-              <a:t>조력자 포지션의 소녀가 플레이어를 도와 </a:t>
-            </a:r>
-            <a:r>
-              <a:rPr lang="ko-KR" altLang="en-US" dirty="0" smtClean="0">
-                <a:solidFill>
-                  <a:schemeClr val="bg1"/>
-                </a:solidFill>
-              </a:rPr>
-              <a:t>탈출하면서 </a:t>
-            </a:r>
-            <a:r>
-              <a:rPr lang="ko-KR" altLang="en-US" dirty="0" smtClean="0">
-                <a:solidFill>
-                  <a:schemeClr val="bg1"/>
-                </a:solidFill>
-              </a:rPr>
-              <a:t>게임이 시작된다</a:t>
+              <a:t>조력자 포지션의 소녀가 플레이어를 도와 탈출하면서 게임이 시작된다</a:t>
             </a:r>
             <a:r>
               <a:rPr lang="en-US" altLang="ko-KR" dirty="0" smtClean="0">
@@ -14828,7 +14801,7 @@
           <a:p>
             <a:fld id="{1DFADF30-901F-49C8-A3B5-BD350A95808D}" type="datetime1">
               <a:rPr lang="ko-KR" altLang="en-US" smtClean="0"/>
-              <a:t>2017-10-20</a:t>
+              <a:t>2017-10-23</a:t>
             </a:fld>
             <a:endParaRPr lang="ko-KR" altLang="en-US"/>
           </a:p>
@@ -16109,7 +16082,7 @@
           <a:p>
             <a:fld id="{1DFADF30-901F-49C8-A3B5-BD350A95808D}" type="datetime1">
               <a:rPr lang="ko-KR" altLang="en-US" smtClean="0"/>
-              <a:t>2017-10-20</a:t>
+              <a:t>2017-10-23</a:t>
             </a:fld>
             <a:endParaRPr lang="ko-KR" altLang="en-US"/>
           </a:p>
@@ -16410,14 +16383,7 @@
                 <a:latin typeface="-윤고딕310" panose="02030504000101010101" pitchFamily="18" charset="-127"/>
                 <a:ea typeface="-윤고딕310" panose="02030504000101010101" pitchFamily="18" charset="-127"/>
               </a:rPr>
-              <a:t>소녀와 </a:t>
-            </a:r>
-            <a:r>
-              <a:rPr lang="ko-KR" altLang="en-US" dirty="0" smtClean="0">
-                <a:latin typeface="-윤고딕310" panose="02030504000101010101" pitchFamily="18" charset="-127"/>
-                <a:ea typeface="-윤고딕310" panose="02030504000101010101" pitchFamily="18" charset="-127"/>
-              </a:rPr>
-              <a:t>플레이어의 관계도 변합니다</a:t>
+              <a:t>소녀와 플레이어의 관계도 변합니다</a:t>
             </a:r>
             <a:r>
               <a:rPr lang="en-US" altLang="ko-KR" smtClean="0">
@@ -17707,7 +17673,7 @@
           <a:p>
             <a:fld id="{E63BED42-B56B-487C-A576-F8E55AE26EFB}" type="datetime1">
               <a:rPr lang="ko-KR" altLang="en-US" smtClean="0"/>
-              <a:t>2017-10-20</a:t>
+              <a:t>2017-10-23</a:t>
             </a:fld>
             <a:endParaRPr lang="ko-KR" altLang="en-US"/>
           </a:p>
@@ -18615,7 +18581,7 @@
           <a:p>
             <a:fld id="{E63BED42-B56B-487C-A576-F8E55AE26EFB}" type="datetime1">
               <a:rPr lang="ko-KR" altLang="en-US" smtClean="0"/>
-              <a:t>2017-10-20</a:t>
+              <a:t>2017-10-23</a:t>
             </a:fld>
             <a:endParaRPr lang="ko-KR" altLang="en-US"/>
           </a:p>

--- a/slides/2016180042_진윤성_2DGP_1차발표.pptx
+++ b/slides/2016180042_진윤성_2DGP_1차발표.pptx
@@ -5,70 +5,68 @@
     <p:sldMasterId id="2147484044" r:id="rId1"/>
   </p:sldMasterIdLst>
   <p:notesMasterIdLst>
-    <p:notesMasterId r:id="rId16"/>
+    <p:notesMasterId r:id="rId14"/>
   </p:notesMasterIdLst>
   <p:handoutMasterIdLst>
-    <p:handoutMasterId r:id="rId17"/>
+    <p:handoutMasterId r:id="rId15"/>
   </p:handoutMasterIdLst>
   <p:sldIdLst>
     <p:sldId id="256" r:id="rId2"/>
     <p:sldId id="257" r:id="rId3"/>
     <p:sldId id="261" r:id="rId4"/>
-    <p:sldId id="259" r:id="rId5"/>
-    <p:sldId id="276" r:id="rId6"/>
-    <p:sldId id="279" r:id="rId7"/>
-    <p:sldId id="277" r:id="rId8"/>
-    <p:sldId id="268" r:id="rId9"/>
-    <p:sldId id="267" r:id="rId10"/>
-    <p:sldId id="270" r:id="rId11"/>
-    <p:sldId id="271" r:id="rId12"/>
-    <p:sldId id="275" r:id="rId13"/>
-    <p:sldId id="274" r:id="rId14"/>
-    <p:sldId id="269" r:id="rId15"/>
+    <p:sldId id="276" r:id="rId5"/>
+    <p:sldId id="279" r:id="rId6"/>
+    <p:sldId id="277" r:id="rId7"/>
+    <p:sldId id="268" r:id="rId8"/>
+    <p:sldId id="267" r:id="rId9"/>
+    <p:sldId id="270" r:id="rId10"/>
+    <p:sldId id="271" r:id="rId11"/>
+    <p:sldId id="274" r:id="rId12"/>
+    <p:sldId id="269" r:id="rId13"/>
   </p:sldIdLst>
   <p:sldSz cx="9144000" cy="6858000" type="screen4x3"/>
   <p:notesSz cx="6858000" cy="9144000"/>
   <p:embeddedFontLst>
     <p:embeddedFont>
+      <p:font typeface="-윤고딕310" panose="02030504000101010101" pitchFamily="18" charset="-127"/>
+      <p:regular r:id="rId16"/>
+    </p:embeddedFont>
+    <p:embeddedFont>
+      <p:font typeface="맑은 고딕" panose="020B0503020000020004" pitchFamily="50" charset="-127"/>
+      <p:regular r:id="rId17"/>
+      <p:bold r:id="rId18"/>
+    </p:embeddedFont>
+    <p:embeddedFont>
+      <p:font typeface="-윤고딕320" panose="02030504000101010101" pitchFamily="18" charset="-127"/>
+      <p:regular r:id="rId19"/>
+    </p:embeddedFont>
+    <p:embeddedFont>
+      <p:font typeface="Franklin Gothic Book" panose="020B0503020102020204" pitchFamily="34" charset="0"/>
+      <p:regular r:id="rId20"/>
+      <p:italic r:id="rId21"/>
+    </p:embeddedFont>
+    <p:embeddedFont>
+      <p:font typeface="HY신명조" panose="02030600000101010101" pitchFamily="18" charset="-127"/>
+      <p:regular r:id="rId22"/>
+    </p:embeddedFont>
+    <p:embeddedFont>
       <p:font typeface="Rage Italic" panose="03070502040507070304" pitchFamily="66" charset="0"/>
-      <p:regular r:id="rId18"/>
+      <p:regular r:id="rId23"/>
     </p:embeddedFont>
     <p:embeddedFont>
       <p:font typeface="Constantia" panose="02030602050306030303" pitchFamily="18" charset="0"/>
-      <p:regular r:id="rId19"/>
-      <p:bold r:id="rId20"/>
-      <p:italic r:id="rId21"/>
-      <p:boldItalic r:id="rId22"/>
+      <p:regular r:id="rId24"/>
+      <p:bold r:id="rId25"/>
+      <p:italic r:id="rId26"/>
+      <p:boldItalic r:id="rId27"/>
     </p:embeddedFont>
     <p:embeddedFont>
       <p:font typeface="-윤고딕330" panose="02030504000101010101" pitchFamily="18" charset="-127"/>
-      <p:regular r:id="rId23"/>
+      <p:regular r:id="rId28"/>
     </p:embeddedFont>
     <p:embeddedFont>
       <p:font typeface="Brush Script MT" panose="03060802040406070304" pitchFamily="66" charset="0"/>
-      <p:italic r:id="rId24"/>
-    </p:embeddedFont>
-    <p:embeddedFont>
-      <p:font typeface="맑은 고딕" panose="020B0503020000020004" pitchFamily="50" charset="-127"/>
-      <p:regular r:id="rId25"/>
-      <p:bold r:id="rId26"/>
-    </p:embeddedFont>
-    <p:embeddedFont>
-      <p:font typeface="Franklin Gothic Book" panose="020B0503020102020204" pitchFamily="34" charset="0"/>
-      <p:regular r:id="rId27"/>
-      <p:italic r:id="rId28"/>
-    </p:embeddedFont>
-    <p:embeddedFont>
-      <p:font typeface="HY신명조" panose="02030600000101010101" pitchFamily="18" charset="-127"/>
-      <p:regular r:id="rId29"/>
-    </p:embeddedFont>
-    <p:embeddedFont>
-      <p:font typeface="-윤고딕310" panose="02030504000101010101" pitchFamily="18" charset="-127"/>
-      <p:regular r:id="rId30"/>
-    </p:embeddedFont>
-    <p:embeddedFont>
-      <p:font typeface="-윤고딕320" panose="02030504000101010101" pitchFamily="18" charset="-127"/>
-      <p:regular r:id="rId31"/>
+      <p:italic r:id="rId29"/>
     </p:embeddedFont>
   </p:embeddedFontLst>
   <p:defaultTextStyle>
@@ -2937,7 +2935,7 @@
           <a:p>
             <a:fld id="{8F1DCB68-D71C-4438-9E18-1A39E8F98C0B}" type="datetime1">
               <a:rPr lang="ko-KR" altLang="en-US" smtClean="0"/>
-              <a:t>2017-10-23</a:t>
+              <a:t>2017-10-27</a:t>
             </a:fld>
             <a:endParaRPr lang="ko-KR" altLang="en-US"/>
           </a:p>
@@ -3103,7 +3101,7 @@
           <a:p>
             <a:fld id="{63FC2A86-C442-46A0-A683-343668E3757C}" type="datetime1">
               <a:rPr lang="ko-KR" altLang="en-US" smtClean="0"/>
-              <a:t>2017-10-23</a:t>
+              <a:t>2017-10-27</a:t>
             </a:fld>
             <a:endParaRPr lang="ko-KR" altLang="en-US"/>
           </a:p>
@@ -4083,7 +4081,7 @@
           <a:p>
             <a:fld id="{C4C21969-2D44-4836-8054-FEC5EC083A94}" type="datetime1">
               <a:rPr lang="ko-KR" altLang="en-US" smtClean="0"/>
-              <a:t>2017-10-23</a:t>
+              <a:t>2017-10-27</a:t>
             </a:fld>
             <a:endParaRPr lang="ko-KR" altLang="en-US"/>
           </a:p>
@@ -4270,7 +4268,7 @@
           <a:p>
             <a:fld id="{32EDA418-6416-4039-85B1-BA4CF1FD94DE}" type="datetime1">
               <a:rPr lang="ko-KR" altLang="en-US" smtClean="0"/>
-              <a:t>2017-10-23</a:t>
+              <a:t>2017-10-27</a:t>
             </a:fld>
             <a:endParaRPr lang="ko-KR" altLang="en-US"/>
           </a:p>
@@ -4457,7 +4455,7 @@
           <a:p>
             <a:fld id="{879D85B1-5D19-4B8C-B403-10E52B96C9A2}" type="datetime1">
               <a:rPr lang="ko-KR" altLang="en-US" smtClean="0"/>
-              <a:t>2017-10-23</a:t>
+              <a:t>2017-10-27</a:t>
             </a:fld>
             <a:endParaRPr lang="ko-KR" altLang="en-US"/>
           </a:p>
@@ -4630,7 +4628,7 @@
           <a:p>
             <a:fld id="{8998F1EC-F01B-4CCC-A0E8-CD7012E5E6C0}" type="datetime1">
               <a:rPr lang="ko-KR" altLang="en-US" smtClean="0"/>
-              <a:t>2017-10-23</a:t>
+              <a:t>2017-10-27</a:t>
             </a:fld>
             <a:endParaRPr lang="ko-KR" altLang="en-US"/>
           </a:p>
@@ -4877,7 +4875,7 @@
           <a:p>
             <a:fld id="{52787909-DE3C-4D58-A58F-9F026A606388}" type="datetime1">
               <a:rPr lang="ko-KR" altLang="en-US" smtClean="0"/>
-              <a:t>2017-10-23</a:t>
+              <a:t>2017-10-27</a:t>
             </a:fld>
             <a:endParaRPr lang="ko-KR" altLang="en-US"/>
           </a:p>
@@ -4998,7 +4996,7 @@
           <a:p>
             <a:fld id="{7666CBAD-7B00-470A-90AD-5135048686B9}" type="datetime1">
               <a:rPr lang="ko-KR" altLang="en-US" smtClean="0"/>
-              <a:t>2017-10-23</a:t>
+              <a:t>2017-10-27</a:t>
             </a:fld>
             <a:endParaRPr lang="ko-KR" altLang="en-US"/>
           </a:p>
@@ -5379,7 +5377,7 @@
           <a:p>
             <a:fld id="{0CF463A9-D5DB-4824-87E2-C1D0AC51B4AF}" type="datetime1">
               <a:rPr lang="ko-KR" altLang="en-US" smtClean="0"/>
-              <a:t>2017-10-23</a:t>
+              <a:t>2017-10-27</a:t>
             </a:fld>
             <a:endParaRPr lang="ko-KR" altLang="en-US"/>
           </a:p>
@@ -5614,7 +5612,7 @@
           <a:p>
             <a:fld id="{C70BB2E4-12BC-438F-94A6-F50FE8A3D88C}" type="datetime1">
               <a:rPr lang="ko-KR" altLang="en-US" smtClean="0"/>
-              <a:t>2017-10-23</a:t>
+              <a:t>2017-10-27</a:t>
             </a:fld>
             <a:endParaRPr lang="ko-KR" altLang="en-US"/>
           </a:p>
@@ -5712,7 +5710,7 @@
           <a:p>
             <a:fld id="{9544425C-B7EA-494A-BDEE-4AA66243A9BD}" type="datetime1">
               <a:rPr lang="ko-KR" altLang="en-US" smtClean="0"/>
-              <a:t>2017-10-23</a:t>
+              <a:t>2017-10-27</a:t>
             </a:fld>
             <a:endParaRPr lang="ko-KR" altLang="en-US"/>
           </a:p>
@@ -6547,7 +6545,7 @@
           <a:p>
             <a:fld id="{EC5C1134-AEED-45C1-AFDF-DDF26E0C6587}" type="datetime1">
               <a:rPr lang="ko-KR" altLang="en-US" smtClean="0"/>
-              <a:t>2017-10-23</a:t>
+              <a:t>2017-10-27</a:t>
             </a:fld>
             <a:endParaRPr lang="ko-KR" altLang="en-US"/>
           </a:p>
@@ -7386,7 +7384,7 @@
           <a:p>
             <a:fld id="{971A1825-C447-468B-B9C9-6B7674910854}" type="datetime1">
               <a:rPr lang="ko-KR" altLang="en-US" smtClean="0"/>
-              <a:t>2017-10-23</a:t>
+              <a:t>2017-10-27</a:t>
             </a:fld>
             <a:endParaRPr lang="ko-KR" altLang="en-US"/>
           </a:p>
@@ -8048,7 +8046,7 @@
           <a:p>
             <a:fld id="{4E0EA9FF-3011-4849-B3DE-625476BF3408}" type="datetime1">
               <a:rPr lang="ko-KR" altLang="en-US" smtClean="0"/>
-              <a:t>2017-10-23</a:t>
+              <a:t>2017-10-27</a:t>
             </a:fld>
             <a:endParaRPr lang="ko-KR" altLang="en-US"/>
           </a:p>
@@ -8765,1201 +8763,6 @@
                 <a:latin typeface="-윤고딕320" panose="02030504000101010101" pitchFamily="18" charset="-127"/>
                 <a:ea typeface="-윤고딕320" panose="02030504000101010101" pitchFamily="18" charset="-127"/>
               </a:rPr>
-              <a:t>(1)</a:t>
-            </a:r>
-            <a:endParaRPr lang="ko-KR" altLang="en-US" dirty="0">
-              <a:latin typeface="-윤고딕320" panose="02030504000101010101" pitchFamily="18" charset="-127"/>
-              <a:ea typeface="-윤고딕320" panose="02030504000101010101" pitchFamily="18" charset="-127"/>
-            </a:endParaRPr>
-          </a:p>
-        </p:txBody>
-      </p:sp>
-      <p:graphicFrame>
-        <p:nvGraphicFramePr>
-          <p:cNvPr id="7" name="내용 개체 틀 6"/>
-          <p:cNvGraphicFramePr>
-            <a:graphicFrameLocks noGrp="1"/>
-          </p:cNvGraphicFramePr>
-          <p:nvPr>
-            <p:ph idx="1"/>
-            <p:extLst>
-              <p:ext uri="{D42A27DB-BD31-4B8C-83A1-F6EECF244321}">
-                <p14:modId xmlns:p14="http://schemas.microsoft.com/office/powerpoint/2010/main" val="1302906887"/>
-              </p:ext>
-            </p:extLst>
-          </p:nvPr>
-        </p:nvGraphicFramePr>
-        <p:xfrm>
-          <a:off x="827584" y="1844818"/>
-          <a:ext cx="7488832" cy="4008675"/>
-        </p:xfrm>
-        <a:graphic>
-          <a:graphicData uri="http://schemas.openxmlformats.org/drawingml/2006/table">
-            <a:tbl>
-              <a:tblPr firstRow="1" bandRow="1">
-                <a:effectLst>
-                  <a:innerShdw blurRad="228600">
-                    <a:prstClr val="black">
-                      <a:alpha val="98000"/>
-                    </a:prstClr>
-                  </a:innerShdw>
-                </a:effectLst>
-                <a:tableStyleId>{5C22544A-7EE6-4342-B048-85BDC9FD1C3A}</a:tableStyleId>
-              </a:tblPr>
-              <a:tblGrid>
-                <a:gridCol w="706347"/>
-                <a:gridCol w="1695233"/>
-                <a:gridCol w="5087252"/>
-              </a:tblGrid>
-              <a:tr h="442817">
-                <a:tc>
-                  <a:txBody>
-                    <a:bodyPr/>
-                    <a:lstStyle/>
-                    <a:p>
-                      <a:pPr algn="ctr" latinLnBrk="1"/>
-                      <a:r>
-                        <a:rPr lang="ko-KR" altLang="en-US" sz="2000" b="0" dirty="0" smtClean="0">
-                          <a:latin typeface="-윤고딕320" panose="02030504000101010101" pitchFamily="18" charset="-127"/>
-                          <a:ea typeface="-윤고딕320" panose="02030504000101010101" pitchFamily="18" charset="-127"/>
-                        </a:rPr>
-                        <a:t>주차</a:t>
-                      </a:r>
-                      <a:endParaRPr lang="ko-KR" altLang="en-US" sz="2000" b="0" dirty="0">
-                        <a:latin typeface="-윤고딕320" panose="02030504000101010101" pitchFamily="18" charset="-127"/>
-                        <a:ea typeface="-윤고딕320" panose="02030504000101010101" pitchFamily="18" charset="-127"/>
-                      </a:endParaRPr>
-                    </a:p>
-                  </a:txBody>
-                  <a:tcPr marL="111605" marR="111605" marT="55802" marB="55802" anchor="ctr">
-                    <a:solidFill>
-                      <a:schemeClr val="accent1">
-                        <a:tint val="40000"/>
-                        <a:alpha val="35000"/>
-                      </a:schemeClr>
-                    </a:solidFill>
-                  </a:tcPr>
-                </a:tc>
-                <a:tc>
-                  <a:txBody>
-                    <a:bodyPr/>
-                    <a:lstStyle/>
-                    <a:p>
-                      <a:pPr algn="ctr" latinLnBrk="1"/>
-                      <a:r>
-                        <a:rPr lang="ko-KR" altLang="en-US" sz="2000" b="0" dirty="0" smtClean="0">
-                          <a:latin typeface="-윤고딕320" panose="02030504000101010101" pitchFamily="18" charset="-127"/>
-                          <a:ea typeface="-윤고딕320" panose="02030504000101010101" pitchFamily="18" charset="-127"/>
-                        </a:rPr>
-                        <a:t>주제</a:t>
-                      </a:r>
-                      <a:endParaRPr lang="ko-KR" altLang="en-US" sz="2000" b="0" dirty="0">
-                        <a:latin typeface="-윤고딕320" panose="02030504000101010101" pitchFamily="18" charset="-127"/>
-                        <a:ea typeface="-윤고딕320" panose="02030504000101010101" pitchFamily="18" charset="-127"/>
-                      </a:endParaRPr>
-                    </a:p>
-                  </a:txBody>
-                  <a:tcPr marL="111605" marR="111605" marT="55802" marB="55802" anchor="ctr"/>
-                </a:tc>
-                <a:tc>
-                  <a:txBody>
-                    <a:bodyPr/>
-                    <a:lstStyle/>
-                    <a:p>
-                      <a:pPr algn="ctr" latinLnBrk="1"/>
-                      <a:r>
-                        <a:rPr lang="ko-KR" altLang="en-US" sz="2000" b="0" dirty="0" smtClean="0">
-                          <a:latin typeface="-윤고딕320" panose="02030504000101010101" pitchFamily="18" charset="-127"/>
-                          <a:ea typeface="-윤고딕320" panose="02030504000101010101" pitchFamily="18" charset="-127"/>
-                        </a:rPr>
-                        <a:t>상세</a:t>
-                      </a:r>
-                      <a:endParaRPr lang="ko-KR" altLang="en-US" sz="2000" b="0" dirty="0">
-                        <a:latin typeface="-윤고딕320" panose="02030504000101010101" pitchFamily="18" charset="-127"/>
-                        <a:ea typeface="-윤고딕320" panose="02030504000101010101" pitchFamily="18" charset="-127"/>
-                      </a:endParaRPr>
-                    </a:p>
-                  </a:txBody>
-                  <a:tcPr marL="111605" marR="111605" marT="55802" marB="55802" anchor="ctr"/>
-                </a:tc>
-              </a:tr>
-              <a:tr h="1165274">
-                <a:tc>
-                  <a:txBody>
-                    <a:bodyPr/>
-                    <a:lstStyle/>
-                    <a:p>
-                      <a:pPr algn="ctr" latinLnBrk="1"/>
-                      <a:r>
-                        <a:rPr lang="en-US" altLang="ko-KR" sz="1900" dirty="0" smtClean="0">
-                          <a:latin typeface="-윤고딕310" panose="02030504000101010101" pitchFamily="18" charset="-127"/>
-                          <a:ea typeface="-윤고딕310" panose="02030504000101010101" pitchFamily="18" charset="-127"/>
-                        </a:rPr>
-                        <a:t>1</a:t>
-                      </a:r>
-                      <a:endParaRPr lang="ko-KR" altLang="en-US" sz="1900" dirty="0">
-                        <a:latin typeface="-윤고딕310" panose="02030504000101010101" pitchFamily="18" charset="-127"/>
-                        <a:ea typeface="-윤고딕310" panose="02030504000101010101" pitchFamily="18" charset="-127"/>
-                      </a:endParaRPr>
-                    </a:p>
-                  </a:txBody>
-                  <a:tcPr marL="111605" marR="111605" marT="55802" marB="55802" anchor="ctr">
-                    <a:solidFill>
-                      <a:schemeClr val="accent1">
-                        <a:tint val="40000"/>
-                        <a:alpha val="35000"/>
-                      </a:schemeClr>
-                    </a:solidFill>
-                  </a:tcPr>
-                </a:tc>
-                <a:tc>
-                  <a:txBody>
-                    <a:bodyPr/>
-                    <a:lstStyle/>
-                    <a:p>
-                      <a:pPr marL="0" indent="0" algn="ctr" latinLnBrk="1">
-                        <a:buFont typeface="Arial" panose="020B0604020202020204" pitchFamily="34" charset="0"/>
-                        <a:buNone/>
-                      </a:pPr>
-                      <a:r>
-                        <a:rPr lang="ko-KR" altLang="en-US" sz="1200" dirty="0" smtClean="0">
-                          <a:latin typeface="-윤고딕310" panose="02030504000101010101" pitchFamily="18" charset="-127"/>
-                          <a:ea typeface="-윤고딕310" panose="02030504000101010101" pitchFamily="18" charset="-127"/>
-                        </a:rPr>
-                        <a:t>기본적 메커니즘</a:t>
-                      </a:r>
-                      <a:endParaRPr lang="en-US" altLang="ko-KR" sz="1200" dirty="0" smtClean="0">
-                        <a:latin typeface="-윤고딕310" panose="02030504000101010101" pitchFamily="18" charset="-127"/>
-                        <a:ea typeface="-윤고딕310" panose="02030504000101010101" pitchFamily="18" charset="-127"/>
-                      </a:endParaRPr>
-                    </a:p>
-                    <a:p>
-                      <a:pPr marL="0" indent="0" algn="ctr" latinLnBrk="1">
-                        <a:buFont typeface="Arial" panose="020B0604020202020204" pitchFamily="34" charset="0"/>
-                        <a:buNone/>
-                      </a:pPr>
-                      <a:r>
-                        <a:rPr lang="ko-KR" altLang="en-US" sz="1200" dirty="0" smtClean="0">
-                          <a:latin typeface="-윤고딕310" panose="02030504000101010101" pitchFamily="18" charset="-127"/>
-                          <a:ea typeface="-윤고딕310" panose="02030504000101010101" pitchFamily="18" charset="-127"/>
-                        </a:rPr>
-                        <a:t>지형과 중력</a:t>
-                      </a:r>
-                      <a:endParaRPr lang="ko-KR" altLang="en-US" sz="1200" dirty="0">
-                        <a:latin typeface="-윤고딕310" panose="02030504000101010101" pitchFamily="18" charset="-127"/>
-                        <a:ea typeface="-윤고딕310" panose="02030504000101010101" pitchFamily="18" charset="-127"/>
-                      </a:endParaRPr>
-                    </a:p>
-                  </a:txBody>
-                  <a:tcPr marL="111605" marR="111605" marT="55802" marB="55802" anchor="ctr"/>
-                </a:tc>
-                <a:tc>
-                  <a:txBody>
-                    <a:bodyPr/>
-                    <a:lstStyle/>
-                    <a:p>
-                      <a:pPr marL="171450" indent="-171450" latinLnBrk="1">
-                        <a:buFont typeface="Arial" panose="020B0604020202020204" pitchFamily="34" charset="0"/>
-                        <a:buChar char="•"/>
-                      </a:pPr>
-                      <a:r>
-                        <a:rPr lang="ko-KR" altLang="en-US" sz="1200" dirty="0" smtClean="0">
-                          <a:latin typeface="-윤고딕310" panose="02030504000101010101" pitchFamily="18" charset="-127"/>
-                          <a:ea typeface="-윤고딕310" panose="02030504000101010101" pitchFamily="18" charset="-127"/>
-                        </a:rPr>
-                        <a:t>필요한 객체를 모두 정의하고 상속 관계를 분명히 한다</a:t>
-                      </a:r>
-                      <a:r>
-                        <a:rPr lang="en-US" altLang="ko-KR" sz="1200" dirty="0" smtClean="0">
-                          <a:latin typeface="-윤고딕310" panose="02030504000101010101" pitchFamily="18" charset="-127"/>
-                          <a:ea typeface="-윤고딕310" panose="02030504000101010101" pitchFamily="18" charset="-127"/>
-                        </a:rPr>
-                        <a:t>.  </a:t>
-                      </a:r>
-                      <a:r>
-                        <a:rPr lang="ko-KR" altLang="en-US" sz="1200" dirty="0" smtClean="0">
-                          <a:latin typeface="-윤고딕310" panose="02030504000101010101" pitchFamily="18" charset="-127"/>
-                          <a:ea typeface="-윤고딕310" panose="02030504000101010101" pitchFamily="18" charset="-127"/>
-                        </a:rPr>
-                        <a:t>모든 객체들은 하나의 중력 객체를 상속한다</a:t>
-                      </a:r>
-                      <a:r>
-                        <a:rPr lang="en-US" altLang="ko-KR" sz="1200" dirty="0" smtClean="0">
-                          <a:latin typeface="-윤고딕310" panose="02030504000101010101" pitchFamily="18" charset="-127"/>
-                          <a:ea typeface="-윤고딕310" panose="02030504000101010101" pitchFamily="18" charset="-127"/>
-                        </a:rPr>
-                        <a:t>.</a:t>
-                      </a:r>
-                      <a:r>
-                        <a:rPr lang="en-US" altLang="ko-KR" sz="1200" baseline="0" dirty="0" smtClean="0">
-                          <a:latin typeface="-윤고딕310" panose="02030504000101010101" pitchFamily="18" charset="-127"/>
-                          <a:ea typeface="-윤고딕310" panose="02030504000101010101" pitchFamily="18" charset="-127"/>
-                        </a:rPr>
-                        <a:t> </a:t>
-                      </a:r>
-                      <a:r>
-                        <a:rPr lang="ko-KR" altLang="en-US" sz="1200" baseline="0" dirty="0" smtClean="0">
-                          <a:latin typeface="-윤고딕310" panose="02030504000101010101" pitchFamily="18" charset="-127"/>
-                          <a:ea typeface="-윤고딕310" panose="02030504000101010101" pitchFamily="18" charset="-127"/>
-                        </a:rPr>
-                        <a:t>메소드들 역시 규격화된 이름으로 정리한다</a:t>
-                      </a:r>
-                      <a:r>
-                        <a:rPr lang="en-US" altLang="ko-KR" sz="1200" baseline="0" dirty="0" smtClean="0">
-                          <a:latin typeface="-윤고딕310" panose="02030504000101010101" pitchFamily="18" charset="-127"/>
-                          <a:ea typeface="-윤고딕310" panose="02030504000101010101" pitchFamily="18" charset="-127"/>
-                        </a:rPr>
-                        <a:t>.</a:t>
-                      </a:r>
-                    </a:p>
-                    <a:p>
-                      <a:pPr marL="171450" marR="0" indent="-171450" algn="l" defTabSz="914400" rtl="0" eaLnBrk="1" fontAlgn="auto" latinLnBrk="1" hangingPunct="1">
-                        <a:lnSpc>
-                          <a:spcPct val="100000"/>
-                        </a:lnSpc>
-                        <a:spcBef>
-                          <a:spcPts val="0"/>
-                        </a:spcBef>
-                        <a:spcAft>
-                          <a:spcPts val="0"/>
-                        </a:spcAft>
-                        <a:buClrTx/>
-                        <a:buSzTx/>
-                        <a:buFont typeface="Arial" panose="020B0604020202020204" pitchFamily="34" charset="0"/>
-                        <a:buChar char="•"/>
-                        <a:tabLst/>
-                        <a:defRPr/>
-                      </a:pPr>
-                      <a:r>
-                        <a:rPr lang="ko-KR" altLang="en-US" sz="1200" dirty="0" smtClean="0">
-                          <a:latin typeface="-윤고딕310" panose="02030504000101010101" pitchFamily="18" charset="-127"/>
-                          <a:ea typeface="-윤고딕310" panose="02030504000101010101" pitchFamily="18" charset="-127"/>
-                        </a:rPr>
-                        <a:t>지형 객체의 특수화를 한다</a:t>
-                      </a:r>
-                      <a:r>
-                        <a:rPr lang="en-US" altLang="ko-KR" sz="1200" dirty="0" smtClean="0">
-                          <a:latin typeface="-윤고딕310" panose="02030504000101010101" pitchFamily="18" charset="-127"/>
-                          <a:ea typeface="-윤고딕310" panose="02030504000101010101" pitchFamily="18" charset="-127"/>
-                        </a:rPr>
-                        <a:t>.</a:t>
-                      </a:r>
-                      <a:r>
-                        <a:rPr lang="ko-KR" altLang="en-US" sz="1200" dirty="0" smtClean="0">
-                          <a:latin typeface="-윤고딕310" panose="02030504000101010101" pitchFamily="18" charset="-127"/>
-                          <a:ea typeface="-윤고딕310" panose="02030504000101010101" pitchFamily="18" charset="-127"/>
-                        </a:rPr>
-                        <a:t> 중력 객체</a:t>
-                      </a:r>
-                      <a:r>
-                        <a:rPr lang="en-US" altLang="ko-KR" sz="1200" dirty="0" smtClean="0">
-                          <a:latin typeface="-윤고딕310" panose="02030504000101010101" pitchFamily="18" charset="-127"/>
-                          <a:ea typeface="-윤고딕310" panose="02030504000101010101" pitchFamily="18" charset="-127"/>
-                        </a:rPr>
-                        <a:t>-&gt;</a:t>
-                      </a:r>
-                      <a:r>
-                        <a:rPr lang="ko-KR" altLang="en-US" sz="1200" dirty="0" smtClean="0">
-                          <a:latin typeface="-윤고딕310" panose="02030504000101010101" pitchFamily="18" charset="-127"/>
-                          <a:ea typeface="-윤고딕310" panose="02030504000101010101" pitchFamily="18" charset="-127"/>
-                        </a:rPr>
-                        <a:t>블록</a:t>
-                      </a:r>
-                      <a:r>
-                        <a:rPr lang="en-US" altLang="ko-KR" sz="1200" dirty="0" smtClean="0">
-                          <a:latin typeface="-윤고딕310" panose="02030504000101010101" pitchFamily="18" charset="-127"/>
-                          <a:ea typeface="-윤고딕310" panose="02030504000101010101" pitchFamily="18" charset="-127"/>
-                        </a:rPr>
-                        <a:t>-&gt;</a:t>
-                      </a:r>
-                      <a:r>
-                        <a:rPr lang="ko-KR" altLang="en-US" sz="1200" dirty="0" smtClean="0">
-                          <a:latin typeface="-윤고딕310" panose="02030504000101010101" pitchFamily="18" charset="-127"/>
-                          <a:ea typeface="-윤고딕310" panose="02030504000101010101" pitchFamily="18" charset="-127"/>
-                        </a:rPr>
-                        <a:t>나무</a:t>
-                      </a:r>
-                      <a:r>
-                        <a:rPr lang="en-US" altLang="ko-KR" sz="1200" dirty="0" smtClean="0">
-                          <a:latin typeface="-윤고딕310" panose="02030504000101010101" pitchFamily="18" charset="-127"/>
-                          <a:ea typeface="-윤고딕310" panose="02030504000101010101" pitchFamily="18" charset="-127"/>
-                        </a:rPr>
-                        <a:t>, </a:t>
-                      </a:r>
-                      <a:r>
-                        <a:rPr lang="ko-KR" altLang="en-US" sz="1200" dirty="0" smtClean="0">
-                          <a:latin typeface="-윤고딕310" panose="02030504000101010101" pitchFamily="18" charset="-127"/>
-                          <a:ea typeface="-윤고딕310" panose="02030504000101010101" pitchFamily="18" charset="-127"/>
-                        </a:rPr>
-                        <a:t>벽돌</a:t>
-                      </a:r>
-                      <a:r>
-                        <a:rPr lang="en-US" altLang="ko-KR" sz="1200" dirty="0" smtClean="0">
-                          <a:latin typeface="-윤고딕310" panose="02030504000101010101" pitchFamily="18" charset="-127"/>
-                          <a:ea typeface="-윤고딕310" panose="02030504000101010101" pitchFamily="18" charset="-127"/>
-                        </a:rPr>
-                        <a:t>, </a:t>
-                      </a:r>
-                      <a:r>
-                        <a:rPr lang="ko-KR" altLang="en-US" sz="1200" dirty="0" smtClean="0">
-                          <a:latin typeface="-윤고딕310" panose="02030504000101010101" pitchFamily="18" charset="-127"/>
-                          <a:ea typeface="-윤고딕310" panose="02030504000101010101" pitchFamily="18" charset="-127"/>
-                        </a:rPr>
-                        <a:t>땅</a:t>
-                      </a:r>
-                      <a:r>
-                        <a:rPr lang="en-US" altLang="ko-KR" sz="1200" dirty="0" smtClean="0">
-                          <a:latin typeface="-윤고딕310" panose="02030504000101010101" pitchFamily="18" charset="-127"/>
-                          <a:ea typeface="-윤고딕310" panose="02030504000101010101" pitchFamily="18" charset="-127"/>
-                        </a:rPr>
-                        <a:t>, …</a:t>
-                      </a:r>
-                    </a:p>
-                    <a:p>
-                      <a:pPr marL="171450" marR="0" indent="-171450" algn="l" defTabSz="914400" rtl="0" eaLnBrk="1" fontAlgn="auto" latinLnBrk="1" hangingPunct="1">
-                        <a:lnSpc>
-                          <a:spcPct val="100000"/>
-                        </a:lnSpc>
-                        <a:spcBef>
-                          <a:spcPts val="0"/>
-                        </a:spcBef>
-                        <a:spcAft>
-                          <a:spcPts val="0"/>
-                        </a:spcAft>
-                        <a:buClrTx/>
-                        <a:buSzTx/>
-                        <a:buFont typeface="Arial" panose="020B0604020202020204" pitchFamily="34" charset="0"/>
-                        <a:buChar char="•"/>
-                        <a:tabLst/>
-                        <a:defRPr/>
-                      </a:pPr>
-                      <a:r>
-                        <a:rPr lang="ko-KR" altLang="en-US" sz="1200" dirty="0" smtClean="0">
-                          <a:latin typeface="-윤고딕310" panose="02030504000101010101" pitchFamily="18" charset="-127"/>
-                          <a:ea typeface="-윤고딕310" panose="02030504000101010101" pitchFamily="18" charset="-127"/>
-                        </a:rPr>
-                        <a:t>모든 개체는 중력이 작동한다</a:t>
-                      </a:r>
-                      <a:r>
-                        <a:rPr lang="en-US" altLang="ko-KR" sz="1200" dirty="0" smtClean="0">
-                          <a:latin typeface="-윤고딕310" panose="02030504000101010101" pitchFamily="18" charset="-127"/>
-                          <a:ea typeface="-윤고딕310" panose="02030504000101010101" pitchFamily="18" charset="-127"/>
-                        </a:rPr>
-                        <a:t>. </a:t>
-                      </a:r>
-                      <a:r>
-                        <a:rPr lang="ko-KR" altLang="en-US" sz="1200" dirty="0" smtClean="0">
-                          <a:latin typeface="-윤고딕310" panose="02030504000101010101" pitchFamily="18" charset="-127"/>
-                          <a:ea typeface="-윤고딕310" panose="02030504000101010101" pitchFamily="18" charset="-127"/>
-                        </a:rPr>
-                        <a:t>충돌 처리를 위해 개체 리스트가 들어있는 이름으로 구분된 사전에서 반복문을 돌려서 처리한다</a:t>
-                      </a:r>
-                      <a:endParaRPr lang="ko-KR" altLang="en-US" sz="1200" dirty="0">
-                        <a:latin typeface="-윤고딕310" panose="02030504000101010101" pitchFamily="18" charset="-127"/>
-                        <a:ea typeface="-윤고딕310" panose="02030504000101010101" pitchFamily="18" charset="-127"/>
-                      </a:endParaRPr>
-                    </a:p>
-                  </a:txBody>
-                  <a:tcPr marL="111605" marR="111605" marT="55802" marB="55802"/>
-                </a:tc>
-              </a:tr>
-              <a:tr h="702124">
-                <a:tc>
-                  <a:txBody>
-                    <a:bodyPr/>
-                    <a:lstStyle/>
-                    <a:p>
-                      <a:pPr algn="ctr" latinLnBrk="1"/>
-                      <a:r>
-                        <a:rPr lang="en-US" altLang="ko-KR" sz="1900" dirty="0" smtClean="0">
-                          <a:latin typeface="-윤고딕310" panose="02030504000101010101" pitchFamily="18" charset="-127"/>
-                          <a:ea typeface="-윤고딕310" panose="02030504000101010101" pitchFamily="18" charset="-127"/>
-                        </a:rPr>
-                        <a:t>2</a:t>
-                      </a:r>
-                      <a:endParaRPr lang="ko-KR" altLang="en-US" sz="1900" dirty="0">
-                        <a:latin typeface="-윤고딕310" panose="02030504000101010101" pitchFamily="18" charset="-127"/>
-                        <a:ea typeface="-윤고딕310" panose="02030504000101010101" pitchFamily="18" charset="-127"/>
-                      </a:endParaRPr>
-                    </a:p>
-                  </a:txBody>
-                  <a:tcPr marL="111605" marR="111605" marT="55802" marB="55802" anchor="ctr">
-                    <a:solidFill>
-                      <a:schemeClr val="accent1">
-                        <a:tint val="40000"/>
-                        <a:alpha val="35000"/>
-                      </a:schemeClr>
-                    </a:solidFill>
-                  </a:tcPr>
-                </a:tc>
-                <a:tc>
-                  <a:txBody>
-                    <a:bodyPr/>
-                    <a:lstStyle/>
-                    <a:p>
-                      <a:pPr marL="0" indent="0" algn="ctr" latinLnBrk="1">
-                        <a:buFont typeface="Arial" panose="020B0604020202020204" pitchFamily="34" charset="0"/>
-                        <a:buNone/>
-                      </a:pPr>
-                      <a:r>
-                        <a:rPr lang="ko-KR" altLang="en-US" sz="1200" dirty="0" smtClean="0">
-                          <a:latin typeface="-윤고딕310" panose="02030504000101010101" pitchFamily="18" charset="-127"/>
-                          <a:ea typeface="-윤고딕310" panose="02030504000101010101" pitchFamily="18" charset="-127"/>
-                        </a:rPr>
-                        <a:t>리소스 수집과 테스트</a:t>
-                      </a:r>
-                      <a:endParaRPr lang="ko-KR" altLang="en-US" sz="1200" dirty="0">
-                        <a:latin typeface="-윤고딕310" panose="02030504000101010101" pitchFamily="18" charset="-127"/>
-                        <a:ea typeface="-윤고딕310" panose="02030504000101010101" pitchFamily="18" charset="-127"/>
-                      </a:endParaRPr>
-                    </a:p>
-                  </a:txBody>
-                  <a:tcPr marL="111605" marR="111605" marT="55802" marB="55802" anchor="ctr"/>
-                </a:tc>
-                <a:tc>
-                  <a:txBody>
-                    <a:bodyPr/>
-                    <a:lstStyle/>
-                    <a:p>
-                      <a:pPr marL="171450" marR="0" indent="-171450" algn="l" defTabSz="914400" rtl="0" eaLnBrk="1" fontAlgn="auto" latinLnBrk="1" hangingPunct="1">
-                        <a:lnSpc>
-                          <a:spcPct val="100000"/>
-                        </a:lnSpc>
-                        <a:spcBef>
-                          <a:spcPts val="0"/>
-                        </a:spcBef>
-                        <a:spcAft>
-                          <a:spcPts val="0"/>
-                        </a:spcAft>
-                        <a:buClrTx/>
-                        <a:buSzTx/>
-                        <a:buFont typeface="Arial" panose="020B0604020202020204" pitchFamily="34" charset="0"/>
-                        <a:buChar char="•"/>
-                        <a:tabLst/>
-                        <a:defRPr/>
-                      </a:pPr>
-                      <a:r>
-                        <a:rPr lang="ko-KR" altLang="en-US" sz="1200" dirty="0" smtClean="0">
-                          <a:latin typeface="-윤고딕310" panose="02030504000101010101" pitchFamily="18" charset="-127"/>
-                          <a:ea typeface="-윤고딕310" panose="02030504000101010101" pitchFamily="18" charset="-127"/>
-                        </a:rPr>
-                        <a:t>필요한 리소스를 구하고 객체들에 적용한다</a:t>
-                      </a:r>
-                      <a:r>
-                        <a:rPr lang="en-US" altLang="ko-KR" sz="1200" dirty="0" smtClean="0">
-                          <a:latin typeface="-윤고딕310" panose="02030504000101010101" pitchFamily="18" charset="-127"/>
-                          <a:ea typeface="-윤고딕310" panose="02030504000101010101" pitchFamily="18" charset="-127"/>
-                        </a:rPr>
-                        <a:t>. </a:t>
-                      </a:r>
-                      <a:r>
-                        <a:rPr lang="ko-KR" altLang="en-US" sz="1200" dirty="0" smtClean="0">
-                          <a:latin typeface="-윤고딕310" panose="02030504000101010101" pitchFamily="18" charset="-127"/>
-                          <a:ea typeface="-윤고딕310" panose="02030504000101010101" pitchFamily="18" charset="-127"/>
-                        </a:rPr>
-                        <a:t>중력을 영향을 받는 객체들이 이미지와 잘 맞는지 테스트한다</a:t>
-                      </a:r>
-                      <a:r>
-                        <a:rPr lang="en-US" altLang="ko-KR" sz="1200" dirty="0" smtClean="0">
-                          <a:latin typeface="-윤고딕310" panose="02030504000101010101" pitchFamily="18" charset="-127"/>
-                          <a:ea typeface="-윤고딕310" panose="02030504000101010101" pitchFamily="18" charset="-127"/>
-                        </a:rPr>
-                        <a:t>. </a:t>
-                      </a:r>
-                      <a:r>
-                        <a:rPr lang="ko-KR" altLang="en-US" sz="1200" dirty="0" smtClean="0">
-                          <a:latin typeface="-윤고딕310" panose="02030504000101010101" pitchFamily="18" charset="-127"/>
-                          <a:ea typeface="-윤고딕310" panose="02030504000101010101" pitchFamily="18" charset="-127"/>
-                        </a:rPr>
-                        <a:t>객체들을 배치하여 실제로 어울리는지</a:t>
-                      </a:r>
-                      <a:r>
-                        <a:rPr lang="en-US" altLang="ko-KR" sz="1200" dirty="0" smtClean="0">
-                          <a:latin typeface="-윤고딕310" panose="02030504000101010101" pitchFamily="18" charset="-127"/>
-                          <a:ea typeface="-윤고딕310" panose="02030504000101010101" pitchFamily="18" charset="-127"/>
-                        </a:rPr>
-                        <a:t>,</a:t>
-                      </a:r>
-                      <a:r>
-                        <a:rPr lang="ko-KR" altLang="en-US" sz="1200" dirty="0" smtClean="0">
-                          <a:latin typeface="-윤고딕310" panose="02030504000101010101" pitchFamily="18" charset="-127"/>
-                          <a:ea typeface="-윤고딕310" panose="02030504000101010101" pitchFamily="18" charset="-127"/>
-                        </a:rPr>
-                        <a:t> 그리고 중력</a:t>
-                      </a:r>
-                      <a:r>
-                        <a:rPr lang="en-US" altLang="ko-KR" sz="1200" dirty="0" smtClean="0">
-                          <a:latin typeface="-윤고딕310" panose="02030504000101010101" pitchFamily="18" charset="-127"/>
-                          <a:ea typeface="-윤고딕310" panose="02030504000101010101" pitchFamily="18" charset="-127"/>
-                        </a:rPr>
-                        <a:t>, </a:t>
-                      </a:r>
-                      <a:r>
-                        <a:rPr lang="ko-KR" altLang="en-US" sz="1200" dirty="0" smtClean="0">
-                          <a:latin typeface="-윤고딕310" panose="02030504000101010101" pitchFamily="18" charset="-127"/>
-                          <a:ea typeface="-윤고딕310" panose="02030504000101010101" pitchFamily="18" charset="-127"/>
-                        </a:rPr>
-                        <a:t>충돌과 속도가 작동하는지 확인한다</a:t>
-                      </a:r>
-                      <a:r>
-                        <a:rPr lang="en-US" altLang="ko-KR" sz="1200" dirty="0" smtClean="0">
-                          <a:latin typeface="-윤고딕310" panose="02030504000101010101" pitchFamily="18" charset="-127"/>
-                          <a:ea typeface="-윤고딕310" panose="02030504000101010101" pitchFamily="18" charset="-127"/>
-                        </a:rPr>
-                        <a:t>.</a:t>
-                      </a:r>
-                      <a:endParaRPr lang="ko-KR" altLang="en-US" sz="1200" dirty="0" smtClean="0">
-                        <a:latin typeface="-윤고딕310" panose="02030504000101010101" pitchFamily="18" charset="-127"/>
-                        <a:ea typeface="-윤고딕310" panose="02030504000101010101" pitchFamily="18" charset="-127"/>
-                      </a:endParaRPr>
-                    </a:p>
-                  </a:txBody>
-                  <a:tcPr marL="111605" marR="111605" marT="55802" marB="55802"/>
-                </a:tc>
-              </a:tr>
-              <a:tr h="519108">
-                <a:tc>
-                  <a:txBody>
-                    <a:bodyPr/>
-                    <a:lstStyle/>
-                    <a:p>
-                      <a:pPr algn="ctr" latinLnBrk="1"/>
-                      <a:r>
-                        <a:rPr lang="en-US" altLang="ko-KR" sz="1900" dirty="0" smtClean="0">
-                          <a:latin typeface="-윤고딕310" panose="02030504000101010101" pitchFamily="18" charset="-127"/>
-                          <a:ea typeface="-윤고딕310" panose="02030504000101010101" pitchFamily="18" charset="-127"/>
-                        </a:rPr>
-                        <a:t>3</a:t>
-                      </a:r>
-                      <a:endParaRPr lang="ko-KR" altLang="en-US" sz="1900" dirty="0">
-                        <a:latin typeface="-윤고딕310" panose="02030504000101010101" pitchFamily="18" charset="-127"/>
-                        <a:ea typeface="-윤고딕310" panose="02030504000101010101" pitchFamily="18" charset="-127"/>
-                      </a:endParaRPr>
-                    </a:p>
-                  </a:txBody>
-                  <a:tcPr marL="111605" marR="111605" marT="55802" marB="55802" anchor="ctr">
-                    <a:solidFill>
-                      <a:schemeClr val="accent1">
-                        <a:tint val="40000"/>
-                        <a:alpha val="35000"/>
-                      </a:schemeClr>
-                    </a:solidFill>
-                  </a:tcPr>
-                </a:tc>
-                <a:tc>
-                  <a:txBody>
-                    <a:bodyPr/>
-                    <a:lstStyle/>
-                    <a:p>
-                      <a:pPr marL="0" indent="0" algn="ctr" latinLnBrk="1">
-                        <a:buFont typeface="Arial" panose="020B0604020202020204" pitchFamily="34" charset="0"/>
-                        <a:buNone/>
-                      </a:pPr>
-                      <a:r>
-                        <a:rPr lang="ko-KR" altLang="en-US" sz="1200" dirty="0" smtClean="0">
-                          <a:latin typeface="-윤고딕310" panose="02030504000101010101" pitchFamily="18" charset="-127"/>
-                          <a:ea typeface="-윤고딕310" panose="02030504000101010101" pitchFamily="18" charset="-127"/>
-                        </a:rPr>
-                        <a:t>플레이어</a:t>
-                      </a:r>
-                      <a:r>
-                        <a:rPr lang="en-US" altLang="ko-KR" sz="1200" baseline="0" dirty="0" smtClean="0">
-                          <a:latin typeface="-윤고딕310" panose="02030504000101010101" pitchFamily="18" charset="-127"/>
-                          <a:ea typeface="-윤고딕310" panose="02030504000101010101" pitchFamily="18" charset="-127"/>
-                        </a:rPr>
-                        <a:t> </a:t>
-                      </a:r>
-                      <a:r>
-                        <a:rPr lang="ko-KR" altLang="en-US" sz="1200" baseline="0" dirty="0" smtClean="0">
-                          <a:latin typeface="-윤고딕310" panose="02030504000101010101" pitchFamily="18" charset="-127"/>
-                          <a:ea typeface="-윤고딕310" panose="02030504000101010101" pitchFamily="18" charset="-127"/>
-                        </a:rPr>
-                        <a:t>객체</a:t>
-                      </a:r>
-                      <a:endParaRPr lang="ko-KR" altLang="en-US" sz="1200" dirty="0">
-                        <a:latin typeface="-윤고딕310" panose="02030504000101010101" pitchFamily="18" charset="-127"/>
-                        <a:ea typeface="-윤고딕310" panose="02030504000101010101" pitchFamily="18" charset="-127"/>
-                      </a:endParaRPr>
-                    </a:p>
-                  </a:txBody>
-                  <a:tcPr marL="111605" marR="111605" marT="55802" marB="55802" anchor="ctr"/>
-                </a:tc>
-                <a:tc>
-                  <a:txBody>
-                    <a:bodyPr/>
-                    <a:lstStyle/>
-                    <a:p>
-                      <a:pPr marL="171450" indent="-171450" latinLnBrk="1">
-                        <a:buFont typeface="Arial" panose="020B0604020202020204" pitchFamily="34" charset="0"/>
-                        <a:buChar char="•"/>
-                      </a:pPr>
-                      <a:r>
-                        <a:rPr lang="ko-KR" altLang="en-US" sz="1200" dirty="0" smtClean="0">
-                          <a:latin typeface="-윤고딕310" panose="02030504000101010101" pitchFamily="18" charset="-127"/>
-                          <a:ea typeface="-윤고딕310" panose="02030504000101010101" pitchFamily="18" charset="-127"/>
-                        </a:rPr>
-                        <a:t>플레이어는 키 입력 이벤트를 받아 움직인다</a:t>
-                      </a:r>
-                      <a:r>
-                        <a:rPr lang="en-US" altLang="ko-KR" sz="1200" dirty="0" smtClean="0">
-                          <a:latin typeface="-윤고딕310" panose="02030504000101010101" pitchFamily="18" charset="-127"/>
-                          <a:ea typeface="-윤고딕310" panose="02030504000101010101" pitchFamily="18" charset="-127"/>
-                        </a:rPr>
-                        <a:t>. </a:t>
-                      </a:r>
-                      <a:r>
-                        <a:rPr lang="ko-KR" altLang="en-US" sz="1200" dirty="0" smtClean="0">
-                          <a:latin typeface="-윤고딕310" panose="02030504000101010101" pitchFamily="18" charset="-127"/>
-                          <a:ea typeface="-윤고딕310" panose="02030504000101010101" pitchFamily="18" charset="-127"/>
-                        </a:rPr>
-                        <a:t>누른 키에 따라 행동을 취하는데 처음엔 움직임만 취하도록 한다</a:t>
-                      </a:r>
-                      <a:r>
-                        <a:rPr lang="en-US" altLang="ko-KR" sz="1200" dirty="0" smtClean="0">
-                          <a:latin typeface="-윤고딕310" panose="02030504000101010101" pitchFamily="18" charset="-127"/>
-                          <a:ea typeface="-윤고딕310" panose="02030504000101010101" pitchFamily="18" charset="-127"/>
-                        </a:rPr>
-                        <a:t>.</a:t>
-                      </a:r>
-                      <a:endParaRPr lang="ko-KR" altLang="en-US" sz="1200" dirty="0">
-                        <a:latin typeface="-윤고딕310" panose="02030504000101010101" pitchFamily="18" charset="-127"/>
-                        <a:ea typeface="-윤고딕310" panose="02030504000101010101" pitchFamily="18" charset="-127"/>
-                      </a:endParaRPr>
-                    </a:p>
-                  </a:txBody>
-                  <a:tcPr marL="111605" marR="111605" marT="55802" marB="55802"/>
-                </a:tc>
-              </a:tr>
-              <a:tr h="519108">
-                <a:tc>
-                  <a:txBody>
-                    <a:bodyPr/>
-                    <a:lstStyle/>
-                    <a:p>
-                      <a:pPr algn="ctr" latinLnBrk="1"/>
-                      <a:r>
-                        <a:rPr lang="en-US" altLang="ko-KR" sz="1900" dirty="0" smtClean="0">
-                          <a:latin typeface="-윤고딕310" panose="02030504000101010101" pitchFamily="18" charset="-127"/>
-                          <a:ea typeface="-윤고딕310" panose="02030504000101010101" pitchFamily="18" charset="-127"/>
-                        </a:rPr>
-                        <a:t>4</a:t>
-                      </a:r>
-                      <a:endParaRPr lang="ko-KR" altLang="en-US" sz="1900" dirty="0">
-                        <a:latin typeface="-윤고딕310" panose="02030504000101010101" pitchFamily="18" charset="-127"/>
-                        <a:ea typeface="-윤고딕310" panose="02030504000101010101" pitchFamily="18" charset="-127"/>
-                      </a:endParaRPr>
-                    </a:p>
-                  </a:txBody>
-                  <a:tcPr marL="111605" marR="111605" marT="55802" marB="55802" anchor="ctr">
-                    <a:solidFill>
-                      <a:schemeClr val="accent1">
-                        <a:tint val="40000"/>
-                        <a:alpha val="35000"/>
-                      </a:schemeClr>
-                    </a:solidFill>
-                  </a:tcPr>
-                </a:tc>
-                <a:tc>
-                  <a:txBody>
-                    <a:bodyPr/>
-                    <a:lstStyle/>
-                    <a:p>
-                      <a:pPr marL="0" indent="0" algn="ctr" latinLnBrk="1">
-                        <a:buFont typeface="Arial" panose="020B0604020202020204" pitchFamily="34" charset="0"/>
-                        <a:buNone/>
-                      </a:pPr>
-                      <a:r>
-                        <a:rPr lang="en-US" altLang="ko-KR" sz="1200" dirty="0" smtClean="0">
-                          <a:latin typeface="-윤고딕310" panose="02030504000101010101" pitchFamily="18" charset="-127"/>
-                          <a:ea typeface="-윤고딕310" panose="02030504000101010101" pitchFamily="18" charset="-127"/>
-                        </a:rPr>
-                        <a:t>NPC</a:t>
-                      </a:r>
-                      <a:r>
-                        <a:rPr lang="en-US" altLang="ko-KR" sz="1200" baseline="0" dirty="0" smtClean="0">
-                          <a:latin typeface="-윤고딕310" panose="02030504000101010101" pitchFamily="18" charset="-127"/>
-                          <a:ea typeface="-윤고딕310" panose="02030504000101010101" pitchFamily="18" charset="-127"/>
-                        </a:rPr>
-                        <a:t> </a:t>
-                      </a:r>
-                      <a:r>
-                        <a:rPr lang="ko-KR" altLang="en-US" sz="1200" baseline="0" dirty="0" smtClean="0">
-                          <a:latin typeface="-윤고딕310" panose="02030504000101010101" pitchFamily="18" charset="-127"/>
-                          <a:ea typeface="-윤고딕310" panose="02030504000101010101" pitchFamily="18" charset="-127"/>
-                        </a:rPr>
-                        <a:t>객체와 인공지능</a:t>
-                      </a:r>
-                      <a:endParaRPr lang="ko-KR" altLang="en-US" sz="1200" dirty="0">
-                        <a:latin typeface="-윤고딕310" panose="02030504000101010101" pitchFamily="18" charset="-127"/>
-                        <a:ea typeface="-윤고딕310" panose="02030504000101010101" pitchFamily="18" charset="-127"/>
-                      </a:endParaRPr>
-                    </a:p>
-                  </a:txBody>
-                  <a:tcPr marL="111605" marR="111605" marT="55802" marB="55802" anchor="ctr"/>
-                </a:tc>
-                <a:tc>
-                  <a:txBody>
-                    <a:bodyPr/>
-                    <a:lstStyle/>
-                    <a:p>
-                      <a:pPr marL="171450" marR="0" indent="-171450" algn="l" defTabSz="914400" rtl="0" eaLnBrk="1" fontAlgn="auto" latinLnBrk="1" hangingPunct="1">
-                        <a:lnSpc>
-                          <a:spcPct val="100000"/>
-                        </a:lnSpc>
-                        <a:spcBef>
-                          <a:spcPts val="0"/>
-                        </a:spcBef>
-                        <a:spcAft>
-                          <a:spcPts val="0"/>
-                        </a:spcAft>
-                        <a:buClrTx/>
-                        <a:buSzTx/>
-                        <a:buFont typeface="Arial" panose="020B0604020202020204" pitchFamily="34" charset="0"/>
-                        <a:buChar char="•"/>
-                        <a:tabLst/>
-                        <a:defRPr/>
-                      </a:pPr>
-                      <a:r>
-                        <a:rPr lang="ko-KR" altLang="en-US" sz="1200" dirty="0" smtClean="0">
-                          <a:latin typeface="-윤고딕310" panose="02030504000101010101" pitchFamily="18" charset="-127"/>
-                          <a:ea typeface="-윤고딕310" panose="02030504000101010101" pitchFamily="18" charset="-127"/>
-                        </a:rPr>
-                        <a:t>적들은 시야가 있으며 플레이어를 발견하면 다가와 공격한다</a:t>
-                      </a:r>
-                      <a:r>
-                        <a:rPr lang="en-US" altLang="ko-KR" sz="1200" dirty="0" smtClean="0">
-                          <a:latin typeface="-윤고딕310" panose="02030504000101010101" pitchFamily="18" charset="-127"/>
-                          <a:ea typeface="-윤고딕310" panose="02030504000101010101" pitchFamily="18" charset="-127"/>
-                        </a:rPr>
-                        <a:t>. </a:t>
-                      </a:r>
-                      <a:r>
-                        <a:rPr lang="ko-KR" altLang="en-US" sz="1200" dirty="0" smtClean="0">
-                          <a:latin typeface="-윤고딕310" panose="02030504000101010101" pitchFamily="18" charset="-127"/>
-                          <a:ea typeface="-윤고딕310" panose="02030504000101010101" pitchFamily="18" charset="-127"/>
-                        </a:rPr>
-                        <a:t>적들은 대체로 단순하지만 일부 적은 까다로운 </a:t>
-                      </a:r>
-                      <a:r>
-                        <a:rPr lang="en-US" altLang="ko-KR" sz="1200" dirty="0" smtClean="0">
-                          <a:latin typeface="-윤고딕310" panose="02030504000101010101" pitchFamily="18" charset="-127"/>
-                          <a:ea typeface="-윤고딕310" panose="02030504000101010101" pitchFamily="18" charset="-127"/>
-                        </a:rPr>
-                        <a:t>(</a:t>
-                      </a:r>
-                      <a:r>
-                        <a:rPr lang="ko-KR" altLang="en-US" sz="1200" dirty="0" smtClean="0">
-                          <a:latin typeface="-윤고딕310" panose="02030504000101010101" pitchFamily="18" charset="-127"/>
-                          <a:ea typeface="-윤고딕310" panose="02030504000101010101" pitchFamily="18" charset="-127"/>
-                        </a:rPr>
-                        <a:t>하지만 반복적인</a:t>
-                      </a:r>
-                      <a:r>
-                        <a:rPr lang="en-US" altLang="ko-KR" sz="1200" dirty="0" smtClean="0">
-                          <a:latin typeface="-윤고딕310" panose="02030504000101010101" pitchFamily="18" charset="-127"/>
-                          <a:ea typeface="-윤고딕310" panose="02030504000101010101" pitchFamily="18" charset="-127"/>
-                        </a:rPr>
-                        <a:t>) </a:t>
-                      </a:r>
-                      <a:r>
-                        <a:rPr lang="ko-KR" altLang="en-US" sz="1200" dirty="0" smtClean="0">
-                          <a:latin typeface="-윤고딕310" panose="02030504000101010101" pitchFamily="18" charset="-127"/>
-                          <a:ea typeface="-윤고딕310" panose="02030504000101010101" pitchFamily="18" charset="-127"/>
-                        </a:rPr>
-                        <a:t>행동을 한다</a:t>
-                      </a:r>
-                      <a:r>
-                        <a:rPr lang="en-US" altLang="ko-KR" sz="1200" dirty="0" smtClean="0">
-                          <a:latin typeface="-윤고딕310" panose="02030504000101010101" pitchFamily="18" charset="-127"/>
-                          <a:ea typeface="-윤고딕310" panose="02030504000101010101" pitchFamily="18" charset="-127"/>
-                        </a:rPr>
-                        <a:t>.</a:t>
-                      </a:r>
-                      <a:endParaRPr lang="ko-KR" altLang="en-US" sz="1200" dirty="0" smtClean="0">
-                        <a:latin typeface="-윤고딕310" panose="02030504000101010101" pitchFamily="18" charset="-127"/>
-                        <a:ea typeface="-윤고딕310" panose="02030504000101010101" pitchFamily="18" charset="-127"/>
-                      </a:endParaRPr>
-                    </a:p>
-                  </a:txBody>
-                  <a:tcPr marL="111605" marR="111605" marT="55802" marB="55802"/>
-                </a:tc>
-              </a:tr>
-              <a:tr h="540006">
-                <a:tc>
-                  <a:txBody>
-                    <a:bodyPr/>
-                    <a:lstStyle/>
-                    <a:p>
-                      <a:pPr algn="ctr" latinLnBrk="1"/>
-                      <a:r>
-                        <a:rPr lang="en-US" altLang="ko-KR" sz="1900" dirty="0" smtClean="0">
-                          <a:latin typeface="-윤고딕310" panose="02030504000101010101" pitchFamily="18" charset="-127"/>
-                          <a:ea typeface="-윤고딕310" panose="02030504000101010101" pitchFamily="18" charset="-127"/>
-                        </a:rPr>
-                        <a:t>5</a:t>
-                      </a:r>
-                      <a:endParaRPr lang="ko-KR" altLang="en-US" sz="1900" dirty="0">
-                        <a:latin typeface="-윤고딕310" panose="02030504000101010101" pitchFamily="18" charset="-127"/>
-                        <a:ea typeface="-윤고딕310" panose="02030504000101010101" pitchFamily="18" charset="-127"/>
-                      </a:endParaRPr>
-                    </a:p>
-                  </a:txBody>
-                  <a:tcPr marL="111605" marR="111605" marT="55802" marB="55802" anchor="ctr">
-                    <a:solidFill>
-                      <a:schemeClr val="accent1">
-                        <a:tint val="40000"/>
-                        <a:alpha val="35000"/>
-                      </a:schemeClr>
-                    </a:solidFill>
-                  </a:tcPr>
-                </a:tc>
-                <a:tc>
-                  <a:txBody>
-                    <a:bodyPr/>
-                    <a:lstStyle/>
-                    <a:p>
-                      <a:pPr marL="0" indent="0" algn="ctr" latinLnBrk="1">
-                        <a:buFont typeface="Arial" panose="020B0604020202020204" pitchFamily="34" charset="0"/>
-                        <a:buNone/>
-                      </a:pPr>
-                      <a:r>
-                        <a:rPr lang="ko-KR" altLang="en-US" sz="1200" dirty="0" smtClean="0">
-                          <a:latin typeface="-윤고딕310" panose="02030504000101010101" pitchFamily="18" charset="-127"/>
-                          <a:ea typeface="-윤고딕310" panose="02030504000101010101" pitchFamily="18" charset="-127"/>
-                        </a:rPr>
-                        <a:t>객체 상호 작용 </a:t>
-                      </a:r>
-                      <a:r>
-                        <a:rPr lang="en-US" altLang="ko-KR" sz="1200" dirty="0" smtClean="0">
-                          <a:latin typeface="-윤고딕310" panose="02030504000101010101" pitchFamily="18" charset="-127"/>
-                          <a:ea typeface="-윤고딕310" panose="02030504000101010101" pitchFamily="18" charset="-127"/>
-                        </a:rPr>
-                        <a:t>1</a:t>
-                      </a:r>
-                      <a:endParaRPr lang="ko-KR" altLang="en-US" sz="1200" dirty="0">
-                        <a:latin typeface="-윤고딕310" panose="02030504000101010101" pitchFamily="18" charset="-127"/>
-                        <a:ea typeface="-윤고딕310" panose="02030504000101010101" pitchFamily="18" charset="-127"/>
-                      </a:endParaRPr>
-                    </a:p>
-                  </a:txBody>
-                  <a:tcPr marL="111605" marR="111605" marT="55802" marB="55802" anchor="ctr">
-                    <a:solidFill>
-                      <a:srgbClr val="FFF0E8"/>
-                    </a:solidFill>
-                  </a:tcPr>
-                </a:tc>
-                <a:tc>
-                  <a:txBody>
-                    <a:bodyPr/>
-                    <a:lstStyle/>
-                    <a:p>
-                      <a:pPr marL="171450" indent="-171450" latinLnBrk="1">
-                        <a:buFont typeface="Arial" panose="020B0604020202020204" pitchFamily="34" charset="0"/>
-                        <a:buChar char="•"/>
-                      </a:pPr>
-                      <a:r>
-                        <a:rPr lang="ko-KR" altLang="en-US" sz="1200" dirty="0" smtClean="0">
-                          <a:latin typeface="-윤고딕310" panose="02030504000101010101" pitchFamily="18" charset="-127"/>
-                          <a:ea typeface="-윤고딕310" panose="02030504000101010101" pitchFamily="18" charset="-127"/>
-                        </a:rPr>
-                        <a:t>플레이어와 </a:t>
-                      </a:r>
-                      <a:r>
-                        <a:rPr lang="en-US" altLang="ko-KR" sz="1200" dirty="0" smtClean="0">
-                          <a:latin typeface="-윤고딕310" panose="02030504000101010101" pitchFamily="18" charset="-127"/>
-                          <a:ea typeface="-윤고딕310" panose="02030504000101010101" pitchFamily="18" charset="-127"/>
-                        </a:rPr>
-                        <a:t>NPC, NPC </a:t>
-                      </a:r>
-                      <a:r>
-                        <a:rPr lang="ko-KR" altLang="en-US" sz="1200" dirty="0" smtClean="0">
-                          <a:latin typeface="-윤고딕310" panose="02030504000101010101" pitchFamily="18" charset="-127"/>
-                          <a:ea typeface="-윤고딕310" panose="02030504000101010101" pitchFamily="18" charset="-127"/>
-                        </a:rPr>
-                        <a:t>와 </a:t>
-                      </a:r>
-                      <a:r>
-                        <a:rPr lang="en-US" altLang="ko-KR" sz="1200" dirty="0" smtClean="0">
-                          <a:latin typeface="-윤고딕310" panose="02030504000101010101" pitchFamily="18" charset="-127"/>
-                          <a:ea typeface="-윤고딕310" panose="02030504000101010101" pitchFamily="18" charset="-127"/>
-                        </a:rPr>
-                        <a:t>NPC </a:t>
-                      </a:r>
-                      <a:r>
-                        <a:rPr lang="ko-KR" altLang="en-US" sz="1200" dirty="0" smtClean="0">
-                          <a:latin typeface="-윤고딕310" panose="02030504000101010101" pitchFamily="18" charset="-127"/>
-                          <a:ea typeface="-윤고딕310" panose="02030504000101010101" pitchFamily="18" charset="-127"/>
-                        </a:rPr>
-                        <a:t>등등 객체들끼리의 상호 작용을</a:t>
-                      </a:r>
-                      <a:r>
-                        <a:rPr lang="ko-KR" altLang="en-US" sz="1200" baseline="0" dirty="0" smtClean="0">
-                          <a:latin typeface="-윤고딕310" panose="02030504000101010101" pitchFamily="18" charset="-127"/>
-                          <a:ea typeface="-윤고딕310" panose="02030504000101010101" pitchFamily="18" charset="-127"/>
-                        </a:rPr>
-                        <a:t> 구현한다</a:t>
-                      </a:r>
-                      <a:r>
-                        <a:rPr lang="en-US" altLang="ko-KR" sz="1200" baseline="0" dirty="0" smtClean="0">
-                          <a:latin typeface="-윤고딕310" panose="02030504000101010101" pitchFamily="18" charset="-127"/>
-                          <a:ea typeface="-윤고딕310" panose="02030504000101010101" pitchFamily="18" charset="-127"/>
-                        </a:rPr>
-                        <a:t>. </a:t>
-                      </a:r>
-                      <a:r>
-                        <a:rPr lang="ko-KR" altLang="en-US" sz="1200" baseline="0" dirty="0" smtClean="0">
-                          <a:latin typeface="-윤고딕310" panose="02030504000101010101" pitchFamily="18" charset="-127"/>
-                          <a:ea typeface="-윤고딕310" panose="02030504000101010101" pitchFamily="18" charset="-127"/>
-                        </a:rPr>
-                        <a:t>피격</a:t>
-                      </a:r>
-                      <a:r>
-                        <a:rPr lang="en-US" altLang="ko-KR" sz="1200" baseline="0" dirty="0" smtClean="0">
-                          <a:latin typeface="-윤고딕310" panose="02030504000101010101" pitchFamily="18" charset="-127"/>
-                          <a:ea typeface="-윤고딕310" panose="02030504000101010101" pitchFamily="18" charset="-127"/>
-                        </a:rPr>
-                        <a:t>, </a:t>
-                      </a:r>
-                      <a:r>
-                        <a:rPr lang="ko-KR" altLang="en-US" sz="1200" baseline="0" dirty="0" smtClean="0">
-                          <a:latin typeface="-윤고딕310" panose="02030504000101010101" pitchFamily="18" charset="-127"/>
-                          <a:ea typeface="-윤고딕310" panose="02030504000101010101" pitchFamily="18" charset="-127"/>
-                        </a:rPr>
-                        <a:t>공격</a:t>
-                      </a:r>
-                      <a:r>
-                        <a:rPr lang="en-US" altLang="ko-KR" sz="1200" baseline="0" dirty="0" smtClean="0">
-                          <a:latin typeface="-윤고딕310" panose="02030504000101010101" pitchFamily="18" charset="-127"/>
-                          <a:ea typeface="-윤고딕310" panose="02030504000101010101" pitchFamily="18" charset="-127"/>
-                        </a:rPr>
-                        <a:t>, </a:t>
-                      </a:r>
-                      <a:r>
-                        <a:rPr lang="ko-KR" altLang="en-US" sz="1200" baseline="0" dirty="0" smtClean="0">
-                          <a:latin typeface="-윤고딕310" panose="02030504000101010101" pitchFamily="18" charset="-127"/>
-                          <a:ea typeface="-윤고딕310" panose="02030504000101010101" pitchFamily="18" charset="-127"/>
-                        </a:rPr>
-                        <a:t>사망</a:t>
-                      </a:r>
-                      <a:r>
-                        <a:rPr lang="en-US" altLang="ko-KR" sz="1200" baseline="0" dirty="0" smtClean="0">
-                          <a:latin typeface="-윤고딕310" panose="02030504000101010101" pitchFamily="18" charset="-127"/>
-                          <a:ea typeface="-윤고딕310" panose="02030504000101010101" pitchFamily="18" charset="-127"/>
-                        </a:rPr>
-                        <a:t>, </a:t>
-                      </a:r>
-                      <a:r>
-                        <a:rPr lang="ko-KR" altLang="en-US" sz="1200" baseline="0" dirty="0" smtClean="0">
-                          <a:latin typeface="-윤고딕310" panose="02030504000101010101" pitchFamily="18" charset="-127"/>
-                          <a:ea typeface="-윤고딕310" panose="02030504000101010101" pitchFamily="18" charset="-127"/>
-                        </a:rPr>
-                        <a:t>등의 상호작용은 충돌할 때 일어난다</a:t>
-                      </a:r>
-                      <a:r>
-                        <a:rPr lang="en-US" altLang="ko-KR" sz="1200" baseline="0" dirty="0" smtClean="0">
-                          <a:latin typeface="-윤고딕310" panose="02030504000101010101" pitchFamily="18" charset="-127"/>
-                          <a:ea typeface="-윤고딕310" panose="02030504000101010101" pitchFamily="18" charset="-127"/>
-                        </a:rPr>
-                        <a:t>.</a:t>
-                      </a:r>
-                    </a:p>
-                    <a:p>
-                      <a:pPr marL="171450" indent="-171450" latinLnBrk="1">
-                        <a:buFont typeface="Arial" panose="020B0604020202020204" pitchFamily="34" charset="0"/>
-                        <a:buChar char="•"/>
-                      </a:pPr>
-                      <a:endParaRPr lang="ko-KR" altLang="en-US" sz="1200" dirty="0">
-                        <a:latin typeface="-윤고딕310" panose="02030504000101010101" pitchFamily="18" charset="-127"/>
-                        <a:ea typeface="-윤고딕310" panose="02030504000101010101" pitchFamily="18" charset="-127"/>
-                      </a:endParaRPr>
-                    </a:p>
-                  </a:txBody>
-                  <a:tcPr marL="111605" marR="111605" marT="55802" marB="55802">
-                    <a:solidFill>
-                      <a:srgbClr val="FFF0E8"/>
-                    </a:solidFill>
-                  </a:tcPr>
-                </a:tc>
-              </a:tr>
-            </a:tbl>
-          </a:graphicData>
-        </a:graphic>
-      </p:graphicFrame>
-      <p:sp>
-        <p:nvSpPr>
-          <p:cNvPr id="4" name="날짜 개체 틀 3"/>
-          <p:cNvSpPr>
-            <a:spLocks noGrp="1"/>
-          </p:cNvSpPr>
-          <p:nvPr>
-            <p:ph type="dt" sz="half" idx="10"/>
-          </p:nvPr>
-        </p:nvSpPr>
-        <p:spPr>
-          <a:xfrm>
-            <a:off x="6452730" y="5877272"/>
-            <a:ext cx="1213821" cy="365125"/>
-          </a:xfrm>
-        </p:spPr>
-        <p:txBody>
-          <a:bodyPr/>
-          <a:lstStyle/>
-          <a:p>
-            <a:fld id="{E63BED42-B56B-487C-A576-F8E55AE26EFB}" type="datetime1">
-              <a:rPr lang="ko-KR" altLang="en-US" smtClean="0"/>
-              <a:t>2017-10-23</a:t>
-            </a:fld>
-            <a:endParaRPr lang="ko-KR" altLang="en-US"/>
-          </a:p>
-        </p:txBody>
-      </p:sp>
-      <p:sp>
-        <p:nvSpPr>
-          <p:cNvPr id="5" name="슬라이드 번호 개체 틀 4"/>
-          <p:cNvSpPr>
-            <a:spLocks noGrp="1"/>
-          </p:cNvSpPr>
-          <p:nvPr>
-            <p:ph type="sldNum" sz="quarter" idx="12"/>
-          </p:nvPr>
-        </p:nvSpPr>
-        <p:spPr>
-          <a:xfrm>
-            <a:off x="7668344" y="5877272"/>
-            <a:ext cx="554023" cy="365125"/>
-          </a:xfrm>
-        </p:spPr>
-        <p:txBody>
-          <a:bodyPr/>
-          <a:lstStyle/>
-          <a:p>
-            <a:fld id="{8ED71C24-08E4-4AF3-BCF3-1A22B934883E}" type="slidenum">
-              <a:rPr lang="ko-KR" altLang="en-US" smtClean="0"/>
-              <a:t>10</a:t>
-            </a:fld>
-            <a:endParaRPr lang="ko-KR" altLang="en-US"/>
-          </a:p>
-        </p:txBody>
-      </p:sp>
-      <p:sp>
-        <p:nvSpPr>
-          <p:cNvPr id="6" name="바닥글 개체 틀 5"/>
-          <p:cNvSpPr>
-            <a:spLocks noGrp="1"/>
-          </p:cNvSpPr>
-          <p:nvPr>
-            <p:ph type="ftr" sz="quarter" idx="11"/>
-          </p:nvPr>
-        </p:nvSpPr>
-        <p:spPr>
-          <a:xfrm>
-            <a:off x="912543" y="5877272"/>
-            <a:ext cx="5540188" cy="365125"/>
-          </a:xfrm>
-        </p:spPr>
-        <p:txBody>
-          <a:bodyPr/>
-          <a:lstStyle/>
-          <a:p>
-            <a:r>
-              <a:rPr lang="en-US" altLang="ko-KR" dirty="0" smtClean="0">
-                <a:solidFill>
-                  <a:srgbClr val="C00000"/>
-                </a:solidFill>
-                <a:latin typeface="-윤고딕310" panose="02030504000101010101" pitchFamily="18" charset="-127"/>
-                <a:ea typeface="-윤고딕310" panose="02030504000101010101" pitchFamily="18" charset="-127"/>
-              </a:rPr>
-              <a:t>2D </a:t>
-            </a:r>
-            <a:r>
-              <a:rPr lang="ko-KR" altLang="en-US" dirty="0" smtClean="0">
-                <a:solidFill>
-                  <a:srgbClr val="C00000"/>
-                </a:solidFill>
-                <a:latin typeface="-윤고딕310" panose="02030504000101010101" pitchFamily="18" charset="-127"/>
-                <a:ea typeface="-윤고딕310" panose="02030504000101010101" pitchFamily="18" charset="-127"/>
-              </a:rPr>
-              <a:t>게임 프로그래밍</a:t>
-            </a:r>
-            <a:endParaRPr lang="ko-KR" altLang="en-US" dirty="0">
-              <a:solidFill>
-                <a:srgbClr val="C00000"/>
-              </a:solidFill>
-              <a:latin typeface="-윤고딕310" panose="02030504000101010101" pitchFamily="18" charset="-127"/>
-              <a:ea typeface="-윤고딕310" panose="02030504000101010101" pitchFamily="18" charset="-127"/>
-            </a:endParaRPr>
-          </a:p>
-        </p:txBody>
-      </p:sp>
-    </p:spTree>
-    <p:extLst>
-      <p:ext uri="{BB962C8B-B14F-4D97-AF65-F5344CB8AC3E}">
-        <p14:creationId xmlns:p14="http://schemas.microsoft.com/office/powerpoint/2010/main" val="362600760"/>
-      </p:ext>
-    </p:extLst>
-  </p:cSld>
-  <p:clrMapOvr>
-    <a:masterClrMapping/>
-  </p:clrMapOvr>
-  <p:timing>
-    <p:tnLst>
-      <p:par>
-        <p:cTn id="1" dur="indefinite" restart="never" nodeType="tmRoot"/>
-      </p:par>
-    </p:tnLst>
-  </p:timing>
-</p:sld>
-</file>
-
-<file path=ppt/slides/slide11.xml><?xml version="1.0" encoding="utf-8"?>
-<p:sld xmlns:a="http://schemas.openxmlformats.org/drawingml/2006/main" xmlns:r="http://schemas.openxmlformats.org/officeDocument/2006/relationships" xmlns:p="http://schemas.openxmlformats.org/presentationml/2006/main">
-  <p:cSld>
-    <p:spTree>
-      <p:nvGrpSpPr>
-        <p:cNvPr id="1" name=""/>
-        <p:cNvGrpSpPr/>
-        <p:nvPr/>
-      </p:nvGrpSpPr>
-      <p:grpSpPr>
-        <a:xfrm>
-          <a:off x="0" y="0"/>
-          <a:ext cx="0" cy="0"/>
-          <a:chOff x="0" y="0"/>
-          <a:chExt cx="0" cy="0"/>
-        </a:xfrm>
-      </p:grpSpPr>
-      <p:sp>
-        <p:nvSpPr>
-          <p:cNvPr id="2" name="제목 1"/>
-          <p:cNvSpPr>
-            <a:spLocks noGrp="1"/>
-          </p:cNvSpPr>
-          <p:nvPr>
-            <p:ph type="title"/>
-          </p:nvPr>
-        </p:nvSpPr>
-        <p:spPr>
-          <a:xfrm>
-            <a:off x="1115616" y="980728"/>
-            <a:ext cx="6965245" cy="1202485"/>
-          </a:xfrm>
-        </p:spPr>
-        <p:txBody>
-          <a:bodyPr anchor="t"/>
-          <a:lstStyle/>
-          <a:p>
-            <a:r>
-              <a:rPr lang="ko-KR" altLang="en-US" dirty="0" smtClean="0">
-                <a:latin typeface="-윤고딕320" panose="02030504000101010101" pitchFamily="18" charset="-127"/>
-                <a:ea typeface="-윤고딕320" panose="02030504000101010101" pitchFamily="18" charset="-127"/>
-              </a:rPr>
-              <a:t>개발 일정 </a:t>
-            </a:r>
-            <a:r>
-              <a:rPr lang="en-US" altLang="ko-KR" dirty="0" smtClean="0">
-                <a:latin typeface="-윤고딕320" panose="02030504000101010101" pitchFamily="18" charset="-127"/>
-                <a:ea typeface="-윤고딕320" panose="02030504000101010101" pitchFamily="18" charset="-127"/>
-              </a:rPr>
               <a:t>(2)</a:t>
             </a:r>
             <a:endParaRPr lang="ko-KR" altLang="en-US" dirty="0">
@@ -10972,7 +9775,7 @@
           <a:p>
             <a:fld id="{E63BED42-B56B-487C-A576-F8E55AE26EFB}" type="datetime1">
               <a:rPr lang="ko-KR" altLang="en-US" smtClean="0"/>
-              <a:t>2017-10-23</a:t>
+              <a:t>2017-10-27</a:t>
             </a:fld>
             <a:endParaRPr lang="ko-KR" altLang="en-US"/>
           </a:p>
@@ -11000,7 +9803,7 @@
           <a:p>
             <a:fld id="{8ED71C24-08E4-4AF3-BCF3-1A22B934883E}" type="slidenum">
               <a:rPr lang="ko-KR" altLang="en-US" smtClean="0"/>
-              <a:t>11</a:t>
+              <a:t>10</a:t>
             </a:fld>
             <a:endParaRPr lang="ko-KR" altLang="en-US"/>
           </a:p>
@@ -11060,6 +9863,100 @@
     <p:extLst>
       <p:ext uri="{BB962C8B-B14F-4D97-AF65-F5344CB8AC3E}">
         <p14:creationId xmlns:p14="http://schemas.microsoft.com/office/powerpoint/2010/main" val="4146251140"/>
+      </p:ext>
+    </p:extLst>
+  </p:cSld>
+  <p:clrMapOvr>
+    <a:masterClrMapping/>
+  </p:clrMapOvr>
+  <p:timing>
+    <p:tnLst>
+      <p:par>
+        <p:cTn id="1" dur="indefinite" restart="never" nodeType="tmRoot"/>
+      </p:par>
+    </p:tnLst>
+  </p:timing>
+</p:sld>
+</file>
+
+<file path=ppt/slides/slide11.xml><?xml version="1.0" encoding="utf-8"?>
+<p:sld xmlns:a="http://schemas.openxmlformats.org/drawingml/2006/main" xmlns:r="http://schemas.openxmlformats.org/officeDocument/2006/relationships" xmlns:p="http://schemas.openxmlformats.org/presentationml/2006/main">
+  <p:cSld>
+    <p:spTree>
+      <p:nvGrpSpPr>
+        <p:cNvPr id="1" name=""/>
+        <p:cNvGrpSpPr/>
+        <p:nvPr/>
+      </p:nvGrpSpPr>
+      <p:grpSpPr>
+        <a:xfrm>
+          <a:off x="0" y="0"/>
+          <a:ext cx="0" cy="0"/>
+          <a:chOff x="0" y="0"/>
+          <a:chExt cx="0" cy="0"/>
+        </a:xfrm>
+      </p:grpSpPr>
+      <p:sp>
+        <p:nvSpPr>
+          <p:cNvPr id="2" name="제목 1"/>
+          <p:cNvSpPr>
+            <a:spLocks noGrp="1"/>
+          </p:cNvSpPr>
+          <p:nvPr>
+            <p:ph type="ctrTitle"/>
+          </p:nvPr>
+        </p:nvSpPr>
+        <p:spPr/>
+        <p:txBody>
+          <a:bodyPr>
+            <a:normAutofit/>
+          </a:bodyPr>
+          <a:lstStyle/>
+          <a:p>
+            <a:r>
+              <a:rPr lang="ko-KR" altLang="en-US" sz="4000" dirty="0" smtClean="0">
+                <a:latin typeface="-윤고딕330" panose="02030504000101010101" pitchFamily="18" charset="-127"/>
+                <a:ea typeface="-윤고딕330" panose="02030504000101010101" pitchFamily="18" charset="-127"/>
+              </a:rPr>
+              <a:t>봐주셔서 감사합니다</a:t>
+            </a:r>
+            <a:r>
+              <a:rPr lang="en-US" altLang="ko-KR" sz="4000" dirty="0" smtClean="0">
+                <a:latin typeface="-윤고딕330" panose="02030504000101010101" pitchFamily="18" charset="-127"/>
+                <a:ea typeface="-윤고딕330" panose="02030504000101010101" pitchFamily="18" charset="-127"/>
+              </a:rPr>
+              <a:t>.</a:t>
+            </a:r>
+            <a:endParaRPr lang="ko-KR" altLang="en-US" sz="4000" dirty="0">
+              <a:latin typeface="-윤고딕330" panose="02030504000101010101" pitchFamily="18" charset="-127"/>
+              <a:ea typeface="-윤고딕330" panose="02030504000101010101" pitchFamily="18" charset="-127"/>
+            </a:endParaRPr>
+          </a:p>
+        </p:txBody>
+      </p:sp>
+      <p:sp>
+        <p:nvSpPr>
+          <p:cNvPr id="3" name="부제목 2"/>
+          <p:cNvSpPr>
+            <a:spLocks noGrp="1"/>
+          </p:cNvSpPr>
+          <p:nvPr>
+            <p:ph type="subTitle" idx="1"/>
+          </p:nvPr>
+        </p:nvSpPr>
+        <p:spPr/>
+        <p:txBody>
+          <a:bodyPr/>
+          <a:lstStyle/>
+          <a:p>
+            <a:endParaRPr lang="ko-KR" altLang="en-US"/>
+          </a:p>
+        </p:txBody>
+      </p:sp>
+    </p:spTree>
+    <p:extLst>
+      <p:ext uri="{BB962C8B-B14F-4D97-AF65-F5344CB8AC3E}">
+        <p14:creationId xmlns:p14="http://schemas.microsoft.com/office/powerpoint/2010/main" val="3055984076"/>
       </p:ext>
     </p:extLst>
   </p:cSld>
@@ -11113,328 +10010,6 @@
                 <a:latin typeface="-윤고딕320" panose="02030504000101010101" pitchFamily="18" charset="-127"/>
                 <a:ea typeface="-윤고딕320" panose="02030504000101010101" pitchFamily="18" charset="-127"/>
               </a:rPr>
-              <a:t>자료 출처</a:t>
-            </a:r>
-            <a:endParaRPr lang="ko-KR" altLang="en-US" dirty="0">
-              <a:latin typeface="-윤고딕320" panose="02030504000101010101" pitchFamily="18" charset="-127"/>
-              <a:ea typeface="-윤고딕320" panose="02030504000101010101" pitchFamily="18" charset="-127"/>
-            </a:endParaRPr>
-          </a:p>
-        </p:txBody>
-      </p:sp>
-      <p:sp>
-        <p:nvSpPr>
-          <p:cNvPr id="3" name="내용 개체 틀 2"/>
-          <p:cNvSpPr>
-            <a:spLocks noGrp="1"/>
-          </p:cNvSpPr>
-          <p:nvPr>
-            <p:ph idx="1"/>
-          </p:nvPr>
-        </p:nvSpPr>
-        <p:spPr/>
-        <p:txBody>
-          <a:bodyPr>
-            <a:normAutofit/>
-          </a:bodyPr>
-          <a:lstStyle/>
-          <a:p>
-            <a:r>
-              <a:rPr lang="ko-KR" altLang="en-US" sz="2100" dirty="0" smtClean="0">
-                <a:latin typeface="-윤고딕310" panose="02030504000101010101" pitchFamily="18" charset="-127"/>
-                <a:ea typeface="-윤고딕310" panose="02030504000101010101" pitchFamily="18" charset="-127"/>
-              </a:rPr>
-              <a:t>동굴 이야기</a:t>
-            </a:r>
-            <a:r>
-              <a:rPr lang="en-US" altLang="ko-KR" sz="2100" dirty="0">
-                <a:latin typeface="-윤고딕310" panose="02030504000101010101" pitchFamily="18" charset="-127"/>
-                <a:ea typeface="-윤고딕310" panose="02030504000101010101" pitchFamily="18" charset="-127"/>
-              </a:rPr>
-              <a:t>:</a:t>
-            </a:r>
-            <a:br>
-              <a:rPr lang="en-US" altLang="ko-KR" sz="2100" dirty="0">
-                <a:latin typeface="-윤고딕310" panose="02030504000101010101" pitchFamily="18" charset="-127"/>
-                <a:ea typeface="-윤고딕310" panose="02030504000101010101" pitchFamily="18" charset="-127"/>
-              </a:rPr>
-            </a:br>
-            <a:r>
-              <a:rPr lang="en-US" altLang="ko-KR" sz="2100" dirty="0">
-                <a:latin typeface="-윤고딕310" panose="02030504000101010101" pitchFamily="18" charset="-127"/>
-                <a:ea typeface="-윤고딕310" panose="02030504000101010101" pitchFamily="18" charset="-127"/>
-                <a:hlinkClick r:id="rId2"/>
-              </a:rPr>
-              <a:t>http://team-sm.tistory.com/category/?page=2</a:t>
-            </a:r>
-            <a:r>
-              <a:rPr lang="en-US" altLang="ko-KR" sz="2100" dirty="0">
-                <a:latin typeface="-윤고딕310" panose="02030504000101010101" pitchFamily="18" charset="-127"/>
-                <a:ea typeface="-윤고딕310" panose="02030504000101010101" pitchFamily="18" charset="-127"/>
-              </a:rPr>
-              <a:t/>
-            </a:r>
-            <a:br>
-              <a:rPr lang="en-US" altLang="ko-KR" sz="2100" dirty="0">
-                <a:latin typeface="-윤고딕310" panose="02030504000101010101" pitchFamily="18" charset="-127"/>
-                <a:ea typeface="-윤고딕310" panose="02030504000101010101" pitchFamily="18" charset="-127"/>
-              </a:rPr>
-            </a:br>
-            <a:r>
-              <a:rPr lang="en-US" altLang="ko-KR" sz="2100" dirty="0" smtClean="0">
-                <a:latin typeface="-윤고딕310" panose="02030504000101010101" pitchFamily="18" charset="-127"/>
-                <a:ea typeface="-윤고딕310" panose="02030504000101010101" pitchFamily="18" charset="-127"/>
-                <a:hlinkClick r:id="rId3"/>
-              </a:rPr>
-              <a:t>https</a:t>
-            </a:r>
-            <a:r>
-              <a:rPr lang="en-US" altLang="ko-KR" sz="2100">
-                <a:latin typeface="-윤고딕310" panose="02030504000101010101" pitchFamily="18" charset="-127"/>
-                <a:ea typeface="-윤고딕310" panose="02030504000101010101" pitchFamily="18" charset="-127"/>
-                <a:hlinkClick r:id="rId3"/>
-              </a:rPr>
-              <a:t>://</a:t>
-            </a:r>
-            <a:r>
-              <a:rPr lang="en-US" altLang="ko-KR" sz="2100" smtClean="0">
-                <a:latin typeface="-윤고딕310" panose="02030504000101010101" pitchFamily="18" charset="-127"/>
-                <a:ea typeface="-윤고딕310" panose="02030504000101010101" pitchFamily="18" charset="-127"/>
-                <a:hlinkClick r:id="rId3"/>
-              </a:rPr>
-              <a:t>www31.atwiki.jp/cavestory006/pages/77.html</a:t>
-            </a:r>
-            <a:endParaRPr lang="en-US" altLang="ko-KR" sz="2100" dirty="0" smtClean="0">
-              <a:latin typeface="-윤고딕310" panose="02030504000101010101" pitchFamily="18" charset="-127"/>
-              <a:ea typeface="-윤고딕310" panose="02030504000101010101" pitchFamily="18" charset="-127"/>
-            </a:endParaRPr>
-          </a:p>
-        </p:txBody>
-      </p:sp>
-      <p:sp>
-        <p:nvSpPr>
-          <p:cNvPr id="4" name="날짜 개체 틀 3"/>
-          <p:cNvSpPr>
-            <a:spLocks noGrp="1"/>
-          </p:cNvSpPr>
-          <p:nvPr>
-            <p:ph type="dt" sz="half" idx="10"/>
-          </p:nvPr>
-        </p:nvSpPr>
-        <p:spPr/>
-        <p:txBody>
-          <a:bodyPr/>
-          <a:lstStyle/>
-          <a:p>
-            <a:fld id="{8998F1EC-F01B-4CCC-A0E8-CD7012E5E6C0}" type="datetime1">
-              <a:rPr lang="ko-KR" altLang="en-US" smtClean="0"/>
-              <a:t>2017-10-23</a:t>
-            </a:fld>
-            <a:endParaRPr lang="ko-KR" altLang="en-US" dirty="0"/>
-          </a:p>
-        </p:txBody>
-      </p:sp>
-      <p:sp>
-        <p:nvSpPr>
-          <p:cNvPr id="5" name="바닥글 개체 틀 4"/>
-          <p:cNvSpPr>
-            <a:spLocks noGrp="1"/>
-          </p:cNvSpPr>
-          <p:nvPr>
-            <p:ph type="ftr" sz="quarter" idx="11"/>
-          </p:nvPr>
-        </p:nvSpPr>
-        <p:spPr/>
-        <p:txBody>
-          <a:bodyPr/>
-          <a:lstStyle/>
-          <a:p>
-            <a:r>
-              <a:rPr lang="en-US" altLang="ko-KR" smtClean="0"/>
-              <a:t>2D </a:t>
-            </a:r>
-            <a:r>
-              <a:rPr lang="ko-KR" altLang="en-US" smtClean="0"/>
-              <a:t>게임 프로그래밍</a:t>
-            </a:r>
-            <a:endParaRPr lang="ko-KR" altLang="en-US"/>
-          </a:p>
-        </p:txBody>
-      </p:sp>
-      <p:sp>
-        <p:nvSpPr>
-          <p:cNvPr id="6" name="슬라이드 번호 개체 틀 5"/>
-          <p:cNvSpPr>
-            <a:spLocks noGrp="1"/>
-          </p:cNvSpPr>
-          <p:nvPr>
-            <p:ph type="sldNum" sz="quarter" idx="12"/>
-          </p:nvPr>
-        </p:nvSpPr>
-        <p:spPr/>
-        <p:txBody>
-          <a:bodyPr/>
-          <a:lstStyle/>
-          <a:p>
-            <a:fld id="{8ED71C24-08E4-4AF3-BCF3-1A22B934883E}" type="slidenum">
-              <a:rPr lang="ko-KR" altLang="en-US" smtClean="0"/>
-              <a:t>12</a:t>
-            </a:fld>
-            <a:endParaRPr lang="ko-KR" altLang="en-US"/>
-          </a:p>
-        </p:txBody>
-      </p:sp>
-    </p:spTree>
-    <p:extLst>
-      <p:ext uri="{BB962C8B-B14F-4D97-AF65-F5344CB8AC3E}">
-        <p14:creationId xmlns:p14="http://schemas.microsoft.com/office/powerpoint/2010/main" val="1392379696"/>
-      </p:ext>
-    </p:extLst>
-  </p:cSld>
-  <p:clrMapOvr>
-    <a:masterClrMapping/>
-  </p:clrMapOvr>
-  <p:timing>
-    <p:tnLst>
-      <p:par>
-        <p:cTn id="1" dur="indefinite" restart="never" nodeType="tmRoot"/>
-      </p:par>
-    </p:tnLst>
-  </p:timing>
-</p:sld>
-</file>
-
-<file path=ppt/slides/slide13.xml><?xml version="1.0" encoding="utf-8"?>
-<p:sld xmlns:a="http://schemas.openxmlformats.org/drawingml/2006/main" xmlns:r="http://schemas.openxmlformats.org/officeDocument/2006/relationships" xmlns:p="http://schemas.openxmlformats.org/presentationml/2006/main">
-  <p:cSld>
-    <p:spTree>
-      <p:nvGrpSpPr>
-        <p:cNvPr id="1" name=""/>
-        <p:cNvGrpSpPr/>
-        <p:nvPr/>
-      </p:nvGrpSpPr>
-      <p:grpSpPr>
-        <a:xfrm>
-          <a:off x="0" y="0"/>
-          <a:ext cx="0" cy="0"/>
-          <a:chOff x="0" y="0"/>
-          <a:chExt cx="0" cy="0"/>
-        </a:xfrm>
-      </p:grpSpPr>
-      <p:sp>
-        <p:nvSpPr>
-          <p:cNvPr id="2" name="제목 1"/>
-          <p:cNvSpPr>
-            <a:spLocks noGrp="1"/>
-          </p:cNvSpPr>
-          <p:nvPr>
-            <p:ph type="ctrTitle"/>
-          </p:nvPr>
-        </p:nvSpPr>
-        <p:spPr/>
-        <p:txBody>
-          <a:bodyPr>
-            <a:normAutofit/>
-          </a:bodyPr>
-          <a:lstStyle/>
-          <a:p>
-            <a:r>
-              <a:rPr lang="ko-KR" altLang="en-US" sz="4000" dirty="0" smtClean="0">
-                <a:latin typeface="-윤고딕330" panose="02030504000101010101" pitchFamily="18" charset="-127"/>
-                <a:ea typeface="-윤고딕330" panose="02030504000101010101" pitchFamily="18" charset="-127"/>
-              </a:rPr>
-              <a:t>봐주셔서 감사합니다</a:t>
-            </a:r>
-            <a:r>
-              <a:rPr lang="en-US" altLang="ko-KR" sz="4000" dirty="0" smtClean="0">
-                <a:latin typeface="-윤고딕330" panose="02030504000101010101" pitchFamily="18" charset="-127"/>
-                <a:ea typeface="-윤고딕330" panose="02030504000101010101" pitchFamily="18" charset="-127"/>
-              </a:rPr>
-              <a:t>.</a:t>
-            </a:r>
-            <a:endParaRPr lang="ko-KR" altLang="en-US" sz="4000" dirty="0">
-              <a:latin typeface="-윤고딕330" panose="02030504000101010101" pitchFamily="18" charset="-127"/>
-              <a:ea typeface="-윤고딕330" panose="02030504000101010101" pitchFamily="18" charset="-127"/>
-            </a:endParaRPr>
-          </a:p>
-        </p:txBody>
-      </p:sp>
-      <p:sp>
-        <p:nvSpPr>
-          <p:cNvPr id="3" name="부제목 2"/>
-          <p:cNvSpPr>
-            <a:spLocks noGrp="1"/>
-          </p:cNvSpPr>
-          <p:nvPr>
-            <p:ph type="subTitle" idx="1"/>
-          </p:nvPr>
-        </p:nvSpPr>
-        <p:spPr/>
-        <p:txBody>
-          <a:bodyPr/>
-          <a:lstStyle/>
-          <a:p>
-            <a:endParaRPr lang="ko-KR" altLang="en-US"/>
-          </a:p>
-        </p:txBody>
-      </p:sp>
-    </p:spTree>
-    <p:extLst>
-      <p:ext uri="{BB962C8B-B14F-4D97-AF65-F5344CB8AC3E}">
-        <p14:creationId xmlns:p14="http://schemas.microsoft.com/office/powerpoint/2010/main" val="3055984076"/>
-      </p:ext>
-    </p:extLst>
-  </p:cSld>
-  <p:clrMapOvr>
-    <a:masterClrMapping/>
-  </p:clrMapOvr>
-  <p:timing>
-    <p:tnLst>
-      <p:par>
-        <p:cTn id="1" dur="indefinite" restart="never" nodeType="tmRoot"/>
-      </p:par>
-    </p:tnLst>
-  </p:timing>
-</p:sld>
-</file>
-
-<file path=ppt/slides/slide14.xml><?xml version="1.0" encoding="utf-8"?>
-<p:sld xmlns:a="http://schemas.openxmlformats.org/drawingml/2006/main" xmlns:r="http://schemas.openxmlformats.org/officeDocument/2006/relationships" xmlns:p="http://schemas.openxmlformats.org/presentationml/2006/main">
-  <p:cSld>
-    <p:spTree>
-      <p:nvGrpSpPr>
-        <p:cNvPr id="1" name=""/>
-        <p:cNvGrpSpPr/>
-        <p:nvPr/>
-      </p:nvGrpSpPr>
-      <p:grpSpPr>
-        <a:xfrm>
-          <a:off x="0" y="0"/>
-          <a:ext cx="0" cy="0"/>
-          <a:chOff x="0" y="0"/>
-          <a:chExt cx="0" cy="0"/>
-        </a:xfrm>
-      </p:grpSpPr>
-      <p:sp>
-        <p:nvSpPr>
-          <p:cNvPr id="2" name="제목 1"/>
-          <p:cNvSpPr>
-            <a:spLocks noGrp="1"/>
-          </p:cNvSpPr>
-          <p:nvPr>
-            <p:ph type="title"/>
-          </p:nvPr>
-        </p:nvSpPr>
-        <p:spPr/>
-        <p:txBody>
-          <a:bodyPr/>
-          <a:lstStyle/>
-          <a:p>
-            <a:r>
-              <a:rPr lang="ko-KR" altLang="en-US" dirty="0" smtClean="0">
-                <a:latin typeface="-윤고딕320" panose="02030504000101010101" pitchFamily="18" charset="-127"/>
-                <a:ea typeface="-윤고딕320" panose="02030504000101010101" pitchFamily="18" charset="-127"/>
-              </a:rPr>
               <a:t>자체 평가</a:t>
             </a:r>
             <a:endParaRPr lang="ko-KR" altLang="en-US" dirty="0">
@@ -11972,7 +10547,7 @@
           <a:p>
             <a:fld id="{E64E4686-FFDF-4469-BE9B-A5EC149CF7A5}" type="datetime1">
               <a:rPr lang="ko-KR" altLang="en-US" smtClean="0"/>
-              <a:t>2017-10-23</a:t>
+              <a:t>2017-10-27</a:t>
             </a:fld>
             <a:endParaRPr lang="ko-KR" altLang="en-US"/>
           </a:p>
@@ -12000,7 +10575,7 @@
           <a:p>
             <a:fld id="{8ED71C24-08E4-4AF3-BCF3-1A22B934883E}" type="slidenum">
               <a:rPr lang="ko-KR" altLang="en-US" smtClean="0"/>
-              <a:t>14</a:t>
+              <a:t>12</a:t>
             </a:fld>
             <a:endParaRPr lang="ko-KR" altLang="en-US"/>
           </a:p>
@@ -12233,7 +10808,7 @@
           <a:p>
             <a:fld id="{99C85210-9BD9-410B-8B60-1A01FEADF4C9}" type="datetime1">
               <a:rPr lang="ko-KR" altLang="en-US" smtClean="0"/>
-              <a:t>2017-10-23</a:t>
+              <a:t>2017-10-27</a:t>
             </a:fld>
             <a:endParaRPr lang="ko-KR" altLang="en-US"/>
           </a:p>
@@ -12631,7 +11206,7 @@
           <a:p>
             <a:fld id="{80913EDC-9206-426E-951D-E7E0B75694AE}" type="datetime1">
               <a:rPr lang="ko-KR" altLang="en-US" smtClean="0"/>
-              <a:t>2017-10-23</a:t>
+              <a:t>2017-10-27</a:t>
             </a:fld>
             <a:endParaRPr lang="ko-KR" altLang="en-US"/>
           </a:p>
@@ -12736,512 +11311,6 @@
 </file>
 
 <file path=ppt/slides/slide4.xml><?xml version="1.0" encoding="utf-8"?>
-<p:sld xmlns:a="http://schemas.openxmlformats.org/drawingml/2006/main" xmlns:r="http://schemas.openxmlformats.org/officeDocument/2006/relationships" xmlns:p="http://schemas.openxmlformats.org/presentationml/2006/main">
-  <p:cSld>
-    <p:spTree>
-      <p:nvGrpSpPr>
-        <p:cNvPr id="1" name=""/>
-        <p:cNvGrpSpPr/>
-        <p:nvPr/>
-      </p:nvGrpSpPr>
-      <p:grpSpPr>
-        <a:xfrm>
-          <a:off x="0" y="0"/>
-          <a:ext cx="0" cy="0"/>
-          <a:chOff x="0" y="0"/>
-          <a:chExt cx="0" cy="0"/>
-        </a:xfrm>
-      </p:grpSpPr>
-      <p:sp>
-        <p:nvSpPr>
-          <p:cNvPr id="2" name="제목 1"/>
-          <p:cNvSpPr>
-            <a:spLocks noGrp="1"/>
-          </p:cNvSpPr>
-          <p:nvPr>
-            <p:ph type="title"/>
-          </p:nvPr>
-        </p:nvSpPr>
-        <p:spPr/>
-        <p:txBody>
-          <a:bodyPr/>
-          <a:lstStyle/>
-          <a:p>
-            <a:r>
-              <a:rPr lang="ko-KR" altLang="en-US" dirty="0">
-                <a:latin typeface="-윤고딕320" panose="02030504000101010101" pitchFamily="18" charset="-127"/>
-                <a:ea typeface="-윤고딕320" panose="02030504000101010101" pitchFamily="18" charset="-127"/>
-              </a:rPr>
-              <a:t>예시 게임 </a:t>
-            </a:r>
-            <a:r>
-              <a:rPr lang="ko-KR" altLang="en-US" dirty="0" smtClean="0">
-                <a:latin typeface="-윤고딕320" panose="02030504000101010101" pitchFamily="18" charset="-127"/>
-                <a:ea typeface="-윤고딕320" panose="02030504000101010101" pitchFamily="18" charset="-127"/>
-              </a:rPr>
-              <a:t>사진</a:t>
-            </a:r>
-            <a:endParaRPr lang="ko-KR" altLang="en-US" dirty="0">
-              <a:latin typeface="-윤고딕320" panose="02030504000101010101" pitchFamily="18" charset="-127"/>
-              <a:ea typeface="-윤고딕320" panose="02030504000101010101" pitchFamily="18" charset="-127"/>
-            </a:endParaRPr>
-          </a:p>
-        </p:txBody>
-      </p:sp>
-      <p:sp>
-        <p:nvSpPr>
-          <p:cNvPr id="3" name="내용 개체 틀 2"/>
-          <p:cNvSpPr>
-            <a:spLocks noGrp="1"/>
-          </p:cNvSpPr>
-          <p:nvPr>
-            <p:ph idx="1"/>
-          </p:nvPr>
-        </p:nvSpPr>
-        <p:spPr/>
-        <p:txBody>
-          <a:bodyPr>
-            <a:normAutofit/>
-          </a:bodyPr>
-          <a:lstStyle/>
-          <a:p>
-            <a:pPr marL="0" indent="0">
-              <a:buNone/>
-            </a:pPr>
-            <a:r>
-              <a:rPr lang="ko-KR" altLang="en-US" sz="2000" dirty="0" smtClean="0">
-                <a:latin typeface="-윤고딕310" panose="02030504000101010101" pitchFamily="18" charset="-127"/>
-                <a:ea typeface="-윤고딕310" panose="02030504000101010101" pitchFamily="18" charset="-127"/>
-              </a:rPr>
-              <a:t>예시 스크린샷</a:t>
-            </a:r>
-            <a:r>
-              <a:rPr lang="en-US" altLang="ko-KR" sz="2000" dirty="0" smtClean="0">
-                <a:latin typeface="-윤고딕310" panose="02030504000101010101" pitchFamily="18" charset="-127"/>
-                <a:ea typeface="-윤고딕310" panose="02030504000101010101" pitchFamily="18" charset="-127"/>
-              </a:rPr>
-              <a:t>: </a:t>
-            </a:r>
-            <a:r>
-              <a:rPr lang="ko-KR" altLang="en-US" sz="2000" dirty="0" smtClean="0">
-                <a:latin typeface="-윤고딕310" panose="02030504000101010101" pitchFamily="18" charset="-127"/>
-                <a:ea typeface="-윤고딕310" panose="02030504000101010101" pitchFamily="18" charset="-127"/>
-              </a:rPr>
-              <a:t>동굴 이야기 </a:t>
-            </a:r>
-            <a:r>
-              <a:rPr lang="en-US" altLang="ko-KR" sz="2000" dirty="0" smtClean="0">
-                <a:latin typeface="-윤고딕310" panose="02030504000101010101" pitchFamily="18" charset="-127"/>
-                <a:ea typeface="-윤고딕310" panose="02030504000101010101" pitchFamily="18" charset="-127"/>
-              </a:rPr>
-              <a:t>(Cave Story)</a:t>
-            </a:r>
-          </a:p>
-          <a:p>
-            <a:pPr marL="0" indent="0">
-              <a:buNone/>
-            </a:pPr>
-            <a:r>
-              <a:rPr lang="en-US" altLang="ko-KR" sz="2000" dirty="0" smtClean="0">
-                <a:latin typeface="-윤고딕310" panose="02030504000101010101" pitchFamily="18" charset="-127"/>
-                <a:ea typeface="-윤고딕310" panose="02030504000101010101" pitchFamily="18" charset="-127"/>
-              </a:rPr>
-              <a:t> </a:t>
-            </a:r>
-            <a:r>
-              <a:rPr lang="ko-KR" altLang="en-US" sz="2000" dirty="0" smtClean="0">
-                <a:latin typeface="-윤고딕310" panose="02030504000101010101" pitchFamily="18" charset="-127"/>
-                <a:ea typeface="-윤고딕310" panose="02030504000101010101" pitchFamily="18" charset="-127"/>
-              </a:rPr>
-              <a:t>중력이 있는 플랫포머 게임</a:t>
-            </a:r>
-            <a:r>
-              <a:rPr lang="en-US" altLang="ko-KR" sz="2000" dirty="0" smtClean="0">
-                <a:latin typeface="-윤고딕310" panose="02030504000101010101" pitchFamily="18" charset="-127"/>
-                <a:ea typeface="-윤고딕310" panose="02030504000101010101" pitchFamily="18" charset="-127"/>
-              </a:rPr>
-              <a:t>. </a:t>
-            </a:r>
-            <a:r>
-              <a:rPr lang="ko-KR" altLang="en-US" sz="2000" dirty="0" smtClean="0">
-                <a:latin typeface="-윤고딕310" panose="02030504000101010101" pitchFamily="18" charset="-127"/>
-                <a:ea typeface="-윤고딕310" panose="02030504000101010101" pitchFamily="18" charset="-127"/>
-              </a:rPr>
-              <a:t>현실감을 부여하고</a:t>
-            </a:r>
-            <a:r>
-              <a:rPr lang="en-US" altLang="ko-KR" sz="2000" dirty="0" smtClean="0">
-                <a:latin typeface="-윤고딕310" panose="02030504000101010101" pitchFamily="18" charset="-127"/>
-                <a:ea typeface="-윤고딕310" panose="02030504000101010101" pitchFamily="18" charset="-127"/>
-              </a:rPr>
-              <a:t> </a:t>
-            </a:r>
-            <a:r>
-              <a:rPr lang="ko-KR" altLang="en-US" sz="2000" dirty="0" smtClean="0">
-                <a:latin typeface="-윤고딕310" panose="02030504000101010101" pitchFamily="18" charset="-127"/>
-                <a:ea typeface="-윤고딕310" panose="02030504000101010101" pitchFamily="18" charset="-127"/>
-              </a:rPr>
-              <a:t>게임의 </a:t>
-            </a:r>
-            <a:r>
-              <a:rPr lang="ko-KR" altLang="en-US" sz="2000" dirty="0" err="1" smtClean="0">
-                <a:latin typeface="-윤고딕310" panose="02030504000101010101" pitchFamily="18" charset="-127"/>
-                <a:ea typeface="-윤고딕310" panose="02030504000101010101" pitchFamily="18" charset="-127"/>
-              </a:rPr>
-              <a:t>조작감과</a:t>
-            </a:r>
-            <a:r>
-              <a:rPr lang="ko-KR" altLang="en-US" sz="2000" dirty="0" smtClean="0">
-                <a:latin typeface="-윤고딕310" panose="02030504000101010101" pitchFamily="18" charset="-127"/>
-                <a:ea typeface="-윤고딕310" panose="02030504000101010101" pitchFamily="18" charset="-127"/>
-              </a:rPr>
-              <a:t> </a:t>
-            </a:r>
-            <a:r>
-              <a:rPr lang="ko-KR" altLang="en-US" sz="2000" dirty="0" err="1" smtClean="0">
-                <a:latin typeface="-윤고딕310" panose="02030504000101010101" pitchFamily="18" charset="-127"/>
-                <a:ea typeface="-윤고딕310" panose="02030504000101010101" pitchFamily="18" charset="-127"/>
-              </a:rPr>
-              <a:t>게임성을</a:t>
-            </a:r>
-            <a:r>
-              <a:rPr lang="ko-KR" altLang="en-US" sz="2000" dirty="0">
-                <a:latin typeface="-윤고딕310" panose="02030504000101010101" pitchFamily="18" charset="-127"/>
-                <a:ea typeface="-윤고딕310" panose="02030504000101010101" pitchFamily="18" charset="-127"/>
-              </a:rPr>
-              <a:t> </a:t>
-            </a:r>
-            <a:r>
-              <a:rPr lang="ko-KR" altLang="en-US" sz="2000" dirty="0" smtClean="0">
-                <a:latin typeface="-윤고딕310" panose="02030504000101010101" pitchFamily="18" charset="-127"/>
-                <a:ea typeface="-윤고딕310" panose="02030504000101010101" pitchFamily="18" charset="-127"/>
-              </a:rPr>
-              <a:t>상대적으로 쉽게 끌어올릴 수 있다</a:t>
-            </a:r>
-            <a:r>
-              <a:rPr lang="en-US" altLang="ko-KR" sz="2000" dirty="0" smtClean="0">
-                <a:latin typeface="-윤고딕310" panose="02030504000101010101" pitchFamily="18" charset="-127"/>
-                <a:ea typeface="-윤고딕310" panose="02030504000101010101" pitchFamily="18" charset="-127"/>
-              </a:rPr>
-              <a:t>.</a:t>
-            </a:r>
-          </a:p>
-          <a:p>
-            <a:pPr marL="0" indent="0">
-              <a:buNone/>
-            </a:pPr>
-            <a:endParaRPr lang="ko-KR" altLang="en-US" sz="2300" dirty="0">
-              <a:latin typeface="-윤고딕310" panose="02030504000101010101" pitchFamily="18" charset="-127"/>
-              <a:ea typeface="-윤고딕310" panose="02030504000101010101" pitchFamily="18" charset="-127"/>
-            </a:endParaRPr>
-          </a:p>
-        </p:txBody>
-      </p:sp>
-      <p:sp>
-        <p:nvSpPr>
-          <p:cNvPr id="4" name="날짜 개체 틀 3"/>
-          <p:cNvSpPr>
-            <a:spLocks noGrp="1"/>
-          </p:cNvSpPr>
-          <p:nvPr>
-            <p:ph type="dt" sz="half" idx="10"/>
-          </p:nvPr>
-        </p:nvSpPr>
-        <p:spPr>
-          <a:xfrm>
-            <a:off x="6444208" y="5877272"/>
-            <a:ext cx="1213821" cy="365125"/>
-          </a:xfrm>
-        </p:spPr>
-        <p:txBody>
-          <a:bodyPr/>
-          <a:lstStyle/>
-          <a:p>
-            <a:fld id="{1DFADF30-901F-49C8-A3B5-BD350A95808D}" type="datetime1">
-              <a:rPr lang="ko-KR" altLang="en-US" smtClean="0"/>
-              <a:t>2017-10-23</a:t>
-            </a:fld>
-            <a:endParaRPr lang="ko-KR" altLang="en-US"/>
-          </a:p>
-        </p:txBody>
-      </p:sp>
-      <p:sp>
-        <p:nvSpPr>
-          <p:cNvPr id="5" name="슬라이드 번호 개체 틀 4"/>
-          <p:cNvSpPr>
-            <a:spLocks noGrp="1"/>
-          </p:cNvSpPr>
-          <p:nvPr>
-            <p:ph type="sldNum" sz="quarter" idx="12"/>
-          </p:nvPr>
-        </p:nvSpPr>
-        <p:spPr>
-          <a:xfrm>
-            <a:off x="7659822" y="5877272"/>
-            <a:ext cx="554023" cy="365125"/>
-          </a:xfrm>
-        </p:spPr>
-        <p:txBody>
-          <a:bodyPr/>
-          <a:lstStyle/>
-          <a:p>
-            <a:fld id="{8ED71C24-08E4-4AF3-BCF3-1A22B934883E}" type="slidenum">
-              <a:rPr lang="ko-KR" altLang="en-US" smtClean="0"/>
-              <a:t>4</a:t>
-            </a:fld>
-            <a:endParaRPr lang="ko-KR" altLang="en-US"/>
-          </a:p>
-        </p:txBody>
-      </p:sp>
-      <p:sp>
-        <p:nvSpPr>
-          <p:cNvPr id="6" name="바닥글 개체 틀 5"/>
-          <p:cNvSpPr>
-            <a:spLocks noGrp="1"/>
-          </p:cNvSpPr>
-          <p:nvPr>
-            <p:ph type="ftr" sz="quarter" idx="11"/>
-          </p:nvPr>
-        </p:nvSpPr>
-        <p:spPr>
-          <a:xfrm>
-            <a:off x="904021" y="5877272"/>
-            <a:ext cx="5540188" cy="365125"/>
-          </a:xfrm>
-        </p:spPr>
-        <p:txBody>
-          <a:bodyPr/>
-          <a:lstStyle/>
-          <a:p>
-            <a:r>
-              <a:rPr lang="en-US" altLang="ko-KR" smtClean="0">
-                <a:solidFill>
-                  <a:srgbClr val="C00000"/>
-                </a:solidFill>
-                <a:latin typeface="-윤고딕310" panose="02030504000101010101" pitchFamily="18" charset="-127"/>
-                <a:ea typeface="-윤고딕310" panose="02030504000101010101" pitchFamily="18" charset="-127"/>
-              </a:rPr>
-              <a:t>2D </a:t>
-            </a:r>
-            <a:r>
-              <a:rPr lang="ko-KR" altLang="en-US" smtClean="0">
-                <a:solidFill>
-                  <a:srgbClr val="C00000"/>
-                </a:solidFill>
-                <a:latin typeface="-윤고딕310" panose="02030504000101010101" pitchFamily="18" charset="-127"/>
-                <a:ea typeface="-윤고딕310" panose="02030504000101010101" pitchFamily="18" charset="-127"/>
-              </a:rPr>
-              <a:t>게임 프로그래밍</a:t>
-            </a:r>
-            <a:endParaRPr lang="ko-KR" altLang="en-US">
-              <a:solidFill>
-                <a:srgbClr val="C00000"/>
-              </a:solidFill>
-              <a:latin typeface="-윤고딕310" panose="02030504000101010101" pitchFamily="18" charset="-127"/>
-              <a:ea typeface="-윤고딕310" panose="02030504000101010101" pitchFamily="18" charset="-127"/>
-            </a:endParaRPr>
-          </a:p>
-        </p:txBody>
-      </p:sp>
-      <p:pic>
-        <p:nvPicPr>
-          <p:cNvPr id="9" name="그림 8"/>
-          <p:cNvPicPr>
-            <a:picLocks noChangeAspect="1"/>
-          </p:cNvPicPr>
-          <p:nvPr/>
-        </p:nvPicPr>
-        <p:blipFill>
-          <a:blip r:embed="rId2">
-            <a:extLst>
-              <a:ext uri="{28A0092B-C50C-407E-A947-70E740481C1C}">
-                <a14:useLocalDpi xmlns:a14="http://schemas.microsoft.com/office/drawing/2010/main" val="0"/>
-              </a:ext>
-            </a:extLst>
-          </a:blip>
-          <a:stretch>
-            <a:fillRect/>
-          </a:stretch>
-        </p:blipFill>
-        <p:spPr>
-          <a:xfrm>
-            <a:off x="2699792" y="3501008"/>
-            <a:ext cx="3810000" cy="2286000"/>
-          </a:xfrm>
-          <a:prstGeom prst="rect">
-            <a:avLst/>
-          </a:prstGeom>
-        </p:spPr>
-      </p:pic>
-    </p:spTree>
-    <p:extLst>
-      <p:ext uri="{BB962C8B-B14F-4D97-AF65-F5344CB8AC3E}">
-        <p14:creationId xmlns:p14="http://schemas.microsoft.com/office/powerpoint/2010/main" val="1915662292"/>
-      </p:ext>
-    </p:extLst>
-  </p:cSld>
-  <p:clrMapOvr>
-    <a:masterClrMapping/>
-  </p:clrMapOvr>
-  <p:timing>
-    <p:tnLst>
-      <p:par>
-        <p:cTn id="1" dur="indefinite" restart="never" nodeType="tmRoot">
-          <p:childTnLst>
-            <p:seq concurrent="1" nextAc="seek">
-              <p:cTn id="2" dur="indefinite" nodeType="mainSeq">
-                <p:childTnLst>
-                  <p:par>
-                    <p:cTn id="3" fill="hold">
-                      <p:stCondLst>
-                        <p:cond delay="indefinite"/>
-                      </p:stCondLst>
-                      <p:childTnLst>
-                        <p:par>
-                          <p:cTn id="4" fill="hold">
-                            <p:stCondLst>
-                              <p:cond delay="0"/>
-                            </p:stCondLst>
-                            <p:childTnLst>
-                              <p:par>
-                                <p:cTn id="5" presetID="10" presetClass="entr" presetSubtype="0" fill="hold" grpId="0" nodeType="clickEffect">
-                                  <p:stCondLst>
-                                    <p:cond delay="0"/>
-                                  </p:stCondLst>
-                                  <p:childTnLst>
-                                    <p:set>
-                                      <p:cBhvr>
-                                        <p:cTn id="6" dur="1" fill="hold">
-                                          <p:stCondLst>
-                                            <p:cond delay="0"/>
-                                          </p:stCondLst>
-                                        </p:cTn>
-                                        <p:tgtEl>
-                                          <p:spTgt spid="3">
-                                            <p:txEl>
-                                              <p:pRg st="0" end="0"/>
-                                            </p:txEl>
-                                          </p:spTgt>
-                                        </p:tgtEl>
-                                        <p:attrNameLst>
-                                          <p:attrName>style.visibility</p:attrName>
-                                        </p:attrNameLst>
-                                      </p:cBhvr>
-                                      <p:to>
-                                        <p:strVal val="visible"/>
-                                      </p:to>
-                                    </p:set>
-                                    <p:animEffect transition="in" filter="fade">
-                                      <p:cBhvr>
-                                        <p:cTn id="7" dur="500"/>
-                                        <p:tgtEl>
-                                          <p:spTgt spid="3">
-                                            <p:txEl>
-                                              <p:pRg st="0" end="0"/>
-                                            </p:txEl>
-                                          </p:spTgt>
-                                        </p:tgtEl>
-                                      </p:cBhvr>
-                                    </p:animEffect>
-                                  </p:childTnLst>
-                                </p:cTn>
-                              </p:par>
-                            </p:childTnLst>
-                          </p:cTn>
-                        </p:par>
-                      </p:childTnLst>
-                    </p:cTn>
-                  </p:par>
-                  <p:par>
-                    <p:cTn id="8" fill="hold">
-                      <p:stCondLst>
-                        <p:cond delay="indefinite"/>
-                      </p:stCondLst>
-                      <p:childTnLst>
-                        <p:par>
-                          <p:cTn id="9" fill="hold">
-                            <p:stCondLst>
-                              <p:cond delay="0"/>
-                            </p:stCondLst>
-                            <p:childTnLst>
-                              <p:par>
-                                <p:cTn id="10" presetID="10" presetClass="entr" presetSubtype="0" fill="hold" grpId="0" nodeType="clickEffect">
-                                  <p:stCondLst>
-                                    <p:cond delay="0"/>
-                                  </p:stCondLst>
-                                  <p:childTnLst>
-                                    <p:set>
-                                      <p:cBhvr>
-                                        <p:cTn id="11" dur="1" fill="hold">
-                                          <p:stCondLst>
-                                            <p:cond delay="0"/>
-                                          </p:stCondLst>
-                                        </p:cTn>
-                                        <p:tgtEl>
-                                          <p:spTgt spid="3">
-                                            <p:txEl>
-                                              <p:pRg st="1" end="1"/>
-                                            </p:txEl>
-                                          </p:spTgt>
-                                        </p:tgtEl>
-                                        <p:attrNameLst>
-                                          <p:attrName>style.visibility</p:attrName>
-                                        </p:attrNameLst>
-                                      </p:cBhvr>
-                                      <p:to>
-                                        <p:strVal val="visible"/>
-                                      </p:to>
-                                    </p:set>
-                                    <p:animEffect transition="in" filter="fade">
-                                      <p:cBhvr>
-                                        <p:cTn id="12" dur="500"/>
-                                        <p:tgtEl>
-                                          <p:spTgt spid="3">
-                                            <p:txEl>
-                                              <p:pRg st="1" end="1"/>
-                                            </p:txEl>
-                                          </p:spTgt>
-                                        </p:tgtEl>
-                                      </p:cBhvr>
-                                    </p:animEffect>
-                                  </p:childTnLst>
-                                </p:cTn>
-                              </p:par>
-                            </p:childTnLst>
-                          </p:cTn>
-                        </p:par>
-                      </p:childTnLst>
-                    </p:cTn>
-                  </p:par>
-                </p:childTnLst>
-              </p:cTn>
-              <p:prevCondLst>
-                <p:cond evt="onPrev" delay="0">
-                  <p:tgtEl>
-                    <p:sldTgt/>
-                  </p:tgtEl>
-                </p:cond>
-              </p:prevCondLst>
-              <p:nextCondLst>
-                <p:cond evt="onNext" delay="0">
-                  <p:tgtEl>
-                    <p:sldTgt/>
-                  </p:tgtEl>
-                </p:cond>
-              </p:nextCondLst>
-            </p:seq>
-          </p:childTnLst>
-        </p:cTn>
-      </p:par>
-    </p:tnLst>
-    <p:bldLst>
-      <p:bldP spid="3" grpId="0" build="p"/>
-    </p:bldLst>
-  </p:timing>
-</p:sld>
-</file>
-
-<file path=ppt/slides/slide5.xml><?xml version="1.0" encoding="utf-8"?>
 <p:sld xmlns:a="http://schemas.openxmlformats.org/drawingml/2006/main" xmlns:r="http://schemas.openxmlformats.org/officeDocument/2006/relationships" xmlns:p="http://schemas.openxmlformats.org/presentationml/2006/main">
   <p:cSld>
     <p:spTree>
@@ -13373,7 +11442,7 @@
           <a:p>
             <a:fld id="{1DFADF30-901F-49C8-A3B5-BD350A95808D}" type="datetime1">
               <a:rPr lang="ko-KR" altLang="en-US" smtClean="0"/>
-              <a:t>2017-10-23</a:t>
+              <a:t>2017-10-27</a:t>
             </a:fld>
             <a:endParaRPr lang="ko-KR" altLang="en-US"/>
           </a:p>
@@ -13401,7 +11470,7 @@
           <a:p>
             <a:fld id="{8ED71C24-08E4-4AF3-BCF3-1A22B934883E}" type="slidenum">
               <a:rPr lang="ko-KR" altLang="en-US" smtClean="0"/>
-              <a:t>5</a:t>
+              <a:t>4</a:t>
             </a:fld>
             <a:endParaRPr lang="ko-KR" altLang="en-US"/>
           </a:p>
@@ -14669,7 +12738,7 @@
 </p:sld>
 </file>
 
-<file path=ppt/slides/slide6.xml><?xml version="1.0" encoding="utf-8"?>
+<file path=ppt/slides/slide5.xml><?xml version="1.0" encoding="utf-8"?>
 <p:sld xmlns:a="http://schemas.openxmlformats.org/drawingml/2006/main" xmlns:r="http://schemas.openxmlformats.org/officeDocument/2006/relationships" xmlns:p="http://schemas.openxmlformats.org/presentationml/2006/main">
   <p:cSld>
     <p:spTree>
@@ -14801,7 +12870,7 @@
           <a:p>
             <a:fld id="{1DFADF30-901F-49C8-A3B5-BD350A95808D}" type="datetime1">
               <a:rPr lang="ko-KR" altLang="en-US" smtClean="0"/>
-              <a:t>2017-10-23</a:t>
+              <a:t>2017-10-27</a:t>
             </a:fld>
             <a:endParaRPr lang="ko-KR" altLang="en-US"/>
           </a:p>
@@ -14829,7 +12898,7 @@
           <a:p>
             <a:fld id="{8ED71C24-08E4-4AF3-BCF3-1A22B934883E}" type="slidenum">
               <a:rPr lang="ko-KR" altLang="en-US" smtClean="0"/>
-              <a:t>6</a:t>
+              <a:t>5</a:t>
             </a:fld>
             <a:endParaRPr lang="ko-KR" altLang="en-US"/>
           </a:p>
@@ -15993,7 +14062,7 @@
 </p:sld>
 </file>
 
-<file path=ppt/slides/slide7.xml><?xml version="1.0" encoding="utf-8"?>
+<file path=ppt/slides/slide6.xml><?xml version="1.0" encoding="utf-8"?>
 <p:sld xmlns:a="http://schemas.openxmlformats.org/drawingml/2006/main" xmlns:r="http://schemas.openxmlformats.org/officeDocument/2006/relationships" xmlns:p="http://schemas.openxmlformats.org/presentationml/2006/main">
   <p:cSld>
     <p:spTree>
@@ -16082,7 +14151,7 @@
           <a:p>
             <a:fld id="{1DFADF30-901F-49C8-A3B5-BD350A95808D}" type="datetime1">
               <a:rPr lang="ko-KR" altLang="en-US" smtClean="0"/>
-              <a:t>2017-10-23</a:t>
+              <a:t>2017-10-27</a:t>
             </a:fld>
             <a:endParaRPr lang="ko-KR" altLang="en-US"/>
           </a:p>
@@ -16110,7 +14179,7 @@
           <a:p>
             <a:fld id="{8ED71C24-08E4-4AF3-BCF3-1A22B934883E}" type="slidenum">
               <a:rPr lang="ko-KR" altLang="en-US" smtClean="0"/>
-              <a:t>7</a:t>
+              <a:t>6</a:t>
             </a:fld>
             <a:endParaRPr lang="ko-KR" altLang="en-US"/>
           </a:p>
@@ -16657,7 +14726,7 @@
 </p:sld>
 </file>
 
-<file path=ppt/slides/slide8.xml><?xml version="1.0" encoding="utf-8"?>
+<file path=ppt/slides/slide7.xml><?xml version="1.0" encoding="utf-8"?>
 <p:sld xmlns:a="http://schemas.openxmlformats.org/drawingml/2006/main" xmlns:r="http://schemas.openxmlformats.org/officeDocument/2006/relationships" xmlns:p="http://schemas.openxmlformats.org/presentationml/2006/main">
   <p:cSld>
     <p:spTree>
@@ -17673,7 +15742,7 @@
           <a:p>
             <a:fld id="{E63BED42-B56B-487C-A576-F8E55AE26EFB}" type="datetime1">
               <a:rPr lang="ko-KR" altLang="en-US" smtClean="0"/>
-              <a:t>2017-10-23</a:t>
+              <a:t>2017-10-27</a:t>
             </a:fld>
             <a:endParaRPr lang="ko-KR" altLang="en-US"/>
           </a:p>
@@ -17701,7 +15770,7 @@
           <a:p>
             <a:fld id="{8ED71C24-08E4-4AF3-BCF3-1A22B934883E}" type="slidenum">
               <a:rPr lang="ko-KR" altLang="en-US" smtClean="0"/>
-              <a:t>8</a:t>
+              <a:t>7</a:t>
             </a:fld>
             <a:endParaRPr lang="ko-KR" altLang="en-US"/>
           </a:p>
@@ -17777,7 +15846,7 @@
 </p:sld>
 </file>
 
-<file path=ppt/slides/slide9.xml><?xml version="1.0" encoding="utf-8"?>
+<file path=ppt/slides/slide8.xml><?xml version="1.0" encoding="utf-8"?>
 <p:sld xmlns:a="http://schemas.openxmlformats.org/drawingml/2006/main" xmlns:r="http://schemas.openxmlformats.org/officeDocument/2006/relationships" xmlns:p="http://schemas.openxmlformats.org/presentationml/2006/main">
   <p:cSld>
     <p:spTree>
@@ -18581,7 +16650,7 @@
           <a:p>
             <a:fld id="{E63BED42-B56B-487C-A576-F8E55AE26EFB}" type="datetime1">
               <a:rPr lang="ko-KR" altLang="en-US" smtClean="0"/>
-              <a:t>2017-10-23</a:t>
+              <a:t>2017-10-27</a:t>
             </a:fld>
             <a:endParaRPr lang="ko-KR" altLang="en-US"/>
           </a:p>
@@ -18609,7 +16678,7 @@
           <a:p>
             <a:fld id="{8ED71C24-08E4-4AF3-BCF3-1A22B934883E}" type="slidenum">
               <a:rPr lang="ko-KR" altLang="en-US" smtClean="0"/>
-              <a:t>9</a:t>
+              <a:t>8</a:t>
             </a:fld>
             <a:endParaRPr lang="ko-KR" altLang="en-US"/>
           </a:p>
@@ -18669,6 +16738,1201 @@
     <p:extLst>
       <p:ext uri="{BB962C8B-B14F-4D97-AF65-F5344CB8AC3E}">
         <p14:creationId xmlns:p14="http://schemas.microsoft.com/office/powerpoint/2010/main" val="4020163945"/>
+      </p:ext>
+    </p:extLst>
+  </p:cSld>
+  <p:clrMapOvr>
+    <a:masterClrMapping/>
+  </p:clrMapOvr>
+  <p:timing>
+    <p:tnLst>
+      <p:par>
+        <p:cTn id="1" dur="indefinite" restart="never" nodeType="tmRoot"/>
+      </p:par>
+    </p:tnLst>
+  </p:timing>
+</p:sld>
+</file>
+
+<file path=ppt/slides/slide9.xml><?xml version="1.0" encoding="utf-8"?>
+<p:sld xmlns:a="http://schemas.openxmlformats.org/drawingml/2006/main" xmlns:r="http://schemas.openxmlformats.org/officeDocument/2006/relationships" xmlns:p="http://schemas.openxmlformats.org/presentationml/2006/main">
+  <p:cSld>
+    <p:spTree>
+      <p:nvGrpSpPr>
+        <p:cNvPr id="1" name=""/>
+        <p:cNvGrpSpPr/>
+        <p:nvPr/>
+      </p:nvGrpSpPr>
+      <p:grpSpPr>
+        <a:xfrm>
+          <a:off x="0" y="0"/>
+          <a:ext cx="0" cy="0"/>
+          <a:chOff x="0" y="0"/>
+          <a:chExt cx="0" cy="0"/>
+        </a:xfrm>
+      </p:grpSpPr>
+      <p:sp>
+        <p:nvSpPr>
+          <p:cNvPr id="2" name="제목 1"/>
+          <p:cNvSpPr>
+            <a:spLocks noGrp="1"/>
+          </p:cNvSpPr>
+          <p:nvPr>
+            <p:ph type="title"/>
+          </p:nvPr>
+        </p:nvSpPr>
+        <p:spPr>
+          <a:xfrm>
+            <a:off x="1115616" y="980728"/>
+            <a:ext cx="6965245" cy="1202485"/>
+          </a:xfrm>
+        </p:spPr>
+        <p:txBody>
+          <a:bodyPr anchor="t"/>
+          <a:lstStyle/>
+          <a:p>
+            <a:r>
+              <a:rPr lang="ko-KR" altLang="en-US" dirty="0" smtClean="0">
+                <a:latin typeface="-윤고딕320" panose="02030504000101010101" pitchFamily="18" charset="-127"/>
+                <a:ea typeface="-윤고딕320" panose="02030504000101010101" pitchFamily="18" charset="-127"/>
+              </a:rPr>
+              <a:t>개발 일정 </a:t>
+            </a:r>
+            <a:r>
+              <a:rPr lang="en-US" altLang="ko-KR" dirty="0" smtClean="0">
+                <a:latin typeface="-윤고딕320" panose="02030504000101010101" pitchFamily="18" charset="-127"/>
+                <a:ea typeface="-윤고딕320" panose="02030504000101010101" pitchFamily="18" charset="-127"/>
+              </a:rPr>
+              <a:t>(1)</a:t>
+            </a:r>
+            <a:endParaRPr lang="ko-KR" altLang="en-US" dirty="0">
+              <a:latin typeface="-윤고딕320" panose="02030504000101010101" pitchFamily="18" charset="-127"/>
+              <a:ea typeface="-윤고딕320" panose="02030504000101010101" pitchFamily="18" charset="-127"/>
+            </a:endParaRPr>
+          </a:p>
+        </p:txBody>
+      </p:sp>
+      <p:graphicFrame>
+        <p:nvGraphicFramePr>
+          <p:cNvPr id="7" name="내용 개체 틀 6"/>
+          <p:cNvGraphicFramePr>
+            <a:graphicFrameLocks noGrp="1"/>
+          </p:cNvGraphicFramePr>
+          <p:nvPr>
+            <p:ph idx="1"/>
+            <p:extLst>
+              <p:ext uri="{D42A27DB-BD31-4B8C-83A1-F6EECF244321}">
+                <p14:modId xmlns:p14="http://schemas.microsoft.com/office/powerpoint/2010/main" val="1302906887"/>
+              </p:ext>
+            </p:extLst>
+          </p:nvPr>
+        </p:nvGraphicFramePr>
+        <p:xfrm>
+          <a:off x="827584" y="1844818"/>
+          <a:ext cx="7488832" cy="4008675"/>
+        </p:xfrm>
+        <a:graphic>
+          <a:graphicData uri="http://schemas.openxmlformats.org/drawingml/2006/table">
+            <a:tbl>
+              <a:tblPr firstRow="1" bandRow="1">
+                <a:effectLst>
+                  <a:innerShdw blurRad="228600">
+                    <a:prstClr val="black">
+                      <a:alpha val="98000"/>
+                    </a:prstClr>
+                  </a:innerShdw>
+                </a:effectLst>
+                <a:tableStyleId>{5C22544A-7EE6-4342-B048-85BDC9FD1C3A}</a:tableStyleId>
+              </a:tblPr>
+              <a:tblGrid>
+                <a:gridCol w="706347"/>
+                <a:gridCol w="1695233"/>
+                <a:gridCol w="5087252"/>
+              </a:tblGrid>
+              <a:tr h="442817">
+                <a:tc>
+                  <a:txBody>
+                    <a:bodyPr/>
+                    <a:lstStyle/>
+                    <a:p>
+                      <a:pPr algn="ctr" latinLnBrk="1"/>
+                      <a:r>
+                        <a:rPr lang="ko-KR" altLang="en-US" sz="2000" b="0" dirty="0" smtClean="0">
+                          <a:latin typeface="-윤고딕320" panose="02030504000101010101" pitchFamily="18" charset="-127"/>
+                          <a:ea typeface="-윤고딕320" panose="02030504000101010101" pitchFamily="18" charset="-127"/>
+                        </a:rPr>
+                        <a:t>주차</a:t>
+                      </a:r>
+                      <a:endParaRPr lang="ko-KR" altLang="en-US" sz="2000" b="0" dirty="0">
+                        <a:latin typeface="-윤고딕320" panose="02030504000101010101" pitchFamily="18" charset="-127"/>
+                        <a:ea typeface="-윤고딕320" panose="02030504000101010101" pitchFamily="18" charset="-127"/>
+                      </a:endParaRPr>
+                    </a:p>
+                  </a:txBody>
+                  <a:tcPr marL="111605" marR="111605" marT="55802" marB="55802" anchor="ctr">
+                    <a:solidFill>
+                      <a:schemeClr val="accent1">
+                        <a:tint val="40000"/>
+                        <a:alpha val="35000"/>
+                      </a:schemeClr>
+                    </a:solidFill>
+                  </a:tcPr>
+                </a:tc>
+                <a:tc>
+                  <a:txBody>
+                    <a:bodyPr/>
+                    <a:lstStyle/>
+                    <a:p>
+                      <a:pPr algn="ctr" latinLnBrk="1"/>
+                      <a:r>
+                        <a:rPr lang="ko-KR" altLang="en-US" sz="2000" b="0" dirty="0" smtClean="0">
+                          <a:latin typeface="-윤고딕320" panose="02030504000101010101" pitchFamily="18" charset="-127"/>
+                          <a:ea typeface="-윤고딕320" panose="02030504000101010101" pitchFamily="18" charset="-127"/>
+                        </a:rPr>
+                        <a:t>주제</a:t>
+                      </a:r>
+                      <a:endParaRPr lang="ko-KR" altLang="en-US" sz="2000" b="0" dirty="0">
+                        <a:latin typeface="-윤고딕320" panose="02030504000101010101" pitchFamily="18" charset="-127"/>
+                        <a:ea typeface="-윤고딕320" panose="02030504000101010101" pitchFamily="18" charset="-127"/>
+                      </a:endParaRPr>
+                    </a:p>
+                  </a:txBody>
+                  <a:tcPr marL="111605" marR="111605" marT="55802" marB="55802" anchor="ctr"/>
+                </a:tc>
+                <a:tc>
+                  <a:txBody>
+                    <a:bodyPr/>
+                    <a:lstStyle/>
+                    <a:p>
+                      <a:pPr algn="ctr" latinLnBrk="1"/>
+                      <a:r>
+                        <a:rPr lang="ko-KR" altLang="en-US" sz="2000" b="0" dirty="0" smtClean="0">
+                          <a:latin typeface="-윤고딕320" panose="02030504000101010101" pitchFamily="18" charset="-127"/>
+                          <a:ea typeface="-윤고딕320" panose="02030504000101010101" pitchFamily="18" charset="-127"/>
+                        </a:rPr>
+                        <a:t>상세</a:t>
+                      </a:r>
+                      <a:endParaRPr lang="ko-KR" altLang="en-US" sz="2000" b="0" dirty="0">
+                        <a:latin typeface="-윤고딕320" panose="02030504000101010101" pitchFamily="18" charset="-127"/>
+                        <a:ea typeface="-윤고딕320" panose="02030504000101010101" pitchFamily="18" charset="-127"/>
+                      </a:endParaRPr>
+                    </a:p>
+                  </a:txBody>
+                  <a:tcPr marL="111605" marR="111605" marT="55802" marB="55802" anchor="ctr"/>
+                </a:tc>
+              </a:tr>
+              <a:tr h="1165274">
+                <a:tc>
+                  <a:txBody>
+                    <a:bodyPr/>
+                    <a:lstStyle/>
+                    <a:p>
+                      <a:pPr algn="ctr" latinLnBrk="1"/>
+                      <a:r>
+                        <a:rPr lang="en-US" altLang="ko-KR" sz="1900" dirty="0" smtClean="0">
+                          <a:latin typeface="-윤고딕310" panose="02030504000101010101" pitchFamily="18" charset="-127"/>
+                          <a:ea typeface="-윤고딕310" panose="02030504000101010101" pitchFamily="18" charset="-127"/>
+                        </a:rPr>
+                        <a:t>1</a:t>
+                      </a:r>
+                      <a:endParaRPr lang="ko-KR" altLang="en-US" sz="1900" dirty="0">
+                        <a:latin typeface="-윤고딕310" panose="02030504000101010101" pitchFamily="18" charset="-127"/>
+                        <a:ea typeface="-윤고딕310" panose="02030504000101010101" pitchFamily="18" charset="-127"/>
+                      </a:endParaRPr>
+                    </a:p>
+                  </a:txBody>
+                  <a:tcPr marL="111605" marR="111605" marT="55802" marB="55802" anchor="ctr">
+                    <a:solidFill>
+                      <a:schemeClr val="accent1">
+                        <a:tint val="40000"/>
+                        <a:alpha val="35000"/>
+                      </a:schemeClr>
+                    </a:solidFill>
+                  </a:tcPr>
+                </a:tc>
+                <a:tc>
+                  <a:txBody>
+                    <a:bodyPr/>
+                    <a:lstStyle/>
+                    <a:p>
+                      <a:pPr marL="0" indent="0" algn="ctr" latinLnBrk="1">
+                        <a:buFont typeface="Arial" panose="020B0604020202020204" pitchFamily="34" charset="0"/>
+                        <a:buNone/>
+                      </a:pPr>
+                      <a:r>
+                        <a:rPr lang="ko-KR" altLang="en-US" sz="1200" dirty="0" smtClean="0">
+                          <a:latin typeface="-윤고딕310" panose="02030504000101010101" pitchFamily="18" charset="-127"/>
+                          <a:ea typeface="-윤고딕310" panose="02030504000101010101" pitchFamily="18" charset="-127"/>
+                        </a:rPr>
+                        <a:t>기본적 메커니즘</a:t>
+                      </a:r>
+                      <a:endParaRPr lang="en-US" altLang="ko-KR" sz="1200" dirty="0" smtClean="0">
+                        <a:latin typeface="-윤고딕310" panose="02030504000101010101" pitchFamily="18" charset="-127"/>
+                        <a:ea typeface="-윤고딕310" panose="02030504000101010101" pitchFamily="18" charset="-127"/>
+                      </a:endParaRPr>
+                    </a:p>
+                    <a:p>
+                      <a:pPr marL="0" indent="0" algn="ctr" latinLnBrk="1">
+                        <a:buFont typeface="Arial" panose="020B0604020202020204" pitchFamily="34" charset="0"/>
+                        <a:buNone/>
+                      </a:pPr>
+                      <a:r>
+                        <a:rPr lang="ko-KR" altLang="en-US" sz="1200" dirty="0" smtClean="0">
+                          <a:latin typeface="-윤고딕310" panose="02030504000101010101" pitchFamily="18" charset="-127"/>
+                          <a:ea typeface="-윤고딕310" panose="02030504000101010101" pitchFamily="18" charset="-127"/>
+                        </a:rPr>
+                        <a:t>지형과 중력</a:t>
+                      </a:r>
+                      <a:endParaRPr lang="ko-KR" altLang="en-US" sz="1200" dirty="0">
+                        <a:latin typeface="-윤고딕310" panose="02030504000101010101" pitchFamily="18" charset="-127"/>
+                        <a:ea typeface="-윤고딕310" panose="02030504000101010101" pitchFamily="18" charset="-127"/>
+                      </a:endParaRPr>
+                    </a:p>
+                  </a:txBody>
+                  <a:tcPr marL="111605" marR="111605" marT="55802" marB="55802" anchor="ctr"/>
+                </a:tc>
+                <a:tc>
+                  <a:txBody>
+                    <a:bodyPr/>
+                    <a:lstStyle/>
+                    <a:p>
+                      <a:pPr marL="171450" indent="-171450" latinLnBrk="1">
+                        <a:buFont typeface="Arial" panose="020B0604020202020204" pitchFamily="34" charset="0"/>
+                        <a:buChar char="•"/>
+                      </a:pPr>
+                      <a:r>
+                        <a:rPr lang="ko-KR" altLang="en-US" sz="1200" dirty="0" smtClean="0">
+                          <a:latin typeface="-윤고딕310" panose="02030504000101010101" pitchFamily="18" charset="-127"/>
+                          <a:ea typeface="-윤고딕310" panose="02030504000101010101" pitchFamily="18" charset="-127"/>
+                        </a:rPr>
+                        <a:t>필요한 객체를 모두 정의하고 상속 관계를 분명히 한다</a:t>
+                      </a:r>
+                      <a:r>
+                        <a:rPr lang="en-US" altLang="ko-KR" sz="1200" dirty="0" smtClean="0">
+                          <a:latin typeface="-윤고딕310" panose="02030504000101010101" pitchFamily="18" charset="-127"/>
+                          <a:ea typeface="-윤고딕310" panose="02030504000101010101" pitchFamily="18" charset="-127"/>
+                        </a:rPr>
+                        <a:t>.  </a:t>
+                      </a:r>
+                      <a:r>
+                        <a:rPr lang="ko-KR" altLang="en-US" sz="1200" dirty="0" smtClean="0">
+                          <a:latin typeface="-윤고딕310" panose="02030504000101010101" pitchFamily="18" charset="-127"/>
+                          <a:ea typeface="-윤고딕310" panose="02030504000101010101" pitchFamily="18" charset="-127"/>
+                        </a:rPr>
+                        <a:t>모든 객체들은 하나의 중력 객체를 상속한다</a:t>
+                      </a:r>
+                      <a:r>
+                        <a:rPr lang="en-US" altLang="ko-KR" sz="1200" dirty="0" smtClean="0">
+                          <a:latin typeface="-윤고딕310" panose="02030504000101010101" pitchFamily="18" charset="-127"/>
+                          <a:ea typeface="-윤고딕310" panose="02030504000101010101" pitchFamily="18" charset="-127"/>
+                        </a:rPr>
+                        <a:t>.</a:t>
+                      </a:r>
+                      <a:r>
+                        <a:rPr lang="en-US" altLang="ko-KR" sz="1200" baseline="0" dirty="0" smtClean="0">
+                          <a:latin typeface="-윤고딕310" panose="02030504000101010101" pitchFamily="18" charset="-127"/>
+                          <a:ea typeface="-윤고딕310" panose="02030504000101010101" pitchFamily="18" charset="-127"/>
+                        </a:rPr>
+                        <a:t> </a:t>
+                      </a:r>
+                      <a:r>
+                        <a:rPr lang="ko-KR" altLang="en-US" sz="1200" baseline="0" dirty="0" smtClean="0">
+                          <a:latin typeface="-윤고딕310" panose="02030504000101010101" pitchFamily="18" charset="-127"/>
+                          <a:ea typeface="-윤고딕310" panose="02030504000101010101" pitchFamily="18" charset="-127"/>
+                        </a:rPr>
+                        <a:t>메소드들 역시 규격화된 이름으로 정리한다</a:t>
+                      </a:r>
+                      <a:r>
+                        <a:rPr lang="en-US" altLang="ko-KR" sz="1200" baseline="0" dirty="0" smtClean="0">
+                          <a:latin typeface="-윤고딕310" panose="02030504000101010101" pitchFamily="18" charset="-127"/>
+                          <a:ea typeface="-윤고딕310" panose="02030504000101010101" pitchFamily="18" charset="-127"/>
+                        </a:rPr>
+                        <a:t>.</a:t>
+                      </a:r>
+                    </a:p>
+                    <a:p>
+                      <a:pPr marL="171450" marR="0" indent="-171450" algn="l" defTabSz="914400" rtl="0" eaLnBrk="1" fontAlgn="auto" latinLnBrk="1" hangingPunct="1">
+                        <a:lnSpc>
+                          <a:spcPct val="100000"/>
+                        </a:lnSpc>
+                        <a:spcBef>
+                          <a:spcPts val="0"/>
+                        </a:spcBef>
+                        <a:spcAft>
+                          <a:spcPts val="0"/>
+                        </a:spcAft>
+                        <a:buClrTx/>
+                        <a:buSzTx/>
+                        <a:buFont typeface="Arial" panose="020B0604020202020204" pitchFamily="34" charset="0"/>
+                        <a:buChar char="•"/>
+                        <a:tabLst/>
+                        <a:defRPr/>
+                      </a:pPr>
+                      <a:r>
+                        <a:rPr lang="ko-KR" altLang="en-US" sz="1200" dirty="0" smtClean="0">
+                          <a:latin typeface="-윤고딕310" panose="02030504000101010101" pitchFamily="18" charset="-127"/>
+                          <a:ea typeface="-윤고딕310" panose="02030504000101010101" pitchFamily="18" charset="-127"/>
+                        </a:rPr>
+                        <a:t>지형 객체의 특수화를 한다</a:t>
+                      </a:r>
+                      <a:r>
+                        <a:rPr lang="en-US" altLang="ko-KR" sz="1200" dirty="0" smtClean="0">
+                          <a:latin typeface="-윤고딕310" panose="02030504000101010101" pitchFamily="18" charset="-127"/>
+                          <a:ea typeface="-윤고딕310" panose="02030504000101010101" pitchFamily="18" charset="-127"/>
+                        </a:rPr>
+                        <a:t>.</a:t>
+                      </a:r>
+                      <a:r>
+                        <a:rPr lang="ko-KR" altLang="en-US" sz="1200" dirty="0" smtClean="0">
+                          <a:latin typeface="-윤고딕310" panose="02030504000101010101" pitchFamily="18" charset="-127"/>
+                          <a:ea typeface="-윤고딕310" panose="02030504000101010101" pitchFamily="18" charset="-127"/>
+                        </a:rPr>
+                        <a:t> 중력 객체</a:t>
+                      </a:r>
+                      <a:r>
+                        <a:rPr lang="en-US" altLang="ko-KR" sz="1200" dirty="0" smtClean="0">
+                          <a:latin typeface="-윤고딕310" panose="02030504000101010101" pitchFamily="18" charset="-127"/>
+                          <a:ea typeface="-윤고딕310" panose="02030504000101010101" pitchFamily="18" charset="-127"/>
+                        </a:rPr>
+                        <a:t>-&gt;</a:t>
+                      </a:r>
+                      <a:r>
+                        <a:rPr lang="ko-KR" altLang="en-US" sz="1200" dirty="0" smtClean="0">
+                          <a:latin typeface="-윤고딕310" panose="02030504000101010101" pitchFamily="18" charset="-127"/>
+                          <a:ea typeface="-윤고딕310" panose="02030504000101010101" pitchFamily="18" charset="-127"/>
+                        </a:rPr>
+                        <a:t>블록</a:t>
+                      </a:r>
+                      <a:r>
+                        <a:rPr lang="en-US" altLang="ko-KR" sz="1200" dirty="0" smtClean="0">
+                          <a:latin typeface="-윤고딕310" panose="02030504000101010101" pitchFamily="18" charset="-127"/>
+                          <a:ea typeface="-윤고딕310" panose="02030504000101010101" pitchFamily="18" charset="-127"/>
+                        </a:rPr>
+                        <a:t>-&gt;</a:t>
+                      </a:r>
+                      <a:r>
+                        <a:rPr lang="ko-KR" altLang="en-US" sz="1200" dirty="0" smtClean="0">
+                          <a:latin typeface="-윤고딕310" panose="02030504000101010101" pitchFamily="18" charset="-127"/>
+                          <a:ea typeface="-윤고딕310" panose="02030504000101010101" pitchFamily="18" charset="-127"/>
+                        </a:rPr>
+                        <a:t>나무</a:t>
+                      </a:r>
+                      <a:r>
+                        <a:rPr lang="en-US" altLang="ko-KR" sz="1200" dirty="0" smtClean="0">
+                          <a:latin typeface="-윤고딕310" panose="02030504000101010101" pitchFamily="18" charset="-127"/>
+                          <a:ea typeface="-윤고딕310" panose="02030504000101010101" pitchFamily="18" charset="-127"/>
+                        </a:rPr>
+                        <a:t>, </a:t>
+                      </a:r>
+                      <a:r>
+                        <a:rPr lang="ko-KR" altLang="en-US" sz="1200" dirty="0" smtClean="0">
+                          <a:latin typeface="-윤고딕310" panose="02030504000101010101" pitchFamily="18" charset="-127"/>
+                          <a:ea typeface="-윤고딕310" panose="02030504000101010101" pitchFamily="18" charset="-127"/>
+                        </a:rPr>
+                        <a:t>벽돌</a:t>
+                      </a:r>
+                      <a:r>
+                        <a:rPr lang="en-US" altLang="ko-KR" sz="1200" dirty="0" smtClean="0">
+                          <a:latin typeface="-윤고딕310" panose="02030504000101010101" pitchFamily="18" charset="-127"/>
+                          <a:ea typeface="-윤고딕310" panose="02030504000101010101" pitchFamily="18" charset="-127"/>
+                        </a:rPr>
+                        <a:t>, </a:t>
+                      </a:r>
+                      <a:r>
+                        <a:rPr lang="ko-KR" altLang="en-US" sz="1200" dirty="0" smtClean="0">
+                          <a:latin typeface="-윤고딕310" panose="02030504000101010101" pitchFamily="18" charset="-127"/>
+                          <a:ea typeface="-윤고딕310" panose="02030504000101010101" pitchFamily="18" charset="-127"/>
+                        </a:rPr>
+                        <a:t>땅</a:t>
+                      </a:r>
+                      <a:r>
+                        <a:rPr lang="en-US" altLang="ko-KR" sz="1200" dirty="0" smtClean="0">
+                          <a:latin typeface="-윤고딕310" panose="02030504000101010101" pitchFamily="18" charset="-127"/>
+                          <a:ea typeface="-윤고딕310" panose="02030504000101010101" pitchFamily="18" charset="-127"/>
+                        </a:rPr>
+                        <a:t>, …</a:t>
+                      </a:r>
+                    </a:p>
+                    <a:p>
+                      <a:pPr marL="171450" marR="0" indent="-171450" algn="l" defTabSz="914400" rtl="0" eaLnBrk="1" fontAlgn="auto" latinLnBrk="1" hangingPunct="1">
+                        <a:lnSpc>
+                          <a:spcPct val="100000"/>
+                        </a:lnSpc>
+                        <a:spcBef>
+                          <a:spcPts val="0"/>
+                        </a:spcBef>
+                        <a:spcAft>
+                          <a:spcPts val="0"/>
+                        </a:spcAft>
+                        <a:buClrTx/>
+                        <a:buSzTx/>
+                        <a:buFont typeface="Arial" panose="020B0604020202020204" pitchFamily="34" charset="0"/>
+                        <a:buChar char="•"/>
+                        <a:tabLst/>
+                        <a:defRPr/>
+                      </a:pPr>
+                      <a:r>
+                        <a:rPr lang="ko-KR" altLang="en-US" sz="1200" dirty="0" smtClean="0">
+                          <a:latin typeface="-윤고딕310" panose="02030504000101010101" pitchFamily="18" charset="-127"/>
+                          <a:ea typeface="-윤고딕310" panose="02030504000101010101" pitchFamily="18" charset="-127"/>
+                        </a:rPr>
+                        <a:t>모든 개체는 중력이 작동한다</a:t>
+                      </a:r>
+                      <a:r>
+                        <a:rPr lang="en-US" altLang="ko-KR" sz="1200" dirty="0" smtClean="0">
+                          <a:latin typeface="-윤고딕310" panose="02030504000101010101" pitchFamily="18" charset="-127"/>
+                          <a:ea typeface="-윤고딕310" panose="02030504000101010101" pitchFamily="18" charset="-127"/>
+                        </a:rPr>
+                        <a:t>. </a:t>
+                      </a:r>
+                      <a:r>
+                        <a:rPr lang="ko-KR" altLang="en-US" sz="1200" dirty="0" smtClean="0">
+                          <a:latin typeface="-윤고딕310" panose="02030504000101010101" pitchFamily="18" charset="-127"/>
+                          <a:ea typeface="-윤고딕310" panose="02030504000101010101" pitchFamily="18" charset="-127"/>
+                        </a:rPr>
+                        <a:t>충돌 처리를 위해 개체 리스트가 들어있는 이름으로 구분된 사전에서 반복문을 돌려서 처리한다</a:t>
+                      </a:r>
+                      <a:endParaRPr lang="ko-KR" altLang="en-US" sz="1200" dirty="0">
+                        <a:latin typeface="-윤고딕310" panose="02030504000101010101" pitchFamily="18" charset="-127"/>
+                        <a:ea typeface="-윤고딕310" panose="02030504000101010101" pitchFamily="18" charset="-127"/>
+                      </a:endParaRPr>
+                    </a:p>
+                  </a:txBody>
+                  <a:tcPr marL="111605" marR="111605" marT="55802" marB="55802"/>
+                </a:tc>
+              </a:tr>
+              <a:tr h="702124">
+                <a:tc>
+                  <a:txBody>
+                    <a:bodyPr/>
+                    <a:lstStyle/>
+                    <a:p>
+                      <a:pPr algn="ctr" latinLnBrk="1"/>
+                      <a:r>
+                        <a:rPr lang="en-US" altLang="ko-KR" sz="1900" dirty="0" smtClean="0">
+                          <a:latin typeface="-윤고딕310" panose="02030504000101010101" pitchFamily="18" charset="-127"/>
+                          <a:ea typeface="-윤고딕310" panose="02030504000101010101" pitchFamily="18" charset="-127"/>
+                        </a:rPr>
+                        <a:t>2</a:t>
+                      </a:r>
+                      <a:endParaRPr lang="ko-KR" altLang="en-US" sz="1900" dirty="0">
+                        <a:latin typeface="-윤고딕310" panose="02030504000101010101" pitchFamily="18" charset="-127"/>
+                        <a:ea typeface="-윤고딕310" panose="02030504000101010101" pitchFamily="18" charset="-127"/>
+                      </a:endParaRPr>
+                    </a:p>
+                  </a:txBody>
+                  <a:tcPr marL="111605" marR="111605" marT="55802" marB="55802" anchor="ctr">
+                    <a:solidFill>
+                      <a:schemeClr val="accent1">
+                        <a:tint val="40000"/>
+                        <a:alpha val="35000"/>
+                      </a:schemeClr>
+                    </a:solidFill>
+                  </a:tcPr>
+                </a:tc>
+                <a:tc>
+                  <a:txBody>
+                    <a:bodyPr/>
+                    <a:lstStyle/>
+                    <a:p>
+                      <a:pPr marL="0" indent="0" algn="ctr" latinLnBrk="1">
+                        <a:buFont typeface="Arial" panose="020B0604020202020204" pitchFamily="34" charset="0"/>
+                        <a:buNone/>
+                      </a:pPr>
+                      <a:r>
+                        <a:rPr lang="ko-KR" altLang="en-US" sz="1200" dirty="0" smtClean="0">
+                          <a:latin typeface="-윤고딕310" panose="02030504000101010101" pitchFamily="18" charset="-127"/>
+                          <a:ea typeface="-윤고딕310" panose="02030504000101010101" pitchFamily="18" charset="-127"/>
+                        </a:rPr>
+                        <a:t>리소스 수집과 테스트</a:t>
+                      </a:r>
+                      <a:endParaRPr lang="ko-KR" altLang="en-US" sz="1200" dirty="0">
+                        <a:latin typeface="-윤고딕310" panose="02030504000101010101" pitchFamily="18" charset="-127"/>
+                        <a:ea typeface="-윤고딕310" panose="02030504000101010101" pitchFamily="18" charset="-127"/>
+                      </a:endParaRPr>
+                    </a:p>
+                  </a:txBody>
+                  <a:tcPr marL="111605" marR="111605" marT="55802" marB="55802" anchor="ctr"/>
+                </a:tc>
+                <a:tc>
+                  <a:txBody>
+                    <a:bodyPr/>
+                    <a:lstStyle/>
+                    <a:p>
+                      <a:pPr marL="171450" marR="0" indent="-171450" algn="l" defTabSz="914400" rtl="0" eaLnBrk="1" fontAlgn="auto" latinLnBrk="1" hangingPunct="1">
+                        <a:lnSpc>
+                          <a:spcPct val="100000"/>
+                        </a:lnSpc>
+                        <a:spcBef>
+                          <a:spcPts val="0"/>
+                        </a:spcBef>
+                        <a:spcAft>
+                          <a:spcPts val="0"/>
+                        </a:spcAft>
+                        <a:buClrTx/>
+                        <a:buSzTx/>
+                        <a:buFont typeface="Arial" panose="020B0604020202020204" pitchFamily="34" charset="0"/>
+                        <a:buChar char="•"/>
+                        <a:tabLst/>
+                        <a:defRPr/>
+                      </a:pPr>
+                      <a:r>
+                        <a:rPr lang="ko-KR" altLang="en-US" sz="1200" dirty="0" smtClean="0">
+                          <a:latin typeface="-윤고딕310" panose="02030504000101010101" pitchFamily="18" charset="-127"/>
+                          <a:ea typeface="-윤고딕310" panose="02030504000101010101" pitchFamily="18" charset="-127"/>
+                        </a:rPr>
+                        <a:t>필요한 리소스를 구하고 객체들에 적용한다</a:t>
+                      </a:r>
+                      <a:r>
+                        <a:rPr lang="en-US" altLang="ko-KR" sz="1200" dirty="0" smtClean="0">
+                          <a:latin typeface="-윤고딕310" panose="02030504000101010101" pitchFamily="18" charset="-127"/>
+                          <a:ea typeface="-윤고딕310" panose="02030504000101010101" pitchFamily="18" charset="-127"/>
+                        </a:rPr>
+                        <a:t>. </a:t>
+                      </a:r>
+                      <a:r>
+                        <a:rPr lang="ko-KR" altLang="en-US" sz="1200" dirty="0" smtClean="0">
+                          <a:latin typeface="-윤고딕310" panose="02030504000101010101" pitchFamily="18" charset="-127"/>
+                          <a:ea typeface="-윤고딕310" panose="02030504000101010101" pitchFamily="18" charset="-127"/>
+                        </a:rPr>
+                        <a:t>중력을 영향을 받는 객체들이 이미지와 잘 맞는지 테스트한다</a:t>
+                      </a:r>
+                      <a:r>
+                        <a:rPr lang="en-US" altLang="ko-KR" sz="1200" dirty="0" smtClean="0">
+                          <a:latin typeface="-윤고딕310" panose="02030504000101010101" pitchFamily="18" charset="-127"/>
+                          <a:ea typeface="-윤고딕310" panose="02030504000101010101" pitchFamily="18" charset="-127"/>
+                        </a:rPr>
+                        <a:t>. </a:t>
+                      </a:r>
+                      <a:r>
+                        <a:rPr lang="ko-KR" altLang="en-US" sz="1200" dirty="0" smtClean="0">
+                          <a:latin typeface="-윤고딕310" panose="02030504000101010101" pitchFamily="18" charset="-127"/>
+                          <a:ea typeface="-윤고딕310" panose="02030504000101010101" pitchFamily="18" charset="-127"/>
+                        </a:rPr>
+                        <a:t>객체들을 배치하여 실제로 어울리는지</a:t>
+                      </a:r>
+                      <a:r>
+                        <a:rPr lang="en-US" altLang="ko-KR" sz="1200" dirty="0" smtClean="0">
+                          <a:latin typeface="-윤고딕310" panose="02030504000101010101" pitchFamily="18" charset="-127"/>
+                          <a:ea typeface="-윤고딕310" panose="02030504000101010101" pitchFamily="18" charset="-127"/>
+                        </a:rPr>
+                        <a:t>,</a:t>
+                      </a:r>
+                      <a:r>
+                        <a:rPr lang="ko-KR" altLang="en-US" sz="1200" dirty="0" smtClean="0">
+                          <a:latin typeface="-윤고딕310" panose="02030504000101010101" pitchFamily="18" charset="-127"/>
+                          <a:ea typeface="-윤고딕310" panose="02030504000101010101" pitchFamily="18" charset="-127"/>
+                        </a:rPr>
+                        <a:t> 그리고 중력</a:t>
+                      </a:r>
+                      <a:r>
+                        <a:rPr lang="en-US" altLang="ko-KR" sz="1200" dirty="0" smtClean="0">
+                          <a:latin typeface="-윤고딕310" panose="02030504000101010101" pitchFamily="18" charset="-127"/>
+                          <a:ea typeface="-윤고딕310" panose="02030504000101010101" pitchFamily="18" charset="-127"/>
+                        </a:rPr>
+                        <a:t>, </a:t>
+                      </a:r>
+                      <a:r>
+                        <a:rPr lang="ko-KR" altLang="en-US" sz="1200" dirty="0" smtClean="0">
+                          <a:latin typeface="-윤고딕310" panose="02030504000101010101" pitchFamily="18" charset="-127"/>
+                          <a:ea typeface="-윤고딕310" panose="02030504000101010101" pitchFamily="18" charset="-127"/>
+                        </a:rPr>
+                        <a:t>충돌과 속도가 작동하는지 확인한다</a:t>
+                      </a:r>
+                      <a:r>
+                        <a:rPr lang="en-US" altLang="ko-KR" sz="1200" dirty="0" smtClean="0">
+                          <a:latin typeface="-윤고딕310" panose="02030504000101010101" pitchFamily="18" charset="-127"/>
+                          <a:ea typeface="-윤고딕310" panose="02030504000101010101" pitchFamily="18" charset="-127"/>
+                        </a:rPr>
+                        <a:t>.</a:t>
+                      </a:r>
+                      <a:endParaRPr lang="ko-KR" altLang="en-US" sz="1200" dirty="0" smtClean="0">
+                        <a:latin typeface="-윤고딕310" panose="02030504000101010101" pitchFamily="18" charset="-127"/>
+                        <a:ea typeface="-윤고딕310" panose="02030504000101010101" pitchFamily="18" charset="-127"/>
+                      </a:endParaRPr>
+                    </a:p>
+                  </a:txBody>
+                  <a:tcPr marL="111605" marR="111605" marT="55802" marB="55802"/>
+                </a:tc>
+              </a:tr>
+              <a:tr h="519108">
+                <a:tc>
+                  <a:txBody>
+                    <a:bodyPr/>
+                    <a:lstStyle/>
+                    <a:p>
+                      <a:pPr algn="ctr" latinLnBrk="1"/>
+                      <a:r>
+                        <a:rPr lang="en-US" altLang="ko-KR" sz="1900" dirty="0" smtClean="0">
+                          <a:latin typeface="-윤고딕310" panose="02030504000101010101" pitchFamily="18" charset="-127"/>
+                          <a:ea typeface="-윤고딕310" panose="02030504000101010101" pitchFamily="18" charset="-127"/>
+                        </a:rPr>
+                        <a:t>3</a:t>
+                      </a:r>
+                      <a:endParaRPr lang="ko-KR" altLang="en-US" sz="1900" dirty="0">
+                        <a:latin typeface="-윤고딕310" panose="02030504000101010101" pitchFamily="18" charset="-127"/>
+                        <a:ea typeface="-윤고딕310" panose="02030504000101010101" pitchFamily="18" charset="-127"/>
+                      </a:endParaRPr>
+                    </a:p>
+                  </a:txBody>
+                  <a:tcPr marL="111605" marR="111605" marT="55802" marB="55802" anchor="ctr">
+                    <a:solidFill>
+                      <a:schemeClr val="accent1">
+                        <a:tint val="40000"/>
+                        <a:alpha val="35000"/>
+                      </a:schemeClr>
+                    </a:solidFill>
+                  </a:tcPr>
+                </a:tc>
+                <a:tc>
+                  <a:txBody>
+                    <a:bodyPr/>
+                    <a:lstStyle/>
+                    <a:p>
+                      <a:pPr marL="0" indent="0" algn="ctr" latinLnBrk="1">
+                        <a:buFont typeface="Arial" panose="020B0604020202020204" pitchFamily="34" charset="0"/>
+                        <a:buNone/>
+                      </a:pPr>
+                      <a:r>
+                        <a:rPr lang="ko-KR" altLang="en-US" sz="1200" dirty="0" smtClean="0">
+                          <a:latin typeface="-윤고딕310" panose="02030504000101010101" pitchFamily="18" charset="-127"/>
+                          <a:ea typeface="-윤고딕310" panose="02030504000101010101" pitchFamily="18" charset="-127"/>
+                        </a:rPr>
+                        <a:t>플레이어</a:t>
+                      </a:r>
+                      <a:r>
+                        <a:rPr lang="en-US" altLang="ko-KR" sz="1200" baseline="0" dirty="0" smtClean="0">
+                          <a:latin typeface="-윤고딕310" panose="02030504000101010101" pitchFamily="18" charset="-127"/>
+                          <a:ea typeface="-윤고딕310" panose="02030504000101010101" pitchFamily="18" charset="-127"/>
+                        </a:rPr>
+                        <a:t> </a:t>
+                      </a:r>
+                      <a:r>
+                        <a:rPr lang="ko-KR" altLang="en-US" sz="1200" baseline="0" dirty="0" smtClean="0">
+                          <a:latin typeface="-윤고딕310" panose="02030504000101010101" pitchFamily="18" charset="-127"/>
+                          <a:ea typeface="-윤고딕310" panose="02030504000101010101" pitchFamily="18" charset="-127"/>
+                        </a:rPr>
+                        <a:t>객체</a:t>
+                      </a:r>
+                      <a:endParaRPr lang="ko-KR" altLang="en-US" sz="1200" dirty="0">
+                        <a:latin typeface="-윤고딕310" panose="02030504000101010101" pitchFamily="18" charset="-127"/>
+                        <a:ea typeface="-윤고딕310" panose="02030504000101010101" pitchFamily="18" charset="-127"/>
+                      </a:endParaRPr>
+                    </a:p>
+                  </a:txBody>
+                  <a:tcPr marL="111605" marR="111605" marT="55802" marB="55802" anchor="ctr"/>
+                </a:tc>
+                <a:tc>
+                  <a:txBody>
+                    <a:bodyPr/>
+                    <a:lstStyle/>
+                    <a:p>
+                      <a:pPr marL="171450" indent="-171450" latinLnBrk="1">
+                        <a:buFont typeface="Arial" panose="020B0604020202020204" pitchFamily="34" charset="0"/>
+                        <a:buChar char="•"/>
+                      </a:pPr>
+                      <a:r>
+                        <a:rPr lang="ko-KR" altLang="en-US" sz="1200" dirty="0" smtClean="0">
+                          <a:latin typeface="-윤고딕310" panose="02030504000101010101" pitchFamily="18" charset="-127"/>
+                          <a:ea typeface="-윤고딕310" panose="02030504000101010101" pitchFamily="18" charset="-127"/>
+                        </a:rPr>
+                        <a:t>플레이어는 키 입력 이벤트를 받아 움직인다</a:t>
+                      </a:r>
+                      <a:r>
+                        <a:rPr lang="en-US" altLang="ko-KR" sz="1200" dirty="0" smtClean="0">
+                          <a:latin typeface="-윤고딕310" panose="02030504000101010101" pitchFamily="18" charset="-127"/>
+                          <a:ea typeface="-윤고딕310" panose="02030504000101010101" pitchFamily="18" charset="-127"/>
+                        </a:rPr>
+                        <a:t>. </a:t>
+                      </a:r>
+                      <a:r>
+                        <a:rPr lang="ko-KR" altLang="en-US" sz="1200" dirty="0" smtClean="0">
+                          <a:latin typeface="-윤고딕310" panose="02030504000101010101" pitchFamily="18" charset="-127"/>
+                          <a:ea typeface="-윤고딕310" panose="02030504000101010101" pitchFamily="18" charset="-127"/>
+                        </a:rPr>
+                        <a:t>누른 키에 따라 행동을 취하는데 처음엔 움직임만 취하도록 한다</a:t>
+                      </a:r>
+                      <a:r>
+                        <a:rPr lang="en-US" altLang="ko-KR" sz="1200" dirty="0" smtClean="0">
+                          <a:latin typeface="-윤고딕310" panose="02030504000101010101" pitchFamily="18" charset="-127"/>
+                          <a:ea typeface="-윤고딕310" panose="02030504000101010101" pitchFamily="18" charset="-127"/>
+                        </a:rPr>
+                        <a:t>.</a:t>
+                      </a:r>
+                      <a:endParaRPr lang="ko-KR" altLang="en-US" sz="1200" dirty="0">
+                        <a:latin typeface="-윤고딕310" panose="02030504000101010101" pitchFamily="18" charset="-127"/>
+                        <a:ea typeface="-윤고딕310" panose="02030504000101010101" pitchFamily="18" charset="-127"/>
+                      </a:endParaRPr>
+                    </a:p>
+                  </a:txBody>
+                  <a:tcPr marL="111605" marR="111605" marT="55802" marB="55802"/>
+                </a:tc>
+              </a:tr>
+              <a:tr h="519108">
+                <a:tc>
+                  <a:txBody>
+                    <a:bodyPr/>
+                    <a:lstStyle/>
+                    <a:p>
+                      <a:pPr algn="ctr" latinLnBrk="1"/>
+                      <a:r>
+                        <a:rPr lang="en-US" altLang="ko-KR" sz="1900" dirty="0" smtClean="0">
+                          <a:latin typeface="-윤고딕310" panose="02030504000101010101" pitchFamily="18" charset="-127"/>
+                          <a:ea typeface="-윤고딕310" panose="02030504000101010101" pitchFamily="18" charset="-127"/>
+                        </a:rPr>
+                        <a:t>4</a:t>
+                      </a:r>
+                      <a:endParaRPr lang="ko-KR" altLang="en-US" sz="1900" dirty="0">
+                        <a:latin typeface="-윤고딕310" panose="02030504000101010101" pitchFamily="18" charset="-127"/>
+                        <a:ea typeface="-윤고딕310" panose="02030504000101010101" pitchFamily="18" charset="-127"/>
+                      </a:endParaRPr>
+                    </a:p>
+                  </a:txBody>
+                  <a:tcPr marL="111605" marR="111605" marT="55802" marB="55802" anchor="ctr">
+                    <a:solidFill>
+                      <a:schemeClr val="accent1">
+                        <a:tint val="40000"/>
+                        <a:alpha val="35000"/>
+                      </a:schemeClr>
+                    </a:solidFill>
+                  </a:tcPr>
+                </a:tc>
+                <a:tc>
+                  <a:txBody>
+                    <a:bodyPr/>
+                    <a:lstStyle/>
+                    <a:p>
+                      <a:pPr marL="0" indent="0" algn="ctr" latinLnBrk="1">
+                        <a:buFont typeface="Arial" panose="020B0604020202020204" pitchFamily="34" charset="0"/>
+                        <a:buNone/>
+                      </a:pPr>
+                      <a:r>
+                        <a:rPr lang="en-US" altLang="ko-KR" sz="1200" dirty="0" smtClean="0">
+                          <a:latin typeface="-윤고딕310" panose="02030504000101010101" pitchFamily="18" charset="-127"/>
+                          <a:ea typeface="-윤고딕310" panose="02030504000101010101" pitchFamily="18" charset="-127"/>
+                        </a:rPr>
+                        <a:t>NPC</a:t>
+                      </a:r>
+                      <a:r>
+                        <a:rPr lang="en-US" altLang="ko-KR" sz="1200" baseline="0" dirty="0" smtClean="0">
+                          <a:latin typeface="-윤고딕310" panose="02030504000101010101" pitchFamily="18" charset="-127"/>
+                          <a:ea typeface="-윤고딕310" panose="02030504000101010101" pitchFamily="18" charset="-127"/>
+                        </a:rPr>
+                        <a:t> </a:t>
+                      </a:r>
+                      <a:r>
+                        <a:rPr lang="ko-KR" altLang="en-US" sz="1200" baseline="0" dirty="0" smtClean="0">
+                          <a:latin typeface="-윤고딕310" panose="02030504000101010101" pitchFamily="18" charset="-127"/>
+                          <a:ea typeface="-윤고딕310" panose="02030504000101010101" pitchFamily="18" charset="-127"/>
+                        </a:rPr>
+                        <a:t>객체와 인공지능</a:t>
+                      </a:r>
+                      <a:endParaRPr lang="ko-KR" altLang="en-US" sz="1200" dirty="0">
+                        <a:latin typeface="-윤고딕310" panose="02030504000101010101" pitchFamily="18" charset="-127"/>
+                        <a:ea typeface="-윤고딕310" panose="02030504000101010101" pitchFamily="18" charset="-127"/>
+                      </a:endParaRPr>
+                    </a:p>
+                  </a:txBody>
+                  <a:tcPr marL="111605" marR="111605" marT="55802" marB="55802" anchor="ctr"/>
+                </a:tc>
+                <a:tc>
+                  <a:txBody>
+                    <a:bodyPr/>
+                    <a:lstStyle/>
+                    <a:p>
+                      <a:pPr marL="171450" marR="0" indent="-171450" algn="l" defTabSz="914400" rtl="0" eaLnBrk="1" fontAlgn="auto" latinLnBrk="1" hangingPunct="1">
+                        <a:lnSpc>
+                          <a:spcPct val="100000"/>
+                        </a:lnSpc>
+                        <a:spcBef>
+                          <a:spcPts val="0"/>
+                        </a:spcBef>
+                        <a:spcAft>
+                          <a:spcPts val="0"/>
+                        </a:spcAft>
+                        <a:buClrTx/>
+                        <a:buSzTx/>
+                        <a:buFont typeface="Arial" panose="020B0604020202020204" pitchFamily="34" charset="0"/>
+                        <a:buChar char="•"/>
+                        <a:tabLst/>
+                        <a:defRPr/>
+                      </a:pPr>
+                      <a:r>
+                        <a:rPr lang="ko-KR" altLang="en-US" sz="1200" dirty="0" smtClean="0">
+                          <a:latin typeface="-윤고딕310" panose="02030504000101010101" pitchFamily="18" charset="-127"/>
+                          <a:ea typeface="-윤고딕310" panose="02030504000101010101" pitchFamily="18" charset="-127"/>
+                        </a:rPr>
+                        <a:t>적들은 시야가 있으며 플레이어를 발견하면 다가와 공격한다</a:t>
+                      </a:r>
+                      <a:r>
+                        <a:rPr lang="en-US" altLang="ko-KR" sz="1200" dirty="0" smtClean="0">
+                          <a:latin typeface="-윤고딕310" panose="02030504000101010101" pitchFamily="18" charset="-127"/>
+                          <a:ea typeface="-윤고딕310" panose="02030504000101010101" pitchFamily="18" charset="-127"/>
+                        </a:rPr>
+                        <a:t>. </a:t>
+                      </a:r>
+                      <a:r>
+                        <a:rPr lang="ko-KR" altLang="en-US" sz="1200" dirty="0" smtClean="0">
+                          <a:latin typeface="-윤고딕310" panose="02030504000101010101" pitchFamily="18" charset="-127"/>
+                          <a:ea typeface="-윤고딕310" panose="02030504000101010101" pitchFamily="18" charset="-127"/>
+                        </a:rPr>
+                        <a:t>적들은 대체로 단순하지만 일부 적은 까다로운 </a:t>
+                      </a:r>
+                      <a:r>
+                        <a:rPr lang="en-US" altLang="ko-KR" sz="1200" dirty="0" smtClean="0">
+                          <a:latin typeface="-윤고딕310" panose="02030504000101010101" pitchFamily="18" charset="-127"/>
+                          <a:ea typeface="-윤고딕310" panose="02030504000101010101" pitchFamily="18" charset="-127"/>
+                        </a:rPr>
+                        <a:t>(</a:t>
+                      </a:r>
+                      <a:r>
+                        <a:rPr lang="ko-KR" altLang="en-US" sz="1200" dirty="0" smtClean="0">
+                          <a:latin typeface="-윤고딕310" panose="02030504000101010101" pitchFamily="18" charset="-127"/>
+                          <a:ea typeface="-윤고딕310" panose="02030504000101010101" pitchFamily="18" charset="-127"/>
+                        </a:rPr>
+                        <a:t>하지만 반복적인</a:t>
+                      </a:r>
+                      <a:r>
+                        <a:rPr lang="en-US" altLang="ko-KR" sz="1200" dirty="0" smtClean="0">
+                          <a:latin typeface="-윤고딕310" panose="02030504000101010101" pitchFamily="18" charset="-127"/>
+                          <a:ea typeface="-윤고딕310" panose="02030504000101010101" pitchFamily="18" charset="-127"/>
+                        </a:rPr>
+                        <a:t>) </a:t>
+                      </a:r>
+                      <a:r>
+                        <a:rPr lang="ko-KR" altLang="en-US" sz="1200" dirty="0" smtClean="0">
+                          <a:latin typeface="-윤고딕310" panose="02030504000101010101" pitchFamily="18" charset="-127"/>
+                          <a:ea typeface="-윤고딕310" panose="02030504000101010101" pitchFamily="18" charset="-127"/>
+                        </a:rPr>
+                        <a:t>행동을 한다</a:t>
+                      </a:r>
+                      <a:r>
+                        <a:rPr lang="en-US" altLang="ko-KR" sz="1200" dirty="0" smtClean="0">
+                          <a:latin typeface="-윤고딕310" panose="02030504000101010101" pitchFamily="18" charset="-127"/>
+                          <a:ea typeface="-윤고딕310" panose="02030504000101010101" pitchFamily="18" charset="-127"/>
+                        </a:rPr>
+                        <a:t>.</a:t>
+                      </a:r>
+                      <a:endParaRPr lang="ko-KR" altLang="en-US" sz="1200" dirty="0" smtClean="0">
+                        <a:latin typeface="-윤고딕310" panose="02030504000101010101" pitchFamily="18" charset="-127"/>
+                        <a:ea typeface="-윤고딕310" panose="02030504000101010101" pitchFamily="18" charset="-127"/>
+                      </a:endParaRPr>
+                    </a:p>
+                  </a:txBody>
+                  <a:tcPr marL="111605" marR="111605" marT="55802" marB="55802"/>
+                </a:tc>
+              </a:tr>
+              <a:tr h="540006">
+                <a:tc>
+                  <a:txBody>
+                    <a:bodyPr/>
+                    <a:lstStyle/>
+                    <a:p>
+                      <a:pPr algn="ctr" latinLnBrk="1"/>
+                      <a:r>
+                        <a:rPr lang="en-US" altLang="ko-KR" sz="1900" dirty="0" smtClean="0">
+                          <a:latin typeface="-윤고딕310" panose="02030504000101010101" pitchFamily="18" charset="-127"/>
+                          <a:ea typeface="-윤고딕310" panose="02030504000101010101" pitchFamily="18" charset="-127"/>
+                        </a:rPr>
+                        <a:t>5</a:t>
+                      </a:r>
+                      <a:endParaRPr lang="ko-KR" altLang="en-US" sz="1900" dirty="0">
+                        <a:latin typeface="-윤고딕310" panose="02030504000101010101" pitchFamily="18" charset="-127"/>
+                        <a:ea typeface="-윤고딕310" panose="02030504000101010101" pitchFamily="18" charset="-127"/>
+                      </a:endParaRPr>
+                    </a:p>
+                  </a:txBody>
+                  <a:tcPr marL="111605" marR="111605" marT="55802" marB="55802" anchor="ctr">
+                    <a:solidFill>
+                      <a:schemeClr val="accent1">
+                        <a:tint val="40000"/>
+                        <a:alpha val="35000"/>
+                      </a:schemeClr>
+                    </a:solidFill>
+                  </a:tcPr>
+                </a:tc>
+                <a:tc>
+                  <a:txBody>
+                    <a:bodyPr/>
+                    <a:lstStyle/>
+                    <a:p>
+                      <a:pPr marL="0" indent="0" algn="ctr" latinLnBrk="1">
+                        <a:buFont typeface="Arial" panose="020B0604020202020204" pitchFamily="34" charset="0"/>
+                        <a:buNone/>
+                      </a:pPr>
+                      <a:r>
+                        <a:rPr lang="ko-KR" altLang="en-US" sz="1200" dirty="0" smtClean="0">
+                          <a:latin typeface="-윤고딕310" panose="02030504000101010101" pitchFamily="18" charset="-127"/>
+                          <a:ea typeface="-윤고딕310" panose="02030504000101010101" pitchFamily="18" charset="-127"/>
+                        </a:rPr>
+                        <a:t>객체 상호 작용 </a:t>
+                      </a:r>
+                      <a:r>
+                        <a:rPr lang="en-US" altLang="ko-KR" sz="1200" dirty="0" smtClean="0">
+                          <a:latin typeface="-윤고딕310" panose="02030504000101010101" pitchFamily="18" charset="-127"/>
+                          <a:ea typeface="-윤고딕310" panose="02030504000101010101" pitchFamily="18" charset="-127"/>
+                        </a:rPr>
+                        <a:t>1</a:t>
+                      </a:r>
+                      <a:endParaRPr lang="ko-KR" altLang="en-US" sz="1200" dirty="0">
+                        <a:latin typeface="-윤고딕310" panose="02030504000101010101" pitchFamily="18" charset="-127"/>
+                        <a:ea typeface="-윤고딕310" panose="02030504000101010101" pitchFamily="18" charset="-127"/>
+                      </a:endParaRPr>
+                    </a:p>
+                  </a:txBody>
+                  <a:tcPr marL="111605" marR="111605" marT="55802" marB="55802" anchor="ctr">
+                    <a:solidFill>
+                      <a:srgbClr val="FFF0E8"/>
+                    </a:solidFill>
+                  </a:tcPr>
+                </a:tc>
+                <a:tc>
+                  <a:txBody>
+                    <a:bodyPr/>
+                    <a:lstStyle/>
+                    <a:p>
+                      <a:pPr marL="171450" indent="-171450" latinLnBrk="1">
+                        <a:buFont typeface="Arial" panose="020B0604020202020204" pitchFamily="34" charset="0"/>
+                        <a:buChar char="•"/>
+                      </a:pPr>
+                      <a:r>
+                        <a:rPr lang="ko-KR" altLang="en-US" sz="1200" dirty="0" smtClean="0">
+                          <a:latin typeface="-윤고딕310" panose="02030504000101010101" pitchFamily="18" charset="-127"/>
+                          <a:ea typeface="-윤고딕310" panose="02030504000101010101" pitchFamily="18" charset="-127"/>
+                        </a:rPr>
+                        <a:t>플레이어와 </a:t>
+                      </a:r>
+                      <a:r>
+                        <a:rPr lang="en-US" altLang="ko-KR" sz="1200" dirty="0" smtClean="0">
+                          <a:latin typeface="-윤고딕310" panose="02030504000101010101" pitchFamily="18" charset="-127"/>
+                          <a:ea typeface="-윤고딕310" panose="02030504000101010101" pitchFamily="18" charset="-127"/>
+                        </a:rPr>
+                        <a:t>NPC, NPC </a:t>
+                      </a:r>
+                      <a:r>
+                        <a:rPr lang="ko-KR" altLang="en-US" sz="1200" dirty="0" smtClean="0">
+                          <a:latin typeface="-윤고딕310" panose="02030504000101010101" pitchFamily="18" charset="-127"/>
+                          <a:ea typeface="-윤고딕310" panose="02030504000101010101" pitchFamily="18" charset="-127"/>
+                        </a:rPr>
+                        <a:t>와 </a:t>
+                      </a:r>
+                      <a:r>
+                        <a:rPr lang="en-US" altLang="ko-KR" sz="1200" dirty="0" smtClean="0">
+                          <a:latin typeface="-윤고딕310" panose="02030504000101010101" pitchFamily="18" charset="-127"/>
+                          <a:ea typeface="-윤고딕310" panose="02030504000101010101" pitchFamily="18" charset="-127"/>
+                        </a:rPr>
+                        <a:t>NPC </a:t>
+                      </a:r>
+                      <a:r>
+                        <a:rPr lang="ko-KR" altLang="en-US" sz="1200" dirty="0" smtClean="0">
+                          <a:latin typeface="-윤고딕310" panose="02030504000101010101" pitchFamily="18" charset="-127"/>
+                          <a:ea typeface="-윤고딕310" panose="02030504000101010101" pitchFamily="18" charset="-127"/>
+                        </a:rPr>
+                        <a:t>등등 객체들끼리의 상호 작용을</a:t>
+                      </a:r>
+                      <a:r>
+                        <a:rPr lang="ko-KR" altLang="en-US" sz="1200" baseline="0" dirty="0" smtClean="0">
+                          <a:latin typeface="-윤고딕310" panose="02030504000101010101" pitchFamily="18" charset="-127"/>
+                          <a:ea typeface="-윤고딕310" panose="02030504000101010101" pitchFamily="18" charset="-127"/>
+                        </a:rPr>
+                        <a:t> 구현한다</a:t>
+                      </a:r>
+                      <a:r>
+                        <a:rPr lang="en-US" altLang="ko-KR" sz="1200" baseline="0" dirty="0" smtClean="0">
+                          <a:latin typeface="-윤고딕310" panose="02030504000101010101" pitchFamily="18" charset="-127"/>
+                          <a:ea typeface="-윤고딕310" panose="02030504000101010101" pitchFamily="18" charset="-127"/>
+                        </a:rPr>
+                        <a:t>. </a:t>
+                      </a:r>
+                      <a:r>
+                        <a:rPr lang="ko-KR" altLang="en-US" sz="1200" baseline="0" dirty="0" smtClean="0">
+                          <a:latin typeface="-윤고딕310" panose="02030504000101010101" pitchFamily="18" charset="-127"/>
+                          <a:ea typeface="-윤고딕310" panose="02030504000101010101" pitchFamily="18" charset="-127"/>
+                        </a:rPr>
+                        <a:t>피격</a:t>
+                      </a:r>
+                      <a:r>
+                        <a:rPr lang="en-US" altLang="ko-KR" sz="1200" baseline="0" dirty="0" smtClean="0">
+                          <a:latin typeface="-윤고딕310" panose="02030504000101010101" pitchFamily="18" charset="-127"/>
+                          <a:ea typeface="-윤고딕310" panose="02030504000101010101" pitchFamily="18" charset="-127"/>
+                        </a:rPr>
+                        <a:t>, </a:t>
+                      </a:r>
+                      <a:r>
+                        <a:rPr lang="ko-KR" altLang="en-US" sz="1200" baseline="0" dirty="0" smtClean="0">
+                          <a:latin typeface="-윤고딕310" panose="02030504000101010101" pitchFamily="18" charset="-127"/>
+                          <a:ea typeface="-윤고딕310" panose="02030504000101010101" pitchFamily="18" charset="-127"/>
+                        </a:rPr>
+                        <a:t>공격</a:t>
+                      </a:r>
+                      <a:r>
+                        <a:rPr lang="en-US" altLang="ko-KR" sz="1200" baseline="0" dirty="0" smtClean="0">
+                          <a:latin typeface="-윤고딕310" panose="02030504000101010101" pitchFamily="18" charset="-127"/>
+                          <a:ea typeface="-윤고딕310" panose="02030504000101010101" pitchFamily="18" charset="-127"/>
+                        </a:rPr>
+                        <a:t>, </a:t>
+                      </a:r>
+                      <a:r>
+                        <a:rPr lang="ko-KR" altLang="en-US" sz="1200" baseline="0" dirty="0" smtClean="0">
+                          <a:latin typeface="-윤고딕310" panose="02030504000101010101" pitchFamily="18" charset="-127"/>
+                          <a:ea typeface="-윤고딕310" panose="02030504000101010101" pitchFamily="18" charset="-127"/>
+                        </a:rPr>
+                        <a:t>사망</a:t>
+                      </a:r>
+                      <a:r>
+                        <a:rPr lang="en-US" altLang="ko-KR" sz="1200" baseline="0" dirty="0" smtClean="0">
+                          <a:latin typeface="-윤고딕310" panose="02030504000101010101" pitchFamily="18" charset="-127"/>
+                          <a:ea typeface="-윤고딕310" panose="02030504000101010101" pitchFamily="18" charset="-127"/>
+                        </a:rPr>
+                        <a:t>, </a:t>
+                      </a:r>
+                      <a:r>
+                        <a:rPr lang="ko-KR" altLang="en-US" sz="1200" baseline="0" dirty="0" smtClean="0">
+                          <a:latin typeface="-윤고딕310" panose="02030504000101010101" pitchFamily="18" charset="-127"/>
+                          <a:ea typeface="-윤고딕310" panose="02030504000101010101" pitchFamily="18" charset="-127"/>
+                        </a:rPr>
+                        <a:t>등의 상호작용은 충돌할 때 일어난다</a:t>
+                      </a:r>
+                      <a:r>
+                        <a:rPr lang="en-US" altLang="ko-KR" sz="1200" baseline="0" dirty="0" smtClean="0">
+                          <a:latin typeface="-윤고딕310" panose="02030504000101010101" pitchFamily="18" charset="-127"/>
+                          <a:ea typeface="-윤고딕310" panose="02030504000101010101" pitchFamily="18" charset="-127"/>
+                        </a:rPr>
+                        <a:t>.</a:t>
+                      </a:r>
+                    </a:p>
+                    <a:p>
+                      <a:pPr marL="171450" indent="-171450" latinLnBrk="1">
+                        <a:buFont typeface="Arial" panose="020B0604020202020204" pitchFamily="34" charset="0"/>
+                        <a:buChar char="•"/>
+                      </a:pPr>
+                      <a:endParaRPr lang="ko-KR" altLang="en-US" sz="1200" dirty="0">
+                        <a:latin typeface="-윤고딕310" panose="02030504000101010101" pitchFamily="18" charset="-127"/>
+                        <a:ea typeface="-윤고딕310" panose="02030504000101010101" pitchFamily="18" charset="-127"/>
+                      </a:endParaRPr>
+                    </a:p>
+                  </a:txBody>
+                  <a:tcPr marL="111605" marR="111605" marT="55802" marB="55802">
+                    <a:solidFill>
+                      <a:srgbClr val="FFF0E8"/>
+                    </a:solidFill>
+                  </a:tcPr>
+                </a:tc>
+              </a:tr>
+            </a:tbl>
+          </a:graphicData>
+        </a:graphic>
+      </p:graphicFrame>
+      <p:sp>
+        <p:nvSpPr>
+          <p:cNvPr id="4" name="날짜 개체 틀 3"/>
+          <p:cNvSpPr>
+            <a:spLocks noGrp="1"/>
+          </p:cNvSpPr>
+          <p:nvPr>
+            <p:ph type="dt" sz="half" idx="10"/>
+          </p:nvPr>
+        </p:nvSpPr>
+        <p:spPr>
+          <a:xfrm>
+            <a:off x="6452730" y="5877272"/>
+            <a:ext cx="1213821" cy="365125"/>
+          </a:xfrm>
+        </p:spPr>
+        <p:txBody>
+          <a:bodyPr/>
+          <a:lstStyle/>
+          <a:p>
+            <a:fld id="{E63BED42-B56B-487C-A576-F8E55AE26EFB}" type="datetime1">
+              <a:rPr lang="ko-KR" altLang="en-US" smtClean="0"/>
+              <a:t>2017-10-27</a:t>
+            </a:fld>
+            <a:endParaRPr lang="ko-KR" altLang="en-US"/>
+          </a:p>
+        </p:txBody>
+      </p:sp>
+      <p:sp>
+        <p:nvSpPr>
+          <p:cNvPr id="5" name="슬라이드 번호 개체 틀 4"/>
+          <p:cNvSpPr>
+            <a:spLocks noGrp="1"/>
+          </p:cNvSpPr>
+          <p:nvPr>
+            <p:ph type="sldNum" sz="quarter" idx="12"/>
+          </p:nvPr>
+        </p:nvSpPr>
+        <p:spPr>
+          <a:xfrm>
+            <a:off x="7668344" y="5877272"/>
+            <a:ext cx="554023" cy="365125"/>
+          </a:xfrm>
+        </p:spPr>
+        <p:txBody>
+          <a:bodyPr/>
+          <a:lstStyle/>
+          <a:p>
+            <a:fld id="{8ED71C24-08E4-4AF3-BCF3-1A22B934883E}" type="slidenum">
+              <a:rPr lang="ko-KR" altLang="en-US" smtClean="0"/>
+              <a:t>9</a:t>
+            </a:fld>
+            <a:endParaRPr lang="ko-KR" altLang="en-US"/>
+          </a:p>
+        </p:txBody>
+      </p:sp>
+      <p:sp>
+        <p:nvSpPr>
+          <p:cNvPr id="6" name="바닥글 개체 틀 5"/>
+          <p:cNvSpPr>
+            <a:spLocks noGrp="1"/>
+          </p:cNvSpPr>
+          <p:nvPr>
+            <p:ph type="ftr" sz="quarter" idx="11"/>
+          </p:nvPr>
+        </p:nvSpPr>
+        <p:spPr>
+          <a:xfrm>
+            <a:off x="912543" y="5877272"/>
+            <a:ext cx="5540188" cy="365125"/>
+          </a:xfrm>
+        </p:spPr>
+        <p:txBody>
+          <a:bodyPr/>
+          <a:lstStyle/>
+          <a:p>
+            <a:r>
+              <a:rPr lang="en-US" altLang="ko-KR" dirty="0" smtClean="0">
+                <a:solidFill>
+                  <a:srgbClr val="C00000"/>
+                </a:solidFill>
+                <a:latin typeface="-윤고딕310" panose="02030504000101010101" pitchFamily="18" charset="-127"/>
+                <a:ea typeface="-윤고딕310" panose="02030504000101010101" pitchFamily="18" charset="-127"/>
+              </a:rPr>
+              <a:t>2D </a:t>
+            </a:r>
+            <a:r>
+              <a:rPr lang="ko-KR" altLang="en-US" dirty="0" smtClean="0">
+                <a:solidFill>
+                  <a:srgbClr val="C00000"/>
+                </a:solidFill>
+                <a:latin typeface="-윤고딕310" panose="02030504000101010101" pitchFamily="18" charset="-127"/>
+                <a:ea typeface="-윤고딕310" panose="02030504000101010101" pitchFamily="18" charset="-127"/>
+              </a:rPr>
+              <a:t>게임 프로그래밍</a:t>
+            </a:r>
+            <a:endParaRPr lang="ko-KR" altLang="en-US" dirty="0">
+              <a:solidFill>
+                <a:srgbClr val="C00000"/>
+              </a:solidFill>
+              <a:latin typeface="-윤고딕310" panose="02030504000101010101" pitchFamily="18" charset="-127"/>
+              <a:ea typeface="-윤고딕310" panose="02030504000101010101" pitchFamily="18" charset="-127"/>
+            </a:endParaRPr>
+          </a:p>
+        </p:txBody>
+      </p:sp>
+    </p:spTree>
+    <p:extLst>
+      <p:ext uri="{BB962C8B-B14F-4D97-AF65-F5344CB8AC3E}">
+        <p14:creationId xmlns:p14="http://schemas.microsoft.com/office/powerpoint/2010/main" val="362600760"/>
       </p:ext>
     </p:extLst>
   </p:cSld>

--- a/slides/2016180042_진윤성_2DGP_1차발표.pptx
+++ b/slides/2016180042_진윤성_2DGP_1차발표.pptx
@@ -28,45 +28,45 @@
   <p:notesSz cx="6858000" cy="9144000"/>
   <p:embeddedFontLst>
     <p:embeddedFont>
-      <p:font typeface="-윤고딕310" panose="02030504000101010101" pitchFamily="18" charset="-127"/>
-      <p:regular r:id="rId16"/>
+      <p:font typeface="Brush Script MT" panose="03060802040406070304" pitchFamily="66" charset="0"/>
+      <p:italic r:id="rId16"/>
     </p:embeddedFont>
     <p:embeddedFont>
-      <p:font typeface="맑은 고딕" panose="020B0503020000020004" pitchFamily="50" charset="-127"/>
+      <p:font typeface="-윤고딕310" panose="02030504000101010101" pitchFamily="18" charset="-127"/>
       <p:regular r:id="rId17"/>
-      <p:bold r:id="rId18"/>
+    </p:embeddedFont>
+    <p:embeddedFont>
+      <p:font typeface="-윤고딕330" panose="02030504000101010101" pitchFamily="18" charset="-127"/>
+      <p:regular r:id="rId18"/>
     </p:embeddedFont>
     <p:embeddedFont>
       <p:font typeface="-윤고딕320" panose="02030504000101010101" pitchFamily="18" charset="-127"/>
       <p:regular r:id="rId19"/>
     </p:embeddedFont>
     <p:embeddedFont>
+      <p:font typeface="맑은 고딕" panose="020B0503020000020004" pitchFamily="50" charset="-127"/>
+      <p:regular r:id="rId20"/>
+      <p:bold r:id="rId21"/>
+    </p:embeddedFont>
+    <p:embeddedFont>
       <p:font typeface="Franklin Gothic Book" panose="020B0503020102020204" pitchFamily="34" charset="0"/>
-      <p:regular r:id="rId20"/>
-      <p:italic r:id="rId21"/>
+      <p:regular r:id="rId22"/>
+      <p:italic r:id="rId23"/>
     </p:embeddedFont>
     <p:embeddedFont>
       <p:font typeface="HY신명조" panose="02030600000101010101" pitchFamily="18" charset="-127"/>
-      <p:regular r:id="rId22"/>
+      <p:regular r:id="rId24"/>
     </p:embeddedFont>
     <p:embeddedFont>
       <p:font typeface="Rage Italic" panose="03070502040507070304" pitchFamily="66" charset="0"/>
-      <p:regular r:id="rId23"/>
+      <p:regular r:id="rId25"/>
     </p:embeddedFont>
     <p:embeddedFont>
       <p:font typeface="Constantia" panose="02030602050306030303" pitchFamily="18" charset="0"/>
-      <p:regular r:id="rId24"/>
-      <p:bold r:id="rId25"/>
-      <p:italic r:id="rId26"/>
-      <p:boldItalic r:id="rId27"/>
-    </p:embeddedFont>
-    <p:embeddedFont>
-      <p:font typeface="-윤고딕330" panose="02030504000101010101" pitchFamily="18" charset="-127"/>
-      <p:regular r:id="rId28"/>
-    </p:embeddedFont>
-    <p:embeddedFont>
-      <p:font typeface="Brush Script MT" panose="03060802040406070304" pitchFamily="66" charset="0"/>
-      <p:italic r:id="rId29"/>
+      <p:regular r:id="rId26"/>
+      <p:bold r:id="rId27"/>
+      <p:italic r:id="rId28"/>
+      <p:boldItalic r:id="rId29"/>
     </p:embeddedFont>
   </p:embeddedFontLst>
   <p:defaultTextStyle>
@@ -2935,7 +2935,7 @@
           <a:p>
             <a:fld id="{8F1DCB68-D71C-4438-9E18-1A39E8F98C0B}" type="datetime1">
               <a:rPr lang="ko-KR" altLang="en-US" smtClean="0"/>
-              <a:t>2017-10-27</a:t>
+              <a:t>2017-10-29</a:t>
             </a:fld>
             <a:endParaRPr lang="ko-KR" altLang="en-US"/>
           </a:p>
@@ -3101,7 +3101,7 @@
           <a:p>
             <a:fld id="{63FC2A86-C442-46A0-A683-343668E3757C}" type="datetime1">
               <a:rPr lang="ko-KR" altLang="en-US" smtClean="0"/>
-              <a:t>2017-10-27</a:t>
+              <a:t>2017-10-29</a:t>
             </a:fld>
             <a:endParaRPr lang="ko-KR" altLang="en-US"/>
           </a:p>
@@ -4081,7 +4081,7 @@
           <a:p>
             <a:fld id="{C4C21969-2D44-4836-8054-FEC5EC083A94}" type="datetime1">
               <a:rPr lang="ko-KR" altLang="en-US" smtClean="0"/>
-              <a:t>2017-10-27</a:t>
+              <a:t>2017-10-29</a:t>
             </a:fld>
             <a:endParaRPr lang="ko-KR" altLang="en-US"/>
           </a:p>
@@ -4268,7 +4268,7 @@
           <a:p>
             <a:fld id="{32EDA418-6416-4039-85B1-BA4CF1FD94DE}" type="datetime1">
               <a:rPr lang="ko-KR" altLang="en-US" smtClean="0"/>
-              <a:t>2017-10-27</a:t>
+              <a:t>2017-10-29</a:t>
             </a:fld>
             <a:endParaRPr lang="ko-KR" altLang="en-US"/>
           </a:p>
@@ -4455,7 +4455,7 @@
           <a:p>
             <a:fld id="{879D85B1-5D19-4B8C-B403-10E52B96C9A2}" type="datetime1">
               <a:rPr lang="ko-KR" altLang="en-US" smtClean="0"/>
-              <a:t>2017-10-27</a:t>
+              <a:t>2017-10-29</a:t>
             </a:fld>
             <a:endParaRPr lang="ko-KR" altLang="en-US"/>
           </a:p>
@@ -4628,7 +4628,7 @@
           <a:p>
             <a:fld id="{8998F1EC-F01B-4CCC-A0E8-CD7012E5E6C0}" type="datetime1">
               <a:rPr lang="ko-KR" altLang="en-US" smtClean="0"/>
-              <a:t>2017-10-27</a:t>
+              <a:t>2017-10-29</a:t>
             </a:fld>
             <a:endParaRPr lang="ko-KR" altLang="en-US"/>
           </a:p>
@@ -4875,7 +4875,7 @@
           <a:p>
             <a:fld id="{52787909-DE3C-4D58-A58F-9F026A606388}" type="datetime1">
               <a:rPr lang="ko-KR" altLang="en-US" smtClean="0"/>
-              <a:t>2017-10-27</a:t>
+              <a:t>2017-10-29</a:t>
             </a:fld>
             <a:endParaRPr lang="ko-KR" altLang="en-US"/>
           </a:p>
@@ -4996,7 +4996,7 @@
           <a:p>
             <a:fld id="{7666CBAD-7B00-470A-90AD-5135048686B9}" type="datetime1">
               <a:rPr lang="ko-KR" altLang="en-US" smtClean="0"/>
-              <a:t>2017-10-27</a:t>
+              <a:t>2017-10-29</a:t>
             </a:fld>
             <a:endParaRPr lang="ko-KR" altLang="en-US"/>
           </a:p>
@@ -5377,7 +5377,7 @@
           <a:p>
             <a:fld id="{0CF463A9-D5DB-4824-87E2-C1D0AC51B4AF}" type="datetime1">
               <a:rPr lang="ko-KR" altLang="en-US" smtClean="0"/>
-              <a:t>2017-10-27</a:t>
+              <a:t>2017-10-29</a:t>
             </a:fld>
             <a:endParaRPr lang="ko-KR" altLang="en-US"/>
           </a:p>
@@ -5612,7 +5612,7 @@
           <a:p>
             <a:fld id="{C70BB2E4-12BC-438F-94A6-F50FE8A3D88C}" type="datetime1">
               <a:rPr lang="ko-KR" altLang="en-US" smtClean="0"/>
-              <a:t>2017-10-27</a:t>
+              <a:t>2017-10-29</a:t>
             </a:fld>
             <a:endParaRPr lang="ko-KR" altLang="en-US"/>
           </a:p>
@@ -5710,7 +5710,7 @@
           <a:p>
             <a:fld id="{9544425C-B7EA-494A-BDEE-4AA66243A9BD}" type="datetime1">
               <a:rPr lang="ko-KR" altLang="en-US" smtClean="0"/>
-              <a:t>2017-10-27</a:t>
+              <a:t>2017-10-29</a:t>
             </a:fld>
             <a:endParaRPr lang="ko-KR" altLang="en-US"/>
           </a:p>
@@ -6545,7 +6545,7 @@
           <a:p>
             <a:fld id="{EC5C1134-AEED-45C1-AFDF-DDF26E0C6587}" type="datetime1">
               <a:rPr lang="ko-KR" altLang="en-US" smtClean="0"/>
-              <a:t>2017-10-27</a:t>
+              <a:t>2017-10-29</a:t>
             </a:fld>
             <a:endParaRPr lang="ko-KR" altLang="en-US"/>
           </a:p>
@@ -7384,7 +7384,7 @@
           <a:p>
             <a:fld id="{971A1825-C447-468B-B9C9-6B7674910854}" type="datetime1">
               <a:rPr lang="ko-KR" altLang="en-US" smtClean="0"/>
-              <a:t>2017-10-27</a:t>
+              <a:t>2017-10-29</a:t>
             </a:fld>
             <a:endParaRPr lang="ko-KR" altLang="en-US"/>
           </a:p>
@@ -8046,7 +8046,7 @@
           <a:p>
             <a:fld id="{4E0EA9FF-3011-4849-B3DE-625476BF3408}" type="datetime1">
               <a:rPr lang="ko-KR" altLang="en-US" smtClean="0"/>
-              <a:t>2017-10-27</a:t>
+              <a:t>2017-10-29</a:t>
             </a:fld>
             <a:endParaRPr lang="ko-KR" altLang="en-US"/>
           </a:p>
@@ -8782,7 +8782,7 @@
             <p:ph idx="1"/>
             <p:extLst>
               <p:ext uri="{D42A27DB-BD31-4B8C-83A1-F6EECF244321}">
-                <p14:modId xmlns:p14="http://schemas.microsoft.com/office/powerpoint/2010/main" val="378201967"/>
+                <p14:modId xmlns:p14="http://schemas.microsoft.com/office/powerpoint/2010/main" val="290381989"/>
               </p:ext>
             </p:extLst>
           </p:nvPr>
@@ -8893,7 +8893,7 @@
                           <a:latin typeface="-윤고딕310" panose="02030504000101010101" pitchFamily="18" charset="-127"/>
                           <a:ea typeface="-윤고딕310" panose="02030504000101010101" pitchFamily="18" charset="-127"/>
                         </a:rPr>
-                        <a:t>6</a:t>
+                        <a:t>5</a:t>
                       </a:r>
                       <a:endParaRPr lang="ko-KR" altLang="en-US" sz="1900" dirty="0">
                         <a:latin typeface="-윤고딕310" panose="02030504000101010101" pitchFamily="18" charset="-127"/>
@@ -9201,7 +9201,7 @@
                           <a:latin typeface="-윤고딕310" panose="02030504000101010101" pitchFamily="18" charset="-127"/>
                           <a:ea typeface="-윤고딕310" panose="02030504000101010101" pitchFamily="18" charset="-127"/>
                         </a:rPr>
-                        <a:t>7</a:t>
+                        <a:t>6</a:t>
                       </a:r>
                       <a:endParaRPr lang="ko-KR" altLang="en-US" sz="1900" dirty="0">
                         <a:latin typeface="-윤고딕310" panose="02030504000101010101" pitchFamily="18" charset="-127"/>
@@ -9250,7 +9250,7 @@
                   <a:tcPr marL="111605" marR="111605" marT="55802" marB="55802"/>
                 </a:tc>
               </a:tr>
-              <a:tr h="688313">
+              <a:tr h="1376626">
                 <a:tc>
                   <a:txBody>
                     <a:bodyPr/>
@@ -9262,7 +9262,7 @@
                           <a:latin typeface="-윤고딕310" panose="02030504000101010101" pitchFamily="18" charset="-127"/>
                           <a:ea typeface="-윤고딕310" panose="02030504000101010101" pitchFamily="18" charset="-127"/>
                         </a:rPr>
-                        <a:t>8</a:t>
+                        <a:t>7</a:t>
                       </a:r>
                       <a:endParaRPr lang="ko-KR" altLang="en-US" sz="1900" dirty="0">
                         <a:latin typeface="-윤고딕310" panose="02030504000101010101" pitchFamily="18" charset="-127"/>
@@ -9302,51 +9302,11 @@
                         <a:defRPr/>
                       </a:pPr>
                       <a:r>
-                        <a:rPr lang="ko-KR" altLang="en-US" sz="1200" dirty="0" smtClean="0">
-                          <a:latin typeface="-윤고딕310" panose="02030504000101010101" pitchFamily="18" charset="-127"/>
-                          <a:ea typeface="-윤고딕310" panose="02030504000101010101" pitchFamily="18" charset="-127"/>
-                        </a:rPr>
-                        <a:t>객체 상호 작용 </a:t>
-                      </a:r>
-                      <a:r>
-                        <a:rPr lang="en-US" altLang="ko-KR" sz="1200" dirty="0" smtClean="0">
-                          <a:latin typeface="-윤고딕310" panose="02030504000101010101" pitchFamily="18" charset="-127"/>
-                          <a:ea typeface="-윤고딕310" panose="02030504000101010101" pitchFamily="18" charset="-127"/>
-                        </a:rPr>
-                        <a:t>2,</a:t>
-                      </a:r>
-                    </a:p>
-                    <a:p>
-                      <a:pPr marL="0" marR="0" indent="0" algn="ctr" defTabSz="914400" rtl="0" eaLnBrk="1" fontAlgn="auto" latinLnBrk="1" hangingPunct="1">
-                        <a:lnSpc>
-                          <a:spcPct val="100000"/>
-                        </a:lnSpc>
-                        <a:spcBef>
-                          <a:spcPts val="0"/>
-                        </a:spcBef>
-                        <a:spcAft>
-                          <a:spcPts val="0"/>
-                        </a:spcAft>
-                        <a:buClrTx/>
-                        <a:buSzTx/>
-                        <a:buFont typeface="Arial" panose="020B0604020202020204" pitchFamily="34" charset="0"/>
-                        <a:buNone/>
-                        <a:tabLst/>
-                        <a:defRPr/>
-                      </a:pPr>
-                      <a:r>
-                        <a:rPr lang="ko-KR" altLang="en-US" sz="1200" dirty="0" smtClean="0">
-                          <a:latin typeface="-윤고딕310" panose="02030504000101010101" pitchFamily="18" charset="-127"/>
-                          <a:ea typeface="-윤고딕310" panose="02030504000101010101" pitchFamily="18" charset="-127"/>
-                        </a:rPr>
-                        <a:t>인터페이스 </a:t>
-                      </a:r>
-                      <a:r>
-                        <a:rPr lang="en-US" altLang="ko-KR" sz="1200" dirty="0" smtClean="0">
-                          <a:latin typeface="-윤고딕310" panose="02030504000101010101" pitchFamily="18" charset="-127"/>
-                          <a:ea typeface="-윤고딕310" panose="02030504000101010101" pitchFamily="18" charset="-127"/>
-                        </a:rPr>
-                        <a:t>1</a:t>
+                        <a:rPr lang="ko-KR" altLang="en-US" sz="1200" smtClean="0">
+                          <a:latin typeface="-윤고딕310" panose="02030504000101010101" pitchFamily="18" charset="-127"/>
+                          <a:ea typeface="-윤고딕310" panose="02030504000101010101" pitchFamily="18" charset="-127"/>
+                        </a:rPr>
+                        <a:t>인터페이스</a:t>
                       </a:r>
                       <a:endParaRPr lang="ko-KR" altLang="en-US" sz="1200" dirty="0" smtClean="0">
                         <a:latin typeface="-윤고딕310" panose="02030504000101010101" pitchFamily="18" charset="-127"/>
@@ -9456,6 +9416,113 @@
                         <a:ea typeface="-윤고딕310" panose="02030504000101010101" pitchFamily="18" charset="-127"/>
                       </a:endParaRPr>
                     </a:p>
+                    <a:p>
+                      <a:pPr marL="171450" indent="-171450" latinLnBrk="1">
+                        <a:buFont typeface="Arial" panose="020B0604020202020204" pitchFamily="34" charset="0"/>
+                        <a:buChar char="•"/>
+                      </a:pPr>
+                      <a:r>
+                        <a:rPr lang="ko-KR" altLang="en-US" sz="1200" dirty="0" smtClean="0">
+                          <a:latin typeface="-윤고딕310" panose="02030504000101010101" pitchFamily="18" charset="-127"/>
+                          <a:ea typeface="-윤고딕310" panose="02030504000101010101" pitchFamily="18" charset="-127"/>
+                        </a:rPr>
+                        <a:t>메인 화면</a:t>
+                      </a:r>
+                      <a:r>
+                        <a:rPr lang="en-US" altLang="ko-KR" sz="1200" dirty="0" smtClean="0">
+                          <a:latin typeface="-윤고딕310" panose="02030504000101010101" pitchFamily="18" charset="-127"/>
+                          <a:ea typeface="-윤고딕310" panose="02030504000101010101" pitchFamily="18" charset="-127"/>
+                        </a:rPr>
+                        <a:t>, </a:t>
+                      </a:r>
+                      <a:r>
+                        <a:rPr lang="ko-KR" altLang="en-US" sz="1200" dirty="0" smtClean="0">
+                          <a:latin typeface="-윤고딕310" panose="02030504000101010101" pitchFamily="18" charset="-127"/>
+                          <a:ea typeface="-윤고딕310" panose="02030504000101010101" pitchFamily="18" charset="-127"/>
+                        </a:rPr>
+                        <a:t>보조 게임 메뉴를 추가한다</a:t>
+                      </a:r>
+                      <a:r>
+                        <a:rPr lang="en-US" altLang="ko-KR" sz="1200" dirty="0" smtClean="0">
+                          <a:latin typeface="-윤고딕310" panose="02030504000101010101" pitchFamily="18" charset="-127"/>
+                          <a:ea typeface="-윤고딕310" panose="02030504000101010101" pitchFamily="18" charset="-127"/>
+                        </a:rPr>
+                        <a:t>.</a:t>
+                      </a:r>
+                    </a:p>
+                    <a:p>
+                      <a:pPr marL="171450" indent="-171450" latinLnBrk="1">
+                        <a:buFont typeface="Arial" panose="020B0604020202020204" pitchFamily="34" charset="0"/>
+                        <a:buChar char="•"/>
+                      </a:pPr>
+                      <a:r>
+                        <a:rPr lang="ko-KR" altLang="en-US" sz="1200" dirty="0" smtClean="0">
+                          <a:latin typeface="-윤고딕310" panose="02030504000101010101" pitchFamily="18" charset="-127"/>
+                          <a:ea typeface="-윤고딕310" panose="02030504000101010101" pitchFamily="18" charset="-127"/>
+                        </a:rPr>
+                        <a:t>게임 진행 중에</a:t>
+                      </a:r>
+                      <a:r>
+                        <a:rPr lang="ko-KR" altLang="en-US" sz="1200" baseline="0" dirty="0" smtClean="0">
+                          <a:latin typeface="-윤고딕310" panose="02030504000101010101" pitchFamily="18" charset="-127"/>
+                          <a:ea typeface="-윤고딕310" panose="02030504000101010101" pitchFamily="18" charset="-127"/>
+                        </a:rPr>
+                        <a:t> 직접 표시되는 </a:t>
+                      </a:r>
+                      <a:r>
+                        <a:rPr lang="ko-KR" altLang="en-US" sz="1200" dirty="0" smtClean="0">
+                          <a:latin typeface="-윤고딕310" panose="02030504000101010101" pitchFamily="18" charset="-127"/>
+                          <a:ea typeface="-윤고딕310" panose="02030504000101010101" pitchFamily="18" charset="-127"/>
+                        </a:rPr>
+                        <a:t>인터페이스는 점수</a:t>
+                      </a:r>
+                      <a:r>
+                        <a:rPr lang="en-US" altLang="ko-KR" sz="1200" dirty="0" smtClean="0">
+                          <a:latin typeface="-윤고딕310" panose="02030504000101010101" pitchFamily="18" charset="-127"/>
+                          <a:ea typeface="-윤고딕310" panose="02030504000101010101" pitchFamily="18" charset="-127"/>
+                        </a:rPr>
+                        <a:t>, </a:t>
+                      </a:r>
+                      <a:r>
+                        <a:rPr lang="ko-KR" altLang="en-US" sz="1200" dirty="0" smtClean="0">
+                          <a:latin typeface="-윤고딕310" panose="02030504000101010101" pitchFamily="18" charset="-127"/>
+                          <a:ea typeface="-윤고딕310" panose="02030504000101010101" pitchFamily="18" charset="-127"/>
+                        </a:rPr>
+                        <a:t>체력 게이지</a:t>
+                      </a:r>
+                      <a:r>
+                        <a:rPr lang="en-US" altLang="ko-KR" sz="1200" dirty="0" smtClean="0">
+                          <a:latin typeface="-윤고딕310" panose="02030504000101010101" pitchFamily="18" charset="-127"/>
+                          <a:ea typeface="-윤고딕310" panose="02030504000101010101" pitchFamily="18" charset="-127"/>
+                        </a:rPr>
+                        <a:t>,</a:t>
+                      </a:r>
+                      <a:r>
+                        <a:rPr lang="en-US" altLang="ko-KR" sz="1200" baseline="0" dirty="0" smtClean="0">
+                          <a:latin typeface="-윤고딕310" panose="02030504000101010101" pitchFamily="18" charset="-127"/>
+                          <a:ea typeface="-윤고딕310" panose="02030504000101010101" pitchFamily="18" charset="-127"/>
+                        </a:rPr>
+                        <a:t> </a:t>
+                      </a:r>
+                      <a:r>
+                        <a:rPr lang="ko-KR" altLang="en-US" sz="1200" baseline="0" dirty="0" smtClean="0">
+                          <a:latin typeface="-윤고딕310" panose="02030504000101010101" pitchFamily="18" charset="-127"/>
+                          <a:ea typeface="-윤고딕310" panose="02030504000101010101" pitchFamily="18" charset="-127"/>
+                        </a:rPr>
+                        <a:t>그리고 들고 있는 장비 표시가 전부이다</a:t>
+                      </a:r>
+                      <a:r>
+                        <a:rPr lang="en-US" altLang="ko-KR" sz="1200" baseline="0" dirty="0" smtClean="0">
+                          <a:latin typeface="-윤고딕310" panose="02030504000101010101" pitchFamily="18" charset="-127"/>
+                          <a:ea typeface="-윤고딕310" panose="02030504000101010101" pitchFamily="18" charset="-127"/>
+                        </a:rPr>
+                        <a:t>.</a:t>
+                      </a:r>
+                      <a:endParaRPr lang="ko-KR" altLang="en-US" sz="1200" dirty="0">
+                        <a:latin typeface="-윤고딕310" panose="02030504000101010101" pitchFamily="18" charset="-127"/>
+                        <a:ea typeface="-윤고딕310" panose="02030504000101010101" pitchFamily="18" charset="-127"/>
+                      </a:endParaRPr>
+                    </a:p>
                   </a:txBody>
                   <a:tcPr marL="111605" marR="111605" marT="55802" marB="55802"/>
                 </a:tc>
@@ -9472,7 +9539,7 @@
                           <a:latin typeface="-윤고딕310" panose="02030504000101010101" pitchFamily="18" charset="-127"/>
                           <a:ea typeface="-윤고딕310" panose="02030504000101010101" pitchFamily="18" charset="-127"/>
                         </a:rPr>
-                        <a:t>9</a:t>
+                        <a:t>8</a:t>
                       </a:r>
                       <a:endParaRPr lang="ko-KR" altLang="en-US" sz="1900" dirty="0">
                         <a:latin typeface="-윤고딕310" panose="02030504000101010101" pitchFamily="18" charset="-127"/>
@@ -9516,194 +9583,6 @@
                           <a:latin typeface="-윤고딕310" panose="02030504000101010101" pitchFamily="18" charset="-127"/>
                           <a:ea typeface="-윤고딕310" panose="02030504000101010101" pitchFamily="18" charset="-127"/>
                         </a:rPr>
-                        <a:t>인터페이스 </a:t>
-                      </a:r>
-                      <a:r>
-                        <a:rPr lang="en-US" altLang="ko-KR" sz="1200" dirty="0" smtClean="0">
-                          <a:latin typeface="-윤고딕310" panose="02030504000101010101" pitchFamily="18" charset="-127"/>
-                          <a:ea typeface="-윤고딕310" panose="02030504000101010101" pitchFamily="18" charset="-127"/>
-                        </a:rPr>
-                        <a:t>2</a:t>
-                      </a:r>
-                      <a:endParaRPr lang="ko-KR" altLang="en-US" sz="1200" dirty="0" smtClean="0">
-                        <a:latin typeface="-윤고딕310" panose="02030504000101010101" pitchFamily="18" charset="-127"/>
-                        <a:ea typeface="-윤고딕310" panose="02030504000101010101" pitchFamily="18" charset="-127"/>
-                      </a:endParaRPr>
-                    </a:p>
-                  </a:txBody>
-                  <a:tcPr marL="111605" marR="111605" marT="55802" marB="55802" anchor="ctr"/>
-                </a:tc>
-                <a:tc>
-                  <a:txBody>
-                    <a:bodyPr/>
-                    <a:lstStyle/>
-                    <a:p>
-                      <a:pPr marL="171450" indent="-171450" latinLnBrk="1">
-                        <a:buFont typeface="Arial" panose="020B0604020202020204" pitchFamily="34" charset="0"/>
-                        <a:buChar char="•"/>
-                      </a:pPr>
-                      <a:r>
-                        <a:rPr lang="ko-KR" altLang="en-US" sz="1200" dirty="0" smtClean="0">
-                          <a:latin typeface="-윤고딕310" panose="02030504000101010101" pitchFamily="18" charset="-127"/>
-                          <a:ea typeface="-윤고딕310" panose="02030504000101010101" pitchFamily="18" charset="-127"/>
-                        </a:rPr>
-                        <a:t>메인 화면</a:t>
-                      </a:r>
-                      <a:r>
-                        <a:rPr lang="en-US" altLang="ko-KR" sz="1200" dirty="0" smtClean="0">
-                          <a:latin typeface="-윤고딕310" panose="02030504000101010101" pitchFamily="18" charset="-127"/>
-                          <a:ea typeface="-윤고딕310" panose="02030504000101010101" pitchFamily="18" charset="-127"/>
-                        </a:rPr>
-                        <a:t>, </a:t>
-                      </a:r>
-                      <a:r>
-                        <a:rPr lang="ko-KR" altLang="en-US" sz="1200" dirty="0" smtClean="0">
-                          <a:latin typeface="-윤고딕310" panose="02030504000101010101" pitchFamily="18" charset="-127"/>
-                          <a:ea typeface="-윤고딕310" panose="02030504000101010101" pitchFamily="18" charset="-127"/>
-                        </a:rPr>
-                        <a:t>보조 게임 메뉴를 추가한다</a:t>
-                      </a:r>
-                      <a:r>
-                        <a:rPr lang="en-US" altLang="ko-KR" sz="1200" dirty="0" smtClean="0">
-                          <a:latin typeface="-윤고딕310" panose="02030504000101010101" pitchFamily="18" charset="-127"/>
-                          <a:ea typeface="-윤고딕310" panose="02030504000101010101" pitchFamily="18" charset="-127"/>
-                        </a:rPr>
-                        <a:t>.</a:t>
-                      </a:r>
-                    </a:p>
-                    <a:p>
-                      <a:pPr marL="171450" indent="-171450" latinLnBrk="1">
-                        <a:buFont typeface="Arial" panose="020B0604020202020204" pitchFamily="34" charset="0"/>
-                        <a:buChar char="•"/>
-                      </a:pPr>
-                      <a:r>
-                        <a:rPr lang="ko-KR" altLang="en-US" sz="1200" dirty="0" smtClean="0">
-                          <a:latin typeface="-윤고딕310" panose="02030504000101010101" pitchFamily="18" charset="-127"/>
-                          <a:ea typeface="-윤고딕310" panose="02030504000101010101" pitchFamily="18" charset="-127"/>
-                        </a:rPr>
-                        <a:t>게임 진행 중에</a:t>
-                      </a:r>
-                      <a:r>
-                        <a:rPr lang="ko-KR" altLang="en-US" sz="1200" baseline="0" dirty="0" smtClean="0">
-                          <a:latin typeface="-윤고딕310" panose="02030504000101010101" pitchFamily="18" charset="-127"/>
-                          <a:ea typeface="-윤고딕310" panose="02030504000101010101" pitchFamily="18" charset="-127"/>
-                        </a:rPr>
-                        <a:t> 직접 표시되는 </a:t>
-                      </a:r>
-                      <a:r>
-                        <a:rPr lang="ko-KR" altLang="en-US" sz="1200" dirty="0" smtClean="0">
-                          <a:latin typeface="-윤고딕310" panose="02030504000101010101" pitchFamily="18" charset="-127"/>
-                          <a:ea typeface="-윤고딕310" panose="02030504000101010101" pitchFamily="18" charset="-127"/>
-                        </a:rPr>
-                        <a:t>인터페이스는 점수</a:t>
-                      </a:r>
-                      <a:r>
-                        <a:rPr lang="en-US" altLang="ko-KR" sz="1200" dirty="0" smtClean="0">
-                          <a:latin typeface="-윤고딕310" panose="02030504000101010101" pitchFamily="18" charset="-127"/>
-                          <a:ea typeface="-윤고딕310" panose="02030504000101010101" pitchFamily="18" charset="-127"/>
-                        </a:rPr>
-                        <a:t>, </a:t>
-                      </a:r>
-                      <a:r>
-                        <a:rPr lang="ko-KR" altLang="en-US" sz="1200" dirty="0" smtClean="0">
-                          <a:latin typeface="-윤고딕310" panose="02030504000101010101" pitchFamily="18" charset="-127"/>
-                          <a:ea typeface="-윤고딕310" panose="02030504000101010101" pitchFamily="18" charset="-127"/>
-                        </a:rPr>
-                        <a:t>체력 게이지</a:t>
-                      </a:r>
-                      <a:r>
-                        <a:rPr lang="en-US" altLang="ko-KR" sz="1200" dirty="0" smtClean="0">
-                          <a:latin typeface="-윤고딕310" panose="02030504000101010101" pitchFamily="18" charset="-127"/>
-                          <a:ea typeface="-윤고딕310" panose="02030504000101010101" pitchFamily="18" charset="-127"/>
-                        </a:rPr>
-                        <a:t>,</a:t>
-                      </a:r>
-                      <a:r>
-                        <a:rPr lang="en-US" altLang="ko-KR" sz="1200" baseline="0" dirty="0" smtClean="0">
-                          <a:latin typeface="-윤고딕310" panose="02030504000101010101" pitchFamily="18" charset="-127"/>
-                          <a:ea typeface="-윤고딕310" panose="02030504000101010101" pitchFamily="18" charset="-127"/>
-                        </a:rPr>
-                        <a:t> </a:t>
-                      </a:r>
-                      <a:r>
-                        <a:rPr lang="ko-KR" altLang="en-US" sz="1200" baseline="0" dirty="0" smtClean="0">
-                          <a:latin typeface="-윤고딕310" panose="02030504000101010101" pitchFamily="18" charset="-127"/>
-                          <a:ea typeface="-윤고딕310" panose="02030504000101010101" pitchFamily="18" charset="-127"/>
-                        </a:rPr>
-                        <a:t>그리고 들고 있는 장비 표시가 전부이다</a:t>
-                      </a:r>
-                      <a:r>
-                        <a:rPr lang="en-US" altLang="ko-KR" sz="1200" baseline="0" dirty="0" smtClean="0">
-                          <a:latin typeface="-윤고딕310" panose="02030504000101010101" pitchFamily="18" charset="-127"/>
-                          <a:ea typeface="-윤고딕310" panose="02030504000101010101" pitchFamily="18" charset="-127"/>
-                        </a:rPr>
-                        <a:t>.</a:t>
-                      </a:r>
-                      <a:endParaRPr lang="ko-KR" altLang="en-US" sz="1200" dirty="0">
-                        <a:latin typeface="-윤고딕310" panose="02030504000101010101" pitchFamily="18" charset="-127"/>
-                        <a:ea typeface="-윤고딕310" panose="02030504000101010101" pitchFamily="18" charset="-127"/>
-                      </a:endParaRPr>
-                    </a:p>
-                  </a:txBody>
-                  <a:tcPr marL="111605" marR="111605" marT="55802" marB="55802"/>
-                </a:tc>
-              </a:tr>
-              <a:tr h="688313">
-                <a:tc>
-                  <a:txBody>
-                    <a:bodyPr/>
-                    <a:lstStyle/>
-                    <a:p>
-                      <a:pPr algn="ctr" latinLnBrk="1"/>
-                      <a:r>
-                        <a:rPr lang="en-US" altLang="ko-KR" sz="1900" dirty="0" smtClean="0">
-                          <a:latin typeface="-윤고딕310" panose="02030504000101010101" pitchFamily="18" charset="-127"/>
-                          <a:ea typeface="-윤고딕310" panose="02030504000101010101" pitchFamily="18" charset="-127"/>
-                        </a:rPr>
-                        <a:t>10</a:t>
-                      </a:r>
-                      <a:endParaRPr lang="ko-KR" altLang="en-US" sz="1900" dirty="0">
-                        <a:latin typeface="-윤고딕310" panose="02030504000101010101" pitchFamily="18" charset="-127"/>
-                        <a:ea typeface="-윤고딕310" panose="02030504000101010101" pitchFamily="18" charset="-127"/>
-                      </a:endParaRPr>
-                    </a:p>
-                  </a:txBody>
-                  <a:tcPr marL="111605" marR="111605" marT="55802" marB="55802" anchor="ctr">
-                    <a:solidFill>
-                      <a:schemeClr val="accent1">
-                        <a:tint val="40000"/>
-                        <a:alpha val="35000"/>
-                      </a:schemeClr>
-                    </a:solidFill>
-                  </a:tcPr>
-                </a:tc>
-                <a:tc>
-                  <a:txBody>
-                    <a:bodyPr/>
-                    <a:lstStyle/>
-                    <a:p>
-                      <a:pPr marL="0" marR="0" indent="0" algn="ctr" defTabSz="914400" rtl="0" eaLnBrk="1" fontAlgn="auto" latinLnBrk="1" hangingPunct="1">
-                        <a:lnSpc>
-                          <a:spcPct val="100000"/>
-                        </a:lnSpc>
-                        <a:spcBef>
-                          <a:spcPts val="0"/>
-                        </a:spcBef>
-                        <a:spcAft>
-                          <a:spcPts val="0"/>
-                        </a:spcAft>
-                        <a:buClrTx/>
-                        <a:buSzTx/>
-                        <a:buFont typeface="Arial" panose="020B0604020202020204" pitchFamily="34" charset="0"/>
-                        <a:buNone/>
-                        <a:tabLst/>
-                        <a:defRPr/>
-                      </a:pPr>
-                      <a:r>
-                        <a:rPr lang="ko-KR" altLang="en-US" sz="1200" dirty="0" smtClean="0">
-                          <a:latin typeface="-윤고딕310" panose="02030504000101010101" pitchFamily="18" charset="-127"/>
-                          <a:ea typeface="-윤고딕310" panose="02030504000101010101" pitchFamily="18" charset="-127"/>
-                        </a:rPr>
                         <a:t>게임 릴리즈</a:t>
                       </a:r>
                       <a:r>
@@ -9775,7 +9654,7 @@
           <a:p>
             <a:fld id="{E63BED42-B56B-487C-A576-F8E55AE26EFB}" type="datetime1">
               <a:rPr lang="ko-KR" altLang="en-US" smtClean="0"/>
-              <a:t>2017-10-27</a:t>
+              <a:t>2017-10-29</a:t>
             </a:fld>
             <a:endParaRPr lang="ko-KR" altLang="en-US"/>
           </a:p>
@@ -10547,7 +10426,7 @@
           <a:p>
             <a:fld id="{E64E4686-FFDF-4469-BE9B-A5EC149CF7A5}" type="datetime1">
               <a:rPr lang="ko-KR" altLang="en-US" smtClean="0"/>
-              <a:t>2017-10-27</a:t>
+              <a:t>2017-10-29</a:t>
             </a:fld>
             <a:endParaRPr lang="ko-KR" altLang="en-US"/>
           </a:p>
@@ -10808,7 +10687,7 @@
           <a:p>
             <a:fld id="{99C85210-9BD9-410B-8B60-1A01FEADF4C9}" type="datetime1">
               <a:rPr lang="ko-KR" altLang="en-US" smtClean="0"/>
-              <a:t>2017-10-27</a:t>
+              <a:t>2017-10-29</a:t>
             </a:fld>
             <a:endParaRPr lang="ko-KR" altLang="en-US"/>
           </a:p>
@@ -11206,7 +11085,7 @@
           <a:p>
             <a:fld id="{80913EDC-9206-426E-951D-E7E0B75694AE}" type="datetime1">
               <a:rPr lang="ko-KR" altLang="en-US" smtClean="0"/>
-              <a:t>2017-10-27</a:t>
+              <a:t>2017-10-29</a:t>
             </a:fld>
             <a:endParaRPr lang="ko-KR" altLang="en-US"/>
           </a:p>
@@ -11442,7 +11321,7 @@
           <a:p>
             <a:fld id="{1DFADF30-901F-49C8-A3B5-BD350A95808D}" type="datetime1">
               <a:rPr lang="ko-KR" altLang="en-US" smtClean="0"/>
-              <a:t>2017-10-27</a:t>
+              <a:t>2017-10-29</a:t>
             </a:fld>
             <a:endParaRPr lang="ko-KR" altLang="en-US"/>
           </a:p>
@@ -12870,7 +12749,7 @@
           <a:p>
             <a:fld id="{1DFADF30-901F-49C8-A3B5-BD350A95808D}" type="datetime1">
               <a:rPr lang="ko-KR" altLang="en-US" smtClean="0"/>
-              <a:t>2017-10-27</a:t>
+              <a:t>2017-10-29</a:t>
             </a:fld>
             <a:endParaRPr lang="ko-KR" altLang="en-US"/>
           </a:p>
@@ -14151,7 +14030,7 @@
           <a:p>
             <a:fld id="{1DFADF30-901F-49C8-A3B5-BD350A95808D}" type="datetime1">
               <a:rPr lang="ko-KR" altLang="en-US" smtClean="0"/>
-              <a:t>2017-10-27</a:t>
+              <a:t>2017-10-29</a:t>
             </a:fld>
             <a:endParaRPr lang="ko-KR" altLang="en-US"/>
           </a:p>
@@ -15742,7 +15621,7 @@
           <a:p>
             <a:fld id="{E63BED42-B56B-487C-A576-F8E55AE26EFB}" type="datetime1">
               <a:rPr lang="ko-KR" altLang="en-US" smtClean="0"/>
-              <a:t>2017-10-27</a:t>
+              <a:t>2017-10-29</a:t>
             </a:fld>
             <a:endParaRPr lang="ko-KR" altLang="en-US"/>
           </a:p>
@@ -16650,7 +16529,7 @@
           <a:p>
             <a:fld id="{E63BED42-B56B-487C-A576-F8E55AE26EFB}" type="datetime1">
               <a:rPr lang="ko-KR" altLang="en-US" smtClean="0"/>
-              <a:t>2017-10-27</a:t>
+              <a:t>2017-10-29</a:t>
             </a:fld>
             <a:endParaRPr lang="ko-KR" altLang="en-US"/>
           </a:p>
@@ -16822,7 +16701,7 @@
             <p:ph idx="1"/>
             <p:extLst>
               <p:ext uri="{D42A27DB-BD31-4B8C-83A1-F6EECF244321}">
-                <p14:modId xmlns:p14="http://schemas.microsoft.com/office/powerpoint/2010/main" val="1302906887"/>
+                <p14:modId xmlns:p14="http://schemas.microsoft.com/office/powerpoint/2010/main" val="894340694"/>
               </p:ext>
             </p:extLst>
           </p:nvPr>
@@ -17355,7 +17234,7 @@
                   <a:tcPr marL="111605" marR="111605" marT="55802" marB="55802"/>
                 </a:tc>
               </a:tr>
-              <a:tr h="519108">
+              <a:tr h="1038216">
                 <a:tc>
                   <a:txBody>
                     <a:bodyPr/>
@@ -17419,6 +17298,37 @@
                         <a:ea typeface="-윤고딕310" panose="02030504000101010101" pitchFamily="18" charset="-127"/>
                       </a:endParaRPr>
                     </a:p>
+                    <a:p>
+                      <a:pPr marL="0" indent="0" algn="ctr" latinLnBrk="1">
+                        <a:buFont typeface="Arial" panose="020B0604020202020204" pitchFamily="34" charset="0"/>
+                        <a:buNone/>
+                      </a:pPr>
+                      <a:r>
+                        <a:rPr lang="en-US" altLang="ko-KR" sz="1200" dirty="0" smtClean="0">
+                          <a:latin typeface="-윤고딕310" panose="02030504000101010101" pitchFamily="18" charset="-127"/>
+                          <a:ea typeface="-윤고딕310" panose="02030504000101010101" pitchFamily="18" charset="-127"/>
+                        </a:rPr>
+                        <a:t>NPC</a:t>
+                      </a:r>
+                      <a:r>
+                        <a:rPr lang="en-US" altLang="ko-KR" sz="1200" baseline="0" dirty="0" smtClean="0">
+                          <a:latin typeface="-윤고딕310" panose="02030504000101010101" pitchFamily="18" charset="-127"/>
+                          <a:ea typeface="-윤고딕310" panose="02030504000101010101" pitchFamily="18" charset="-127"/>
+                        </a:rPr>
+                        <a:t> </a:t>
+                      </a:r>
+                      <a:r>
+                        <a:rPr lang="ko-KR" altLang="en-US" sz="1200" baseline="0" dirty="0" smtClean="0">
+                          <a:latin typeface="-윤고딕310" panose="02030504000101010101" pitchFamily="18" charset="-127"/>
+                          <a:ea typeface="-윤고딕310" panose="02030504000101010101" pitchFamily="18" charset="-127"/>
+                        </a:rPr>
+                        <a:t>객체와 인공지능</a:t>
+                      </a:r>
+                      <a:endParaRPr lang="ko-KR" altLang="en-US" sz="1200" dirty="0">
+                        <a:latin typeface="-윤고딕310" panose="02030504000101010101" pitchFamily="18" charset="-127"/>
+                        <a:ea typeface="-윤고딕310" panose="02030504000101010101" pitchFamily="18" charset="-127"/>
+                      </a:endParaRPr>
+                    </a:p>
                   </a:txBody>
                   <a:tcPr marL="111605" marR="111605" marT="55802" marB="55802" anchor="ctr"/>
                 </a:tc>
@@ -17464,11 +17374,90 @@
                         <a:ea typeface="-윤고딕310" panose="02030504000101010101" pitchFamily="18" charset="-127"/>
                       </a:endParaRPr>
                     </a:p>
+                    <a:p>
+                      <a:pPr marL="171450" marR="0" indent="-171450" algn="l" defTabSz="914400" rtl="0" eaLnBrk="1" fontAlgn="auto" latinLnBrk="1" hangingPunct="1">
+                        <a:lnSpc>
+                          <a:spcPct val="100000"/>
+                        </a:lnSpc>
+                        <a:spcBef>
+                          <a:spcPts val="0"/>
+                        </a:spcBef>
+                        <a:spcAft>
+                          <a:spcPts val="0"/>
+                        </a:spcAft>
+                        <a:buClrTx/>
+                        <a:buSzTx/>
+                        <a:buFont typeface="Arial" panose="020B0604020202020204" pitchFamily="34" charset="0"/>
+                        <a:buChar char="•"/>
+                        <a:tabLst/>
+                        <a:defRPr/>
+                      </a:pPr>
+                      <a:r>
+                        <a:rPr lang="ko-KR" altLang="en-US" sz="1200" dirty="0" smtClean="0">
+                          <a:latin typeface="-윤고딕310" panose="02030504000101010101" pitchFamily="18" charset="-127"/>
+                          <a:ea typeface="-윤고딕310" panose="02030504000101010101" pitchFamily="18" charset="-127"/>
+                        </a:rPr>
+                        <a:t>적들은 시야가 있으며 플레이어를 발견하면 다가와 공격한다</a:t>
+                      </a:r>
+                      <a:r>
+                        <a:rPr lang="en-US" altLang="ko-KR" sz="1200" dirty="0" smtClean="0">
+                          <a:latin typeface="-윤고딕310" panose="02030504000101010101" pitchFamily="18" charset="-127"/>
+                          <a:ea typeface="-윤고딕310" panose="02030504000101010101" pitchFamily="18" charset="-127"/>
+                        </a:rPr>
+                        <a:t>. </a:t>
+                      </a:r>
+                      <a:r>
+                        <a:rPr lang="ko-KR" altLang="en-US" sz="1200" dirty="0" smtClean="0">
+                          <a:latin typeface="-윤고딕310" panose="02030504000101010101" pitchFamily="18" charset="-127"/>
+                          <a:ea typeface="-윤고딕310" panose="02030504000101010101" pitchFamily="18" charset="-127"/>
+                        </a:rPr>
+                        <a:t>적들은 대체로 단순하지만 일부 적은 까다로운 </a:t>
+                      </a:r>
+                      <a:r>
+                        <a:rPr lang="en-US" altLang="ko-KR" sz="1200" dirty="0" smtClean="0">
+                          <a:latin typeface="-윤고딕310" panose="02030504000101010101" pitchFamily="18" charset="-127"/>
+                          <a:ea typeface="-윤고딕310" panose="02030504000101010101" pitchFamily="18" charset="-127"/>
+                        </a:rPr>
+                        <a:t>(</a:t>
+                      </a:r>
+                      <a:r>
+                        <a:rPr lang="ko-KR" altLang="en-US" sz="1200" dirty="0" smtClean="0">
+                          <a:latin typeface="-윤고딕310" panose="02030504000101010101" pitchFamily="18" charset="-127"/>
+                          <a:ea typeface="-윤고딕310" panose="02030504000101010101" pitchFamily="18" charset="-127"/>
+                        </a:rPr>
+                        <a:t>하지만 반복적인</a:t>
+                      </a:r>
+                      <a:r>
+                        <a:rPr lang="en-US" altLang="ko-KR" sz="1200" dirty="0" smtClean="0">
+                          <a:latin typeface="-윤고딕310" panose="02030504000101010101" pitchFamily="18" charset="-127"/>
+                          <a:ea typeface="-윤고딕310" panose="02030504000101010101" pitchFamily="18" charset="-127"/>
+                        </a:rPr>
+                        <a:t>) </a:t>
+                      </a:r>
+                      <a:r>
+                        <a:rPr lang="ko-KR" altLang="en-US" sz="1200" dirty="0" smtClean="0">
+                          <a:latin typeface="-윤고딕310" panose="02030504000101010101" pitchFamily="18" charset="-127"/>
+                          <a:ea typeface="-윤고딕310" panose="02030504000101010101" pitchFamily="18" charset="-127"/>
+                        </a:rPr>
+                        <a:t>행동을 한다</a:t>
+                      </a:r>
+                      <a:r>
+                        <a:rPr lang="en-US" altLang="ko-KR" sz="1200" dirty="0" smtClean="0">
+                          <a:latin typeface="-윤고딕310" panose="02030504000101010101" pitchFamily="18" charset="-127"/>
+                          <a:ea typeface="-윤고딕310" panose="02030504000101010101" pitchFamily="18" charset="-127"/>
+                        </a:rPr>
+                        <a:t>.</a:t>
+                      </a:r>
+                      <a:endParaRPr lang="ko-KR" altLang="en-US" sz="1200" dirty="0" smtClean="0">
+                        <a:latin typeface="-윤고딕310" panose="02030504000101010101" pitchFamily="18" charset="-127"/>
+                        <a:ea typeface="-윤고딕310" panose="02030504000101010101" pitchFamily="18" charset="-127"/>
+                      </a:endParaRPr>
+                    </a:p>
                   </a:txBody>
                   <a:tcPr marL="111605" marR="111605" marT="55802" marB="55802"/>
                 </a:tc>
               </a:tr>
-              <a:tr h="519108">
+              <a:tr h="540006">
                 <a:tc>
                   <a:txBody>
                     <a:bodyPr/>
@@ -17507,172 +17496,18 @@
                         <a:buNone/>
                       </a:pPr>
                       <a:r>
-                        <a:rPr lang="en-US" altLang="ko-KR" sz="1200" dirty="0" smtClean="0">
-                          <a:latin typeface="-윤고딕310" panose="02030504000101010101" pitchFamily="18" charset="-127"/>
-                          <a:ea typeface="-윤고딕310" panose="02030504000101010101" pitchFamily="18" charset="-127"/>
-                        </a:rPr>
-                        <a:t>NPC</a:t>
-                      </a:r>
-                      <a:r>
-                        <a:rPr lang="en-US" altLang="ko-KR" sz="1200" baseline="0" dirty="0" smtClean="0">
-                          <a:latin typeface="-윤고딕310" panose="02030504000101010101" pitchFamily="18" charset="-127"/>
-                          <a:ea typeface="-윤고딕310" panose="02030504000101010101" pitchFamily="18" charset="-127"/>
-                        </a:rPr>
-                        <a:t> </a:t>
-                      </a:r>
-                      <a:r>
-                        <a:rPr lang="ko-KR" altLang="en-US" sz="1200" baseline="0" dirty="0" smtClean="0">
-                          <a:latin typeface="-윤고딕310" panose="02030504000101010101" pitchFamily="18" charset="-127"/>
-                          <a:ea typeface="-윤고딕310" panose="02030504000101010101" pitchFamily="18" charset="-127"/>
-                        </a:rPr>
-                        <a:t>객체와 인공지능</a:t>
-                      </a:r>
-                      <a:endParaRPr lang="ko-KR" altLang="en-US" sz="1200" dirty="0">
-                        <a:latin typeface="-윤고딕310" panose="02030504000101010101" pitchFamily="18" charset="-127"/>
-                        <a:ea typeface="-윤고딕310" panose="02030504000101010101" pitchFamily="18" charset="-127"/>
-                      </a:endParaRPr>
-                    </a:p>
-                  </a:txBody>
-                  <a:tcPr marL="111605" marR="111605" marT="55802" marB="55802" anchor="ctr"/>
-                </a:tc>
-                <a:tc>
-                  <a:txBody>
-                    <a:bodyPr/>
-                    <a:lstStyle/>
-                    <a:p>
-                      <a:pPr marL="171450" marR="0" indent="-171450" algn="l" defTabSz="914400" rtl="0" eaLnBrk="1" fontAlgn="auto" latinLnBrk="1" hangingPunct="1">
-                        <a:lnSpc>
-                          <a:spcPct val="100000"/>
-                        </a:lnSpc>
-                        <a:spcBef>
-                          <a:spcPts val="0"/>
-                        </a:spcBef>
-                        <a:spcAft>
-                          <a:spcPts val="0"/>
-                        </a:spcAft>
-                        <a:buClrTx/>
-                        <a:buSzTx/>
-                        <a:buFont typeface="Arial" panose="020B0604020202020204" pitchFamily="34" charset="0"/>
-                        <a:buChar char="•"/>
-                        <a:tabLst/>
-                        <a:defRPr/>
-                      </a:pPr>
-                      <a:r>
                         <a:rPr lang="ko-KR" altLang="en-US" sz="1200" dirty="0" smtClean="0">
                           <a:latin typeface="-윤고딕310" panose="02030504000101010101" pitchFamily="18" charset="-127"/>
                           <a:ea typeface="-윤고딕310" panose="02030504000101010101" pitchFamily="18" charset="-127"/>
                         </a:rPr>
-                        <a:t>적들은 시야가 있으며 플레이어를 발견하면 다가와 공격한다</a:t>
-                      </a:r>
-                      <a:r>
-                        <a:rPr lang="en-US" altLang="ko-KR" sz="1200" dirty="0" smtClean="0">
-                          <a:latin typeface="-윤고딕310" panose="02030504000101010101" pitchFamily="18" charset="-127"/>
-                          <a:ea typeface="-윤고딕310" panose="02030504000101010101" pitchFamily="18" charset="-127"/>
-                        </a:rPr>
-                        <a:t>. </a:t>
+                        <a:t>객체 상호 </a:t>
                       </a:r>
                       <a:r>
                         <a:rPr lang="ko-KR" altLang="en-US" sz="1200" dirty="0" smtClean="0">
                           <a:latin typeface="-윤고딕310" panose="02030504000101010101" pitchFamily="18" charset="-127"/>
                           <a:ea typeface="-윤고딕310" panose="02030504000101010101" pitchFamily="18" charset="-127"/>
                         </a:rPr>
-                        <a:t>적들은 대체로 단순하지만 일부 적은 까다로운 </a:t>
-                      </a:r>
-                      <a:r>
-                        <a:rPr lang="en-US" altLang="ko-KR" sz="1200" dirty="0" smtClean="0">
-                          <a:latin typeface="-윤고딕310" panose="02030504000101010101" pitchFamily="18" charset="-127"/>
-                          <a:ea typeface="-윤고딕310" panose="02030504000101010101" pitchFamily="18" charset="-127"/>
-                        </a:rPr>
-                        <a:t>(</a:t>
-                      </a:r>
-                      <a:r>
-                        <a:rPr lang="ko-KR" altLang="en-US" sz="1200" dirty="0" smtClean="0">
-                          <a:latin typeface="-윤고딕310" panose="02030504000101010101" pitchFamily="18" charset="-127"/>
-                          <a:ea typeface="-윤고딕310" panose="02030504000101010101" pitchFamily="18" charset="-127"/>
-                        </a:rPr>
-                        <a:t>하지만 반복적인</a:t>
-                      </a:r>
-                      <a:r>
-                        <a:rPr lang="en-US" altLang="ko-KR" sz="1200" dirty="0" smtClean="0">
-                          <a:latin typeface="-윤고딕310" panose="02030504000101010101" pitchFamily="18" charset="-127"/>
-                          <a:ea typeface="-윤고딕310" panose="02030504000101010101" pitchFamily="18" charset="-127"/>
-                        </a:rPr>
-                        <a:t>) </a:t>
-                      </a:r>
-                      <a:r>
-                        <a:rPr lang="ko-KR" altLang="en-US" sz="1200" dirty="0" smtClean="0">
-                          <a:latin typeface="-윤고딕310" panose="02030504000101010101" pitchFamily="18" charset="-127"/>
-                          <a:ea typeface="-윤고딕310" panose="02030504000101010101" pitchFamily="18" charset="-127"/>
-                        </a:rPr>
-                        <a:t>행동을 한다</a:t>
-                      </a:r>
-                      <a:r>
-                        <a:rPr lang="en-US" altLang="ko-KR" sz="1200" dirty="0" smtClean="0">
-                          <a:latin typeface="-윤고딕310" panose="02030504000101010101" pitchFamily="18" charset="-127"/>
-                          <a:ea typeface="-윤고딕310" panose="02030504000101010101" pitchFamily="18" charset="-127"/>
-                        </a:rPr>
-                        <a:t>.</a:t>
-                      </a:r>
-                      <a:endParaRPr lang="ko-KR" altLang="en-US" sz="1200" dirty="0" smtClean="0">
-                        <a:latin typeface="-윤고딕310" panose="02030504000101010101" pitchFamily="18" charset="-127"/>
-                        <a:ea typeface="-윤고딕310" panose="02030504000101010101" pitchFamily="18" charset="-127"/>
-                      </a:endParaRPr>
-                    </a:p>
-                  </a:txBody>
-                  <a:tcPr marL="111605" marR="111605" marT="55802" marB="55802"/>
-                </a:tc>
-              </a:tr>
-              <a:tr h="540006">
-                <a:tc>
-                  <a:txBody>
-                    <a:bodyPr/>
-                    <a:lstStyle/>
-                    <a:p>
-                      <a:pPr algn="ctr" latinLnBrk="1"/>
-                      <a:r>
-                        <a:rPr lang="en-US" altLang="ko-KR" sz="1900" dirty="0" smtClean="0">
-                          <a:latin typeface="-윤고딕310" panose="02030504000101010101" pitchFamily="18" charset="-127"/>
-                          <a:ea typeface="-윤고딕310" panose="02030504000101010101" pitchFamily="18" charset="-127"/>
-                        </a:rPr>
-                        <a:t>5</a:t>
-                      </a:r>
-                      <a:endParaRPr lang="ko-KR" altLang="en-US" sz="1900" dirty="0">
-                        <a:latin typeface="-윤고딕310" panose="02030504000101010101" pitchFamily="18" charset="-127"/>
-                        <a:ea typeface="-윤고딕310" panose="02030504000101010101" pitchFamily="18" charset="-127"/>
-                      </a:endParaRPr>
-                    </a:p>
-                  </a:txBody>
-                  <a:tcPr marL="111605" marR="111605" marT="55802" marB="55802" anchor="ctr">
-                    <a:solidFill>
-                      <a:schemeClr val="accent1">
-                        <a:tint val="40000"/>
-                        <a:alpha val="35000"/>
-                      </a:schemeClr>
-                    </a:solidFill>
-                  </a:tcPr>
-                </a:tc>
-                <a:tc>
-                  <a:txBody>
-                    <a:bodyPr/>
-                    <a:lstStyle/>
-                    <a:p>
-                      <a:pPr marL="0" indent="0" algn="ctr" latinLnBrk="1">
-                        <a:buFont typeface="Arial" panose="020B0604020202020204" pitchFamily="34" charset="0"/>
-                        <a:buNone/>
-                      </a:pPr>
-                      <a:r>
-                        <a:rPr lang="ko-KR" altLang="en-US" sz="1200" dirty="0" smtClean="0">
-                          <a:latin typeface="-윤고딕310" panose="02030504000101010101" pitchFamily="18" charset="-127"/>
-                          <a:ea typeface="-윤고딕310" panose="02030504000101010101" pitchFamily="18" charset="-127"/>
-                        </a:rPr>
-                        <a:t>객체 상호 작용 </a:t>
-                      </a:r>
-                      <a:r>
-                        <a:rPr lang="en-US" altLang="ko-KR" sz="1200" dirty="0" smtClean="0">
-                          <a:latin typeface="-윤고딕310" panose="02030504000101010101" pitchFamily="18" charset="-127"/>
-                          <a:ea typeface="-윤고딕310" panose="02030504000101010101" pitchFamily="18" charset="-127"/>
-                        </a:rPr>
-                        <a:t>1</a:t>
+                        <a:t>작용</a:t>
                       </a:r>
                       <a:endParaRPr lang="ko-KR" altLang="en-US" sz="1200" dirty="0">
                         <a:latin typeface="-윤고딕310" panose="02030504000101010101" pitchFamily="18" charset="-127"/>
@@ -17845,7 +17680,7 @@
           <a:p>
             <a:fld id="{E63BED42-B56B-487C-A576-F8E55AE26EFB}" type="datetime1">
               <a:rPr lang="ko-KR" altLang="en-US" smtClean="0"/>
-              <a:t>2017-10-27</a:t>
+              <a:t>2017-10-29</a:t>
             </a:fld>
             <a:endParaRPr lang="ko-KR" altLang="en-US"/>
           </a:p>

--- a/slides/2016180042_진윤성_2DGP_1차발표.pptx
+++ b/slides/2016180042_진윤성_2DGP_1차발표.pptx
@@ -28,45 +28,45 @@
   <p:notesSz cx="6858000" cy="9144000"/>
   <p:embeddedFontLst>
     <p:embeddedFont>
-      <p:font typeface="Brush Script MT" panose="03060802040406070304" pitchFamily="66" charset="0"/>
-      <p:italic r:id="rId16"/>
+      <p:font typeface="-윤고딕310" panose="02030504000101010101" pitchFamily="18" charset="-127"/>
+      <p:regular r:id="rId16"/>
     </p:embeddedFont>
     <p:embeddedFont>
-      <p:font typeface="-윤고딕310" panose="02030504000101010101" pitchFamily="18" charset="-127"/>
+      <p:font typeface="HY신명조" panose="02030600000101010101" pitchFamily="18" charset="-127"/>
       <p:regular r:id="rId17"/>
     </p:embeddedFont>
     <p:embeddedFont>
+      <p:font typeface="Franklin Gothic Book" panose="020B0503020102020204" pitchFamily="34" charset="0"/>
+      <p:regular r:id="rId18"/>
+      <p:italic r:id="rId19"/>
+    </p:embeddedFont>
+    <p:embeddedFont>
       <p:font typeface="-윤고딕330" panose="02030504000101010101" pitchFamily="18" charset="-127"/>
-      <p:regular r:id="rId18"/>
+      <p:regular r:id="rId20"/>
+    </p:embeddedFont>
+    <p:embeddedFont>
+      <p:font typeface="Rage Italic" panose="03070502040507070304" pitchFamily="66" charset="0"/>
+      <p:regular r:id="rId21"/>
+    </p:embeddedFont>
+    <p:embeddedFont>
+      <p:font typeface="Brush Script MT" panose="03060802040406070304" pitchFamily="66" charset="0"/>
+      <p:italic r:id="rId22"/>
+    </p:embeddedFont>
+    <p:embeddedFont>
+      <p:font typeface="맑은 고딕" panose="020B0503020000020004" pitchFamily="50" charset="-127"/>
+      <p:regular r:id="rId23"/>
+      <p:bold r:id="rId24"/>
+    </p:embeddedFont>
+    <p:embeddedFont>
+      <p:font typeface="Constantia" panose="02030602050306030303" pitchFamily="18" charset="0"/>
+      <p:regular r:id="rId25"/>
+      <p:bold r:id="rId26"/>
+      <p:italic r:id="rId27"/>
+      <p:boldItalic r:id="rId28"/>
     </p:embeddedFont>
     <p:embeddedFont>
       <p:font typeface="-윤고딕320" panose="02030504000101010101" pitchFamily="18" charset="-127"/>
-      <p:regular r:id="rId19"/>
-    </p:embeddedFont>
-    <p:embeddedFont>
-      <p:font typeface="맑은 고딕" panose="020B0503020000020004" pitchFamily="50" charset="-127"/>
-      <p:regular r:id="rId20"/>
-      <p:bold r:id="rId21"/>
-    </p:embeddedFont>
-    <p:embeddedFont>
-      <p:font typeface="Franklin Gothic Book" panose="020B0503020102020204" pitchFamily="34" charset="0"/>
-      <p:regular r:id="rId22"/>
-      <p:italic r:id="rId23"/>
-    </p:embeddedFont>
-    <p:embeddedFont>
-      <p:font typeface="HY신명조" panose="02030600000101010101" pitchFamily="18" charset="-127"/>
-      <p:regular r:id="rId24"/>
-    </p:embeddedFont>
-    <p:embeddedFont>
-      <p:font typeface="Rage Italic" panose="03070502040507070304" pitchFamily="66" charset="0"/>
-      <p:regular r:id="rId25"/>
-    </p:embeddedFont>
-    <p:embeddedFont>
-      <p:font typeface="Constantia" panose="02030602050306030303" pitchFamily="18" charset="0"/>
-      <p:regular r:id="rId26"/>
-      <p:bold r:id="rId27"/>
-      <p:italic r:id="rId28"/>
-      <p:boldItalic r:id="rId29"/>
+      <p:regular r:id="rId29"/>
     </p:embeddedFont>
   </p:embeddedFontLst>
   <p:defaultTextStyle>
@@ -164,7 +164,27 @@
       </a:defRPr>
     </a:lvl9pPr>
   </p:defaultTextStyle>
+  <p:extLst>
+    <p:ext uri="{EFAFB233-063F-42B5-8137-9DF3F51BA10A}">
+      <p15:sldGuideLst xmlns:p15="http://schemas.microsoft.com/office/powerpoint/2012/main">
+        <p15:guide id="1" orient="horz" pos="2160">
+          <p15:clr>
+            <a:srgbClr val="A4A3A4"/>
+          </p15:clr>
+        </p15:guide>
+        <p15:guide id="2" pos="2880">
+          <p15:clr>
+            <a:srgbClr val="A4A3A4"/>
+          </p15:clr>
+        </p15:guide>
+      </p15:sldGuideLst>
+    </p:ext>
+  </p:extLst>
 </p:presentation>
+</file>
+
+<file path=ppt/revisionInfo.xml><?xml version="1.0" encoding="utf-8"?>
+<p1510:revInfo xmlns:a="http://schemas.openxmlformats.org/drawingml/2006/main" xmlns:r="http://schemas.openxmlformats.org/officeDocument/2006/relationships" xmlns:p1510="http://schemas.microsoft.com/office/powerpoint/2015/10/main"/>
 </file>
 
 <file path=ppt/diagrams/colors1.xml><?xml version="1.0" encoding="utf-8"?>
@@ -936,10 +956,9 @@
         <a:p>
           <a:pPr latinLnBrk="1"/>
           <a:r>
-            <a:rPr lang="ko-KR" altLang="en-US" dirty="0" smtClean="0"/>
+            <a:rPr lang="ko-KR" altLang="en-US" dirty="0"/>
             <a:t>마을</a:t>
           </a:r>
-          <a:endParaRPr lang="ko-KR" altLang="en-US" dirty="0"/>
         </a:p>
       </dgm:t>
     </dgm:pt>
@@ -982,10 +1001,9 @@
         <a:p>
           <a:pPr latinLnBrk="1"/>
           <a:r>
-            <a:rPr lang="ko-KR" altLang="en-US" dirty="0" smtClean="0"/>
+            <a:rPr lang="ko-KR" altLang="en-US" dirty="0"/>
             <a:t>숲</a:t>
           </a:r>
-          <a:endParaRPr lang="ko-KR" altLang="en-US" dirty="0"/>
         </a:p>
       </dgm:t>
     </dgm:pt>
@@ -1028,10 +1046,9 @@
         <a:p>
           <a:pPr latinLnBrk="1"/>
           <a:r>
-            <a:rPr lang="ko-KR" altLang="en-US" dirty="0" smtClean="0"/>
+            <a:rPr lang="ko-KR" altLang="en-US" dirty="0"/>
             <a:t>도시</a:t>
           </a:r>
-          <a:endParaRPr lang="ko-KR" altLang="en-US" dirty="0"/>
         </a:p>
       </dgm:t>
     </dgm:pt>
@@ -1074,10 +1091,9 @@
         <a:p>
           <a:pPr latinLnBrk="1"/>
           <a:r>
-            <a:rPr lang="ko-KR" altLang="en-US" dirty="0" smtClean="0"/>
+            <a:rPr lang="ko-KR" altLang="en-US" dirty="0"/>
             <a:t>변방 지역</a:t>
           </a:r>
-          <a:endParaRPr lang="ko-KR" altLang="en-US" dirty="0"/>
         </a:p>
       </dgm:t>
     </dgm:pt>
@@ -1124,14 +1140,6 @@
         </dgm:presLayoutVars>
       </dgm:prSet>
       <dgm:spPr/>
-      <dgm:t>
-        <a:bodyPr/>
-        <a:lstStyle/>
-        <a:p>
-          <a:pPr latinLnBrk="1"/>
-          <a:endParaRPr lang="ko-KR" altLang="en-US"/>
-        </a:p>
-      </dgm:t>
     </dgm:pt>
     <dgm:pt modelId="{28A4CCFD-9447-418E-88F9-33D94C069CD4}" type="pres">
       <dgm:prSet presAssocID="{6F9D89A6-3CED-4719-BB3E-181816962A0D}" presName="parTxOnlySpace" presStyleCnt="0"/>
@@ -1146,14 +1154,6 @@
         </dgm:presLayoutVars>
       </dgm:prSet>
       <dgm:spPr/>
-      <dgm:t>
-        <a:bodyPr/>
-        <a:lstStyle/>
-        <a:p>
-          <a:pPr latinLnBrk="1"/>
-          <a:endParaRPr lang="ko-KR" altLang="en-US"/>
-        </a:p>
-      </dgm:t>
     </dgm:pt>
     <dgm:pt modelId="{7183F29F-60F8-46E0-B92E-C6ED7E8258A3}" type="pres">
       <dgm:prSet presAssocID="{68301ADE-A0C1-4A5C-9D8C-670739699220}" presName="parTxOnlySpace" presStyleCnt="0"/>
@@ -1168,14 +1168,6 @@
         </dgm:presLayoutVars>
       </dgm:prSet>
       <dgm:spPr/>
-      <dgm:t>
-        <a:bodyPr/>
-        <a:lstStyle/>
-        <a:p>
-          <a:pPr latinLnBrk="1"/>
-          <a:endParaRPr lang="ko-KR" altLang="en-US"/>
-        </a:p>
-      </dgm:t>
     </dgm:pt>
     <dgm:pt modelId="{D0344634-3205-4D14-8CAB-6D498076077F}" type="pres">
       <dgm:prSet presAssocID="{D5589E03-13B8-46D6-965E-3948153E7799}" presName="parTxOnlySpace" presStyleCnt="0"/>
@@ -1190,26 +1182,18 @@
         </dgm:presLayoutVars>
       </dgm:prSet>
       <dgm:spPr/>
-      <dgm:t>
-        <a:bodyPr/>
-        <a:lstStyle/>
-        <a:p>
-          <a:pPr latinLnBrk="1"/>
-          <a:endParaRPr lang="ko-KR" altLang="en-US"/>
-        </a:p>
-      </dgm:t>
     </dgm:pt>
   </dgm:ptLst>
   <dgm:cxnLst>
+    <dgm:cxn modelId="{BC087028-08B3-4080-A50B-233B17CCCF20}" type="presOf" srcId="{CE5C21E9-BDFB-4D50-9D0C-FFF9978E017A}" destId="{EC17EAD6-B5BF-4441-BAFE-7E0A771E07AF}" srcOrd="0" destOrd="0" presId="urn:microsoft.com/office/officeart/2005/8/layout/chevron1"/>
     <dgm:cxn modelId="{9ADE0834-DA56-400E-915A-D06140752DDE}" srcId="{5E738011-FB67-4582-8937-F36700771655}" destId="{E1E11F11-460F-4642-8170-027E992E5504}" srcOrd="0" destOrd="0" parTransId="{9432C2BD-2090-41A5-BF8A-41CA6185BCD2}" sibTransId="{6F9D89A6-3CED-4719-BB3E-181816962A0D}"/>
+    <dgm:cxn modelId="{FEA3AD3F-459C-4582-897A-DC60DBC2F89C}" srcId="{5E738011-FB67-4582-8937-F36700771655}" destId="{CE5C21E9-BDFB-4D50-9D0C-FFF9978E017A}" srcOrd="1" destOrd="0" parTransId="{8DDF2240-313B-4150-9BBF-228853B08401}" sibTransId="{68301ADE-A0C1-4A5C-9D8C-670739699220}"/>
+    <dgm:cxn modelId="{2F36EA41-BE11-42E4-A0BE-C654ADE1DE2A}" type="presOf" srcId="{142B3241-5A94-4EC3-B857-ECF6E08EFC0A}" destId="{2D703FCF-6F7D-492B-ABB1-5711FA93BEB2}" srcOrd="0" destOrd="0" presId="urn:microsoft.com/office/officeart/2005/8/layout/chevron1"/>
     <dgm:cxn modelId="{22B73848-2CCC-493B-92AD-55C737CFF91F}" srcId="{5E738011-FB67-4582-8937-F36700771655}" destId="{37FD558C-83C9-405F-B01D-231045B3550A}" srcOrd="3" destOrd="0" parTransId="{0CCDC7A7-AAD8-4361-97F5-2DAADFEB0CC5}" sibTransId="{F45C51D1-C36F-4FDE-ADE1-4E50983D4140}"/>
-    <dgm:cxn modelId="{FEA3AD3F-459C-4582-897A-DC60DBC2F89C}" srcId="{5E738011-FB67-4582-8937-F36700771655}" destId="{CE5C21E9-BDFB-4D50-9D0C-FFF9978E017A}" srcOrd="1" destOrd="0" parTransId="{8DDF2240-313B-4150-9BBF-228853B08401}" sibTransId="{68301ADE-A0C1-4A5C-9D8C-670739699220}"/>
+    <dgm:cxn modelId="{D2CB4570-D346-441C-93BA-56E89CF0DB28}" type="presOf" srcId="{5E738011-FB67-4582-8937-F36700771655}" destId="{22B06056-4513-431F-9135-F9A7EBE87776}" srcOrd="0" destOrd="0" presId="urn:microsoft.com/office/officeart/2005/8/layout/chevron1"/>
+    <dgm:cxn modelId="{0C16288E-AE99-421F-8A35-860F706C58A3}" type="presOf" srcId="{37FD558C-83C9-405F-B01D-231045B3550A}" destId="{A42E80D1-0B45-402C-9D87-BB3D130759EC}" srcOrd="0" destOrd="0" presId="urn:microsoft.com/office/officeart/2005/8/layout/chevron1"/>
     <dgm:cxn modelId="{F4BA41E0-17DF-46D2-94C3-B26A4DB50B60}" type="presOf" srcId="{E1E11F11-460F-4642-8170-027E992E5504}" destId="{BEEE5D1E-6E57-4B6B-ADFF-486E40E21CE5}" srcOrd="0" destOrd="0" presId="urn:microsoft.com/office/officeart/2005/8/layout/chevron1"/>
     <dgm:cxn modelId="{44D655F5-0D0A-4534-80BD-FE21C7D10B62}" srcId="{5E738011-FB67-4582-8937-F36700771655}" destId="{142B3241-5A94-4EC3-B857-ECF6E08EFC0A}" srcOrd="2" destOrd="0" parTransId="{0D8EB79F-DAEF-4997-BE7B-AD15DC27017E}" sibTransId="{D5589E03-13B8-46D6-965E-3948153E7799}"/>
-    <dgm:cxn modelId="{0C16288E-AE99-421F-8A35-860F706C58A3}" type="presOf" srcId="{37FD558C-83C9-405F-B01D-231045B3550A}" destId="{A42E80D1-0B45-402C-9D87-BB3D130759EC}" srcOrd="0" destOrd="0" presId="urn:microsoft.com/office/officeart/2005/8/layout/chevron1"/>
-    <dgm:cxn modelId="{BC087028-08B3-4080-A50B-233B17CCCF20}" type="presOf" srcId="{CE5C21E9-BDFB-4D50-9D0C-FFF9978E017A}" destId="{EC17EAD6-B5BF-4441-BAFE-7E0A771E07AF}" srcOrd="0" destOrd="0" presId="urn:microsoft.com/office/officeart/2005/8/layout/chevron1"/>
-    <dgm:cxn modelId="{D2CB4570-D346-441C-93BA-56E89CF0DB28}" type="presOf" srcId="{5E738011-FB67-4582-8937-F36700771655}" destId="{22B06056-4513-431F-9135-F9A7EBE87776}" srcOrd="0" destOrd="0" presId="urn:microsoft.com/office/officeart/2005/8/layout/chevron1"/>
-    <dgm:cxn modelId="{2F36EA41-BE11-42E4-A0BE-C654ADE1DE2A}" type="presOf" srcId="{142B3241-5A94-4EC3-B857-ECF6E08EFC0A}" destId="{2D703FCF-6F7D-492B-ABB1-5711FA93BEB2}" srcOrd="0" destOrd="0" presId="urn:microsoft.com/office/officeart/2005/8/layout/chevron1"/>
     <dgm:cxn modelId="{BF6BE62D-AF01-4B76-9F1C-4073B805A9D1}" type="presParOf" srcId="{22B06056-4513-431F-9135-F9A7EBE87776}" destId="{BEEE5D1E-6E57-4B6B-ADFF-486E40E21CE5}" srcOrd="0" destOrd="0" presId="urn:microsoft.com/office/officeart/2005/8/layout/chevron1"/>
     <dgm:cxn modelId="{5259D984-BF1E-4A3B-9568-2BC0FA64FC01}" type="presParOf" srcId="{22B06056-4513-431F-9135-F9A7EBE87776}" destId="{28A4CCFD-9447-418E-88F9-33D94C069CD4}" srcOrd="1" destOrd="0" presId="urn:microsoft.com/office/officeart/2005/8/layout/chevron1"/>
     <dgm:cxn modelId="{0B5BD8A5-762B-49E6-A017-D88B2CE47F67}" type="presParOf" srcId="{22B06056-4513-431F-9135-F9A7EBE87776}" destId="{EC17EAD6-B5BF-4441-BAFE-7E0A771E07AF}" srcOrd="2" destOrd="0" presId="urn:microsoft.com/office/officeart/2005/8/layout/chevron1"/>
@@ -1287,7 +1271,7 @@
         </a:bodyPr>
         <a:lstStyle/>
         <a:p>
-          <a:pPr lvl="0" algn="ctr" defTabSz="711200" latinLnBrk="1">
+          <a:pPr marL="0" lvl="0" indent="0" algn="ctr" defTabSz="711200" latinLnBrk="1">
             <a:lnSpc>
               <a:spcPct val="90000"/>
             </a:lnSpc>
@@ -1297,12 +1281,12 @@
             <a:spcAft>
               <a:spcPct val="35000"/>
             </a:spcAft>
+            <a:buNone/>
           </a:pPr>
           <a:r>
-            <a:rPr lang="ko-KR" altLang="en-US" sz="1600" kern="1200" dirty="0" smtClean="0"/>
+            <a:rPr lang="ko-KR" altLang="en-US" sz="1600" kern="1200" dirty="0"/>
             <a:t>마을</a:t>
           </a:r>
-          <a:endParaRPr lang="ko-KR" altLang="en-US" sz="1600" kern="1200" dirty="0"/>
         </a:p>
       </dsp:txBody>
       <dsp:txXfrm>
@@ -1361,7 +1345,7 @@
         </a:bodyPr>
         <a:lstStyle/>
         <a:p>
-          <a:pPr lvl="0" algn="ctr" defTabSz="711200" latinLnBrk="1">
+          <a:pPr marL="0" lvl="0" indent="0" algn="ctr" defTabSz="711200" latinLnBrk="1">
             <a:lnSpc>
               <a:spcPct val="90000"/>
             </a:lnSpc>
@@ -1371,12 +1355,12 @@
             <a:spcAft>
               <a:spcPct val="35000"/>
             </a:spcAft>
+            <a:buNone/>
           </a:pPr>
           <a:r>
-            <a:rPr lang="ko-KR" altLang="en-US" sz="1600" kern="1200" dirty="0" smtClean="0"/>
+            <a:rPr lang="ko-KR" altLang="en-US" sz="1600" kern="1200" dirty="0"/>
             <a:t>숲</a:t>
           </a:r>
-          <a:endParaRPr lang="ko-KR" altLang="en-US" sz="1600" kern="1200" dirty="0"/>
         </a:p>
       </dsp:txBody>
       <dsp:txXfrm>
@@ -1435,7 +1419,7 @@
         </a:bodyPr>
         <a:lstStyle/>
         <a:p>
-          <a:pPr lvl="0" algn="ctr" defTabSz="711200" latinLnBrk="1">
+          <a:pPr marL="0" lvl="0" indent="0" algn="ctr" defTabSz="711200" latinLnBrk="1">
             <a:lnSpc>
               <a:spcPct val="90000"/>
             </a:lnSpc>
@@ -1445,12 +1429,12 @@
             <a:spcAft>
               <a:spcPct val="35000"/>
             </a:spcAft>
+            <a:buNone/>
           </a:pPr>
           <a:r>
-            <a:rPr lang="ko-KR" altLang="en-US" sz="1600" kern="1200" dirty="0" smtClean="0"/>
+            <a:rPr lang="ko-KR" altLang="en-US" sz="1600" kern="1200" dirty="0"/>
             <a:t>도시</a:t>
           </a:r>
-          <a:endParaRPr lang="ko-KR" altLang="en-US" sz="1600" kern="1200" dirty="0"/>
         </a:p>
       </dsp:txBody>
       <dsp:txXfrm>
@@ -1509,7 +1493,7 @@
         </a:bodyPr>
         <a:lstStyle/>
         <a:p>
-          <a:pPr lvl="0" algn="ctr" defTabSz="711200" latinLnBrk="1">
+          <a:pPr marL="0" lvl="0" indent="0" algn="ctr" defTabSz="711200" latinLnBrk="1">
             <a:lnSpc>
               <a:spcPct val="90000"/>
             </a:lnSpc>
@@ -1519,12 +1503,12 @@
             <a:spcAft>
               <a:spcPct val="35000"/>
             </a:spcAft>
+            <a:buNone/>
           </a:pPr>
           <a:r>
-            <a:rPr lang="ko-KR" altLang="en-US" sz="1600" kern="1200" dirty="0" smtClean="0"/>
+            <a:rPr lang="ko-KR" altLang="en-US" sz="1600" kern="1200" dirty="0"/>
             <a:t>변방 지역</a:t>
           </a:r>
-          <a:endParaRPr lang="ko-KR" altLang="en-US" sz="1600" kern="1200" dirty="0"/>
         </a:p>
       </dsp:txBody>
       <dsp:txXfrm>
@@ -2935,7 +2919,7 @@
           <a:p>
             <a:fld id="{8F1DCB68-D71C-4438-9E18-1A39E8F98C0B}" type="datetime1">
               <a:rPr lang="ko-KR" altLang="en-US" smtClean="0"/>
-              <a:t>2017-10-29</a:t>
+              <a:t>2017-11-19</a:t>
             </a:fld>
             <a:endParaRPr lang="ko-KR" altLang="en-US"/>
           </a:p>
@@ -3101,7 +3085,7 @@
           <a:p>
             <a:fld id="{63FC2A86-C442-46A0-A683-343668E3757C}" type="datetime1">
               <a:rPr lang="ko-KR" altLang="en-US" smtClean="0"/>
-              <a:t>2017-10-29</a:t>
+              <a:t>2017-11-19</a:t>
             </a:fld>
             <a:endParaRPr lang="ko-KR" altLang="en-US"/>
           </a:p>
@@ -3165,38 +3149,37 @@
           <a:p>
             <a:pPr lvl="0"/>
             <a:r>
-              <a:rPr lang="ko-KR" altLang="en-US" smtClean="0"/>
+              <a:rPr lang="ko-KR" altLang="en-US"/>
               <a:t>마스터 텍스트 스타일을 편집합니다</a:t>
             </a:r>
           </a:p>
           <a:p>
             <a:pPr lvl="1"/>
             <a:r>
-              <a:rPr lang="ko-KR" altLang="en-US" smtClean="0"/>
+              <a:rPr lang="ko-KR" altLang="en-US"/>
               <a:t>둘째 수준</a:t>
             </a:r>
           </a:p>
           <a:p>
             <a:pPr lvl="2"/>
             <a:r>
-              <a:rPr lang="ko-KR" altLang="en-US" smtClean="0"/>
+              <a:rPr lang="ko-KR" altLang="en-US"/>
               <a:t>셋째 수준</a:t>
             </a:r>
           </a:p>
           <a:p>
             <a:pPr lvl="3"/>
             <a:r>
-              <a:rPr lang="ko-KR" altLang="en-US" smtClean="0"/>
+              <a:rPr lang="ko-KR" altLang="en-US"/>
               <a:t>넷째 수준</a:t>
             </a:r>
           </a:p>
           <a:p>
             <a:pPr lvl="4"/>
             <a:r>
-              <a:rPr lang="ko-KR" altLang="en-US" smtClean="0"/>
+              <a:rPr lang="ko-KR" altLang="en-US"/>
               <a:t>다섯째 수준</a:t>
             </a:r>
-            <a:endParaRPr lang="ko-KR" altLang="en-US"/>
           </a:p>
         </p:txBody>
       </p:sp>
@@ -3935,7 +3918,7 @@
           </a:lstStyle>
           <a:p>
             <a:r>
-              <a:rPr lang="ko-KR" altLang="en-US" smtClean="0"/>
+              <a:rPr lang="ko-KR" altLang="en-US"/>
               <a:t>마스터 제목 스타일 편집</a:t>
             </a:r>
             <a:endParaRPr lang="en-US"/>
@@ -4052,7 +4035,7 @@
           </a:lstStyle>
           <a:p>
             <a:r>
-              <a:rPr lang="ko-KR" altLang="en-US" smtClean="0"/>
+              <a:rPr lang="ko-KR" altLang="en-US"/>
               <a:t>마스터 부제목 스타일 편집</a:t>
             </a:r>
             <a:endParaRPr lang="en-US" dirty="0"/>
@@ -4081,7 +4064,7 @@
           <a:p>
             <a:fld id="{C4C21969-2D44-4836-8054-FEC5EC083A94}" type="datetime1">
               <a:rPr lang="ko-KR" altLang="en-US" smtClean="0"/>
-              <a:t>2017-10-29</a:t>
+              <a:t>2017-11-19</a:t>
             </a:fld>
             <a:endParaRPr lang="ko-KR" altLang="en-US"/>
           </a:p>
@@ -4108,14 +4091,13 @@
           <a:lstStyle/>
           <a:p>
             <a:r>
-              <a:rPr lang="en-US" altLang="ko-KR" smtClean="0"/>
+              <a:rPr lang="en-US" altLang="ko-KR"/>
               <a:t>2D </a:t>
             </a:r>
             <a:r>
-              <a:rPr lang="ko-KR" altLang="en-US" smtClean="0"/>
+              <a:rPr lang="ko-KR" altLang="en-US"/>
               <a:t>게임 프로그래밍</a:t>
             </a:r>
-            <a:endParaRPr lang="ko-KR" altLang="en-US"/>
           </a:p>
         </p:txBody>
       </p:sp>
@@ -4192,7 +4174,7 @@
           <a:lstStyle/>
           <a:p>
             <a:r>
-              <a:rPr lang="ko-KR" altLang="en-US" smtClean="0"/>
+              <a:rPr lang="ko-KR" altLang="en-US"/>
               <a:t>마스터 제목 스타일 편집</a:t>
             </a:r>
             <a:endParaRPr lang="en-US"/>
@@ -4216,35 +4198,35 @@
           <a:p>
             <a:pPr lvl="0"/>
             <a:r>
-              <a:rPr lang="ko-KR" altLang="en-US" smtClean="0"/>
+              <a:rPr lang="ko-KR" altLang="en-US"/>
               <a:t>마스터 텍스트 스타일을 편집합니다</a:t>
             </a:r>
           </a:p>
           <a:p>
             <a:pPr lvl="1"/>
             <a:r>
-              <a:rPr lang="ko-KR" altLang="en-US" smtClean="0"/>
+              <a:rPr lang="ko-KR" altLang="en-US"/>
               <a:t>둘째 수준</a:t>
             </a:r>
           </a:p>
           <a:p>
             <a:pPr lvl="2"/>
             <a:r>
-              <a:rPr lang="ko-KR" altLang="en-US" smtClean="0"/>
+              <a:rPr lang="ko-KR" altLang="en-US"/>
               <a:t>셋째 수준</a:t>
             </a:r>
           </a:p>
           <a:p>
             <a:pPr lvl="3"/>
             <a:r>
-              <a:rPr lang="ko-KR" altLang="en-US" smtClean="0"/>
+              <a:rPr lang="ko-KR" altLang="en-US"/>
               <a:t>넷째 수준</a:t>
             </a:r>
           </a:p>
           <a:p>
             <a:pPr lvl="4"/>
             <a:r>
-              <a:rPr lang="ko-KR" altLang="en-US" smtClean="0"/>
+              <a:rPr lang="ko-KR" altLang="en-US"/>
               <a:t>다섯째 수준</a:t>
             </a:r>
             <a:endParaRPr lang="en-US"/>
@@ -4268,7 +4250,7 @@
           <a:p>
             <a:fld id="{32EDA418-6416-4039-85B1-BA4CF1FD94DE}" type="datetime1">
               <a:rPr lang="ko-KR" altLang="en-US" smtClean="0"/>
-              <a:t>2017-10-29</a:t>
+              <a:t>2017-11-19</a:t>
             </a:fld>
             <a:endParaRPr lang="ko-KR" altLang="en-US"/>
           </a:p>
@@ -4290,14 +4272,13 @@
           <a:lstStyle/>
           <a:p>
             <a:r>
-              <a:rPr lang="en-US" altLang="ko-KR" smtClean="0"/>
+              <a:rPr lang="en-US" altLang="ko-KR"/>
               <a:t>2D </a:t>
             </a:r>
             <a:r>
-              <a:rPr lang="ko-KR" altLang="en-US" smtClean="0"/>
+              <a:rPr lang="ko-KR" altLang="en-US"/>
               <a:t>게임 프로그래밍</a:t>
             </a:r>
-            <a:endParaRPr lang="ko-KR" altLang="en-US"/>
           </a:p>
         </p:txBody>
       </p:sp>
@@ -4374,7 +4355,7 @@
           </a:lstStyle>
           <a:p>
             <a:r>
-              <a:rPr lang="ko-KR" altLang="en-US" smtClean="0"/>
+              <a:rPr lang="ko-KR" altLang="en-US"/>
               <a:t>마스터 제목 스타일 편집</a:t>
             </a:r>
             <a:endParaRPr lang="en-US" dirty="0"/>
@@ -4403,35 +4384,35 @@
           <a:p>
             <a:pPr lvl="0"/>
             <a:r>
-              <a:rPr lang="ko-KR" altLang="en-US" smtClean="0"/>
+              <a:rPr lang="ko-KR" altLang="en-US"/>
               <a:t>마스터 텍스트 스타일을 편집합니다</a:t>
             </a:r>
           </a:p>
           <a:p>
             <a:pPr lvl="1"/>
             <a:r>
-              <a:rPr lang="ko-KR" altLang="en-US" smtClean="0"/>
+              <a:rPr lang="ko-KR" altLang="en-US"/>
               <a:t>둘째 수준</a:t>
             </a:r>
           </a:p>
           <a:p>
             <a:pPr lvl="2"/>
             <a:r>
-              <a:rPr lang="ko-KR" altLang="en-US" smtClean="0"/>
+              <a:rPr lang="ko-KR" altLang="en-US"/>
               <a:t>셋째 수준</a:t>
             </a:r>
           </a:p>
           <a:p>
             <a:pPr lvl="3"/>
             <a:r>
-              <a:rPr lang="ko-KR" altLang="en-US" smtClean="0"/>
+              <a:rPr lang="ko-KR" altLang="en-US"/>
               <a:t>넷째 수준</a:t>
             </a:r>
           </a:p>
           <a:p>
             <a:pPr lvl="4"/>
             <a:r>
-              <a:rPr lang="ko-KR" altLang="en-US" smtClean="0"/>
+              <a:rPr lang="ko-KR" altLang="en-US"/>
               <a:t>다섯째 수준</a:t>
             </a:r>
             <a:endParaRPr lang="en-US"/>
@@ -4455,7 +4436,7 @@
           <a:p>
             <a:fld id="{879D85B1-5D19-4B8C-B403-10E52B96C9A2}" type="datetime1">
               <a:rPr lang="ko-KR" altLang="en-US" smtClean="0"/>
-              <a:t>2017-10-29</a:t>
+              <a:t>2017-11-19</a:t>
             </a:fld>
             <a:endParaRPr lang="ko-KR" altLang="en-US"/>
           </a:p>
@@ -4477,14 +4458,13 @@
           <a:lstStyle/>
           <a:p>
             <a:r>
-              <a:rPr lang="en-US" altLang="ko-KR" smtClean="0"/>
+              <a:rPr lang="en-US" altLang="ko-KR"/>
               <a:t>2D </a:t>
             </a:r>
             <a:r>
-              <a:rPr lang="ko-KR" altLang="en-US" smtClean="0"/>
+              <a:rPr lang="ko-KR" altLang="en-US"/>
               <a:t>게임 프로그래밍</a:t>
             </a:r>
-            <a:endParaRPr lang="ko-KR" altLang="en-US"/>
           </a:p>
         </p:txBody>
       </p:sp>
@@ -4552,7 +4532,7 @@
           <a:lstStyle/>
           <a:p>
             <a:r>
-              <a:rPr lang="ko-KR" altLang="en-US" smtClean="0"/>
+              <a:rPr lang="ko-KR" altLang="en-US"/>
               <a:t>마스터 제목 스타일 편집</a:t>
             </a:r>
             <a:endParaRPr lang="en-US"/>
@@ -4576,35 +4556,35 @@
           <a:p>
             <a:pPr lvl="0"/>
             <a:r>
-              <a:rPr lang="ko-KR" altLang="en-US" smtClean="0"/>
+              <a:rPr lang="ko-KR" altLang="en-US"/>
               <a:t>마스터 텍스트 스타일을 편집합니다</a:t>
             </a:r>
           </a:p>
           <a:p>
             <a:pPr lvl="1"/>
             <a:r>
-              <a:rPr lang="ko-KR" altLang="en-US" smtClean="0"/>
+              <a:rPr lang="ko-KR" altLang="en-US"/>
               <a:t>둘째 수준</a:t>
             </a:r>
           </a:p>
           <a:p>
             <a:pPr lvl="2"/>
             <a:r>
-              <a:rPr lang="ko-KR" altLang="en-US" smtClean="0"/>
+              <a:rPr lang="ko-KR" altLang="en-US"/>
               <a:t>셋째 수준</a:t>
             </a:r>
           </a:p>
           <a:p>
             <a:pPr lvl="3"/>
             <a:r>
-              <a:rPr lang="ko-KR" altLang="en-US" smtClean="0"/>
+              <a:rPr lang="ko-KR" altLang="en-US"/>
               <a:t>넷째 수준</a:t>
             </a:r>
           </a:p>
           <a:p>
             <a:pPr lvl="4"/>
             <a:r>
-              <a:rPr lang="ko-KR" altLang="en-US" smtClean="0"/>
+              <a:rPr lang="ko-KR" altLang="en-US"/>
               <a:t>다섯째 수준</a:t>
             </a:r>
             <a:endParaRPr lang="en-US"/>
@@ -4628,7 +4608,7 @@
           <a:p>
             <a:fld id="{8998F1EC-F01B-4CCC-A0E8-CD7012E5E6C0}" type="datetime1">
               <a:rPr lang="ko-KR" altLang="en-US" smtClean="0"/>
-              <a:t>2017-10-29</a:t>
+              <a:t>2017-11-19</a:t>
             </a:fld>
             <a:endParaRPr lang="ko-KR" altLang="en-US"/>
           </a:p>
@@ -4650,14 +4630,13 @@
           <a:lstStyle/>
           <a:p>
             <a:r>
-              <a:rPr lang="en-US" altLang="ko-KR" smtClean="0"/>
+              <a:rPr lang="en-US" altLang="ko-KR"/>
               <a:t>2D </a:t>
             </a:r>
             <a:r>
-              <a:rPr lang="ko-KR" altLang="en-US" smtClean="0"/>
+              <a:rPr lang="ko-KR" altLang="en-US"/>
               <a:t>게임 프로그래밍</a:t>
             </a:r>
-            <a:endParaRPr lang="ko-KR" altLang="en-US"/>
           </a:p>
         </p:txBody>
       </p:sp>
@@ -4734,7 +4713,7 @@
           </a:lstStyle>
           <a:p>
             <a:r>
-              <a:rPr lang="ko-KR" altLang="en-US" smtClean="0"/>
+              <a:rPr lang="ko-KR" altLang="en-US"/>
               <a:t>마스터 제목 스타일 편집</a:t>
             </a:r>
             <a:endParaRPr lang="en-US" dirty="0"/>
@@ -4852,7 +4831,7 @@
           <a:p>
             <a:pPr lvl="0"/>
             <a:r>
-              <a:rPr lang="ko-KR" altLang="en-US" smtClean="0"/>
+              <a:rPr lang="ko-KR" altLang="en-US"/>
               <a:t>마스터 텍스트 스타일을 편집합니다</a:t>
             </a:r>
           </a:p>
@@ -4875,7 +4854,7 @@
           <a:p>
             <a:fld id="{52787909-DE3C-4D58-A58F-9F026A606388}" type="datetime1">
               <a:rPr lang="ko-KR" altLang="en-US" smtClean="0"/>
-              <a:t>2017-10-29</a:t>
+              <a:t>2017-11-19</a:t>
             </a:fld>
             <a:endParaRPr lang="ko-KR" altLang="en-US"/>
           </a:p>
@@ -4897,14 +4876,13 @@
           <a:lstStyle/>
           <a:p>
             <a:r>
-              <a:rPr lang="en-US" altLang="ko-KR" smtClean="0"/>
+              <a:rPr lang="en-US" altLang="ko-KR"/>
               <a:t>2D </a:t>
             </a:r>
             <a:r>
-              <a:rPr lang="ko-KR" altLang="en-US" smtClean="0"/>
+              <a:rPr lang="ko-KR" altLang="en-US"/>
               <a:t>게임 프로그래밍</a:t>
             </a:r>
-            <a:endParaRPr lang="ko-KR" altLang="en-US"/>
           </a:p>
         </p:txBody>
       </p:sp>
@@ -4972,7 +4950,7 @@
           <a:lstStyle/>
           <a:p>
             <a:r>
-              <a:rPr lang="ko-KR" altLang="en-US" smtClean="0"/>
+              <a:rPr lang="ko-KR" altLang="en-US"/>
               <a:t>마스터 제목 스타일 편집</a:t>
             </a:r>
             <a:endParaRPr lang="en-US"/>
@@ -4996,7 +4974,7 @@
           <a:p>
             <a:fld id="{7666CBAD-7B00-470A-90AD-5135048686B9}" type="datetime1">
               <a:rPr lang="ko-KR" altLang="en-US" smtClean="0"/>
-              <a:t>2017-10-29</a:t>
+              <a:t>2017-11-19</a:t>
             </a:fld>
             <a:endParaRPr lang="ko-KR" altLang="en-US"/>
           </a:p>
@@ -5018,14 +4996,13 @@
           <a:lstStyle/>
           <a:p>
             <a:r>
-              <a:rPr lang="en-US" altLang="ko-KR" smtClean="0"/>
+              <a:rPr lang="en-US" altLang="ko-KR"/>
               <a:t>2D </a:t>
             </a:r>
             <a:r>
-              <a:rPr lang="ko-KR" altLang="en-US" smtClean="0"/>
+              <a:rPr lang="ko-KR" altLang="en-US"/>
               <a:t>게임 프로그래밍</a:t>
             </a:r>
-            <a:endParaRPr lang="ko-KR" altLang="en-US"/>
           </a:p>
         </p:txBody>
       </p:sp>
@@ -5074,35 +5051,35 @@
           <a:p>
             <a:pPr lvl="0"/>
             <a:r>
-              <a:rPr lang="ko-KR" altLang="en-US" smtClean="0"/>
+              <a:rPr lang="ko-KR" altLang="en-US"/>
               <a:t>마스터 텍스트 스타일을 편집합니다</a:t>
             </a:r>
           </a:p>
           <a:p>
             <a:pPr lvl="1"/>
             <a:r>
-              <a:rPr lang="ko-KR" altLang="en-US" smtClean="0"/>
+              <a:rPr lang="ko-KR" altLang="en-US"/>
               <a:t>둘째 수준</a:t>
             </a:r>
           </a:p>
           <a:p>
             <a:pPr lvl="2"/>
             <a:r>
-              <a:rPr lang="ko-KR" altLang="en-US" smtClean="0"/>
+              <a:rPr lang="ko-KR" altLang="en-US"/>
               <a:t>셋째 수준</a:t>
             </a:r>
           </a:p>
           <a:p>
             <a:pPr lvl="3"/>
             <a:r>
-              <a:rPr lang="ko-KR" altLang="en-US" smtClean="0"/>
+              <a:rPr lang="ko-KR" altLang="en-US"/>
               <a:t>넷째 수준</a:t>
             </a:r>
           </a:p>
           <a:p>
             <a:pPr lvl="4"/>
             <a:r>
-              <a:rPr lang="ko-KR" altLang="en-US" smtClean="0"/>
+              <a:rPr lang="ko-KR" altLang="en-US"/>
               <a:t>다섯째 수준</a:t>
             </a:r>
             <a:endParaRPr lang="en-US"/>
@@ -5131,35 +5108,35 @@
           <a:p>
             <a:pPr lvl="0"/>
             <a:r>
-              <a:rPr lang="ko-KR" altLang="en-US" smtClean="0"/>
+              <a:rPr lang="ko-KR" altLang="en-US"/>
               <a:t>마스터 텍스트 스타일을 편집합니다</a:t>
             </a:r>
           </a:p>
           <a:p>
             <a:pPr lvl="1"/>
             <a:r>
-              <a:rPr lang="ko-KR" altLang="en-US" smtClean="0"/>
+              <a:rPr lang="ko-KR" altLang="en-US"/>
               <a:t>둘째 수준</a:t>
             </a:r>
           </a:p>
           <a:p>
             <a:pPr lvl="2"/>
             <a:r>
-              <a:rPr lang="ko-KR" altLang="en-US" smtClean="0"/>
+              <a:rPr lang="ko-KR" altLang="en-US"/>
               <a:t>셋째 수준</a:t>
             </a:r>
           </a:p>
           <a:p>
             <a:pPr lvl="3"/>
             <a:r>
-              <a:rPr lang="ko-KR" altLang="en-US" smtClean="0"/>
+              <a:rPr lang="ko-KR" altLang="en-US"/>
               <a:t>넷째 수준</a:t>
             </a:r>
           </a:p>
           <a:p>
             <a:pPr lvl="4"/>
             <a:r>
-              <a:rPr lang="ko-KR" altLang="en-US" smtClean="0"/>
+              <a:rPr lang="ko-KR" altLang="en-US"/>
               <a:t>다섯째 수준</a:t>
             </a:r>
             <a:endParaRPr lang="en-US"/>
@@ -5211,7 +5188,7 @@
           </a:lstStyle>
           <a:p>
             <a:r>
-              <a:rPr lang="ko-KR" altLang="en-US" smtClean="0"/>
+              <a:rPr lang="ko-KR" altLang="en-US"/>
               <a:t>마스터 제목 스타일 편집</a:t>
             </a:r>
             <a:endParaRPr lang="en-US"/>
@@ -5283,7 +5260,7 @@
           <a:p>
             <a:pPr lvl="0"/>
             <a:r>
-              <a:rPr lang="ko-KR" altLang="en-US" smtClean="0"/>
+              <a:rPr lang="ko-KR" altLang="en-US"/>
               <a:t>마스터 텍스트 스타일을 편집합니다</a:t>
             </a:r>
           </a:p>
@@ -5354,7 +5331,7 @@
           <a:p>
             <a:pPr lvl="0"/>
             <a:r>
-              <a:rPr lang="ko-KR" altLang="en-US" smtClean="0"/>
+              <a:rPr lang="ko-KR" altLang="en-US"/>
               <a:t>마스터 텍스트 스타일을 편집합니다</a:t>
             </a:r>
           </a:p>
@@ -5377,7 +5354,7 @@
           <a:p>
             <a:fld id="{0CF463A9-D5DB-4824-87E2-C1D0AC51B4AF}" type="datetime1">
               <a:rPr lang="ko-KR" altLang="en-US" smtClean="0"/>
-              <a:t>2017-10-29</a:t>
+              <a:t>2017-11-19</a:t>
             </a:fld>
             <a:endParaRPr lang="ko-KR" altLang="en-US"/>
           </a:p>
@@ -5399,14 +5376,13 @@
           <a:lstStyle/>
           <a:p>
             <a:r>
-              <a:rPr lang="en-US" altLang="ko-KR" smtClean="0"/>
+              <a:rPr lang="en-US" altLang="ko-KR"/>
               <a:t>2D </a:t>
             </a:r>
             <a:r>
-              <a:rPr lang="ko-KR" altLang="en-US" smtClean="0"/>
+              <a:rPr lang="ko-KR" altLang="en-US"/>
               <a:t>게임 프로그래밍</a:t>
             </a:r>
-            <a:endParaRPr lang="ko-KR" altLang="en-US"/>
           </a:p>
         </p:txBody>
       </p:sp>
@@ -5455,35 +5431,35 @@
           <a:p>
             <a:pPr lvl="0"/>
             <a:r>
-              <a:rPr lang="ko-KR" altLang="en-US" smtClean="0"/>
+              <a:rPr lang="ko-KR" altLang="en-US"/>
               <a:t>마스터 텍스트 스타일을 편집합니다</a:t>
             </a:r>
           </a:p>
           <a:p>
             <a:pPr lvl="1"/>
             <a:r>
-              <a:rPr lang="ko-KR" altLang="en-US" smtClean="0"/>
+              <a:rPr lang="ko-KR" altLang="en-US"/>
               <a:t>둘째 수준</a:t>
             </a:r>
           </a:p>
           <a:p>
             <a:pPr lvl="2"/>
             <a:r>
-              <a:rPr lang="ko-KR" altLang="en-US" smtClean="0"/>
+              <a:rPr lang="ko-KR" altLang="en-US"/>
               <a:t>셋째 수준</a:t>
             </a:r>
           </a:p>
           <a:p>
             <a:pPr lvl="3"/>
             <a:r>
-              <a:rPr lang="ko-KR" altLang="en-US" smtClean="0"/>
+              <a:rPr lang="ko-KR" altLang="en-US"/>
               <a:t>넷째 수준</a:t>
             </a:r>
           </a:p>
           <a:p>
             <a:pPr lvl="4"/>
             <a:r>
-              <a:rPr lang="ko-KR" altLang="en-US" smtClean="0"/>
+              <a:rPr lang="ko-KR" altLang="en-US"/>
               <a:t>다섯째 수준</a:t>
             </a:r>
             <a:endParaRPr lang="en-US" dirty="0"/>
@@ -5512,35 +5488,35 @@
           <a:p>
             <a:pPr lvl="0"/>
             <a:r>
-              <a:rPr lang="ko-KR" altLang="en-US" smtClean="0"/>
+              <a:rPr lang="ko-KR" altLang="en-US"/>
               <a:t>마스터 텍스트 스타일을 편집합니다</a:t>
             </a:r>
           </a:p>
           <a:p>
             <a:pPr lvl="1"/>
             <a:r>
-              <a:rPr lang="ko-KR" altLang="en-US" smtClean="0"/>
+              <a:rPr lang="ko-KR" altLang="en-US"/>
               <a:t>둘째 수준</a:t>
             </a:r>
           </a:p>
           <a:p>
             <a:pPr lvl="2"/>
             <a:r>
-              <a:rPr lang="ko-KR" altLang="en-US" smtClean="0"/>
+              <a:rPr lang="ko-KR" altLang="en-US"/>
               <a:t>셋째 수준</a:t>
             </a:r>
           </a:p>
           <a:p>
             <a:pPr lvl="3"/>
             <a:r>
-              <a:rPr lang="ko-KR" altLang="en-US" smtClean="0"/>
+              <a:rPr lang="ko-KR" altLang="en-US"/>
               <a:t>넷째 수준</a:t>
             </a:r>
           </a:p>
           <a:p>
             <a:pPr lvl="4"/>
             <a:r>
-              <a:rPr lang="ko-KR" altLang="en-US" smtClean="0"/>
+              <a:rPr lang="ko-KR" altLang="en-US"/>
               <a:t>다섯째 수준</a:t>
             </a:r>
             <a:endParaRPr lang="en-US"/>
@@ -5588,7 +5564,7 @@
           <a:lstStyle/>
           <a:p>
             <a:r>
-              <a:rPr lang="ko-KR" altLang="en-US" smtClean="0"/>
+              <a:rPr lang="ko-KR" altLang="en-US"/>
               <a:t>마스터 제목 스타일 편집</a:t>
             </a:r>
             <a:endParaRPr lang="en-US"/>
@@ -5612,7 +5588,7 @@
           <a:p>
             <a:fld id="{C70BB2E4-12BC-438F-94A6-F50FE8A3D88C}" type="datetime1">
               <a:rPr lang="ko-KR" altLang="en-US" smtClean="0"/>
-              <a:t>2017-10-29</a:t>
+              <a:t>2017-11-19</a:t>
             </a:fld>
             <a:endParaRPr lang="ko-KR" altLang="en-US"/>
           </a:p>
@@ -5634,14 +5610,13 @@
           <a:lstStyle/>
           <a:p>
             <a:r>
-              <a:rPr lang="en-US" altLang="ko-KR" smtClean="0"/>
+              <a:rPr lang="en-US" altLang="ko-KR"/>
               <a:t>2D </a:t>
             </a:r>
             <a:r>
-              <a:rPr lang="ko-KR" altLang="en-US" smtClean="0"/>
+              <a:rPr lang="ko-KR" altLang="en-US"/>
               <a:t>게임 프로그래밍</a:t>
             </a:r>
-            <a:endParaRPr lang="ko-KR" altLang="en-US"/>
           </a:p>
         </p:txBody>
       </p:sp>
@@ -5710,7 +5685,7 @@
           <a:p>
             <a:fld id="{9544425C-B7EA-494A-BDEE-4AA66243A9BD}" type="datetime1">
               <a:rPr lang="ko-KR" altLang="en-US" smtClean="0"/>
-              <a:t>2017-10-29</a:t>
+              <a:t>2017-11-19</a:t>
             </a:fld>
             <a:endParaRPr lang="ko-KR" altLang="en-US"/>
           </a:p>
@@ -5732,14 +5707,13 @@
           <a:lstStyle/>
           <a:p>
             <a:r>
-              <a:rPr lang="en-US" altLang="ko-KR" smtClean="0"/>
+              <a:rPr lang="en-US" altLang="ko-KR"/>
               <a:t>2D </a:t>
             </a:r>
             <a:r>
-              <a:rPr lang="ko-KR" altLang="en-US" smtClean="0"/>
+              <a:rPr lang="ko-KR" altLang="en-US"/>
               <a:t>게임 프로그래밍</a:t>
             </a:r>
-            <a:endParaRPr lang="ko-KR" altLang="en-US"/>
           </a:p>
         </p:txBody>
       </p:sp>
@@ -6364,7 +6338,7 @@
           </a:lstStyle>
           <a:p>
             <a:r>
-              <a:rPr lang="ko-KR" altLang="en-US" smtClean="0"/>
+              <a:rPr lang="ko-KR" altLang="en-US"/>
               <a:t>마스터 제목 스타일 편집</a:t>
             </a:r>
             <a:endParaRPr lang="en-US"/>
@@ -6421,35 +6395,35 @@
           <a:p>
             <a:pPr lvl="0"/>
             <a:r>
-              <a:rPr lang="ko-KR" altLang="en-US" smtClean="0"/>
+              <a:rPr lang="ko-KR" altLang="en-US"/>
               <a:t>마스터 텍스트 스타일을 편집합니다</a:t>
             </a:r>
           </a:p>
           <a:p>
             <a:pPr lvl="1"/>
             <a:r>
-              <a:rPr lang="ko-KR" altLang="en-US" smtClean="0"/>
+              <a:rPr lang="ko-KR" altLang="en-US"/>
               <a:t>둘째 수준</a:t>
             </a:r>
           </a:p>
           <a:p>
             <a:pPr lvl="2"/>
             <a:r>
-              <a:rPr lang="ko-KR" altLang="en-US" smtClean="0"/>
+              <a:rPr lang="ko-KR" altLang="en-US"/>
               <a:t>셋째 수준</a:t>
             </a:r>
           </a:p>
           <a:p>
             <a:pPr lvl="3"/>
             <a:r>
-              <a:rPr lang="ko-KR" altLang="en-US" smtClean="0"/>
+              <a:rPr lang="ko-KR" altLang="en-US"/>
               <a:t>넷째 수준</a:t>
             </a:r>
           </a:p>
           <a:p>
             <a:pPr lvl="4"/>
             <a:r>
-              <a:rPr lang="ko-KR" altLang="en-US" smtClean="0"/>
+              <a:rPr lang="ko-KR" altLang="en-US"/>
               <a:t>다섯째 수준</a:t>
             </a:r>
             <a:endParaRPr lang="en-US" dirty="0"/>
@@ -6517,7 +6491,7 @@
           <a:p>
             <a:pPr lvl="0"/>
             <a:r>
-              <a:rPr lang="ko-KR" altLang="en-US" smtClean="0"/>
+              <a:rPr lang="ko-KR" altLang="en-US"/>
               <a:t>마스터 텍스트 스타일을 편집합니다</a:t>
             </a:r>
           </a:p>
@@ -6545,7 +6519,7 @@
           <a:p>
             <a:fld id="{EC5C1134-AEED-45C1-AFDF-DDF26E0C6587}" type="datetime1">
               <a:rPr lang="ko-KR" altLang="en-US" smtClean="0"/>
-              <a:t>2017-10-29</a:t>
+              <a:t>2017-11-19</a:t>
             </a:fld>
             <a:endParaRPr lang="ko-KR" altLang="en-US"/>
           </a:p>
@@ -6572,14 +6546,13 @@
           <a:lstStyle/>
           <a:p>
             <a:r>
-              <a:rPr lang="en-US" altLang="ko-KR" smtClean="0"/>
+              <a:rPr lang="en-US" altLang="ko-KR"/>
               <a:t>2D </a:t>
             </a:r>
             <a:r>
-              <a:rPr lang="ko-KR" altLang="en-US" smtClean="0"/>
+              <a:rPr lang="ko-KR" altLang="en-US"/>
               <a:t>게임 프로그래밍</a:t>
             </a:r>
-            <a:endParaRPr lang="ko-KR" altLang="en-US"/>
           </a:p>
         </p:txBody>
       </p:sp>
@@ -7209,7 +7182,7 @@
           </a:lstStyle>
           <a:p>
             <a:r>
-              <a:rPr lang="ko-KR" altLang="en-US" smtClean="0"/>
+              <a:rPr lang="ko-KR" altLang="en-US"/>
               <a:t>마스터 제목 스타일 편집</a:t>
             </a:r>
             <a:endParaRPr lang="en-US" dirty="0"/>
@@ -7288,7 +7261,7 @@
           </a:lstStyle>
           <a:p>
             <a:r>
-              <a:rPr lang="ko-KR" altLang="en-US" smtClean="0"/>
+              <a:rPr lang="ko-KR" altLang="en-US"/>
               <a:t>그림을 추가하려면 아이콘을 클릭하십시오</a:t>
             </a:r>
             <a:endParaRPr lang="en-US"/>
@@ -7356,7 +7329,7 @@
           <a:p>
             <a:pPr lvl="0"/>
             <a:r>
-              <a:rPr lang="ko-KR" altLang="en-US" smtClean="0"/>
+              <a:rPr lang="ko-KR" altLang="en-US"/>
               <a:t>마스터 텍스트 스타일을 편집합니다</a:t>
             </a:r>
           </a:p>
@@ -7384,7 +7357,7 @@
           <a:p>
             <a:fld id="{971A1825-C447-468B-B9C9-6B7674910854}" type="datetime1">
               <a:rPr lang="ko-KR" altLang="en-US" smtClean="0"/>
-              <a:t>2017-10-29</a:t>
+              <a:t>2017-11-19</a:t>
             </a:fld>
             <a:endParaRPr lang="ko-KR" altLang="en-US"/>
           </a:p>
@@ -7411,14 +7384,13 @@
           <a:lstStyle/>
           <a:p>
             <a:r>
-              <a:rPr lang="en-US" altLang="ko-KR" smtClean="0"/>
+              <a:rPr lang="en-US" altLang="ko-KR"/>
               <a:t>2D </a:t>
             </a:r>
             <a:r>
-              <a:rPr lang="ko-KR" altLang="en-US" smtClean="0"/>
+              <a:rPr lang="ko-KR" altLang="en-US"/>
               <a:t>게임 프로그래밍</a:t>
             </a:r>
-            <a:endParaRPr lang="ko-KR" altLang="en-US"/>
           </a:p>
         </p:txBody>
       </p:sp>
@@ -7943,7 +7915,7 @@
           <a:lstStyle/>
           <a:p>
             <a:r>
-              <a:rPr lang="ko-KR" altLang="en-US" smtClean="0"/>
+              <a:rPr lang="ko-KR" altLang="en-US"/>
               <a:t>마스터 제목 스타일 편집</a:t>
             </a:r>
             <a:endParaRPr lang="en-US" dirty="0"/>
@@ -7977,35 +7949,35 @@
           <a:p>
             <a:pPr lvl="0"/>
             <a:r>
-              <a:rPr lang="ko-KR" altLang="en-US" smtClean="0"/>
+              <a:rPr lang="ko-KR" altLang="en-US"/>
               <a:t>마스터 텍스트 스타일을 편집합니다</a:t>
             </a:r>
           </a:p>
           <a:p>
             <a:pPr lvl="1"/>
             <a:r>
-              <a:rPr lang="ko-KR" altLang="en-US" smtClean="0"/>
+              <a:rPr lang="ko-KR" altLang="en-US"/>
               <a:t>둘째 수준</a:t>
             </a:r>
           </a:p>
           <a:p>
             <a:pPr lvl="2"/>
             <a:r>
-              <a:rPr lang="ko-KR" altLang="en-US" smtClean="0"/>
+              <a:rPr lang="ko-KR" altLang="en-US"/>
               <a:t>셋째 수준</a:t>
             </a:r>
           </a:p>
           <a:p>
             <a:pPr lvl="3"/>
             <a:r>
-              <a:rPr lang="ko-KR" altLang="en-US" smtClean="0"/>
+              <a:rPr lang="ko-KR" altLang="en-US"/>
               <a:t>넷째 수준</a:t>
             </a:r>
           </a:p>
           <a:p>
             <a:pPr lvl="4"/>
             <a:r>
-              <a:rPr lang="ko-KR" altLang="en-US" smtClean="0"/>
+              <a:rPr lang="ko-KR" altLang="en-US"/>
               <a:t>다섯째 수준</a:t>
             </a:r>
             <a:endParaRPr lang="en-US" dirty="0"/>
@@ -8046,7 +8018,7 @@
           <a:p>
             <a:fld id="{4E0EA9FF-3011-4849-B3DE-625476BF3408}" type="datetime1">
               <a:rPr lang="ko-KR" altLang="en-US" smtClean="0"/>
-              <a:t>2017-10-29</a:t>
+              <a:t>2017-11-19</a:t>
             </a:fld>
             <a:endParaRPr lang="ko-KR" altLang="en-US"/>
           </a:p>
@@ -8085,14 +8057,13 @@
           </a:lstStyle>
           <a:p>
             <a:r>
-              <a:rPr lang="en-US" altLang="ko-KR" smtClean="0"/>
+              <a:rPr lang="en-US" altLang="ko-KR"/>
               <a:t>2D </a:t>
             </a:r>
             <a:r>
-              <a:rPr lang="ko-KR" altLang="en-US" smtClean="0"/>
+              <a:rPr lang="ko-KR" altLang="en-US"/>
               <a:t>게임 프로그래밍</a:t>
             </a:r>
-            <a:endParaRPr lang="ko-KR" altLang="en-US"/>
           </a:p>
         </p:txBody>
       </p:sp>
@@ -8579,23 +8550,19 @@
           <a:lstStyle/>
           <a:p>
             <a:r>
-              <a:rPr lang="en-US" altLang="ko-KR" smtClean="0">
+              <a:rPr lang="en-US" altLang="ko-KR">
                 <a:latin typeface="-윤고딕320" panose="02030504000101010101" pitchFamily="18" charset="-127"/>
                 <a:ea typeface="-윤고딕320" panose="02030504000101010101" pitchFamily="18" charset="-127"/>
               </a:rPr>
               <a:t>2D </a:t>
             </a:r>
             <a:r>
-              <a:rPr lang="ko-KR" altLang="en-US" smtClean="0">
+              <a:rPr lang="ko-KR" altLang="en-US">
                 <a:latin typeface="-윤고딕320" panose="02030504000101010101" pitchFamily="18" charset="-127"/>
                 <a:ea typeface="-윤고딕320" panose="02030504000101010101" pitchFamily="18" charset="-127"/>
               </a:rPr>
               <a:t>게임 프로그래밍</a:t>
             </a:r>
-            <a:endParaRPr lang="ko-KR" altLang="en-US">
-              <a:latin typeface="-윤고딕320" panose="02030504000101010101" pitchFamily="18" charset="-127"/>
-              <a:ea typeface="-윤고딕320" panose="02030504000101010101" pitchFamily="18" charset="-127"/>
-            </a:endParaRPr>
           </a:p>
         </p:txBody>
       </p:sp>
@@ -8618,30 +8585,26 @@
           <a:p>
             <a:pPr algn="r"/>
             <a:r>
-              <a:rPr lang="ko-KR" altLang="en-US" sz="2500" dirty="0" smtClean="0">
+              <a:rPr lang="ko-KR" altLang="en-US" sz="2500" dirty="0">
                 <a:latin typeface="-윤고딕310" panose="02030504000101010101" pitchFamily="18" charset="-127"/>
                 <a:ea typeface="-윤고딕310" panose="02030504000101010101" pitchFamily="18" charset="-127"/>
               </a:rPr>
               <a:t>게임공학과 </a:t>
             </a:r>
             <a:r>
-              <a:rPr lang="en-US" altLang="ko-KR" sz="2500" dirty="0" smtClean="0">
+              <a:rPr lang="en-US" altLang="ko-KR" sz="2500" dirty="0">
                 <a:latin typeface="-윤고딕310" panose="02030504000101010101" pitchFamily="18" charset="-127"/>
                 <a:ea typeface="-윤고딕310" panose="02030504000101010101" pitchFamily="18" charset="-127"/>
               </a:rPr>
               <a:t>2016180042 </a:t>
             </a:r>
             <a:r>
-              <a:rPr lang="ko-KR" altLang="en-US" sz="2500" dirty="0" smtClean="0">
+              <a:rPr lang="ko-KR" altLang="en-US" sz="2500" dirty="0">
                 <a:latin typeface="-윤고딕310" panose="02030504000101010101" pitchFamily="18" charset="-127"/>
                 <a:ea typeface="-윤고딕310" panose="02030504000101010101" pitchFamily="18" charset="-127"/>
               </a:rPr>
               <a:t>진윤성</a:t>
             </a:r>
-            <a:endParaRPr lang="ko-KR" altLang="en-US" sz="2500" dirty="0">
-              <a:latin typeface="-윤고딕310" panose="02030504000101010101" pitchFamily="18" charset="-127"/>
-              <a:ea typeface="-윤고딕310" panose="02030504000101010101" pitchFamily="18" charset="-127"/>
-            </a:endParaRPr>
           </a:p>
         </p:txBody>
       </p:sp>
@@ -8669,7 +8632,7 @@
           <a:p>
             <a:pPr algn="ctr"/>
             <a:r>
-              <a:rPr lang="en-US" altLang="ko-KR" smtClean="0">
+              <a:rPr lang="en-US" altLang="ko-KR">
                 <a:latin typeface="-윤고딕320" panose="02030504000101010101" pitchFamily="18" charset="-127"/>
                 <a:ea typeface="-윤고딕320" panose="02030504000101010101" pitchFamily="18" charset="-127"/>
               </a:rPr>
@@ -8704,13 +8667,6 @@
       </p:transition>
     </mc:Fallback>
   </mc:AlternateContent>
-  <p:timing>
-    <p:tnLst>
-      <p:par>
-        <p:cTn id="1" dur="indefinite" restart="never" nodeType="tmRoot"/>
-      </p:par>
-    </p:tnLst>
-  </p:timing>
 </p:sld>
 </file>
 
@@ -8752,14 +8708,14 @@
           <a:lstStyle/>
           <a:p>
             <a:r>
-              <a:rPr lang="ko-KR" altLang="en-US" dirty="0" smtClean="0">
+              <a:rPr lang="ko-KR" altLang="en-US" dirty="0">
                 <a:latin typeface="-윤고딕320" panose="02030504000101010101" pitchFamily="18" charset="-127"/>
                 <a:ea typeface="-윤고딕320" panose="02030504000101010101" pitchFamily="18" charset="-127"/>
               </a:rPr>
               <a:t>개발 일정 </a:t>
             </a:r>
             <a:r>
-              <a:rPr lang="en-US" altLang="ko-KR" dirty="0" smtClean="0">
+              <a:rPr lang="en-US" altLang="ko-KR" dirty="0">
                 <a:latin typeface="-윤고딕320" panose="02030504000101010101" pitchFamily="18" charset="-127"/>
                 <a:ea typeface="-윤고딕320" panose="02030504000101010101" pitchFamily="18" charset="-127"/>
               </a:rPr>
@@ -8805,9 +8761,27 @@
                 <a:tableStyleId>{5C22544A-7EE6-4342-B048-85BDC9FD1C3A}</a:tableStyleId>
               </a:tblPr>
               <a:tblGrid>
-                <a:gridCol w="706497"/>
-                <a:gridCol w="1695591"/>
-                <a:gridCol w="5088328"/>
+                <a:gridCol w="706497">
+                  <a:extLst>
+                    <a:ext uri="{9D8B030D-6E8A-4147-A177-3AD203B41FA5}">
+                      <a16:colId xmlns:a16="http://schemas.microsoft.com/office/drawing/2014/main" val="20000"/>
+                    </a:ext>
+                  </a:extLst>
+                </a:gridCol>
+                <a:gridCol w="1695591">
+                  <a:extLst>
+                    <a:ext uri="{9D8B030D-6E8A-4147-A177-3AD203B41FA5}">
+                      <a16:colId xmlns:a16="http://schemas.microsoft.com/office/drawing/2014/main" val="20001"/>
+                    </a:ext>
+                  </a:extLst>
+                </a:gridCol>
+                <a:gridCol w="5088328">
+                  <a:extLst>
+                    <a:ext uri="{9D8B030D-6E8A-4147-A177-3AD203B41FA5}">
+                      <a16:colId xmlns:a16="http://schemas.microsoft.com/office/drawing/2014/main" val="20002"/>
+                    </a:ext>
+                  </a:extLst>
+                </a:gridCol>
               </a:tblGrid>
               <a:tr h="446867">
                 <a:tc>
@@ -8817,16 +8791,12 @@
                     <a:p>
                       <a:pPr algn="ctr" latinLnBrk="1"/>
                       <a:r>
-                        <a:rPr lang="ko-KR" altLang="en-US" sz="2000" b="0" dirty="0" smtClean="0">
+                        <a:rPr lang="ko-KR" altLang="en-US" sz="2000" b="0" dirty="0">
                           <a:latin typeface="-윤고딕320" panose="02030504000101010101" pitchFamily="18" charset="-127"/>
                           <a:ea typeface="-윤고딕320" panose="02030504000101010101" pitchFamily="18" charset="-127"/>
                         </a:rPr>
                         <a:t>주차</a:t>
                       </a:r>
-                      <a:endParaRPr lang="ko-KR" altLang="en-US" sz="2000" b="0" dirty="0">
-                        <a:latin typeface="-윤고딕320" panose="02030504000101010101" pitchFamily="18" charset="-127"/>
-                        <a:ea typeface="-윤고딕320" panose="02030504000101010101" pitchFamily="18" charset="-127"/>
-                      </a:endParaRPr>
                     </a:p>
                   </a:txBody>
                   <a:tcPr marL="111605" marR="111605" marT="55802" marB="55802" anchor="ctr">
@@ -8845,16 +8815,12 @@
                     <a:p>
                       <a:pPr algn="ctr" latinLnBrk="1"/>
                       <a:r>
-                        <a:rPr lang="ko-KR" altLang="en-US" sz="2000" b="0" dirty="0" smtClean="0">
+                        <a:rPr lang="ko-KR" altLang="en-US" sz="2000" b="0" dirty="0">
                           <a:latin typeface="-윤고딕320" panose="02030504000101010101" pitchFamily="18" charset="-127"/>
                           <a:ea typeface="-윤고딕320" panose="02030504000101010101" pitchFamily="18" charset="-127"/>
                         </a:rPr>
                         <a:t>주제</a:t>
                       </a:r>
-                      <a:endParaRPr lang="ko-KR" altLang="en-US" sz="2000" b="0" dirty="0">
-                        <a:latin typeface="-윤고딕320" panose="02030504000101010101" pitchFamily="18" charset="-127"/>
-                        <a:ea typeface="-윤고딕320" panose="02030504000101010101" pitchFamily="18" charset="-127"/>
-                      </a:endParaRPr>
                     </a:p>
                   </a:txBody>
                   <a:tcPr marL="111605" marR="111605" marT="55802" marB="55802" anchor="ctr"/>
@@ -8866,20 +8832,21 @@
                     <a:p>
                       <a:pPr algn="ctr" latinLnBrk="1"/>
                       <a:r>
-                        <a:rPr lang="ko-KR" altLang="en-US" sz="2000" b="0" dirty="0" smtClean="0">
+                        <a:rPr lang="ko-KR" altLang="en-US" sz="2000" b="0" dirty="0">
                           <a:latin typeface="-윤고딕320" panose="02030504000101010101" pitchFamily="18" charset="-127"/>
                           <a:ea typeface="-윤고딕320" panose="02030504000101010101" pitchFamily="18" charset="-127"/>
                         </a:rPr>
                         <a:t>상세</a:t>
                       </a:r>
-                      <a:endParaRPr lang="ko-KR" altLang="en-US" sz="2000" b="0" dirty="0">
-                        <a:latin typeface="-윤고딕320" panose="02030504000101010101" pitchFamily="18" charset="-127"/>
-                        <a:ea typeface="-윤고딕320" panose="02030504000101010101" pitchFamily="18" charset="-127"/>
-                      </a:endParaRPr>
                     </a:p>
                   </a:txBody>
                   <a:tcPr marL="111605" marR="111605" marT="55802" marB="55802" anchor="ctr"/>
                 </a:tc>
+                <a:extLst>
+                  <a:ext uri="{0D108BD9-81ED-4DB2-BD59-A6C34878D82A}">
+                    <a16:rowId xmlns:a16="http://schemas.microsoft.com/office/drawing/2014/main" val="10000"/>
+                  </a:ext>
+                </a:extLst>
               </a:tr>
               <a:tr h="688313">
                 <a:tc>
@@ -8889,7 +8856,7 @@
                     <a:p>
                       <a:pPr algn="ctr" latinLnBrk="1"/>
                       <a:r>
-                        <a:rPr lang="en-US" altLang="ko-KR" sz="1900" dirty="0" smtClean="0">
+                        <a:rPr lang="en-US" altLang="ko-KR" sz="1900" dirty="0">
                           <a:latin typeface="-윤고딕310" panose="02030504000101010101" pitchFamily="18" charset="-127"/>
                           <a:ea typeface="-윤고딕310" panose="02030504000101010101" pitchFamily="18" charset="-127"/>
                         </a:rPr>
@@ -8933,34 +8900,34 @@
                         <a:defRPr/>
                       </a:pPr>
                       <a:r>
-                        <a:rPr lang="ko-KR" altLang="en-US" sz="1200" dirty="0" smtClean="0">
+                        <a:rPr lang="ko-KR" altLang="en-US" sz="1200" dirty="0">
                           <a:latin typeface="-윤고딕310" panose="02030504000101010101" pitchFamily="18" charset="-127"/>
                           <a:ea typeface="-윤고딕310" panose="02030504000101010101" pitchFamily="18" charset="-127"/>
                         </a:rPr>
                         <a:t>지형 생성</a:t>
                       </a:r>
                       <a:r>
-                        <a:rPr lang="en-US" altLang="ko-KR" sz="1200" dirty="0" smtClean="0">
+                        <a:rPr lang="en-US" altLang="ko-KR" sz="1200" dirty="0">
                           <a:latin typeface="-윤고딕310" panose="02030504000101010101" pitchFamily="18" charset="-127"/>
                           <a:ea typeface="-윤고딕310" panose="02030504000101010101" pitchFamily="18" charset="-127"/>
                         </a:rPr>
                         <a:t>,</a:t>
                       </a:r>
                       <a:r>
-                        <a:rPr lang="en-US" altLang="ko-KR" sz="1200" baseline="0" dirty="0" smtClean="0">
+                        <a:rPr lang="en-US" altLang="ko-KR" sz="1200" baseline="0" dirty="0">
                           <a:latin typeface="-윤고딕310" panose="02030504000101010101" pitchFamily="18" charset="-127"/>
                           <a:ea typeface="-윤고딕310" panose="02030504000101010101" pitchFamily="18" charset="-127"/>
                         </a:rPr>
                         <a:t> </a:t>
                       </a:r>
                       <a:r>
-                        <a:rPr lang="ko-KR" altLang="en-US" sz="1200" baseline="0" dirty="0" smtClean="0">
+                        <a:rPr lang="ko-KR" altLang="en-US" sz="1200" baseline="0" dirty="0">
                           <a:latin typeface="-윤고딕310" panose="02030504000101010101" pitchFamily="18" charset="-127"/>
                           <a:ea typeface="-윤고딕310" panose="02030504000101010101" pitchFamily="18" charset="-127"/>
                         </a:rPr>
                         <a:t>맵 분할</a:t>
                       </a:r>
-                      <a:endParaRPr lang="en-US" altLang="ko-KR" sz="1200" baseline="0" dirty="0" smtClean="0">
+                      <a:endParaRPr lang="en-US" altLang="ko-KR" sz="1200" baseline="0" dirty="0">
                         <a:latin typeface="-윤고딕310" panose="02030504000101010101" pitchFamily="18" charset="-127"/>
                         <a:ea typeface="-윤고딕310" panose="02030504000101010101" pitchFamily="18" charset="-127"/>
                       </a:endParaRPr>
@@ -8984,13 +8951,13 @@
                         <a:defRPr/>
                       </a:pPr>
                       <a:r>
-                        <a:rPr lang="ko-KR" altLang="en-US" sz="1200" baseline="0" dirty="0" smtClean="0">
+                        <a:rPr lang="ko-KR" altLang="en-US" sz="1200" baseline="0" dirty="0">
                           <a:latin typeface="-윤고딕310" panose="02030504000101010101" pitchFamily="18" charset="-127"/>
                           <a:ea typeface="-윤고딕310" panose="02030504000101010101" pitchFamily="18" charset="-127"/>
                         </a:rPr>
                         <a:t>테마 작업</a:t>
                       </a:r>
-                      <a:endParaRPr lang="ko-KR" altLang="en-US" sz="1200" dirty="0" smtClean="0">
+                      <a:endParaRPr lang="ko-KR" altLang="en-US" sz="1200" dirty="0">
                         <a:latin typeface="-윤고딕310" panose="02030504000101010101" pitchFamily="18" charset="-127"/>
                         <a:ea typeface="-윤고딕310" panose="02030504000101010101" pitchFamily="18" charset="-127"/>
                       </a:endParaRPr>
@@ -9012,28 +8979,28 @@
                         <a:buChar char="•"/>
                       </a:pPr>
                       <a:r>
-                        <a:rPr lang="ko-KR" altLang="en-US" sz="1200" dirty="0" smtClean="0">
+                        <a:rPr lang="ko-KR" altLang="en-US" sz="1200" dirty="0">
                           <a:latin typeface="-윤고딕310" panose="02030504000101010101" pitchFamily="18" charset="-127"/>
                           <a:ea typeface="-윤고딕310" panose="02030504000101010101" pitchFamily="18" charset="-127"/>
                         </a:rPr>
                         <a:t>사실상 본 게임을 구현하는 것이므로 심혈을 기울인다</a:t>
                       </a:r>
                       <a:r>
-                        <a:rPr lang="en-US" altLang="ko-KR" sz="1200" dirty="0" smtClean="0">
+                        <a:rPr lang="en-US" altLang="ko-KR" sz="1200" dirty="0">
                           <a:latin typeface="-윤고딕310" panose="02030504000101010101" pitchFamily="18" charset="-127"/>
                           <a:ea typeface="-윤고딕310" panose="02030504000101010101" pitchFamily="18" charset="-127"/>
                         </a:rPr>
                         <a:t>. </a:t>
                       </a:r>
                       <a:r>
-                        <a:rPr lang="ko-KR" altLang="en-US" sz="1200" dirty="0" smtClean="0">
+                        <a:rPr lang="ko-KR" altLang="en-US" sz="1200" dirty="0">
                           <a:latin typeface="-윤고딕310" panose="02030504000101010101" pitchFamily="18" charset="-127"/>
                           <a:ea typeface="-윤고딕310" panose="02030504000101010101" pitchFamily="18" charset="-127"/>
                         </a:rPr>
                         <a:t>각 테마에 맞는 리소스를 할당한다</a:t>
                       </a:r>
                       <a:r>
-                        <a:rPr lang="en-US" altLang="ko-KR" sz="1200" dirty="0" smtClean="0">
+                        <a:rPr lang="en-US" altLang="ko-KR" sz="1200" dirty="0">
                           <a:latin typeface="-윤고딕310" panose="02030504000101010101" pitchFamily="18" charset="-127"/>
                           <a:ea typeface="-윤고딕310" panose="02030504000101010101" pitchFamily="18" charset="-127"/>
                         </a:rPr>
@@ -9059,84 +9026,84 @@
                         <a:defRPr/>
                       </a:pPr>
                       <a:r>
-                        <a:rPr lang="ko-KR" altLang="en-US" sz="1200" dirty="0" smtClean="0">
+                        <a:rPr lang="ko-KR" altLang="en-US" sz="1200" dirty="0">
                           <a:latin typeface="-윤고딕310" panose="02030504000101010101" pitchFamily="18" charset="-127"/>
                           <a:ea typeface="-윤고딕310" panose="02030504000101010101" pitchFamily="18" charset="-127"/>
                         </a:rPr>
                         <a:t>스테이지가 끝날 때의 효과를 정한다</a:t>
                       </a:r>
                       <a:r>
-                        <a:rPr lang="en-US" altLang="ko-KR" sz="1200" dirty="0" smtClean="0">
+                        <a:rPr lang="en-US" altLang="ko-KR" sz="1200" dirty="0">
                           <a:latin typeface="-윤고딕310" panose="02030504000101010101" pitchFamily="18" charset="-127"/>
                           <a:ea typeface="-윤고딕310" panose="02030504000101010101" pitchFamily="18" charset="-127"/>
                         </a:rPr>
                         <a:t>. </a:t>
                       </a:r>
                       <a:r>
-                        <a:rPr lang="ko-KR" altLang="en-US" sz="1200" dirty="0" smtClean="0">
+                        <a:rPr lang="ko-KR" altLang="en-US" sz="1200" dirty="0">
                           <a:latin typeface="-윤고딕310" panose="02030504000101010101" pitchFamily="18" charset="-127"/>
                           <a:ea typeface="-윤고딕310" panose="02030504000101010101" pitchFamily="18" charset="-127"/>
                         </a:rPr>
                         <a:t>넘어갈 때는 스테이지 결과 요약이 표시된다</a:t>
                       </a:r>
                       <a:r>
-                        <a:rPr lang="en-US" altLang="ko-KR" sz="1200" dirty="0" smtClean="0">
+                        <a:rPr lang="en-US" altLang="ko-KR" sz="1200" dirty="0">
                           <a:latin typeface="-윤고딕310" panose="02030504000101010101" pitchFamily="18" charset="-127"/>
                           <a:ea typeface="-윤고딕310" panose="02030504000101010101" pitchFamily="18" charset="-127"/>
                         </a:rPr>
                         <a:t>. </a:t>
                       </a:r>
                       <a:r>
-                        <a:rPr lang="ko-KR" altLang="en-US" sz="1200" dirty="0" smtClean="0">
+                        <a:rPr lang="ko-KR" altLang="en-US" sz="1200" dirty="0">
                           <a:latin typeface="-윤고딕310" panose="02030504000101010101" pitchFamily="18" charset="-127"/>
                           <a:ea typeface="-윤고딕310" panose="02030504000101010101" pitchFamily="18" charset="-127"/>
                         </a:rPr>
                         <a:t>이때 </a:t>
                       </a:r>
                       <a:r>
-                        <a:rPr lang="en-US" altLang="ko-KR" sz="1200" dirty="0" smtClean="0">
+                        <a:rPr lang="en-US" altLang="ko-KR" sz="1200" dirty="0">
                           <a:latin typeface="-윤고딕310" panose="02030504000101010101" pitchFamily="18" charset="-127"/>
                           <a:ea typeface="-윤고딕310" panose="02030504000101010101" pitchFamily="18" charset="-127"/>
                         </a:rPr>
                         <a:t>UI </a:t>
                       </a:r>
                       <a:r>
-                        <a:rPr lang="ko-KR" altLang="en-US" sz="1200" dirty="0" smtClean="0">
+                        <a:rPr lang="ko-KR" altLang="en-US" sz="1200" dirty="0">
                           <a:latin typeface="-윤고딕310" panose="02030504000101010101" pitchFamily="18" charset="-127"/>
                           <a:ea typeface="-윤고딕310" panose="02030504000101010101" pitchFamily="18" charset="-127"/>
                         </a:rPr>
                         <a:t>에 가려진 사이에</a:t>
                       </a:r>
                       <a:r>
-                        <a:rPr lang="ko-KR" altLang="en-US" sz="1200" baseline="0" dirty="0" smtClean="0">
+                        <a:rPr lang="ko-KR" altLang="en-US" sz="1200" baseline="0" dirty="0">
                           <a:latin typeface="-윤고딕310" panose="02030504000101010101" pitchFamily="18" charset="-127"/>
                           <a:ea typeface="-윤고딕310" panose="02030504000101010101" pitchFamily="18" charset="-127"/>
                         </a:rPr>
                         <a:t> </a:t>
                       </a:r>
                       <a:r>
-                        <a:rPr lang="ko-KR" altLang="en-US" sz="1200" dirty="0" smtClean="0">
+                        <a:rPr lang="ko-KR" altLang="en-US" sz="1200" dirty="0">
                           <a:latin typeface="-윤고딕310" panose="02030504000101010101" pitchFamily="18" charset="-127"/>
                           <a:ea typeface="-윤고딕310" panose="02030504000101010101" pitchFamily="18" charset="-127"/>
                         </a:rPr>
                         <a:t>지형이 자동 생성된다</a:t>
                       </a:r>
                       <a:r>
-                        <a:rPr lang="en-US" altLang="ko-KR" sz="1200" dirty="0" smtClean="0">
+                        <a:rPr lang="en-US" altLang="ko-KR" sz="1200" dirty="0">
                           <a:latin typeface="-윤고딕310" panose="02030504000101010101" pitchFamily="18" charset="-127"/>
                           <a:ea typeface="-윤고딕310" panose="02030504000101010101" pitchFamily="18" charset="-127"/>
                         </a:rPr>
                         <a:t>. </a:t>
                       </a:r>
                       <a:r>
-                        <a:rPr lang="ko-KR" altLang="en-US" sz="1200" dirty="0" smtClean="0">
+                        <a:rPr lang="ko-KR" altLang="en-US" sz="1200" dirty="0">
                           <a:latin typeface="-윤고딕310" panose="02030504000101010101" pitchFamily="18" charset="-127"/>
                           <a:ea typeface="-윤고딕310" panose="02030504000101010101" pitchFamily="18" charset="-127"/>
                         </a:rPr>
                         <a:t>물론 맵은 미리 정해져 있다</a:t>
                       </a:r>
                       <a:r>
-                        <a:rPr lang="en-US" altLang="ko-KR" sz="1200" dirty="0" smtClean="0">
+                        <a:rPr lang="en-US" altLang="ko-KR" sz="1200" dirty="0">
                           <a:latin typeface="-윤고딕310" panose="02030504000101010101" pitchFamily="18" charset="-127"/>
                           <a:ea typeface="-윤고딕310" panose="02030504000101010101" pitchFamily="18" charset="-127"/>
                         </a:rPr>
@@ -9149,28 +9116,28 @@
                         <a:buChar char="•"/>
                       </a:pPr>
                       <a:r>
-                        <a:rPr lang="ko-KR" altLang="en-US" sz="1200" dirty="0" smtClean="0">
+                        <a:rPr lang="ko-KR" altLang="en-US" sz="1200" dirty="0">
                           <a:latin typeface="-윤고딕310" panose="02030504000101010101" pitchFamily="18" charset="-127"/>
                           <a:ea typeface="-윤고딕310" panose="02030504000101010101" pitchFamily="18" charset="-127"/>
                         </a:rPr>
                         <a:t>한 테마가 끝나면 간단한 컷 신이 있어 스토리를 알 수 있다</a:t>
                       </a:r>
                       <a:r>
-                        <a:rPr lang="en-US" altLang="ko-KR" sz="1200" dirty="0" smtClean="0">
+                        <a:rPr lang="en-US" altLang="ko-KR" sz="1200" dirty="0">
                           <a:latin typeface="-윤고딕310" panose="02030504000101010101" pitchFamily="18" charset="-127"/>
                           <a:ea typeface="-윤고딕310" panose="02030504000101010101" pitchFamily="18" charset="-127"/>
                         </a:rPr>
                         <a:t>. </a:t>
                       </a:r>
                       <a:r>
-                        <a:rPr lang="ko-KR" altLang="en-US" sz="1200" dirty="0" smtClean="0">
+                        <a:rPr lang="ko-KR" altLang="en-US" sz="1200" dirty="0">
                           <a:latin typeface="-윤고딕310" panose="02030504000101010101" pitchFamily="18" charset="-127"/>
                           <a:ea typeface="-윤고딕310" panose="02030504000101010101" pitchFamily="18" charset="-127"/>
                         </a:rPr>
                         <a:t>그림을 그려서 표현하는 게 아니라 동굴 이야기처럼 게임 화면에 대화 창을 띄운다</a:t>
                       </a:r>
                       <a:r>
-                        <a:rPr lang="en-US" altLang="ko-KR" sz="1200" dirty="0" smtClean="0">
+                        <a:rPr lang="en-US" altLang="ko-KR" sz="1200" dirty="0">
                           <a:latin typeface="-윤고딕310" panose="02030504000101010101" pitchFamily="18" charset="-127"/>
                           <a:ea typeface="-윤고딕310" panose="02030504000101010101" pitchFamily="18" charset="-127"/>
                         </a:rPr>
@@ -9188,6 +9155,11 @@
                     </a:solidFill>
                   </a:tcPr>
                 </a:tc>
+                <a:extLst>
+                  <a:ext uri="{0D108BD9-81ED-4DB2-BD59-A6C34878D82A}">
+                    <a16:rowId xmlns:a16="http://schemas.microsoft.com/office/drawing/2014/main" val="10001"/>
+                  </a:ext>
+                </a:extLst>
               </a:tr>
               <a:tr h="688313">
                 <a:tc>
@@ -9197,7 +9169,7 @@
                     <a:p>
                       <a:pPr algn="ctr" latinLnBrk="1"/>
                       <a:r>
-                        <a:rPr lang="en-US" altLang="ko-KR" sz="1900" dirty="0" smtClean="0">
+                        <a:rPr lang="en-US" altLang="ko-KR" sz="1900" dirty="0">
                           <a:latin typeface="-윤고딕310" panose="02030504000101010101" pitchFamily="18" charset="-127"/>
                           <a:ea typeface="-윤고딕310" panose="02030504000101010101" pitchFamily="18" charset="-127"/>
                         </a:rPr>
@@ -9249,6 +9221,11 @@
                   </a:txBody>
                   <a:tcPr marL="111605" marR="111605" marT="55802" marB="55802"/>
                 </a:tc>
+                <a:extLst>
+                  <a:ext uri="{0D108BD9-81ED-4DB2-BD59-A6C34878D82A}">
+                    <a16:rowId xmlns:a16="http://schemas.microsoft.com/office/drawing/2014/main" val="10002"/>
+                  </a:ext>
+                </a:extLst>
               </a:tr>
               <a:tr h="1376626">
                 <a:tc>
@@ -9258,7 +9235,7 @@
                     <a:p>
                       <a:pPr algn="ctr" latinLnBrk="1"/>
                       <a:r>
-                        <a:rPr lang="en-US" altLang="ko-KR" sz="1900" dirty="0" smtClean="0">
+                        <a:rPr lang="en-US" altLang="ko-KR" sz="1900" dirty="0">
                           <a:latin typeface="-윤고딕310" panose="02030504000101010101" pitchFamily="18" charset="-127"/>
                           <a:ea typeface="-윤고딕310" panose="02030504000101010101" pitchFamily="18" charset="-127"/>
                         </a:rPr>
@@ -9302,13 +9279,13 @@
                         <a:defRPr/>
                       </a:pPr>
                       <a:r>
-                        <a:rPr lang="ko-KR" altLang="en-US" sz="1200" smtClean="0">
+                        <a:rPr lang="ko-KR" altLang="en-US" sz="1200">
                           <a:latin typeface="-윤고딕310" panose="02030504000101010101" pitchFamily="18" charset="-127"/>
                           <a:ea typeface="-윤고딕310" panose="02030504000101010101" pitchFamily="18" charset="-127"/>
                         </a:rPr>
                         <a:t>인터페이스</a:t>
                       </a:r>
-                      <a:endParaRPr lang="ko-KR" altLang="en-US" sz="1200" dirty="0" smtClean="0">
+                      <a:endParaRPr lang="ko-KR" altLang="en-US" sz="1200" dirty="0">
                         <a:latin typeface="-윤고딕310" panose="02030504000101010101" pitchFamily="18" charset="-127"/>
                         <a:ea typeface="-윤고딕310" panose="02030504000101010101" pitchFamily="18" charset="-127"/>
                       </a:endParaRPr>
@@ -9326,54 +9303,54 @@
                         <a:buChar char="•"/>
                       </a:pPr>
                       <a:r>
-                        <a:rPr lang="ko-KR" altLang="en-US" sz="1200" dirty="0" smtClean="0">
+                        <a:rPr lang="ko-KR" altLang="en-US" sz="1200" dirty="0">
                           <a:latin typeface="-윤고딕310" panose="02030504000101010101" pitchFamily="18" charset="-127"/>
                           <a:ea typeface="-윤고딕310" panose="02030504000101010101" pitchFamily="18" charset="-127"/>
                         </a:rPr>
                         <a:t>객체 사이의 상호 작용</a:t>
                       </a:r>
                       <a:r>
-                        <a:rPr lang="en-US" altLang="ko-KR" sz="1200" dirty="0" smtClean="0">
+                        <a:rPr lang="en-US" altLang="ko-KR" sz="1200" dirty="0">
                           <a:latin typeface="-윤고딕310" panose="02030504000101010101" pitchFamily="18" charset="-127"/>
                           <a:ea typeface="-윤고딕310" panose="02030504000101010101" pitchFamily="18" charset="-127"/>
                         </a:rPr>
                         <a:t>, </a:t>
                       </a:r>
                       <a:r>
-                        <a:rPr lang="ko-KR" altLang="en-US" sz="1200" dirty="0" smtClean="0">
+                        <a:rPr lang="ko-KR" altLang="en-US" sz="1200" dirty="0">
                           <a:latin typeface="-윤고딕310" panose="02030504000101010101" pitchFamily="18" charset="-127"/>
                           <a:ea typeface="-윤고딕310" panose="02030504000101010101" pitchFamily="18" charset="-127"/>
                         </a:rPr>
                         <a:t>컷 신이나 적 출현 등 다양한 이벤트를 구현한다</a:t>
                       </a:r>
                       <a:r>
-                        <a:rPr lang="en-US" altLang="ko-KR" sz="1200" dirty="0" smtClean="0">
+                        <a:rPr lang="en-US" altLang="ko-KR" sz="1200" dirty="0">
                           <a:latin typeface="-윤고딕310" panose="02030504000101010101" pitchFamily="18" charset="-127"/>
                           <a:ea typeface="-윤고딕310" panose="02030504000101010101" pitchFamily="18" charset="-127"/>
                         </a:rPr>
                         <a:t>. </a:t>
                       </a:r>
                       <a:br>
-                        <a:rPr lang="en-US" altLang="ko-KR" sz="1200" dirty="0" smtClean="0">
+                        <a:rPr lang="en-US" altLang="ko-KR" sz="1200" dirty="0">
                           <a:latin typeface="-윤고딕310" panose="02030504000101010101" pitchFamily="18" charset="-127"/>
                           <a:ea typeface="-윤고딕310" panose="02030504000101010101" pitchFamily="18" charset="-127"/>
                         </a:rPr>
                       </a:br>
                       <a:r>
-                        <a:rPr lang="ko-KR" altLang="en-US" sz="1200" dirty="0" smtClean="0">
+                        <a:rPr lang="ko-KR" altLang="en-US" sz="1200" dirty="0">
                           <a:latin typeface="-윤고딕310" panose="02030504000101010101" pitchFamily="18" charset="-127"/>
                           <a:ea typeface="-윤고딕310" panose="02030504000101010101" pitchFamily="18" charset="-127"/>
                         </a:rPr>
                         <a:t>최대한 간단한 방향으로 구현한다</a:t>
                       </a:r>
                       <a:r>
-                        <a:rPr lang="en-US" altLang="ko-KR" sz="1200" dirty="0" smtClean="0">
+                        <a:rPr lang="en-US" altLang="ko-KR" sz="1200" dirty="0">
                           <a:latin typeface="-윤고딕310" panose="02030504000101010101" pitchFamily="18" charset="-127"/>
                           <a:ea typeface="-윤고딕310" panose="02030504000101010101" pitchFamily="18" charset="-127"/>
                         </a:rPr>
                         <a:t>.</a:t>
                       </a:r>
-                      <a:endParaRPr lang="en-US" altLang="ko-KR" sz="1200" baseline="0" dirty="0" smtClean="0">
+                      <a:endParaRPr lang="en-US" altLang="ko-KR" sz="1200" baseline="0" dirty="0">
                         <a:latin typeface="-윤고딕310" panose="02030504000101010101" pitchFamily="18" charset="-127"/>
                         <a:ea typeface="-윤고딕310" panose="02030504000101010101" pitchFamily="18" charset="-127"/>
                       </a:endParaRPr>
@@ -9384,28 +9361,28 @@
                         <a:buChar char="•"/>
                       </a:pPr>
                       <a:r>
-                        <a:rPr lang="ko-KR" altLang="en-US" sz="1200" dirty="0" smtClean="0">
+                        <a:rPr lang="ko-KR" altLang="en-US" sz="1200" dirty="0">
                           <a:latin typeface="-윤고딕310" panose="02030504000101010101" pitchFamily="18" charset="-127"/>
                           <a:ea typeface="-윤고딕310" panose="02030504000101010101" pitchFamily="18" charset="-127"/>
                         </a:rPr>
                         <a:t>스테이지 요약 페이지</a:t>
                       </a:r>
                       <a:r>
-                        <a:rPr lang="en-US" altLang="ko-KR" sz="1200" dirty="0" smtClean="0">
+                        <a:rPr lang="en-US" altLang="ko-KR" sz="1200" dirty="0">
                           <a:latin typeface="-윤고딕310" panose="02030504000101010101" pitchFamily="18" charset="-127"/>
                           <a:ea typeface="-윤고딕310" panose="02030504000101010101" pitchFamily="18" charset="-127"/>
                         </a:rPr>
                         <a:t>, </a:t>
                       </a:r>
                       <a:r>
-                        <a:rPr lang="ko-KR" altLang="en-US" sz="1200" dirty="0" smtClean="0">
+                        <a:rPr lang="ko-KR" altLang="en-US" sz="1200" dirty="0">
                           <a:latin typeface="-윤고딕310" panose="02030504000101010101" pitchFamily="18" charset="-127"/>
                           <a:ea typeface="-윤고딕310" panose="02030504000101010101" pitchFamily="18" charset="-127"/>
                         </a:rPr>
                         <a:t>메인 화면을 구현한다</a:t>
                       </a:r>
                       <a:r>
-                        <a:rPr lang="en-US" altLang="ko-KR" sz="1200" dirty="0" smtClean="0">
+                        <a:rPr lang="en-US" altLang="ko-KR" sz="1200" dirty="0">
                           <a:latin typeface="-윤고딕310" panose="02030504000101010101" pitchFamily="18" charset="-127"/>
                           <a:ea typeface="-윤고딕310" panose="02030504000101010101" pitchFamily="18" charset="-127"/>
                         </a:rPr>
@@ -9422,28 +9399,28 @@
                         <a:buChar char="•"/>
                       </a:pPr>
                       <a:r>
-                        <a:rPr lang="ko-KR" altLang="en-US" sz="1200" dirty="0" smtClean="0">
+                        <a:rPr lang="ko-KR" altLang="en-US" sz="1200" dirty="0">
                           <a:latin typeface="-윤고딕310" panose="02030504000101010101" pitchFamily="18" charset="-127"/>
                           <a:ea typeface="-윤고딕310" panose="02030504000101010101" pitchFamily="18" charset="-127"/>
                         </a:rPr>
                         <a:t>메인 화면</a:t>
                       </a:r>
                       <a:r>
-                        <a:rPr lang="en-US" altLang="ko-KR" sz="1200" dirty="0" smtClean="0">
+                        <a:rPr lang="en-US" altLang="ko-KR" sz="1200" dirty="0">
                           <a:latin typeface="-윤고딕310" panose="02030504000101010101" pitchFamily="18" charset="-127"/>
                           <a:ea typeface="-윤고딕310" panose="02030504000101010101" pitchFamily="18" charset="-127"/>
                         </a:rPr>
                         <a:t>, </a:t>
                       </a:r>
                       <a:r>
-                        <a:rPr lang="ko-KR" altLang="en-US" sz="1200" dirty="0" smtClean="0">
+                        <a:rPr lang="ko-KR" altLang="en-US" sz="1200" dirty="0">
                           <a:latin typeface="-윤고딕310" panose="02030504000101010101" pitchFamily="18" charset="-127"/>
                           <a:ea typeface="-윤고딕310" panose="02030504000101010101" pitchFamily="18" charset="-127"/>
                         </a:rPr>
                         <a:t>보조 게임 메뉴를 추가한다</a:t>
                       </a:r>
                       <a:r>
-                        <a:rPr lang="en-US" altLang="ko-KR" sz="1200" dirty="0" smtClean="0">
+                        <a:rPr lang="en-US" altLang="ko-KR" sz="1200" dirty="0">
                           <a:latin typeface="-윤고딕310" panose="02030504000101010101" pitchFamily="18" charset="-127"/>
                           <a:ea typeface="-윤고딕310" panose="02030504000101010101" pitchFamily="18" charset="-127"/>
                         </a:rPr>
@@ -9456,63 +9433,63 @@
                         <a:buChar char="•"/>
                       </a:pPr>
                       <a:r>
-                        <a:rPr lang="ko-KR" altLang="en-US" sz="1200" dirty="0" smtClean="0">
+                        <a:rPr lang="ko-KR" altLang="en-US" sz="1200" dirty="0">
                           <a:latin typeface="-윤고딕310" panose="02030504000101010101" pitchFamily="18" charset="-127"/>
                           <a:ea typeface="-윤고딕310" panose="02030504000101010101" pitchFamily="18" charset="-127"/>
                         </a:rPr>
                         <a:t>게임 진행 중에</a:t>
                       </a:r>
                       <a:r>
-                        <a:rPr lang="ko-KR" altLang="en-US" sz="1200" baseline="0" dirty="0" smtClean="0">
+                        <a:rPr lang="ko-KR" altLang="en-US" sz="1200" baseline="0" dirty="0">
                           <a:latin typeface="-윤고딕310" panose="02030504000101010101" pitchFamily="18" charset="-127"/>
                           <a:ea typeface="-윤고딕310" panose="02030504000101010101" pitchFamily="18" charset="-127"/>
                         </a:rPr>
                         <a:t> 직접 표시되는 </a:t>
                       </a:r>
                       <a:r>
-                        <a:rPr lang="ko-KR" altLang="en-US" sz="1200" dirty="0" smtClean="0">
+                        <a:rPr lang="ko-KR" altLang="en-US" sz="1200" dirty="0">
                           <a:latin typeface="-윤고딕310" panose="02030504000101010101" pitchFamily="18" charset="-127"/>
                           <a:ea typeface="-윤고딕310" panose="02030504000101010101" pitchFamily="18" charset="-127"/>
                         </a:rPr>
                         <a:t>인터페이스는 점수</a:t>
                       </a:r>
                       <a:r>
-                        <a:rPr lang="en-US" altLang="ko-KR" sz="1200" dirty="0" smtClean="0">
+                        <a:rPr lang="en-US" altLang="ko-KR" sz="1200" dirty="0">
                           <a:latin typeface="-윤고딕310" panose="02030504000101010101" pitchFamily="18" charset="-127"/>
                           <a:ea typeface="-윤고딕310" panose="02030504000101010101" pitchFamily="18" charset="-127"/>
                         </a:rPr>
                         <a:t>, </a:t>
                       </a:r>
                       <a:r>
-                        <a:rPr lang="ko-KR" altLang="en-US" sz="1200" dirty="0" smtClean="0">
+                        <a:rPr lang="ko-KR" altLang="en-US" sz="1200" dirty="0">
                           <a:latin typeface="-윤고딕310" panose="02030504000101010101" pitchFamily="18" charset="-127"/>
                           <a:ea typeface="-윤고딕310" panose="02030504000101010101" pitchFamily="18" charset="-127"/>
                         </a:rPr>
                         <a:t>체력 게이지</a:t>
                       </a:r>
                       <a:r>
-                        <a:rPr lang="en-US" altLang="ko-KR" sz="1200" dirty="0" smtClean="0">
+                        <a:rPr lang="en-US" altLang="ko-KR" sz="1200" dirty="0">
                           <a:latin typeface="-윤고딕310" panose="02030504000101010101" pitchFamily="18" charset="-127"/>
                           <a:ea typeface="-윤고딕310" panose="02030504000101010101" pitchFamily="18" charset="-127"/>
                         </a:rPr>
                         <a:t>,</a:t>
                       </a:r>
                       <a:r>
-                        <a:rPr lang="en-US" altLang="ko-KR" sz="1200" baseline="0" dirty="0" smtClean="0">
+                        <a:rPr lang="en-US" altLang="ko-KR" sz="1200" baseline="0" dirty="0">
                           <a:latin typeface="-윤고딕310" panose="02030504000101010101" pitchFamily="18" charset="-127"/>
                           <a:ea typeface="-윤고딕310" panose="02030504000101010101" pitchFamily="18" charset="-127"/>
                         </a:rPr>
                         <a:t> </a:t>
                       </a:r>
                       <a:r>
-                        <a:rPr lang="ko-KR" altLang="en-US" sz="1200" baseline="0" dirty="0" smtClean="0">
+                        <a:rPr lang="ko-KR" altLang="en-US" sz="1200" baseline="0" dirty="0">
                           <a:latin typeface="-윤고딕310" panose="02030504000101010101" pitchFamily="18" charset="-127"/>
                           <a:ea typeface="-윤고딕310" panose="02030504000101010101" pitchFamily="18" charset="-127"/>
                         </a:rPr>
                         <a:t>그리고 들고 있는 장비 표시가 전부이다</a:t>
                       </a:r>
                       <a:r>
-                        <a:rPr lang="en-US" altLang="ko-KR" sz="1200" baseline="0" dirty="0" smtClean="0">
+                        <a:rPr lang="en-US" altLang="ko-KR" sz="1200" baseline="0" dirty="0">
                           <a:latin typeface="-윤고딕310" panose="02030504000101010101" pitchFamily="18" charset="-127"/>
                           <a:ea typeface="-윤고딕310" panose="02030504000101010101" pitchFamily="18" charset="-127"/>
                         </a:rPr>
@@ -9526,6 +9503,11 @@
                   </a:txBody>
                   <a:tcPr marL="111605" marR="111605" marT="55802" marB="55802"/>
                 </a:tc>
+                <a:extLst>
+                  <a:ext uri="{0D108BD9-81ED-4DB2-BD59-A6C34878D82A}">
+                    <a16:rowId xmlns:a16="http://schemas.microsoft.com/office/drawing/2014/main" val="10003"/>
+                  </a:ext>
+                </a:extLst>
               </a:tr>
               <a:tr h="688313">
                 <a:tc>
@@ -9535,7 +9517,7 @@
                     <a:p>
                       <a:pPr algn="ctr" latinLnBrk="1"/>
                       <a:r>
-                        <a:rPr lang="en-US" altLang="ko-KR" sz="1900" dirty="0" smtClean="0">
+                        <a:rPr lang="en-US" altLang="ko-KR" sz="1900" dirty="0">
                           <a:latin typeface="-윤고딕310" panose="02030504000101010101" pitchFamily="18" charset="-127"/>
                           <a:ea typeface="-윤고딕310" panose="02030504000101010101" pitchFamily="18" charset="-127"/>
                         </a:rPr>
@@ -9579,21 +9561,21 @@
                         <a:defRPr/>
                       </a:pPr>
                       <a:r>
-                        <a:rPr lang="ko-KR" altLang="en-US" sz="1200" dirty="0" smtClean="0">
+                        <a:rPr lang="ko-KR" altLang="en-US" sz="1200" dirty="0">
                           <a:latin typeface="-윤고딕310" panose="02030504000101010101" pitchFamily="18" charset="-127"/>
                           <a:ea typeface="-윤고딕310" panose="02030504000101010101" pitchFamily="18" charset="-127"/>
                         </a:rPr>
                         <a:t>게임 릴리즈</a:t>
                       </a:r>
                       <a:r>
-                        <a:rPr lang="en-US" altLang="ko-KR" sz="1200" dirty="0" smtClean="0">
+                        <a:rPr lang="en-US" altLang="ko-KR" sz="1200" dirty="0">
                           <a:latin typeface="-윤고딕310" panose="02030504000101010101" pitchFamily="18" charset="-127"/>
                           <a:ea typeface="-윤고딕310" panose="02030504000101010101" pitchFamily="18" charset="-127"/>
                         </a:rPr>
                         <a:t>, </a:t>
                       </a:r>
                       <a:r>
-                        <a:rPr lang="ko-KR" altLang="en-US" sz="1200" dirty="0" smtClean="0">
+                        <a:rPr lang="ko-KR" altLang="en-US" sz="1200" dirty="0">
                           <a:latin typeface="-윤고딕310" panose="02030504000101010101" pitchFamily="18" charset="-127"/>
                           <a:ea typeface="-윤고딕310" panose="02030504000101010101" pitchFamily="18" charset="-127"/>
                         </a:rPr>
@@ -9613,20 +9595,21 @@
                         <a:buChar char="•"/>
                       </a:pPr>
                       <a:r>
-                        <a:rPr lang="ko-KR" altLang="en-US" sz="1200" dirty="0" smtClean="0">
+                        <a:rPr lang="ko-KR" altLang="en-US" sz="1200" dirty="0">
                           <a:latin typeface="-윤고딕310" panose="02030504000101010101" pitchFamily="18" charset="-127"/>
                           <a:ea typeface="-윤고딕310" panose="02030504000101010101" pitchFamily="18" charset="-127"/>
                         </a:rPr>
                         <a:t>마무리</a:t>
                       </a:r>
-                      <a:endParaRPr lang="ko-KR" altLang="en-US" sz="1200" dirty="0">
-                        <a:latin typeface="-윤고딕310" panose="02030504000101010101" pitchFamily="18" charset="-127"/>
-                        <a:ea typeface="-윤고딕310" panose="02030504000101010101" pitchFamily="18" charset="-127"/>
-                      </a:endParaRPr>
                     </a:p>
                   </a:txBody>
                   <a:tcPr marL="111605" marR="111605" marT="55802" marB="55802"/>
                 </a:tc>
+                <a:extLst>
+                  <a:ext uri="{0D108BD9-81ED-4DB2-BD59-A6C34878D82A}">
+                    <a16:rowId xmlns:a16="http://schemas.microsoft.com/office/drawing/2014/main" val="10004"/>
+                  </a:ext>
+                </a:extLst>
               </a:tr>
             </a:tbl>
           </a:graphicData>
@@ -9654,7 +9637,7 @@
           <a:p>
             <a:fld id="{E63BED42-B56B-487C-A576-F8E55AE26EFB}" type="datetime1">
               <a:rPr lang="ko-KR" altLang="en-US" smtClean="0"/>
-              <a:t>2017-10-29</a:t>
+              <a:t>2017-11-19</a:t>
             </a:fld>
             <a:endParaRPr lang="ko-KR" altLang="en-US"/>
           </a:p>
@@ -9709,7 +9692,7 @@
           <a:lstStyle/>
           <a:p>
             <a:r>
-              <a:rPr lang="en-US" altLang="ko-KR" dirty="0" smtClean="0">
+              <a:rPr lang="en-US" altLang="ko-KR" dirty="0">
                 <a:solidFill>
                   <a:srgbClr val="C00000"/>
                 </a:solidFill>
@@ -9719,7 +9702,7 @@
               <a:t>2D </a:t>
             </a:r>
             <a:r>
-              <a:rPr lang="ko-KR" altLang="en-US" dirty="0" smtClean="0">
+              <a:rPr lang="ko-KR" altLang="en-US" dirty="0">
                 <a:solidFill>
                   <a:srgbClr val="C00000"/>
                 </a:solidFill>
@@ -9728,13 +9711,6 @@
               </a:rPr>
               <a:t>게임 프로그래밍</a:t>
             </a:r>
-            <a:endParaRPr lang="ko-KR" altLang="en-US" dirty="0">
-              <a:solidFill>
-                <a:srgbClr val="C00000"/>
-              </a:solidFill>
-              <a:latin typeface="-윤고딕310" panose="02030504000101010101" pitchFamily="18" charset="-127"/>
-              <a:ea typeface="-윤고딕310" panose="02030504000101010101" pitchFamily="18" charset="-127"/>
-            </a:endParaRPr>
           </a:p>
         </p:txBody>
       </p:sp>
@@ -9748,13 +9724,6 @@
   <p:clrMapOvr>
     <a:masterClrMapping/>
   </p:clrMapOvr>
-  <p:timing>
-    <p:tnLst>
-      <p:par>
-        <p:cTn id="1" dur="indefinite" restart="never" nodeType="tmRoot"/>
-      </p:par>
-    </p:tnLst>
-  </p:timing>
 </p:sld>
 </file>
 
@@ -9793,14 +9762,14 @@
           <a:lstStyle/>
           <a:p>
             <a:r>
-              <a:rPr lang="ko-KR" altLang="en-US" sz="4000" dirty="0" smtClean="0">
+              <a:rPr lang="ko-KR" altLang="en-US" sz="4000" dirty="0">
                 <a:latin typeface="-윤고딕330" panose="02030504000101010101" pitchFamily="18" charset="-127"/>
                 <a:ea typeface="-윤고딕330" panose="02030504000101010101" pitchFamily="18" charset="-127"/>
               </a:rPr>
               <a:t>봐주셔서 감사합니다</a:t>
             </a:r>
             <a:r>
-              <a:rPr lang="en-US" altLang="ko-KR" sz="4000" dirty="0" smtClean="0">
+              <a:rPr lang="en-US" altLang="ko-KR" sz="4000" dirty="0">
                 <a:latin typeface="-윤고딕330" panose="02030504000101010101" pitchFamily="18" charset="-127"/>
                 <a:ea typeface="-윤고딕330" panose="02030504000101010101" pitchFamily="18" charset="-127"/>
               </a:rPr>
@@ -9842,13 +9811,6 @@
   <p:clrMapOvr>
     <a:masterClrMapping/>
   </p:clrMapOvr>
-  <p:timing>
-    <p:tnLst>
-      <p:par>
-        <p:cTn id="1" dur="indefinite" restart="never" nodeType="tmRoot"/>
-      </p:par>
-    </p:tnLst>
-  </p:timing>
 </p:sld>
 </file>
 
@@ -9885,16 +9847,12 @@
           <a:lstStyle/>
           <a:p>
             <a:r>
-              <a:rPr lang="ko-KR" altLang="en-US" dirty="0" smtClean="0">
+              <a:rPr lang="ko-KR" altLang="en-US" dirty="0">
                 <a:latin typeface="-윤고딕320" panose="02030504000101010101" pitchFamily="18" charset="-127"/>
                 <a:ea typeface="-윤고딕320" panose="02030504000101010101" pitchFamily="18" charset="-127"/>
               </a:rPr>
               <a:t>자체 평가</a:t>
             </a:r>
-            <a:endParaRPr lang="ko-KR" altLang="en-US" dirty="0">
-              <a:latin typeface="-윤고딕320" panose="02030504000101010101" pitchFamily="18" charset="-127"/>
-              <a:ea typeface="-윤고딕320" panose="02030504000101010101" pitchFamily="18" charset="-127"/>
-            </a:endParaRPr>
           </a:p>
         </p:txBody>
       </p:sp>
@@ -9924,8 +9882,20 @@
                 <a:tableStyleId>{5C22544A-7EE6-4342-B048-85BDC9FD1C3A}</a:tableStyleId>
               </a:tblPr>
               <a:tblGrid>
-                <a:gridCol w="3098007"/>
-                <a:gridCol w="3098007"/>
+                <a:gridCol w="3098007">
+                  <a:extLst>
+                    <a:ext uri="{9D8B030D-6E8A-4147-A177-3AD203B41FA5}">
+                      <a16:colId xmlns:a16="http://schemas.microsoft.com/office/drawing/2014/main" val="20000"/>
+                    </a:ext>
+                  </a:extLst>
+                </a:gridCol>
+                <a:gridCol w="3098007">
+                  <a:extLst>
+                    <a:ext uri="{9D8B030D-6E8A-4147-A177-3AD203B41FA5}">
+                      <a16:colId xmlns:a16="http://schemas.microsoft.com/office/drawing/2014/main" val="20001"/>
+                    </a:ext>
+                  </a:extLst>
+                </a:gridCol>
               </a:tblGrid>
               <a:tr h="373583">
                 <a:tc>
@@ -9935,16 +9905,12 @@
                     <a:p>
                       <a:pPr algn="ctr" latinLnBrk="1"/>
                       <a:r>
-                        <a:rPr lang="ko-KR" altLang="en-US" b="0" dirty="0" smtClean="0">
+                        <a:rPr lang="ko-KR" altLang="en-US" b="0" dirty="0">
                           <a:latin typeface="-윤고딕320" panose="02030504000101010101" pitchFamily="18" charset="-127"/>
                           <a:ea typeface="-윤고딕320" panose="02030504000101010101" pitchFamily="18" charset="-127"/>
                         </a:rPr>
                         <a:t>평가 항목</a:t>
                       </a:r>
-                      <a:endParaRPr lang="ko-KR" altLang="en-US" b="0" dirty="0">
-                        <a:latin typeface="-윤고딕320" panose="02030504000101010101" pitchFamily="18" charset="-127"/>
-                        <a:ea typeface="-윤고딕320" panose="02030504000101010101" pitchFamily="18" charset="-127"/>
-                      </a:endParaRPr>
                     </a:p>
                   </a:txBody>
                   <a:tcPr anchor="ctr">
@@ -9962,16 +9928,12 @@
                     <a:p>
                       <a:pPr algn="ctr" latinLnBrk="1"/>
                       <a:r>
-                        <a:rPr lang="ko-KR" altLang="en-US" b="0" dirty="0" smtClean="0">
+                        <a:rPr lang="ko-KR" altLang="en-US" b="0" dirty="0">
                           <a:latin typeface="-윤고딕320" panose="02030504000101010101" pitchFamily="18" charset="-127"/>
                           <a:ea typeface="-윤고딕320" panose="02030504000101010101" pitchFamily="18" charset="-127"/>
                         </a:rPr>
                         <a:t>평가</a:t>
                       </a:r>
-                      <a:endParaRPr lang="ko-KR" altLang="en-US" b="0" dirty="0">
-                        <a:latin typeface="-윤고딕320" panose="02030504000101010101" pitchFamily="18" charset="-127"/>
-                        <a:ea typeface="-윤고딕320" panose="02030504000101010101" pitchFamily="18" charset="-127"/>
-                      </a:endParaRPr>
                     </a:p>
                   </a:txBody>
                   <a:tcPr anchor="ctr">
@@ -9982,6 +9944,11 @@
                     </a:solidFill>
                   </a:tcPr>
                 </a:tc>
+                <a:extLst>
+                  <a:ext uri="{0D108BD9-81ED-4DB2-BD59-A6C34878D82A}">
+                    <a16:rowId xmlns:a16="http://schemas.microsoft.com/office/drawing/2014/main" val="10000"/>
+                  </a:ext>
+                </a:extLst>
               </a:tr>
               <a:tr h="578321">
                 <a:tc>
@@ -10007,7 +9974,7 @@
                         <a:defRPr/>
                       </a:pPr>
                       <a:r>
-                        <a:rPr lang="ko-KR" altLang="en-US" sz="1600" b="0" i="0" u="none" strike="noStrike" kern="1200" baseline="0" dirty="0" smtClean="0">
+                        <a:rPr lang="ko-KR" altLang="en-US" sz="1600" b="0" i="0" u="none" strike="noStrike" kern="1200" baseline="0" dirty="0">
                           <a:solidFill>
                             <a:schemeClr val="dk1"/>
                           </a:solidFill>
@@ -10018,7 +9985,7 @@
                         <a:t>게임컨셉이 잘 표현되었는가</a:t>
                       </a:r>
                       <a:r>
-                        <a:rPr lang="en-US" altLang="ko-KR" sz="1600" b="0" i="0" u="none" strike="noStrike" kern="1200" baseline="0" dirty="0" smtClean="0">
+                        <a:rPr lang="en-US" altLang="ko-KR" sz="1600" b="0" i="0" u="none" strike="noStrike" kern="1200" baseline="0" dirty="0">
                           <a:solidFill>
                             <a:schemeClr val="dk1"/>
                           </a:solidFill>
@@ -10043,7 +10010,7 @@
                     <a:p>
                       <a:pPr latinLnBrk="1"/>
                       <a:r>
-                        <a:rPr lang="en-US" altLang="ko-KR" dirty="0" smtClean="0">
+                        <a:rPr lang="en-US" altLang="ko-KR" dirty="0">
                           <a:latin typeface="-윤고딕310" panose="02030504000101010101" pitchFamily="18" charset="-127"/>
                           <a:ea typeface="-윤고딕310" panose="02030504000101010101" pitchFamily="18" charset="-127"/>
                         </a:rPr>
@@ -10061,6 +10028,11 @@
                     </a:solidFill>
                   </a:tcPr>
                 </a:tc>
+                <a:extLst>
+                  <a:ext uri="{0D108BD9-81ED-4DB2-BD59-A6C34878D82A}">
+                    <a16:rowId xmlns:a16="http://schemas.microsoft.com/office/drawing/2014/main" val="10001"/>
+                  </a:ext>
+                </a:extLst>
               </a:tr>
               <a:tr h="578321">
                 <a:tc>
@@ -10086,7 +10058,7 @@
                         <a:defRPr/>
                       </a:pPr>
                       <a:r>
-                        <a:rPr lang="ko-KR" altLang="en-US" sz="1600" b="0" i="0" u="none" strike="noStrike" kern="1200" baseline="0" dirty="0" smtClean="0">
+                        <a:rPr lang="ko-KR" altLang="en-US" sz="1600" b="0" i="0" u="none" strike="noStrike" kern="1200" baseline="0" dirty="0">
                           <a:solidFill>
                             <a:schemeClr val="dk1"/>
                           </a:solidFill>
@@ -10097,7 +10069,7 @@
                         <a:t>게임 핵심 메커니즘의 제시가 잘 되었는가</a:t>
                       </a:r>
                       <a:r>
-                        <a:rPr lang="en-US" altLang="ko-KR" sz="1600" b="0" i="0" u="none" strike="noStrike" kern="1200" baseline="0" dirty="0" smtClean="0">
+                        <a:rPr lang="en-US" altLang="ko-KR" sz="1600" b="0" i="0" u="none" strike="noStrike" kern="1200" baseline="0" dirty="0">
                           <a:solidFill>
                             <a:schemeClr val="dk1"/>
                           </a:solidFill>
@@ -10122,7 +10094,7 @@
                     <a:p>
                       <a:pPr latinLnBrk="1"/>
                       <a:r>
-                        <a:rPr lang="en-US" altLang="ko-KR" smtClean="0">
+                        <a:rPr lang="en-US" altLang="ko-KR">
                           <a:latin typeface="-윤고딕310" panose="02030504000101010101" pitchFamily="18" charset="-127"/>
                           <a:ea typeface="-윤고딕310" panose="02030504000101010101" pitchFamily="18" charset="-127"/>
                         </a:rPr>
@@ -10140,6 +10112,11 @@
                     </a:solidFill>
                   </a:tcPr>
                 </a:tc>
+                <a:extLst>
+                  <a:ext uri="{0D108BD9-81ED-4DB2-BD59-A6C34878D82A}">
+                    <a16:rowId xmlns:a16="http://schemas.microsoft.com/office/drawing/2014/main" val="10002"/>
+                  </a:ext>
+                </a:extLst>
               </a:tr>
               <a:tr h="578321">
                 <a:tc>
@@ -10165,7 +10142,7 @@
                         <a:defRPr/>
                       </a:pPr>
                       <a:r>
-                        <a:rPr lang="ko-KR" altLang="en-US" sz="1600" b="0" i="0" u="none" strike="noStrike" kern="1200" baseline="0" dirty="0" smtClean="0">
+                        <a:rPr lang="ko-KR" altLang="en-US" sz="1600" b="0" i="0" u="none" strike="noStrike" kern="1200" baseline="0" dirty="0">
                           <a:solidFill>
                             <a:schemeClr val="dk1"/>
                           </a:solidFill>
@@ -10176,7 +10153,7 @@
                         <a:t>실행 흐름이 잘 표현되었는가</a:t>
                       </a:r>
                       <a:r>
-                        <a:rPr lang="en-US" altLang="ko-KR" sz="1600" b="0" i="0" u="none" strike="noStrike" kern="1200" baseline="0" dirty="0" smtClean="0">
+                        <a:rPr lang="en-US" altLang="ko-KR" sz="1600" b="0" i="0" u="none" strike="noStrike" kern="1200" baseline="0" dirty="0">
                           <a:solidFill>
                             <a:schemeClr val="dk1"/>
                           </a:solidFill>
@@ -10201,7 +10178,7 @@
                     <a:p>
                       <a:pPr latinLnBrk="1"/>
                       <a:r>
-                        <a:rPr lang="en-US" altLang="ko-KR" dirty="0" smtClean="0">
+                        <a:rPr lang="en-US" altLang="ko-KR" dirty="0">
                           <a:latin typeface="-윤고딕310" panose="02030504000101010101" pitchFamily="18" charset="-127"/>
                           <a:ea typeface="-윤고딕310" panose="02030504000101010101" pitchFamily="18" charset="-127"/>
                         </a:rPr>
@@ -10219,6 +10196,11 @@
                     </a:solidFill>
                   </a:tcPr>
                 </a:tc>
+                <a:extLst>
+                  <a:ext uri="{0D108BD9-81ED-4DB2-BD59-A6C34878D82A}">
+                    <a16:rowId xmlns:a16="http://schemas.microsoft.com/office/drawing/2014/main" val="10003"/>
+                  </a:ext>
+                </a:extLst>
               </a:tr>
               <a:tr h="578321">
                 <a:tc>
@@ -10244,7 +10226,7 @@
                         <a:defRPr/>
                       </a:pPr>
                       <a:r>
-                        <a:rPr lang="ko-KR" altLang="en-US" sz="1600" b="0" i="0" u="none" strike="noStrike" kern="1200" baseline="0" dirty="0" smtClean="0">
+                        <a:rPr lang="ko-KR" altLang="en-US" sz="1600" b="0" i="0" u="none" strike="noStrike" kern="1200" baseline="0" dirty="0">
                           <a:solidFill>
                             <a:schemeClr val="dk1"/>
                           </a:solidFill>
@@ -10255,7 +10237,7 @@
                         <a:t>개발 범위가 구체적이며</a:t>
                       </a:r>
                       <a:r>
-                        <a:rPr lang="en-US" altLang="ko-KR" sz="1600" b="0" i="0" u="none" strike="noStrike" kern="1200" baseline="0" dirty="0" smtClean="0">
+                        <a:rPr lang="en-US" altLang="ko-KR" sz="1600" b="0" i="0" u="none" strike="noStrike" kern="1200" baseline="0" dirty="0">
                           <a:solidFill>
                             <a:schemeClr val="dk1"/>
                           </a:solidFill>
@@ -10266,7 +10248,7 @@
                         <a:t>, </a:t>
                       </a:r>
                       <a:r>
-                        <a:rPr lang="ko-KR" altLang="en-US" sz="1600" b="0" i="0" u="none" strike="noStrike" kern="1200" baseline="0" dirty="0" smtClean="0">
+                        <a:rPr lang="ko-KR" altLang="en-US" sz="1600" b="0" i="0" u="none" strike="noStrike" kern="1200" baseline="0" dirty="0">
                           <a:solidFill>
                             <a:schemeClr val="dk1"/>
                           </a:solidFill>
@@ -10277,7 +10259,7 @@
                         <a:t>측정 가능한가</a:t>
                       </a:r>
                       <a:r>
-                        <a:rPr lang="en-US" altLang="ko-KR" sz="1600" b="0" i="0" u="none" strike="noStrike" kern="1200" baseline="0" dirty="0" smtClean="0">
+                        <a:rPr lang="en-US" altLang="ko-KR" sz="1600" b="0" i="0" u="none" strike="noStrike" kern="1200" baseline="0" dirty="0">
                           <a:solidFill>
                             <a:schemeClr val="dk1"/>
                           </a:solidFill>
@@ -10302,7 +10284,7 @@
                     <a:p>
                       <a:pPr latinLnBrk="1"/>
                       <a:r>
-                        <a:rPr lang="en-US" altLang="ko-KR" dirty="0" smtClean="0">
+                        <a:rPr lang="en-US" altLang="ko-KR" dirty="0">
                           <a:latin typeface="-윤고딕310" panose="02030504000101010101" pitchFamily="18" charset="-127"/>
                           <a:ea typeface="-윤고딕310" panose="02030504000101010101" pitchFamily="18" charset="-127"/>
                         </a:rPr>
@@ -10320,6 +10302,11 @@
                     </a:solidFill>
                   </a:tcPr>
                 </a:tc>
+                <a:extLst>
+                  <a:ext uri="{0D108BD9-81ED-4DB2-BD59-A6C34878D82A}">
+                    <a16:rowId xmlns:a16="http://schemas.microsoft.com/office/drawing/2014/main" val="10004"/>
+                  </a:ext>
+                </a:extLst>
               </a:tr>
               <a:tr h="578321">
                 <a:tc>
@@ -10345,7 +10332,7 @@
                         <a:defRPr/>
                       </a:pPr>
                       <a:r>
-                        <a:rPr lang="ko-KR" altLang="en-US" sz="1600" b="0" i="0" u="none" strike="noStrike" kern="1200" baseline="0" dirty="0" smtClean="0">
+                        <a:rPr lang="ko-KR" altLang="en-US" sz="1600" b="0" i="0" u="none" strike="noStrike" kern="1200" baseline="0" dirty="0">
                           <a:solidFill>
                             <a:schemeClr val="dk1"/>
                           </a:solidFill>
@@ -10356,7 +10343,7 @@
                         <a:t>계획이 구체적이며 실행 가능한가</a:t>
                       </a:r>
                       <a:r>
-                        <a:rPr lang="en-US" altLang="ko-KR" sz="1600" b="0" i="0" u="none" strike="noStrike" kern="1200" baseline="0" dirty="0" smtClean="0">
+                        <a:rPr lang="en-US" altLang="ko-KR" sz="1600" b="0" i="0" u="none" strike="noStrike" kern="1200" baseline="0" dirty="0">
                           <a:solidFill>
                             <a:schemeClr val="dk1"/>
                           </a:solidFill>
@@ -10381,7 +10368,7 @@
                     <a:p>
                       <a:pPr latinLnBrk="1"/>
                       <a:r>
-                        <a:rPr lang="en-US" altLang="ko-KR" dirty="0" smtClean="0">
+                        <a:rPr lang="en-US" altLang="ko-KR" dirty="0">
                           <a:latin typeface="-윤고딕310" panose="02030504000101010101" pitchFamily="18" charset="-127"/>
                           <a:ea typeface="-윤고딕310" panose="02030504000101010101" pitchFamily="18" charset="-127"/>
                         </a:rPr>
@@ -10399,6 +10386,11 @@
                     </a:solidFill>
                   </a:tcPr>
                 </a:tc>
+                <a:extLst>
+                  <a:ext uri="{0D108BD9-81ED-4DB2-BD59-A6C34878D82A}">
+                    <a16:rowId xmlns:a16="http://schemas.microsoft.com/office/drawing/2014/main" val="10005"/>
+                  </a:ext>
+                </a:extLst>
               </a:tr>
             </a:tbl>
           </a:graphicData>
@@ -10426,7 +10418,7 @@
           <a:p>
             <a:fld id="{E64E4686-FFDF-4469-BE9B-A5EC149CF7A5}" type="datetime1">
               <a:rPr lang="ko-KR" altLang="en-US" smtClean="0"/>
-              <a:t>2017-10-29</a:t>
+              <a:t>2017-11-19</a:t>
             </a:fld>
             <a:endParaRPr lang="ko-KR" altLang="en-US"/>
           </a:p>
@@ -10481,7 +10473,7 @@
           <a:lstStyle/>
           <a:p>
             <a:r>
-              <a:rPr lang="en-US" altLang="ko-KR" smtClean="0">
+              <a:rPr lang="en-US" altLang="ko-KR">
                 <a:solidFill>
                   <a:srgbClr val="C00000"/>
                 </a:solidFill>
@@ -10491,7 +10483,7 @@
               <a:t>2D </a:t>
             </a:r>
             <a:r>
-              <a:rPr lang="ko-KR" altLang="en-US" smtClean="0">
+              <a:rPr lang="ko-KR" altLang="en-US">
                 <a:solidFill>
                   <a:srgbClr val="C00000"/>
                 </a:solidFill>
@@ -10500,13 +10492,6 @@
               </a:rPr>
               <a:t>게임 프로그래밍</a:t>
             </a:r>
-            <a:endParaRPr lang="ko-KR" altLang="en-US">
-              <a:solidFill>
-                <a:srgbClr val="C00000"/>
-              </a:solidFill>
-              <a:latin typeface="-윤고딕310" panose="02030504000101010101" pitchFamily="18" charset="-127"/>
-              <a:ea typeface="-윤고딕310" panose="02030504000101010101" pitchFamily="18" charset="-127"/>
-            </a:endParaRPr>
           </a:p>
         </p:txBody>
       </p:sp>
@@ -10520,13 +10505,6 @@
   <p:clrMapOvr>
     <a:masterClrMapping/>
   </p:clrMapOvr>
-  <p:timing>
-    <p:tnLst>
-      <p:par>
-        <p:cTn id="1" dur="indefinite" restart="never" nodeType="tmRoot"/>
-      </p:par>
-    </p:tnLst>
-  </p:timing>
 </p:sld>
 </file>
 
@@ -10563,18 +10541,11 @@
           <a:lstStyle/>
           <a:p>
             <a:r>
-              <a:rPr lang="ko-KR" altLang="en-US" smtClean="0">
-                <a:latin typeface="-윤고딕320" panose="02030504000101010101" pitchFamily="18" charset="-127"/>
-                <a:ea typeface="-윤고딕320" panose="02030504000101010101" pitchFamily="18" charset="-127"/>
-              </a:rPr>
-              <a:t>목</a:t>
-            </a:r>
-            <a:r>
               <a:rPr lang="ko-KR" altLang="en-US">
                 <a:latin typeface="-윤고딕320" panose="02030504000101010101" pitchFamily="18" charset="-127"/>
                 <a:ea typeface="-윤고딕320" panose="02030504000101010101" pitchFamily="18" charset="-127"/>
               </a:rPr>
-              <a:t>차</a:t>
+              <a:t>목차</a:t>
             </a:r>
           </a:p>
         </p:txBody>
@@ -10601,13 +10572,13 @@
               <a:buAutoNum type="arabicPeriod"/>
             </a:pPr>
             <a:r>
-              <a:rPr lang="ko-KR" altLang="en-US" sz="2300" dirty="0" smtClean="0">
+              <a:rPr lang="ko-KR" altLang="en-US" sz="2300" dirty="0">
                 <a:latin typeface="-윤고딕310" panose="02030504000101010101" pitchFamily="18" charset="-127"/>
                 <a:ea typeface="-윤고딕310" panose="02030504000101010101" pitchFamily="18" charset="-127"/>
               </a:rPr>
               <a:t>게임 컨셉트</a:t>
             </a:r>
-            <a:endParaRPr lang="en-US" altLang="ko-KR" sz="2300" dirty="0" smtClean="0">
+            <a:endParaRPr lang="en-US" altLang="ko-KR" sz="2300" dirty="0">
               <a:latin typeface="-윤고딕310" panose="02030504000101010101" pitchFamily="18" charset="-127"/>
               <a:ea typeface="-윤고딕310" panose="02030504000101010101" pitchFamily="18" charset="-127"/>
             </a:endParaRPr>
@@ -10618,13 +10589,13 @@
               <a:buAutoNum type="arabicPeriod"/>
             </a:pPr>
             <a:r>
-              <a:rPr lang="ko-KR" altLang="en-US" sz="2300" dirty="0" smtClean="0">
+              <a:rPr lang="ko-KR" altLang="en-US" sz="2300" dirty="0">
                 <a:latin typeface="-윤고딕310" panose="02030504000101010101" pitchFamily="18" charset="-127"/>
                 <a:ea typeface="-윤고딕310" panose="02030504000101010101" pitchFamily="18" charset="-127"/>
               </a:rPr>
               <a:t>예상 게임 진행</a:t>
             </a:r>
-            <a:endParaRPr lang="en-US" altLang="ko-KR" sz="2300" dirty="0" smtClean="0">
+            <a:endParaRPr lang="en-US" altLang="ko-KR" sz="2300" dirty="0">
               <a:latin typeface="-윤고딕310" panose="02030504000101010101" pitchFamily="18" charset="-127"/>
               <a:ea typeface="-윤고딕310" panose="02030504000101010101" pitchFamily="18" charset="-127"/>
             </a:endParaRPr>
@@ -10635,13 +10606,13 @@
               <a:buAutoNum type="arabicPeriod"/>
             </a:pPr>
             <a:r>
-              <a:rPr lang="ko-KR" altLang="en-US" sz="2300" dirty="0" smtClean="0">
+              <a:rPr lang="ko-KR" altLang="en-US" sz="2300" dirty="0">
                 <a:latin typeface="-윤고딕310" panose="02030504000101010101" pitchFamily="18" charset="-127"/>
                 <a:ea typeface="-윤고딕310" panose="02030504000101010101" pitchFamily="18" charset="-127"/>
               </a:rPr>
               <a:t>개발 범위</a:t>
             </a:r>
-            <a:endParaRPr lang="en-US" altLang="ko-KR" sz="2300" dirty="0" smtClean="0">
+            <a:endParaRPr lang="en-US" altLang="ko-KR" sz="2300" dirty="0">
               <a:latin typeface="-윤고딕310" panose="02030504000101010101" pitchFamily="18" charset="-127"/>
               <a:ea typeface="-윤고딕310" panose="02030504000101010101" pitchFamily="18" charset="-127"/>
             </a:endParaRPr>
@@ -10652,13 +10623,13 @@
               <a:buAutoNum type="arabicPeriod"/>
             </a:pPr>
             <a:r>
-              <a:rPr lang="ko-KR" altLang="en-US" sz="2300" dirty="0" smtClean="0">
+              <a:rPr lang="ko-KR" altLang="en-US" sz="2300" dirty="0">
                 <a:latin typeface="-윤고딕310" panose="02030504000101010101" pitchFamily="18" charset="-127"/>
                 <a:ea typeface="-윤고딕310" panose="02030504000101010101" pitchFamily="18" charset="-127"/>
               </a:rPr>
               <a:t>개발 일정</a:t>
             </a:r>
-            <a:endParaRPr lang="en-US" altLang="ko-KR" sz="2300" dirty="0" smtClean="0">
+            <a:endParaRPr lang="en-US" altLang="ko-KR" sz="2300" dirty="0">
               <a:latin typeface="-윤고딕310" panose="02030504000101010101" pitchFamily="18" charset="-127"/>
               <a:ea typeface="-윤고딕310" panose="02030504000101010101" pitchFamily="18" charset="-127"/>
             </a:endParaRPr>
@@ -10687,7 +10658,7 @@
           <a:p>
             <a:fld id="{99C85210-9BD9-410B-8B60-1A01FEADF4C9}" type="datetime1">
               <a:rPr lang="ko-KR" altLang="en-US" smtClean="0"/>
-              <a:t>2017-10-29</a:t>
+              <a:t>2017-11-19</a:t>
             </a:fld>
             <a:endParaRPr lang="ko-KR" altLang="en-US"/>
           </a:p>
@@ -10742,7 +10713,7 @@
           <a:lstStyle/>
           <a:p>
             <a:r>
-              <a:rPr lang="en-US" altLang="ko-KR" smtClean="0">
+              <a:rPr lang="en-US" altLang="ko-KR">
                 <a:solidFill>
                   <a:srgbClr val="C00000"/>
                 </a:solidFill>
@@ -10752,7 +10723,7 @@
               <a:t>2D </a:t>
             </a:r>
             <a:r>
-              <a:rPr lang="ko-KR" altLang="en-US" smtClean="0">
+              <a:rPr lang="ko-KR" altLang="en-US">
                 <a:solidFill>
                   <a:srgbClr val="C00000"/>
                 </a:solidFill>
@@ -10761,13 +10732,6 @@
               </a:rPr>
               <a:t>게임 프로그래밍</a:t>
             </a:r>
-            <a:endParaRPr lang="ko-KR" altLang="en-US">
-              <a:solidFill>
-                <a:srgbClr val="C00000"/>
-              </a:solidFill>
-              <a:latin typeface="-윤고딕310" panose="02030504000101010101" pitchFamily="18" charset="-127"/>
-              <a:ea typeface="-윤고딕310" panose="02030504000101010101" pitchFamily="18" charset="-127"/>
-            </a:endParaRPr>
           </a:p>
         </p:txBody>
       </p:sp>
@@ -10781,13 +10745,6 @@
   <p:clrMapOvr>
     <a:masterClrMapping/>
   </p:clrMapOvr>
-  <p:timing>
-    <p:tnLst>
-      <p:par>
-        <p:cTn id="1" dur="indefinite" restart="never" nodeType="tmRoot"/>
-      </p:par>
-    </p:tnLst>
-  </p:timing>
 </p:sld>
 </file>
 
@@ -10824,16 +10781,12 @@
           <a:lstStyle/>
           <a:p>
             <a:r>
-              <a:rPr lang="ko-KR" altLang="en-US" dirty="0" smtClean="0">
+              <a:rPr lang="ko-KR" altLang="en-US" dirty="0">
                 <a:latin typeface="-윤고딕320" panose="02030504000101010101" pitchFamily="18" charset="-127"/>
                 <a:ea typeface="-윤고딕320" panose="02030504000101010101" pitchFamily="18" charset="-127"/>
               </a:rPr>
               <a:t>게임 컨셉트</a:t>
             </a:r>
-            <a:endParaRPr lang="ko-KR" altLang="en-US" dirty="0">
-              <a:latin typeface="-윤고딕320" panose="02030504000101010101" pitchFamily="18" charset="-127"/>
-              <a:ea typeface="-윤고딕320" panose="02030504000101010101" pitchFamily="18" charset="-127"/>
-            </a:endParaRPr>
           </a:p>
         </p:txBody>
       </p:sp>
@@ -10855,110 +10808,133 @@
           <a:lstStyle/>
           <a:p>
             <a:r>
-              <a:rPr lang="ko-KR" altLang="en-US" sz="2000" dirty="0" smtClean="0">
+              <a:rPr lang="ko-KR" altLang="en-US" sz="2000" dirty="0">
                 <a:latin typeface="-윤고딕310" panose="02030504000101010101" pitchFamily="18" charset="-127"/>
                 <a:ea typeface="-윤고딕310" panose="02030504000101010101" pitchFamily="18" charset="-127"/>
               </a:rPr>
-              <a:t> </a:t>
-            </a:r>
-            <a:r>
-              <a:rPr lang="ko-KR" altLang="en-US" sz="2000" b="1" dirty="0" smtClean="0">
+              <a:t>살아남기 위해선 위험을 무릅쓰며 모험하고</a:t>
+            </a:r>
+            <a:r>
+              <a:rPr lang="en-US" altLang="ko-KR" sz="2000" dirty="0">
                 <a:latin typeface="-윤고딕310" panose="02030504000101010101" pitchFamily="18" charset="-127"/>
                 <a:ea typeface="-윤고딕310" panose="02030504000101010101" pitchFamily="18" charset="-127"/>
               </a:rPr>
-              <a:t>스토리 개요</a:t>
-            </a:r>
-            <a:r>
-              <a:rPr lang="en-US" altLang="ko-KR" sz="2000" b="1" dirty="0" smtClean="0">
+              <a:t>, </a:t>
+            </a:r>
+            <a:r>
+              <a:rPr lang="ko-KR" altLang="en-US" sz="2000" dirty="0">
+                <a:latin typeface="-윤고딕310" panose="02030504000101010101" pitchFamily="18" charset="-127"/>
+                <a:ea typeface="-윤고딕310" panose="02030504000101010101" pitchFamily="18" charset="-127"/>
+              </a:rPr>
+              <a:t>도망쳐라</a:t>
+            </a:r>
+            <a:r>
+              <a:rPr lang="en-US" altLang="ko-KR" sz="2000" dirty="0">
+                <a:latin typeface="-윤고딕310" panose="02030504000101010101" pitchFamily="18" charset="-127"/>
+                <a:ea typeface="-윤고딕310" panose="02030504000101010101" pitchFamily="18" charset="-127"/>
+              </a:rPr>
+              <a:t>!</a:t>
+            </a:r>
+          </a:p>
+          <a:p>
+            <a:endParaRPr lang="en-US" altLang="ko-KR" sz="2000" dirty="0">
+              <a:latin typeface="-윤고딕310" panose="02030504000101010101" pitchFamily="18" charset="-127"/>
+              <a:ea typeface="-윤고딕310" panose="02030504000101010101" pitchFamily="18" charset="-127"/>
+            </a:endParaRPr>
+          </a:p>
+          <a:p>
+            <a:r>
+              <a:rPr lang="ko-KR" altLang="en-US" sz="2000" b="1" dirty="0">
+                <a:latin typeface="-윤고딕310" panose="02030504000101010101" pitchFamily="18" charset="-127"/>
+                <a:ea typeface="-윤고딕310" panose="02030504000101010101" pitchFamily="18" charset="-127"/>
+              </a:rPr>
+              <a:t>장르</a:t>
+            </a:r>
+            <a:r>
+              <a:rPr lang="en-US" altLang="ko-KR" sz="2000" dirty="0">
                 <a:latin typeface="-윤고딕310" panose="02030504000101010101" pitchFamily="18" charset="-127"/>
                 <a:ea typeface="-윤고딕310" panose="02030504000101010101" pitchFamily="18" charset="-127"/>
               </a:rPr>
               <a:t>: </a:t>
             </a:r>
             <a:r>
-              <a:rPr lang="ko-KR" altLang="en-US" sz="2000" dirty="0" smtClean="0">
-                <a:latin typeface="-윤고딕310" panose="02030504000101010101" pitchFamily="18" charset="-127"/>
-                <a:ea typeface="-윤고딕310" panose="02030504000101010101" pitchFamily="18" charset="-127"/>
-              </a:rPr>
-              <a:t>핍박과 </a:t>
-            </a:r>
-            <a:r>
               <a:rPr lang="ko-KR" altLang="en-US" sz="2000" dirty="0">
                 <a:latin typeface="-윤고딕310" panose="02030504000101010101" pitchFamily="18" charset="-127"/>
                 <a:ea typeface="-윤고딕310" panose="02030504000101010101" pitchFamily="18" charset="-127"/>
               </a:rPr>
-              <a:t>차별을 받으며 구경거리로 </a:t>
-            </a:r>
-            <a:r>
-              <a:rPr lang="ko-KR" altLang="en-US" sz="2000" dirty="0" smtClean="0">
+              <a:t>플랫폼 어드벤처</a:t>
+            </a:r>
+            <a:r>
+              <a:rPr lang="en-US" altLang="ko-KR" sz="2000" dirty="0">
                 <a:latin typeface="-윤고딕310" panose="02030504000101010101" pitchFamily="18" charset="-127"/>
                 <a:ea typeface="-윤고딕310" panose="02030504000101010101" pitchFamily="18" charset="-127"/>
               </a:rPr>
-              <a:t>살아온 흡혈귀가 있었다</a:t>
-            </a:r>
-            <a:r>
-              <a:rPr lang="en-US" altLang="ko-KR" sz="2000" dirty="0" smtClean="0">
+              <a:t> – </a:t>
+            </a:r>
+            <a:r>
+              <a:rPr lang="ko-KR" altLang="en-US" sz="2000" dirty="0">
+                <a:latin typeface="-윤고딕310" panose="02030504000101010101" pitchFamily="18" charset="-127"/>
+                <a:ea typeface="-윤고딕310" panose="02030504000101010101" pitchFamily="18" charset="-127"/>
+              </a:rPr>
+              <a:t>모든 개체는 중력이 작용하는 세계이다</a:t>
+            </a:r>
+            <a:r>
+              <a:rPr lang="en-US" altLang="ko-KR" sz="2000" dirty="0">
                 <a:latin typeface="-윤고딕310" panose="02030504000101010101" pitchFamily="18" charset="-127"/>
                 <a:ea typeface="-윤고딕310" panose="02030504000101010101" pitchFamily="18" charset="-127"/>
               </a:rPr>
               <a:t>. </a:t>
             </a:r>
             <a:r>
-              <a:rPr lang="ko-KR" altLang="en-US" sz="2000" dirty="0" smtClean="0">
+              <a:rPr lang="ko-KR" altLang="en-US" sz="2000" dirty="0">
                 <a:latin typeface="-윤고딕310" panose="02030504000101010101" pitchFamily="18" charset="-127"/>
                 <a:ea typeface="-윤고딕310" panose="02030504000101010101" pitchFamily="18" charset="-127"/>
               </a:rPr>
-              <a:t>다행히 한 소녀의 도움으로 기회를 잡았고</a:t>
-            </a:r>
-            <a:r>
-              <a:rPr lang="en-US" altLang="ko-KR" sz="2000" dirty="0" smtClean="0">
+              <a:t>모든 개체는 중력 때문에 움직이기 위해서 좌우 이동과 점프만이 가능합니다</a:t>
+            </a:r>
+            <a:r>
+              <a:rPr lang="en-US" altLang="ko-KR" sz="2000" dirty="0">
                 <a:latin typeface="-윤고딕310" panose="02030504000101010101" pitchFamily="18" charset="-127"/>
                 <a:ea typeface="-윤고딕310" panose="02030504000101010101" pitchFamily="18" charset="-127"/>
               </a:rPr>
-              <a:t>, </a:t>
-            </a:r>
-            <a:r>
-              <a:rPr lang="ko-KR" altLang="en-US" sz="2000" dirty="0" smtClean="0">
+              <a:t>. </a:t>
+            </a:r>
+          </a:p>
+          <a:p>
+            <a:r>
+              <a:rPr lang="ko-KR" altLang="en-US" sz="2000" dirty="0">
                 <a:latin typeface="-윤고딕310" panose="02030504000101010101" pitchFamily="18" charset="-127"/>
                 <a:ea typeface="-윤고딕310" panose="02030504000101010101" pitchFamily="18" charset="-127"/>
               </a:rPr>
-              <a:t>이제는 인간들로부터 도망쳐야 한다</a:t>
-            </a:r>
-            <a:r>
-              <a:rPr lang="en-US" altLang="ko-KR" sz="2000" dirty="0" smtClean="0">
+              <a:t> 키보드의 </a:t>
+            </a:r>
+            <a:r>
+              <a:rPr lang="ko-KR" altLang="en-US" sz="2000" b="1" dirty="0">
                 <a:latin typeface="-윤고딕310" panose="02030504000101010101" pitchFamily="18" charset="-127"/>
                 <a:ea typeface="-윤고딕310" panose="02030504000101010101" pitchFamily="18" charset="-127"/>
               </a:rPr>
-              <a:t>.</a:t>
-            </a:r>
-          </a:p>
-          <a:p>
-            <a:endParaRPr lang="en-US" altLang="ko-KR" sz="2000" dirty="0" smtClean="0">
-              <a:latin typeface="-윤고딕310" panose="02030504000101010101" pitchFamily="18" charset="-127"/>
-              <a:ea typeface="-윤고딕310" panose="02030504000101010101" pitchFamily="18" charset="-127"/>
-            </a:endParaRPr>
-          </a:p>
-          <a:p>
-            <a:r>
-              <a:rPr lang="ko-KR" altLang="en-US" sz="2000" b="1" dirty="0" smtClean="0">
+              <a:t>방향키와 다른 키 조합</a:t>
+            </a:r>
+            <a:r>
+              <a:rPr lang="ko-KR" altLang="en-US" sz="2000" dirty="0">
                 <a:latin typeface="-윤고딕310" panose="02030504000101010101" pitchFamily="18" charset="-127"/>
                 <a:ea typeface="-윤고딕310" panose="02030504000101010101" pitchFamily="18" charset="-127"/>
               </a:rPr>
-              <a:t>장르</a:t>
-            </a:r>
-            <a:r>
-              <a:rPr lang="en-US" altLang="ko-KR" sz="2000" dirty="0" smtClean="0">
+              <a:t>으로 조작한다</a:t>
+            </a:r>
+            <a:r>
+              <a:rPr lang="en-US" altLang="ko-KR" sz="2000" dirty="0">
                 <a:latin typeface="-윤고딕310" panose="02030504000101010101" pitchFamily="18" charset="-127"/>
                 <a:ea typeface="-윤고딕310" panose="02030504000101010101" pitchFamily="18" charset="-127"/>
               </a:rPr>
-              <a:t>: </a:t>
-            </a:r>
-            <a:r>
-              <a:rPr lang="ko-KR" altLang="en-US" sz="2000" dirty="0" smtClean="0">
+              <a:t>. </a:t>
+            </a:r>
+            <a:r>
+              <a:rPr lang="ko-KR" altLang="en-US" sz="2000" dirty="0">
                 <a:latin typeface="-윤고딕310" panose="02030504000101010101" pitchFamily="18" charset="-127"/>
                 <a:ea typeface="-윤고딕310" panose="02030504000101010101" pitchFamily="18" charset="-127"/>
               </a:rPr>
-              <a:t>플랫폼 어드벤처</a:t>
+              <a:t>메뉴 역시</a:t>
             </a:r>
             <a:r>
               <a:rPr lang="en-US" altLang="ko-KR" sz="2000" dirty="0">
@@ -10968,93 +10944,14 @@
               <a:t> </a:t>
             </a:r>
             <a:r>
-              <a:rPr lang="en-US" altLang="ko-KR" sz="2000" dirty="0" smtClean="0">
-                <a:latin typeface="-윤고딕310" panose="02030504000101010101" pitchFamily="18" charset="-127"/>
-                <a:ea typeface="-윤고딕310" panose="02030504000101010101" pitchFamily="18" charset="-127"/>
-              </a:rPr>
-              <a:t>– </a:t>
-            </a:r>
-            <a:r>
-              <a:rPr lang="ko-KR" altLang="en-US" sz="2000" dirty="0" smtClean="0">
-                <a:latin typeface="-윤고딕310" panose="02030504000101010101" pitchFamily="18" charset="-127"/>
-                <a:ea typeface="-윤고딕310" panose="02030504000101010101" pitchFamily="18" charset="-127"/>
-              </a:rPr>
-              <a:t>모든 개체는 중력이 작용하는 세계이다</a:t>
-            </a:r>
-            <a:r>
-              <a:rPr lang="en-US" altLang="ko-KR" sz="2000" dirty="0" smtClean="0">
-                <a:latin typeface="-윤고딕310" panose="02030504000101010101" pitchFamily="18" charset="-127"/>
-                <a:ea typeface="-윤고딕310" panose="02030504000101010101" pitchFamily="18" charset="-127"/>
-              </a:rPr>
-              <a:t>. </a:t>
-            </a:r>
-            <a:r>
-              <a:rPr lang="ko-KR" altLang="en-US" sz="2000" dirty="0" smtClean="0">
-                <a:latin typeface="-윤고딕310" panose="02030504000101010101" pitchFamily="18" charset="-127"/>
-                <a:ea typeface="-윤고딕310" panose="02030504000101010101" pitchFamily="18" charset="-127"/>
-              </a:rPr>
-              <a:t>모든 개체는 중력 때문에 움직이기 위해서 좌우 이동과 점프만이 가능합니다</a:t>
-            </a:r>
-            <a:r>
-              <a:rPr lang="en-US" altLang="ko-KR" sz="2000" dirty="0" smtClean="0">
-                <a:latin typeface="-윤고딕310" panose="02030504000101010101" pitchFamily="18" charset="-127"/>
-                <a:ea typeface="-윤고딕310" panose="02030504000101010101" pitchFamily="18" charset="-127"/>
-              </a:rPr>
-              <a:t>. </a:t>
-            </a:r>
-          </a:p>
-          <a:p>
-            <a:r>
-              <a:rPr lang="ko-KR" altLang="en-US" sz="2000" dirty="0" smtClean="0">
-                <a:latin typeface="-윤고딕310" panose="02030504000101010101" pitchFamily="18" charset="-127"/>
-                <a:ea typeface="-윤고딕310" panose="02030504000101010101" pitchFamily="18" charset="-127"/>
-              </a:rPr>
-              <a:t> 키보드의 </a:t>
-            </a:r>
-            <a:r>
-              <a:rPr lang="ko-KR" altLang="en-US" sz="2000" b="1" dirty="0" smtClean="0">
-                <a:latin typeface="-윤고딕310" panose="02030504000101010101" pitchFamily="18" charset="-127"/>
-                <a:ea typeface="-윤고딕310" panose="02030504000101010101" pitchFamily="18" charset="-127"/>
-              </a:rPr>
-              <a:t>방향키와 다른 키 조합</a:t>
-            </a:r>
-            <a:r>
-              <a:rPr lang="ko-KR" altLang="en-US" sz="2000" dirty="0" smtClean="0">
-                <a:latin typeface="-윤고딕310" panose="02030504000101010101" pitchFamily="18" charset="-127"/>
-                <a:ea typeface="-윤고딕310" panose="02030504000101010101" pitchFamily="18" charset="-127"/>
-              </a:rPr>
-              <a:t>으로 조작한다</a:t>
-            </a:r>
-            <a:r>
-              <a:rPr lang="en-US" altLang="ko-KR" sz="2000" dirty="0" smtClean="0">
-                <a:latin typeface="-윤고딕310" panose="02030504000101010101" pitchFamily="18" charset="-127"/>
-                <a:ea typeface="-윤고딕310" panose="02030504000101010101" pitchFamily="18" charset="-127"/>
-              </a:rPr>
-              <a:t>. </a:t>
-            </a:r>
-            <a:r>
-              <a:rPr lang="ko-KR" altLang="en-US" sz="2000" dirty="0" smtClean="0">
-                <a:latin typeface="-윤고딕310" panose="02030504000101010101" pitchFamily="18" charset="-127"/>
-                <a:ea typeface="-윤고딕310" panose="02030504000101010101" pitchFamily="18" charset="-127"/>
-              </a:rPr>
-              <a:t>메뉴 역시</a:t>
-            </a:r>
-            <a:r>
-              <a:rPr lang="en-US" altLang="ko-KR" sz="2000" dirty="0">
-                <a:latin typeface="-윤고딕310" panose="02030504000101010101" pitchFamily="18" charset="-127"/>
-                <a:ea typeface="-윤고딕310" panose="02030504000101010101" pitchFamily="18" charset="-127"/>
-              </a:rPr>
-              <a:t> </a:t>
-            </a:r>
-            <a:r>
-              <a:rPr lang="ko-KR" altLang="en-US" sz="2000" dirty="0" smtClean="0">
+              <a:rPr lang="ko-KR" altLang="en-US" sz="2000" dirty="0">
                 <a:latin typeface="-윤고딕310" panose="02030504000101010101" pitchFamily="18" charset="-127"/>
                 <a:ea typeface="-윤고딕310" panose="02030504000101010101" pitchFamily="18" charset="-127"/>
               </a:rPr>
               <a:t>편리함을 위해 마우스를 쓰지 않는다</a:t>
             </a:r>
             <a:r>
-              <a:rPr lang="en-US" altLang="ko-KR" sz="2000" dirty="0" smtClean="0">
+              <a:rPr lang="en-US" altLang="ko-KR" sz="2000" dirty="0">
                 <a:latin typeface="-윤고딕310" panose="02030504000101010101" pitchFamily="18" charset="-127"/>
                 <a:ea typeface="-윤고딕310" panose="02030504000101010101" pitchFamily="18" charset="-127"/>
               </a:rPr>
@@ -11085,7 +10982,7 @@
           <a:p>
             <a:fld id="{80913EDC-9206-426E-951D-E7E0B75694AE}" type="datetime1">
               <a:rPr lang="ko-KR" altLang="en-US" smtClean="0"/>
-              <a:t>2017-10-29</a:t>
+              <a:t>2017-11-19</a:t>
             </a:fld>
             <a:endParaRPr lang="ko-KR" altLang="en-US"/>
           </a:p>
@@ -11140,7 +11037,7 @@
           <a:lstStyle/>
           <a:p>
             <a:r>
-              <a:rPr lang="en-US" altLang="ko-KR" smtClean="0">
+              <a:rPr lang="en-US" altLang="ko-KR">
                 <a:solidFill>
                   <a:srgbClr val="C00000"/>
                 </a:solidFill>
@@ -11150,7 +11047,7 @@
               <a:t>2D </a:t>
             </a:r>
             <a:r>
-              <a:rPr lang="ko-KR" altLang="en-US" smtClean="0">
+              <a:rPr lang="ko-KR" altLang="en-US">
                 <a:solidFill>
                   <a:srgbClr val="C00000"/>
                 </a:solidFill>
@@ -11159,13 +11056,6 @@
               </a:rPr>
               <a:t>게임 프로그래밍</a:t>
             </a:r>
-            <a:endParaRPr lang="ko-KR" altLang="en-US">
-              <a:solidFill>
-                <a:srgbClr val="C00000"/>
-              </a:solidFill>
-              <a:latin typeface="-윤고딕310" panose="02030504000101010101" pitchFamily="18" charset="-127"/>
-              <a:ea typeface="-윤고딕310" panose="02030504000101010101" pitchFamily="18" charset="-127"/>
-            </a:endParaRPr>
           </a:p>
         </p:txBody>
       </p:sp>
@@ -11179,13 +11069,6 @@
   <p:clrMapOvr>
     <a:masterClrMapping/>
   </p:clrMapOvr>
-  <p:timing>
-    <p:tnLst>
-      <p:par>
-        <p:cTn id="1" dur="indefinite" restart="never" nodeType="tmRoot"/>
-      </p:par>
-    </p:tnLst>
-  </p:timing>
 </p:sld>
 </file>
 
@@ -11277,25 +11160,8 @@
                 <a:latin typeface="-윤고딕320" panose="02030504000101010101" pitchFamily="18" charset="-127"/>
                 <a:ea typeface="-윤고딕320" panose="02030504000101010101" pitchFamily="18" charset="-127"/>
               </a:rPr>
-              <a:t>예상 게임 </a:t>
-            </a:r>
-            <a:r>
-              <a:rPr lang="ko-KR" altLang="en-US" dirty="0" smtClean="0">
-                <a:solidFill>
-                  <a:schemeClr val="bg1"/>
-                </a:solidFill>
-                <a:latin typeface="-윤고딕320" panose="02030504000101010101" pitchFamily="18" charset="-127"/>
-                <a:ea typeface="-윤고딕320" panose="02030504000101010101" pitchFamily="18" charset="-127"/>
-              </a:rPr>
-              <a:t>진행</a:t>
-            </a:r>
-            <a:endParaRPr lang="ko-KR" altLang="en-US" dirty="0">
-              <a:solidFill>
-                <a:schemeClr val="bg1"/>
-              </a:solidFill>
-              <a:latin typeface="-윤고딕320" panose="02030504000101010101" pitchFamily="18" charset="-127"/>
-              <a:ea typeface="-윤고딕320" panose="02030504000101010101" pitchFamily="18" charset="-127"/>
-            </a:endParaRPr>
+              <a:t>예상 게임 진행</a:t>
+            </a:r>
           </a:p>
         </p:txBody>
       </p:sp>
@@ -11321,7 +11187,7 @@
           <a:p>
             <a:fld id="{1DFADF30-901F-49C8-A3B5-BD350A95808D}" type="datetime1">
               <a:rPr lang="ko-KR" altLang="en-US" smtClean="0"/>
-              <a:t>2017-10-29</a:t>
+              <a:t>2017-11-19</a:t>
             </a:fld>
             <a:endParaRPr lang="ko-KR" altLang="en-US"/>
           </a:p>
@@ -11376,7 +11242,7 @@
           <a:lstStyle/>
           <a:p>
             <a:r>
-              <a:rPr lang="en-US" altLang="ko-KR" smtClean="0">
+              <a:rPr lang="en-US" altLang="ko-KR">
                 <a:solidFill>
                   <a:srgbClr val="C00000"/>
                 </a:solidFill>
@@ -11386,7 +11252,7 @@
               <a:t>2D </a:t>
             </a:r>
             <a:r>
-              <a:rPr lang="ko-KR" altLang="en-US" smtClean="0">
+              <a:rPr lang="ko-KR" altLang="en-US">
                 <a:solidFill>
                   <a:srgbClr val="C00000"/>
                 </a:solidFill>
@@ -11395,13 +11261,6 @@
               </a:rPr>
               <a:t>게임 프로그래밍</a:t>
             </a:r>
-            <a:endParaRPr lang="ko-KR" altLang="en-US">
-              <a:solidFill>
-                <a:srgbClr val="C00000"/>
-              </a:solidFill>
-              <a:latin typeface="-윤고딕310" panose="02030504000101010101" pitchFamily="18" charset="-127"/>
-              <a:ea typeface="-윤고딕310" panose="02030504000101010101" pitchFamily="18" charset="-127"/>
-            </a:endParaRPr>
           </a:p>
         </p:txBody>
       </p:sp>
@@ -12133,7 +11992,7 @@
               <a:buChar char="•"/>
             </a:pPr>
             <a:r>
-              <a:rPr lang="ko-KR" altLang="en-US" dirty="0" smtClean="0">
+              <a:rPr lang="ko-KR" altLang="en-US" dirty="0">
                 <a:solidFill>
                   <a:schemeClr val="bg1"/>
                 </a:solidFill>
@@ -12141,7 +12000,7 @@
               <a:t>플레이어는 처음에 어느 마을 창고에 갇혀있는 것으로 시작한다</a:t>
             </a:r>
             <a:r>
-              <a:rPr lang="en-US" altLang="ko-KR" dirty="0" smtClean="0">
+              <a:rPr lang="en-US" altLang="ko-KR" dirty="0">
                 <a:solidFill>
                   <a:schemeClr val="bg1"/>
                 </a:solidFill>
@@ -12375,7 +12234,7 @@
               <a:buChar char="•"/>
             </a:pPr>
             <a:r>
-              <a:rPr lang="ko-KR" altLang="en-US" dirty="0" smtClean="0">
+              <a:rPr lang="ko-KR" altLang="en-US" dirty="0">
                 <a:solidFill>
                   <a:schemeClr val="bg1"/>
                 </a:solidFill>
@@ -12383,7 +12242,7 @@
               <a:t>조력자 포지션의 소녀가 플레이어를 도와 탈출하면서 게임이 시작된다</a:t>
             </a:r>
             <a:r>
-              <a:rPr lang="en-US" altLang="ko-KR" dirty="0" smtClean="0">
+              <a:rPr lang="en-US" altLang="ko-KR" dirty="0">
                 <a:solidFill>
                   <a:schemeClr val="bg1"/>
                 </a:solidFill>
@@ -12705,25 +12564,8 @@
                 <a:latin typeface="-윤고딕320" panose="02030504000101010101" pitchFamily="18" charset="-127"/>
                 <a:ea typeface="-윤고딕320" panose="02030504000101010101" pitchFamily="18" charset="-127"/>
               </a:rPr>
-              <a:t>예상 게임 </a:t>
-            </a:r>
-            <a:r>
-              <a:rPr lang="ko-KR" altLang="en-US" dirty="0" smtClean="0">
-                <a:solidFill>
-                  <a:schemeClr val="bg1"/>
-                </a:solidFill>
-                <a:latin typeface="-윤고딕320" panose="02030504000101010101" pitchFamily="18" charset="-127"/>
-                <a:ea typeface="-윤고딕320" panose="02030504000101010101" pitchFamily="18" charset="-127"/>
-              </a:rPr>
-              <a:t>진행</a:t>
-            </a:r>
-            <a:endParaRPr lang="ko-KR" altLang="en-US" dirty="0">
-              <a:solidFill>
-                <a:schemeClr val="bg1"/>
-              </a:solidFill>
-              <a:latin typeface="-윤고딕320" panose="02030504000101010101" pitchFamily="18" charset="-127"/>
-              <a:ea typeface="-윤고딕320" panose="02030504000101010101" pitchFamily="18" charset="-127"/>
-            </a:endParaRPr>
+              <a:t>예상 게임 진행</a:t>
+            </a:r>
           </a:p>
         </p:txBody>
       </p:sp>
@@ -12749,7 +12591,7 @@
           <a:p>
             <a:fld id="{1DFADF30-901F-49C8-A3B5-BD350A95808D}" type="datetime1">
               <a:rPr lang="ko-KR" altLang="en-US" smtClean="0"/>
-              <a:t>2017-10-29</a:t>
+              <a:t>2017-11-19</a:t>
             </a:fld>
             <a:endParaRPr lang="ko-KR" altLang="en-US"/>
           </a:p>
@@ -12804,7 +12646,7 @@
           <a:lstStyle/>
           <a:p>
             <a:r>
-              <a:rPr lang="en-US" altLang="ko-KR" smtClean="0">
+              <a:rPr lang="en-US" altLang="ko-KR">
                 <a:solidFill>
                   <a:srgbClr val="C00000"/>
                 </a:solidFill>
@@ -12814,7 +12656,7 @@
               <a:t>2D </a:t>
             </a:r>
             <a:r>
-              <a:rPr lang="ko-KR" altLang="en-US" smtClean="0">
+              <a:rPr lang="ko-KR" altLang="en-US">
                 <a:solidFill>
                   <a:srgbClr val="C00000"/>
                 </a:solidFill>
@@ -12823,13 +12665,6 @@
               </a:rPr>
               <a:t>게임 프로그래밍</a:t>
             </a:r>
-            <a:endParaRPr lang="ko-KR" altLang="en-US">
-              <a:solidFill>
-                <a:srgbClr val="C00000"/>
-              </a:solidFill>
-              <a:latin typeface="-윤고딕310" panose="02030504000101010101" pitchFamily="18" charset="-127"/>
-              <a:ea typeface="-윤고딕310" panose="02030504000101010101" pitchFamily="18" charset="-127"/>
-            </a:endParaRPr>
           </a:p>
         </p:txBody>
       </p:sp>
@@ -13582,18 +13417,10 @@
                   <a:schemeClr val="bg1"/>
                 </a:solidFill>
               </a:rPr>
-              <a:t>그러다가 일이 커져 </a:t>
-            </a:r>
-            <a:r>
-              <a:rPr lang="ko-KR" altLang="en-US" dirty="0" smtClean="0">
-                <a:solidFill>
-                  <a:schemeClr val="bg1"/>
-                </a:solidFill>
-              </a:rPr>
-              <a:t>사냥꾼들</a:t>
-            </a:r>
-            <a:r>
-              <a:rPr lang="en-US" altLang="ko-KR" dirty="0" smtClean="0">
+              <a:t>그러다가 일이 커져 사냥꾼들</a:t>
+            </a:r>
+            <a:r>
+              <a:rPr lang="en-US" altLang="ko-KR" dirty="0">
                 <a:solidFill>
                   <a:schemeClr val="bg1"/>
                 </a:solidFill>
@@ -13601,20 +13428,12 @@
               <a:t>, </a:t>
             </a:r>
             <a:r>
-              <a:rPr lang="ko-KR" altLang="en-US" dirty="0" smtClean="0">
-                <a:solidFill>
-                  <a:schemeClr val="bg1"/>
-                </a:solidFill>
-              </a:rPr>
-              <a:t>나아가 군대에게서 </a:t>
-            </a:r>
-            <a:r>
               <a:rPr lang="ko-KR" altLang="en-US" dirty="0">
                 <a:solidFill>
                   <a:schemeClr val="bg1"/>
                 </a:solidFill>
               </a:rPr>
-              <a:t>도망치는 것이 게임의 내용</a:t>
+              <a:t>나아가 군대에게서 도망치는 것이 게임의 내용</a:t>
             </a:r>
           </a:p>
         </p:txBody>
@@ -13978,33 +13797,22 @@
                 <a:latin typeface="-윤고딕320" panose="02030504000101010101" pitchFamily="18" charset="-127"/>
                 <a:ea typeface="-윤고딕320" panose="02030504000101010101" pitchFamily="18" charset="-127"/>
               </a:rPr>
-              <a:t>예상 게임 </a:t>
-            </a:r>
-            <a:r>
-              <a:rPr lang="ko-KR" altLang="en-US" dirty="0" smtClean="0">
-                <a:latin typeface="-윤고딕320" panose="02030504000101010101" pitchFamily="18" charset="-127"/>
-                <a:ea typeface="-윤고딕320" panose="02030504000101010101" pitchFamily="18" charset="-127"/>
-              </a:rPr>
-              <a:t>진행</a:t>
-            </a:r>
-            <a:r>
-              <a:rPr lang="en-US" altLang="ko-KR" dirty="0" smtClean="0">
+              <a:t>예상 게임 진행</a:t>
+            </a:r>
+            <a:r>
+              <a:rPr lang="en-US" altLang="ko-KR" dirty="0">
                 <a:latin typeface="-윤고딕320" panose="02030504000101010101" pitchFamily="18" charset="-127"/>
                 <a:ea typeface="-윤고딕320" panose="02030504000101010101" pitchFamily="18" charset="-127"/>
               </a:rPr>
               <a:t>: </a:t>
             </a:r>
             <a:r>
-              <a:rPr lang="ko-KR" altLang="en-US" dirty="0" smtClean="0">
+              <a:rPr lang="ko-KR" altLang="en-US" dirty="0">
                 <a:latin typeface="-윤고딕320" panose="02030504000101010101" pitchFamily="18" charset="-127"/>
                 <a:ea typeface="-윤고딕320" panose="02030504000101010101" pitchFamily="18" charset="-127"/>
               </a:rPr>
               <a:t>스토리</a:t>
             </a:r>
-            <a:endParaRPr lang="ko-KR" altLang="en-US" dirty="0">
-              <a:latin typeface="-윤고딕320" panose="02030504000101010101" pitchFamily="18" charset="-127"/>
-              <a:ea typeface="-윤고딕320" panose="02030504000101010101" pitchFamily="18" charset="-127"/>
-            </a:endParaRPr>
           </a:p>
         </p:txBody>
       </p:sp>
@@ -14030,7 +13838,7 @@
           <a:p>
             <a:fld id="{1DFADF30-901F-49C8-A3B5-BD350A95808D}" type="datetime1">
               <a:rPr lang="ko-KR" altLang="en-US" smtClean="0"/>
-              <a:t>2017-10-29</a:t>
+              <a:t>2017-11-19</a:t>
             </a:fld>
             <a:endParaRPr lang="ko-KR" altLang="en-US"/>
           </a:p>
@@ -14085,7 +13893,7 @@
           <a:lstStyle/>
           <a:p>
             <a:r>
-              <a:rPr lang="en-US" altLang="ko-KR" smtClean="0">
+              <a:rPr lang="en-US" altLang="ko-KR">
                 <a:solidFill>
                   <a:srgbClr val="C00000"/>
                 </a:solidFill>
@@ -14095,7 +13903,7 @@
               <a:t>2D </a:t>
             </a:r>
             <a:r>
-              <a:rPr lang="ko-KR" altLang="en-US" smtClean="0">
+              <a:rPr lang="ko-KR" altLang="en-US">
                 <a:solidFill>
                   <a:srgbClr val="C00000"/>
                 </a:solidFill>
@@ -14104,13 +13912,6 @@
               </a:rPr>
               <a:t>게임 프로그래밍</a:t>
             </a:r>
-            <a:endParaRPr lang="ko-KR" altLang="en-US">
-              <a:solidFill>
-                <a:srgbClr val="C00000"/>
-              </a:solidFill>
-              <a:latin typeface="-윤고딕310" panose="02030504000101010101" pitchFamily="18" charset="-127"/>
-              <a:ea typeface="-윤고딕310" panose="02030504000101010101" pitchFamily="18" charset="-127"/>
-            </a:endParaRPr>
           </a:p>
         </p:txBody>
       </p:sp>
@@ -14239,7 +14040,7 @@
               <a:t>가지 지역을 방문하게 된다</a:t>
             </a:r>
             <a:r>
-              <a:rPr lang="en-US" altLang="ko-KR" dirty="0" smtClean="0">
+              <a:rPr lang="en-US" altLang="ko-KR" dirty="0">
                 <a:latin typeface="-윤고딕310" panose="02030504000101010101" pitchFamily="18" charset="-127"/>
                 <a:ea typeface="-윤고딕310" panose="02030504000101010101" pitchFamily="18" charset="-127"/>
               </a:rPr>
@@ -14271,76 +14072,76 @@
           <a:lstStyle/>
           <a:p>
             <a:r>
-              <a:rPr lang="ko-KR" altLang="en-US" dirty="0" smtClean="0">
+              <a:rPr lang="ko-KR" altLang="en-US" dirty="0">
                 <a:latin typeface="-윤고딕320" panose="02030504000101010101" pitchFamily="18" charset="-127"/>
                 <a:ea typeface="-윤고딕320" panose="02030504000101010101" pitchFamily="18" charset="-127"/>
               </a:rPr>
               <a:t>기승전결의 구조</a:t>
             </a:r>
             <a:r>
-              <a:rPr lang="en-US" altLang="ko-KR" dirty="0" smtClean="0">
+              <a:rPr lang="en-US" altLang="ko-KR" dirty="0">
                 <a:latin typeface="-윤고딕310" panose="02030504000101010101" pitchFamily="18" charset="-127"/>
                 <a:ea typeface="-윤고딕310" panose="02030504000101010101" pitchFamily="18" charset="-127"/>
               </a:rPr>
               <a:t>, </a:t>
             </a:r>
             <a:r>
-              <a:rPr lang="ko-KR" altLang="en-US" dirty="0" smtClean="0">
+              <a:rPr lang="ko-KR" altLang="en-US" dirty="0">
                 <a:latin typeface="-윤고딕310" panose="02030504000101010101" pitchFamily="18" charset="-127"/>
                 <a:ea typeface="-윤고딕310" panose="02030504000101010101" pitchFamily="18" charset="-127"/>
               </a:rPr>
               <a:t>갈수록 난이도가 상승한다</a:t>
             </a:r>
             <a:r>
-              <a:rPr lang="en-US" altLang="ko-KR" dirty="0" smtClean="0">
+              <a:rPr lang="en-US" altLang="ko-KR" dirty="0">
                 <a:latin typeface="-윤고딕310" panose="02030504000101010101" pitchFamily="18" charset="-127"/>
                 <a:ea typeface="-윤고딕310" panose="02030504000101010101" pitchFamily="18" charset="-127"/>
               </a:rPr>
               <a:t>. </a:t>
             </a:r>
             <a:r>
-              <a:rPr lang="ko-KR" altLang="en-US" dirty="0" smtClean="0">
+              <a:rPr lang="ko-KR" altLang="en-US" dirty="0">
                 <a:latin typeface="-윤고딕310" panose="02030504000101010101" pitchFamily="18" charset="-127"/>
                 <a:ea typeface="-윤고딕310" panose="02030504000101010101" pitchFamily="18" charset="-127"/>
               </a:rPr>
               <a:t>스토리의 내용 역시 이 순서로 갈등이 심화된다</a:t>
             </a:r>
             <a:r>
-              <a:rPr lang="en-US" altLang="ko-KR" dirty="0" smtClean="0">
+              <a:rPr lang="en-US" altLang="ko-KR" dirty="0">
                 <a:latin typeface="-윤고딕310" panose="02030504000101010101" pitchFamily="18" charset="-127"/>
                 <a:ea typeface="-윤고딕310" panose="02030504000101010101" pitchFamily="18" charset="-127"/>
               </a:rPr>
               <a:t>. </a:t>
             </a:r>
             <a:r>
-              <a:rPr lang="ko-KR" altLang="en-US" dirty="0" smtClean="0">
+              <a:rPr lang="ko-KR" altLang="en-US" dirty="0">
                 <a:latin typeface="-윤고딕310" panose="02030504000101010101" pitchFamily="18" charset="-127"/>
                 <a:ea typeface="-윤고딕310" panose="02030504000101010101" pitchFamily="18" charset="-127"/>
               </a:rPr>
               <a:t>플레이어를 추격해오는 세력이 강해지고</a:t>
             </a:r>
             <a:r>
-              <a:rPr lang="en-US" altLang="ko-KR" dirty="0" smtClean="0">
+              <a:rPr lang="en-US" altLang="ko-KR" dirty="0">
                 <a:latin typeface="-윤고딕310" panose="02030504000101010101" pitchFamily="18" charset="-127"/>
                 <a:ea typeface="-윤고딕310" panose="02030504000101010101" pitchFamily="18" charset="-127"/>
               </a:rPr>
               <a:t>, </a:t>
             </a:r>
             <a:r>
-              <a:rPr lang="ko-KR" altLang="en-US" dirty="0" smtClean="0">
+              <a:rPr lang="ko-KR" altLang="en-US" dirty="0">
                 <a:latin typeface="-윤고딕310" panose="02030504000101010101" pitchFamily="18" charset="-127"/>
                 <a:ea typeface="-윤고딕310" panose="02030504000101010101" pitchFamily="18" charset="-127"/>
               </a:rPr>
               <a:t>소녀와 플레이어의 관계도 변합니다</a:t>
             </a:r>
             <a:r>
-              <a:rPr lang="en-US" altLang="ko-KR" smtClean="0">
+              <a:rPr lang="en-US" altLang="ko-KR">
                 <a:latin typeface="-윤고딕310" panose="02030504000101010101" pitchFamily="18" charset="-127"/>
                 <a:ea typeface="-윤고딕310" panose="02030504000101010101" pitchFamily="18" charset="-127"/>
               </a:rPr>
               <a:t>.</a:t>
             </a:r>
-            <a:endParaRPr lang="en-US" altLang="ko-KR" dirty="0" smtClean="0">
+            <a:endParaRPr lang="en-US" altLang="ko-KR" dirty="0">
               <a:latin typeface="-윤고딕310" panose="02030504000101010101" pitchFamily="18" charset="-127"/>
               <a:ea typeface="-윤고딕310" panose="02030504000101010101" pitchFamily="18" charset="-127"/>
             </a:endParaRPr>
@@ -14638,14 +14439,14 @@
           <a:lstStyle/>
           <a:p>
             <a:r>
-              <a:rPr lang="ko-KR" altLang="en-US" smtClean="0">
+              <a:rPr lang="ko-KR" altLang="en-US">
                 <a:latin typeface="-윤고딕320" panose="02030504000101010101" pitchFamily="18" charset="-127"/>
                 <a:ea typeface="-윤고딕320" panose="02030504000101010101" pitchFamily="18" charset="-127"/>
               </a:rPr>
               <a:t>개발 범위 </a:t>
             </a:r>
             <a:r>
-              <a:rPr lang="en-US" altLang="ko-KR" smtClean="0">
+              <a:rPr lang="en-US" altLang="ko-KR">
                 <a:latin typeface="-윤고딕320" panose="02030504000101010101" pitchFamily="18" charset="-127"/>
                 <a:ea typeface="-윤고딕320" panose="02030504000101010101" pitchFamily="18" charset="-127"/>
               </a:rPr>
@@ -14691,9 +14492,27 @@
                 <a:tableStyleId>{5C22544A-7EE6-4342-B048-85BDC9FD1C3A}</a:tableStyleId>
               </a:tblPr>
               <a:tblGrid>
-                <a:gridCol w="1171204"/>
-                <a:gridCol w="3816424"/>
-                <a:gridCol w="2574796"/>
+                <a:gridCol w="1171204">
+                  <a:extLst>
+                    <a:ext uri="{9D8B030D-6E8A-4147-A177-3AD203B41FA5}">
+                      <a16:colId xmlns:a16="http://schemas.microsoft.com/office/drawing/2014/main" val="20000"/>
+                    </a:ext>
+                  </a:extLst>
+                </a:gridCol>
+                <a:gridCol w="3816424">
+                  <a:extLst>
+                    <a:ext uri="{9D8B030D-6E8A-4147-A177-3AD203B41FA5}">
+                      <a16:colId xmlns:a16="http://schemas.microsoft.com/office/drawing/2014/main" val="20001"/>
+                    </a:ext>
+                  </a:extLst>
+                </a:gridCol>
+                <a:gridCol w="2574796">
+                  <a:extLst>
+                    <a:ext uri="{9D8B030D-6E8A-4147-A177-3AD203B41FA5}">
+                      <a16:colId xmlns:a16="http://schemas.microsoft.com/office/drawing/2014/main" val="20002"/>
+                    </a:ext>
+                  </a:extLst>
+                </a:gridCol>
               </a:tblGrid>
               <a:tr h="446571">
                 <a:tc>
@@ -14703,16 +14522,12 @@
                     <a:p>
                       <a:pPr algn="ctr" latinLnBrk="1"/>
                       <a:r>
-                        <a:rPr lang="ko-KR" altLang="en-US" sz="2000" b="0" dirty="0" smtClean="0">
+                        <a:rPr lang="ko-KR" altLang="en-US" sz="2000" b="0" dirty="0">
                           <a:latin typeface="-윤고딕320" panose="02030504000101010101" pitchFamily="18" charset="-127"/>
                           <a:ea typeface="-윤고딕320" panose="02030504000101010101" pitchFamily="18" charset="-127"/>
                         </a:rPr>
                         <a:t>내용</a:t>
                       </a:r>
-                      <a:endParaRPr lang="ko-KR" altLang="en-US" sz="2000" b="0" dirty="0">
-                        <a:latin typeface="-윤고딕320" panose="02030504000101010101" pitchFamily="18" charset="-127"/>
-                        <a:ea typeface="-윤고딕320" panose="02030504000101010101" pitchFamily="18" charset="-127"/>
-                      </a:endParaRPr>
                     </a:p>
                   </a:txBody>
                   <a:tcPr marL="111605" marR="111605" marT="55802" marB="55802" anchor="ctr">
@@ -14731,16 +14546,12 @@
                     <a:p>
                       <a:pPr algn="ctr" latinLnBrk="1"/>
                       <a:r>
-                        <a:rPr lang="ko-KR" altLang="en-US" sz="2000" b="0" smtClean="0">
+                        <a:rPr lang="ko-KR" altLang="en-US" sz="2000" b="0">
                           <a:latin typeface="-윤고딕320" panose="02030504000101010101" pitchFamily="18" charset="-127"/>
                           <a:ea typeface="-윤고딕320" panose="02030504000101010101" pitchFamily="18" charset="-127"/>
                         </a:rPr>
                         <a:t>상세</a:t>
                       </a:r>
-                      <a:endParaRPr lang="ko-KR" altLang="en-US" sz="2000" b="0">
-                        <a:latin typeface="-윤고딕320" panose="02030504000101010101" pitchFamily="18" charset="-127"/>
-                        <a:ea typeface="-윤고딕320" panose="02030504000101010101" pitchFamily="18" charset="-127"/>
-                      </a:endParaRPr>
                     </a:p>
                   </a:txBody>
                   <a:tcPr marL="111605" marR="111605" marT="55802" marB="55802" anchor="ctr"/>
@@ -14752,20 +14563,21 @@
                     <a:p>
                       <a:pPr algn="ctr" latinLnBrk="1"/>
                       <a:r>
-                        <a:rPr lang="ko-KR" altLang="en-US" sz="2000" b="0" dirty="0" smtClean="0">
+                        <a:rPr lang="ko-KR" altLang="en-US" sz="2000" b="0" dirty="0">
                           <a:latin typeface="-윤고딕320" panose="02030504000101010101" pitchFamily="18" charset="-127"/>
                           <a:ea typeface="-윤고딕320" panose="02030504000101010101" pitchFamily="18" charset="-127"/>
                         </a:rPr>
                         <a:t>추가</a:t>
                       </a:r>
-                      <a:endParaRPr lang="ko-KR" altLang="en-US" sz="2000" b="0" dirty="0">
-                        <a:latin typeface="-윤고딕320" panose="02030504000101010101" pitchFamily="18" charset="-127"/>
-                        <a:ea typeface="-윤고딕320" panose="02030504000101010101" pitchFamily="18" charset="-127"/>
-                      </a:endParaRPr>
                     </a:p>
                   </a:txBody>
                   <a:tcPr marL="111605" marR="111605" marT="55802" marB="55802" anchor="ctr"/>
                 </a:tc>
+                <a:extLst>
+                  <a:ext uri="{0D108BD9-81ED-4DB2-BD59-A6C34878D82A}">
+                    <a16:rowId xmlns:a16="http://schemas.microsoft.com/office/drawing/2014/main" val="10000"/>
+                  </a:ext>
+                </a:extLst>
               </a:tr>
               <a:tr h="777567">
                 <a:tc>
@@ -14775,16 +14587,12 @@
                     <a:p>
                       <a:pPr algn="ctr" latinLnBrk="1"/>
                       <a:r>
-                        <a:rPr lang="ko-KR" altLang="en-US" sz="1900" smtClean="0">
+                        <a:rPr lang="ko-KR" altLang="en-US" sz="1900">
                           <a:latin typeface="-윤고딕310" panose="02030504000101010101" pitchFamily="18" charset="-127"/>
                           <a:ea typeface="-윤고딕310" panose="02030504000101010101" pitchFamily="18" charset="-127"/>
                         </a:rPr>
                         <a:t>조작</a:t>
                       </a:r>
-                      <a:endParaRPr lang="ko-KR" altLang="en-US" sz="1900">
-                        <a:latin typeface="-윤고딕310" panose="02030504000101010101" pitchFamily="18" charset="-127"/>
-                        <a:ea typeface="-윤고딕310" panose="02030504000101010101" pitchFamily="18" charset="-127"/>
-                      </a:endParaRPr>
                     </a:p>
                   </a:txBody>
                   <a:tcPr marL="111605" marR="111605" marT="55802" marB="55802" anchor="ctr">
@@ -14806,13 +14614,13 @@
                         <a:buChar char="•"/>
                       </a:pPr>
                       <a:r>
-                        <a:rPr lang="ko-KR" altLang="en-US" sz="1200" dirty="0" smtClean="0">
+                        <a:rPr lang="ko-KR" altLang="en-US" sz="1200" dirty="0">
                           <a:latin typeface="-윤고딕310" panose="02030504000101010101" pitchFamily="18" charset="-127"/>
                           <a:ea typeface="-윤고딕310" panose="02030504000101010101" pitchFamily="18" charset="-127"/>
                         </a:rPr>
                         <a:t>방향키로 좌우 이동</a:t>
                       </a:r>
-                      <a:endParaRPr lang="en-US" altLang="ko-KR" sz="1200" dirty="0" smtClean="0">
+                      <a:endParaRPr lang="en-US" altLang="ko-KR" sz="1200" dirty="0">
                         <a:latin typeface="-윤고딕310" panose="02030504000101010101" pitchFamily="18" charset="-127"/>
                         <a:ea typeface="-윤고딕310" panose="02030504000101010101" pitchFamily="18" charset="-127"/>
                       </a:endParaRPr>
@@ -14836,104 +14644,104 @@
                         <a:defRPr/>
                       </a:pPr>
                       <a:r>
-                        <a:rPr lang="en-US" altLang="ko-KR" sz="1200" dirty="0" smtClean="0">
+                        <a:rPr lang="en-US" altLang="ko-KR" sz="1200" dirty="0">
                           <a:latin typeface="-윤고딕310" panose="02030504000101010101" pitchFamily="18" charset="-127"/>
                           <a:ea typeface="-윤고딕310" panose="02030504000101010101" pitchFamily="18" charset="-127"/>
                         </a:rPr>
                         <a:t>Z </a:t>
                       </a:r>
                       <a:r>
-                        <a:rPr lang="ko-KR" altLang="en-US" sz="1200" dirty="0" smtClean="0">
+                        <a:rPr lang="ko-KR" altLang="en-US" sz="1200" dirty="0">
                           <a:latin typeface="-윤고딕310" panose="02030504000101010101" pitchFamily="18" charset="-127"/>
                           <a:ea typeface="-윤고딕310" panose="02030504000101010101" pitchFamily="18" charset="-127"/>
                         </a:rPr>
                         <a:t>로 행동</a:t>
                       </a:r>
                       <a:r>
-                        <a:rPr lang="en-US" altLang="ko-KR" sz="1200" dirty="0" smtClean="0">
+                        <a:rPr lang="en-US" altLang="ko-KR" sz="1200" dirty="0">
                           <a:latin typeface="-윤고딕310" panose="02030504000101010101" pitchFamily="18" charset="-127"/>
                           <a:ea typeface="-윤고딕310" panose="02030504000101010101" pitchFamily="18" charset="-127"/>
                         </a:rPr>
                         <a:t>, X </a:t>
                       </a:r>
                       <a:r>
-                        <a:rPr lang="ko-KR" altLang="en-US" sz="1200" dirty="0" smtClean="0">
+                        <a:rPr lang="ko-KR" altLang="en-US" sz="1200" dirty="0">
                           <a:latin typeface="-윤고딕310" panose="02030504000101010101" pitchFamily="18" charset="-127"/>
                           <a:ea typeface="-윤고딕310" panose="02030504000101010101" pitchFamily="18" charset="-127"/>
                         </a:rPr>
                         <a:t>로 점프</a:t>
                       </a:r>
                       <a:r>
-                        <a:rPr lang="en-US" altLang="ko-KR" sz="1200" dirty="0" smtClean="0">
+                        <a:rPr lang="en-US" altLang="ko-KR" sz="1200" dirty="0">
                           <a:latin typeface="-윤고딕310" panose="02030504000101010101" pitchFamily="18" charset="-127"/>
                           <a:ea typeface="-윤고딕310" panose="02030504000101010101" pitchFamily="18" charset="-127"/>
                         </a:rPr>
                         <a:t>, C </a:t>
                       </a:r>
                       <a:r>
-                        <a:rPr lang="ko-KR" altLang="en-US" sz="1200" dirty="0" smtClean="0">
+                        <a:rPr lang="ko-KR" altLang="en-US" sz="1200" dirty="0">
                           <a:latin typeface="-윤고딕310" panose="02030504000101010101" pitchFamily="18" charset="-127"/>
                           <a:ea typeface="-윤고딕310" panose="02030504000101010101" pitchFamily="18" charset="-127"/>
                         </a:rPr>
                         <a:t>로 공격</a:t>
                       </a:r>
                       <a:r>
-                        <a:rPr lang="en-US" altLang="ko-KR" sz="1200" dirty="0" smtClean="0">
+                        <a:rPr lang="en-US" altLang="ko-KR" sz="1200" dirty="0">
                           <a:latin typeface="-윤고딕310" panose="02030504000101010101" pitchFamily="18" charset="-127"/>
                           <a:ea typeface="-윤고딕310" panose="02030504000101010101" pitchFamily="18" charset="-127"/>
                         </a:rPr>
                         <a:t>.</a:t>
                       </a:r>
                       <a:r>
-                        <a:rPr lang="en-US" altLang="ko-KR" sz="1200" baseline="0" dirty="0" smtClean="0">
+                        <a:rPr lang="en-US" altLang="ko-KR" sz="1200" baseline="0" dirty="0">
                           <a:latin typeface="-윤고딕310" panose="02030504000101010101" pitchFamily="18" charset="-127"/>
                           <a:ea typeface="-윤고딕310" panose="02030504000101010101" pitchFamily="18" charset="-127"/>
                         </a:rPr>
                         <a:t> </a:t>
                       </a:r>
                       <a:r>
-                        <a:rPr lang="ko-KR" altLang="en-US" sz="1200" dirty="0" smtClean="0">
+                        <a:rPr lang="ko-KR" altLang="en-US" sz="1200" dirty="0">
                           <a:latin typeface="-윤고딕310" panose="02030504000101010101" pitchFamily="18" charset="-127"/>
                           <a:ea typeface="-윤고딕310" panose="02030504000101010101" pitchFamily="18" charset="-127"/>
                         </a:rPr>
                         <a:t>이 키들은</a:t>
                       </a:r>
                       <a:r>
-                        <a:rPr lang="en-US" altLang="ko-KR" sz="1200" baseline="0" dirty="0" smtClean="0">
+                        <a:rPr lang="en-US" altLang="ko-KR" sz="1200" baseline="0" dirty="0">
                           <a:latin typeface="-윤고딕310" panose="02030504000101010101" pitchFamily="18" charset="-127"/>
                           <a:ea typeface="-윤고딕310" panose="02030504000101010101" pitchFamily="18" charset="-127"/>
                         </a:rPr>
                         <a:t> </a:t>
                       </a:r>
                       <a:r>
-                        <a:rPr lang="ko-KR" altLang="en-US" sz="1200" dirty="0" smtClean="0">
+                        <a:rPr lang="ko-KR" altLang="en-US" sz="1200" dirty="0">
                           <a:latin typeface="-윤고딕310" panose="02030504000101010101" pitchFamily="18" charset="-127"/>
                           <a:ea typeface="-윤고딕310" panose="02030504000101010101" pitchFamily="18" charset="-127"/>
                         </a:rPr>
                         <a:t>방향키와</a:t>
                       </a:r>
                       <a:r>
-                        <a:rPr lang="ko-KR" altLang="en-US" sz="1200" baseline="0" dirty="0" smtClean="0">
+                        <a:rPr lang="ko-KR" altLang="en-US" sz="1200" baseline="0" dirty="0">
                           <a:latin typeface="-윤고딕310" panose="02030504000101010101" pitchFamily="18" charset="-127"/>
                           <a:ea typeface="-윤고딕310" panose="02030504000101010101" pitchFamily="18" charset="-127"/>
                         </a:rPr>
                         <a:t> 조합하여 </a:t>
                       </a:r>
                       <a:r>
-                        <a:rPr lang="ko-KR" altLang="en-US" sz="1200" dirty="0" smtClean="0">
+                        <a:rPr lang="ko-KR" altLang="en-US" sz="1200" dirty="0">
                           <a:latin typeface="-윤고딕310" panose="02030504000101010101" pitchFamily="18" charset="-127"/>
                           <a:ea typeface="-윤고딕310" panose="02030504000101010101" pitchFamily="18" charset="-127"/>
                         </a:rPr>
                         <a:t>아이템을 줍고 던지는 등의 행동을 할 수 있다</a:t>
                       </a:r>
                       <a:r>
-                        <a:rPr lang="en-US" altLang="ko-KR" sz="1200" dirty="0" smtClean="0">
+                        <a:rPr lang="en-US" altLang="ko-KR" sz="1200" dirty="0">
                           <a:latin typeface="-윤고딕310" panose="02030504000101010101" pitchFamily="18" charset="-127"/>
                           <a:ea typeface="-윤고딕310" panose="02030504000101010101" pitchFamily="18" charset="-127"/>
                         </a:rPr>
                         <a:t>.</a:t>
                       </a:r>
-                      <a:endParaRPr lang="ko-KR" altLang="en-US" sz="1200" dirty="0" smtClean="0">
+                      <a:endParaRPr lang="ko-KR" altLang="en-US" sz="1200" dirty="0">
                         <a:latin typeface="-윤고딕310" panose="02030504000101010101" pitchFamily="18" charset="-127"/>
                         <a:ea typeface="-윤고딕310" panose="02030504000101010101" pitchFamily="18" charset="-127"/>
                       </a:endParaRPr>
@@ -14948,42 +14756,42 @@
                     <a:p>
                       <a:pPr latinLnBrk="1"/>
                       <a:r>
-                        <a:rPr lang="ko-KR" altLang="en-US" sz="1200" dirty="0" smtClean="0">
+                        <a:rPr lang="ko-KR" altLang="en-US" sz="1200" dirty="0">
                           <a:latin typeface="-윤고딕310" panose="02030504000101010101" pitchFamily="18" charset="-127"/>
                           <a:ea typeface="-윤고딕310" panose="02030504000101010101" pitchFamily="18" charset="-127"/>
                         </a:rPr>
                         <a:t>벽 타기</a:t>
                       </a:r>
                       <a:r>
-                        <a:rPr lang="en-US" altLang="ko-KR" sz="1200" dirty="0" smtClean="0">
+                        <a:rPr lang="en-US" altLang="ko-KR" sz="1200" dirty="0">
                           <a:latin typeface="-윤고딕310" panose="02030504000101010101" pitchFamily="18" charset="-127"/>
                           <a:ea typeface="-윤고딕310" panose="02030504000101010101" pitchFamily="18" charset="-127"/>
                         </a:rPr>
                         <a:t>, </a:t>
                       </a:r>
                       <a:r>
-                        <a:rPr lang="ko-KR" altLang="en-US" sz="1200" dirty="0" smtClean="0">
+                        <a:rPr lang="ko-KR" altLang="en-US" sz="1200" dirty="0">
                           <a:latin typeface="-윤고딕310" panose="02030504000101010101" pitchFamily="18" charset="-127"/>
                           <a:ea typeface="-윤고딕310" panose="02030504000101010101" pitchFamily="18" charset="-127"/>
                         </a:rPr>
                         <a:t>매달리기</a:t>
                       </a:r>
                       <a:r>
-                        <a:rPr lang="en-US" altLang="ko-KR" sz="1200" baseline="0" dirty="0" smtClean="0">
+                        <a:rPr lang="en-US" altLang="ko-KR" sz="1200" baseline="0" dirty="0">
                           <a:latin typeface="-윤고딕310" panose="02030504000101010101" pitchFamily="18" charset="-127"/>
                           <a:ea typeface="-윤고딕310" panose="02030504000101010101" pitchFamily="18" charset="-127"/>
                         </a:rPr>
                         <a:t>, </a:t>
                       </a:r>
                       <a:r>
-                        <a:rPr lang="ko-KR" altLang="en-US" sz="1200" baseline="0" dirty="0" smtClean="0">
+                        <a:rPr lang="ko-KR" altLang="en-US" sz="1200" baseline="0" dirty="0">
                           <a:latin typeface="-윤고딕310" panose="02030504000101010101" pitchFamily="18" charset="-127"/>
                           <a:ea typeface="-윤고딕310" panose="02030504000101010101" pitchFamily="18" charset="-127"/>
                         </a:rPr>
                         <a:t>아이템 사용과 던지기의 구분을 할 수 있다</a:t>
                       </a:r>
                       <a:r>
-                        <a:rPr lang="en-US" altLang="ko-KR" sz="1200" baseline="0" dirty="0" smtClean="0">
+                        <a:rPr lang="en-US" altLang="ko-KR" sz="1200" baseline="0" dirty="0">
                           <a:latin typeface="-윤고딕310" panose="02030504000101010101" pitchFamily="18" charset="-127"/>
                           <a:ea typeface="-윤고딕310" panose="02030504000101010101" pitchFamily="18" charset="-127"/>
                         </a:rPr>
@@ -14997,6 +14805,11 @@
                   </a:txBody>
                   <a:tcPr marL="111605" marR="111605" marT="55802" marB="55802"/>
                 </a:tc>
+                <a:extLst>
+                  <a:ext uri="{0D108BD9-81ED-4DB2-BD59-A6C34878D82A}">
+                    <a16:rowId xmlns:a16="http://schemas.microsoft.com/office/drawing/2014/main" val="10001"/>
+                  </a:ext>
+                </a:extLst>
               </a:tr>
               <a:tr h="859755">
                 <a:tc>
@@ -15006,13 +14819,13 @@
                     <a:p>
                       <a:pPr algn="ctr" latinLnBrk="1"/>
                       <a:r>
-                        <a:rPr lang="ko-KR" altLang="en-US" sz="1900" dirty="0" smtClean="0">
+                        <a:rPr lang="ko-KR" altLang="en-US" sz="1900" dirty="0">
                           <a:latin typeface="-윤고딕310" panose="02030504000101010101" pitchFamily="18" charset="-127"/>
                           <a:ea typeface="-윤고딕310" panose="02030504000101010101" pitchFamily="18" charset="-127"/>
                         </a:rPr>
                         <a:t>캐릭터</a:t>
                       </a:r>
-                      <a:endParaRPr lang="en-US" altLang="ko-KR" sz="1900" dirty="0" smtClean="0">
+                      <a:endParaRPr lang="en-US" altLang="ko-KR" sz="1900" dirty="0">
                         <a:latin typeface="-윤고딕310" panose="02030504000101010101" pitchFamily="18" charset="-127"/>
                         <a:ea typeface="-윤고딕310" panose="02030504000101010101" pitchFamily="18" charset="-127"/>
                       </a:endParaRPr>
@@ -15020,16 +14833,12 @@
                     <a:p>
                       <a:pPr algn="ctr" latinLnBrk="1"/>
                       <a:r>
-                        <a:rPr lang="ko-KR" altLang="en-US" sz="1900" dirty="0" smtClean="0">
+                        <a:rPr lang="ko-KR" altLang="en-US" sz="1900" dirty="0">
                           <a:latin typeface="-윤고딕310" panose="02030504000101010101" pitchFamily="18" charset="-127"/>
                           <a:ea typeface="-윤고딕310" panose="02030504000101010101" pitchFamily="18" charset="-127"/>
                         </a:rPr>
                         <a:t>능력</a:t>
                       </a:r>
-                      <a:endParaRPr lang="ko-KR" altLang="en-US" sz="1900" dirty="0">
-                        <a:latin typeface="-윤고딕310" panose="02030504000101010101" pitchFamily="18" charset="-127"/>
-                        <a:ea typeface="-윤고딕310" panose="02030504000101010101" pitchFamily="18" charset="-127"/>
-                      </a:endParaRPr>
                     </a:p>
                   </a:txBody>
                   <a:tcPr marL="111605" marR="111605" marT="55802" marB="55802" anchor="ctr">
@@ -15051,42 +14860,42 @@
                         <a:buChar char="•"/>
                       </a:pPr>
                       <a:r>
-                        <a:rPr lang="ko-KR" altLang="en-US" sz="1200" dirty="0" smtClean="0">
+                        <a:rPr lang="ko-KR" altLang="en-US" sz="1200" dirty="0">
                           <a:latin typeface="-윤고딕310" panose="02030504000101010101" pitchFamily="18" charset="-127"/>
                           <a:ea typeface="-윤고딕310" panose="02030504000101010101" pitchFamily="18" charset="-127"/>
                         </a:rPr>
                         <a:t>캐릭터가 흡혈귀인 만큼 햇빛과 은</a:t>
                       </a:r>
                       <a:r>
-                        <a:rPr lang="en-US" altLang="ko-KR" sz="1200" dirty="0" smtClean="0">
+                        <a:rPr lang="en-US" altLang="ko-KR" sz="1200" dirty="0">
                           <a:latin typeface="-윤고딕310" panose="02030504000101010101" pitchFamily="18" charset="-127"/>
                           <a:ea typeface="-윤고딕310" panose="02030504000101010101" pitchFamily="18" charset="-127"/>
                         </a:rPr>
                         <a:t>, </a:t>
                       </a:r>
                       <a:r>
-                        <a:rPr lang="ko-KR" altLang="en-US" sz="1200" dirty="0" smtClean="0">
+                        <a:rPr lang="ko-KR" altLang="en-US" sz="1200" dirty="0">
                           <a:latin typeface="-윤고딕310" panose="02030504000101010101" pitchFamily="18" charset="-127"/>
                           <a:ea typeface="-윤고딕310" panose="02030504000101010101" pitchFamily="18" charset="-127"/>
                         </a:rPr>
                         <a:t>십자가 등에 약하다</a:t>
                       </a:r>
                       <a:r>
-                        <a:rPr lang="en-US" altLang="ko-KR" sz="1200" dirty="0" smtClean="0">
+                        <a:rPr lang="en-US" altLang="ko-KR" sz="1200" dirty="0">
                           <a:latin typeface="-윤고딕310" panose="02030504000101010101" pitchFamily="18" charset="-127"/>
                           <a:ea typeface="-윤고딕310" panose="02030504000101010101" pitchFamily="18" charset="-127"/>
                         </a:rPr>
                         <a:t>. </a:t>
                       </a:r>
                       <a:r>
-                        <a:rPr lang="ko-KR" altLang="en-US" sz="1200" dirty="0" smtClean="0">
+                        <a:rPr lang="ko-KR" altLang="en-US" sz="1200" dirty="0">
                           <a:latin typeface="-윤고딕310" panose="02030504000101010101" pitchFamily="18" charset="-127"/>
                           <a:ea typeface="-윤고딕310" panose="02030504000101010101" pitchFamily="18" charset="-127"/>
                         </a:rPr>
                         <a:t>스토리를 진행하면서 몸이 회복되면서 예전의 신체 능력을 되찾게 된다</a:t>
                       </a:r>
                       <a:r>
-                        <a:rPr lang="en-US" altLang="ko-KR" sz="1200" dirty="0" smtClean="0">
+                        <a:rPr lang="en-US" altLang="ko-KR" sz="1200" dirty="0">
                           <a:latin typeface="-윤고딕310" panose="02030504000101010101" pitchFamily="18" charset="-127"/>
                           <a:ea typeface="-윤고딕310" panose="02030504000101010101" pitchFamily="18" charset="-127"/>
                         </a:rPr>
@@ -15099,44 +14908,40 @@
                         <a:buChar char="•"/>
                       </a:pPr>
                       <a:r>
-                        <a:rPr lang="en-US" altLang="ko-KR" sz="1200" dirty="0" smtClean="0">
+                        <a:rPr lang="en-US" altLang="ko-KR" sz="1200" dirty="0">
                           <a:latin typeface="-윤고딕310" panose="02030504000101010101" pitchFamily="18" charset="-127"/>
                           <a:ea typeface="-윤고딕310" panose="02030504000101010101" pitchFamily="18" charset="-127"/>
                         </a:rPr>
                         <a:t>2</a:t>
                       </a:r>
                       <a:r>
-                        <a:rPr lang="ko-KR" altLang="en-US" sz="1200" dirty="0" smtClean="0">
+                        <a:rPr lang="ko-KR" altLang="en-US" sz="1200" dirty="0">
                           <a:latin typeface="-윤고딕310" panose="02030504000101010101" pitchFamily="18" charset="-127"/>
                           <a:ea typeface="-윤고딕310" panose="02030504000101010101" pitchFamily="18" charset="-127"/>
                         </a:rPr>
                         <a:t>단 점프</a:t>
                       </a:r>
                       <a:r>
-                        <a:rPr lang="en-US" altLang="ko-KR" sz="1200" dirty="0" smtClean="0">
+                        <a:rPr lang="en-US" altLang="ko-KR" sz="1200" dirty="0">
                           <a:latin typeface="-윤고딕310" panose="02030504000101010101" pitchFamily="18" charset="-127"/>
                           <a:ea typeface="-윤고딕310" panose="02030504000101010101" pitchFamily="18" charset="-127"/>
                         </a:rPr>
                         <a:t>, </a:t>
                       </a:r>
                       <a:r>
-                        <a:rPr lang="ko-KR" altLang="en-US" sz="1200" dirty="0" err="1" smtClean="0">
+                        <a:rPr lang="ko-KR" altLang="en-US" sz="1200" dirty="0" err="1">
                           <a:latin typeface="-윤고딕310" panose="02030504000101010101" pitchFamily="18" charset="-127"/>
                           <a:ea typeface="-윤고딕310" panose="02030504000101010101" pitchFamily="18" charset="-127"/>
                         </a:rPr>
                         <a:t>대쉬</a:t>
                       </a:r>
                       <a:r>
-                        <a:rPr lang="ko-KR" altLang="en-US" sz="1200" dirty="0" smtClean="0">
+                        <a:rPr lang="ko-KR" altLang="en-US" sz="1200" dirty="0">
                           <a:latin typeface="-윤고딕310" panose="02030504000101010101" pitchFamily="18" charset="-127"/>
                           <a:ea typeface="-윤고딕310" panose="02030504000101010101" pitchFamily="18" charset="-127"/>
                         </a:rPr>
                         <a:t> 구현</a:t>
                       </a:r>
-                      <a:endParaRPr lang="ko-KR" altLang="en-US" sz="1200" dirty="0">
-                        <a:latin typeface="-윤고딕310" panose="02030504000101010101" pitchFamily="18" charset="-127"/>
-                        <a:ea typeface="-윤고딕310" panose="02030504000101010101" pitchFamily="18" charset="-127"/>
-                      </a:endParaRPr>
                     </a:p>
                   </a:txBody>
                   <a:tcPr marL="111605" marR="111605" marT="55802" marB="55802"/>
@@ -15148,14 +14953,14 @@
                     <a:p>
                       <a:pPr latinLnBrk="1"/>
                       <a:r>
-                        <a:rPr lang="ko-KR" altLang="en-US" sz="1200" dirty="0" smtClean="0">
+                        <a:rPr lang="ko-KR" altLang="en-US" sz="1200" dirty="0">
                           <a:latin typeface="-윤고딕310" panose="02030504000101010101" pitchFamily="18" charset="-127"/>
                           <a:ea typeface="-윤고딕310" panose="02030504000101010101" pitchFamily="18" charset="-127"/>
                         </a:rPr>
                         <a:t>스테이지가 지날수록 플레이어의 특수 능력이 해금된다</a:t>
                       </a:r>
                       <a:r>
-                        <a:rPr lang="en-US" altLang="ko-KR" sz="1200" dirty="0" smtClean="0">
+                        <a:rPr lang="en-US" altLang="ko-KR" sz="1200" dirty="0">
                           <a:latin typeface="-윤고딕310" panose="02030504000101010101" pitchFamily="18" charset="-127"/>
                           <a:ea typeface="-윤고딕310" panose="02030504000101010101" pitchFamily="18" charset="-127"/>
                         </a:rPr>
@@ -15169,6 +14974,11 @@
                   </a:txBody>
                   <a:tcPr marL="111605" marR="111605" marT="55802" marB="55802"/>
                 </a:tc>
+                <a:extLst>
+                  <a:ext uri="{0D108BD9-81ED-4DB2-BD59-A6C34878D82A}">
+                    <a16:rowId xmlns:a16="http://schemas.microsoft.com/office/drawing/2014/main" val="10002"/>
+                  </a:ext>
+                </a:extLst>
               </a:tr>
               <a:tr h="859755">
                 <a:tc>
@@ -15178,16 +14988,12 @@
                     <a:p>
                       <a:pPr algn="ctr" latinLnBrk="1"/>
                       <a:r>
-                        <a:rPr lang="ko-KR" altLang="en-US" sz="1800" dirty="0" smtClean="0">
+                        <a:rPr lang="ko-KR" altLang="en-US" sz="1800" dirty="0">
                           <a:latin typeface="-윤고딕310" panose="02030504000101010101" pitchFamily="18" charset="-127"/>
                           <a:ea typeface="-윤고딕310" panose="02030504000101010101" pitchFamily="18" charset="-127"/>
                         </a:rPr>
                         <a:t>게임 기능 및 연출</a:t>
                       </a:r>
-                      <a:endParaRPr lang="ko-KR" altLang="en-US" sz="1800" dirty="0">
-                        <a:latin typeface="-윤고딕310" panose="02030504000101010101" pitchFamily="18" charset="-127"/>
-                        <a:ea typeface="-윤고딕310" panose="02030504000101010101" pitchFamily="18" charset="-127"/>
-                      </a:endParaRPr>
                     </a:p>
                   </a:txBody>
                   <a:tcPr marL="111605" marR="111605" marT="55802" marB="55802" anchor="ctr">
@@ -15209,49 +15015,49 @@
                         <a:buChar char="•"/>
                       </a:pPr>
                       <a:r>
-                        <a:rPr lang="ko-KR" altLang="en-US" sz="1200" dirty="0" smtClean="0">
+                        <a:rPr lang="ko-KR" altLang="en-US" sz="1200" dirty="0">
                           <a:latin typeface="-윤고딕310" panose="02030504000101010101" pitchFamily="18" charset="-127"/>
                           <a:ea typeface="-윤고딕310" panose="02030504000101010101" pitchFamily="18" charset="-127"/>
                         </a:rPr>
                         <a:t>중력 구현</a:t>
                       </a:r>
                       <a:r>
-                        <a:rPr lang="en-US" altLang="ko-KR" sz="1200" dirty="0" smtClean="0">
+                        <a:rPr lang="en-US" altLang="ko-KR" sz="1200" dirty="0">
                           <a:latin typeface="-윤고딕310" panose="02030504000101010101" pitchFamily="18" charset="-127"/>
                           <a:ea typeface="-윤고딕310" panose="02030504000101010101" pitchFamily="18" charset="-127"/>
                         </a:rPr>
                         <a:t>,</a:t>
                       </a:r>
                       <a:r>
-                        <a:rPr lang="en-US" altLang="ko-KR" sz="1200" baseline="0" dirty="0" smtClean="0">
+                        <a:rPr lang="en-US" altLang="ko-KR" sz="1200" baseline="0" dirty="0">
                           <a:latin typeface="-윤고딕310" panose="02030504000101010101" pitchFamily="18" charset="-127"/>
                           <a:ea typeface="-윤고딕310" panose="02030504000101010101" pitchFamily="18" charset="-127"/>
                         </a:rPr>
                         <a:t> NPC </a:t>
                       </a:r>
                       <a:r>
-                        <a:rPr lang="ko-KR" altLang="en-US" sz="1200" baseline="0" dirty="0" smtClean="0">
+                        <a:rPr lang="ko-KR" altLang="en-US" sz="1200" baseline="0" dirty="0">
                           <a:latin typeface="-윤고딕310" panose="02030504000101010101" pitchFamily="18" charset="-127"/>
                           <a:ea typeface="-윤고딕310" panose="02030504000101010101" pitchFamily="18" charset="-127"/>
                         </a:rPr>
                         <a:t>인공지능 구현</a:t>
                       </a:r>
                       <a:r>
-                        <a:rPr lang="en-US" altLang="ko-KR" sz="1200" baseline="0" dirty="0" smtClean="0">
+                        <a:rPr lang="en-US" altLang="ko-KR" sz="1200" baseline="0" dirty="0">
                           <a:latin typeface="-윤고딕310" panose="02030504000101010101" pitchFamily="18" charset="-127"/>
                           <a:ea typeface="-윤고딕310" panose="02030504000101010101" pitchFamily="18" charset="-127"/>
                         </a:rPr>
                         <a:t>, </a:t>
                       </a:r>
                       <a:r>
-                        <a:rPr lang="ko-KR" altLang="en-US" sz="1200" baseline="0" dirty="0" smtClean="0">
+                        <a:rPr lang="ko-KR" altLang="en-US" sz="1200" baseline="0" dirty="0">
                           <a:latin typeface="-윤고딕310" panose="02030504000101010101" pitchFamily="18" charset="-127"/>
                           <a:ea typeface="-윤고딕310" panose="02030504000101010101" pitchFamily="18" charset="-127"/>
                         </a:rPr>
                         <a:t>대화 메시지 띄우기</a:t>
                       </a:r>
                       <a:r>
-                        <a:rPr lang="en-US" altLang="ko-KR" sz="1200" baseline="0" dirty="0" smtClean="0">
+                        <a:rPr lang="en-US" altLang="ko-KR" sz="1200" baseline="0" dirty="0">
                           <a:latin typeface="-윤고딕310" panose="02030504000101010101" pitchFamily="18" charset="-127"/>
                           <a:ea typeface="-윤고딕310" panose="02030504000101010101" pitchFamily="18" charset="-127"/>
                         </a:rPr>
@@ -15264,41 +15070,41 @@
                         <a:buChar char="•"/>
                       </a:pPr>
                       <a:r>
-                        <a:rPr lang="ko-KR" altLang="en-US" sz="1200" baseline="0" dirty="0" smtClean="0">
+                        <a:rPr lang="ko-KR" altLang="en-US" sz="1200" baseline="0" dirty="0">
                           <a:latin typeface="-윤고딕310" panose="02030504000101010101" pitchFamily="18" charset="-127"/>
                           <a:ea typeface="-윤고딕310" panose="02030504000101010101" pitchFamily="18" charset="-127"/>
                         </a:rPr>
                         <a:t>각 스테이지에서는 시간 제한이 존재하여 해가 뜨거나 군대가 몰려온다</a:t>
                       </a:r>
                       <a:r>
-                        <a:rPr lang="en-US" altLang="ko-KR" sz="1200" baseline="0" dirty="0" smtClean="0">
+                        <a:rPr lang="en-US" altLang="ko-KR" sz="1200" baseline="0" dirty="0">
                           <a:latin typeface="-윤고딕310" panose="02030504000101010101" pitchFamily="18" charset="-127"/>
                           <a:ea typeface="-윤고딕310" panose="02030504000101010101" pitchFamily="18" charset="-127"/>
                         </a:rPr>
                         <a:t>, </a:t>
                       </a:r>
                       <a:r>
-                        <a:rPr lang="ko-KR" altLang="en-US" sz="1200" baseline="0" dirty="0" smtClean="0">
+                        <a:rPr lang="ko-KR" altLang="en-US" sz="1200" baseline="0" dirty="0">
                           <a:latin typeface="-윤고딕310" panose="02030504000101010101" pitchFamily="18" charset="-127"/>
                           <a:ea typeface="-윤고딕310" panose="02030504000101010101" pitchFamily="18" charset="-127"/>
                         </a:rPr>
                         <a:t>피격 시 체력 감소</a:t>
                       </a:r>
                       <a:r>
-                        <a:rPr lang="en-US" altLang="ko-KR" sz="1200" baseline="0" dirty="0" smtClean="0">
+                        <a:rPr lang="en-US" altLang="ko-KR" sz="1200" baseline="0" dirty="0">
                           <a:latin typeface="-윤고딕310" panose="02030504000101010101" pitchFamily="18" charset="-127"/>
                           <a:ea typeface="-윤고딕310" panose="02030504000101010101" pitchFamily="18" charset="-127"/>
                         </a:rPr>
                         <a:t>, </a:t>
                       </a:r>
                       <a:r>
-                        <a:rPr lang="ko-KR" altLang="en-US" sz="1200" baseline="0" dirty="0" smtClean="0">
+                        <a:rPr lang="ko-KR" altLang="en-US" sz="1200" baseline="0" dirty="0">
                           <a:latin typeface="-윤고딕310" panose="02030504000101010101" pitchFamily="18" charset="-127"/>
                           <a:ea typeface="-윤고딕310" panose="02030504000101010101" pitchFamily="18" charset="-127"/>
                         </a:rPr>
                         <a:t>전투 시 피격 효과</a:t>
                       </a:r>
-                      <a:endParaRPr lang="en-US" altLang="ko-KR" sz="1200" baseline="0" dirty="0" smtClean="0">
+                      <a:endParaRPr lang="en-US" altLang="ko-KR" sz="1200" baseline="0" dirty="0">
                         <a:latin typeface="-윤고딕310" panose="02030504000101010101" pitchFamily="18" charset="-127"/>
                         <a:ea typeface="-윤고딕310" panose="02030504000101010101" pitchFamily="18" charset="-127"/>
                       </a:endParaRPr>
@@ -15309,14 +15115,14 @@
                         <a:buChar char="•"/>
                       </a:pPr>
                       <a:r>
-                        <a:rPr lang="ko-KR" altLang="en-US" sz="1200" baseline="0" dirty="0" smtClean="0">
+                        <a:rPr lang="ko-KR" altLang="en-US" sz="1200" baseline="0" dirty="0">
                           <a:latin typeface="-윤고딕310" panose="02030504000101010101" pitchFamily="18" charset="-127"/>
                           <a:ea typeface="-윤고딕310" panose="02030504000101010101" pitchFamily="18" charset="-127"/>
                         </a:rPr>
                         <a:t>컷 신은 최대한 간단하게 구현한다</a:t>
                       </a:r>
                       <a:r>
-                        <a:rPr lang="en-US" altLang="ko-KR" sz="1200" baseline="0" dirty="0" smtClean="0">
+                        <a:rPr lang="en-US" altLang="ko-KR" sz="1200" baseline="0" dirty="0">
                           <a:latin typeface="-윤고딕310" panose="02030504000101010101" pitchFamily="18" charset="-127"/>
                           <a:ea typeface="-윤고딕310" panose="02030504000101010101" pitchFamily="18" charset="-127"/>
                         </a:rPr>
@@ -15333,28 +15139,28 @@
                     <a:p>
                       <a:pPr latinLnBrk="1"/>
                       <a:r>
-                        <a:rPr lang="ko-KR" altLang="en-US" sz="1200" dirty="0" smtClean="0">
+                        <a:rPr lang="ko-KR" altLang="en-US" sz="1200" dirty="0">
                           <a:latin typeface="-윤고딕310" panose="02030504000101010101" pitchFamily="18" charset="-127"/>
                           <a:ea typeface="-윤고딕310" panose="02030504000101010101" pitchFamily="18" charset="-127"/>
                         </a:rPr>
                         <a:t>플레이어가 대화에 참여할 수 있는 기능</a:t>
                       </a:r>
                       <a:r>
-                        <a:rPr lang="en-US" altLang="ko-KR" sz="1200" dirty="0" smtClean="0">
+                        <a:rPr lang="en-US" altLang="ko-KR" sz="1200" dirty="0">
                           <a:latin typeface="-윤고딕310" panose="02030504000101010101" pitchFamily="18" charset="-127"/>
                           <a:ea typeface="-윤고딕310" panose="02030504000101010101" pitchFamily="18" charset="-127"/>
                         </a:rPr>
                         <a:t>. (</a:t>
                       </a:r>
                       <a:r>
-                        <a:rPr lang="ko-KR" altLang="en-US" sz="1200" dirty="0" smtClean="0">
+                        <a:rPr lang="ko-KR" altLang="en-US" sz="1200" dirty="0">
                           <a:latin typeface="-윤고딕310" panose="02030504000101010101" pitchFamily="18" charset="-127"/>
                           <a:ea typeface="-윤고딕310" panose="02030504000101010101" pitchFamily="18" charset="-127"/>
                         </a:rPr>
                         <a:t>언더테일 처럼</a:t>
                       </a:r>
                       <a:r>
-                        <a:rPr lang="en-US" altLang="ko-KR" sz="1200" dirty="0" smtClean="0">
+                        <a:rPr lang="en-US" altLang="ko-KR" sz="1200" dirty="0">
                           <a:latin typeface="-윤고딕310" panose="02030504000101010101" pitchFamily="18" charset="-127"/>
                           <a:ea typeface="-윤고딕310" panose="02030504000101010101" pitchFamily="18" charset="-127"/>
                         </a:rPr>
@@ -15368,6 +15174,11 @@
                   </a:txBody>
                   <a:tcPr marL="111605" marR="111605" marT="55802" marB="55802"/>
                 </a:tc>
+                <a:extLst>
+                  <a:ext uri="{0D108BD9-81ED-4DB2-BD59-A6C34878D82A}">
+                    <a16:rowId xmlns:a16="http://schemas.microsoft.com/office/drawing/2014/main" val="10003"/>
+                  </a:ext>
+                </a:extLst>
               </a:tr>
               <a:tr h="859755">
                 <a:tc>
@@ -15377,16 +15188,12 @@
                     <a:p>
                       <a:pPr algn="ctr" latinLnBrk="1"/>
                       <a:r>
-                        <a:rPr lang="ko-KR" altLang="en-US" sz="1800" smtClean="0">
+                        <a:rPr lang="ko-KR" altLang="en-US" sz="1800">
                           <a:latin typeface="-윤고딕310" panose="02030504000101010101" pitchFamily="18" charset="-127"/>
                           <a:ea typeface="-윤고딕310" panose="02030504000101010101" pitchFamily="18" charset="-127"/>
                         </a:rPr>
                         <a:t>맵 테마</a:t>
                       </a:r>
-                      <a:endParaRPr lang="ko-KR" altLang="en-US" sz="1800">
-                        <a:latin typeface="-윤고딕310" panose="02030504000101010101" pitchFamily="18" charset="-127"/>
-                        <a:ea typeface="-윤고딕310" panose="02030504000101010101" pitchFamily="18" charset="-127"/>
-                      </a:endParaRPr>
                     </a:p>
                   </a:txBody>
                   <a:tcPr marL="111605" marR="111605" marT="55802" marB="55802" anchor="ctr">
@@ -15421,70 +15228,70 @@
                         <a:defRPr/>
                       </a:pPr>
                       <a:r>
-                        <a:rPr lang="ko-KR" altLang="en-US" sz="1200" dirty="0" smtClean="0">
+                        <a:rPr lang="ko-KR" altLang="en-US" sz="1200" dirty="0">
                           <a:latin typeface="-윤고딕310" panose="02030504000101010101" pitchFamily="18" charset="-127"/>
                           <a:ea typeface="-윤고딕310" panose="02030504000101010101" pitchFamily="18" charset="-127"/>
                         </a:rPr>
                         <a:t>마을</a:t>
                       </a:r>
                       <a:r>
-                        <a:rPr lang="en-US" altLang="ko-KR" sz="1200" dirty="0" smtClean="0">
+                        <a:rPr lang="en-US" altLang="ko-KR" sz="1200" dirty="0">
                           <a:latin typeface="-윤고딕310" panose="02030504000101010101" pitchFamily="18" charset="-127"/>
                           <a:ea typeface="-윤고딕310" panose="02030504000101010101" pitchFamily="18" charset="-127"/>
                         </a:rPr>
                         <a:t>, </a:t>
                       </a:r>
                       <a:r>
-                        <a:rPr lang="ko-KR" altLang="en-US" sz="1200" dirty="0" smtClean="0">
+                        <a:rPr lang="ko-KR" altLang="en-US" sz="1200" dirty="0">
                           <a:latin typeface="-윤고딕310" panose="02030504000101010101" pitchFamily="18" charset="-127"/>
                           <a:ea typeface="-윤고딕310" panose="02030504000101010101" pitchFamily="18" charset="-127"/>
                         </a:rPr>
                         <a:t>숲</a:t>
                       </a:r>
                       <a:r>
-                        <a:rPr lang="en-US" altLang="ko-KR" sz="1200" dirty="0" smtClean="0">
+                        <a:rPr lang="en-US" altLang="ko-KR" sz="1200" dirty="0">
                           <a:latin typeface="-윤고딕310" panose="02030504000101010101" pitchFamily="18" charset="-127"/>
                           <a:ea typeface="-윤고딕310" panose="02030504000101010101" pitchFamily="18" charset="-127"/>
                         </a:rPr>
                         <a:t>, </a:t>
                       </a:r>
                       <a:r>
-                        <a:rPr lang="ko-KR" altLang="en-US" sz="1200" dirty="0" smtClean="0">
+                        <a:rPr lang="ko-KR" altLang="en-US" sz="1200" dirty="0">
                           <a:latin typeface="-윤고딕310" panose="02030504000101010101" pitchFamily="18" charset="-127"/>
                           <a:ea typeface="-윤고딕310" panose="02030504000101010101" pitchFamily="18" charset="-127"/>
                         </a:rPr>
                         <a:t>도시</a:t>
                       </a:r>
                       <a:r>
-                        <a:rPr lang="en-US" altLang="ko-KR" sz="1200" dirty="0" smtClean="0">
+                        <a:rPr lang="en-US" altLang="ko-KR" sz="1200" dirty="0">
                           <a:latin typeface="-윤고딕310" panose="02030504000101010101" pitchFamily="18" charset="-127"/>
                           <a:ea typeface="-윤고딕310" panose="02030504000101010101" pitchFamily="18" charset="-127"/>
                         </a:rPr>
                         <a:t>, </a:t>
                       </a:r>
                       <a:r>
-                        <a:rPr lang="ko-KR" altLang="en-US" sz="1200" dirty="0" smtClean="0">
+                        <a:rPr lang="ko-KR" altLang="en-US" sz="1200" dirty="0">
                           <a:latin typeface="-윤고딕310" panose="02030504000101010101" pitchFamily="18" charset="-127"/>
                           <a:ea typeface="-윤고딕310" panose="02030504000101010101" pitchFamily="18" charset="-127"/>
                         </a:rPr>
                         <a:t>변방 지역 </a:t>
                       </a:r>
                       <a:r>
-                        <a:rPr lang="en-US" altLang="ko-KR" sz="1200" dirty="0" smtClean="0">
+                        <a:rPr lang="en-US" altLang="ko-KR" sz="1200" dirty="0">
                           <a:latin typeface="-윤고딕310" panose="02030504000101010101" pitchFamily="18" charset="-127"/>
                           <a:ea typeface="-윤고딕310" panose="02030504000101010101" pitchFamily="18" charset="-127"/>
                         </a:rPr>
                         <a:t>4</a:t>
                       </a:r>
                       <a:r>
-                        <a:rPr lang="ko-KR" altLang="en-US" sz="1200" dirty="0" smtClean="0">
+                        <a:rPr lang="ko-KR" altLang="en-US" sz="1200" dirty="0">
                           <a:latin typeface="-윤고딕310" panose="02030504000101010101" pitchFamily="18" charset="-127"/>
                           <a:ea typeface="-윤고딕310" panose="02030504000101010101" pitchFamily="18" charset="-127"/>
                         </a:rPr>
                         <a:t>개의 테마</a:t>
                       </a:r>
                       <a:r>
-                        <a:rPr lang="en-US" altLang="ko-KR" sz="1200" dirty="0" smtClean="0">
+                        <a:rPr lang="en-US" altLang="ko-KR" sz="1200" dirty="0">
                           <a:latin typeface="-윤고딕310" panose="02030504000101010101" pitchFamily="18" charset="-127"/>
                           <a:ea typeface="-윤고딕310" panose="02030504000101010101" pitchFamily="18" charset="-127"/>
                         </a:rPr>
@@ -15510,56 +15317,56 @@
                         <a:defRPr/>
                       </a:pPr>
                       <a:r>
-                        <a:rPr lang="ko-KR" altLang="en-US" sz="1200" dirty="0" smtClean="0">
+                        <a:rPr lang="ko-KR" altLang="en-US" sz="1200" dirty="0">
                           <a:latin typeface="-윤고딕310" panose="02030504000101010101" pitchFamily="18" charset="-127"/>
                           <a:ea typeface="-윤고딕310" panose="02030504000101010101" pitchFamily="18" charset="-127"/>
                         </a:rPr>
                         <a:t>각 테마는 </a:t>
                       </a:r>
                       <a:r>
-                        <a:rPr lang="en-US" altLang="ko-KR" sz="1200" dirty="0" smtClean="0">
+                        <a:rPr lang="en-US" altLang="ko-KR" sz="1200" dirty="0">
                           <a:latin typeface="-윤고딕310" panose="02030504000101010101" pitchFamily="18" charset="-127"/>
                           <a:ea typeface="-윤고딕310" panose="02030504000101010101" pitchFamily="18" charset="-127"/>
                         </a:rPr>
                         <a:t>2~3 </a:t>
                       </a:r>
                       <a:r>
-                        <a:rPr lang="ko-KR" altLang="en-US" sz="1200" dirty="0" smtClean="0">
+                        <a:rPr lang="ko-KR" altLang="en-US" sz="1200" dirty="0">
                           <a:latin typeface="-윤고딕310" panose="02030504000101010101" pitchFamily="18" charset="-127"/>
                           <a:ea typeface="-윤고딕310" panose="02030504000101010101" pitchFamily="18" charset="-127"/>
                         </a:rPr>
                         <a:t>스테이지 정도</a:t>
                       </a:r>
                       <a:r>
-                        <a:rPr lang="en-US" altLang="ko-KR" sz="1200" dirty="0" smtClean="0">
+                        <a:rPr lang="en-US" altLang="ko-KR" sz="1200" dirty="0">
                           <a:latin typeface="-윤고딕310" panose="02030504000101010101" pitchFamily="18" charset="-127"/>
                           <a:ea typeface="-윤고딕310" panose="02030504000101010101" pitchFamily="18" charset="-127"/>
                         </a:rPr>
                         <a:t>. </a:t>
                       </a:r>
                       <a:r>
-                        <a:rPr lang="ko-KR" altLang="en-US" sz="1200" dirty="0" smtClean="0">
+                        <a:rPr lang="ko-KR" altLang="en-US" sz="1200" dirty="0">
                           <a:latin typeface="-윤고딕310" panose="02030504000101010101" pitchFamily="18" charset="-127"/>
                           <a:ea typeface="-윤고딕310" panose="02030504000101010101" pitchFamily="18" charset="-127"/>
                         </a:rPr>
                         <a:t>각 테마는 다른 컨셉을 가지고 있음</a:t>
                       </a:r>
                       <a:r>
-                        <a:rPr lang="en-US" altLang="ko-KR" sz="1200" dirty="0" smtClean="0">
+                        <a:rPr lang="en-US" altLang="ko-KR" sz="1200" dirty="0">
                           <a:latin typeface="-윤고딕310" panose="02030504000101010101" pitchFamily="18" charset="-127"/>
                           <a:ea typeface="-윤고딕310" panose="02030504000101010101" pitchFamily="18" charset="-127"/>
                         </a:rPr>
                         <a:t>. </a:t>
                       </a:r>
                       <a:r>
-                        <a:rPr lang="ko-KR" altLang="en-US" sz="1200" dirty="0" smtClean="0">
+                        <a:rPr lang="ko-KR" altLang="en-US" sz="1200" dirty="0">
                           <a:latin typeface="-윤고딕310" panose="02030504000101010101" pitchFamily="18" charset="-127"/>
                           <a:ea typeface="-윤고딕310" panose="02030504000101010101" pitchFamily="18" charset="-127"/>
                         </a:rPr>
                         <a:t>스테이지는 대체로 일직선 진행</a:t>
                       </a:r>
                       <a:r>
-                        <a:rPr lang="en-US" altLang="ko-KR" sz="1200" dirty="0" smtClean="0">
+                        <a:rPr lang="en-US" altLang="ko-KR" sz="1200" dirty="0">
                           <a:latin typeface="-윤고딕310" panose="02030504000101010101" pitchFamily="18" charset="-127"/>
                           <a:ea typeface="-윤고딕310" panose="02030504000101010101" pitchFamily="18" charset="-127"/>
                         </a:rPr>
@@ -15580,20 +15387,21 @@
                     <a:p>
                       <a:pPr latinLnBrk="1"/>
                       <a:r>
-                        <a:rPr lang="ko-KR" altLang="en-US" sz="1200" dirty="0" smtClean="0">
+                        <a:rPr lang="ko-KR" altLang="en-US" sz="1200" dirty="0">
                           <a:latin typeface="-윤고딕310" panose="02030504000101010101" pitchFamily="18" charset="-127"/>
                           <a:ea typeface="-윤고딕310" panose="02030504000101010101" pitchFamily="18" charset="-127"/>
                         </a:rPr>
                         <a:t>스테이지 별로도 특색 부여</a:t>
                       </a:r>
-                      <a:endParaRPr lang="ko-KR" altLang="en-US" sz="1200" dirty="0">
-                        <a:latin typeface="-윤고딕310" panose="02030504000101010101" pitchFamily="18" charset="-127"/>
-                        <a:ea typeface="-윤고딕310" panose="02030504000101010101" pitchFamily="18" charset="-127"/>
-                      </a:endParaRPr>
                     </a:p>
                   </a:txBody>
                   <a:tcPr marL="111605" marR="111605" marT="55802" marB="55802"/>
                 </a:tc>
+                <a:extLst>
+                  <a:ext uri="{0D108BD9-81ED-4DB2-BD59-A6C34878D82A}">
+                    <a16:rowId xmlns:a16="http://schemas.microsoft.com/office/drawing/2014/main" val="10004"/>
+                  </a:ext>
+                </a:extLst>
               </a:tr>
             </a:tbl>
           </a:graphicData>
@@ -15621,7 +15429,7 @@
           <a:p>
             <a:fld id="{E63BED42-B56B-487C-A576-F8E55AE26EFB}" type="datetime1">
               <a:rPr lang="ko-KR" altLang="en-US" smtClean="0"/>
-              <a:t>2017-10-29</a:t>
+              <a:t>2017-11-19</a:t>
             </a:fld>
             <a:endParaRPr lang="ko-KR" altLang="en-US"/>
           </a:p>
@@ -15676,7 +15484,7 @@
           <a:lstStyle/>
           <a:p>
             <a:r>
-              <a:rPr lang="en-US" altLang="ko-KR" smtClean="0">
+              <a:rPr lang="en-US" altLang="ko-KR">
                 <a:solidFill>
                   <a:srgbClr val="C00000"/>
                 </a:solidFill>
@@ -15686,7 +15494,7 @@
               <a:t>2D </a:t>
             </a:r>
             <a:r>
-              <a:rPr lang="ko-KR" altLang="en-US" smtClean="0">
+              <a:rPr lang="ko-KR" altLang="en-US">
                 <a:solidFill>
                   <a:srgbClr val="C00000"/>
                 </a:solidFill>
@@ -15695,13 +15503,6 @@
               </a:rPr>
               <a:t>게임 프로그래밍</a:t>
             </a:r>
-            <a:endParaRPr lang="ko-KR" altLang="en-US">
-              <a:solidFill>
-                <a:srgbClr val="C00000"/>
-              </a:solidFill>
-              <a:latin typeface="-윤고딕310" panose="02030504000101010101" pitchFamily="18" charset="-127"/>
-              <a:ea typeface="-윤고딕310" panose="02030504000101010101" pitchFamily="18" charset="-127"/>
-            </a:endParaRPr>
           </a:p>
         </p:txBody>
       </p:sp>
@@ -15715,13 +15516,6 @@
   <p:clrMapOvr>
     <a:masterClrMapping/>
   </p:clrMapOvr>
-  <p:timing>
-    <p:tnLst>
-      <p:par>
-        <p:cTn id="1" dur="indefinite" restart="never" nodeType="tmRoot"/>
-      </p:par>
-    </p:tnLst>
-  </p:timing>
 </p:sld>
 </file>
 
@@ -15758,14 +15552,14 @@
           <a:lstStyle/>
           <a:p>
             <a:r>
-              <a:rPr lang="ko-KR" altLang="en-US" smtClean="0">
+              <a:rPr lang="ko-KR" altLang="en-US">
                 <a:latin typeface="-윤고딕320" panose="02030504000101010101" pitchFamily="18" charset="-127"/>
                 <a:ea typeface="-윤고딕320" panose="02030504000101010101" pitchFamily="18" charset="-127"/>
               </a:rPr>
               <a:t>개발 범위 </a:t>
             </a:r>
             <a:r>
-              <a:rPr lang="en-US" altLang="ko-KR" smtClean="0">
+              <a:rPr lang="en-US" altLang="ko-KR">
                 <a:latin typeface="-윤고딕320" panose="02030504000101010101" pitchFamily="18" charset="-127"/>
                 <a:ea typeface="-윤고딕320" panose="02030504000101010101" pitchFamily="18" charset="-127"/>
               </a:rPr>
@@ -15811,9 +15605,27 @@
                 <a:tableStyleId>{5C22544A-7EE6-4342-B048-85BDC9FD1C3A}</a:tableStyleId>
               </a:tblPr>
               <a:tblGrid>
-                <a:gridCol w="1171204"/>
-                <a:gridCol w="4896544"/>
-                <a:gridCol w="1494676"/>
+                <a:gridCol w="1171204">
+                  <a:extLst>
+                    <a:ext uri="{9D8B030D-6E8A-4147-A177-3AD203B41FA5}">
+                      <a16:colId xmlns:a16="http://schemas.microsoft.com/office/drawing/2014/main" val="20000"/>
+                    </a:ext>
+                  </a:extLst>
+                </a:gridCol>
+                <a:gridCol w="4896544">
+                  <a:extLst>
+                    <a:ext uri="{9D8B030D-6E8A-4147-A177-3AD203B41FA5}">
+                      <a16:colId xmlns:a16="http://schemas.microsoft.com/office/drawing/2014/main" val="20001"/>
+                    </a:ext>
+                  </a:extLst>
+                </a:gridCol>
+                <a:gridCol w="1494676">
+                  <a:extLst>
+                    <a:ext uri="{9D8B030D-6E8A-4147-A177-3AD203B41FA5}">
+                      <a16:colId xmlns:a16="http://schemas.microsoft.com/office/drawing/2014/main" val="20002"/>
+                    </a:ext>
+                  </a:extLst>
+                </a:gridCol>
               </a:tblGrid>
               <a:tr h="144018">
                 <a:tc>
@@ -15823,16 +15635,12 @@
                     <a:p>
                       <a:pPr algn="ctr" latinLnBrk="1"/>
                       <a:r>
-                        <a:rPr lang="ko-KR" altLang="en-US" sz="2000" b="0" dirty="0" smtClean="0">
+                        <a:rPr lang="ko-KR" altLang="en-US" sz="2000" b="0" dirty="0">
                           <a:latin typeface="-윤고딕320" panose="02030504000101010101" pitchFamily="18" charset="-127"/>
                           <a:ea typeface="-윤고딕320" panose="02030504000101010101" pitchFamily="18" charset="-127"/>
                         </a:rPr>
                         <a:t>내용</a:t>
                       </a:r>
-                      <a:endParaRPr lang="ko-KR" altLang="en-US" sz="2000" b="0" dirty="0">
-                        <a:latin typeface="-윤고딕320" panose="02030504000101010101" pitchFamily="18" charset="-127"/>
-                        <a:ea typeface="-윤고딕320" panose="02030504000101010101" pitchFamily="18" charset="-127"/>
-                      </a:endParaRPr>
                     </a:p>
                   </a:txBody>
                   <a:tcPr marL="111605" marR="111605" marT="55802" marB="55802" anchor="ctr">
@@ -15851,16 +15659,12 @@
                     <a:p>
                       <a:pPr algn="ctr" latinLnBrk="1"/>
                       <a:r>
-                        <a:rPr lang="ko-KR" altLang="en-US" sz="2000" b="0" smtClean="0">
+                        <a:rPr lang="ko-KR" altLang="en-US" sz="2000" b="0">
                           <a:latin typeface="-윤고딕320" panose="02030504000101010101" pitchFamily="18" charset="-127"/>
                           <a:ea typeface="-윤고딕320" panose="02030504000101010101" pitchFamily="18" charset="-127"/>
                         </a:rPr>
                         <a:t>상세</a:t>
                       </a:r>
-                      <a:endParaRPr lang="ko-KR" altLang="en-US" sz="2000" b="0">
-                        <a:latin typeface="-윤고딕320" panose="02030504000101010101" pitchFamily="18" charset="-127"/>
-                        <a:ea typeface="-윤고딕320" panose="02030504000101010101" pitchFamily="18" charset="-127"/>
-                      </a:endParaRPr>
                     </a:p>
                   </a:txBody>
                   <a:tcPr marL="111605" marR="111605" marT="55802" marB="55802" anchor="ctr"/>
@@ -15872,20 +15676,21 @@
                     <a:p>
                       <a:pPr algn="ctr" latinLnBrk="1"/>
                       <a:r>
-                        <a:rPr lang="ko-KR" altLang="en-US" sz="2000" b="0" dirty="0" smtClean="0">
+                        <a:rPr lang="ko-KR" altLang="en-US" sz="2000" b="0" dirty="0">
                           <a:latin typeface="-윤고딕320" panose="02030504000101010101" pitchFamily="18" charset="-127"/>
                           <a:ea typeface="-윤고딕320" panose="02030504000101010101" pitchFamily="18" charset="-127"/>
                         </a:rPr>
                         <a:t>추가</a:t>
                       </a:r>
-                      <a:endParaRPr lang="ko-KR" altLang="en-US" sz="2000" b="0" dirty="0">
-                        <a:latin typeface="-윤고딕320" panose="02030504000101010101" pitchFamily="18" charset="-127"/>
-                        <a:ea typeface="-윤고딕320" panose="02030504000101010101" pitchFamily="18" charset="-127"/>
-                      </a:endParaRPr>
                     </a:p>
                   </a:txBody>
                   <a:tcPr marL="111605" marR="111605" marT="55802" marB="55802" anchor="ctr"/>
                 </a:tc>
+                <a:extLst>
+                  <a:ext uri="{0D108BD9-81ED-4DB2-BD59-A6C34878D82A}">
+                    <a16:rowId xmlns:a16="http://schemas.microsoft.com/office/drawing/2014/main" val="10000"/>
+                  </a:ext>
+                </a:extLst>
               </a:tr>
               <a:tr h="1743838">
                 <a:tc>
@@ -15895,13 +15700,13 @@
                     <a:p>
                       <a:pPr algn="ctr" latinLnBrk="1"/>
                       <a:r>
-                        <a:rPr lang="ko-KR" altLang="en-US" sz="1900" dirty="0" smtClean="0">
+                        <a:rPr lang="ko-KR" altLang="en-US" sz="1900" dirty="0">
                           <a:latin typeface="-윤고딕310" panose="02030504000101010101" pitchFamily="18" charset="-127"/>
                           <a:ea typeface="-윤고딕310" panose="02030504000101010101" pitchFamily="18" charset="-127"/>
                         </a:rPr>
                         <a:t>적</a:t>
                       </a:r>
-                      <a:endParaRPr lang="en-US" altLang="ko-KR" sz="1900" dirty="0" smtClean="0">
+                      <a:endParaRPr lang="en-US" altLang="ko-KR" sz="1900" dirty="0">
                         <a:latin typeface="-윤고딕310" panose="02030504000101010101" pitchFamily="18" charset="-127"/>
                         <a:ea typeface="-윤고딕310" panose="02030504000101010101" pitchFamily="18" charset="-127"/>
                       </a:endParaRPr>
@@ -15909,7 +15714,7 @@
                     <a:p>
                       <a:pPr algn="ctr" latinLnBrk="1"/>
                       <a:r>
-                        <a:rPr lang="en-US" altLang="ko-KR" sz="1900" dirty="0" smtClean="0">
+                        <a:rPr lang="en-US" altLang="ko-KR" sz="1900" dirty="0">
                           <a:latin typeface="-윤고딕310" panose="02030504000101010101" pitchFamily="18" charset="-127"/>
                           <a:ea typeface="-윤고딕310" panose="02030504000101010101" pitchFamily="18" charset="-127"/>
                         </a:rPr>
@@ -15919,7 +15724,7 @@
                     <a:p>
                       <a:pPr algn="ctr" latinLnBrk="1"/>
                       <a:r>
-                        <a:rPr lang="en-US" altLang="ko-KR" sz="1900" dirty="0" smtClean="0">
+                        <a:rPr lang="en-US" altLang="ko-KR" sz="1900" dirty="0">
                           <a:latin typeface="-윤고딕310" panose="02030504000101010101" pitchFamily="18" charset="-127"/>
                           <a:ea typeface="-윤고딕310" panose="02030504000101010101" pitchFamily="18" charset="-127"/>
                         </a:rPr>
@@ -15950,28 +15755,28 @@
                         <a:buChar char="•"/>
                       </a:pPr>
                       <a:r>
-                        <a:rPr lang="ko-KR" altLang="en-US" sz="1400" dirty="0" smtClean="0">
+                        <a:rPr lang="ko-KR" altLang="en-US" sz="1400" dirty="0">
                           <a:latin typeface="-윤고딕310" panose="02030504000101010101" pitchFamily="18" charset="-127"/>
                           <a:ea typeface="-윤고딕310" panose="02030504000101010101" pitchFamily="18" charset="-127"/>
                         </a:rPr>
                         <a:t>테마에 따라 등장하는 적이 달라진다</a:t>
                       </a:r>
                       <a:r>
-                        <a:rPr lang="en-US" altLang="ko-KR" sz="1400" dirty="0" smtClean="0">
+                        <a:rPr lang="en-US" altLang="ko-KR" sz="1400" dirty="0">
                           <a:latin typeface="-윤고딕310" panose="02030504000101010101" pitchFamily="18" charset="-127"/>
                           <a:ea typeface="-윤고딕310" panose="02030504000101010101" pitchFamily="18" charset="-127"/>
                         </a:rPr>
                         <a:t>. </a:t>
                       </a:r>
                       <a:r>
-                        <a:rPr lang="ko-KR" altLang="en-US" sz="1400" dirty="0" smtClean="0">
+                        <a:rPr lang="ko-KR" altLang="en-US" sz="1400" dirty="0">
                           <a:latin typeface="-윤고딕310" panose="02030504000101010101" pitchFamily="18" charset="-127"/>
                           <a:ea typeface="-윤고딕310" panose="02030504000101010101" pitchFamily="18" charset="-127"/>
                         </a:rPr>
                         <a:t>다만 인간 병사 라던가 범용적인 적이 등장할 수는 있다</a:t>
                       </a:r>
                       <a:r>
-                        <a:rPr lang="en-US" altLang="ko-KR" sz="1400" dirty="0" smtClean="0">
+                        <a:rPr lang="en-US" altLang="ko-KR" sz="1400" dirty="0">
                           <a:latin typeface="-윤고딕310" panose="02030504000101010101" pitchFamily="18" charset="-127"/>
                           <a:ea typeface="-윤고딕310" panose="02030504000101010101" pitchFamily="18" charset="-127"/>
                         </a:rPr>
@@ -15984,42 +15789,42 @@
                         <a:buChar char="•"/>
                       </a:pPr>
                       <a:r>
-                        <a:rPr lang="en-US" altLang="ko-KR" sz="1400" dirty="0" smtClean="0">
+                        <a:rPr lang="en-US" altLang="ko-KR" sz="1400" dirty="0">
                           <a:latin typeface="-윤고딕310" panose="02030504000101010101" pitchFamily="18" charset="-127"/>
                           <a:ea typeface="-윤고딕310" panose="02030504000101010101" pitchFamily="18" charset="-127"/>
                         </a:rPr>
                         <a:t>NPC</a:t>
                       </a:r>
                       <a:r>
-                        <a:rPr lang="en-US" altLang="ko-KR" sz="1400" baseline="0" dirty="0" smtClean="0">
+                        <a:rPr lang="en-US" altLang="ko-KR" sz="1400" baseline="0" dirty="0">
                           <a:latin typeface="-윤고딕310" panose="02030504000101010101" pitchFamily="18" charset="-127"/>
                           <a:ea typeface="-윤고딕310" panose="02030504000101010101" pitchFamily="18" charset="-127"/>
                         </a:rPr>
                         <a:t> </a:t>
                       </a:r>
                       <a:r>
-                        <a:rPr lang="ko-KR" altLang="en-US" sz="1400" dirty="0" smtClean="0">
+                        <a:rPr lang="ko-KR" altLang="en-US" sz="1400" dirty="0">
                           <a:latin typeface="-윤고딕310" panose="02030504000101010101" pitchFamily="18" charset="-127"/>
                           <a:ea typeface="-윤고딕310" panose="02030504000101010101" pitchFamily="18" charset="-127"/>
                         </a:rPr>
                         <a:t>들도 중력에 영향을 받으며</a:t>
                       </a:r>
                       <a:r>
-                        <a:rPr lang="en-US" altLang="ko-KR" sz="1400" dirty="0" smtClean="0">
+                        <a:rPr lang="en-US" altLang="ko-KR" sz="1400" dirty="0">
                           <a:latin typeface="-윤고딕310" panose="02030504000101010101" pitchFamily="18" charset="-127"/>
                           <a:ea typeface="-윤고딕310" panose="02030504000101010101" pitchFamily="18" charset="-127"/>
                         </a:rPr>
                         <a:t>, </a:t>
                       </a:r>
                       <a:r>
-                        <a:rPr lang="ko-KR" altLang="en-US" sz="1400" dirty="0" smtClean="0">
+                        <a:rPr lang="ko-KR" altLang="en-US" sz="1400" dirty="0">
                           <a:latin typeface="-윤고딕310" panose="02030504000101010101" pitchFamily="18" charset="-127"/>
                           <a:ea typeface="-윤고딕310" panose="02030504000101010101" pitchFamily="18" charset="-127"/>
                         </a:rPr>
                         <a:t>비행 형 적을 제외하면 점프와 좌우 이동만을 할 수 있다</a:t>
                       </a:r>
                       <a:r>
-                        <a:rPr lang="en-US" altLang="ko-KR" sz="1400" dirty="0" smtClean="0">
+                        <a:rPr lang="en-US" altLang="ko-KR" sz="1400" dirty="0">
                           <a:latin typeface="-윤고딕310" panose="02030504000101010101" pitchFamily="18" charset="-127"/>
                           <a:ea typeface="-윤고딕310" panose="02030504000101010101" pitchFamily="18" charset="-127"/>
                         </a:rPr>
@@ -16031,7 +15836,7 @@
                         <a:buFont typeface="Arial" panose="020B0604020202020204" pitchFamily="34" charset="0"/>
                         <a:buChar char="•"/>
                       </a:pPr>
-                      <a:endParaRPr lang="en-US" altLang="ko-KR" sz="1400" dirty="0" smtClean="0">
+                      <a:endParaRPr lang="en-US" altLang="ko-KR" sz="1400" dirty="0">
                         <a:latin typeface="-윤고딕310" panose="02030504000101010101" pitchFamily="18" charset="-127"/>
                         <a:ea typeface="-윤고딕310" panose="02030504000101010101" pitchFamily="18" charset="-127"/>
                       </a:endParaRPr>
@@ -16042,42 +15847,42 @@
                         <a:buChar char="•"/>
                       </a:pPr>
                       <a:r>
-                        <a:rPr lang="ko-KR" altLang="en-US" sz="1400" dirty="0" smtClean="0">
+                        <a:rPr lang="ko-KR" altLang="en-US" sz="1400" dirty="0">
                           <a:latin typeface="-윤고딕310" panose="02030504000101010101" pitchFamily="18" charset="-127"/>
                           <a:ea typeface="-윤고딕310" panose="02030504000101010101" pitchFamily="18" charset="-127"/>
                         </a:rPr>
                         <a:t>엄밀한 최종 보스는 따로 존재하지 않지만</a:t>
                       </a:r>
                       <a:r>
-                        <a:rPr lang="en-US" altLang="ko-KR" sz="1400" dirty="0" smtClean="0">
+                        <a:rPr lang="en-US" altLang="ko-KR" sz="1400" dirty="0">
                           <a:latin typeface="-윤고딕310" panose="02030504000101010101" pitchFamily="18" charset="-127"/>
                           <a:ea typeface="-윤고딕310" panose="02030504000101010101" pitchFamily="18" charset="-127"/>
                         </a:rPr>
                         <a:t> </a:t>
                       </a:r>
                       <a:r>
-                        <a:rPr lang="ko-KR" altLang="en-US" sz="1400" dirty="0" smtClean="0">
+                        <a:rPr lang="ko-KR" altLang="en-US" sz="1400" dirty="0">
                           <a:latin typeface="-윤고딕310" panose="02030504000101010101" pitchFamily="18" charset="-127"/>
                           <a:ea typeface="-윤고딕310" panose="02030504000101010101" pitchFamily="18" charset="-127"/>
                         </a:rPr>
                         <a:t>테마에 따라 강력한 적이 존재하기도 하고</a:t>
                       </a:r>
                       <a:r>
-                        <a:rPr lang="en-US" altLang="ko-KR" sz="1400" dirty="0" smtClean="0">
+                        <a:rPr lang="en-US" altLang="ko-KR" sz="1400" dirty="0">
                           <a:latin typeface="-윤고딕310" panose="02030504000101010101" pitchFamily="18" charset="-127"/>
                           <a:ea typeface="-윤고딕310" panose="02030504000101010101" pitchFamily="18" charset="-127"/>
                         </a:rPr>
                         <a:t>, </a:t>
                       </a:r>
                       <a:r>
-                        <a:rPr lang="ko-KR" altLang="en-US" sz="1400" dirty="0" smtClean="0">
+                        <a:rPr lang="ko-KR" altLang="en-US" sz="1400" dirty="0">
                           <a:latin typeface="-윤고딕310" panose="02030504000101010101" pitchFamily="18" charset="-127"/>
                           <a:ea typeface="-윤고딕310" panose="02030504000101010101" pitchFamily="18" charset="-127"/>
                         </a:rPr>
                         <a:t>주인공을 추격해오는 군인들 중에 대장 격을 일종의 보스로 정했다</a:t>
                       </a:r>
                       <a:r>
-                        <a:rPr lang="en-US" altLang="ko-KR" sz="1400" dirty="0" smtClean="0">
+                        <a:rPr lang="en-US" altLang="ko-KR" sz="1400" dirty="0">
                           <a:latin typeface="-윤고딕310" panose="02030504000101010101" pitchFamily="18" charset="-127"/>
                           <a:ea typeface="-윤고딕310" panose="02030504000101010101" pitchFamily="18" charset="-127"/>
                         </a:rPr>
@@ -16098,27 +15903,28 @@
                     <a:p>
                       <a:pPr latinLnBrk="1"/>
                       <a:r>
-                        <a:rPr lang="en-US" altLang="ko-KR" sz="1400" dirty="0" smtClean="0">
+                        <a:rPr lang="en-US" altLang="ko-KR" sz="1400" dirty="0">
                           <a:latin typeface="-윤고딕310" panose="02030504000101010101" pitchFamily="18" charset="-127"/>
                           <a:ea typeface="-윤고딕310" panose="02030504000101010101" pitchFamily="18" charset="-127"/>
                         </a:rPr>
                         <a:t>A* </a:t>
                       </a:r>
                       <a:r>
-                        <a:rPr lang="ko-KR" altLang="en-US" sz="1400" dirty="0" smtClean="0">
+                        <a:rPr lang="ko-KR" altLang="en-US" sz="1400" dirty="0">
                           <a:latin typeface="-윤고딕310" panose="02030504000101010101" pitchFamily="18" charset="-127"/>
                           <a:ea typeface="-윤고딕310" panose="02030504000101010101" pitchFamily="18" charset="-127"/>
                         </a:rPr>
                         <a:t>같은 경로 탐색 알고리즘 사용</a:t>
                       </a:r>
-                      <a:endParaRPr lang="ko-KR" altLang="en-US" sz="1400" dirty="0">
-                        <a:latin typeface="-윤고딕310" panose="02030504000101010101" pitchFamily="18" charset="-127"/>
-                        <a:ea typeface="-윤고딕310" panose="02030504000101010101" pitchFamily="18" charset="-127"/>
-                      </a:endParaRPr>
                     </a:p>
                   </a:txBody>
                   <a:tcPr marL="111605" marR="111605" marT="55802" marB="55802"/>
                 </a:tc>
+                <a:extLst>
+                  <a:ext uri="{0D108BD9-81ED-4DB2-BD59-A6C34878D82A}">
+                    <a16:rowId xmlns:a16="http://schemas.microsoft.com/office/drawing/2014/main" val="10001"/>
+                  </a:ext>
+                </a:extLst>
               </a:tr>
               <a:tr h="888797">
                 <a:tc>
@@ -16128,16 +15934,12 @@
                     <a:p>
                       <a:pPr algn="ctr" latinLnBrk="1"/>
                       <a:r>
-                        <a:rPr lang="ko-KR" altLang="en-US" sz="1900" smtClean="0">
+                        <a:rPr lang="ko-KR" altLang="en-US" sz="1900">
                           <a:latin typeface="-윤고딕310" panose="02030504000101010101" pitchFamily="18" charset="-127"/>
                           <a:ea typeface="-윤고딕310" panose="02030504000101010101" pitchFamily="18" charset="-127"/>
                         </a:rPr>
                         <a:t>그래픽</a:t>
                       </a:r>
-                      <a:endParaRPr lang="ko-KR" altLang="en-US" sz="1900">
-                        <a:latin typeface="-윤고딕310" panose="02030504000101010101" pitchFamily="18" charset="-127"/>
-                        <a:ea typeface="-윤고딕310" panose="02030504000101010101" pitchFamily="18" charset="-127"/>
-                      </a:endParaRPr>
                     </a:p>
                   </a:txBody>
                   <a:tcPr marL="111605" marR="111605" marT="55802" marB="55802" anchor="ctr">
@@ -16159,69 +15961,69 @@
                         <a:buChar char="•"/>
                       </a:pPr>
                       <a:r>
-                        <a:rPr lang="ko-KR" altLang="en-US" sz="1400" dirty="0" smtClean="0">
+                        <a:rPr lang="ko-KR" altLang="en-US" sz="1400" dirty="0">
                           <a:latin typeface="-윤고딕310" panose="02030504000101010101" pitchFamily="18" charset="-127"/>
                           <a:ea typeface="-윤고딕310" panose="02030504000101010101" pitchFamily="18" charset="-127"/>
                         </a:rPr>
                         <a:t>흙</a:t>
                       </a:r>
                       <a:r>
-                        <a:rPr lang="en-US" altLang="ko-KR" sz="1400" dirty="0" smtClean="0">
+                        <a:rPr lang="en-US" altLang="ko-KR" sz="1400" dirty="0">
                           <a:latin typeface="-윤고딕310" panose="02030504000101010101" pitchFamily="18" charset="-127"/>
                           <a:ea typeface="-윤고딕310" panose="02030504000101010101" pitchFamily="18" charset="-127"/>
                         </a:rPr>
                         <a:t>, </a:t>
                       </a:r>
                       <a:r>
-                        <a:rPr lang="ko-KR" altLang="en-US" sz="1400" dirty="0" smtClean="0">
+                        <a:rPr lang="ko-KR" altLang="en-US" sz="1400" dirty="0">
                           <a:latin typeface="-윤고딕310" panose="02030504000101010101" pitchFamily="18" charset="-127"/>
                           <a:ea typeface="-윤고딕310" panose="02030504000101010101" pitchFamily="18" charset="-127"/>
                         </a:rPr>
                         <a:t>나무</a:t>
                       </a:r>
                       <a:r>
-                        <a:rPr lang="en-US" altLang="ko-KR" sz="1400" dirty="0" smtClean="0">
+                        <a:rPr lang="en-US" altLang="ko-KR" sz="1400" dirty="0">
                           <a:latin typeface="-윤고딕310" panose="02030504000101010101" pitchFamily="18" charset="-127"/>
                           <a:ea typeface="-윤고딕310" panose="02030504000101010101" pitchFamily="18" charset="-127"/>
                         </a:rPr>
                         <a:t>, </a:t>
                       </a:r>
                       <a:r>
-                        <a:rPr lang="ko-KR" altLang="en-US" sz="1400" dirty="0" smtClean="0">
+                        <a:rPr lang="ko-KR" altLang="en-US" sz="1400" dirty="0">
                           <a:latin typeface="-윤고딕310" panose="02030504000101010101" pitchFamily="18" charset="-127"/>
                           <a:ea typeface="-윤고딕310" panose="02030504000101010101" pitchFamily="18" charset="-127"/>
                         </a:rPr>
                         <a:t>벽돌 블록 등</a:t>
                       </a:r>
                       <a:r>
-                        <a:rPr lang="en-US" altLang="ko-KR" sz="1400" dirty="0" smtClean="0">
+                        <a:rPr lang="en-US" altLang="ko-KR" sz="1400" dirty="0">
                           <a:latin typeface="-윤고딕310" panose="02030504000101010101" pitchFamily="18" charset="-127"/>
                           <a:ea typeface="-윤고딕310" panose="02030504000101010101" pitchFamily="18" charset="-127"/>
                         </a:rPr>
                         <a:t>, </a:t>
                       </a:r>
                       <a:r>
-                        <a:rPr lang="ko-KR" altLang="en-US" sz="1400" dirty="0" smtClean="0">
+                        <a:rPr lang="ko-KR" altLang="en-US" sz="1400" dirty="0">
                           <a:latin typeface="-윤고딕310" panose="02030504000101010101" pitchFamily="18" charset="-127"/>
                           <a:ea typeface="-윤고딕310" panose="02030504000101010101" pitchFamily="18" charset="-127"/>
                         </a:rPr>
                         <a:t>주인공과 </a:t>
                       </a:r>
                       <a:r>
-                        <a:rPr lang="en-US" altLang="ko-KR" sz="1400" dirty="0" smtClean="0">
+                        <a:rPr lang="en-US" altLang="ko-KR" sz="1400" dirty="0">
                           <a:latin typeface="-윤고딕310" panose="02030504000101010101" pitchFamily="18" charset="-127"/>
                           <a:ea typeface="-윤고딕310" panose="02030504000101010101" pitchFamily="18" charset="-127"/>
                         </a:rPr>
                         <a:t>NPC</a:t>
                       </a:r>
                       <a:r>
-                        <a:rPr lang="ko-KR" altLang="en-US" sz="1400" dirty="0" smtClean="0">
+                        <a:rPr lang="ko-KR" altLang="en-US" sz="1400" dirty="0">
                           <a:latin typeface="-윤고딕310" panose="02030504000101010101" pitchFamily="18" charset="-127"/>
                           <a:ea typeface="-윤고딕310" panose="02030504000101010101" pitchFamily="18" charset="-127"/>
                         </a:rPr>
                         <a:t>들의 도트 그래픽</a:t>
                       </a:r>
-                      <a:endParaRPr lang="en-US" altLang="ko-KR" sz="1400" dirty="0" smtClean="0">
+                      <a:endParaRPr lang="en-US" altLang="ko-KR" sz="1400" dirty="0">
                         <a:latin typeface="-윤고딕310" panose="02030504000101010101" pitchFamily="18" charset="-127"/>
                         <a:ea typeface="-윤고딕310" panose="02030504000101010101" pitchFamily="18" charset="-127"/>
                       </a:endParaRPr>
@@ -16232,27 +16034,27 @@
                         <a:buChar char="•"/>
                       </a:pPr>
                       <a:r>
-                        <a:rPr lang="ko-KR" altLang="en-US" sz="1400" dirty="0" smtClean="0">
+                        <a:rPr lang="ko-KR" altLang="en-US" sz="1400" dirty="0">
                           <a:latin typeface="-윤고딕310" panose="02030504000101010101" pitchFamily="18" charset="-127"/>
                           <a:ea typeface="-윤고딕310" panose="02030504000101010101" pitchFamily="18" charset="-127"/>
                         </a:rPr>
                         <a:t>테마 별로 </a:t>
                       </a:r>
                       <a:r>
-                        <a:rPr lang="en-US" altLang="ko-KR" sz="1400" dirty="0" smtClean="0">
+                        <a:rPr lang="en-US" altLang="ko-KR" sz="1400" dirty="0">
                           <a:latin typeface="-윤고딕310" panose="02030504000101010101" pitchFamily="18" charset="-127"/>
                           <a:ea typeface="-윤고딕310" panose="02030504000101010101" pitchFamily="18" charset="-127"/>
                         </a:rPr>
                         <a:t>2 ~ 3 </a:t>
                       </a:r>
                       <a:r>
-                        <a:rPr lang="ko-KR" altLang="en-US" sz="1400" dirty="0" smtClean="0">
+                        <a:rPr lang="ko-KR" altLang="en-US" sz="1400" dirty="0">
                           <a:latin typeface="-윤고딕310" panose="02030504000101010101" pitchFamily="18" charset="-127"/>
                           <a:ea typeface="-윤고딕310" panose="02030504000101010101" pitchFamily="18" charset="-127"/>
                         </a:rPr>
                         <a:t>종류의 블록 그래픽</a:t>
                       </a:r>
-                      <a:endParaRPr lang="en-US" altLang="ko-KR" sz="1400" dirty="0" smtClean="0">
+                      <a:endParaRPr lang="en-US" altLang="ko-KR" sz="1400" dirty="0">
                         <a:latin typeface="-윤고딕310" panose="02030504000101010101" pitchFamily="18" charset="-127"/>
                         <a:ea typeface="-윤고딕310" panose="02030504000101010101" pitchFamily="18" charset="-127"/>
                       </a:endParaRPr>
@@ -16263,41 +16065,41 @@
                         <a:buChar char="•"/>
                       </a:pPr>
                       <a:r>
-                        <a:rPr lang="ko-KR" altLang="en-US" sz="1400" dirty="0" smtClean="0">
+                        <a:rPr lang="ko-KR" altLang="en-US" sz="1400" dirty="0">
                           <a:latin typeface="-윤고딕310" panose="02030504000101010101" pitchFamily="18" charset="-127"/>
                           <a:ea typeface="-윤고딕310" panose="02030504000101010101" pitchFamily="18" charset="-127"/>
                         </a:rPr>
                         <a:t>배경</a:t>
                       </a:r>
                       <a:r>
-                        <a:rPr lang="ko-KR" altLang="en-US" sz="1400" baseline="0" dirty="0" smtClean="0">
+                        <a:rPr lang="ko-KR" altLang="en-US" sz="1400" baseline="0" dirty="0">
                           <a:latin typeface="-윤고딕310" panose="02030504000101010101" pitchFamily="18" charset="-127"/>
                           <a:ea typeface="-윤고딕310" panose="02030504000101010101" pitchFamily="18" charset="-127"/>
                         </a:rPr>
                         <a:t> 그래픽 </a:t>
                       </a:r>
                       <a:r>
-                        <a:rPr lang="en-US" altLang="ko-KR" sz="1400" baseline="0" dirty="0" smtClean="0">
+                        <a:rPr lang="en-US" altLang="ko-KR" sz="1400" baseline="0" dirty="0">
                           <a:latin typeface="-윤고딕310" panose="02030504000101010101" pitchFamily="18" charset="-127"/>
                           <a:ea typeface="-윤고딕310" panose="02030504000101010101" pitchFamily="18" charset="-127"/>
                         </a:rPr>
                         <a:t>5 </a:t>
                       </a:r>
                       <a:r>
-                        <a:rPr lang="ko-KR" altLang="en-US" sz="1400" baseline="0" dirty="0" smtClean="0">
+                        <a:rPr lang="ko-KR" altLang="en-US" sz="1400" baseline="0" dirty="0">
                           <a:latin typeface="-윤고딕310" panose="02030504000101010101" pitchFamily="18" charset="-127"/>
                           <a:ea typeface="-윤고딕310" panose="02030504000101010101" pitchFamily="18" charset="-127"/>
                         </a:rPr>
                         <a:t>종류 정도로 배경은 낱장이 아닌 타일로 채운다</a:t>
                       </a:r>
                       <a:r>
-                        <a:rPr lang="en-US" altLang="ko-KR" sz="1400" baseline="0" dirty="0" smtClean="0">
+                        <a:rPr lang="en-US" altLang="ko-KR" sz="1400" baseline="0" dirty="0">
                           <a:latin typeface="-윤고딕310" panose="02030504000101010101" pitchFamily="18" charset="-127"/>
                           <a:ea typeface="-윤고딕310" panose="02030504000101010101" pitchFamily="18" charset="-127"/>
                         </a:rPr>
                         <a:t>.</a:t>
                       </a:r>
-                      <a:endParaRPr lang="en-US" altLang="ko-KR" sz="1400" dirty="0" smtClean="0">
+                      <a:endParaRPr lang="en-US" altLang="ko-KR" sz="1400" dirty="0">
                         <a:latin typeface="-윤고딕310" panose="02030504000101010101" pitchFamily="18" charset="-127"/>
                         <a:ea typeface="-윤고딕310" panose="02030504000101010101" pitchFamily="18" charset="-127"/>
                       </a:endParaRPr>
@@ -16312,20 +16114,21 @@
                     <a:p>
                       <a:pPr latinLnBrk="1"/>
                       <a:r>
-                        <a:rPr lang="ko-KR" altLang="en-US" sz="1400" dirty="0" smtClean="0">
+                        <a:rPr lang="ko-KR" altLang="en-US" sz="1400" dirty="0">
                           <a:latin typeface="-윤고딕310" panose="02030504000101010101" pitchFamily="18" charset="-127"/>
                           <a:ea typeface="-윤고딕310" panose="02030504000101010101" pitchFamily="18" charset="-127"/>
                         </a:rPr>
                         <a:t>테마 별로 더 많은 그래픽 종류</a:t>
                       </a:r>
-                      <a:endParaRPr lang="ko-KR" altLang="en-US" sz="1400" dirty="0">
-                        <a:latin typeface="-윤고딕310" panose="02030504000101010101" pitchFamily="18" charset="-127"/>
-                        <a:ea typeface="-윤고딕310" panose="02030504000101010101" pitchFamily="18" charset="-127"/>
-                      </a:endParaRPr>
                     </a:p>
                   </a:txBody>
                   <a:tcPr marL="111605" marR="111605" marT="55802" marB="55802"/>
                 </a:tc>
+                <a:extLst>
+                  <a:ext uri="{0D108BD9-81ED-4DB2-BD59-A6C34878D82A}">
+                    <a16:rowId xmlns:a16="http://schemas.microsoft.com/office/drawing/2014/main" val="10002"/>
+                  </a:ext>
+                </a:extLst>
               </a:tr>
               <a:tr h="882360">
                 <a:tc>
@@ -16335,16 +16138,12 @@
                     <a:p>
                       <a:pPr algn="ctr" latinLnBrk="1"/>
                       <a:r>
-                        <a:rPr lang="ko-KR" altLang="en-US" sz="1900" smtClean="0">
+                        <a:rPr lang="ko-KR" altLang="en-US" sz="1900">
                           <a:latin typeface="-윤고딕310" panose="02030504000101010101" pitchFamily="18" charset="-127"/>
                           <a:ea typeface="-윤고딕310" panose="02030504000101010101" pitchFamily="18" charset="-127"/>
                         </a:rPr>
                         <a:t>사운드</a:t>
                       </a:r>
-                      <a:endParaRPr lang="ko-KR" altLang="en-US" sz="1900">
-                        <a:latin typeface="-윤고딕310" panose="02030504000101010101" pitchFamily="18" charset="-127"/>
-                        <a:ea typeface="-윤고딕310" panose="02030504000101010101" pitchFamily="18" charset="-127"/>
-                      </a:endParaRPr>
                     </a:p>
                   </a:txBody>
                   <a:tcPr marL="111605" marR="111605" marT="55802" marB="55802" anchor="ctr">
@@ -16366,83 +16165,83 @@
                         <a:buChar char="•"/>
                       </a:pPr>
                       <a:r>
-                        <a:rPr lang="ko-KR" altLang="en-US" sz="1400" dirty="0" smtClean="0">
+                        <a:rPr lang="ko-KR" altLang="en-US" sz="1400" dirty="0">
                           <a:latin typeface="-윤고딕310" panose="02030504000101010101" pitchFamily="18" charset="-127"/>
                           <a:ea typeface="-윤고딕310" panose="02030504000101010101" pitchFamily="18" charset="-127"/>
                         </a:rPr>
                         <a:t>점프</a:t>
                       </a:r>
                       <a:r>
-                        <a:rPr lang="en-US" altLang="ko-KR" sz="1400" dirty="0" smtClean="0">
+                        <a:rPr lang="en-US" altLang="ko-KR" sz="1400" dirty="0">
                           <a:latin typeface="-윤고딕310" panose="02030504000101010101" pitchFamily="18" charset="-127"/>
                           <a:ea typeface="-윤고딕310" panose="02030504000101010101" pitchFamily="18" charset="-127"/>
                         </a:rPr>
                         <a:t>, </a:t>
                       </a:r>
                       <a:r>
-                        <a:rPr lang="ko-KR" altLang="en-US" sz="1400" dirty="0" smtClean="0">
+                        <a:rPr lang="ko-KR" altLang="en-US" sz="1400" dirty="0">
                           <a:latin typeface="-윤고딕310" panose="02030504000101010101" pitchFamily="18" charset="-127"/>
                           <a:ea typeface="-윤고딕310" panose="02030504000101010101" pitchFamily="18" charset="-127"/>
                         </a:rPr>
                         <a:t>착지 등의 소리</a:t>
                       </a:r>
                       <a:r>
-                        <a:rPr lang="en-US" altLang="ko-KR" sz="1400" dirty="0" smtClean="0">
+                        <a:rPr lang="en-US" altLang="ko-KR" sz="1400" dirty="0">
                           <a:latin typeface="-윤고딕310" panose="02030504000101010101" pitchFamily="18" charset="-127"/>
                           <a:ea typeface="-윤고딕310" panose="02030504000101010101" pitchFamily="18" charset="-127"/>
                         </a:rPr>
                         <a:t>, </a:t>
                       </a:r>
                       <a:r>
-                        <a:rPr lang="ko-KR" altLang="en-US" sz="1400" dirty="0" smtClean="0">
+                        <a:rPr lang="ko-KR" altLang="en-US" sz="1400" dirty="0">
                           <a:latin typeface="-윤고딕310" panose="02030504000101010101" pitchFamily="18" charset="-127"/>
                           <a:ea typeface="-윤고딕310" panose="02030504000101010101" pitchFamily="18" charset="-127"/>
                         </a:rPr>
                         <a:t>칼질</a:t>
                       </a:r>
                       <a:r>
-                        <a:rPr lang="en-US" altLang="ko-KR" sz="1400" baseline="0" dirty="0" smtClean="0">
+                        <a:rPr lang="en-US" altLang="ko-KR" sz="1400" baseline="0" dirty="0">
                           <a:latin typeface="-윤고딕310" panose="02030504000101010101" pitchFamily="18" charset="-127"/>
                           <a:ea typeface="-윤고딕310" panose="02030504000101010101" pitchFamily="18" charset="-127"/>
                         </a:rPr>
                         <a:t> </a:t>
                       </a:r>
                       <a:r>
-                        <a:rPr lang="ko-KR" altLang="en-US" sz="1400" baseline="0" dirty="0" smtClean="0">
+                        <a:rPr lang="ko-KR" altLang="en-US" sz="1400" baseline="0" dirty="0">
                           <a:latin typeface="-윤고딕310" panose="02030504000101010101" pitchFamily="18" charset="-127"/>
                           <a:ea typeface="-윤고딕310" panose="02030504000101010101" pitchFamily="18" charset="-127"/>
                         </a:rPr>
                         <a:t>소리</a:t>
                       </a:r>
                       <a:r>
-                        <a:rPr lang="en-US" altLang="ko-KR" sz="1400" baseline="0" dirty="0" smtClean="0">
+                        <a:rPr lang="en-US" altLang="ko-KR" sz="1400" baseline="0" dirty="0">
                           <a:latin typeface="-윤고딕310" panose="02030504000101010101" pitchFamily="18" charset="-127"/>
                           <a:ea typeface="-윤고딕310" panose="02030504000101010101" pitchFamily="18" charset="-127"/>
                         </a:rPr>
                         <a:t>, </a:t>
                       </a:r>
                       <a:r>
-                        <a:rPr lang="ko-KR" altLang="en-US" sz="1400" baseline="0" dirty="0" smtClean="0">
+                        <a:rPr lang="ko-KR" altLang="en-US" sz="1400" baseline="0" dirty="0">
                           <a:latin typeface="-윤고딕310" panose="02030504000101010101" pitchFamily="18" charset="-127"/>
                           <a:ea typeface="-윤고딕310" panose="02030504000101010101" pitchFamily="18" charset="-127"/>
                         </a:rPr>
                         <a:t>창으로 찌르는 소리</a:t>
                       </a:r>
                       <a:r>
-                        <a:rPr lang="en-US" altLang="ko-KR" sz="1400" baseline="0" dirty="0" smtClean="0">
+                        <a:rPr lang="en-US" altLang="ko-KR" sz="1400" baseline="0" dirty="0">
                           <a:latin typeface="-윤고딕310" panose="02030504000101010101" pitchFamily="18" charset="-127"/>
                           <a:ea typeface="-윤고딕310" panose="02030504000101010101" pitchFamily="18" charset="-127"/>
                         </a:rPr>
                         <a:t>, </a:t>
                       </a:r>
                       <a:r>
-                        <a:rPr lang="ko-KR" altLang="en-US" sz="1400" baseline="0" dirty="0" smtClean="0">
+                        <a:rPr lang="ko-KR" altLang="en-US" sz="1400" baseline="0" dirty="0">
                           <a:latin typeface="-윤고딕310" panose="02030504000101010101" pitchFamily="18" charset="-127"/>
                           <a:ea typeface="-윤고딕310" panose="02030504000101010101" pitchFamily="18" charset="-127"/>
                         </a:rPr>
                         <a:t>무언가 휘두르거나 던지는 소리</a:t>
                       </a:r>
-                      <a:endParaRPr lang="en-US" altLang="ko-KR" sz="1400" baseline="0" dirty="0" smtClean="0">
+                      <a:endParaRPr lang="en-US" altLang="ko-KR" sz="1400" baseline="0" dirty="0">
                         <a:latin typeface="-윤고딕310" panose="02030504000101010101" pitchFamily="18" charset="-127"/>
                         <a:ea typeface="-윤고딕310" panose="02030504000101010101" pitchFamily="18" charset="-127"/>
                       </a:endParaRPr>
@@ -16453,28 +16252,28 @@
                         <a:buChar char="•"/>
                       </a:pPr>
                       <a:r>
-                        <a:rPr lang="ko-KR" altLang="en-US" sz="1400" baseline="0" dirty="0" smtClean="0">
+                        <a:rPr lang="ko-KR" altLang="en-US" sz="1400" baseline="0" dirty="0">
                           <a:latin typeface="-윤고딕310" panose="02030504000101010101" pitchFamily="18" charset="-127"/>
                           <a:ea typeface="-윤고딕310" panose="02030504000101010101" pitchFamily="18" charset="-127"/>
                         </a:rPr>
                         <a:t>약 </a:t>
                       </a:r>
                       <a:r>
-                        <a:rPr lang="en-US" altLang="ko-KR" sz="1400" baseline="0" dirty="0" smtClean="0">
+                        <a:rPr lang="en-US" altLang="ko-KR" sz="1400" baseline="0" dirty="0">
                           <a:latin typeface="-윤고딕310" panose="02030504000101010101" pitchFamily="18" charset="-127"/>
                           <a:ea typeface="-윤고딕310" panose="02030504000101010101" pitchFamily="18" charset="-127"/>
                         </a:rPr>
                         <a:t>10</a:t>
                       </a:r>
                       <a:r>
-                        <a:rPr lang="ko-KR" altLang="en-US" sz="1400" baseline="0" dirty="0" smtClean="0">
+                        <a:rPr lang="ko-KR" altLang="en-US" sz="1400" baseline="0" dirty="0">
                           <a:latin typeface="-윤고딕310" panose="02030504000101010101" pitchFamily="18" charset="-127"/>
                           <a:ea typeface="-윤고딕310" panose="02030504000101010101" pitchFamily="18" charset="-127"/>
                         </a:rPr>
                         <a:t>여 개 정도가 예상된다</a:t>
                       </a:r>
                       <a:r>
-                        <a:rPr lang="en-US" altLang="ko-KR" sz="1400" baseline="0" dirty="0" smtClean="0">
+                        <a:rPr lang="en-US" altLang="ko-KR" sz="1400" baseline="0" dirty="0">
                           <a:latin typeface="-윤고딕310" panose="02030504000101010101" pitchFamily="18" charset="-127"/>
                           <a:ea typeface="-윤고딕310" panose="02030504000101010101" pitchFamily="18" charset="-127"/>
                         </a:rPr>
@@ -16502,6 +16301,11 @@
                   </a:txBody>
                   <a:tcPr marL="111605" marR="111605" marT="55802" marB="55802"/>
                 </a:tc>
+                <a:extLst>
+                  <a:ext uri="{0D108BD9-81ED-4DB2-BD59-A6C34878D82A}">
+                    <a16:rowId xmlns:a16="http://schemas.microsoft.com/office/drawing/2014/main" val="10003"/>
+                  </a:ext>
+                </a:extLst>
               </a:tr>
             </a:tbl>
           </a:graphicData>
@@ -16529,7 +16333,7 @@
           <a:p>
             <a:fld id="{E63BED42-B56B-487C-A576-F8E55AE26EFB}" type="datetime1">
               <a:rPr lang="ko-KR" altLang="en-US" smtClean="0"/>
-              <a:t>2017-10-29</a:t>
+              <a:t>2017-11-19</a:t>
             </a:fld>
             <a:endParaRPr lang="ko-KR" altLang="en-US"/>
           </a:p>
@@ -16584,7 +16388,7 @@
           <a:lstStyle/>
           <a:p>
             <a:r>
-              <a:rPr lang="en-US" altLang="ko-KR" smtClean="0">
+              <a:rPr lang="en-US" altLang="ko-KR">
                 <a:solidFill>
                   <a:srgbClr val="C00000"/>
                 </a:solidFill>
@@ -16594,7 +16398,7 @@
               <a:t>2D </a:t>
             </a:r>
             <a:r>
-              <a:rPr lang="ko-KR" altLang="en-US" smtClean="0">
+              <a:rPr lang="ko-KR" altLang="en-US">
                 <a:solidFill>
                   <a:srgbClr val="C00000"/>
                 </a:solidFill>
@@ -16603,13 +16407,6 @@
               </a:rPr>
               <a:t>게임 프로그래밍</a:t>
             </a:r>
-            <a:endParaRPr lang="ko-KR" altLang="en-US">
-              <a:solidFill>
-                <a:srgbClr val="C00000"/>
-              </a:solidFill>
-              <a:latin typeface="-윤고딕310" panose="02030504000101010101" pitchFamily="18" charset="-127"/>
-              <a:ea typeface="-윤고딕310" panose="02030504000101010101" pitchFamily="18" charset="-127"/>
-            </a:endParaRPr>
           </a:p>
         </p:txBody>
       </p:sp>
@@ -16623,13 +16420,6 @@
   <p:clrMapOvr>
     <a:masterClrMapping/>
   </p:clrMapOvr>
-  <p:timing>
-    <p:tnLst>
-      <p:par>
-        <p:cTn id="1" dur="indefinite" restart="never" nodeType="tmRoot"/>
-      </p:par>
-    </p:tnLst>
-  </p:timing>
 </p:sld>
 </file>
 
@@ -16671,14 +16461,14 @@
           <a:lstStyle/>
           <a:p>
             <a:r>
-              <a:rPr lang="ko-KR" altLang="en-US" dirty="0" smtClean="0">
+              <a:rPr lang="ko-KR" altLang="en-US" dirty="0">
                 <a:latin typeface="-윤고딕320" panose="02030504000101010101" pitchFamily="18" charset="-127"/>
                 <a:ea typeface="-윤고딕320" panose="02030504000101010101" pitchFamily="18" charset="-127"/>
               </a:rPr>
               <a:t>개발 일정 </a:t>
             </a:r>
             <a:r>
-              <a:rPr lang="en-US" altLang="ko-KR" dirty="0" smtClean="0">
+              <a:rPr lang="en-US" altLang="ko-KR" dirty="0">
                 <a:latin typeface="-윤고딕320" panose="02030504000101010101" pitchFamily="18" charset="-127"/>
                 <a:ea typeface="-윤고딕320" panose="02030504000101010101" pitchFamily="18" charset="-127"/>
               </a:rPr>
@@ -16724,9 +16514,27 @@
                 <a:tableStyleId>{5C22544A-7EE6-4342-B048-85BDC9FD1C3A}</a:tableStyleId>
               </a:tblPr>
               <a:tblGrid>
-                <a:gridCol w="706347"/>
-                <a:gridCol w="1695233"/>
-                <a:gridCol w="5087252"/>
+                <a:gridCol w="706347">
+                  <a:extLst>
+                    <a:ext uri="{9D8B030D-6E8A-4147-A177-3AD203B41FA5}">
+                      <a16:colId xmlns:a16="http://schemas.microsoft.com/office/drawing/2014/main" val="20000"/>
+                    </a:ext>
+                  </a:extLst>
+                </a:gridCol>
+                <a:gridCol w="1695233">
+                  <a:extLst>
+                    <a:ext uri="{9D8B030D-6E8A-4147-A177-3AD203B41FA5}">
+                      <a16:colId xmlns:a16="http://schemas.microsoft.com/office/drawing/2014/main" val="20001"/>
+                    </a:ext>
+                  </a:extLst>
+                </a:gridCol>
+                <a:gridCol w="5087252">
+                  <a:extLst>
+                    <a:ext uri="{9D8B030D-6E8A-4147-A177-3AD203B41FA5}">
+                      <a16:colId xmlns:a16="http://schemas.microsoft.com/office/drawing/2014/main" val="20002"/>
+                    </a:ext>
+                  </a:extLst>
+                </a:gridCol>
               </a:tblGrid>
               <a:tr h="442817">
                 <a:tc>
@@ -16736,16 +16544,12 @@
                     <a:p>
                       <a:pPr algn="ctr" latinLnBrk="1"/>
                       <a:r>
-                        <a:rPr lang="ko-KR" altLang="en-US" sz="2000" b="0" dirty="0" smtClean="0">
+                        <a:rPr lang="ko-KR" altLang="en-US" sz="2000" b="0" dirty="0">
                           <a:latin typeface="-윤고딕320" panose="02030504000101010101" pitchFamily="18" charset="-127"/>
                           <a:ea typeface="-윤고딕320" panose="02030504000101010101" pitchFamily="18" charset="-127"/>
                         </a:rPr>
                         <a:t>주차</a:t>
                       </a:r>
-                      <a:endParaRPr lang="ko-KR" altLang="en-US" sz="2000" b="0" dirty="0">
-                        <a:latin typeface="-윤고딕320" panose="02030504000101010101" pitchFamily="18" charset="-127"/>
-                        <a:ea typeface="-윤고딕320" panose="02030504000101010101" pitchFamily="18" charset="-127"/>
-                      </a:endParaRPr>
                     </a:p>
                   </a:txBody>
                   <a:tcPr marL="111605" marR="111605" marT="55802" marB="55802" anchor="ctr">
@@ -16764,16 +16568,12 @@
                     <a:p>
                       <a:pPr algn="ctr" latinLnBrk="1"/>
                       <a:r>
-                        <a:rPr lang="ko-KR" altLang="en-US" sz="2000" b="0" dirty="0" smtClean="0">
+                        <a:rPr lang="ko-KR" altLang="en-US" sz="2000" b="0" dirty="0">
                           <a:latin typeface="-윤고딕320" panose="02030504000101010101" pitchFamily="18" charset="-127"/>
                           <a:ea typeface="-윤고딕320" panose="02030504000101010101" pitchFamily="18" charset="-127"/>
                         </a:rPr>
                         <a:t>주제</a:t>
                       </a:r>
-                      <a:endParaRPr lang="ko-KR" altLang="en-US" sz="2000" b="0" dirty="0">
-                        <a:latin typeface="-윤고딕320" panose="02030504000101010101" pitchFamily="18" charset="-127"/>
-                        <a:ea typeface="-윤고딕320" panose="02030504000101010101" pitchFamily="18" charset="-127"/>
-                      </a:endParaRPr>
                     </a:p>
                   </a:txBody>
                   <a:tcPr marL="111605" marR="111605" marT="55802" marB="55802" anchor="ctr"/>
@@ -16785,20 +16585,21 @@
                     <a:p>
                       <a:pPr algn="ctr" latinLnBrk="1"/>
                       <a:r>
-                        <a:rPr lang="ko-KR" altLang="en-US" sz="2000" b="0" dirty="0" smtClean="0">
+                        <a:rPr lang="ko-KR" altLang="en-US" sz="2000" b="0" dirty="0">
                           <a:latin typeface="-윤고딕320" panose="02030504000101010101" pitchFamily="18" charset="-127"/>
                           <a:ea typeface="-윤고딕320" panose="02030504000101010101" pitchFamily="18" charset="-127"/>
                         </a:rPr>
                         <a:t>상세</a:t>
                       </a:r>
-                      <a:endParaRPr lang="ko-KR" altLang="en-US" sz="2000" b="0" dirty="0">
-                        <a:latin typeface="-윤고딕320" panose="02030504000101010101" pitchFamily="18" charset="-127"/>
-                        <a:ea typeface="-윤고딕320" panose="02030504000101010101" pitchFamily="18" charset="-127"/>
-                      </a:endParaRPr>
                     </a:p>
                   </a:txBody>
                   <a:tcPr marL="111605" marR="111605" marT="55802" marB="55802" anchor="ctr"/>
                 </a:tc>
+                <a:extLst>
+                  <a:ext uri="{0D108BD9-81ED-4DB2-BD59-A6C34878D82A}">
+                    <a16:rowId xmlns:a16="http://schemas.microsoft.com/office/drawing/2014/main" val="10000"/>
+                  </a:ext>
+                </a:extLst>
               </a:tr>
               <a:tr h="1165274">
                 <a:tc>
@@ -16808,7 +16609,7 @@
                     <a:p>
                       <a:pPr algn="ctr" latinLnBrk="1"/>
                       <a:r>
-                        <a:rPr lang="en-US" altLang="ko-KR" sz="1900" dirty="0" smtClean="0">
+                        <a:rPr lang="en-US" altLang="ko-KR" sz="1900" dirty="0">
                           <a:latin typeface="-윤고딕310" panose="02030504000101010101" pitchFamily="18" charset="-127"/>
                           <a:ea typeface="-윤고딕310" panose="02030504000101010101" pitchFamily="18" charset="-127"/>
                         </a:rPr>
@@ -16839,13 +16640,13 @@
                         <a:buNone/>
                       </a:pPr>
                       <a:r>
-                        <a:rPr lang="ko-KR" altLang="en-US" sz="1200" dirty="0" smtClean="0">
+                        <a:rPr lang="ko-KR" altLang="en-US" sz="1200" dirty="0">
                           <a:latin typeface="-윤고딕310" panose="02030504000101010101" pitchFamily="18" charset="-127"/>
                           <a:ea typeface="-윤고딕310" panose="02030504000101010101" pitchFamily="18" charset="-127"/>
                         </a:rPr>
                         <a:t>기본적 메커니즘</a:t>
                       </a:r>
-                      <a:endParaRPr lang="en-US" altLang="ko-KR" sz="1200" dirty="0" smtClean="0">
+                      <a:endParaRPr lang="en-US" altLang="ko-KR" sz="1200" dirty="0">
                         <a:latin typeface="-윤고딕310" panose="02030504000101010101" pitchFamily="18" charset="-127"/>
                         <a:ea typeface="-윤고딕310" panose="02030504000101010101" pitchFamily="18" charset="-127"/>
                       </a:endParaRPr>
@@ -16856,16 +16657,12 @@
                         <a:buNone/>
                       </a:pPr>
                       <a:r>
-                        <a:rPr lang="ko-KR" altLang="en-US" sz="1200" dirty="0" smtClean="0">
+                        <a:rPr lang="ko-KR" altLang="en-US" sz="1200" dirty="0">
                           <a:latin typeface="-윤고딕310" panose="02030504000101010101" pitchFamily="18" charset="-127"/>
                           <a:ea typeface="-윤고딕310" panose="02030504000101010101" pitchFamily="18" charset="-127"/>
                         </a:rPr>
                         <a:t>지형과 중력</a:t>
                       </a:r>
-                      <a:endParaRPr lang="ko-KR" altLang="en-US" sz="1200" dirty="0">
-                        <a:latin typeface="-윤고딕310" panose="02030504000101010101" pitchFamily="18" charset="-127"/>
-                        <a:ea typeface="-윤고딕310" panose="02030504000101010101" pitchFamily="18" charset="-127"/>
-                      </a:endParaRPr>
                     </a:p>
                   </a:txBody>
                   <a:tcPr marL="111605" marR="111605" marT="55802" marB="55802" anchor="ctr"/>
@@ -16880,49 +16677,49 @@
                         <a:buChar char="•"/>
                       </a:pPr>
                       <a:r>
-                        <a:rPr lang="ko-KR" altLang="en-US" sz="1200" dirty="0" smtClean="0">
+                        <a:rPr lang="ko-KR" altLang="en-US" sz="1200" dirty="0">
                           <a:latin typeface="-윤고딕310" panose="02030504000101010101" pitchFamily="18" charset="-127"/>
                           <a:ea typeface="-윤고딕310" panose="02030504000101010101" pitchFamily="18" charset="-127"/>
                         </a:rPr>
                         <a:t>필요한 객체를 모두 정의하고 상속 관계를 분명히 한다</a:t>
                       </a:r>
                       <a:r>
-                        <a:rPr lang="en-US" altLang="ko-KR" sz="1200" dirty="0" smtClean="0">
+                        <a:rPr lang="en-US" altLang="ko-KR" sz="1200" dirty="0">
                           <a:latin typeface="-윤고딕310" panose="02030504000101010101" pitchFamily="18" charset="-127"/>
                           <a:ea typeface="-윤고딕310" panose="02030504000101010101" pitchFamily="18" charset="-127"/>
                         </a:rPr>
                         <a:t>.  </a:t>
                       </a:r>
                       <a:r>
-                        <a:rPr lang="ko-KR" altLang="en-US" sz="1200" dirty="0" smtClean="0">
+                        <a:rPr lang="ko-KR" altLang="en-US" sz="1200" dirty="0">
                           <a:latin typeface="-윤고딕310" panose="02030504000101010101" pitchFamily="18" charset="-127"/>
                           <a:ea typeface="-윤고딕310" panose="02030504000101010101" pitchFamily="18" charset="-127"/>
                         </a:rPr>
                         <a:t>모든 객체들은 하나의 중력 객체를 상속한다</a:t>
                       </a:r>
                       <a:r>
-                        <a:rPr lang="en-US" altLang="ko-KR" sz="1200" dirty="0" smtClean="0">
+                        <a:rPr lang="en-US" altLang="ko-KR" sz="1200" dirty="0">
                           <a:latin typeface="-윤고딕310" panose="02030504000101010101" pitchFamily="18" charset="-127"/>
                           <a:ea typeface="-윤고딕310" panose="02030504000101010101" pitchFamily="18" charset="-127"/>
                         </a:rPr>
                         <a:t>.</a:t>
                       </a:r>
                       <a:r>
-                        <a:rPr lang="en-US" altLang="ko-KR" sz="1200" baseline="0" dirty="0" smtClean="0">
+                        <a:rPr lang="en-US" altLang="ko-KR" sz="1200" baseline="0" dirty="0">
                           <a:latin typeface="-윤고딕310" panose="02030504000101010101" pitchFamily="18" charset="-127"/>
                           <a:ea typeface="-윤고딕310" panose="02030504000101010101" pitchFamily="18" charset="-127"/>
                         </a:rPr>
                         <a:t> </a:t>
                       </a:r>
                       <a:r>
-                        <a:rPr lang="ko-KR" altLang="en-US" sz="1200" baseline="0" dirty="0" smtClean="0">
+                        <a:rPr lang="ko-KR" altLang="en-US" sz="1200" baseline="0" dirty="0">
                           <a:latin typeface="-윤고딕310" panose="02030504000101010101" pitchFamily="18" charset="-127"/>
                           <a:ea typeface="-윤고딕310" panose="02030504000101010101" pitchFamily="18" charset="-127"/>
                         </a:rPr>
                         <a:t>메소드들 역시 규격화된 이름으로 정리한다</a:t>
                       </a:r>
                       <a:r>
-                        <a:rPr lang="en-US" altLang="ko-KR" sz="1200" baseline="0" dirty="0" smtClean="0">
+                        <a:rPr lang="en-US" altLang="ko-KR" sz="1200" baseline="0" dirty="0">
                           <a:latin typeface="-윤고딕310" panose="02030504000101010101" pitchFamily="18" charset="-127"/>
                           <a:ea typeface="-윤고딕310" panose="02030504000101010101" pitchFamily="18" charset="-127"/>
                         </a:rPr>
@@ -16948,84 +16745,84 @@
                         <a:defRPr/>
                       </a:pPr>
                       <a:r>
-                        <a:rPr lang="ko-KR" altLang="en-US" sz="1200" dirty="0" smtClean="0">
+                        <a:rPr lang="ko-KR" altLang="en-US" sz="1200" dirty="0">
                           <a:latin typeface="-윤고딕310" panose="02030504000101010101" pitchFamily="18" charset="-127"/>
                           <a:ea typeface="-윤고딕310" panose="02030504000101010101" pitchFamily="18" charset="-127"/>
                         </a:rPr>
                         <a:t>지형 객체의 특수화를 한다</a:t>
                       </a:r>
                       <a:r>
-                        <a:rPr lang="en-US" altLang="ko-KR" sz="1200" dirty="0" smtClean="0">
+                        <a:rPr lang="en-US" altLang="ko-KR" sz="1200" dirty="0">
                           <a:latin typeface="-윤고딕310" panose="02030504000101010101" pitchFamily="18" charset="-127"/>
                           <a:ea typeface="-윤고딕310" panose="02030504000101010101" pitchFamily="18" charset="-127"/>
                         </a:rPr>
                         <a:t>.</a:t>
                       </a:r>
                       <a:r>
-                        <a:rPr lang="ko-KR" altLang="en-US" sz="1200" dirty="0" smtClean="0">
+                        <a:rPr lang="ko-KR" altLang="en-US" sz="1200" dirty="0">
                           <a:latin typeface="-윤고딕310" panose="02030504000101010101" pitchFamily="18" charset="-127"/>
                           <a:ea typeface="-윤고딕310" panose="02030504000101010101" pitchFamily="18" charset="-127"/>
                         </a:rPr>
                         <a:t> 중력 객체</a:t>
                       </a:r>
                       <a:r>
-                        <a:rPr lang="en-US" altLang="ko-KR" sz="1200" dirty="0" smtClean="0">
+                        <a:rPr lang="en-US" altLang="ko-KR" sz="1200" dirty="0">
                           <a:latin typeface="-윤고딕310" panose="02030504000101010101" pitchFamily="18" charset="-127"/>
                           <a:ea typeface="-윤고딕310" panose="02030504000101010101" pitchFamily="18" charset="-127"/>
                         </a:rPr>
                         <a:t>-&gt;</a:t>
                       </a:r>
                       <a:r>
-                        <a:rPr lang="ko-KR" altLang="en-US" sz="1200" dirty="0" smtClean="0">
+                        <a:rPr lang="ko-KR" altLang="en-US" sz="1200" dirty="0">
                           <a:latin typeface="-윤고딕310" panose="02030504000101010101" pitchFamily="18" charset="-127"/>
                           <a:ea typeface="-윤고딕310" panose="02030504000101010101" pitchFamily="18" charset="-127"/>
                         </a:rPr>
                         <a:t>블록</a:t>
                       </a:r>
                       <a:r>
-                        <a:rPr lang="en-US" altLang="ko-KR" sz="1200" dirty="0" smtClean="0">
+                        <a:rPr lang="en-US" altLang="ko-KR" sz="1200" dirty="0">
                           <a:latin typeface="-윤고딕310" panose="02030504000101010101" pitchFamily="18" charset="-127"/>
                           <a:ea typeface="-윤고딕310" panose="02030504000101010101" pitchFamily="18" charset="-127"/>
                         </a:rPr>
                         <a:t>-&gt;</a:t>
                       </a:r>
                       <a:r>
-                        <a:rPr lang="ko-KR" altLang="en-US" sz="1200" dirty="0" smtClean="0">
+                        <a:rPr lang="ko-KR" altLang="en-US" sz="1200" dirty="0">
                           <a:latin typeface="-윤고딕310" panose="02030504000101010101" pitchFamily="18" charset="-127"/>
                           <a:ea typeface="-윤고딕310" panose="02030504000101010101" pitchFamily="18" charset="-127"/>
                         </a:rPr>
                         <a:t>나무</a:t>
                       </a:r>
                       <a:r>
-                        <a:rPr lang="en-US" altLang="ko-KR" sz="1200" dirty="0" smtClean="0">
+                        <a:rPr lang="en-US" altLang="ko-KR" sz="1200" dirty="0">
                           <a:latin typeface="-윤고딕310" panose="02030504000101010101" pitchFamily="18" charset="-127"/>
                           <a:ea typeface="-윤고딕310" panose="02030504000101010101" pitchFamily="18" charset="-127"/>
                         </a:rPr>
                         <a:t>, </a:t>
                       </a:r>
                       <a:r>
-                        <a:rPr lang="ko-KR" altLang="en-US" sz="1200" dirty="0" smtClean="0">
+                        <a:rPr lang="ko-KR" altLang="en-US" sz="1200" dirty="0">
                           <a:latin typeface="-윤고딕310" panose="02030504000101010101" pitchFamily="18" charset="-127"/>
                           <a:ea typeface="-윤고딕310" panose="02030504000101010101" pitchFamily="18" charset="-127"/>
                         </a:rPr>
                         <a:t>벽돌</a:t>
                       </a:r>
                       <a:r>
-                        <a:rPr lang="en-US" altLang="ko-KR" sz="1200" dirty="0" smtClean="0">
+                        <a:rPr lang="en-US" altLang="ko-KR" sz="1200" dirty="0">
                           <a:latin typeface="-윤고딕310" panose="02030504000101010101" pitchFamily="18" charset="-127"/>
                           <a:ea typeface="-윤고딕310" panose="02030504000101010101" pitchFamily="18" charset="-127"/>
                         </a:rPr>
                         <a:t>, </a:t>
                       </a:r>
                       <a:r>
-                        <a:rPr lang="ko-KR" altLang="en-US" sz="1200" dirty="0" smtClean="0">
+                        <a:rPr lang="ko-KR" altLang="en-US" sz="1200" dirty="0">
                           <a:latin typeface="-윤고딕310" panose="02030504000101010101" pitchFamily="18" charset="-127"/>
                           <a:ea typeface="-윤고딕310" panose="02030504000101010101" pitchFamily="18" charset="-127"/>
                         </a:rPr>
                         <a:t>땅</a:t>
                       </a:r>
                       <a:r>
-                        <a:rPr lang="en-US" altLang="ko-KR" sz="1200" dirty="0" smtClean="0">
+                        <a:rPr lang="en-US" altLang="ko-KR" sz="1200" dirty="0">
                           <a:latin typeface="-윤고딕310" panose="02030504000101010101" pitchFamily="18" charset="-127"/>
                           <a:ea typeface="-윤고딕310" panose="02030504000101010101" pitchFamily="18" charset="-127"/>
                         </a:rPr>
@@ -17051,34 +16848,35 @@
                         <a:defRPr/>
                       </a:pPr>
                       <a:r>
-                        <a:rPr lang="ko-KR" altLang="en-US" sz="1200" dirty="0" smtClean="0">
+                        <a:rPr lang="ko-KR" altLang="en-US" sz="1200" dirty="0">
                           <a:latin typeface="-윤고딕310" panose="02030504000101010101" pitchFamily="18" charset="-127"/>
                           <a:ea typeface="-윤고딕310" panose="02030504000101010101" pitchFamily="18" charset="-127"/>
                         </a:rPr>
                         <a:t>모든 개체는 중력이 작동한다</a:t>
                       </a:r>
                       <a:r>
-                        <a:rPr lang="en-US" altLang="ko-KR" sz="1200" dirty="0" smtClean="0">
+                        <a:rPr lang="en-US" altLang="ko-KR" sz="1200" dirty="0">
                           <a:latin typeface="-윤고딕310" panose="02030504000101010101" pitchFamily="18" charset="-127"/>
                           <a:ea typeface="-윤고딕310" panose="02030504000101010101" pitchFamily="18" charset="-127"/>
                         </a:rPr>
                         <a:t>. </a:t>
                       </a:r>
                       <a:r>
-                        <a:rPr lang="ko-KR" altLang="en-US" sz="1200" dirty="0" smtClean="0">
+                        <a:rPr lang="ko-KR" altLang="en-US" sz="1200" dirty="0">
                           <a:latin typeface="-윤고딕310" panose="02030504000101010101" pitchFamily="18" charset="-127"/>
                           <a:ea typeface="-윤고딕310" panose="02030504000101010101" pitchFamily="18" charset="-127"/>
                         </a:rPr>
                         <a:t>충돌 처리를 위해 개체 리스트가 들어있는 이름으로 구분된 사전에서 반복문을 돌려서 처리한다</a:t>
                       </a:r>
-                      <a:endParaRPr lang="ko-KR" altLang="en-US" sz="1200" dirty="0">
-                        <a:latin typeface="-윤고딕310" panose="02030504000101010101" pitchFamily="18" charset="-127"/>
-                        <a:ea typeface="-윤고딕310" panose="02030504000101010101" pitchFamily="18" charset="-127"/>
-                      </a:endParaRPr>
                     </a:p>
                   </a:txBody>
                   <a:tcPr marL="111605" marR="111605" marT="55802" marB="55802"/>
                 </a:tc>
+                <a:extLst>
+                  <a:ext uri="{0D108BD9-81ED-4DB2-BD59-A6C34878D82A}">
+                    <a16:rowId xmlns:a16="http://schemas.microsoft.com/office/drawing/2014/main" val="10001"/>
+                  </a:ext>
+                </a:extLst>
               </a:tr>
               <a:tr h="702124">
                 <a:tc>
@@ -17088,7 +16886,7 @@
                     <a:p>
                       <a:pPr algn="ctr" latinLnBrk="1"/>
                       <a:r>
-                        <a:rPr lang="en-US" altLang="ko-KR" sz="1900" dirty="0" smtClean="0">
+                        <a:rPr lang="en-US" altLang="ko-KR" sz="1900" dirty="0">
                           <a:latin typeface="-윤고딕310" panose="02030504000101010101" pitchFamily="18" charset="-127"/>
                           <a:ea typeface="-윤고딕310" panose="02030504000101010101" pitchFamily="18" charset="-127"/>
                         </a:rPr>
@@ -17119,16 +16917,12 @@
                         <a:buNone/>
                       </a:pPr>
                       <a:r>
-                        <a:rPr lang="ko-KR" altLang="en-US" sz="1200" dirty="0" smtClean="0">
+                        <a:rPr lang="ko-KR" altLang="en-US" sz="1200" dirty="0">
                           <a:latin typeface="-윤고딕310" panose="02030504000101010101" pitchFamily="18" charset="-127"/>
                           <a:ea typeface="-윤고딕310" panose="02030504000101010101" pitchFamily="18" charset="-127"/>
                         </a:rPr>
                         <a:t>리소스 수집과 테스트</a:t>
                       </a:r>
-                      <a:endParaRPr lang="ko-KR" altLang="en-US" sz="1200" dirty="0">
-                        <a:latin typeface="-윤고딕310" panose="02030504000101010101" pitchFamily="18" charset="-127"/>
-                        <a:ea typeface="-윤고딕310" panose="02030504000101010101" pitchFamily="18" charset="-127"/>
-                      </a:endParaRPr>
                     </a:p>
                   </a:txBody>
                   <a:tcPr marL="111605" marR="111605" marT="55802" marB="55802" anchor="ctr"/>
@@ -17156,76 +16950,76 @@
                         <a:defRPr/>
                       </a:pPr>
                       <a:r>
-                        <a:rPr lang="ko-KR" altLang="en-US" sz="1200" dirty="0" smtClean="0">
+                        <a:rPr lang="ko-KR" altLang="en-US" sz="1200" dirty="0">
                           <a:latin typeface="-윤고딕310" panose="02030504000101010101" pitchFamily="18" charset="-127"/>
                           <a:ea typeface="-윤고딕310" panose="02030504000101010101" pitchFamily="18" charset="-127"/>
                         </a:rPr>
                         <a:t>필요한 리소스를 구하고 객체들에 적용한다</a:t>
                       </a:r>
                       <a:r>
-                        <a:rPr lang="en-US" altLang="ko-KR" sz="1200" dirty="0" smtClean="0">
+                        <a:rPr lang="en-US" altLang="ko-KR" sz="1200" dirty="0">
                           <a:latin typeface="-윤고딕310" panose="02030504000101010101" pitchFamily="18" charset="-127"/>
                           <a:ea typeface="-윤고딕310" panose="02030504000101010101" pitchFamily="18" charset="-127"/>
                         </a:rPr>
                         <a:t>. </a:t>
                       </a:r>
                       <a:r>
-                        <a:rPr lang="ko-KR" altLang="en-US" sz="1200" dirty="0" smtClean="0">
+                        <a:rPr lang="ko-KR" altLang="en-US" sz="1200" dirty="0">
                           <a:latin typeface="-윤고딕310" panose="02030504000101010101" pitchFamily="18" charset="-127"/>
                           <a:ea typeface="-윤고딕310" panose="02030504000101010101" pitchFamily="18" charset="-127"/>
                         </a:rPr>
                         <a:t>중력을 영향을 받는 객체들이 이미지와 잘 맞는지 테스트한다</a:t>
                       </a:r>
                       <a:r>
-                        <a:rPr lang="en-US" altLang="ko-KR" sz="1200" dirty="0" smtClean="0">
+                        <a:rPr lang="en-US" altLang="ko-KR" sz="1200" dirty="0">
                           <a:latin typeface="-윤고딕310" panose="02030504000101010101" pitchFamily="18" charset="-127"/>
                           <a:ea typeface="-윤고딕310" panose="02030504000101010101" pitchFamily="18" charset="-127"/>
                         </a:rPr>
                         <a:t>. </a:t>
                       </a:r>
                       <a:r>
-                        <a:rPr lang="ko-KR" altLang="en-US" sz="1200" dirty="0" smtClean="0">
+                        <a:rPr lang="ko-KR" altLang="en-US" sz="1200" dirty="0">
                           <a:latin typeface="-윤고딕310" panose="02030504000101010101" pitchFamily="18" charset="-127"/>
                           <a:ea typeface="-윤고딕310" panose="02030504000101010101" pitchFamily="18" charset="-127"/>
                         </a:rPr>
                         <a:t>객체들을 배치하여 실제로 어울리는지</a:t>
                       </a:r>
                       <a:r>
-                        <a:rPr lang="en-US" altLang="ko-KR" sz="1200" dirty="0" smtClean="0">
+                        <a:rPr lang="en-US" altLang="ko-KR" sz="1200" dirty="0">
                           <a:latin typeface="-윤고딕310" panose="02030504000101010101" pitchFamily="18" charset="-127"/>
                           <a:ea typeface="-윤고딕310" panose="02030504000101010101" pitchFamily="18" charset="-127"/>
                         </a:rPr>
                         <a:t>,</a:t>
                       </a:r>
                       <a:r>
-                        <a:rPr lang="ko-KR" altLang="en-US" sz="1200" dirty="0" smtClean="0">
+                        <a:rPr lang="ko-KR" altLang="en-US" sz="1200" dirty="0">
                           <a:latin typeface="-윤고딕310" panose="02030504000101010101" pitchFamily="18" charset="-127"/>
                           <a:ea typeface="-윤고딕310" panose="02030504000101010101" pitchFamily="18" charset="-127"/>
                         </a:rPr>
                         <a:t> 그리고 중력</a:t>
                       </a:r>
                       <a:r>
-                        <a:rPr lang="en-US" altLang="ko-KR" sz="1200" dirty="0" smtClean="0">
+                        <a:rPr lang="en-US" altLang="ko-KR" sz="1200" dirty="0">
                           <a:latin typeface="-윤고딕310" panose="02030504000101010101" pitchFamily="18" charset="-127"/>
                           <a:ea typeface="-윤고딕310" panose="02030504000101010101" pitchFamily="18" charset="-127"/>
                         </a:rPr>
                         <a:t>, </a:t>
                       </a:r>
                       <a:r>
-                        <a:rPr lang="ko-KR" altLang="en-US" sz="1200" dirty="0" smtClean="0">
+                        <a:rPr lang="ko-KR" altLang="en-US" sz="1200" dirty="0">
                           <a:latin typeface="-윤고딕310" panose="02030504000101010101" pitchFamily="18" charset="-127"/>
                           <a:ea typeface="-윤고딕310" panose="02030504000101010101" pitchFamily="18" charset="-127"/>
                         </a:rPr>
                         <a:t>충돌과 속도가 작동하는지 확인한다</a:t>
                       </a:r>
                       <a:r>
-                        <a:rPr lang="en-US" altLang="ko-KR" sz="1200" dirty="0" smtClean="0">
+                        <a:rPr lang="en-US" altLang="ko-KR" sz="1200" dirty="0">
                           <a:latin typeface="-윤고딕310" panose="02030504000101010101" pitchFamily="18" charset="-127"/>
                           <a:ea typeface="-윤고딕310" panose="02030504000101010101" pitchFamily="18" charset="-127"/>
                         </a:rPr>
                         <a:t>.</a:t>
                       </a:r>
-                      <a:endParaRPr lang="ko-KR" altLang="en-US" sz="1200" dirty="0" smtClean="0">
+                      <a:endParaRPr lang="ko-KR" altLang="en-US" sz="1200" dirty="0">
                         <a:latin typeface="-윤고딕310" panose="02030504000101010101" pitchFamily="18" charset="-127"/>
                         <a:ea typeface="-윤고딕310" panose="02030504000101010101" pitchFamily="18" charset="-127"/>
                       </a:endParaRPr>
@@ -17233,6 +17027,11 @@
                   </a:txBody>
                   <a:tcPr marL="111605" marR="111605" marT="55802" marB="55802"/>
                 </a:tc>
+                <a:extLst>
+                  <a:ext uri="{0D108BD9-81ED-4DB2-BD59-A6C34878D82A}">
+                    <a16:rowId xmlns:a16="http://schemas.microsoft.com/office/drawing/2014/main" val="10002"/>
+                  </a:ext>
+                </a:extLst>
               </a:tr>
               <a:tr h="1038216">
                 <a:tc>
@@ -17242,7 +17041,7 @@
                     <a:p>
                       <a:pPr algn="ctr" latinLnBrk="1"/>
                       <a:r>
-                        <a:rPr lang="en-US" altLang="ko-KR" sz="1900" dirty="0" smtClean="0">
+                        <a:rPr lang="en-US" altLang="ko-KR" sz="1900" dirty="0">
                           <a:latin typeface="-윤고딕310" panose="02030504000101010101" pitchFamily="18" charset="-127"/>
                           <a:ea typeface="-윤고딕310" panose="02030504000101010101" pitchFamily="18" charset="-127"/>
                         </a:rPr>
@@ -17273,21 +17072,21 @@
                         <a:buNone/>
                       </a:pPr>
                       <a:r>
-                        <a:rPr lang="ko-KR" altLang="en-US" sz="1200" dirty="0" smtClean="0">
+                        <a:rPr lang="ko-KR" altLang="en-US" sz="1200" dirty="0">
                           <a:latin typeface="-윤고딕310" panose="02030504000101010101" pitchFamily="18" charset="-127"/>
                           <a:ea typeface="-윤고딕310" panose="02030504000101010101" pitchFamily="18" charset="-127"/>
                         </a:rPr>
                         <a:t>플레이어</a:t>
                       </a:r>
                       <a:r>
-                        <a:rPr lang="en-US" altLang="ko-KR" sz="1200" baseline="0" dirty="0" smtClean="0">
+                        <a:rPr lang="en-US" altLang="ko-KR" sz="1200" baseline="0" dirty="0">
                           <a:latin typeface="-윤고딕310" panose="02030504000101010101" pitchFamily="18" charset="-127"/>
                           <a:ea typeface="-윤고딕310" panose="02030504000101010101" pitchFamily="18" charset="-127"/>
                         </a:rPr>
                         <a:t> </a:t>
                       </a:r>
                       <a:r>
-                        <a:rPr lang="ko-KR" altLang="en-US" sz="1200" baseline="0" dirty="0" smtClean="0">
+                        <a:rPr lang="ko-KR" altLang="en-US" sz="1200" baseline="0" dirty="0">
                           <a:latin typeface="-윤고딕310" panose="02030504000101010101" pitchFamily="18" charset="-127"/>
                           <a:ea typeface="-윤고딕310" panose="02030504000101010101" pitchFamily="18" charset="-127"/>
                         </a:rPr>
@@ -17304,21 +17103,21 @@
                         <a:buNone/>
                       </a:pPr>
                       <a:r>
-                        <a:rPr lang="en-US" altLang="ko-KR" sz="1200" dirty="0" smtClean="0">
+                        <a:rPr lang="en-US" altLang="ko-KR" sz="1200" dirty="0">
                           <a:latin typeface="-윤고딕310" panose="02030504000101010101" pitchFamily="18" charset="-127"/>
                           <a:ea typeface="-윤고딕310" panose="02030504000101010101" pitchFamily="18" charset="-127"/>
                         </a:rPr>
                         <a:t>NPC</a:t>
                       </a:r>
                       <a:r>
-                        <a:rPr lang="en-US" altLang="ko-KR" sz="1200" baseline="0" dirty="0" smtClean="0">
+                        <a:rPr lang="en-US" altLang="ko-KR" sz="1200" baseline="0" dirty="0">
                           <a:latin typeface="-윤고딕310" panose="02030504000101010101" pitchFamily="18" charset="-127"/>
                           <a:ea typeface="-윤고딕310" panose="02030504000101010101" pitchFamily="18" charset="-127"/>
                         </a:rPr>
                         <a:t> </a:t>
                       </a:r>
                       <a:r>
-                        <a:rPr lang="ko-KR" altLang="en-US" sz="1200" baseline="0" dirty="0" smtClean="0">
+                        <a:rPr lang="ko-KR" altLang="en-US" sz="1200" baseline="0" dirty="0">
                           <a:latin typeface="-윤고딕310" panose="02030504000101010101" pitchFamily="18" charset="-127"/>
                           <a:ea typeface="-윤고딕310" panose="02030504000101010101" pitchFamily="18" charset="-127"/>
                         </a:rPr>
@@ -17342,28 +17141,28 @@
                         <a:buChar char="•"/>
                       </a:pPr>
                       <a:r>
-                        <a:rPr lang="ko-KR" altLang="en-US" sz="1200" dirty="0" smtClean="0">
+                        <a:rPr lang="ko-KR" altLang="en-US" sz="1200" dirty="0">
                           <a:latin typeface="-윤고딕310" panose="02030504000101010101" pitchFamily="18" charset="-127"/>
                           <a:ea typeface="-윤고딕310" panose="02030504000101010101" pitchFamily="18" charset="-127"/>
                         </a:rPr>
                         <a:t>플레이어는 키 입력 이벤트를 받아 움직인다</a:t>
                       </a:r>
                       <a:r>
-                        <a:rPr lang="en-US" altLang="ko-KR" sz="1200" dirty="0" smtClean="0">
+                        <a:rPr lang="en-US" altLang="ko-KR" sz="1200" dirty="0">
                           <a:latin typeface="-윤고딕310" panose="02030504000101010101" pitchFamily="18" charset="-127"/>
                           <a:ea typeface="-윤고딕310" panose="02030504000101010101" pitchFamily="18" charset="-127"/>
                         </a:rPr>
                         <a:t>. </a:t>
                       </a:r>
                       <a:r>
-                        <a:rPr lang="ko-KR" altLang="en-US" sz="1200" dirty="0" smtClean="0">
+                        <a:rPr lang="ko-KR" altLang="en-US" sz="1200" dirty="0">
                           <a:latin typeface="-윤고딕310" panose="02030504000101010101" pitchFamily="18" charset="-127"/>
                           <a:ea typeface="-윤고딕310" panose="02030504000101010101" pitchFamily="18" charset="-127"/>
                         </a:rPr>
                         <a:t>누른 키에 따라 행동을 취하는데 처음엔 움직임만 취하도록 한다</a:t>
                       </a:r>
                       <a:r>
-                        <a:rPr lang="en-US" altLang="ko-KR" sz="1200" dirty="0" smtClean="0">
+                        <a:rPr lang="en-US" altLang="ko-KR" sz="1200" dirty="0">
                           <a:latin typeface="-윤고딕310" panose="02030504000101010101" pitchFamily="18" charset="-127"/>
                           <a:ea typeface="-윤고딕310" panose="02030504000101010101" pitchFamily="18" charset="-127"/>
                         </a:rPr>
@@ -17393,62 +17192,62 @@
                         <a:defRPr/>
                       </a:pPr>
                       <a:r>
-                        <a:rPr lang="ko-KR" altLang="en-US" sz="1200" dirty="0" smtClean="0">
+                        <a:rPr lang="ko-KR" altLang="en-US" sz="1200" dirty="0">
                           <a:latin typeface="-윤고딕310" panose="02030504000101010101" pitchFamily="18" charset="-127"/>
                           <a:ea typeface="-윤고딕310" panose="02030504000101010101" pitchFamily="18" charset="-127"/>
                         </a:rPr>
                         <a:t>적들은 시야가 있으며 플레이어를 발견하면 다가와 공격한다</a:t>
                       </a:r>
                       <a:r>
-                        <a:rPr lang="en-US" altLang="ko-KR" sz="1200" dirty="0" smtClean="0">
+                        <a:rPr lang="en-US" altLang="ko-KR" sz="1200" dirty="0">
                           <a:latin typeface="-윤고딕310" panose="02030504000101010101" pitchFamily="18" charset="-127"/>
                           <a:ea typeface="-윤고딕310" panose="02030504000101010101" pitchFamily="18" charset="-127"/>
                         </a:rPr>
                         <a:t>. </a:t>
                       </a:r>
                       <a:r>
-                        <a:rPr lang="ko-KR" altLang="en-US" sz="1200" dirty="0" smtClean="0">
+                        <a:rPr lang="ko-KR" altLang="en-US" sz="1200" dirty="0">
                           <a:latin typeface="-윤고딕310" panose="02030504000101010101" pitchFamily="18" charset="-127"/>
                           <a:ea typeface="-윤고딕310" panose="02030504000101010101" pitchFamily="18" charset="-127"/>
                         </a:rPr>
                         <a:t>적들은 대체로 단순하지만 일부 적은 까다로운 </a:t>
                       </a:r>
                       <a:r>
-                        <a:rPr lang="en-US" altLang="ko-KR" sz="1200" dirty="0" smtClean="0">
+                        <a:rPr lang="en-US" altLang="ko-KR" sz="1200" dirty="0">
                           <a:latin typeface="-윤고딕310" panose="02030504000101010101" pitchFamily="18" charset="-127"/>
                           <a:ea typeface="-윤고딕310" panose="02030504000101010101" pitchFamily="18" charset="-127"/>
                         </a:rPr>
                         <a:t>(</a:t>
                       </a:r>
                       <a:r>
-                        <a:rPr lang="ko-KR" altLang="en-US" sz="1200" dirty="0" smtClean="0">
+                        <a:rPr lang="ko-KR" altLang="en-US" sz="1200" dirty="0">
                           <a:latin typeface="-윤고딕310" panose="02030504000101010101" pitchFamily="18" charset="-127"/>
                           <a:ea typeface="-윤고딕310" panose="02030504000101010101" pitchFamily="18" charset="-127"/>
                         </a:rPr>
                         <a:t>하지만 반복적인</a:t>
                       </a:r>
                       <a:r>
-                        <a:rPr lang="en-US" altLang="ko-KR" sz="1200" dirty="0" smtClean="0">
+                        <a:rPr lang="en-US" altLang="ko-KR" sz="1200" dirty="0">
                           <a:latin typeface="-윤고딕310" panose="02030504000101010101" pitchFamily="18" charset="-127"/>
                           <a:ea typeface="-윤고딕310" panose="02030504000101010101" pitchFamily="18" charset="-127"/>
                         </a:rPr>
                         <a:t>) </a:t>
                       </a:r>
                       <a:r>
-                        <a:rPr lang="ko-KR" altLang="en-US" sz="1200" dirty="0" smtClean="0">
+                        <a:rPr lang="ko-KR" altLang="en-US" sz="1200" dirty="0">
                           <a:latin typeface="-윤고딕310" panose="02030504000101010101" pitchFamily="18" charset="-127"/>
                           <a:ea typeface="-윤고딕310" panose="02030504000101010101" pitchFamily="18" charset="-127"/>
                         </a:rPr>
                         <a:t>행동을 한다</a:t>
                       </a:r>
                       <a:r>
-                        <a:rPr lang="en-US" altLang="ko-KR" sz="1200" dirty="0" smtClean="0">
+                        <a:rPr lang="en-US" altLang="ko-KR" sz="1200" dirty="0">
                           <a:latin typeface="-윤고딕310" panose="02030504000101010101" pitchFamily="18" charset="-127"/>
                           <a:ea typeface="-윤고딕310" panose="02030504000101010101" pitchFamily="18" charset="-127"/>
                         </a:rPr>
                         <a:t>.</a:t>
                       </a:r>
-                      <a:endParaRPr lang="ko-KR" altLang="en-US" sz="1200" dirty="0" smtClean="0">
+                      <a:endParaRPr lang="ko-KR" altLang="en-US" sz="1200" dirty="0">
                         <a:latin typeface="-윤고딕310" panose="02030504000101010101" pitchFamily="18" charset="-127"/>
                         <a:ea typeface="-윤고딕310" panose="02030504000101010101" pitchFamily="18" charset="-127"/>
                       </a:endParaRPr>
@@ -17456,6 +17255,11 @@
                   </a:txBody>
                   <a:tcPr marL="111605" marR="111605" marT="55802" marB="55802"/>
                 </a:tc>
+                <a:extLst>
+                  <a:ext uri="{0D108BD9-81ED-4DB2-BD59-A6C34878D82A}">
+                    <a16:rowId xmlns:a16="http://schemas.microsoft.com/office/drawing/2014/main" val="10003"/>
+                  </a:ext>
+                </a:extLst>
               </a:tr>
               <a:tr h="540006">
                 <a:tc>
@@ -17465,7 +17269,7 @@
                     <a:p>
                       <a:pPr algn="ctr" latinLnBrk="1"/>
                       <a:r>
-                        <a:rPr lang="en-US" altLang="ko-KR" sz="1900" dirty="0" smtClean="0">
+                        <a:rPr lang="en-US" altLang="ko-KR" sz="1900" dirty="0">
                           <a:latin typeface="-윤고딕310" panose="02030504000101010101" pitchFamily="18" charset="-127"/>
                           <a:ea typeface="-윤고딕310" panose="02030504000101010101" pitchFamily="18" charset="-127"/>
                         </a:rPr>
@@ -17496,23 +17300,12 @@
                         <a:buNone/>
                       </a:pPr>
                       <a:r>
-                        <a:rPr lang="ko-KR" altLang="en-US" sz="1200" dirty="0" smtClean="0">
-                          <a:latin typeface="-윤고딕310" panose="02030504000101010101" pitchFamily="18" charset="-127"/>
-                          <a:ea typeface="-윤고딕310" panose="02030504000101010101" pitchFamily="18" charset="-127"/>
-                        </a:rPr>
-                        <a:t>객체 상호 </a:t>
-                      </a:r>
-                      <a:r>
-                        <a:rPr lang="ko-KR" altLang="en-US" sz="1200" dirty="0" smtClean="0">
-                          <a:latin typeface="-윤고딕310" panose="02030504000101010101" pitchFamily="18" charset="-127"/>
-                          <a:ea typeface="-윤고딕310" panose="02030504000101010101" pitchFamily="18" charset="-127"/>
-                        </a:rPr>
-                        <a:t>작용</a:t>
-                      </a:r>
-                      <a:endParaRPr lang="ko-KR" altLang="en-US" sz="1200" dirty="0">
-                        <a:latin typeface="-윤고딕310" panose="02030504000101010101" pitchFamily="18" charset="-127"/>
-                        <a:ea typeface="-윤고딕310" panose="02030504000101010101" pitchFamily="18" charset="-127"/>
-                      </a:endParaRPr>
+                        <a:rPr lang="ko-KR" altLang="en-US" sz="1200" dirty="0">
+                          <a:latin typeface="-윤고딕310" panose="02030504000101010101" pitchFamily="18" charset="-127"/>
+                          <a:ea typeface="-윤고딕310" panose="02030504000101010101" pitchFamily="18" charset="-127"/>
+                        </a:rPr>
+                        <a:t>객체 상호 작용</a:t>
+                      </a:r>
                     </a:p>
                   </a:txBody>
                   <a:tcPr marL="111605" marR="111605" marT="55802" marB="55802" anchor="ctr">
@@ -17531,105 +17324,105 @@
                         <a:buChar char="•"/>
                       </a:pPr>
                       <a:r>
-                        <a:rPr lang="ko-KR" altLang="en-US" sz="1200" dirty="0" smtClean="0">
+                        <a:rPr lang="ko-KR" altLang="en-US" sz="1200" dirty="0">
                           <a:latin typeface="-윤고딕310" panose="02030504000101010101" pitchFamily="18" charset="-127"/>
                           <a:ea typeface="-윤고딕310" panose="02030504000101010101" pitchFamily="18" charset="-127"/>
                         </a:rPr>
                         <a:t>플레이어와 </a:t>
                       </a:r>
                       <a:r>
-                        <a:rPr lang="en-US" altLang="ko-KR" sz="1200" dirty="0" smtClean="0">
+                        <a:rPr lang="en-US" altLang="ko-KR" sz="1200" dirty="0">
                           <a:latin typeface="-윤고딕310" panose="02030504000101010101" pitchFamily="18" charset="-127"/>
                           <a:ea typeface="-윤고딕310" panose="02030504000101010101" pitchFamily="18" charset="-127"/>
                         </a:rPr>
                         <a:t>NPC, NPC </a:t>
                       </a:r>
                       <a:r>
-                        <a:rPr lang="ko-KR" altLang="en-US" sz="1200" dirty="0" smtClean="0">
+                        <a:rPr lang="ko-KR" altLang="en-US" sz="1200" dirty="0">
                           <a:latin typeface="-윤고딕310" panose="02030504000101010101" pitchFamily="18" charset="-127"/>
                           <a:ea typeface="-윤고딕310" panose="02030504000101010101" pitchFamily="18" charset="-127"/>
                         </a:rPr>
                         <a:t>와 </a:t>
                       </a:r>
                       <a:r>
-                        <a:rPr lang="en-US" altLang="ko-KR" sz="1200" dirty="0" smtClean="0">
+                        <a:rPr lang="en-US" altLang="ko-KR" sz="1200" dirty="0">
                           <a:latin typeface="-윤고딕310" panose="02030504000101010101" pitchFamily="18" charset="-127"/>
                           <a:ea typeface="-윤고딕310" panose="02030504000101010101" pitchFamily="18" charset="-127"/>
                         </a:rPr>
                         <a:t>NPC </a:t>
                       </a:r>
                       <a:r>
-                        <a:rPr lang="ko-KR" altLang="en-US" sz="1200" dirty="0" smtClean="0">
+                        <a:rPr lang="ko-KR" altLang="en-US" sz="1200" dirty="0">
                           <a:latin typeface="-윤고딕310" panose="02030504000101010101" pitchFamily="18" charset="-127"/>
                           <a:ea typeface="-윤고딕310" panose="02030504000101010101" pitchFamily="18" charset="-127"/>
                         </a:rPr>
                         <a:t>등등 객체들끼리의 상호 작용을</a:t>
                       </a:r>
                       <a:r>
-                        <a:rPr lang="ko-KR" altLang="en-US" sz="1200" baseline="0" dirty="0" smtClean="0">
+                        <a:rPr lang="ko-KR" altLang="en-US" sz="1200" baseline="0" dirty="0">
                           <a:latin typeface="-윤고딕310" panose="02030504000101010101" pitchFamily="18" charset="-127"/>
                           <a:ea typeface="-윤고딕310" panose="02030504000101010101" pitchFamily="18" charset="-127"/>
                         </a:rPr>
                         <a:t> 구현한다</a:t>
                       </a:r>
                       <a:r>
-                        <a:rPr lang="en-US" altLang="ko-KR" sz="1200" baseline="0" dirty="0" smtClean="0">
+                        <a:rPr lang="en-US" altLang="ko-KR" sz="1200" baseline="0" dirty="0">
                           <a:latin typeface="-윤고딕310" panose="02030504000101010101" pitchFamily="18" charset="-127"/>
                           <a:ea typeface="-윤고딕310" panose="02030504000101010101" pitchFamily="18" charset="-127"/>
                         </a:rPr>
                         <a:t>. </a:t>
                       </a:r>
                       <a:r>
-                        <a:rPr lang="ko-KR" altLang="en-US" sz="1200" baseline="0" dirty="0" smtClean="0">
+                        <a:rPr lang="ko-KR" altLang="en-US" sz="1200" baseline="0" dirty="0">
                           <a:latin typeface="-윤고딕310" panose="02030504000101010101" pitchFamily="18" charset="-127"/>
                           <a:ea typeface="-윤고딕310" panose="02030504000101010101" pitchFamily="18" charset="-127"/>
                         </a:rPr>
                         <a:t>피격</a:t>
                       </a:r>
                       <a:r>
-                        <a:rPr lang="en-US" altLang="ko-KR" sz="1200" baseline="0" dirty="0" smtClean="0">
+                        <a:rPr lang="en-US" altLang="ko-KR" sz="1200" baseline="0" dirty="0">
                           <a:latin typeface="-윤고딕310" panose="02030504000101010101" pitchFamily="18" charset="-127"/>
                           <a:ea typeface="-윤고딕310" panose="02030504000101010101" pitchFamily="18" charset="-127"/>
                         </a:rPr>
                         <a:t>, </a:t>
                       </a:r>
                       <a:r>
-                        <a:rPr lang="ko-KR" altLang="en-US" sz="1200" baseline="0" dirty="0" smtClean="0">
+                        <a:rPr lang="ko-KR" altLang="en-US" sz="1200" baseline="0" dirty="0">
                           <a:latin typeface="-윤고딕310" panose="02030504000101010101" pitchFamily="18" charset="-127"/>
                           <a:ea typeface="-윤고딕310" panose="02030504000101010101" pitchFamily="18" charset="-127"/>
                         </a:rPr>
                         <a:t>공격</a:t>
                       </a:r>
                       <a:r>
-                        <a:rPr lang="en-US" altLang="ko-KR" sz="1200" baseline="0" dirty="0" smtClean="0">
+                        <a:rPr lang="en-US" altLang="ko-KR" sz="1200" baseline="0" dirty="0">
                           <a:latin typeface="-윤고딕310" panose="02030504000101010101" pitchFamily="18" charset="-127"/>
                           <a:ea typeface="-윤고딕310" panose="02030504000101010101" pitchFamily="18" charset="-127"/>
                         </a:rPr>
                         <a:t>, </a:t>
                       </a:r>
                       <a:r>
-                        <a:rPr lang="ko-KR" altLang="en-US" sz="1200" baseline="0" dirty="0" smtClean="0">
+                        <a:rPr lang="ko-KR" altLang="en-US" sz="1200" baseline="0" dirty="0">
                           <a:latin typeface="-윤고딕310" panose="02030504000101010101" pitchFamily="18" charset="-127"/>
                           <a:ea typeface="-윤고딕310" panose="02030504000101010101" pitchFamily="18" charset="-127"/>
                         </a:rPr>
                         <a:t>사망</a:t>
                       </a:r>
                       <a:r>
-                        <a:rPr lang="en-US" altLang="ko-KR" sz="1200" baseline="0" dirty="0" smtClean="0">
+                        <a:rPr lang="en-US" altLang="ko-KR" sz="1200" baseline="0" dirty="0">
                           <a:latin typeface="-윤고딕310" panose="02030504000101010101" pitchFamily="18" charset="-127"/>
                           <a:ea typeface="-윤고딕310" panose="02030504000101010101" pitchFamily="18" charset="-127"/>
                         </a:rPr>
                         <a:t>, </a:t>
                       </a:r>
                       <a:r>
-                        <a:rPr lang="ko-KR" altLang="en-US" sz="1200" baseline="0" dirty="0" smtClean="0">
+                        <a:rPr lang="ko-KR" altLang="en-US" sz="1200" baseline="0" dirty="0">
                           <a:latin typeface="-윤고딕310" panose="02030504000101010101" pitchFamily="18" charset="-127"/>
                           <a:ea typeface="-윤고딕310" panose="02030504000101010101" pitchFamily="18" charset="-127"/>
                         </a:rPr>
                         <a:t>등의 상호작용은 충돌할 때 일어난다</a:t>
                       </a:r>
                       <a:r>
-                        <a:rPr lang="en-US" altLang="ko-KR" sz="1200" baseline="0" dirty="0" smtClean="0">
+                        <a:rPr lang="en-US" altLang="ko-KR" sz="1200" baseline="0" dirty="0">
                           <a:latin typeface="-윤고딕310" panose="02030504000101010101" pitchFamily="18" charset="-127"/>
                           <a:ea typeface="-윤고딕310" panose="02030504000101010101" pitchFamily="18" charset="-127"/>
                         </a:rPr>
@@ -17653,6 +17446,11 @@
                     </a:solidFill>
                   </a:tcPr>
                 </a:tc>
+                <a:extLst>
+                  <a:ext uri="{0D108BD9-81ED-4DB2-BD59-A6C34878D82A}">
+                    <a16:rowId xmlns:a16="http://schemas.microsoft.com/office/drawing/2014/main" val="10004"/>
+                  </a:ext>
+                </a:extLst>
               </a:tr>
             </a:tbl>
           </a:graphicData>
@@ -17680,7 +17478,7 @@
           <a:p>
             <a:fld id="{E63BED42-B56B-487C-A576-F8E55AE26EFB}" type="datetime1">
               <a:rPr lang="ko-KR" altLang="en-US" smtClean="0"/>
-              <a:t>2017-10-29</a:t>
+              <a:t>2017-11-19</a:t>
             </a:fld>
             <a:endParaRPr lang="ko-KR" altLang="en-US"/>
           </a:p>
@@ -17735,7 +17533,7 @@
           <a:lstStyle/>
           <a:p>
             <a:r>
-              <a:rPr lang="en-US" altLang="ko-KR" dirty="0" smtClean="0">
+              <a:rPr lang="en-US" altLang="ko-KR" dirty="0">
                 <a:solidFill>
                   <a:srgbClr val="C00000"/>
                 </a:solidFill>
@@ -17745,7 +17543,7 @@
               <a:t>2D </a:t>
             </a:r>
             <a:r>
-              <a:rPr lang="ko-KR" altLang="en-US" dirty="0" smtClean="0">
+              <a:rPr lang="ko-KR" altLang="en-US" dirty="0">
                 <a:solidFill>
                   <a:srgbClr val="C00000"/>
                 </a:solidFill>
@@ -17754,13 +17552,6 @@
               </a:rPr>
               <a:t>게임 프로그래밍</a:t>
             </a:r>
-            <a:endParaRPr lang="ko-KR" altLang="en-US" dirty="0">
-              <a:solidFill>
-                <a:srgbClr val="C00000"/>
-              </a:solidFill>
-              <a:latin typeface="-윤고딕310" panose="02030504000101010101" pitchFamily="18" charset="-127"/>
-              <a:ea typeface="-윤고딕310" panose="02030504000101010101" pitchFamily="18" charset="-127"/>
-            </a:endParaRPr>
           </a:p>
         </p:txBody>
       </p:sp>
@@ -17774,13 +17565,6 @@
   <p:clrMapOvr>
     <a:masterClrMapping/>
   </p:clrMapOvr>
-  <p:timing>
-    <p:tnLst>
-      <p:par>
-        <p:cTn id="1" dur="indefinite" restart="never" nodeType="tmRoot"/>
-      </p:par>
-    </p:tnLst>
-  </p:timing>
 </p:sld>
 </file>
 

--- a/slides/2016180042_진윤성_2DGP_1차발표.pptx
+++ b/slides/2016180042_진윤성_2DGP_1차발표.pptx
@@ -8738,7 +8738,7 @@
             <p:ph idx="1"/>
             <p:extLst>
               <p:ext uri="{D42A27DB-BD31-4B8C-83A1-F6EECF244321}">
-                <p14:modId xmlns:p14="http://schemas.microsoft.com/office/powerpoint/2010/main" val="290381989"/>
+                <p14:modId xmlns:p14="http://schemas.microsoft.com/office/powerpoint/2010/main" val="1206252205"/>
               </p:ext>
             </p:extLst>
           </p:nvPr>
@@ -9565,21 +9565,7 @@
                           <a:latin typeface="-윤고딕310" panose="02030504000101010101" pitchFamily="18" charset="-127"/>
                           <a:ea typeface="-윤고딕310" panose="02030504000101010101" pitchFamily="18" charset="-127"/>
                         </a:rPr>
-                        <a:t>게임 릴리즈</a:t>
-                      </a:r>
-                      <a:r>
-                        <a:rPr lang="en-US" altLang="ko-KR" sz="1200" dirty="0">
-                          <a:latin typeface="-윤고딕310" panose="02030504000101010101" pitchFamily="18" charset="-127"/>
-                          <a:ea typeface="-윤고딕310" panose="02030504000101010101" pitchFamily="18" charset="-127"/>
-                        </a:rPr>
-                        <a:t>, </a:t>
-                      </a:r>
-                      <a:r>
-                        <a:rPr lang="ko-KR" altLang="en-US" sz="1200" dirty="0">
-                          <a:latin typeface="-윤고딕310" panose="02030504000101010101" pitchFamily="18" charset="-127"/>
-                          <a:ea typeface="-윤고딕310" panose="02030504000101010101" pitchFamily="18" charset="-127"/>
-                        </a:rPr>
-                        <a:t>테스트</a:t>
+                        <a:t>게임 점검과 릴리즈</a:t>
                       </a:r>
                     </a:p>
                   </a:txBody>
@@ -16491,14 +16477,14 @@
             <p:ph idx="1"/>
             <p:extLst>
               <p:ext uri="{D42A27DB-BD31-4B8C-83A1-F6EECF244321}">
-                <p14:modId xmlns:p14="http://schemas.microsoft.com/office/powerpoint/2010/main" val="894340694"/>
+                <p14:modId xmlns:p14="http://schemas.microsoft.com/office/powerpoint/2010/main" val="976042718"/>
               </p:ext>
             </p:extLst>
           </p:nvPr>
         </p:nvGraphicFramePr>
         <p:xfrm>
           <a:off x="827584" y="1844818"/>
-          <a:ext cx="7488832" cy="4008675"/>
+          <a:ext cx="7488832" cy="3693322"/>
         </p:xfrm>
         <a:graphic>
           <a:graphicData uri="http://schemas.openxmlformats.org/drawingml/2006/table">
@@ -16601,7 +16587,7 @@
                   </a:ext>
                 </a:extLst>
               </a:tr>
-              <a:tr h="1165274">
+              <a:tr h="781325">
                 <a:tc>
                   <a:txBody>
                     <a:bodyPr/>
@@ -16614,6 +16600,190 @@
                           <a:ea typeface="-윤고딕310" panose="02030504000101010101" pitchFamily="18" charset="-127"/>
                         </a:rPr>
                         <a:t>1</a:t>
+                      </a:r>
+                      <a:endParaRPr lang="ko-KR" altLang="en-US" sz="1900" dirty="0">
+                        <a:latin typeface="-윤고딕310" panose="02030504000101010101" pitchFamily="18" charset="-127"/>
+                        <a:ea typeface="-윤고딕310" panose="02030504000101010101" pitchFamily="18" charset="-127"/>
+                      </a:endParaRPr>
+                    </a:p>
+                  </a:txBody>
+                  <a:tcPr marL="111605" marR="111605" marT="55802" marB="55802" anchor="ctr">
+                    <a:solidFill>
+                      <a:schemeClr val="accent1">
+                        <a:tint val="40000"/>
+                        <a:alpha val="35000"/>
+                      </a:schemeClr>
+                    </a:solidFill>
+                  </a:tcPr>
+                </a:tc>
+                <a:tc>
+                  <a:txBody>
+                    <a:bodyPr/>
+                    <a:lstStyle/>
+                    <a:p>
+                      <a:pPr marL="0" marR="0" lvl="0" indent="0" algn="ctr" defTabSz="914400" rtl="0" eaLnBrk="1" fontAlgn="auto" latinLnBrk="1" hangingPunct="1">
+                        <a:lnSpc>
+                          <a:spcPct val="100000"/>
+                        </a:lnSpc>
+                        <a:spcBef>
+                          <a:spcPts val="0"/>
+                        </a:spcBef>
+                        <a:spcAft>
+                          <a:spcPts val="0"/>
+                        </a:spcAft>
+                        <a:buClrTx/>
+                        <a:buSzTx/>
+                        <a:buFont typeface="Arial" panose="020B0604020202020204" pitchFamily="34" charset="0"/>
+                        <a:buNone/>
+                        <a:tabLst/>
+                        <a:defRPr/>
+                      </a:pPr>
+                      <a:r>
+                        <a:rPr lang="ko-KR" altLang="en-US" sz="1200" dirty="0">
+                          <a:latin typeface="-윤고딕310" panose="02030504000101010101" pitchFamily="18" charset="-127"/>
+                          <a:ea typeface="-윤고딕310" panose="02030504000101010101" pitchFamily="18" charset="-127"/>
+                        </a:rPr>
+                        <a:t>리소스 수집</a:t>
+                      </a:r>
+                    </a:p>
+                  </a:txBody>
+                  <a:tcPr marL="111605" marR="111605" marT="55802" marB="55802" anchor="ctr"/>
+                </a:tc>
+                <a:tc>
+                  <a:txBody>
+                    <a:bodyPr/>
+                    <a:lstStyle/>
+                    <a:p>
+                      <a:pPr marL="171450" marR="0" lvl="0" indent="-171450" algn="l" defTabSz="914400" rtl="0" eaLnBrk="1" fontAlgn="auto" latinLnBrk="1" hangingPunct="1">
+                        <a:lnSpc>
+                          <a:spcPct val="100000"/>
+                        </a:lnSpc>
+                        <a:spcBef>
+                          <a:spcPts val="0"/>
+                        </a:spcBef>
+                        <a:spcAft>
+                          <a:spcPts val="0"/>
+                        </a:spcAft>
+                        <a:buClrTx/>
+                        <a:buSzTx/>
+                        <a:buFont typeface="Arial" panose="020B0604020202020204" pitchFamily="34" charset="0"/>
+                        <a:buChar char="•"/>
+                        <a:tabLst/>
+                        <a:defRPr/>
+                      </a:pPr>
+                      <a:r>
+                        <a:rPr lang="ko-KR" altLang="en-US" sz="1200" dirty="0">
+                          <a:latin typeface="-윤고딕310" panose="02030504000101010101" pitchFamily="18" charset="-127"/>
+                          <a:ea typeface="-윤고딕310" panose="02030504000101010101" pitchFamily="18" charset="-127"/>
+                        </a:rPr>
+                        <a:t>필요한 객체를 모두 정의하고 상속 관계를 분명히 한다</a:t>
+                      </a:r>
+                      <a:r>
+                        <a:rPr lang="en-US" altLang="ko-KR" sz="1200" dirty="0">
+                          <a:latin typeface="-윤고딕310" panose="02030504000101010101" pitchFamily="18" charset="-127"/>
+                          <a:ea typeface="-윤고딕310" panose="02030504000101010101" pitchFamily="18" charset="-127"/>
+                        </a:rPr>
+                        <a:t>.  </a:t>
+                      </a:r>
+                      <a:r>
+                        <a:rPr lang="ko-KR" altLang="en-US" sz="1200" dirty="0">
+                          <a:latin typeface="-윤고딕310" panose="02030504000101010101" pitchFamily="18" charset="-127"/>
+                          <a:ea typeface="-윤고딕310" panose="02030504000101010101" pitchFamily="18" charset="-127"/>
+                        </a:rPr>
+                        <a:t>모든 객체들은 하나의 중력 객체를 상속한다</a:t>
+                      </a:r>
+                      <a:r>
+                        <a:rPr lang="en-US" altLang="ko-KR" sz="1200" dirty="0">
+                          <a:latin typeface="-윤고딕310" panose="02030504000101010101" pitchFamily="18" charset="-127"/>
+                          <a:ea typeface="-윤고딕310" panose="02030504000101010101" pitchFamily="18" charset="-127"/>
+                        </a:rPr>
+                        <a:t>.</a:t>
+                      </a:r>
+                      <a:r>
+                        <a:rPr lang="en-US" altLang="ko-KR" sz="1200" baseline="0" dirty="0">
+                          <a:latin typeface="-윤고딕310" panose="02030504000101010101" pitchFamily="18" charset="-127"/>
+                          <a:ea typeface="-윤고딕310" panose="02030504000101010101" pitchFamily="18" charset="-127"/>
+                        </a:rPr>
+                        <a:t> </a:t>
+                      </a:r>
+                      <a:r>
+                        <a:rPr lang="ko-KR" altLang="en-US" sz="1200" baseline="0" dirty="0">
+                          <a:latin typeface="-윤고딕310" panose="02030504000101010101" pitchFamily="18" charset="-127"/>
+                          <a:ea typeface="-윤고딕310" panose="02030504000101010101" pitchFamily="18" charset="-127"/>
+                        </a:rPr>
+                        <a:t>메소드들 역시 규격화된 이름으로 정리한다</a:t>
+                      </a:r>
+                      <a:r>
+                        <a:rPr lang="en-US" altLang="ko-KR" sz="1200" baseline="0" dirty="0">
+                          <a:latin typeface="-윤고딕310" panose="02030504000101010101" pitchFamily="18" charset="-127"/>
+                          <a:ea typeface="-윤고딕310" panose="02030504000101010101" pitchFamily="18" charset="-127"/>
+                        </a:rPr>
+                        <a:t>.</a:t>
+                      </a:r>
+                      <a:endParaRPr lang="en-US" altLang="ko-KR" sz="1200" dirty="0">
+                        <a:latin typeface="-윤고딕310" panose="02030504000101010101" pitchFamily="18" charset="-127"/>
+                        <a:ea typeface="-윤고딕310" panose="02030504000101010101" pitchFamily="18" charset="-127"/>
+                      </a:endParaRPr>
+                    </a:p>
+                    <a:p>
+                      <a:pPr marL="171450" marR="0" lvl="0" indent="-171450" algn="l" defTabSz="914400" rtl="0" eaLnBrk="1" fontAlgn="auto" latinLnBrk="1" hangingPunct="1">
+                        <a:lnSpc>
+                          <a:spcPct val="100000"/>
+                        </a:lnSpc>
+                        <a:spcBef>
+                          <a:spcPts val="0"/>
+                        </a:spcBef>
+                        <a:spcAft>
+                          <a:spcPts val="0"/>
+                        </a:spcAft>
+                        <a:buClrTx/>
+                        <a:buSzTx/>
+                        <a:buFont typeface="Arial" panose="020B0604020202020204" pitchFamily="34" charset="0"/>
+                        <a:buChar char="•"/>
+                        <a:tabLst/>
+                        <a:defRPr/>
+                      </a:pPr>
+                      <a:r>
+                        <a:rPr lang="ko-KR" altLang="en-US" sz="1200" dirty="0">
+                          <a:latin typeface="-윤고딕310" panose="02030504000101010101" pitchFamily="18" charset="-127"/>
+                          <a:ea typeface="-윤고딕310" panose="02030504000101010101" pitchFamily="18" charset="-127"/>
+                        </a:rPr>
+                        <a:t>필요한 리소스를 구하고 객체들에 적용한다</a:t>
+                      </a:r>
+                      <a:r>
+                        <a:rPr lang="en-US" altLang="ko-KR" sz="1200" dirty="0">
+                          <a:latin typeface="-윤고딕310" panose="02030504000101010101" pitchFamily="18" charset="-127"/>
+                          <a:ea typeface="-윤고딕310" panose="02030504000101010101" pitchFamily="18" charset="-127"/>
+                        </a:rPr>
+                        <a:t>. </a:t>
+                      </a:r>
+                      <a:endParaRPr lang="ko-KR" altLang="en-US" sz="1200" dirty="0">
+                        <a:latin typeface="-윤고딕310" panose="02030504000101010101" pitchFamily="18" charset="-127"/>
+                        <a:ea typeface="-윤고딕310" panose="02030504000101010101" pitchFamily="18" charset="-127"/>
+                      </a:endParaRPr>
+                    </a:p>
+                  </a:txBody>
+                  <a:tcPr marL="111605" marR="111605" marT="55802" marB="55802"/>
+                </a:tc>
+                <a:extLst>
+                  <a:ext uri="{0D108BD9-81ED-4DB2-BD59-A6C34878D82A}">
+                    <a16:rowId xmlns:a16="http://schemas.microsoft.com/office/drawing/2014/main" val="10001"/>
+                  </a:ext>
+                </a:extLst>
+              </a:tr>
+              <a:tr h="702124">
+                <a:tc>
+                  <a:txBody>
+                    <a:bodyPr/>
+                    <a:lstStyle/>
+                    <a:p>
+                      <a:pPr algn="ctr" latinLnBrk="1"/>
+                      <a:r>
+                        <a:rPr lang="en-US" altLang="ko-KR" sz="1900" dirty="0">
+                          <a:latin typeface="-윤고딕310" panose="02030504000101010101" pitchFamily="18" charset="-127"/>
+                          <a:ea typeface="-윤고딕310" panose="02030504000101010101" pitchFamily="18" charset="-127"/>
+                        </a:rPr>
+                        <a:t>2</a:t>
                       </a:r>
                       <a:endParaRPr lang="ko-KR" altLang="en-US" sz="1900" dirty="0">
                         <a:latin typeface="-윤고딕310" panose="02030504000101010101" pitchFamily="18" charset="-127"/>
@@ -16662,266 +16832,6 @@
                           <a:ea typeface="-윤고딕310" panose="02030504000101010101" pitchFamily="18" charset="-127"/>
                         </a:rPr>
                         <a:t>지형과 중력</a:t>
-                      </a:r>
-                    </a:p>
-                  </a:txBody>
-                  <a:tcPr marL="111605" marR="111605" marT="55802" marB="55802" anchor="ctr"/>
-                </a:tc>
-                <a:tc>
-                  <a:txBody>
-                    <a:bodyPr/>
-                    <a:lstStyle/>
-                    <a:p>
-                      <a:pPr marL="171450" indent="-171450" latinLnBrk="1">
-                        <a:buFont typeface="Arial" panose="020B0604020202020204" pitchFamily="34" charset="0"/>
-                        <a:buChar char="•"/>
-                      </a:pPr>
-                      <a:r>
-                        <a:rPr lang="ko-KR" altLang="en-US" sz="1200" dirty="0">
-                          <a:latin typeface="-윤고딕310" panose="02030504000101010101" pitchFamily="18" charset="-127"/>
-                          <a:ea typeface="-윤고딕310" panose="02030504000101010101" pitchFamily="18" charset="-127"/>
-                        </a:rPr>
-                        <a:t>필요한 객체를 모두 정의하고 상속 관계를 분명히 한다</a:t>
-                      </a:r>
-                      <a:r>
-                        <a:rPr lang="en-US" altLang="ko-KR" sz="1200" dirty="0">
-                          <a:latin typeface="-윤고딕310" panose="02030504000101010101" pitchFamily="18" charset="-127"/>
-                          <a:ea typeface="-윤고딕310" panose="02030504000101010101" pitchFamily="18" charset="-127"/>
-                        </a:rPr>
-                        <a:t>.  </a:t>
-                      </a:r>
-                      <a:r>
-                        <a:rPr lang="ko-KR" altLang="en-US" sz="1200" dirty="0">
-                          <a:latin typeface="-윤고딕310" panose="02030504000101010101" pitchFamily="18" charset="-127"/>
-                          <a:ea typeface="-윤고딕310" panose="02030504000101010101" pitchFamily="18" charset="-127"/>
-                        </a:rPr>
-                        <a:t>모든 객체들은 하나의 중력 객체를 상속한다</a:t>
-                      </a:r>
-                      <a:r>
-                        <a:rPr lang="en-US" altLang="ko-KR" sz="1200" dirty="0">
-                          <a:latin typeface="-윤고딕310" panose="02030504000101010101" pitchFamily="18" charset="-127"/>
-                          <a:ea typeface="-윤고딕310" panose="02030504000101010101" pitchFamily="18" charset="-127"/>
-                        </a:rPr>
-                        <a:t>.</a:t>
-                      </a:r>
-                      <a:r>
-                        <a:rPr lang="en-US" altLang="ko-KR" sz="1200" baseline="0" dirty="0">
-                          <a:latin typeface="-윤고딕310" panose="02030504000101010101" pitchFamily="18" charset="-127"/>
-                          <a:ea typeface="-윤고딕310" panose="02030504000101010101" pitchFamily="18" charset="-127"/>
-                        </a:rPr>
-                        <a:t> </a:t>
-                      </a:r>
-                      <a:r>
-                        <a:rPr lang="ko-KR" altLang="en-US" sz="1200" baseline="0" dirty="0">
-                          <a:latin typeface="-윤고딕310" panose="02030504000101010101" pitchFamily="18" charset="-127"/>
-                          <a:ea typeface="-윤고딕310" panose="02030504000101010101" pitchFamily="18" charset="-127"/>
-                        </a:rPr>
-                        <a:t>메소드들 역시 규격화된 이름으로 정리한다</a:t>
-                      </a:r>
-                      <a:r>
-                        <a:rPr lang="en-US" altLang="ko-KR" sz="1200" baseline="0" dirty="0">
-                          <a:latin typeface="-윤고딕310" panose="02030504000101010101" pitchFamily="18" charset="-127"/>
-                          <a:ea typeface="-윤고딕310" panose="02030504000101010101" pitchFamily="18" charset="-127"/>
-                        </a:rPr>
-                        <a:t>.</a:t>
-                      </a:r>
-                    </a:p>
-                    <a:p>
-                      <a:pPr marL="171450" marR="0" indent="-171450" algn="l" defTabSz="914400" rtl="0" eaLnBrk="1" fontAlgn="auto" latinLnBrk="1" hangingPunct="1">
-                        <a:lnSpc>
-                          <a:spcPct val="100000"/>
-                        </a:lnSpc>
-                        <a:spcBef>
-                          <a:spcPts val="0"/>
-                        </a:spcBef>
-                        <a:spcAft>
-                          <a:spcPts val="0"/>
-                        </a:spcAft>
-                        <a:buClrTx/>
-                        <a:buSzTx/>
-                        <a:buFont typeface="Arial" panose="020B0604020202020204" pitchFamily="34" charset="0"/>
-                        <a:buChar char="•"/>
-                        <a:tabLst/>
-                        <a:defRPr/>
-                      </a:pPr>
-                      <a:r>
-                        <a:rPr lang="ko-KR" altLang="en-US" sz="1200" dirty="0">
-                          <a:latin typeface="-윤고딕310" panose="02030504000101010101" pitchFamily="18" charset="-127"/>
-                          <a:ea typeface="-윤고딕310" panose="02030504000101010101" pitchFamily="18" charset="-127"/>
-                        </a:rPr>
-                        <a:t>지형 객체의 특수화를 한다</a:t>
-                      </a:r>
-                      <a:r>
-                        <a:rPr lang="en-US" altLang="ko-KR" sz="1200" dirty="0">
-                          <a:latin typeface="-윤고딕310" panose="02030504000101010101" pitchFamily="18" charset="-127"/>
-                          <a:ea typeface="-윤고딕310" panose="02030504000101010101" pitchFamily="18" charset="-127"/>
-                        </a:rPr>
-                        <a:t>.</a:t>
-                      </a:r>
-                      <a:r>
-                        <a:rPr lang="ko-KR" altLang="en-US" sz="1200" dirty="0">
-                          <a:latin typeface="-윤고딕310" panose="02030504000101010101" pitchFamily="18" charset="-127"/>
-                          <a:ea typeface="-윤고딕310" panose="02030504000101010101" pitchFamily="18" charset="-127"/>
-                        </a:rPr>
-                        <a:t> 중력 객체</a:t>
-                      </a:r>
-                      <a:r>
-                        <a:rPr lang="en-US" altLang="ko-KR" sz="1200" dirty="0">
-                          <a:latin typeface="-윤고딕310" panose="02030504000101010101" pitchFamily="18" charset="-127"/>
-                          <a:ea typeface="-윤고딕310" panose="02030504000101010101" pitchFamily="18" charset="-127"/>
-                        </a:rPr>
-                        <a:t>-&gt;</a:t>
-                      </a:r>
-                      <a:r>
-                        <a:rPr lang="ko-KR" altLang="en-US" sz="1200" dirty="0">
-                          <a:latin typeface="-윤고딕310" panose="02030504000101010101" pitchFamily="18" charset="-127"/>
-                          <a:ea typeface="-윤고딕310" panose="02030504000101010101" pitchFamily="18" charset="-127"/>
-                        </a:rPr>
-                        <a:t>블록</a:t>
-                      </a:r>
-                      <a:r>
-                        <a:rPr lang="en-US" altLang="ko-KR" sz="1200" dirty="0">
-                          <a:latin typeface="-윤고딕310" panose="02030504000101010101" pitchFamily="18" charset="-127"/>
-                          <a:ea typeface="-윤고딕310" panose="02030504000101010101" pitchFamily="18" charset="-127"/>
-                        </a:rPr>
-                        <a:t>-&gt;</a:t>
-                      </a:r>
-                      <a:r>
-                        <a:rPr lang="ko-KR" altLang="en-US" sz="1200" dirty="0">
-                          <a:latin typeface="-윤고딕310" panose="02030504000101010101" pitchFamily="18" charset="-127"/>
-                          <a:ea typeface="-윤고딕310" panose="02030504000101010101" pitchFamily="18" charset="-127"/>
-                        </a:rPr>
-                        <a:t>나무</a:t>
-                      </a:r>
-                      <a:r>
-                        <a:rPr lang="en-US" altLang="ko-KR" sz="1200" dirty="0">
-                          <a:latin typeface="-윤고딕310" panose="02030504000101010101" pitchFamily="18" charset="-127"/>
-                          <a:ea typeface="-윤고딕310" panose="02030504000101010101" pitchFamily="18" charset="-127"/>
-                        </a:rPr>
-                        <a:t>, </a:t>
-                      </a:r>
-                      <a:r>
-                        <a:rPr lang="ko-KR" altLang="en-US" sz="1200" dirty="0">
-                          <a:latin typeface="-윤고딕310" panose="02030504000101010101" pitchFamily="18" charset="-127"/>
-                          <a:ea typeface="-윤고딕310" panose="02030504000101010101" pitchFamily="18" charset="-127"/>
-                        </a:rPr>
-                        <a:t>벽돌</a:t>
-                      </a:r>
-                      <a:r>
-                        <a:rPr lang="en-US" altLang="ko-KR" sz="1200" dirty="0">
-                          <a:latin typeface="-윤고딕310" panose="02030504000101010101" pitchFamily="18" charset="-127"/>
-                          <a:ea typeface="-윤고딕310" panose="02030504000101010101" pitchFamily="18" charset="-127"/>
-                        </a:rPr>
-                        <a:t>, </a:t>
-                      </a:r>
-                      <a:r>
-                        <a:rPr lang="ko-KR" altLang="en-US" sz="1200" dirty="0">
-                          <a:latin typeface="-윤고딕310" panose="02030504000101010101" pitchFamily="18" charset="-127"/>
-                          <a:ea typeface="-윤고딕310" panose="02030504000101010101" pitchFamily="18" charset="-127"/>
-                        </a:rPr>
-                        <a:t>땅</a:t>
-                      </a:r>
-                      <a:r>
-                        <a:rPr lang="en-US" altLang="ko-KR" sz="1200" dirty="0">
-                          <a:latin typeface="-윤고딕310" panose="02030504000101010101" pitchFamily="18" charset="-127"/>
-                          <a:ea typeface="-윤고딕310" panose="02030504000101010101" pitchFamily="18" charset="-127"/>
-                        </a:rPr>
-                        <a:t>, …</a:t>
-                      </a:r>
-                    </a:p>
-                    <a:p>
-                      <a:pPr marL="171450" marR="0" indent="-171450" algn="l" defTabSz="914400" rtl="0" eaLnBrk="1" fontAlgn="auto" latinLnBrk="1" hangingPunct="1">
-                        <a:lnSpc>
-                          <a:spcPct val="100000"/>
-                        </a:lnSpc>
-                        <a:spcBef>
-                          <a:spcPts val="0"/>
-                        </a:spcBef>
-                        <a:spcAft>
-                          <a:spcPts val="0"/>
-                        </a:spcAft>
-                        <a:buClrTx/>
-                        <a:buSzTx/>
-                        <a:buFont typeface="Arial" panose="020B0604020202020204" pitchFamily="34" charset="0"/>
-                        <a:buChar char="•"/>
-                        <a:tabLst/>
-                        <a:defRPr/>
-                      </a:pPr>
-                      <a:r>
-                        <a:rPr lang="ko-KR" altLang="en-US" sz="1200" dirty="0">
-                          <a:latin typeface="-윤고딕310" panose="02030504000101010101" pitchFamily="18" charset="-127"/>
-                          <a:ea typeface="-윤고딕310" panose="02030504000101010101" pitchFamily="18" charset="-127"/>
-                        </a:rPr>
-                        <a:t>모든 개체는 중력이 작동한다</a:t>
-                      </a:r>
-                      <a:r>
-                        <a:rPr lang="en-US" altLang="ko-KR" sz="1200" dirty="0">
-                          <a:latin typeface="-윤고딕310" panose="02030504000101010101" pitchFamily="18" charset="-127"/>
-                          <a:ea typeface="-윤고딕310" panose="02030504000101010101" pitchFamily="18" charset="-127"/>
-                        </a:rPr>
-                        <a:t>. </a:t>
-                      </a:r>
-                      <a:r>
-                        <a:rPr lang="ko-KR" altLang="en-US" sz="1200" dirty="0">
-                          <a:latin typeface="-윤고딕310" panose="02030504000101010101" pitchFamily="18" charset="-127"/>
-                          <a:ea typeface="-윤고딕310" panose="02030504000101010101" pitchFamily="18" charset="-127"/>
-                        </a:rPr>
-                        <a:t>충돌 처리를 위해 개체 리스트가 들어있는 이름으로 구분된 사전에서 반복문을 돌려서 처리한다</a:t>
-                      </a:r>
-                    </a:p>
-                  </a:txBody>
-                  <a:tcPr marL="111605" marR="111605" marT="55802" marB="55802"/>
-                </a:tc>
-                <a:extLst>
-                  <a:ext uri="{0D108BD9-81ED-4DB2-BD59-A6C34878D82A}">
-                    <a16:rowId xmlns:a16="http://schemas.microsoft.com/office/drawing/2014/main" val="10001"/>
-                  </a:ext>
-                </a:extLst>
-              </a:tr>
-              <a:tr h="702124">
-                <a:tc>
-                  <a:txBody>
-                    <a:bodyPr/>
-                    <a:lstStyle/>
-                    <a:p>
-                      <a:pPr algn="ctr" latinLnBrk="1"/>
-                      <a:r>
-                        <a:rPr lang="en-US" altLang="ko-KR" sz="1900" dirty="0">
-                          <a:latin typeface="-윤고딕310" panose="02030504000101010101" pitchFamily="18" charset="-127"/>
-                          <a:ea typeface="-윤고딕310" panose="02030504000101010101" pitchFamily="18" charset="-127"/>
-                        </a:rPr>
-                        <a:t>2</a:t>
-                      </a:r>
-                      <a:endParaRPr lang="ko-KR" altLang="en-US" sz="1900" dirty="0">
-                        <a:latin typeface="-윤고딕310" panose="02030504000101010101" pitchFamily="18" charset="-127"/>
-                        <a:ea typeface="-윤고딕310" panose="02030504000101010101" pitchFamily="18" charset="-127"/>
-                      </a:endParaRPr>
-                    </a:p>
-                  </a:txBody>
-                  <a:tcPr marL="111605" marR="111605" marT="55802" marB="55802" anchor="ctr">
-                    <a:solidFill>
-                      <a:schemeClr val="accent1">
-                        <a:tint val="40000"/>
-                        <a:alpha val="35000"/>
-                      </a:schemeClr>
-                    </a:solidFill>
-                  </a:tcPr>
-                </a:tc>
-                <a:tc>
-                  <a:txBody>
-                    <a:bodyPr/>
-                    <a:lstStyle/>
-                    <a:p>
-                      <a:pPr marL="0" indent="0" algn="ctr" latinLnBrk="1">
-                        <a:buFont typeface="Arial" panose="020B0604020202020204" pitchFamily="34" charset="0"/>
-                        <a:buNone/>
-                      </a:pPr>
-                      <a:r>
-                        <a:rPr lang="ko-KR" altLang="en-US" sz="1200" dirty="0">
-                          <a:latin typeface="-윤고딕310" panose="02030504000101010101" pitchFamily="18" charset="-127"/>
-                          <a:ea typeface="-윤고딕310" panose="02030504000101010101" pitchFamily="18" charset="-127"/>
-                        </a:rPr>
-                        <a:t>리소스 수집과 테스트</a:t>
                       </a:r>
                     </a:p>
                   </a:txBody>
@@ -16954,20 +16864,6 @@
                           <a:latin typeface="-윤고딕310" panose="02030504000101010101" pitchFamily="18" charset="-127"/>
                           <a:ea typeface="-윤고딕310" panose="02030504000101010101" pitchFamily="18" charset="-127"/>
                         </a:rPr>
-                        <a:t>필요한 리소스를 구하고 객체들에 적용한다</a:t>
-                      </a:r>
-                      <a:r>
-                        <a:rPr lang="en-US" altLang="ko-KR" sz="1200" dirty="0">
-                          <a:latin typeface="-윤고딕310" panose="02030504000101010101" pitchFamily="18" charset="-127"/>
-                          <a:ea typeface="-윤고딕310" panose="02030504000101010101" pitchFamily="18" charset="-127"/>
-                        </a:rPr>
-                        <a:t>. </a:t>
-                      </a:r>
-                      <a:r>
-                        <a:rPr lang="ko-KR" altLang="en-US" sz="1200" dirty="0">
-                          <a:latin typeface="-윤고딕310" panose="02030504000101010101" pitchFamily="18" charset="-127"/>
-                          <a:ea typeface="-윤고딕310" panose="02030504000101010101" pitchFamily="18" charset="-127"/>
-                        </a:rPr>
                         <a:t>중력을 영향을 받는 객체들이 이미지와 잘 맞는지 테스트한다</a:t>
                       </a:r>
                       <a:r>
@@ -17033,7 +16929,7 @@
                   </a:ext>
                 </a:extLst>
               </a:tr>
-              <a:tr h="1038216">
+              <a:tr h="558172">
                 <a:tc>
                   <a:txBody>
                     <a:bodyPr/>
@@ -17097,37 +16993,6 @@
                         <a:ea typeface="-윤고딕310" panose="02030504000101010101" pitchFamily="18" charset="-127"/>
                       </a:endParaRPr>
                     </a:p>
-                    <a:p>
-                      <a:pPr marL="0" indent="0" algn="ctr" latinLnBrk="1">
-                        <a:buFont typeface="Arial" panose="020B0604020202020204" pitchFamily="34" charset="0"/>
-                        <a:buNone/>
-                      </a:pPr>
-                      <a:r>
-                        <a:rPr lang="en-US" altLang="ko-KR" sz="1200" dirty="0">
-                          <a:latin typeface="-윤고딕310" panose="02030504000101010101" pitchFamily="18" charset="-127"/>
-                          <a:ea typeface="-윤고딕310" panose="02030504000101010101" pitchFamily="18" charset="-127"/>
-                        </a:rPr>
-                        <a:t>NPC</a:t>
-                      </a:r>
-                      <a:r>
-                        <a:rPr lang="en-US" altLang="ko-KR" sz="1200" baseline="0" dirty="0">
-                          <a:latin typeface="-윤고딕310" panose="02030504000101010101" pitchFamily="18" charset="-127"/>
-                          <a:ea typeface="-윤고딕310" panose="02030504000101010101" pitchFamily="18" charset="-127"/>
-                        </a:rPr>
-                        <a:t> </a:t>
-                      </a:r>
-                      <a:r>
-                        <a:rPr lang="ko-KR" altLang="en-US" sz="1200" baseline="0" dirty="0">
-                          <a:latin typeface="-윤고딕310" panose="02030504000101010101" pitchFamily="18" charset="-127"/>
-                          <a:ea typeface="-윤고딕310" panose="02030504000101010101" pitchFamily="18" charset="-127"/>
-                        </a:rPr>
-                        <a:t>객체와 인공지능</a:t>
-                      </a:r>
-                      <a:endParaRPr lang="ko-KR" altLang="en-US" sz="1200" dirty="0">
-                        <a:latin typeface="-윤고딕310" panose="02030504000101010101" pitchFamily="18" charset="-127"/>
-                        <a:ea typeface="-윤고딕310" panose="02030504000101010101" pitchFamily="18" charset="-127"/>
-                      </a:endParaRPr>
-                    </a:p>
                   </a:txBody>
                   <a:tcPr marL="111605" marR="111605" marT="55802" marB="55802" anchor="ctr"/>
                 </a:tc>
@@ -17161,96 +17026,6 @@
                         </a:rPr>
                         <a:t>누른 키에 따라 행동을 취하는데 처음엔 움직임만 취하도록 한다</a:t>
                       </a:r>
-                      <a:r>
-                        <a:rPr lang="en-US" altLang="ko-KR" sz="1200" dirty="0">
-                          <a:latin typeface="-윤고딕310" panose="02030504000101010101" pitchFamily="18" charset="-127"/>
-                          <a:ea typeface="-윤고딕310" panose="02030504000101010101" pitchFamily="18" charset="-127"/>
-                        </a:rPr>
-                        <a:t>.</a:t>
-                      </a:r>
-                      <a:endParaRPr lang="ko-KR" altLang="en-US" sz="1200" dirty="0">
-                        <a:latin typeface="-윤고딕310" panose="02030504000101010101" pitchFamily="18" charset="-127"/>
-                        <a:ea typeface="-윤고딕310" panose="02030504000101010101" pitchFamily="18" charset="-127"/>
-                      </a:endParaRPr>
-                    </a:p>
-                    <a:p>
-                      <a:pPr marL="171450" marR="0" indent="-171450" algn="l" defTabSz="914400" rtl="0" eaLnBrk="1" fontAlgn="auto" latinLnBrk="1" hangingPunct="1">
-                        <a:lnSpc>
-                          <a:spcPct val="100000"/>
-                        </a:lnSpc>
-                        <a:spcBef>
-                          <a:spcPts val="0"/>
-                        </a:spcBef>
-                        <a:spcAft>
-                          <a:spcPts val="0"/>
-                        </a:spcAft>
-                        <a:buClrTx/>
-                        <a:buSzTx/>
-                        <a:buFont typeface="Arial" panose="020B0604020202020204" pitchFamily="34" charset="0"/>
-                        <a:buChar char="•"/>
-                        <a:tabLst/>
-                        <a:defRPr/>
-                      </a:pPr>
-                      <a:r>
-                        <a:rPr lang="ko-KR" altLang="en-US" sz="1200" dirty="0">
-                          <a:latin typeface="-윤고딕310" panose="02030504000101010101" pitchFamily="18" charset="-127"/>
-                          <a:ea typeface="-윤고딕310" panose="02030504000101010101" pitchFamily="18" charset="-127"/>
-                        </a:rPr>
-                        <a:t>적들은 시야가 있으며 플레이어를 발견하면 다가와 공격한다</a:t>
-                      </a:r>
-                      <a:r>
-                        <a:rPr lang="en-US" altLang="ko-KR" sz="1200" dirty="0">
-                          <a:latin typeface="-윤고딕310" panose="02030504000101010101" pitchFamily="18" charset="-127"/>
-                          <a:ea typeface="-윤고딕310" panose="02030504000101010101" pitchFamily="18" charset="-127"/>
-                        </a:rPr>
-                        <a:t>. </a:t>
-                      </a:r>
-                      <a:r>
-                        <a:rPr lang="ko-KR" altLang="en-US" sz="1200" dirty="0">
-                          <a:latin typeface="-윤고딕310" panose="02030504000101010101" pitchFamily="18" charset="-127"/>
-                          <a:ea typeface="-윤고딕310" panose="02030504000101010101" pitchFamily="18" charset="-127"/>
-                        </a:rPr>
-                        <a:t>적들은 대체로 단순하지만 일부 적은 까다로운 </a:t>
-                      </a:r>
-                      <a:r>
-                        <a:rPr lang="en-US" altLang="ko-KR" sz="1200" dirty="0">
-                          <a:latin typeface="-윤고딕310" panose="02030504000101010101" pitchFamily="18" charset="-127"/>
-                          <a:ea typeface="-윤고딕310" panose="02030504000101010101" pitchFamily="18" charset="-127"/>
-                        </a:rPr>
-                        <a:t>(</a:t>
-                      </a:r>
-                      <a:r>
-                        <a:rPr lang="ko-KR" altLang="en-US" sz="1200" dirty="0">
-                          <a:latin typeface="-윤고딕310" panose="02030504000101010101" pitchFamily="18" charset="-127"/>
-                          <a:ea typeface="-윤고딕310" panose="02030504000101010101" pitchFamily="18" charset="-127"/>
-                        </a:rPr>
-                        <a:t>하지만 반복적인</a:t>
-                      </a:r>
-                      <a:r>
-                        <a:rPr lang="en-US" altLang="ko-KR" sz="1200" dirty="0">
-                          <a:latin typeface="-윤고딕310" panose="02030504000101010101" pitchFamily="18" charset="-127"/>
-                          <a:ea typeface="-윤고딕310" panose="02030504000101010101" pitchFamily="18" charset="-127"/>
-                        </a:rPr>
-                        <a:t>) </a:t>
-                      </a:r>
-                      <a:r>
-                        <a:rPr lang="ko-KR" altLang="en-US" sz="1200" dirty="0">
-                          <a:latin typeface="-윤고딕310" panose="02030504000101010101" pitchFamily="18" charset="-127"/>
-                          <a:ea typeface="-윤고딕310" panose="02030504000101010101" pitchFamily="18" charset="-127"/>
-                        </a:rPr>
-                        <a:t>행동을 한다</a:t>
-                      </a:r>
-                      <a:r>
-                        <a:rPr lang="en-US" altLang="ko-KR" sz="1200" dirty="0">
-                          <a:latin typeface="-윤고딕310" panose="02030504000101010101" pitchFamily="18" charset="-127"/>
-                          <a:ea typeface="-윤고딕310" panose="02030504000101010101" pitchFamily="18" charset="-127"/>
-                        </a:rPr>
-                        <a:t>.</a:t>
-                      </a:r>
-                      <a:endParaRPr lang="ko-KR" altLang="en-US" sz="1200" dirty="0">
-                        <a:latin typeface="-윤고딕310" panose="02030504000101010101" pitchFamily="18" charset="-127"/>
-                        <a:ea typeface="-윤고딕310" panose="02030504000101010101" pitchFamily="18" charset="-127"/>
-                      </a:endParaRPr>
                     </a:p>
                   </a:txBody>
                   <a:tcPr marL="111605" marR="111605" marT="55802" marB="55802"/>
@@ -17306,6 +17081,54 @@
                         </a:rPr>
                         <a:t>객체 상호 작용</a:t>
                       </a:r>
+                      <a:endParaRPr lang="en-US" altLang="ko-KR" sz="1200" dirty="0">
+                        <a:latin typeface="-윤고딕310" panose="02030504000101010101" pitchFamily="18" charset="-127"/>
+                        <a:ea typeface="-윤고딕310" panose="02030504000101010101" pitchFamily="18" charset="-127"/>
+                      </a:endParaRPr>
+                    </a:p>
+                    <a:p>
+                      <a:pPr marL="0" marR="0" lvl="0" indent="0" algn="ctr" defTabSz="914400" rtl="0" eaLnBrk="1" fontAlgn="auto" latinLnBrk="1" hangingPunct="1">
+                        <a:lnSpc>
+                          <a:spcPct val="100000"/>
+                        </a:lnSpc>
+                        <a:spcBef>
+                          <a:spcPts val="0"/>
+                        </a:spcBef>
+                        <a:spcAft>
+                          <a:spcPts val="0"/>
+                        </a:spcAft>
+                        <a:buClrTx/>
+                        <a:buSzTx/>
+                        <a:buFont typeface="Arial" panose="020B0604020202020204" pitchFamily="34" charset="0"/>
+                        <a:buNone/>
+                        <a:tabLst/>
+                        <a:defRPr/>
+                      </a:pPr>
+                      <a:r>
+                        <a:rPr lang="en-US" altLang="ko-KR" sz="1200" dirty="0">
+                          <a:latin typeface="-윤고딕310" panose="02030504000101010101" pitchFamily="18" charset="-127"/>
+                          <a:ea typeface="-윤고딕310" panose="02030504000101010101" pitchFamily="18" charset="-127"/>
+                        </a:rPr>
+                        <a:t>NPC</a:t>
+                      </a:r>
+                      <a:r>
+                        <a:rPr lang="en-US" altLang="ko-KR" sz="1200" baseline="0" dirty="0">
+                          <a:latin typeface="-윤고딕310" panose="02030504000101010101" pitchFamily="18" charset="-127"/>
+                          <a:ea typeface="-윤고딕310" panose="02030504000101010101" pitchFamily="18" charset="-127"/>
+                        </a:rPr>
+                        <a:t> </a:t>
+                      </a:r>
+                      <a:r>
+                        <a:rPr lang="ko-KR" altLang="en-US" sz="1200" baseline="0" dirty="0">
+                          <a:latin typeface="-윤고딕310" panose="02030504000101010101" pitchFamily="18" charset="-127"/>
+                          <a:ea typeface="-윤고딕310" panose="02030504000101010101" pitchFamily="18" charset="-127"/>
+                        </a:rPr>
+                        <a:t>객체와 인공지능</a:t>
+                      </a:r>
+                      <a:endParaRPr lang="ko-KR" altLang="en-US" sz="1200" dirty="0">
+                        <a:latin typeface="-윤고딕310" panose="02030504000101010101" pitchFamily="18" charset="-127"/>
+                        <a:ea typeface="-윤고딕310" panose="02030504000101010101" pitchFamily="18" charset="-127"/>
+                      </a:endParaRPr>
                     </a:p>
                   </a:txBody>
                   <a:tcPr marL="111605" marR="111605" marT="55802" marB="55802" anchor="ctr">
@@ -17428,6 +17251,95 @@
                         </a:rPr>
                         <a:t>.</a:t>
                       </a:r>
+                    </a:p>
+                    <a:p>
+                      <a:pPr marL="171450" indent="-171450" latinLnBrk="1">
+                        <a:buFont typeface="Arial" panose="020B0604020202020204" pitchFamily="34" charset="0"/>
+                        <a:buChar char="•"/>
+                      </a:pPr>
+                      <a:endParaRPr lang="en-US" altLang="ko-KR" sz="1200" baseline="0" dirty="0">
+                        <a:latin typeface="-윤고딕310" panose="02030504000101010101" pitchFamily="18" charset="-127"/>
+                        <a:ea typeface="-윤고딕310" panose="02030504000101010101" pitchFamily="18" charset="-127"/>
+                      </a:endParaRPr>
+                    </a:p>
+                    <a:p>
+                      <a:pPr marL="171450" marR="0" lvl="0" indent="-171450" algn="l" defTabSz="914400" rtl="0" eaLnBrk="1" fontAlgn="auto" latinLnBrk="1" hangingPunct="1">
+                        <a:lnSpc>
+                          <a:spcPct val="100000"/>
+                        </a:lnSpc>
+                        <a:spcBef>
+                          <a:spcPts val="0"/>
+                        </a:spcBef>
+                        <a:spcAft>
+                          <a:spcPts val="0"/>
+                        </a:spcAft>
+                        <a:buClrTx/>
+                        <a:buSzTx/>
+                        <a:buFont typeface="Arial" panose="020B0604020202020204" pitchFamily="34" charset="0"/>
+                        <a:buChar char="•"/>
+                        <a:tabLst/>
+                        <a:defRPr/>
+                      </a:pPr>
+                      <a:r>
+                        <a:rPr lang="ko-KR" altLang="en-US" sz="1200" dirty="0">
+                          <a:latin typeface="-윤고딕310" panose="02030504000101010101" pitchFamily="18" charset="-127"/>
+                          <a:ea typeface="-윤고딕310" panose="02030504000101010101" pitchFamily="18" charset="-127"/>
+                        </a:rPr>
+                        <a:t>적들은 시야가 있으며 플레이어를 발견하면 다가와 공격한다</a:t>
+                      </a:r>
+                      <a:r>
+                        <a:rPr lang="en-US" altLang="ko-KR" sz="1200" dirty="0">
+                          <a:latin typeface="-윤고딕310" panose="02030504000101010101" pitchFamily="18" charset="-127"/>
+                          <a:ea typeface="-윤고딕310" panose="02030504000101010101" pitchFamily="18" charset="-127"/>
+                        </a:rPr>
+                        <a:t>. </a:t>
+                      </a:r>
+                      <a:r>
+                        <a:rPr lang="ko-KR" altLang="en-US" sz="1200" dirty="0">
+                          <a:latin typeface="-윤고딕310" panose="02030504000101010101" pitchFamily="18" charset="-127"/>
+                          <a:ea typeface="-윤고딕310" panose="02030504000101010101" pitchFamily="18" charset="-127"/>
+                        </a:rPr>
+                        <a:t>적들은 대체로 단순하지만 일부 적은 까다로운 </a:t>
+                      </a:r>
+                      <a:r>
+                        <a:rPr lang="en-US" altLang="ko-KR" sz="1200" dirty="0">
+                          <a:latin typeface="-윤고딕310" panose="02030504000101010101" pitchFamily="18" charset="-127"/>
+                          <a:ea typeface="-윤고딕310" panose="02030504000101010101" pitchFamily="18" charset="-127"/>
+                        </a:rPr>
+                        <a:t>(</a:t>
+                      </a:r>
+                      <a:r>
+                        <a:rPr lang="ko-KR" altLang="en-US" sz="1200" dirty="0">
+                          <a:latin typeface="-윤고딕310" panose="02030504000101010101" pitchFamily="18" charset="-127"/>
+                          <a:ea typeface="-윤고딕310" panose="02030504000101010101" pitchFamily="18" charset="-127"/>
+                        </a:rPr>
+                        <a:t>하지만 반복적인</a:t>
+                      </a:r>
+                      <a:r>
+                        <a:rPr lang="en-US" altLang="ko-KR" sz="1200" dirty="0">
+                          <a:latin typeface="-윤고딕310" panose="02030504000101010101" pitchFamily="18" charset="-127"/>
+                          <a:ea typeface="-윤고딕310" panose="02030504000101010101" pitchFamily="18" charset="-127"/>
+                        </a:rPr>
+                        <a:t>) </a:t>
+                      </a:r>
+                      <a:r>
+                        <a:rPr lang="ko-KR" altLang="en-US" sz="1200" dirty="0">
+                          <a:latin typeface="-윤고딕310" panose="02030504000101010101" pitchFamily="18" charset="-127"/>
+                          <a:ea typeface="-윤고딕310" panose="02030504000101010101" pitchFamily="18" charset="-127"/>
+                        </a:rPr>
+                        <a:t>행동을 한다</a:t>
+                      </a:r>
+                      <a:r>
+                        <a:rPr lang="en-US" altLang="ko-KR" sz="1200" dirty="0">
+                          <a:latin typeface="-윤고딕310" panose="02030504000101010101" pitchFamily="18" charset="-127"/>
+                          <a:ea typeface="-윤고딕310" panose="02030504000101010101" pitchFamily="18" charset="-127"/>
+                        </a:rPr>
+                        <a:t>.</a:t>
+                      </a:r>
+                      <a:endParaRPr lang="en-US" altLang="ko-KR" sz="1200" baseline="0" dirty="0">
+                        <a:latin typeface="-윤고딕310" panose="02030504000101010101" pitchFamily="18" charset="-127"/>
+                        <a:ea typeface="-윤고딕310" panose="02030504000101010101" pitchFamily="18" charset="-127"/>
+                      </a:endParaRPr>
                     </a:p>
                     <a:p>
                       <a:pPr marL="171450" indent="-171450" latinLnBrk="1">
@@ -17478,7 +17390,7 @@
           <a:p>
             <a:fld id="{E63BED42-B56B-487C-A576-F8E55AE26EFB}" type="datetime1">
               <a:rPr lang="ko-KR" altLang="en-US" smtClean="0"/>
-              <a:t>2017-11-19</a:t>
+              <a:t>2017-11-20</a:t>
             </a:fld>
             <a:endParaRPr lang="ko-KR" altLang="en-US"/>
           </a:p>
